--- a/Business Analysis/flow.pptx
+++ b/Business Analysis/flow.pptx
@@ -203,7 +203,7 @@
           <a:p>
             <a:fld id="{C5230F40-415C-430C-954E-9C7E5CB09663}" type="datetimeFigureOut">
               <a:rPr lang="en-SG" smtClean="0"/>
-              <a:t>22/1/2017</a:t>
+              <a:t>21/2/2017</a:t>
             </a:fld>
             <a:endParaRPr lang="en-SG"/>
           </a:p>
@@ -1142,7 +1142,7 @@
           <a:p>
             <a:fld id="{52472096-1372-4433-9603-3D7A8CC319BF}" type="datetimeFigureOut">
               <a:rPr lang="en-SG" smtClean="0"/>
-              <a:t>22/1/2017</a:t>
+              <a:t>21/2/2017</a:t>
             </a:fld>
             <a:endParaRPr lang="en-SG"/>
           </a:p>
@@ -1312,7 +1312,7 @@
           <a:p>
             <a:fld id="{52472096-1372-4433-9603-3D7A8CC319BF}" type="datetimeFigureOut">
               <a:rPr lang="en-SG" smtClean="0"/>
-              <a:t>22/1/2017</a:t>
+              <a:t>21/2/2017</a:t>
             </a:fld>
             <a:endParaRPr lang="en-SG"/>
           </a:p>
@@ -1492,7 +1492,7 @@
           <a:p>
             <a:fld id="{52472096-1372-4433-9603-3D7A8CC319BF}" type="datetimeFigureOut">
               <a:rPr lang="en-SG" smtClean="0"/>
-              <a:t>22/1/2017</a:t>
+              <a:t>21/2/2017</a:t>
             </a:fld>
             <a:endParaRPr lang="en-SG"/>
           </a:p>
@@ -1662,7 +1662,7 @@
           <a:p>
             <a:fld id="{52472096-1372-4433-9603-3D7A8CC319BF}" type="datetimeFigureOut">
               <a:rPr lang="en-SG" smtClean="0"/>
-              <a:t>22/1/2017</a:t>
+              <a:t>21/2/2017</a:t>
             </a:fld>
             <a:endParaRPr lang="en-SG"/>
           </a:p>
@@ -1908,7 +1908,7 @@
           <a:p>
             <a:fld id="{52472096-1372-4433-9603-3D7A8CC319BF}" type="datetimeFigureOut">
               <a:rPr lang="en-SG" smtClean="0"/>
-              <a:t>22/1/2017</a:t>
+              <a:t>21/2/2017</a:t>
             </a:fld>
             <a:endParaRPr lang="en-SG"/>
           </a:p>
@@ -2140,7 +2140,7 @@
           <a:p>
             <a:fld id="{52472096-1372-4433-9603-3D7A8CC319BF}" type="datetimeFigureOut">
               <a:rPr lang="en-SG" smtClean="0"/>
-              <a:t>22/1/2017</a:t>
+              <a:t>21/2/2017</a:t>
             </a:fld>
             <a:endParaRPr lang="en-SG"/>
           </a:p>
@@ -2507,7 +2507,7 @@
           <a:p>
             <a:fld id="{52472096-1372-4433-9603-3D7A8CC319BF}" type="datetimeFigureOut">
               <a:rPr lang="en-SG" smtClean="0"/>
-              <a:t>22/1/2017</a:t>
+              <a:t>21/2/2017</a:t>
             </a:fld>
             <a:endParaRPr lang="en-SG"/>
           </a:p>
@@ -2625,7 +2625,7 @@
           <a:p>
             <a:fld id="{52472096-1372-4433-9603-3D7A8CC319BF}" type="datetimeFigureOut">
               <a:rPr lang="en-SG" smtClean="0"/>
-              <a:t>22/1/2017</a:t>
+              <a:t>21/2/2017</a:t>
             </a:fld>
             <a:endParaRPr lang="en-SG"/>
           </a:p>
@@ -2720,7 +2720,7 @@
           <a:p>
             <a:fld id="{52472096-1372-4433-9603-3D7A8CC319BF}" type="datetimeFigureOut">
               <a:rPr lang="en-SG" smtClean="0"/>
-              <a:t>22/1/2017</a:t>
+              <a:t>21/2/2017</a:t>
             </a:fld>
             <a:endParaRPr lang="en-SG"/>
           </a:p>
@@ -2997,7 +2997,7 @@
           <a:p>
             <a:fld id="{52472096-1372-4433-9603-3D7A8CC319BF}" type="datetimeFigureOut">
               <a:rPr lang="en-SG" smtClean="0"/>
-              <a:t>22/1/2017</a:t>
+              <a:t>21/2/2017</a:t>
             </a:fld>
             <a:endParaRPr lang="en-SG"/>
           </a:p>
@@ -3254,7 +3254,7 @@
           <a:p>
             <a:fld id="{52472096-1372-4433-9603-3D7A8CC319BF}" type="datetimeFigureOut">
               <a:rPr lang="en-SG" smtClean="0"/>
-              <a:t>22/1/2017</a:t>
+              <a:t>21/2/2017</a:t>
             </a:fld>
             <a:endParaRPr lang="en-SG"/>
           </a:p>
@@ -3467,7 +3467,7 @@
           <a:p>
             <a:fld id="{52472096-1372-4433-9603-3D7A8CC319BF}" type="datetimeFigureOut">
               <a:rPr lang="en-SG" smtClean="0"/>
-              <a:t>22/1/2017</a:t>
+              <a:t>21/2/2017</a:t>
             </a:fld>
             <a:endParaRPr lang="en-SG"/>
           </a:p>
@@ -5297,1283 +5297,290 @@
       </p:grpSpPr>
       <p:grpSp>
         <p:nvGrpSpPr>
-          <p:cNvPr id="481" name="Group 480"/>
+          <p:cNvPr id="117" name="Group 116"/>
           <p:cNvGrpSpPr/>
           <p:nvPr/>
         </p:nvGrpSpPr>
         <p:grpSpPr>
           <a:xfrm>
-            <a:off x="815849" y="1824503"/>
-            <a:ext cx="13097032" cy="6174393"/>
-            <a:chOff x="815849" y="1824503"/>
-            <a:chExt cx="13097032" cy="6174393"/>
+            <a:off x="542082" y="1836523"/>
+            <a:ext cx="13974760" cy="6307769"/>
+            <a:chOff x="542082" y="1836523"/>
+            <a:chExt cx="13974760" cy="6307769"/>
           </a:xfrm>
         </p:grpSpPr>
         <p:grpSp>
           <p:nvGrpSpPr>
-            <p:cNvPr id="555" name="Group 554"/>
+            <p:cNvPr id="534" name="Group 533"/>
             <p:cNvGrpSpPr/>
             <p:nvPr/>
           </p:nvGrpSpPr>
           <p:grpSpPr>
             <a:xfrm>
-              <a:off x="815849" y="1824503"/>
-              <a:ext cx="13097032" cy="6174393"/>
-              <a:chOff x="841249" y="1824503"/>
-              <a:chExt cx="13097032" cy="6174393"/>
+              <a:off x="542082" y="1836523"/>
+              <a:ext cx="13974760" cy="6307769"/>
+              <a:chOff x="1259838" y="1959429"/>
+              <a:chExt cx="13974760" cy="6307769"/>
             </a:xfrm>
           </p:grpSpPr>
-          <p:sp>
-            <p:nvSpPr>
-              <p:cNvPr id="522" name="Rectangle 521"/>
-              <p:cNvSpPr/>
-              <p:nvPr/>
-            </p:nvSpPr>
-            <p:spPr>
-              <a:xfrm>
-                <a:off x="841249" y="6945162"/>
-                <a:ext cx="13097032" cy="1053734"/>
-              </a:xfrm>
-              <a:prstGeom prst="rect">
-                <a:avLst/>
-              </a:prstGeom>
-              <a:solidFill>
-                <a:schemeClr val="accent1">
-                  <a:lumMod val="20000"/>
-                  <a:lumOff val="80000"/>
-                </a:schemeClr>
-              </a:solidFill>
-            </p:spPr>
-            <p:style>
-              <a:lnRef idx="2">
-                <a:schemeClr val="accent1">
-                  <a:shade val="50000"/>
-                </a:schemeClr>
-              </a:lnRef>
-              <a:fillRef idx="1">
-                <a:schemeClr val="accent1"/>
-              </a:fillRef>
-              <a:effectRef idx="0">
-                <a:schemeClr val="accent1"/>
-              </a:effectRef>
-              <a:fontRef idx="minor">
-                <a:schemeClr val="lt1"/>
-              </a:fontRef>
-            </p:style>
-            <p:txBody>
-              <a:bodyPr rtlCol="0" anchor="ctr"/>
-              <a:lstStyle/>
-              <a:p>
-                <a:pPr algn="ctr"/>
-                <a:endParaRPr lang="en-SG"/>
-              </a:p>
-            </p:txBody>
-          </p:sp>
-          <p:sp>
-            <p:nvSpPr>
-              <p:cNvPr id="521" name="Rectangle 520"/>
-              <p:cNvSpPr/>
-              <p:nvPr/>
-            </p:nvSpPr>
-            <p:spPr>
-              <a:xfrm>
-                <a:off x="841249" y="1824503"/>
-                <a:ext cx="13097032" cy="5140447"/>
-              </a:xfrm>
-              <a:prstGeom prst="rect">
-                <a:avLst/>
-              </a:prstGeom>
-              <a:solidFill>
-                <a:schemeClr val="accent1">
-                  <a:lumMod val="20000"/>
-                  <a:lumOff val="80000"/>
-                </a:schemeClr>
-              </a:solidFill>
-            </p:spPr>
-            <p:style>
-              <a:lnRef idx="2">
-                <a:schemeClr val="accent1">
-                  <a:shade val="50000"/>
-                </a:schemeClr>
-              </a:lnRef>
-              <a:fillRef idx="1">
-                <a:schemeClr val="accent1"/>
-              </a:fillRef>
-              <a:effectRef idx="0">
-                <a:schemeClr val="accent1"/>
-              </a:effectRef>
-              <a:fontRef idx="minor">
-                <a:schemeClr val="lt1"/>
-              </a:fontRef>
-            </p:style>
-            <p:txBody>
-              <a:bodyPr rtlCol="0" anchor="ctr"/>
-              <a:lstStyle/>
-              <a:p>
-                <a:pPr algn="ctr"/>
-                <a:endParaRPr lang="en-SG"/>
-              </a:p>
-            </p:txBody>
-          </p:sp>
-          <p:cxnSp>
-            <p:nvCxnSpPr>
-              <p:cNvPr id="6" name="Straight Connector 5"/>
-              <p:cNvCxnSpPr/>
-              <p:nvPr/>
-            </p:nvCxnSpPr>
-            <p:spPr>
-              <a:xfrm>
-                <a:off x="2033505" y="1824503"/>
-                <a:ext cx="7106" cy="6166558"/>
-              </a:xfrm>
-              <a:prstGeom prst="line">
-                <a:avLst/>
-              </a:prstGeom>
-            </p:spPr>
-            <p:style>
-              <a:lnRef idx="1">
-                <a:schemeClr val="accent1"/>
-              </a:lnRef>
-              <a:fillRef idx="0">
-                <a:schemeClr val="accent1"/>
-              </a:fillRef>
-              <a:effectRef idx="0">
-                <a:schemeClr val="accent1"/>
-              </a:effectRef>
-              <a:fontRef idx="minor">
-                <a:schemeClr val="tx1"/>
-              </a:fontRef>
-            </p:style>
-          </p:cxnSp>
-          <p:sp>
-            <p:nvSpPr>
-              <p:cNvPr id="11" name="TextBox 10"/>
-              <p:cNvSpPr txBox="1"/>
-              <p:nvPr/>
-            </p:nvSpPr>
-            <p:spPr>
-              <a:xfrm>
-                <a:off x="1337293" y="4144583"/>
-                <a:ext cx="697474" cy="294822"/>
-              </a:xfrm>
-              <a:prstGeom prst="rect">
-                <a:avLst/>
-              </a:prstGeom>
-              <a:noFill/>
-            </p:spPr>
-            <p:txBody>
-              <a:bodyPr wrap="square" rtlCol="0">
-                <a:spAutoFit/>
-              </a:bodyPr>
-              <a:lstStyle/>
-              <a:p>
-                <a:r>
-                  <a:rPr lang="en-SG" sz="720" dirty="0"/>
-                  <a:t>Manager</a:t>
-                </a:r>
-              </a:p>
-            </p:txBody>
-          </p:sp>
-          <p:sp>
-            <p:nvSpPr>
-              <p:cNvPr id="12" name="TextBox 11"/>
-              <p:cNvSpPr txBox="1"/>
-              <p:nvPr/>
-            </p:nvSpPr>
-            <p:spPr>
-              <a:xfrm>
-                <a:off x="1245749" y="7274260"/>
-                <a:ext cx="481258" cy="203133"/>
-              </a:xfrm>
-              <a:prstGeom prst="rect">
-                <a:avLst/>
-              </a:prstGeom>
-              <a:noFill/>
-            </p:spPr>
-            <p:txBody>
-              <a:bodyPr wrap="square" rtlCol="0">
-                <a:spAutoFit/>
-              </a:bodyPr>
-              <a:lstStyle/>
-              <a:p>
-                <a:r>
-                  <a:rPr lang="en-SG" sz="720" dirty="0"/>
-                  <a:t>URS</a:t>
-                </a:r>
-              </a:p>
-            </p:txBody>
-          </p:sp>
-          <p:sp>
-            <p:nvSpPr>
-              <p:cNvPr id="13" name="Rounded Rectangle 12"/>
-              <p:cNvSpPr/>
-              <p:nvPr/>
-            </p:nvSpPr>
-            <p:spPr>
-              <a:xfrm>
-                <a:off x="2400775" y="3911680"/>
-                <a:ext cx="857184" cy="456565"/>
-              </a:xfrm>
-              <a:prstGeom prst="roundRect">
-                <a:avLst/>
-              </a:prstGeom>
-            </p:spPr>
-            <p:style>
-              <a:lnRef idx="2">
-                <a:schemeClr val="accent6"/>
-              </a:lnRef>
-              <a:fillRef idx="1">
-                <a:schemeClr val="lt1"/>
-              </a:fillRef>
-              <a:effectRef idx="0">
-                <a:schemeClr val="accent6"/>
-              </a:effectRef>
-              <a:fontRef idx="minor">
-                <a:schemeClr val="dk1"/>
-              </a:fontRef>
-            </p:style>
-            <p:txBody>
-              <a:bodyPr rot="0" spcFirstLastPara="0" vertOverflow="overflow" horzOverflow="overflow" vert="horz" wrap="square" lIns="36578" tIns="18289" rIns="36578" bIns="18289" numCol="1" spcCol="0" rtlCol="0" fromWordArt="0" anchor="ctr" anchorCtr="0" forceAA="0" compatLnSpc="1">
-                <a:prstTxWarp prst="textNoShape">
-                  <a:avLst/>
-                </a:prstTxWarp>
-                <a:noAutofit/>
-              </a:bodyPr>
-              <a:lstStyle/>
-              <a:p>
-                <a:pPr algn="ctr"/>
-                <a:r>
-                  <a:rPr lang="en-SG" sz="720" dirty="0"/>
-                  <a:t>Download .</a:t>
-                </a:r>
-                <a:r>
-                  <a:rPr lang="en-SG" sz="720" dirty="0" err="1"/>
-                  <a:t>xls</a:t>
-                </a:r>
-                <a:r>
-                  <a:rPr lang="en-SG" sz="720" dirty="0"/>
-                  <a:t> file from current ZOHO system</a:t>
-                </a:r>
-              </a:p>
-            </p:txBody>
-          </p:sp>
-          <p:sp>
-            <p:nvSpPr>
-              <p:cNvPr id="14" name="Oval 13"/>
-              <p:cNvSpPr/>
-              <p:nvPr/>
-            </p:nvSpPr>
-            <p:spPr>
-              <a:xfrm>
-                <a:off x="2736631" y="2458163"/>
-                <a:ext cx="201431" cy="253005"/>
-              </a:xfrm>
-              <a:prstGeom prst="ellipse">
-                <a:avLst/>
-              </a:prstGeom>
-            </p:spPr>
-            <p:style>
-              <a:lnRef idx="2">
-                <a:schemeClr val="accent6"/>
-              </a:lnRef>
-              <a:fillRef idx="1">
-                <a:schemeClr val="lt1"/>
-              </a:fillRef>
-              <a:effectRef idx="0">
-                <a:schemeClr val="accent6"/>
-              </a:effectRef>
-              <a:fontRef idx="minor">
-                <a:schemeClr val="dk1"/>
-              </a:fontRef>
-            </p:style>
-            <p:txBody>
-              <a:bodyPr rot="0" spcFirstLastPara="0" vertOverflow="overflow" horzOverflow="overflow" vert="horz" wrap="square" lIns="36578" tIns="18289" rIns="36578" bIns="18289" numCol="1" spcCol="0" rtlCol="0" fromWordArt="0" anchor="ctr" anchorCtr="0" forceAA="0" compatLnSpc="1">
-                <a:prstTxWarp prst="textNoShape">
-                  <a:avLst/>
-                </a:prstTxWarp>
-                <a:noAutofit/>
-              </a:bodyPr>
-              <a:lstStyle/>
-              <a:p>
-                <a:pPr algn="ctr"/>
-                <a:endParaRPr lang="en-SG" sz="720"/>
-              </a:p>
-            </p:txBody>
-          </p:sp>
-          <p:sp>
-            <p:nvSpPr>
-              <p:cNvPr id="15" name="Rounded Rectangle 14"/>
-              <p:cNvSpPr/>
-              <p:nvPr/>
-            </p:nvSpPr>
-            <p:spPr>
-              <a:xfrm>
-                <a:off x="2400775" y="4602644"/>
-                <a:ext cx="857184" cy="456565"/>
-              </a:xfrm>
-              <a:prstGeom prst="roundRect">
-                <a:avLst/>
-              </a:prstGeom>
-            </p:spPr>
-            <p:style>
-              <a:lnRef idx="2">
-                <a:schemeClr val="accent6"/>
-              </a:lnRef>
-              <a:fillRef idx="1">
-                <a:schemeClr val="lt1"/>
-              </a:fillRef>
-              <a:effectRef idx="0">
-                <a:schemeClr val="accent6"/>
-              </a:effectRef>
-              <a:fontRef idx="minor">
-                <a:schemeClr val="dk1"/>
-              </a:fontRef>
-            </p:style>
-            <p:txBody>
-              <a:bodyPr rot="0" spcFirstLastPara="0" vertOverflow="overflow" horzOverflow="overflow" vert="horz" wrap="square" lIns="36578" tIns="18289" rIns="36578" bIns="18289" numCol="1" spcCol="0" rtlCol="0" fromWordArt="0" anchor="ctr" anchorCtr="0" forceAA="0" compatLnSpc="1">
-                <a:prstTxWarp prst="textNoShape">
-                  <a:avLst/>
-                </a:prstTxWarp>
-                <a:noAutofit/>
-              </a:bodyPr>
-              <a:lstStyle/>
-              <a:p>
-                <a:pPr algn="ctr"/>
-                <a:r>
-                  <a:rPr lang="en-SG" sz="720" dirty="0"/>
-                  <a:t>Upload .</a:t>
-                </a:r>
-                <a:r>
-                  <a:rPr lang="en-SG" sz="720" dirty="0" err="1"/>
-                  <a:t>xls</a:t>
-                </a:r>
-                <a:r>
-                  <a:rPr lang="en-SG" sz="720" dirty="0"/>
-                  <a:t> file into URS</a:t>
-                </a:r>
-              </a:p>
-            </p:txBody>
-          </p:sp>
-          <p:sp>
-            <p:nvSpPr>
-              <p:cNvPr id="16" name="TextBox 15"/>
-              <p:cNvSpPr txBox="1"/>
-              <p:nvPr/>
-            </p:nvSpPr>
-            <p:spPr>
-              <a:xfrm>
-                <a:off x="984288" y="7508007"/>
-                <a:ext cx="1397647" cy="178510"/>
-              </a:xfrm>
-              <a:prstGeom prst="rect">
-                <a:avLst/>
-              </a:prstGeom>
-              <a:noFill/>
-            </p:spPr>
-            <p:txBody>
-              <a:bodyPr wrap="square" rtlCol="0">
-                <a:spAutoFit/>
-              </a:bodyPr>
-              <a:lstStyle/>
-              <a:p>
-                <a:r>
-                  <a:rPr lang="en-SG" sz="560" dirty="0"/>
-                  <a:t>&lt; Ulink Reporting System &gt;</a:t>
-                </a:r>
-              </a:p>
-            </p:txBody>
-          </p:sp>
-          <p:sp>
-            <p:nvSpPr>
-              <p:cNvPr id="17" name="Rounded Rectangle 16"/>
-              <p:cNvSpPr/>
-              <p:nvPr/>
-            </p:nvSpPr>
-            <p:spPr>
-              <a:xfrm>
-                <a:off x="2331326" y="7365566"/>
-                <a:ext cx="980787" cy="456565"/>
-              </a:xfrm>
-              <a:prstGeom prst="roundRect">
-                <a:avLst/>
-              </a:prstGeom>
-            </p:spPr>
-            <p:style>
-              <a:lnRef idx="2">
-                <a:schemeClr val="accent6"/>
-              </a:lnRef>
-              <a:fillRef idx="1">
-                <a:schemeClr val="lt1"/>
-              </a:fillRef>
-              <a:effectRef idx="0">
-                <a:schemeClr val="accent6"/>
-              </a:effectRef>
-              <a:fontRef idx="minor">
-                <a:schemeClr val="dk1"/>
-              </a:fontRef>
-            </p:style>
-            <p:txBody>
-              <a:bodyPr rot="0" spcFirstLastPara="0" vertOverflow="overflow" horzOverflow="overflow" vert="horz" wrap="square" lIns="36578" tIns="18289" rIns="36578" bIns="18289" numCol="1" spcCol="0" rtlCol="0" fromWordArt="0" anchor="ctr" anchorCtr="0" forceAA="0" compatLnSpc="1">
-                <a:prstTxWarp prst="textNoShape">
-                  <a:avLst/>
-                </a:prstTxWarp>
-                <a:noAutofit/>
-              </a:bodyPr>
-              <a:lstStyle/>
-              <a:p>
-                <a:pPr algn="ctr"/>
-                <a:r>
-                  <a:rPr lang="en-SG" sz="720" dirty="0"/>
-                  <a:t>Bootstrap (update) client database</a:t>
-                </a:r>
-              </a:p>
-            </p:txBody>
-          </p:sp>
-          <p:sp>
-            <p:nvSpPr>
-              <p:cNvPr id="18" name="Rounded Rectangle 17"/>
-              <p:cNvSpPr/>
-              <p:nvPr/>
-            </p:nvSpPr>
-            <p:spPr>
-              <a:xfrm>
-                <a:off x="5886784" y="2062699"/>
-                <a:ext cx="857184" cy="456565"/>
-              </a:xfrm>
-              <a:prstGeom prst="roundRect">
-                <a:avLst/>
-              </a:prstGeom>
-            </p:spPr>
-            <p:style>
-              <a:lnRef idx="2">
-                <a:schemeClr val="accent6"/>
-              </a:lnRef>
-              <a:fillRef idx="1">
-                <a:schemeClr val="lt1"/>
-              </a:fillRef>
-              <a:effectRef idx="0">
-                <a:schemeClr val="accent6"/>
-              </a:effectRef>
-              <a:fontRef idx="minor">
-                <a:schemeClr val="dk1"/>
-              </a:fontRef>
-            </p:style>
-            <p:txBody>
-              <a:bodyPr rot="0" spcFirstLastPara="0" vertOverflow="overflow" horzOverflow="overflow" vert="horz" wrap="square" lIns="36578" tIns="18289" rIns="36578" bIns="18289" numCol="1" spcCol="0" rtlCol="0" fromWordArt="0" anchor="ctr" anchorCtr="0" forceAA="0" compatLnSpc="1">
-                <a:prstTxWarp prst="textNoShape">
-                  <a:avLst/>
-                </a:prstTxWarp>
-                <a:noAutofit/>
-              </a:bodyPr>
-              <a:lstStyle/>
-              <a:p>
-                <a:pPr algn="ctr"/>
-                <a:r>
-                  <a:rPr lang="en-SG" sz="720" dirty="0"/>
-                  <a:t>View Client List</a:t>
-                </a:r>
-              </a:p>
-            </p:txBody>
-          </p:sp>
-          <p:sp>
-            <p:nvSpPr>
-              <p:cNvPr id="20" name="Rounded Rectangle 19"/>
-              <p:cNvSpPr/>
-              <p:nvPr/>
-            </p:nvSpPr>
-            <p:spPr>
-              <a:xfrm>
-                <a:off x="5878330" y="2957554"/>
-                <a:ext cx="857184" cy="456565"/>
-              </a:xfrm>
-              <a:prstGeom prst="roundRect">
-                <a:avLst/>
-              </a:prstGeom>
-            </p:spPr>
-            <p:style>
-              <a:lnRef idx="2">
-                <a:schemeClr val="accent6"/>
-              </a:lnRef>
-              <a:fillRef idx="1">
-                <a:schemeClr val="lt1"/>
-              </a:fillRef>
-              <a:effectRef idx="0">
-                <a:schemeClr val="accent6"/>
-              </a:effectRef>
-              <a:fontRef idx="minor">
-                <a:schemeClr val="dk1"/>
-              </a:fontRef>
-            </p:style>
-            <p:txBody>
-              <a:bodyPr rot="0" spcFirstLastPara="0" vertOverflow="overflow" horzOverflow="overflow" vert="horz" wrap="square" lIns="36578" tIns="18289" rIns="36578" bIns="18289" numCol="1" spcCol="0" rtlCol="0" fromWordArt="0" anchor="ctr" anchorCtr="0" forceAA="0" compatLnSpc="1">
-                <a:prstTxWarp prst="textNoShape">
-                  <a:avLst/>
-                </a:prstTxWarp>
-                <a:noAutofit/>
-              </a:bodyPr>
-              <a:lstStyle/>
-              <a:p>
-                <a:pPr algn="ctr"/>
-                <a:r>
-                  <a:rPr lang="en-SG" sz="720" dirty="0"/>
-                  <a:t>Select Client</a:t>
-                </a:r>
-              </a:p>
-            </p:txBody>
-          </p:sp>
-          <p:sp>
-            <p:nvSpPr>
-              <p:cNvPr id="21" name="Rounded Rectangle 20"/>
-              <p:cNvSpPr/>
-              <p:nvPr/>
-            </p:nvSpPr>
-            <p:spPr>
-              <a:xfrm>
-                <a:off x="7062123" y="3867777"/>
-                <a:ext cx="857184" cy="456566"/>
-              </a:xfrm>
-              <a:prstGeom prst="roundRect">
-                <a:avLst/>
-              </a:prstGeom>
-            </p:spPr>
-            <p:style>
-              <a:lnRef idx="2">
-                <a:schemeClr val="accent2">
-                  <a:shade val="50000"/>
-                </a:schemeClr>
-              </a:lnRef>
-              <a:fillRef idx="1">
-                <a:schemeClr val="accent2"/>
-              </a:fillRef>
-              <a:effectRef idx="0">
-                <a:schemeClr val="accent2"/>
-              </a:effectRef>
-              <a:fontRef idx="minor">
-                <a:schemeClr val="lt1"/>
-              </a:fontRef>
-            </p:style>
-            <p:txBody>
-              <a:bodyPr rot="0" spcFirstLastPara="0" vertOverflow="overflow" horzOverflow="overflow" vert="horz" wrap="square" lIns="36578" tIns="18289" rIns="36578" bIns="18289" numCol="1" spcCol="0" rtlCol="0" fromWordArt="0" anchor="ctr" anchorCtr="0" forceAA="0" compatLnSpc="1">
-                <a:prstTxWarp prst="textNoShape">
-                  <a:avLst/>
-                </a:prstTxWarp>
-                <a:noAutofit/>
-              </a:bodyPr>
-              <a:lstStyle/>
-              <a:p>
-                <a:pPr algn="ctr"/>
-                <a:r>
-                  <a:rPr lang="en-SG" sz="720" dirty="0"/>
-                  <a:t>View Client’s Appointment &amp; Admission details</a:t>
-                </a:r>
-              </a:p>
-            </p:txBody>
-          </p:sp>
-          <p:sp>
-            <p:nvSpPr>
-              <p:cNvPr id="22" name="Rounded Rectangle 21"/>
-              <p:cNvSpPr/>
-              <p:nvPr/>
-            </p:nvSpPr>
-            <p:spPr>
-              <a:xfrm>
-                <a:off x="8168837" y="3832455"/>
-                <a:ext cx="857184" cy="456565"/>
-              </a:xfrm>
-              <a:prstGeom prst="roundRect">
-                <a:avLst/>
-              </a:prstGeom>
-            </p:spPr>
-            <p:style>
-              <a:lnRef idx="2">
-                <a:schemeClr val="accent6"/>
-              </a:lnRef>
-              <a:fillRef idx="1">
-                <a:schemeClr val="lt1"/>
-              </a:fillRef>
-              <a:effectRef idx="0">
-                <a:schemeClr val="accent6"/>
-              </a:effectRef>
-              <a:fontRef idx="minor">
-                <a:schemeClr val="dk1"/>
-              </a:fontRef>
-            </p:style>
-            <p:txBody>
-              <a:bodyPr rot="0" spcFirstLastPara="0" vertOverflow="overflow" horzOverflow="overflow" vert="horz" wrap="square" lIns="36578" tIns="18289" rIns="36578" bIns="18289" numCol="1" spcCol="0" rtlCol="0" fromWordArt="0" anchor="ctr" anchorCtr="0" forceAA="0" compatLnSpc="1">
-                <a:prstTxWarp prst="textNoShape">
-                  <a:avLst/>
-                </a:prstTxWarp>
-                <a:noAutofit/>
-              </a:bodyPr>
-              <a:lstStyle/>
-              <a:p>
-                <a:pPr algn="ctr"/>
-                <a:r>
-                  <a:rPr lang="en-SG" sz="720" dirty="0"/>
-                  <a:t>View Client’s Recommended Screening</a:t>
-                </a:r>
-              </a:p>
-            </p:txBody>
-          </p:sp>
-          <p:sp>
-            <p:nvSpPr>
-              <p:cNvPr id="24" name="Rounded Rectangle 23"/>
-              <p:cNvSpPr/>
-              <p:nvPr/>
-            </p:nvSpPr>
-            <p:spPr>
-              <a:xfrm>
-                <a:off x="11780055" y="3845154"/>
-                <a:ext cx="851444" cy="456566"/>
-              </a:xfrm>
-              <a:prstGeom prst="roundRect">
-                <a:avLst/>
-              </a:prstGeom>
-            </p:spPr>
-            <p:style>
-              <a:lnRef idx="2">
-                <a:schemeClr val="accent6"/>
-              </a:lnRef>
-              <a:fillRef idx="1">
-                <a:schemeClr val="lt1"/>
-              </a:fillRef>
-              <a:effectRef idx="0">
-                <a:schemeClr val="accent6"/>
-              </a:effectRef>
-              <a:fontRef idx="minor">
-                <a:schemeClr val="dk1"/>
-              </a:fontRef>
-            </p:style>
-            <p:txBody>
-              <a:bodyPr rot="0" spcFirstLastPara="0" vertOverflow="overflow" horzOverflow="overflow" vert="horz" wrap="square" lIns="36578" tIns="18289" rIns="36578" bIns="18289" numCol="1" spcCol="0" rtlCol="0" fromWordArt="0" anchor="ctr" anchorCtr="0" forceAA="0" compatLnSpc="1">
-                <a:prstTxWarp prst="textNoShape">
-                  <a:avLst/>
-                </a:prstTxWarp>
-                <a:noAutofit/>
-              </a:bodyPr>
-              <a:lstStyle/>
-              <a:p>
-                <a:pPr algn="ctr"/>
-                <a:r>
-                  <a:rPr lang="en-SG" sz="720" dirty="0"/>
-                  <a:t>Send Recommended screenings </a:t>
-                </a:r>
-              </a:p>
-            </p:txBody>
-          </p:sp>
-          <p:sp>
-            <p:nvSpPr>
-              <p:cNvPr id="25" name="Rounded Rectangle 24"/>
-              <p:cNvSpPr/>
-              <p:nvPr/>
-            </p:nvSpPr>
-            <p:spPr>
-              <a:xfrm>
-                <a:off x="11760087" y="7284945"/>
-                <a:ext cx="885968" cy="393956"/>
-              </a:xfrm>
-              <a:prstGeom prst="roundRect">
-                <a:avLst/>
-              </a:prstGeom>
-            </p:spPr>
-            <p:style>
-              <a:lnRef idx="2">
-                <a:schemeClr val="accent6"/>
-              </a:lnRef>
-              <a:fillRef idx="1">
-                <a:schemeClr val="lt1"/>
-              </a:fillRef>
-              <a:effectRef idx="0">
-                <a:schemeClr val="accent6"/>
-              </a:effectRef>
-              <a:fontRef idx="minor">
-                <a:schemeClr val="dk1"/>
-              </a:fontRef>
-            </p:style>
-            <p:txBody>
-              <a:bodyPr rot="0" spcFirstLastPara="0" vertOverflow="overflow" horzOverflow="overflow" vert="horz" wrap="square" lIns="36578" tIns="18289" rIns="36578" bIns="18289" numCol="1" spcCol="0" rtlCol="0" fromWordArt="0" anchor="ctr" anchorCtr="0" forceAA="0" compatLnSpc="1">
-                <a:prstTxWarp prst="textNoShape">
-                  <a:avLst/>
-                </a:prstTxWarp>
-                <a:noAutofit/>
-              </a:bodyPr>
-              <a:lstStyle/>
-              <a:p>
-                <a:pPr algn="ctr"/>
-                <a:r>
-                  <a:rPr lang="en-SG" sz="720" dirty="0"/>
-                  <a:t>Pull client’s information and screening details </a:t>
-                </a:r>
-              </a:p>
-            </p:txBody>
-          </p:sp>
-          <p:sp>
-            <p:nvSpPr>
-              <p:cNvPr id="26" name="Rounded Rectangle 25"/>
-              <p:cNvSpPr/>
-              <p:nvPr/>
-            </p:nvSpPr>
-            <p:spPr>
-              <a:xfrm>
-                <a:off x="12814863" y="7287583"/>
-                <a:ext cx="885968" cy="391318"/>
-              </a:xfrm>
-              <a:prstGeom prst="roundRect">
-                <a:avLst/>
-              </a:prstGeom>
-            </p:spPr>
-            <p:style>
-              <a:lnRef idx="2">
-                <a:schemeClr val="accent6"/>
-              </a:lnRef>
-              <a:fillRef idx="1">
-                <a:schemeClr val="lt1"/>
-              </a:fillRef>
-              <a:effectRef idx="0">
-                <a:schemeClr val="accent6"/>
-              </a:effectRef>
-              <a:fontRef idx="minor">
-                <a:schemeClr val="dk1"/>
-              </a:fontRef>
-            </p:style>
-            <p:txBody>
-              <a:bodyPr rot="0" spcFirstLastPara="0" vertOverflow="overflow" horzOverflow="overflow" vert="horz" wrap="square" lIns="36578" tIns="18289" rIns="36578" bIns="18289" numCol="1" spcCol="0" rtlCol="0" fromWordArt="0" anchor="ctr" anchorCtr="0" forceAA="0" compatLnSpc="1">
-                <a:prstTxWarp prst="textNoShape">
-                  <a:avLst/>
-                </a:prstTxWarp>
-                <a:noAutofit/>
-              </a:bodyPr>
-              <a:lstStyle/>
-              <a:p>
-                <a:pPr algn="ctr"/>
-                <a:r>
-                  <a:rPr lang="en-SG" sz="720" dirty="0"/>
-                  <a:t>Draft email and send to Manager</a:t>
-                </a:r>
-              </a:p>
-            </p:txBody>
-          </p:sp>
-          <p:cxnSp>
-            <p:nvCxnSpPr>
-              <p:cNvPr id="28" name="Straight Arrow Connector 27"/>
-              <p:cNvCxnSpPr>
-                <a:stCxn id="13" idx="2"/>
-                <a:endCxn id="15" idx="0"/>
-              </p:cNvCxnSpPr>
-              <p:nvPr/>
-            </p:nvCxnSpPr>
-            <p:spPr>
-              <a:xfrm>
-                <a:off x="2829367" y="4368233"/>
-                <a:ext cx="0" cy="234403"/>
-              </a:xfrm>
-              <a:prstGeom prst="straightConnector1">
-                <a:avLst/>
-              </a:prstGeom>
-              <a:ln>
-                <a:tailEnd type="triangle"/>
-              </a:ln>
-            </p:spPr>
-            <p:style>
-              <a:lnRef idx="1">
-                <a:schemeClr val="accent2"/>
-              </a:lnRef>
-              <a:fillRef idx="0">
-                <a:schemeClr val="accent2"/>
-              </a:fillRef>
-              <a:effectRef idx="0">
-                <a:schemeClr val="accent2"/>
-              </a:effectRef>
-              <a:fontRef idx="minor">
-                <a:schemeClr val="tx1"/>
-              </a:fontRef>
-            </p:style>
-          </p:cxnSp>
-          <p:cxnSp>
-            <p:nvCxnSpPr>
-              <p:cNvPr id="29" name="Straight Arrow Connector 28"/>
-              <p:cNvCxnSpPr>
-                <a:stCxn id="15" idx="2"/>
-                <a:endCxn id="17" idx="0"/>
-              </p:cNvCxnSpPr>
-              <p:nvPr/>
-            </p:nvCxnSpPr>
-            <p:spPr>
-              <a:xfrm flipH="1">
-                <a:off x="2821720" y="5059209"/>
-                <a:ext cx="7647" cy="2306357"/>
-              </a:xfrm>
-              <a:prstGeom prst="straightConnector1">
-                <a:avLst/>
-              </a:prstGeom>
-              <a:ln>
-                <a:tailEnd type="triangle"/>
-              </a:ln>
-            </p:spPr>
-            <p:style>
-              <a:lnRef idx="1">
-                <a:schemeClr val="accent2"/>
-              </a:lnRef>
-              <a:fillRef idx="0">
-                <a:schemeClr val="accent2"/>
-              </a:fillRef>
-              <a:effectRef idx="0">
-                <a:schemeClr val="accent2"/>
-              </a:effectRef>
-              <a:fontRef idx="minor">
-                <a:schemeClr val="tx1"/>
-              </a:fontRef>
-            </p:style>
-          </p:cxnSp>
-          <p:cxnSp>
-            <p:nvCxnSpPr>
-              <p:cNvPr id="45" name="Straight Arrow Connector 44"/>
-              <p:cNvCxnSpPr>
-                <a:stCxn id="18" idx="2"/>
-                <a:endCxn id="20" idx="0"/>
-              </p:cNvCxnSpPr>
-              <p:nvPr/>
-            </p:nvCxnSpPr>
-            <p:spPr>
-              <a:xfrm flipH="1">
-                <a:off x="6306922" y="2519264"/>
-                <a:ext cx="8454" cy="438290"/>
-              </a:xfrm>
-              <a:prstGeom prst="straightConnector1">
-                <a:avLst/>
-              </a:prstGeom>
-              <a:ln>
-                <a:tailEnd type="triangle"/>
-              </a:ln>
-            </p:spPr>
-            <p:style>
-              <a:lnRef idx="1">
-                <a:schemeClr val="accent2"/>
-              </a:lnRef>
-              <a:fillRef idx="0">
-                <a:schemeClr val="accent2"/>
-              </a:fillRef>
-              <a:effectRef idx="0">
-                <a:schemeClr val="accent2"/>
-              </a:effectRef>
-              <a:fontRef idx="minor">
-                <a:schemeClr val="tx1"/>
-              </a:fontRef>
-            </p:style>
-          </p:cxnSp>
-          <p:cxnSp>
-            <p:nvCxnSpPr>
-              <p:cNvPr id="58" name="Straight Arrow Connector 57"/>
-              <p:cNvCxnSpPr>
-                <a:stCxn id="22" idx="3"/>
-                <a:endCxn id="101" idx="1"/>
-              </p:cNvCxnSpPr>
-              <p:nvPr/>
-            </p:nvCxnSpPr>
-            <p:spPr>
-              <a:xfrm>
-                <a:off x="9026021" y="4060738"/>
-                <a:ext cx="204658" cy="4094"/>
-              </a:xfrm>
-              <a:prstGeom prst="straightConnector1">
-                <a:avLst/>
-              </a:prstGeom>
-              <a:ln>
-                <a:tailEnd type="triangle"/>
-              </a:ln>
-            </p:spPr>
-            <p:style>
-              <a:lnRef idx="1">
-                <a:schemeClr val="accent2"/>
-              </a:lnRef>
-              <a:fillRef idx="0">
-                <a:schemeClr val="accent2"/>
-              </a:fillRef>
-              <a:effectRef idx="0">
-                <a:schemeClr val="accent2"/>
-              </a:effectRef>
-              <a:fontRef idx="minor">
-                <a:schemeClr val="tx1"/>
-              </a:fontRef>
-            </p:style>
-          </p:cxnSp>
-          <p:cxnSp>
-            <p:nvCxnSpPr>
-              <p:cNvPr id="68" name="Straight Arrow Connector 67"/>
-              <p:cNvCxnSpPr>
-                <a:stCxn id="24" idx="2"/>
-                <a:endCxn id="25" idx="0"/>
-              </p:cNvCxnSpPr>
-              <p:nvPr/>
-            </p:nvCxnSpPr>
-            <p:spPr>
-              <a:xfrm flipH="1">
-                <a:off x="12203071" y="4301720"/>
-                <a:ext cx="2706" cy="2983225"/>
-              </a:xfrm>
-              <a:prstGeom prst="straightConnector1">
-                <a:avLst/>
-              </a:prstGeom>
-              <a:ln>
-                <a:tailEnd type="triangle"/>
-              </a:ln>
-            </p:spPr>
-            <p:style>
-              <a:lnRef idx="1">
-                <a:schemeClr val="accent2"/>
-              </a:lnRef>
-              <a:fillRef idx="0">
-                <a:schemeClr val="accent2"/>
-              </a:fillRef>
-              <a:effectRef idx="0">
-                <a:schemeClr val="accent2"/>
-              </a:effectRef>
-              <a:fontRef idx="minor">
-                <a:schemeClr val="tx1"/>
-              </a:fontRef>
-            </p:style>
-          </p:cxnSp>
-          <p:cxnSp>
-            <p:nvCxnSpPr>
-              <p:cNvPr id="72" name="Straight Arrow Connector 71"/>
-              <p:cNvCxnSpPr>
-                <a:stCxn id="25" idx="3"/>
-                <a:endCxn id="26" idx="1"/>
-              </p:cNvCxnSpPr>
-              <p:nvPr/>
-            </p:nvCxnSpPr>
-            <p:spPr>
-              <a:xfrm>
-                <a:off x="12646055" y="7481923"/>
-                <a:ext cx="168808" cy="1319"/>
-              </a:xfrm>
-              <a:prstGeom prst="straightConnector1">
-                <a:avLst/>
-              </a:prstGeom>
-              <a:ln>
-                <a:tailEnd type="triangle"/>
-              </a:ln>
-            </p:spPr>
-            <p:style>
-              <a:lnRef idx="1">
-                <a:schemeClr val="accent2"/>
-              </a:lnRef>
-              <a:fillRef idx="0">
-                <a:schemeClr val="accent2"/>
-              </a:fillRef>
-              <a:effectRef idx="0">
-                <a:schemeClr val="accent2"/>
-              </a:effectRef>
-              <a:fontRef idx="minor">
-                <a:schemeClr val="tx1"/>
-              </a:fontRef>
-            </p:style>
-          </p:cxnSp>
-          <p:cxnSp>
-            <p:nvCxnSpPr>
-              <p:cNvPr id="78" name="Straight Arrow Connector 77"/>
-              <p:cNvCxnSpPr>
-                <a:stCxn id="14" idx="4"/>
-                <a:endCxn id="526" idx="0"/>
-              </p:cNvCxnSpPr>
-              <p:nvPr/>
-            </p:nvCxnSpPr>
-            <p:spPr>
-              <a:xfrm flipH="1">
-                <a:off x="2833250" y="2711168"/>
-                <a:ext cx="4097" cy="332968"/>
-              </a:xfrm>
-              <a:prstGeom prst="straightConnector1">
-                <a:avLst/>
-              </a:prstGeom>
-              <a:ln>
-                <a:tailEnd type="triangle"/>
-              </a:ln>
-            </p:spPr>
-            <p:style>
-              <a:lnRef idx="1">
-                <a:schemeClr val="accent2"/>
-              </a:lnRef>
-              <a:fillRef idx="0">
-                <a:schemeClr val="accent2"/>
-              </a:fillRef>
-              <a:effectRef idx="0">
-                <a:schemeClr val="accent2"/>
-              </a:effectRef>
-              <a:fontRef idx="minor">
-                <a:schemeClr val="tx1"/>
-              </a:fontRef>
-            </p:style>
-          </p:cxnSp>
-          <p:cxnSp>
-            <p:nvCxnSpPr>
-              <p:cNvPr id="86" name="Straight Arrow Connector 85"/>
-              <p:cNvCxnSpPr>
-                <a:stCxn id="89" idx="0"/>
-                <a:endCxn id="85" idx="4"/>
-              </p:cNvCxnSpPr>
-              <p:nvPr/>
-            </p:nvCxnSpPr>
-            <p:spPr>
-              <a:xfrm flipH="1" flipV="1">
-                <a:off x="13255191" y="3327935"/>
-                <a:ext cx="2854" cy="465544"/>
-              </a:xfrm>
-              <a:prstGeom prst="straightConnector1">
-                <a:avLst/>
-              </a:prstGeom>
-              <a:ln>
-                <a:tailEnd type="triangle"/>
-              </a:ln>
-            </p:spPr>
-            <p:style>
-              <a:lnRef idx="1">
-                <a:schemeClr val="accent2"/>
-              </a:lnRef>
-              <a:fillRef idx="0">
-                <a:schemeClr val="accent2"/>
-              </a:fillRef>
-              <a:effectRef idx="0">
-                <a:schemeClr val="accent2"/>
-              </a:effectRef>
-              <a:fontRef idx="minor">
-                <a:schemeClr val="tx1"/>
-              </a:fontRef>
-            </p:style>
-          </p:cxnSp>
-          <p:sp>
-            <p:nvSpPr>
-              <p:cNvPr id="89" name="Rounded Rectangle 88"/>
-              <p:cNvSpPr/>
-              <p:nvPr/>
-            </p:nvSpPr>
-            <p:spPr>
-              <a:xfrm>
-                <a:off x="12838189" y="3793479"/>
-                <a:ext cx="839711" cy="384821"/>
-              </a:xfrm>
-              <a:prstGeom prst="roundRect">
-                <a:avLst/>
-              </a:prstGeom>
-            </p:spPr>
-            <p:style>
-              <a:lnRef idx="2">
-                <a:schemeClr val="accent6"/>
-              </a:lnRef>
-              <a:fillRef idx="1">
-                <a:schemeClr val="lt1"/>
-              </a:fillRef>
-              <a:effectRef idx="0">
-                <a:schemeClr val="accent6"/>
-              </a:effectRef>
-              <a:fontRef idx="minor">
-                <a:schemeClr val="dk1"/>
-              </a:fontRef>
-            </p:style>
-            <p:txBody>
-              <a:bodyPr rot="0" spcFirstLastPara="0" vertOverflow="overflow" horzOverflow="overflow" vert="horz" wrap="square" lIns="36578" tIns="18289" rIns="36578" bIns="18289" numCol="1" spcCol="0" rtlCol="0" fromWordArt="0" anchor="ctr" anchorCtr="0" forceAA="0" compatLnSpc="1">
-                <a:prstTxWarp prst="textNoShape">
-                  <a:avLst/>
-                </a:prstTxWarp>
-                <a:noAutofit/>
-              </a:bodyPr>
-              <a:lstStyle/>
-              <a:p>
-                <a:pPr algn="ctr"/>
-                <a:r>
-                  <a:rPr lang="en-SG" sz="720" dirty="0"/>
-                  <a:t>Check email and send out to client</a:t>
-                </a:r>
-              </a:p>
-            </p:txBody>
-          </p:sp>
-          <p:cxnSp>
-            <p:nvCxnSpPr>
-              <p:cNvPr id="94" name="Straight Arrow Connector 93"/>
-              <p:cNvCxnSpPr>
-                <a:stCxn id="26" idx="0"/>
-                <a:endCxn id="89" idx="2"/>
-              </p:cNvCxnSpPr>
-              <p:nvPr/>
-            </p:nvCxnSpPr>
-            <p:spPr>
-              <a:xfrm flipV="1">
-                <a:off x="13257847" y="4178300"/>
-                <a:ext cx="198" cy="3109283"/>
-              </a:xfrm>
-              <a:prstGeom prst="straightConnector1">
-                <a:avLst/>
-              </a:prstGeom>
-              <a:ln>
-                <a:tailEnd type="triangle"/>
-              </a:ln>
-            </p:spPr>
-            <p:style>
-              <a:lnRef idx="1">
-                <a:schemeClr val="accent2"/>
-              </a:lnRef>
-              <a:fillRef idx="0">
-                <a:schemeClr val="accent2"/>
-              </a:fillRef>
-              <a:effectRef idx="0">
-                <a:schemeClr val="accent2"/>
-              </a:effectRef>
-              <a:fontRef idx="minor">
-                <a:schemeClr val="tx1"/>
-              </a:fontRef>
-            </p:style>
-          </p:cxnSp>
-          <p:sp>
-            <p:nvSpPr>
-              <p:cNvPr id="5" name="Flowchart: Decision 4"/>
-              <p:cNvSpPr/>
-              <p:nvPr/>
-            </p:nvSpPr>
-            <p:spPr>
-              <a:xfrm>
-                <a:off x="4152792" y="3551094"/>
-                <a:ext cx="959868" cy="770738"/>
-              </a:xfrm>
-              <a:prstGeom prst="flowChartDecision">
-                <a:avLst/>
-              </a:prstGeom>
-            </p:spPr>
-            <p:style>
-              <a:lnRef idx="2">
-                <a:schemeClr val="accent6"/>
-              </a:lnRef>
-              <a:fillRef idx="1">
-                <a:schemeClr val="lt1"/>
-              </a:fillRef>
-              <a:effectRef idx="0">
-                <a:schemeClr val="accent6"/>
-              </a:effectRef>
-              <a:fontRef idx="minor">
-                <a:schemeClr val="dk1"/>
-              </a:fontRef>
-            </p:style>
-            <p:txBody>
-              <a:bodyPr rtlCol="0" anchor="ctr"/>
-              <a:lstStyle/>
-              <a:p>
-                <a:pPr algn="ctr"/>
-                <a:r>
-                  <a:rPr lang="en-SG" sz="900" dirty="0"/>
-                  <a:t>View client info?</a:t>
-                </a:r>
-              </a:p>
-            </p:txBody>
-          </p:sp>
-          <p:cxnSp>
-            <p:nvCxnSpPr>
-              <p:cNvPr id="31" name="Elbow Connector 30"/>
-              <p:cNvCxnSpPr>
-                <a:stCxn id="17" idx="3"/>
-                <a:endCxn id="235" idx="2"/>
-              </p:cNvCxnSpPr>
-              <p:nvPr/>
-            </p:nvCxnSpPr>
-            <p:spPr>
-              <a:xfrm flipV="1">
-                <a:off x="3312113" y="5100479"/>
-                <a:ext cx="565704" cy="2493370"/>
-              </a:xfrm>
-              <a:prstGeom prst="bentConnector2">
-                <a:avLst/>
-              </a:prstGeom>
-              <a:ln>
-                <a:tailEnd type="triangle"/>
-              </a:ln>
-            </p:spPr>
-            <p:style>
-              <a:lnRef idx="1">
-                <a:schemeClr val="accent2"/>
-              </a:lnRef>
-              <a:fillRef idx="0">
-                <a:schemeClr val="accent2"/>
-              </a:fillRef>
-              <a:effectRef idx="0">
-                <a:schemeClr val="accent2"/>
-              </a:effectRef>
-              <a:fontRef idx="minor">
-                <a:schemeClr val="tx1"/>
-              </a:fontRef>
-            </p:style>
-          </p:cxnSp>
-          <p:sp>
-            <p:nvSpPr>
-              <p:cNvPr id="53" name="Rounded Rectangle 52"/>
-              <p:cNvSpPr/>
-              <p:nvPr/>
-            </p:nvSpPr>
-            <p:spPr>
-              <a:xfrm>
-                <a:off x="4607646" y="3446166"/>
-                <a:ext cx="259716" cy="144059"/>
-              </a:xfrm>
-              <a:prstGeom prst="roundRect">
-                <a:avLst/>
-              </a:prstGeom>
-              <a:noFill/>
-              <a:ln>
-                <a:noFill/>
-              </a:ln>
-            </p:spPr>
-            <p:style>
-              <a:lnRef idx="2">
-                <a:schemeClr val="accent6"/>
-              </a:lnRef>
-              <a:fillRef idx="1">
-                <a:schemeClr val="lt1"/>
-              </a:fillRef>
-              <a:effectRef idx="0">
-                <a:schemeClr val="accent6"/>
-              </a:effectRef>
-              <a:fontRef idx="minor">
-                <a:schemeClr val="dk1"/>
-              </a:fontRef>
-            </p:style>
-            <p:txBody>
-              <a:bodyPr rot="0" spcFirstLastPara="0" vertOverflow="overflow" horzOverflow="overflow" vert="horz" wrap="square" lIns="36578" tIns="18289" rIns="36578" bIns="18289" numCol="1" spcCol="0" rtlCol="0" fromWordArt="0" anchor="ctr" anchorCtr="0" forceAA="0" compatLnSpc="1">
-                <a:prstTxWarp prst="textNoShape">
-                  <a:avLst/>
-                </a:prstTxWarp>
-                <a:noAutofit/>
-              </a:bodyPr>
-              <a:lstStyle/>
-              <a:p>
-                <a:pPr algn="ctr"/>
-                <a:r>
-                  <a:rPr lang="en-SG" sz="720" dirty="0"/>
-                  <a:t>Yes</a:t>
-                </a:r>
-              </a:p>
-            </p:txBody>
-          </p:sp>
           <p:grpSp>
             <p:nvGrpSpPr>
-              <p:cNvPr id="133" name="Group 132"/>
+              <p:cNvPr id="555" name="Group 554"/>
               <p:cNvGrpSpPr/>
               <p:nvPr/>
             </p:nvGrpSpPr>
             <p:grpSpPr>
               <a:xfrm>
-                <a:off x="12555733" y="2936618"/>
-                <a:ext cx="1246459" cy="391317"/>
-                <a:chOff x="13452332" y="4401655"/>
-                <a:chExt cx="1246459" cy="391317"/>
+                <a:off x="1259838" y="1959429"/>
+                <a:ext cx="13974760" cy="6307769"/>
+                <a:chOff x="1102701" y="1691127"/>
+                <a:chExt cx="13974760" cy="6307769"/>
               </a:xfrm>
             </p:grpSpPr>
             <p:sp>
               <p:nvSpPr>
-                <p:cNvPr id="85" name="Oval 84"/>
+                <p:cNvPr id="522" name="Rectangle 521"/>
                 <p:cNvSpPr/>
                 <p:nvPr/>
               </p:nvSpPr>
               <p:spPr>
                 <a:xfrm>
-                  <a:off x="14066499" y="4649145"/>
-                  <a:ext cx="170581" cy="143827"/>
+                  <a:off x="1102701" y="6945162"/>
+                  <a:ext cx="13974759" cy="1053734"/>
+                </a:xfrm>
+                <a:prstGeom prst="rect">
+                  <a:avLst/>
+                </a:prstGeom>
+                <a:solidFill>
+                  <a:schemeClr val="accent1">
+                    <a:lumMod val="20000"/>
+                    <a:lumOff val="80000"/>
+                  </a:schemeClr>
+                </a:solidFill>
+              </p:spPr>
+              <p:style>
+                <a:lnRef idx="2">
+                  <a:schemeClr val="accent1">
+                    <a:shade val="50000"/>
+                  </a:schemeClr>
+                </a:lnRef>
+                <a:fillRef idx="1">
+                  <a:schemeClr val="accent1"/>
+                </a:fillRef>
+                <a:effectRef idx="0">
+                  <a:schemeClr val="accent1"/>
+                </a:effectRef>
+                <a:fontRef idx="minor">
+                  <a:schemeClr val="lt1"/>
+                </a:fontRef>
+              </p:style>
+              <p:txBody>
+                <a:bodyPr rtlCol="0" anchor="ctr"/>
+                <a:lstStyle/>
+                <a:p>
+                  <a:pPr algn="ctr"/>
+                  <a:endParaRPr lang="en-SG"/>
+                </a:p>
+              </p:txBody>
+            </p:sp>
+            <p:sp>
+              <p:nvSpPr>
+                <p:cNvPr id="521" name="Rectangle 520"/>
+                <p:cNvSpPr/>
+                <p:nvPr/>
+              </p:nvSpPr>
+              <p:spPr>
+                <a:xfrm>
+                  <a:off x="1102703" y="1691127"/>
+                  <a:ext cx="13974758" cy="5319317"/>
+                </a:xfrm>
+                <a:prstGeom prst="rect">
+                  <a:avLst/>
+                </a:prstGeom>
+                <a:solidFill>
+                  <a:schemeClr val="accent1">
+                    <a:lumMod val="20000"/>
+                    <a:lumOff val="80000"/>
+                  </a:schemeClr>
+                </a:solidFill>
+              </p:spPr>
+              <p:style>
+                <a:lnRef idx="2">
+                  <a:schemeClr val="accent1">
+                    <a:shade val="50000"/>
+                  </a:schemeClr>
+                </a:lnRef>
+                <a:fillRef idx="1">
+                  <a:schemeClr val="accent1"/>
+                </a:fillRef>
+                <a:effectRef idx="0">
+                  <a:schemeClr val="accent1"/>
+                </a:effectRef>
+                <a:fontRef idx="minor">
+                  <a:schemeClr val="lt1"/>
+                </a:fontRef>
+              </p:style>
+              <p:txBody>
+                <a:bodyPr rtlCol="0" anchor="ctr"/>
+                <a:lstStyle/>
+                <a:p>
+                  <a:pPr algn="ctr"/>
+                  <a:endParaRPr lang="en-SG" dirty="0"/>
+                </a:p>
+              </p:txBody>
+            </p:sp>
+            <p:cxnSp>
+              <p:nvCxnSpPr>
+                <p:cNvPr id="6" name="Straight Connector 5"/>
+                <p:cNvCxnSpPr/>
+                <p:nvPr/>
+              </p:nvCxnSpPr>
+              <p:spPr>
+                <a:xfrm>
+                  <a:off x="2038152" y="1691127"/>
+                  <a:ext cx="2459" cy="6299934"/>
+                </a:xfrm>
+                <a:prstGeom prst="line">
+                  <a:avLst/>
+                </a:prstGeom>
+              </p:spPr>
+              <p:style>
+                <a:lnRef idx="1">
+                  <a:schemeClr val="accent1"/>
+                </a:lnRef>
+                <a:fillRef idx="0">
+                  <a:schemeClr val="accent1"/>
+                </a:fillRef>
+                <a:effectRef idx="0">
+                  <a:schemeClr val="accent1"/>
+                </a:effectRef>
+                <a:fontRef idx="minor">
+                  <a:schemeClr val="tx1"/>
+                </a:fontRef>
+              </p:style>
+            </p:cxnSp>
+            <p:sp>
+              <p:nvSpPr>
+                <p:cNvPr id="11" name="TextBox 10"/>
+                <p:cNvSpPr txBox="1"/>
+                <p:nvPr/>
+              </p:nvSpPr>
+              <p:spPr>
+                <a:xfrm>
+                  <a:off x="1265389" y="4157103"/>
+                  <a:ext cx="697474" cy="246221"/>
+                </a:xfrm>
+                <a:prstGeom prst="rect">
+                  <a:avLst/>
+                </a:prstGeom>
+                <a:noFill/>
+              </p:spPr>
+              <p:txBody>
+                <a:bodyPr wrap="square" rtlCol="0">
+                  <a:spAutoFit/>
+                </a:bodyPr>
+                <a:lstStyle/>
+                <a:p>
+                  <a:r>
+                    <a:rPr lang="en-SG" sz="1000" dirty="0"/>
+                    <a:t>Manager</a:t>
+                  </a:r>
+                </a:p>
+              </p:txBody>
+            </p:sp>
+            <p:sp>
+              <p:nvSpPr>
+                <p:cNvPr id="12" name="TextBox 11"/>
+                <p:cNvSpPr txBox="1"/>
+                <p:nvPr/>
+              </p:nvSpPr>
+              <p:spPr>
+                <a:xfrm>
+                  <a:off x="1406282" y="7272637"/>
+                  <a:ext cx="481258" cy="246221"/>
+                </a:xfrm>
+                <a:prstGeom prst="rect">
+                  <a:avLst/>
+                </a:prstGeom>
+                <a:noFill/>
+              </p:spPr>
+              <p:txBody>
+                <a:bodyPr wrap="square" rtlCol="0">
+                  <a:spAutoFit/>
+                </a:bodyPr>
+                <a:lstStyle/>
+                <a:p>
+                  <a:r>
+                    <a:rPr lang="en-SG" sz="1000" dirty="0"/>
+                    <a:t>URS</a:t>
+                  </a:r>
+                </a:p>
+              </p:txBody>
+            </p:sp>
+            <p:sp>
+              <p:nvSpPr>
+                <p:cNvPr id="13" name="Rounded Rectangle 12"/>
+                <p:cNvSpPr/>
+                <p:nvPr/>
+              </p:nvSpPr>
+              <p:spPr>
+                <a:xfrm>
+                  <a:off x="2400775" y="3911680"/>
+                  <a:ext cx="857184" cy="456565"/>
+                </a:xfrm>
+                <a:prstGeom prst="roundRect">
+                  <a:avLst/>
+                </a:prstGeom>
+              </p:spPr>
+              <p:style>
+                <a:lnRef idx="2">
+                  <a:schemeClr val="accent6"/>
+                </a:lnRef>
+                <a:fillRef idx="1">
+                  <a:schemeClr val="lt1"/>
+                </a:fillRef>
+                <a:effectRef idx="0">
+                  <a:schemeClr val="accent6"/>
+                </a:effectRef>
+                <a:fontRef idx="minor">
+                  <a:schemeClr val="dk1"/>
+                </a:fontRef>
+              </p:style>
+              <p:txBody>
+                <a:bodyPr rot="0" spcFirstLastPara="0" vertOverflow="overflow" horzOverflow="overflow" vert="horz" wrap="square" lIns="36578" tIns="18289" rIns="36578" bIns="18289" numCol="1" spcCol="0" rtlCol="0" fromWordArt="0" anchor="ctr" anchorCtr="0" forceAA="0" compatLnSpc="1">
+                  <a:prstTxWarp prst="textNoShape">
+                    <a:avLst/>
+                  </a:prstTxWarp>
+                  <a:noAutofit/>
+                </a:bodyPr>
+                <a:lstStyle/>
+                <a:p>
+                  <a:pPr algn="ctr"/>
+                  <a:r>
+                    <a:rPr lang="en-SG" sz="720" dirty="0"/>
+                    <a:t>Download .</a:t>
+                  </a:r>
+                  <a:r>
+                    <a:rPr lang="en-SG" sz="720" dirty="0" err="1"/>
+                    <a:t>xls</a:t>
+                  </a:r>
+                  <a:r>
+                    <a:rPr lang="en-SG" sz="720" dirty="0"/>
+                    <a:t> file from current ZOHO system</a:t>
+                  </a:r>
+                </a:p>
+              </p:txBody>
+            </p:sp>
+            <p:sp>
+              <p:nvSpPr>
+                <p:cNvPr id="14" name="Oval 13"/>
+                <p:cNvSpPr/>
+                <p:nvPr/>
+              </p:nvSpPr>
+              <p:spPr>
+                <a:xfrm>
+                  <a:off x="2722117" y="2529919"/>
+                  <a:ext cx="216308" cy="181249"/>
                 </a:xfrm>
                 <a:prstGeom prst="ellipse">
                   <a:avLst/>
@@ -6609,14 +5616,750 @@
             </p:sp>
             <p:sp>
               <p:nvSpPr>
-                <p:cNvPr id="99" name="Rounded Rectangle 98"/>
+                <p:cNvPr id="15" name="Rounded Rectangle 14"/>
                 <p:cNvSpPr/>
                 <p:nvPr/>
               </p:nvSpPr>
               <p:spPr>
                 <a:xfrm>
-                  <a:off x="13452332" y="4401655"/>
-                  <a:ext cx="1246459" cy="169134"/>
+                  <a:off x="2400775" y="4602644"/>
+                  <a:ext cx="857184" cy="456565"/>
+                </a:xfrm>
+                <a:prstGeom prst="roundRect">
+                  <a:avLst/>
+                </a:prstGeom>
+              </p:spPr>
+              <p:style>
+                <a:lnRef idx="2">
+                  <a:schemeClr val="accent6"/>
+                </a:lnRef>
+                <a:fillRef idx="1">
+                  <a:schemeClr val="lt1"/>
+                </a:fillRef>
+                <a:effectRef idx="0">
+                  <a:schemeClr val="accent6"/>
+                </a:effectRef>
+                <a:fontRef idx="minor">
+                  <a:schemeClr val="dk1"/>
+                </a:fontRef>
+              </p:style>
+              <p:txBody>
+                <a:bodyPr rot="0" spcFirstLastPara="0" vertOverflow="overflow" horzOverflow="overflow" vert="horz" wrap="square" lIns="36578" tIns="18289" rIns="36578" bIns="18289" numCol="1" spcCol="0" rtlCol="0" fromWordArt="0" anchor="ctr" anchorCtr="0" forceAA="0" compatLnSpc="1">
+                  <a:prstTxWarp prst="textNoShape">
+                    <a:avLst/>
+                  </a:prstTxWarp>
+                  <a:noAutofit/>
+                </a:bodyPr>
+                <a:lstStyle/>
+                <a:p>
+                  <a:pPr algn="ctr"/>
+                  <a:r>
+                    <a:rPr lang="en-SG" sz="720" dirty="0"/>
+                    <a:t>Upload .</a:t>
+                  </a:r>
+                  <a:r>
+                    <a:rPr lang="en-SG" sz="720" dirty="0" err="1"/>
+                    <a:t>xls</a:t>
+                  </a:r>
+                  <a:r>
+                    <a:rPr lang="en-SG" sz="720" dirty="0"/>
+                    <a:t> file into URS</a:t>
+                  </a:r>
+                </a:p>
+              </p:txBody>
+            </p:sp>
+            <p:sp>
+              <p:nvSpPr>
+                <p:cNvPr id="16" name="TextBox 15"/>
+                <p:cNvSpPr txBox="1"/>
+                <p:nvPr/>
+              </p:nvSpPr>
+              <p:spPr>
+                <a:xfrm>
+                  <a:off x="1114721" y="7490202"/>
+                  <a:ext cx="1397647" cy="178510"/>
+                </a:xfrm>
+                <a:prstGeom prst="rect">
+                  <a:avLst/>
+                </a:prstGeom>
+                <a:noFill/>
+              </p:spPr>
+              <p:txBody>
+                <a:bodyPr wrap="square" rtlCol="0">
+                  <a:spAutoFit/>
+                </a:bodyPr>
+                <a:lstStyle/>
+                <a:p>
+                  <a:r>
+                    <a:rPr lang="en-SG" sz="560" dirty="0"/>
+                    <a:t>&lt; Ulink Reporting System &gt;</a:t>
+                  </a:r>
+                </a:p>
+              </p:txBody>
+            </p:sp>
+            <p:sp>
+              <p:nvSpPr>
+                <p:cNvPr id="17" name="Rounded Rectangle 16"/>
+                <p:cNvSpPr/>
+                <p:nvPr/>
+              </p:nvSpPr>
+              <p:spPr>
+                <a:xfrm>
+                  <a:off x="2331326" y="7336538"/>
+                  <a:ext cx="980787" cy="456565"/>
+                </a:xfrm>
+                <a:prstGeom prst="roundRect">
+                  <a:avLst/>
+                </a:prstGeom>
+              </p:spPr>
+              <p:style>
+                <a:lnRef idx="2">
+                  <a:schemeClr val="accent6"/>
+                </a:lnRef>
+                <a:fillRef idx="1">
+                  <a:schemeClr val="lt1"/>
+                </a:fillRef>
+                <a:effectRef idx="0">
+                  <a:schemeClr val="accent6"/>
+                </a:effectRef>
+                <a:fontRef idx="minor">
+                  <a:schemeClr val="dk1"/>
+                </a:fontRef>
+              </p:style>
+              <p:txBody>
+                <a:bodyPr rot="0" spcFirstLastPara="0" vertOverflow="overflow" horzOverflow="overflow" vert="horz" wrap="square" lIns="36578" tIns="18289" rIns="36578" bIns="18289" numCol="1" spcCol="0" rtlCol="0" fromWordArt="0" anchor="ctr" anchorCtr="0" forceAA="0" compatLnSpc="1">
+                  <a:prstTxWarp prst="textNoShape">
+                    <a:avLst/>
+                  </a:prstTxWarp>
+                  <a:noAutofit/>
+                </a:bodyPr>
+                <a:lstStyle/>
+                <a:p>
+                  <a:pPr algn="ctr"/>
+                  <a:r>
+                    <a:rPr lang="en-SG" sz="720" dirty="0"/>
+                    <a:t>Bootstrap (update) client database</a:t>
+                  </a:r>
+                </a:p>
+              </p:txBody>
+            </p:sp>
+            <p:sp>
+              <p:nvSpPr>
+                <p:cNvPr id="18" name="Rounded Rectangle 17"/>
+                <p:cNvSpPr/>
+                <p:nvPr/>
+              </p:nvSpPr>
+              <p:spPr>
+                <a:xfrm>
+                  <a:off x="5882933" y="1864176"/>
+                  <a:ext cx="857184" cy="456565"/>
+                </a:xfrm>
+                <a:prstGeom prst="roundRect">
+                  <a:avLst/>
+                </a:prstGeom>
+              </p:spPr>
+              <p:style>
+                <a:lnRef idx="2">
+                  <a:schemeClr val="accent6"/>
+                </a:lnRef>
+                <a:fillRef idx="1">
+                  <a:schemeClr val="lt1"/>
+                </a:fillRef>
+                <a:effectRef idx="0">
+                  <a:schemeClr val="accent6"/>
+                </a:effectRef>
+                <a:fontRef idx="minor">
+                  <a:schemeClr val="dk1"/>
+                </a:fontRef>
+              </p:style>
+              <p:txBody>
+                <a:bodyPr rot="0" spcFirstLastPara="0" vertOverflow="overflow" horzOverflow="overflow" vert="horz" wrap="square" lIns="36578" tIns="18289" rIns="36578" bIns="18289" numCol="1" spcCol="0" rtlCol="0" fromWordArt="0" anchor="ctr" anchorCtr="0" forceAA="0" compatLnSpc="1">
+                  <a:prstTxWarp prst="textNoShape">
+                    <a:avLst/>
+                  </a:prstTxWarp>
+                  <a:noAutofit/>
+                </a:bodyPr>
+                <a:lstStyle/>
+                <a:p>
+                  <a:pPr algn="ctr"/>
+                  <a:r>
+                    <a:rPr lang="en-SG" sz="720" dirty="0"/>
+                    <a:t>View Client List</a:t>
+                  </a:r>
+                </a:p>
+              </p:txBody>
+            </p:sp>
+            <p:sp>
+              <p:nvSpPr>
+                <p:cNvPr id="20" name="Rounded Rectangle 19"/>
+                <p:cNvSpPr/>
+                <p:nvPr/>
+              </p:nvSpPr>
+              <p:spPr>
+                <a:xfrm>
+                  <a:off x="5878330" y="2957554"/>
+                  <a:ext cx="857184" cy="456565"/>
+                </a:xfrm>
+                <a:prstGeom prst="roundRect">
+                  <a:avLst/>
+                </a:prstGeom>
+              </p:spPr>
+              <p:style>
+                <a:lnRef idx="2">
+                  <a:schemeClr val="accent6"/>
+                </a:lnRef>
+                <a:fillRef idx="1">
+                  <a:schemeClr val="lt1"/>
+                </a:fillRef>
+                <a:effectRef idx="0">
+                  <a:schemeClr val="accent6"/>
+                </a:effectRef>
+                <a:fontRef idx="minor">
+                  <a:schemeClr val="dk1"/>
+                </a:fontRef>
+              </p:style>
+              <p:txBody>
+                <a:bodyPr rot="0" spcFirstLastPara="0" vertOverflow="overflow" horzOverflow="overflow" vert="horz" wrap="square" lIns="36578" tIns="18289" rIns="36578" bIns="18289" numCol="1" spcCol="0" rtlCol="0" fromWordArt="0" anchor="ctr" anchorCtr="0" forceAA="0" compatLnSpc="1">
+                  <a:prstTxWarp prst="textNoShape">
+                    <a:avLst/>
+                  </a:prstTxWarp>
+                  <a:noAutofit/>
+                </a:bodyPr>
+                <a:lstStyle/>
+                <a:p>
+                  <a:pPr algn="ctr"/>
+                  <a:r>
+                    <a:rPr lang="en-SG" sz="720" dirty="0"/>
+                    <a:t>Select Client</a:t>
+                  </a:r>
+                </a:p>
+              </p:txBody>
+            </p:sp>
+            <p:sp>
+              <p:nvSpPr>
+                <p:cNvPr id="21" name="Rounded Rectangle 20"/>
+                <p:cNvSpPr/>
+                <p:nvPr/>
+              </p:nvSpPr>
+              <p:spPr>
+                <a:xfrm>
+                  <a:off x="7071989" y="3492700"/>
+                  <a:ext cx="857184" cy="456566"/>
+                </a:xfrm>
+                <a:prstGeom prst="roundRect">
+                  <a:avLst/>
+                </a:prstGeom>
+              </p:spPr>
+              <p:style>
+                <a:lnRef idx="2">
+                  <a:schemeClr val="accent2">
+                    <a:shade val="50000"/>
+                  </a:schemeClr>
+                </a:lnRef>
+                <a:fillRef idx="1">
+                  <a:schemeClr val="accent2"/>
+                </a:fillRef>
+                <a:effectRef idx="0">
+                  <a:schemeClr val="accent2"/>
+                </a:effectRef>
+                <a:fontRef idx="minor">
+                  <a:schemeClr val="lt1"/>
+                </a:fontRef>
+              </p:style>
+              <p:txBody>
+                <a:bodyPr rot="0" spcFirstLastPara="0" vertOverflow="overflow" horzOverflow="overflow" vert="horz" wrap="square" lIns="36578" tIns="18289" rIns="36578" bIns="18289" numCol="1" spcCol="0" rtlCol="0" fromWordArt="0" anchor="ctr" anchorCtr="0" forceAA="0" compatLnSpc="1">
+                  <a:prstTxWarp prst="textNoShape">
+                    <a:avLst/>
+                  </a:prstTxWarp>
+                  <a:noAutofit/>
+                </a:bodyPr>
+                <a:lstStyle/>
+                <a:p>
+                  <a:pPr algn="ctr"/>
+                  <a:r>
+                    <a:rPr lang="en-SG" sz="720" dirty="0"/>
+                    <a:t>View Client’s Appointment &amp; Admission details</a:t>
+                  </a:r>
+                </a:p>
+              </p:txBody>
+            </p:sp>
+            <p:sp>
+              <p:nvSpPr>
+                <p:cNvPr id="24" name="Rounded Rectangle 23"/>
+                <p:cNvSpPr/>
+                <p:nvPr/>
+              </p:nvSpPr>
+              <p:spPr>
+                <a:xfrm>
+                  <a:off x="12643345" y="5405214"/>
+                  <a:ext cx="832845" cy="456566"/>
+                </a:xfrm>
+                <a:prstGeom prst="roundRect">
+                  <a:avLst/>
+                </a:prstGeom>
+              </p:spPr>
+              <p:style>
+                <a:lnRef idx="2">
+                  <a:schemeClr val="accent6"/>
+                </a:lnRef>
+                <a:fillRef idx="1">
+                  <a:schemeClr val="lt1"/>
+                </a:fillRef>
+                <a:effectRef idx="0">
+                  <a:schemeClr val="accent6"/>
+                </a:effectRef>
+                <a:fontRef idx="minor">
+                  <a:schemeClr val="dk1"/>
+                </a:fontRef>
+              </p:style>
+              <p:txBody>
+                <a:bodyPr rot="0" spcFirstLastPara="0" vertOverflow="overflow" horzOverflow="overflow" vert="horz" wrap="square" lIns="36578" tIns="18289" rIns="36578" bIns="18289" numCol="1" spcCol="0" rtlCol="0" fromWordArt="0" anchor="ctr" anchorCtr="0" forceAA="0" compatLnSpc="1">
+                  <a:prstTxWarp prst="textNoShape">
+                    <a:avLst/>
+                  </a:prstTxWarp>
+                  <a:noAutofit/>
+                </a:bodyPr>
+                <a:lstStyle/>
+                <a:p>
+                  <a:pPr algn="ctr"/>
+                  <a:r>
+                    <a:rPr lang="en-SG" sz="720" dirty="0"/>
+                    <a:t>Send Recommended screenings </a:t>
+                  </a:r>
+                </a:p>
+              </p:txBody>
+            </p:sp>
+            <p:sp>
+              <p:nvSpPr>
+                <p:cNvPr id="25" name="Rounded Rectangle 24"/>
+                <p:cNvSpPr/>
+                <p:nvPr/>
+              </p:nvSpPr>
+              <p:spPr>
+                <a:xfrm>
+                  <a:off x="12616783" y="7208452"/>
+                  <a:ext cx="885968" cy="393956"/>
+                </a:xfrm>
+                <a:prstGeom prst="roundRect">
+                  <a:avLst/>
+                </a:prstGeom>
+              </p:spPr>
+              <p:style>
+                <a:lnRef idx="2">
+                  <a:schemeClr val="accent6"/>
+                </a:lnRef>
+                <a:fillRef idx="1">
+                  <a:schemeClr val="lt1"/>
+                </a:fillRef>
+                <a:effectRef idx="0">
+                  <a:schemeClr val="accent6"/>
+                </a:effectRef>
+                <a:fontRef idx="minor">
+                  <a:schemeClr val="dk1"/>
+                </a:fontRef>
+              </p:style>
+              <p:txBody>
+                <a:bodyPr rot="0" spcFirstLastPara="0" vertOverflow="overflow" horzOverflow="overflow" vert="horz" wrap="square" lIns="36578" tIns="18289" rIns="36578" bIns="18289" numCol="1" spcCol="0" rtlCol="0" fromWordArt="0" anchor="ctr" anchorCtr="0" forceAA="0" compatLnSpc="1">
+                  <a:prstTxWarp prst="textNoShape">
+                    <a:avLst/>
+                  </a:prstTxWarp>
+                  <a:noAutofit/>
+                </a:bodyPr>
+                <a:lstStyle/>
+                <a:p>
+                  <a:pPr algn="ctr"/>
+                  <a:r>
+                    <a:rPr lang="en-SG" sz="720" dirty="0"/>
+                    <a:t>Pull client’s information and screening details </a:t>
+                  </a:r>
+                </a:p>
+              </p:txBody>
+            </p:sp>
+            <p:cxnSp>
+              <p:nvCxnSpPr>
+                <p:cNvPr id="28" name="Straight Arrow Connector 27"/>
+                <p:cNvCxnSpPr>
+                  <a:stCxn id="13" idx="2"/>
+                  <a:endCxn id="15" idx="0"/>
+                </p:cNvCxnSpPr>
+                <p:nvPr/>
+              </p:nvCxnSpPr>
+              <p:spPr>
+                <a:xfrm>
+                  <a:off x="2829367" y="4368233"/>
+                  <a:ext cx="0" cy="234403"/>
+                </a:xfrm>
+                <a:prstGeom prst="straightConnector1">
+                  <a:avLst/>
+                </a:prstGeom>
+                <a:ln>
+                  <a:tailEnd type="triangle"/>
+                </a:ln>
+              </p:spPr>
+              <p:style>
+                <a:lnRef idx="1">
+                  <a:schemeClr val="accent2"/>
+                </a:lnRef>
+                <a:fillRef idx="0">
+                  <a:schemeClr val="accent2"/>
+                </a:fillRef>
+                <a:effectRef idx="0">
+                  <a:schemeClr val="accent2"/>
+                </a:effectRef>
+                <a:fontRef idx="minor">
+                  <a:schemeClr val="tx1"/>
+                </a:fontRef>
+              </p:style>
+            </p:cxnSp>
+            <p:cxnSp>
+              <p:nvCxnSpPr>
+                <p:cNvPr id="29" name="Straight Arrow Connector 28"/>
+                <p:cNvCxnSpPr>
+                  <a:stCxn id="15" idx="2"/>
+                  <a:endCxn id="17" idx="0"/>
+                </p:cNvCxnSpPr>
+                <p:nvPr/>
+              </p:nvCxnSpPr>
+              <p:spPr>
+                <a:xfrm flipH="1">
+                  <a:off x="2821720" y="5059209"/>
+                  <a:ext cx="7647" cy="2277329"/>
+                </a:xfrm>
+                <a:prstGeom prst="straightConnector1">
+                  <a:avLst/>
+                </a:prstGeom>
+                <a:ln>
+                  <a:tailEnd type="triangle"/>
+                </a:ln>
+              </p:spPr>
+              <p:style>
+                <a:lnRef idx="1">
+                  <a:schemeClr val="accent2"/>
+                </a:lnRef>
+                <a:fillRef idx="0">
+                  <a:schemeClr val="accent2"/>
+                </a:fillRef>
+                <a:effectRef idx="0">
+                  <a:schemeClr val="accent2"/>
+                </a:effectRef>
+                <a:fontRef idx="minor">
+                  <a:schemeClr val="tx1"/>
+                </a:fontRef>
+              </p:style>
+            </p:cxnSp>
+            <p:cxnSp>
+              <p:nvCxnSpPr>
+                <p:cNvPr id="45" name="Straight Arrow Connector 44"/>
+                <p:cNvCxnSpPr>
+                  <a:stCxn id="18" idx="2"/>
+                  <a:endCxn id="20" idx="0"/>
+                </p:cNvCxnSpPr>
+                <p:nvPr/>
+              </p:nvCxnSpPr>
+              <p:spPr>
+                <a:xfrm flipH="1">
+                  <a:off x="6306922" y="2320741"/>
+                  <a:ext cx="4603" cy="636813"/>
+                </a:xfrm>
+                <a:prstGeom prst="straightConnector1">
+                  <a:avLst/>
+                </a:prstGeom>
+                <a:ln>
+                  <a:tailEnd type="triangle"/>
+                </a:ln>
+              </p:spPr>
+              <p:style>
+                <a:lnRef idx="1">
+                  <a:schemeClr val="accent2"/>
+                </a:lnRef>
+                <a:fillRef idx="0">
+                  <a:schemeClr val="accent2"/>
+                </a:fillRef>
+                <a:effectRef idx="0">
+                  <a:schemeClr val="accent2"/>
+                </a:effectRef>
+                <a:fontRef idx="minor">
+                  <a:schemeClr val="tx1"/>
+                </a:fontRef>
+              </p:style>
+            </p:cxnSp>
+            <p:cxnSp>
+              <p:nvCxnSpPr>
+                <p:cNvPr id="68" name="Straight Arrow Connector 67"/>
+                <p:cNvCxnSpPr>
+                  <a:stCxn id="24" idx="2"/>
+                  <a:endCxn id="25" idx="0"/>
+                </p:cNvCxnSpPr>
+                <p:nvPr/>
+              </p:nvCxnSpPr>
+              <p:spPr>
+                <a:xfrm flipH="1">
+                  <a:off x="13059767" y="5861780"/>
+                  <a:ext cx="1" cy="1346672"/>
+                </a:xfrm>
+                <a:prstGeom prst="straightConnector1">
+                  <a:avLst/>
+                </a:prstGeom>
+                <a:ln>
+                  <a:tailEnd type="triangle"/>
+                </a:ln>
+              </p:spPr>
+              <p:style>
+                <a:lnRef idx="1">
+                  <a:schemeClr val="accent2"/>
+                </a:lnRef>
+                <a:fillRef idx="0">
+                  <a:schemeClr val="accent2"/>
+                </a:fillRef>
+                <a:effectRef idx="0">
+                  <a:schemeClr val="accent2"/>
+                </a:effectRef>
+                <a:fontRef idx="minor">
+                  <a:schemeClr val="tx1"/>
+                </a:fontRef>
+              </p:style>
+            </p:cxnSp>
+            <p:cxnSp>
+              <p:nvCxnSpPr>
+                <p:cNvPr id="72" name="Straight Arrow Connector 71"/>
+                <p:cNvCxnSpPr>
+                  <a:stCxn id="25" idx="3"/>
+                  <a:endCxn id="89" idx="2"/>
+                </p:cNvCxnSpPr>
+                <p:nvPr/>
+              </p:nvCxnSpPr>
+              <p:spPr>
+                <a:xfrm flipV="1">
+                  <a:off x="13502751" y="5782585"/>
+                  <a:ext cx="939694" cy="1622845"/>
+                </a:xfrm>
+                <a:prstGeom prst="bentConnector2">
+                  <a:avLst/>
+                </a:prstGeom>
+                <a:ln>
+                  <a:tailEnd type="triangle"/>
+                </a:ln>
+              </p:spPr>
+              <p:style>
+                <a:lnRef idx="1">
+                  <a:schemeClr val="accent2"/>
+                </a:lnRef>
+                <a:fillRef idx="0">
+                  <a:schemeClr val="accent2"/>
+                </a:fillRef>
+                <a:effectRef idx="0">
+                  <a:schemeClr val="accent2"/>
+                </a:effectRef>
+                <a:fontRef idx="minor">
+                  <a:schemeClr val="tx1"/>
+                </a:fontRef>
+              </p:style>
+            </p:cxnSp>
+            <p:cxnSp>
+              <p:nvCxnSpPr>
+                <p:cNvPr id="78" name="Straight Arrow Connector 77"/>
+                <p:cNvCxnSpPr>
+                  <a:stCxn id="14" idx="4"/>
+                  <a:endCxn id="526" idx="0"/>
+                </p:cNvCxnSpPr>
+                <p:nvPr/>
+              </p:nvCxnSpPr>
+              <p:spPr>
+                <a:xfrm>
+                  <a:off x="2830271" y="2711168"/>
+                  <a:ext cx="2979" cy="332968"/>
+                </a:xfrm>
+                <a:prstGeom prst="straightConnector1">
+                  <a:avLst/>
+                </a:prstGeom>
+                <a:ln>
+                  <a:tailEnd type="triangle"/>
+                </a:ln>
+              </p:spPr>
+              <p:style>
+                <a:lnRef idx="1">
+                  <a:schemeClr val="accent2"/>
+                </a:lnRef>
+                <a:fillRef idx="0">
+                  <a:schemeClr val="accent2"/>
+                </a:fillRef>
+                <a:effectRef idx="0">
+                  <a:schemeClr val="accent2"/>
+                </a:effectRef>
+                <a:fontRef idx="minor">
+                  <a:schemeClr val="tx1"/>
+                </a:fontRef>
+              </p:style>
+            </p:cxnSp>
+            <p:cxnSp>
+              <p:nvCxnSpPr>
+                <p:cNvPr id="86" name="Straight Arrow Connector 85"/>
+                <p:cNvCxnSpPr>
+                  <a:stCxn id="89" idx="0"/>
+                  <a:endCxn id="85" idx="4"/>
+                </p:cNvCxnSpPr>
+                <p:nvPr/>
+              </p:nvCxnSpPr>
+              <p:spPr>
+                <a:xfrm flipH="1" flipV="1">
+                  <a:off x="14442444" y="5018970"/>
+                  <a:ext cx="1" cy="378794"/>
+                </a:xfrm>
+                <a:prstGeom prst="straightConnector1">
+                  <a:avLst/>
+                </a:prstGeom>
+                <a:ln>
+                  <a:tailEnd type="triangle"/>
+                </a:ln>
+              </p:spPr>
+              <p:style>
+                <a:lnRef idx="1">
+                  <a:schemeClr val="accent2"/>
+                </a:lnRef>
+                <a:fillRef idx="0">
+                  <a:schemeClr val="accent2"/>
+                </a:fillRef>
+                <a:effectRef idx="0">
+                  <a:schemeClr val="accent2"/>
+                </a:effectRef>
+                <a:fontRef idx="minor">
+                  <a:schemeClr val="tx1"/>
+                </a:fontRef>
+              </p:style>
+            </p:cxnSp>
+            <p:sp>
+              <p:nvSpPr>
+                <p:cNvPr id="89" name="Rounded Rectangle 88"/>
+                <p:cNvSpPr/>
+                <p:nvPr/>
+              </p:nvSpPr>
+              <p:spPr>
+                <a:xfrm>
+                  <a:off x="14022589" y="5397764"/>
+                  <a:ext cx="839711" cy="384821"/>
+                </a:xfrm>
+                <a:prstGeom prst="roundRect">
+                  <a:avLst/>
+                </a:prstGeom>
+              </p:spPr>
+              <p:style>
+                <a:lnRef idx="2">
+                  <a:schemeClr val="accent6"/>
+                </a:lnRef>
+                <a:fillRef idx="1">
+                  <a:schemeClr val="lt1"/>
+                </a:fillRef>
+                <a:effectRef idx="0">
+                  <a:schemeClr val="accent6"/>
+                </a:effectRef>
+                <a:fontRef idx="minor">
+                  <a:schemeClr val="dk1"/>
+                </a:fontRef>
+              </p:style>
+              <p:txBody>
+                <a:bodyPr rot="0" spcFirstLastPara="0" vertOverflow="overflow" horzOverflow="overflow" vert="horz" wrap="square" lIns="36578" tIns="18289" rIns="36578" bIns="18289" numCol="1" spcCol="0" rtlCol="0" fromWordArt="0" anchor="ctr" anchorCtr="0" forceAA="0" compatLnSpc="1">
+                  <a:prstTxWarp prst="textNoShape">
+                    <a:avLst/>
+                  </a:prstTxWarp>
+                  <a:noAutofit/>
+                </a:bodyPr>
+                <a:lstStyle/>
+                <a:p>
+                  <a:pPr algn="ctr"/>
+                  <a:r>
+                    <a:rPr lang="en-SG" sz="720" dirty="0"/>
+                    <a:t>Check email and send out to client</a:t>
+                  </a:r>
+                </a:p>
+              </p:txBody>
+            </p:sp>
+            <p:sp>
+              <p:nvSpPr>
+                <p:cNvPr id="5" name="Flowchart: Decision 4"/>
+                <p:cNvSpPr/>
+                <p:nvPr/>
+              </p:nvSpPr>
+              <p:spPr>
+                <a:xfrm>
+                  <a:off x="4152792" y="3551094"/>
+                  <a:ext cx="959868" cy="770738"/>
+                </a:xfrm>
+                <a:prstGeom prst="flowChartDecision">
+                  <a:avLst/>
+                </a:prstGeom>
+              </p:spPr>
+              <p:style>
+                <a:lnRef idx="2">
+                  <a:schemeClr val="accent6"/>
+                </a:lnRef>
+                <a:fillRef idx="1">
+                  <a:schemeClr val="lt1"/>
+                </a:fillRef>
+                <a:effectRef idx="0">
+                  <a:schemeClr val="accent6"/>
+                </a:effectRef>
+                <a:fontRef idx="minor">
+                  <a:schemeClr val="dk1"/>
+                </a:fontRef>
+              </p:style>
+              <p:txBody>
+                <a:bodyPr rtlCol="0" anchor="ctr"/>
+                <a:lstStyle/>
+                <a:p>
+                  <a:pPr algn="ctr"/>
+                  <a:r>
+                    <a:rPr lang="en-SG" sz="900" dirty="0"/>
+                    <a:t>View client info?</a:t>
+                  </a:r>
+                </a:p>
+              </p:txBody>
+            </p:sp>
+            <p:cxnSp>
+              <p:nvCxnSpPr>
+                <p:cNvPr id="31" name="Elbow Connector 30"/>
+                <p:cNvCxnSpPr>
+                  <a:stCxn id="17" idx="3"/>
+                  <a:endCxn id="235" idx="2"/>
+                </p:cNvCxnSpPr>
+                <p:nvPr/>
+              </p:nvCxnSpPr>
+              <p:spPr>
+                <a:xfrm flipV="1">
+                  <a:off x="3312113" y="5100479"/>
+                  <a:ext cx="565704" cy="2464342"/>
+                </a:xfrm>
+                <a:prstGeom prst="bentConnector2">
+                  <a:avLst/>
+                </a:prstGeom>
+                <a:ln>
+                  <a:tailEnd type="triangle"/>
+                </a:ln>
+              </p:spPr>
+              <p:style>
+                <a:lnRef idx="1">
+                  <a:schemeClr val="accent2"/>
+                </a:lnRef>
+                <a:fillRef idx="0">
+                  <a:schemeClr val="accent2"/>
+                </a:fillRef>
+                <a:effectRef idx="0">
+                  <a:schemeClr val="accent2"/>
+                </a:effectRef>
+                <a:fontRef idx="minor">
+                  <a:schemeClr val="tx1"/>
+                </a:fontRef>
+              </p:style>
+            </p:cxnSp>
+            <p:sp>
+              <p:nvSpPr>
+                <p:cNvPr id="53" name="Rounded Rectangle 52"/>
+                <p:cNvSpPr/>
+                <p:nvPr/>
+              </p:nvSpPr>
+              <p:spPr>
+                <a:xfrm>
+                  <a:off x="4607646" y="3446166"/>
+                  <a:ext cx="259716" cy="144059"/>
                 </a:xfrm>
                 <a:prstGeom prst="roundRect">
                   <a:avLst/>
@@ -6652,142 +6395,235 @@
                   <a:pPr algn="ctr"/>
                   <a:r>
                     <a:rPr lang="en-SG" sz="720" dirty="0"/>
-                    <a:t>End Send recommended screenings to client</a:t>
+                    <a:t>Yes</a:t>
                   </a:r>
                 </a:p>
               </p:txBody>
             </p:sp>
-          </p:grpSp>
-          <p:grpSp>
-            <p:nvGrpSpPr>
-              <p:cNvPr id="108" name="Group 107"/>
-              <p:cNvGrpSpPr/>
-              <p:nvPr/>
-            </p:nvGrpSpPr>
-            <p:grpSpPr>
-              <a:xfrm>
-                <a:off x="9230679" y="3705244"/>
-                <a:ext cx="854313" cy="719175"/>
-                <a:chOff x="9187204" y="4291994"/>
-                <a:chExt cx="959868" cy="770738"/>
-              </a:xfrm>
-            </p:grpSpPr>
-            <p:sp>
-              <p:nvSpPr>
-                <p:cNvPr id="101" name="Flowchart: Decision 100"/>
-                <p:cNvSpPr/>
+            <p:grpSp>
+              <p:nvGrpSpPr>
+                <p:cNvPr id="133" name="Group 132"/>
+                <p:cNvGrpSpPr/>
                 <p:nvPr/>
-              </p:nvSpPr>
-              <p:spPr>
+              </p:nvGrpSpPr>
+              <p:grpSpPr>
                 <a:xfrm>
-                  <a:off x="9187204" y="4291994"/>
-                  <a:ext cx="959868" cy="770738"/>
+                  <a:off x="13831001" y="4603326"/>
+                  <a:ext cx="1246459" cy="415644"/>
+                  <a:chOff x="14727600" y="6068363"/>
+                  <a:chExt cx="1246459" cy="415644"/>
                 </a:xfrm>
-                <a:prstGeom prst="flowChartDecision">
-                  <a:avLst/>
-                </a:prstGeom>
-              </p:spPr>
-              <p:style>
-                <a:lnRef idx="2">
-                  <a:schemeClr val="accent6"/>
-                </a:lnRef>
-                <a:fillRef idx="1">
-                  <a:schemeClr val="lt1"/>
-                </a:fillRef>
-                <a:effectRef idx="0">
-                  <a:schemeClr val="accent6"/>
-                </a:effectRef>
-                <a:fontRef idx="minor">
-                  <a:schemeClr val="dk1"/>
-                </a:fontRef>
-              </p:style>
-              <p:txBody>
-                <a:bodyPr rtlCol="0" anchor="ctr"/>
-                <a:lstStyle/>
-                <a:p>
-                  <a:pPr algn="ctr"/>
-                  <a:endParaRPr lang="en-SG" sz="500" dirty="0"/>
-                </a:p>
-              </p:txBody>
-            </p:sp>
-            <p:sp>
-              <p:nvSpPr>
-                <p:cNvPr id="106" name="Rounded Rectangle 105"/>
-                <p:cNvSpPr/>
+              </p:grpSpPr>
+              <p:sp>
+                <p:nvSpPr>
+                  <p:cNvPr id="85" name="Oval 84"/>
+                  <p:cNvSpPr/>
+                  <p:nvPr/>
+                </p:nvSpPr>
+                <p:spPr>
+                  <a:xfrm>
+                    <a:off x="15253752" y="6340180"/>
+                    <a:ext cx="170581" cy="143827"/>
+                  </a:xfrm>
+                  <a:prstGeom prst="ellipse">
+                    <a:avLst/>
+                  </a:prstGeom>
+                </p:spPr>
+                <p:style>
+                  <a:lnRef idx="2">
+                    <a:schemeClr val="accent6"/>
+                  </a:lnRef>
+                  <a:fillRef idx="1">
+                    <a:schemeClr val="lt1"/>
+                  </a:fillRef>
+                  <a:effectRef idx="0">
+                    <a:schemeClr val="accent6"/>
+                  </a:effectRef>
+                  <a:fontRef idx="minor">
+                    <a:schemeClr val="dk1"/>
+                  </a:fontRef>
+                </p:style>
+                <p:txBody>
+                  <a:bodyPr rot="0" spcFirstLastPara="0" vertOverflow="overflow" horzOverflow="overflow" vert="horz" wrap="square" lIns="36578" tIns="18289" rIns="36578" bIns="18289" numCol="1" spcCol="0" rtlCol="0" fromWordArt="0" anchor="ctr" anchorCtr="0" forceAA="0" compatLnSpc="1">
+                    <a:prstTxWarp prst="textNoShape">
+                      <a:avLst/>
+                    </a:prstTxWarp>
+                    <a:noAutofit/>
+                  </a:bodyPr>
+                  <a:lstStyle/>
+                  <a:p>
+                    <a:pPr algn="ctr"/>
+                    <a:endParaRPr lang="en-SG" sz="720"/>
+                  </a:p>
+                </p:txBody>
+              </p:sp>
+              <p:sp>
+                <p:nvSpPr>
+                  <p:cNvPr id="99" name="Rounded Rectangle 98"/>
+                  <p:cNvSpPr/>
+                  <p:nvPr/>
+                </p:nvSpPr>
+                <p:spPr>
+                  <a:xfrm>
+                    <a:off x="14727600" y="6068363"/>
+                    <a:ext cx="1246459" cy="169134"/>
+                  </a:xfrm>
+                  <a:prstGeom prst="roundRect">
+                    <a:avLst/>
+                  </a:prstGeom>
+                  <a:noFill/>
+                  <a:ln>
+                    <a:noFill/>
+                  </a:ln>
+                </p:spPr>
+                <p:style>
+                  <a:lnRef idx="2">
+                    <a:schemeClr val="accent6"/>
+                  </a:lnRef>
+                  <a:fillRef idx="1">
+                    <a:schemeClr val="lt1"/>
+                  </a:fillRef>
+                  <a:effectRef idx="0">
+                    <a:schemeClr val="accent6"/>
+                  </a:effectRef>
+                  <a:fontRef idx="minor">
+                    <a:schemeClr val="dk1"/>
+                  </a:fontRef>
+                </p:style>
+                <p:txBody>
+                  <a:bodyPr rot="0" spcFirstLastPara="0" vertOverflow="overflow" horzOverflow="overflow" vert="horz" wrap="square" lIns="36578" tIns="18289" rIns="36578" bIns="18289" numCol="1" spcCol="0" rtlCol="0" fromWordArt="0" anchor="ctr" anchorCtr="0" forceAA="0" compatLnSpc="1">
+                    <a:prstTxWarp prst="textNoShape">
+                      <a:avLst/>
+                    </a:prstTxWarp>
+                    <a:noAutofit/>
+                  </a:bodyPr>
+                  <a:lstStyle/>
+                  <a:p>
+                    <a:pPr algn="ctr"/>
+                    <a:r>
+                      <a:rPr lang="en-SG" sz="720" dirty="0"/>
+                      <a:t>End Send recommended screenings to client</a:t>
+                    </a:r>
+                  </a:p>
+                </p:txBody>
+              </p:sp>
+            </p:grpSp>
+            <p:grpSp>
+              <p:nvGrpSpPr>
+                <p:cNvPr id="149" name="Group 148"/>
+                <p:cNvGrpSpPr/>
                 <p:nvPr/>
-              </p:nvSpPr>
-              <p:spPr>
+              </p:nvGrpSpPr>
+              <p:grpSpPr>
                 <a:xfrm>
-                  <a:off x="9429307" y="4425768"/>
-                  <a:ext cx="470197" cy="511518"/>
+                  <a:off x="7073284" y="2657252"/>
+                  <a:ext cx="865466" cy="615045"/>
+                  <a:chOff x="9208768" y="3953128"/>
+                  <a:chExt cx="959868" cy="770738"/>
                 </a:xfrm>
-                <a:prstGeom prst="roundRect">
-                  <a:avLst/>
-                </a:prstGeom>
-                <a:noFill/>
-                <a:ln>
+              </p:grpSpPr>
+              <p:sp>
+                <p:nvSpPr>
+                  <p:cNvPr id="150" name="Flowchart: Decision 149"/>
+                  <p:cNvSpPr/>
+                  <p:nvPr/>
+                </p:nvSpPr>
+                <p:spPr>
+                  <a:xfrm>
+                    <a:off x="9208768" y="3953128"/>
+                    <a:ext cx="959868" cy="770738"/>
+                  </a:xfrm>
+                  <a:prstGeom prst="flowChartDecision">
+                    <a:avLst/>
+                  </a:prstGeom>
+                </p:spPr>
+                <p:style>
+                  <a:lnRef idx="2">
+                    <a:schemeClr val="accent6"/>
+                  </a:lnRef>
+                  <a:fillRef idx="1">
+                    <a:schemeClr val="lt1"/>
+                  </a:fillRef>
+                  <a:effectRef idx="0">
+                    <a:schemeClr val="accent6"/>
+                  </a:effectRef>
+                  <a:fontRef idx="minor">
+                    <a:schemeClr val="dk1"/>
+                  </a:fontRef>
+                </p:style>
+                <p:txBody>
+                  <a:bodyPr rtlCol="0" anchor="ctr"/>
+                  <a:lstStyle/>
+                  <a:p>
+                    <a:pPr algn="ctr"/>
+                    <a:endParaRPr lang="en-SG" sz="500" dirty="0"/>
+                  </a:p>
+                </p:txBody>
+              </p:sp>
+              <p:sp>
+                <p:nvSpPr>
+                  <p:cNvPr id="151" name="Rounded Rectangle 150"/>
+                  <p:cNvSpPr/>
+                  <p:nvPr/>
+                </p:nvSpPr>
+                <p:spPr>
+                  <a:xfrm>
+                    <a:off x="9439275" y="4076234"/>
+                    <a:ext cx="470197" cy="511518"/>
+                  </a:xfrm>
+                  <a:prstGeom prst="roundRect">
+                    <a:avLst/>
+                  </a:prstGeom>
                   <a:noFill/>
-                </a:ln>
-              </p:spPr>
-              <p:style>
-                <a:lnRef idx="2">
-                  <a:schemeClr val="accent6"/>
-                </a:lnRef>
-                <a:fillRef idx="1">
-                  <a:schemeClr val="lt1"/>
-                </a:fillRef>
-                <a:effectRef idx="0">
-                  <a:schemeClr val="accent6"/>
-                </a:effectRef>
-                <a:fontRef idx="minor">
-                  <a:schemeClr val="dk1"/>
-                </a:fontRef>
-              </p:style>
-              <p:txBody>
-                <a:bodyPr rot="0" spcFirstLastPara="0" vertOverflow="overflow" horzOverflow="overflow" vert="horz" wrap="square" lIns="36578" tIns="18289" rIns="36578" bIns="18289" numCol="1" spcCol="0" rtlCol="0" fromWordArt="0" anchor="ctr" anchorCtr="0" forceAA="0" compatLnSpc="1">
-                  <a:prstTxWarp prst="textNoShape">
-                    <a:avLst/>
-                  </a:prstTxWarp>
-                  <a:noAutofit/>
-                </a:bodyPr>
-                <a:lstStyle/>
-                <a:p>
-                  <a:pPr algn="ctr"/>
-                  <a:r>
-                    <a:rPr lang="en-SG" sz="600" dirty="0"/>
-                    <a:t>Send Client email on new screening?</a:t>
-                  </a:r>
-                </a:p>
-              </p:txBody>
-            </p:sp>
-          </p:grpSp>
-          <p:grpSp>
-            <p:nvGrpSpPr>
-              <p:cNvPr id="212" name="Group 211"/>
-              <p:cNvGrpSpPr/>
-              <p:nvPr/>
-            </p:nvGrpSpPr>
-            <p:grpSpPr>
-              <a:xfrm>
-                <a:off x="10015959" y="3885501"/>
-                <a:ext cx="1764096" cy="187936"/>
-                <a:chOff x="10957341" y="3416967"/>
-                <a:chExt cx="1764096" cy="187936"/>
-              </a:xfrm>
-            </p:grpSpPr>
+                  <a:ln>
+                    <a:noFill/>
+                  </a:ln>
+                </p:spPr>
+                <p:style>
+                  <a:lnRef idx="2">
+                    <a:schemeClr val="accent6"/>
+                  </a:lnRef>
+                  <a:fillRef idx="1">
+                    <a:schemeClr val="lt1"/>
+                  </a:fillRef>
+                  <a:effectRef idx="0">
+                    <a:schemeClr val="accent6"/>
+                  </a:effectRef>
+                  <a:fontRef idx="minor">
+                    <a:schemeClr val="dk1"/>
+                  </a:fontRef>
+                </p:style>
+                <p:txBody>
+                  <a:bodyPr rot="0" spcFirstLastPara="0" vertOverflow="overflow" horzOverflow="overflow" vert="horz" wrap="square" lIns="36578" tIns="18289" rIns="36578" bIns="18289" numCol="1" spcCol="0" rtlCol="0" fromWordArt="0" anchor="ctr" anchorCtr="0" forceAA="0" compatLnSpc="1">
+                    <a:prstTxWarp prst="textNoShape">
+                      <a:avLst/>
+                    </a:prstTxWarp>
+                    <a:noAutofit/>
+                  </a:bodyPr>
+                  <a:lstStyle/>
+                  <a:p>
+                    <a:pPr algn="ctr"/>
+                    <a:r>
+                      <a:rPr lang="en-SG" sz="600" dirty="0"/>
+                      <a:t>Follow up on client required?</a:t>
+                    </a:r>
+                  </a:p>
+                </p:txBody>
+              </p:sp>
+            </p:grpSp>
             <p:cxnSp>
               <p:nvCxnSpPr>
-                <p:cNvPr id="109" name="Straight Arrow Connector 108"/>
+                <p:cNvPr id="152" name="Straight Arrow Connector 151"/>
                 <p:cNvCxnSpPr>
-                  <a:stCxn id="101" idx="3"/>
-                  <a:endCxn id="24" idx="1"/>
+                  <a:stCxn id="21" idx="0"/>
+                  <a:endCxn id="150" idx="2"/>
                 </p:cNvCxnSpPr>
                 <p:nvPr/>
               </p:nvCxnSpPr>
               <p:spPr>
-                <a:xfrm>
-                  <a:off x="11026374" y="3596298"/>
-                  <a:ext cx="1695063" cy="8605"/>
+                <a:xfrm flipV="1">
+                  <a:off x="7500581" y="3272297"/>
+                  <a:ext cx="5436" cy="220403"/>
                 </a:xfrm>
                 <a:prstGeom prst="straightConnector1">
                   <a:avLst/>
@@ -6813,13 +6649,13 @@
             </p:cxnSp>
             <p:sp>
               <p:nvSpPr>
-                <p:cNvPr id="134" name="Rounded Rectangle 133"/>
+                <p:cNvPr id="157" name="Rounded Rectangle 156"/>
                 <p:cNvSpPr/>
                 <p:nvPr/>
               </p:nvSpPr>
               <p:spPr>
                 <a:xfrm>
-                  <a:off x="10957341" y="3416967"/>
+                  <a:off x="7272133" y="2450375"/>
                   <a:ext cx="259716" cy="182254"/>
                 </a:xfrm>
                 <a:prstGeom prst="roundRect">
@@ -6861,30 +6697,15 @@
                 </a:p>
               </p:txBody>
             </p:sp>
-          </p:grpSp>
-          <p:grpSp>
-            <p:nvGrpSpPr>
-              <p:cNvPr id="211" name="Group 210"/>
-              <p:cNvGrpSpPr/>
-              <p:nvPr/>
-            </p:nvGrpSpPr>
-            <p:grpSpPr>
-              <a:xfrm>
-                <a:off x="9640103" y="3254587"/>
-                <a:ext cx="807973" cy="452655"/>
-                <a:chOff x="9640103" y="3254587"/>
-                <a:chExt cx="807973" cy="452655"/>
-              </a:xfrm>
-            </p:grpSpPr>
             <p:sp>
               <p:nvSpPr>
-                <p:cNvPr id="139" name="Rounded Rectangle 138"/>
+                <p:cNvPr id="158" name="Rounded Rectangle 157"/>
                 <p:cNvSpPr/>
                 <p:nvPr/>
               </p:nvSpPr>
               <p:spPr>
                 <a:xfrm>
-                  <a:off x="9640103" y="3524988"/>
+                  <a:off x="7774105" y="3054920"/>
                   <a:ext cx="259716" cy="182254"/>
                 </a:xfrm>
                 <a:prstGeom prst="roundRect">
@@ -6928,17 +6749,17 @@
             </p:sp>
             <p:cxnSp>
               <p:nvCxnSpPr>
-                <p:cNvPr id="141" name="Elbow Connector 140"/>
+                <p:cNvPr id="159" name="Elbow Connector 158"/>
                 <p:cNvCxnSpPr>
-                  <a:stCxn id="101" idx="0"/>
-                  <a:endCxn id="146" idx="2"/>
+                  <a:stCxn id="150" idx="0"/>
+                  <a:endCxn id="172" idx="1"/>
                 </p:cNvCxnSpPr>
                 <p:nvPr/>
               </p:nvCxnSpPr>
               <p:spPr>
                 <a:xfrm rot="5400000" flipH="1" flipV="1">
-                  <a:off x="9827627" y="3084795"/>
-                  <a:ext cx="450658" cy="790241"/>
+                  <a:off x="7804161" y="1778874"/>
+                  <a:ext cx="580234" cy="1176522"/>
                 </a:xfrm>
                 <a:prstGeom prst="bentConnector2">
                   <a:avLst/>
@@ -6962,33 +6783,18 @@
                 </a:fontRef>
               </p:style>
             </p:cxnSp>
-          </p:grpSp>
-          <p:grpSp>
-            <p:nvGrpSpPr>
-              <p:cNvPr id="145" name="Group 144"/>
-              <p:cNvGrpSpPr/>
-              <p:nvPr/>
-            </p:nvGrpSpPr>
-            <p:grpSpPr>
-              <a:xfrm>
-                <a:off x="10380169" y="3155693"/>
-                <a:ext cx="1246459" cy="258424"/>
-                <a:chOff x="12741009" y="4758462"/>
-                <a:chExt cx="1246459" cy="258424"/>
-              </a:xfrm>
-            </p:grpSpPr>
             <p:sp>
               <p:nvSpPr>
-                <p:cNvPr id="146" name="Oval 145"/>
+                <p:cNvPr id="172" name="Rounded Rectangle 171"/>
                 <p:cNvSpPr/>
                 <p:nvPr/>
               </p:nvSpPr>
               <p:spPr>
                 <a:xfrm>
-                  <a:off x="12808917" y="4769758"/>
-                  <a:ext cx="139473" cy="175194"/>
+                  <a:off x="8682539" y="1848735"/>
+                  <a:ext cx="824215" cy="456565"/>
                 </a:xfrm>
-                <a:prstGeom prst="ellipse">
+                <a:prstGeom prst="roundRect">
                   <a:avLst/>
                 </a:prstGeom>
               </p:spPr>
@@ -7016,20 +6822,162 @@
                 <a:lstStyle/>
                 <a:p>
                   <a:pPr algn="ctr"/>
-                  <a:endParaRPr lang="en-SG" sz="720"/>
+                  <a:r>
+                    <a:rPr lang="en-SG" sz="720" dirty="0"/>
+                    <a:t>Follow up with client via phone</a:t>
+                  </a:r>
                 </a:p>
               </p:txBody>
             </p:sp>
+            <p:grpSp>
+              <p:nvGrpSpPr>
+                <p:cNvPr id="234" name="Group 233"/>
+                <p:cNvGrpSpPr/>
+                <p:nvPr/>
+              </p:nvGrpSpPr>
+              <p:grpSpPr>
+                <a:xfrm>
+                  <a:off x="3445084" y="4485434"/>
+                  <a:ext cx="865466" cy="615045"/>
+                  <a:chOff x="9187204" y="4291994"/>
+                  <a:chExt cx="959868" cy="770738"/>
+                </a:xfrm>
+              </p:grpSpPr>
+              <p:sp>
+                <p:nvSpPr>
+                  <p:cNvPr id="235" name="Flowchart: Decision 234"/>
+                  <p:cNvSpPr/>
+                  <p:nvPr/>
+                </p:nvSpPr>
+                <p:spPr>
+                  <a:xfrm>
+                    <a:off x="9187204" y="4291994"/>
+                    <a:ext cx="959868" cy="770738"/>
+                  </a:xfrm>
+                  <a:prstGeom prst="flowChartDecision">
+                    <a:avLst/>
+                  </a:prstGeom>
+                </p:spPr>
+                <p:style>
+                  <a:lnRef idx="2">
+                    <a:schemeClr val="accent6"/>
+                  </a:lnRef>
+                  <a:fillRef idx="1">
+                    <a:schemeClr val="lt1"/>
+                  </a:fillRef>
+                  <a:effectRef idx="0">
+                    <a:schemeClr val="accent6"/>
+                  </a:effectRef>
+                  <a:fontRef idx="minor">
+                    <a:schemeClr val="dk1"/>
+                  </a:fontRef>
+                </p:style>
+                <p:txBody>
+                  <a:bodyPr rtlCol="0" anchor="ctr"/>
+                  <a:lstStyle/>
+                  <a:p>
+                    <a:pPr algn="ctr"/>
+                    <a:endParaRPr lang="en-SG" sz="500" dirty="0"/>
+                  </a:p>
+                </p:txBody>
+              </p:sp>
+              <p:sp>
+                <p:nvSpPr>
+                  <p:cNvPr id="236" name="Rounded Rectangle 235"/>
+                  <p:cNvSpPr/>
+                  <p:nvPr/>
+                </p:nvSpPr>
+                <p:spPr>
+                  <a:xfrm>
+                    <a:off x="9429307" y="4425768"/>
+                    <a:ext cx="470197" cy="511518"/>
+                  </a:xfrm>
+                  <a:prstGeom prst="roundRect">
+                    <a:avLst/>
+                  </a:prstGeom>
+                  <a:noFill/>
+                  <a:ln>
+                    <a:noFill/>
+                  </a:ln>
+                </p:spPr>
+                <p:style>
+                  <a:lnRef idx="2">
+                    <a:schemeClr val="accent6"/>
+                  </a:lnRef>
+                  <a:fillRef idx="1">
+                    <a:schemeClr val="lt1"/>
+                  </a:fillRef>
+                  <a:effectRef idx="0">
+                    <a:schemeClr val="accent6"/>
+                  </a:effectRef>
+                  <a:fontRef idx="minor">
+                    <a:schemeClr val="dk1"/>
+                  </a:fontRef>
+                </p:style>
+                <p:txBody>
+                  <a:bodyPr rot="0" spcFirstLastPara="0" vertOverflow="overflow" horzOverflow="overflow" vert="horz" wrap="square" lIns="36578" tIns="18289" rIns="36578" bIns="18289" numCol="1" spcCol="0" rtlCol="0" fromWordArt="0" anchor="ctr" anchorCtr="0" forceAA="0" compatLnSpc="1">
+                    <a:prstTxWarp prst="textNoShape">
+                      <a:avLst/>
+                    </a:prstTxWarp>
+                    <a:noAutofit/>
+                  </a:bodyPr>
+                  <a:lstStyle/>
+                  <a:p>
+                    <a:pPr algn="ctr"/>
+                    <a:r>
+                      <a:rPr lang="en-SG" sz="600" dirty="0"/>
+                      <a:t>Add new Screening info?</a:t>
+                    </a:r>
+                  </a:p>
+                </p:txBody>
+              </p:sp>
+            </p:grpSp>
+            <p:cxnSp>
+              <p:nvCxnSpPr>
+                <p:cNvPr id="245" name="Elbow Connector 244"/>
+                <p:cNvCxnSpPr>
+                  <a:stCxn id="235" idx="0"/>
+                  <a:endCxn id="5" idx="1"/>
+                </p:cNvCxnSpPr>
+                <p:nvPr/>
+              </p:nvCxnSpPr>
+              <p:spPr>
+                <a:xfrm rot="5400000" flipH="1" flipV="1">
+                  <a:off x="3740819" y="4073462"/>
+                  <a:ext cx="548971" cy="274975"/>
+                </a:xfrm>
+                <a:prstGeom prst="bentConnector2">
+                  <a:avLst/>
+                </a:prstGeom>
+                <a:ln>
+                  <a:tailEnd type="triangle"/>
+                </a:ln>
+              </p:spPr>
+              <p:style>
+                <a:lnRef idx="1">
+                  <a:schemeClr val="accent2"/>
+                </a:lnRef>
+                <a:fillRef idx="0">
+                  <a:schemeClr val="accent2"/>
+                </a:fillRef>
+                <a:effectRef idx="0">
+                  <a:schemeClr val="accent2"/>
+                </a:effectRef>
+                <a:fontRef idx="minor">
+                  <a:schemeClr val="tx1"/>
+                </a:fontRef>
+              </p:style>
+            </p:cxnSp>
             <p:sp>
               <p:nvSpPr>
-                <p:cNvPr id="147" name="Rounded Rectangle 146"/>
+                <p:cNvPr id="254" name="Rounded Rectangle 253"/>
                 <p:cNvSpPr/>
                 <p:nvPr/>
               </p:nvSpPr>
               <p:spPr>
                 <a:xfrm>
-                  <a:off x="12741009" y="4758462"/>
-                  <a:ext cx="1246459" cy="258424"/>
+                  <a:off x="4282650" y="4640661"/>
+                  <a:ext cx="259716" cy="182254"/>
                 </a:xfrm>
                 <a:prstGeom prst="roundRect">
                   <a:avLst/>
@@ -7065,74 +7013,21 @@
                   <a:pPr algn="ctr"/>
                   <a:r>
                     <a:rPr lang="en-SG" sz="720" dirty="0"/>
-                    <a:t>End  viewing patient information</a:t>
+                    <a:t>Yes</a:t>
                   </a:r>
                 </a:p>
               </p:txBody>
             </p:sp>
-          </p:grpSp>
-          <p:grpSp>
-            <p:nvGrpSpPr>
-              <p:cNvPr id="149" name="Group 148"/>
-              <p:cNvGrpSpPr/>
-              <p:nvPr/>
-            </p:nvGrpSpPr>
-            <p:grpSpPr>
-              <a:xfrm>
-                <a:off x="7053841" y="2927666"/>
-                <a:ext cx="865466" cy="615045"/>
-                <a:chOff x="9187204" y="4291994"/>
-                <a:chExt cx="959868" cy="770738"/>
-              </a:xfrm>
-            </p:grpSpPr>
             <p:sp>
               <p:nvSpPr>
-                <p:cNvPr id="150" name="Flowchart: Decision 149"/>
+                <p:cNvPr id="261" name="Rounded Rectangle 260"/>
                 <p:cNvSpPr/>
                 <p:nvPr/>
               </p:nvSpPr>
               <p:spPr>
                 <a:xfrm>
-                  <a:off x="9187204" y="4291994"/>
-                  <a:ext cx="959868" cy="770738"/>
-                </a:xfrm>
-                <a:prstGeom prst="flowChartDecision">
-                  <a:avLst/>
-                </a:prstGeom>
-              </p:spPr>
-              <p:style>
-                <a:lnRef idx="2">
-                  <a:schemeClr val="accent6"/>
-                </a:lnRef>
-                <a:fillRef idx="1">
-                  <a:schemeClr val="lt1"/>
-                </a:fillRef>
-                <a:effectRef idx="0">
-                  <a:schemeClr val="accent6"/>
-                </a:effectRef>
-                <a:fontRef idx="minor">
-                  <a:schemeClr val="dk1"/>
-                </a:fontRef>
-              </p:style>
-              <p:txBody>
-                <a:bodyPr rtlCol="0" anchor="ctr"/>
-                <a:lstStyle/>
-                <a:p>
-                  <a:pPr algn="ctr"/>
-                  <a:endParaRPr lang="en-SG" sz="500" dirty="0"/>
-                </a:p>
-              </p:txBody>
-            </p:sp>
-            <p:sp>
-              <p:nvSpPr>
-                <p:cNvPr id="151" name="Rounded Rectangle 150"/>
-                <p:cNvSpPr/>
-                <p:nvPr/>
-              </p:nvSpPr>
-              <p:spPr>
-                <a:xfrm>
-                  <a:off x="9429307" y="4425768"/>
-                  <a:ext cx="470197" cy="511518"/>
+                  <a:off x="3855577" y="4348278"/>
+                  <a:ext cx="259716" cy="182254"/>
                 </a:xfrm>
                 <a:prstGeom prst="roundRect">
                   <a:avLst/>
@@ -7167,67 +7062,2577 @@
                 <a:p>
                   <a:pPr algn="ctr"/>
                   <a:r>
-                    <a:rPr lang="en-SG" sz="600" dirty="0"/>
-                    <a:t>Follow up on client required?</a:t>
+                    <a:rPr lang="en-SG" sz="720" dirty="0"/>
+                    <a:t>No</a:t>
                   </a:r>
                 </a:p>
               </p:txBody>
             </p:sp>
+            <p:cxnSp>
+              <p:nvCxnSpPr>
+                <p:cNvPr id="280" name="Elbow Connector 279"/>
+                <p:cNvCxnSpPr>
+                  <a:stCxn id="235" idx="3"/>
+                </p:cNvCxnSpPr>
+                <p:nvPr/>
+              </p:nvCxnSpPr>
+              <p:spPr>
+                <a:xfrm>
+                  <a:off x="4310550" y="4792957"/>
+                  <a:ext cx="270833" cy="344659"/>
+                </a:xfrm>
+                <a:prstGeom prst="bentConnector2">
+                  <a:avLst/>
+                </a:prstGeom>
+                <a:ln>
+                  <a:tailEnd type="triangle"/>
+                </a:ln>
+              </p:spPr>
+              <p:style>
+                <a:lnRef idx="1">
+                  <a:schemeClr val="accent2"/>
+                </a:lnRef>
+                <a:fillRef idx="0">
+                  <a:schemeClr val="accent2"/>
+                </a:fillRef>
+                <a:effectRef idx="0">
+                  <a:schemeClr val="accent2"/>
+                </a:effectRef>
+                <a:fontRef idx="minor">
+                  <a:schemeClr val="tx1"/>
+                </a:fontRef>
+              </p:style>
+            </p:cxnSp>
+            <p:sp>
+              <p:nvSpPr>
+                <p:cNvPr id="287" name="Rounded Rectangle 286"/>
+                <p:cNvSpPr/>
+                <p:nvPr/>
+              </p:nvSpPr>
+              <p:spPr>
+                <a:xfrm>
+                  <a:off x="4226411" y="5152176"/>
+                  <a:ext cx="857184" cy="456565"/>
+                </a:xfrm>
+                <a:prstGeom prst="roundRect">
+                  <a:avLst/>
+                </a:prstGeom>
+              </p:spPr>
+              <p:style>
+                <a:lnRef idx="2">
+                  <a:schemeClr val="accent6"/>
+                </a:lnRef>
+                <a:fillRef idx="1">
+                  <a:schemeClr val="lt1"/>
+                </a:fillRef>
+                <a:effectRef idx="0">
+                  <a:schemeClr val="accent6"/>
+                </a:effectRef>
+                <a:fontRef idx="minor">
+                  <a:schemeClr val="dk1"/>
+                </a:fontRef>
+              </p:style>
+              <p:txBody>
+                <a:bodyPr rot="0" spcFirstLastPara="0" vertOverflow="overflow" horzOverflow="overflow" vert="horz" wrap="square" lIns="36578" tIns="18289" rIns="36578" bIns="18289" numCol="1" spcCol="0" rtlCol="0" fromWordArt="0" anchor="ctr" anchorCtr="0" forceAA="0" compatLnSpc="1">
+                  <a:prstTxWarp prst="textNoShape">
+                    <a:avLst/>
+                  </a:prstTxWarp>
+                  <a:noAutofit/>
+                </a:bodyPr>
+                <a:lstStyle/>
+                <a:p>
+                  <a:pPr algn="ctr"/>
+                  <a:r>
+                    <a:rPr lang="en-SG" sz="720" dirty="0"/>
+                    <a:t>Fill in Screening information</a:t>
+                  </a:r>
+                </a:p>
+              </p:txBody>
+            </p:sp>
+            <p:sp>
+              <p:nvSpPr>
+                <p:cNvPr id="288" name="Rounded Rectangle 287"/>
+                <p:cNvSpPr/>
+                <p:nvPr/>
+              </p:nvSpPr>
+              <p:spPr>
+                <a:xfrm>
+                  <a:off x="4208133" y="7312348"/>
+                  <a:ext cx="857184" cy="456565"/>
+                </a:xfrm>
+                <a:prstGeom prst="roundRect">
+                  <a:avLst/>
+                </a:prstGeom>
+              </p:spPr>
+              <p:style>
+                <a:lnRef idx="2">
+                  <a:schemeClr val="accent6"/>
+                </a:lnRef>
+                <a:fillRef idx="1">
+                  <a:schemeClr val="lt1"/>
+                </a:fillRef>
+                <a:effectRef idx="0">
+                  <a:schemeClr val="accent6"/>
+                </a:effectRef>
+                <a:fontRef idx="minor">
+                  <a:schemeClr val="dk1"/>
+                </a:fontRef>
+              </p:style>
+              <p:txBody>
+                <a:bodyPr rot="0" spcFirstLastPara="0" vertOverflow="overflow" horzOverflow="overflow" vert="horz" wrap="square" lIns="36578" tIns="18289" rIns="36578" bIns="18289" numCol="1" spcCol="0" rtlCol="0" fromWordArt="0" anchor="ctr" anchorCtr="0" forceAA="0" compatLnSpc="1">
+                  <a:prstTxWarp prst="textNoShape">
+                    <a:avLst/>
+                  </a:prstTxWarp>
+                  <a:noAutofit/>
+                </a:bodyPr>
+                <a:lstStyle/>
+                <a:p>
+                  <a:pPr algn="ctr"/>
+                  <a:r>
+                    <a:rPr lang="en-SG" sz="720" dirty="0"/>
+                    <a:t>Update Screening list</a:t>
+                  </a:r>
+                </a:p>
+              </p:txBody>
+            </p:sp>
+            <p:cxnSp>
+              <p:nvCxnSpPr>
+                <p:cNvPr id="289" name="Straight Arrow Connector 288"/>
+                <p:cNvCxnSpPr>
+                  <a:stCxn id="287" idx="2"/>
+                  <a:endCxn id="288" idx="0"/>
+                </p:cNvCxnSpPr>
+                <p:nvPr/>
+              </p:nvCxnSpPr>
+              <p:spPr>
+                <a:xfrm flipH="1">
+                  <a:off x="4636725" y="5608741"/>
+                  <a:ext cx="18278" cy="1703607"/>
+                </a:xfrm>
+                <a:prstGeom prst="straightConnector1">
+                  <a:avLst/>
+                </a:prstGeom>
+                <a:ln>
+                  <a:tailEnd type="triangle"/>
+                </a:ln>
+              </p:spPr>
+              <p:style>
+                <a:lnRef idx="1">
+                  <a:schemeClr val="accent2"/>
+                </a:lnRef>
+                <a:fillRef idx="0">
+                  <a:schemeClr val="accent2"/>
+                </a:fillRef>
+                <a:effectRef idx="0">
+                  <a:schemeClr val="accent2"/>
+                </a:effectRef>
+                <a:fontRef idx="minor">
+                  <a:schemeClr val="tx1"/>
+                </a:fontRef>
+              </p:style>
+            </p:cxnSp>
+            <p:cxnSp>
+              <p:nvCxnSpPr>
+                <p:cNvPr id="296" name="Elbow Connector 295"/>
+                <p:cNvCxnSpPr>
+                  <a:stCxn id="288" idx="3"/>
+                  <a:endCxn id="5" idx="2"/>
+                </p:cNvCxnSpPr>
+                <p:nvPr/>
+              </p:nvCxnSpPr>
+              <p:spPr>
+                <a:xfrm flipH="1" flipV="1">
+                  <a:off x="4632726" y="4321832"/>
+                  <a:ext cx="432591" cy="3218799"/>
+                </a:xfrm>
+                <a:prstGeom prst="bentConnector4">
+                  <a:avLst>
+                    <a:gd name="adj1" fmla="val -52844"/>
+                    <a:gd name="adj2" fmla="val 90372"/>
+                  </a:avLst>
+                </a:prstGeom>
+                <a:ln>
+                  <a:tailEnd type="triangle"/>
+                </a:ln>
+              </p:spPr>
+              <p:style>
+                <a:lnRef idx="1">
+                  <a:schemeClr val="accent2"/>
+                </a:lnRef>
+                <a:fillRef idx="0">
+                  <a:schemeClr val="accent2"/>
+                </a:fillRef>
+                <a:effectRef idx="0">
+                  <a:schemeClr val="accent2"/>
+                </a:effectRef>
+                <a:fontRef idx="minor">
+                  <a:schemeClr val="tx1"/>
+                </a:fontRef>
+              </p:style>
+            </p:cxnSp>
+            <p:cxnSp>
+              <p:nvCxnSpPr>
+                <p:cNvPr id="315" name="Elbow Connector 314"/>
+                <p:cNvCxnSpPr>
+                  <a:stCxn id="5" idx="3"/>
+                  <a:endCxn id="396" idx="0"/>
+                </p:cNvCxnSpPr>
+                <p:nvPr/>
+              </p:nvCxnSpPr>
+              <p:spPr>
+                <a:xfrm>
+                  <a:off x="5112660" y="3936463"/>
+                  <a:ext cx="891994" cy="458264"/>
+                </a:xfrm>
+                <a:prstGeom prst="bentConnector2">
+                  <a:avLst/>
+                </a:prstGeom>
+                <a:ln>
+                  <a:tailEnd type="triangle"/>
+                </a:ln>
+              </p:spPr>
+              <p:style>
+                <a:lnRef idx="1">
+                  <a:schemeClr val="accent2"/>
+                </a:lnRef>
+                <a:fillRef idx="0">
+                  <a:schemeClr val="accent2"/>
+                </a:fillRef>
+                <a:effectRef idx="0">
+                  <a:schemeClr val="accent2"/>
+                </a:effectRef>
+                <a:fontRef idx="minor">
+                  <a:schemeClr val="tx1"/>
+                </a:fontRef>
+              </p:style>
+            </p:cxnSp>
+            <p:sp>
+              <p:nvSpPr>
+                <p:cNvPr id="316" name="Rounded Rectangle 315"/>
+                <p:cNvSpPr/>
+                <p:nvPr/>
+              </p:nvSpPr>
+              <p:spPr>
+                <a:xfrm>
+                  <a:off x="5129620" y="3794065"/>
+                  <a:ext cx="259716" cy="182254"/>
+                </a:xfrm>
+                <a:prstGeom prst="roundRect">
+                  <a:avLst/>
+                </a:prstGeom>
+                <a:noFill/>
+                <a:ln>
+                  <a:noFill/>
+                </a:ln>
+              </p:spPr>
+              <p:style>
+                <a:lnRef idx="2">
+                  <a:schemeClr val="accent6"/>
+                </a:lnRef>
+                <a:fillRef idx="1">
+                  <a:schemeClr val="lt1"/>
+                </a:fillRef>
+                <a:effectRef idx="0">
+                  <a:schemeClr val="accent6"/>
+                </a:effectRef>
+                <a:fontRef idx="minor">
+                  <a:schemeClr val="dk1"/>
+                </a:fontRef>
+              </p:style>
+              <p:txBody>
+                <a:bodyPr rot="0" spcFirstLastPara="0" vertOverflow="overflow" horzOverflow="overflow" vert="horz" wrap="square" lIns="36578" tIns="18289" rIns="36578" bIns="18289" numCol="1" spcCol="0" rtlCol="0" fromWordArt="0" anchor="ctr" anchorCtr="0" forceAA="0" compatLnSpc="1">
+                  <a:prstTxWarp prst="textNoShape">
+                    <a:avLst/>
+                  </a:prstTxWarp>
+                  <a:noAutofit/>
+                </a:bodyPr>
+                <a:lstStyle/>
+                <a:p>
+                  <a:pPr algn="ctr"/>
+                  <a:r>
+                    <a:rPr lang="en-SG" sz="720" dirty="0"/>
+                    <a:t>No</a:t>
+                  </a:r>
+                </a:p>
+              </p:txBody>
+            </p:sp>
+            <p:grpSp>
+              <p:nvGrpSpPr>
+                <p:cNvPr id="329" name="Group 328"/>
+                <p:cNvGrpSpPr/>
+                <p:nvPr/>
+              </p:nvGrpSpPr>
+              <p:grpSpPr>
+                <a:xfrm>
+                  <a:off x="6326758" y="4702250"/>
+                  <a:ext cx="682002" cy="136103"/>
+                  <a:chOff x="5625111" y="5600350"/>
+                  <a:chExt cx="682002" cy="136103"/>
+                </a:xfrm>
+              </p:grpSpPr>
+              <p:cxnSp>
+                <p:nvCxnSpPr>
+                  <p:cNvPr id="330" name="Straight Arrow Connector 329"/>
+                  <p:cNvCxnSpPr>
+                    <a:stCxn id="396" idx="3"/>
+                    <a:endCxn id="214" idx="1"/>
+                  </p:cNvCxnSpPr>
+                  <p:nvPr/>
+                </p:nvCxnSpPr>
+                <p:spPr>
+                  <a:xfrm>
+                    <a:off x="5735740" y="5600350"/>
+                    <a:ext cx="571373" cy="2919"/>
+                  </a:xfrm>
+                  <a:prstGeom prst="straightConnector1">
+                    <a:avLst/>
+                  </a:prstGeom>
+                  <a:ln>
+                    <a:tailEnd type="triangle"/>
+                  </a:ln>
+                </p:spPr>
+                <p:style>
+                  <a:lnRef idx="1">
+                    <a:schemeClr val="accent2"/>
+                  </a:lnRef>
+                  <a:fillRef idx="0">
+                    <a:schemeClr val="accent2"/>
+                  </a:fillRef>
+                  <a:effectRef idx="0">
+                    <a:schemeClr val="accent2"/>
+                  </a:effectRef>
+                  <a:fontRef idx="minor">
+                    <a:schemeClr val="tx1"/>
+                  </a:fontRef>
+                </p:style>
+              </p:cxnSp>
+              <p:sp>
+                <p:nvSpPr>
+                  <p:cNvPr id="331" name="Rounded Rectangle 330"/>
+                  <p:cNvSpPr/>
+                  <p:nvPr/>
+                </p:nvSpPr>
+                <p:spPr>
+                  <a:xfrm>
+                    <a:off x="5625111" y="5637074"/>
+                    <a:ext cx="295977" cy="99379"/>
+                  </a:xfrm>
+                  <a:prstGeom prst="roundRect">
+                    <a:avLst/>
+                  </a:prstGeom>
+                  <a:noFill/>
+                  <a:ln>
+                    <a:noFill/>
+                  </a:ln>
+                </p:spPr>
+                <p:style>
+                  <a:lnRef idx="2">
+                    <a:schemeClr val="accent6"/>
+                  </a:lnRef>
+                  <a:fillRef idx="1">
+                    <a:schemeClr val="lt1"/>
+                  </a:fillRef>
+                  <a:effectRef idx="0">
+                    <a:schemeClr val="accent6"/>
+                  </a:effectRef>
+                  <a:fontRef idx="minor">
+                    <a:schemeClr val="dk1"/>
+                  </a:fontRef>
+                </p:style>
+                <p:txBody>
+                  <a:bodyPr rot="0" spcFirstLastPara="0" vertOverflow="overflow" horzOverflow="overflow" vert="horz" wrap="square" lIns="36578" tIns="18289" rIns="36578" bIns="18289" numCol="1" spcCol="0" rtlCol="0" fromWordArt="0" anchor="ctr" anchorCtr="0" forceAA="0" compatLnSpc="1">
+                    <a:prstTxWarp prst="textNoShape">
+                      <a:avLst/>
+                    </a:prstTxWarp>
+                    <a:noAutofit/>
+                  </a:bodyPr>
+                  <a:lstStyle/>
+                  <a:p>
+                    <a:pPr algn="ctr"/>
+                    <a:r>
+                      <a:rPr lang="en-SG" sz="720" dirty="0"/>
+                      <a:t>No</a:t>
+                    </a:r>
+                  </a:p>
+                </p:txBody>
+              </p:sp>
+            </p:grpSp>
+            <p:sp>
+              <p:nvSpPr>
+                <p:cNvPr id="338" name="Rounded Rectangle 337"/>
+                <p:cNvSpPr/>
+                <p:nvPr/>
+              </p:nvSpPr>
+              <p:spPr>
+                <a:xfrm>
+                  <a:off x="6996929" y="4082927"/>
+                  <a:ext cx="1246459" cy="169134"/>
+                </a:xfrm>
+                <a:prstGeom prst="roundRect">
+                  <a:avLst/>
+                </a:prstGeom>
+                <a:noFill/>
+                <a:ln>
+                  <a:noFill/>
+                </a:ln>
+              </p:spPr>
+              <p:style>
+                <a:lnRef idx="2">
+                  <a:schemeClr val="accent6"/>
+                </a:lnRef>
+                <a:fillRef idx="1">
+                  <a:schemeClr val="lt1"/>
+                </a:fillRef>
+                <a:effectRef idx="0">
+                  <a:schemeClr val="accent6"/>
+                </a:effectRef>
+                <a:fontRef idx="minor">
+                  <a:schemeClr val="dk1"/>
+                </a:fontRef>
+              </p:style>
+              <p:txBody>
+                <a:bodyPr rot="0" spcFirstLastPara="0" vertOverflow="overflow" horzOverflow="overflow" vert="horz" wrap="square" lIns="36578" tIns="18289" rIns="36578" bIns="18289" numCol="1" spcCol="0" rtlCol="0" fromWordArt="0" anchor="ctr" anchorCtr="0" forceAA="0" compatLnSpc="1">
+                  <a:prstTxWarp prst="textNoShape">
+                    <a:avLst/>
+                  </a:prstTxWarp>
+                  <a:noAutofit/>
+                </a:bodyPr>
+                <a:lstStyle/>
+                <a:p>
+                  <a:pPr algn="ctr"/>
+                  <a:r>
+                    <a:rPr lang="en-SG" sz="720" dirty="0"/>
+                    <a:t>End </a:t>
+                  </a:r>
+                </a:p>
+              </p:txBody>
+            </p:sp>
+            <p:cxnSp>
+              <p:nvCxnSpPr>
+                <p:cNvPr id="383" name="Elbow Connector 382"/>
+                <p:cNvCxnSpPr>
+                  <a:stCxn id="5" idx="0"/>
+                  <a:endCxn id="18" idx="1"/>
+                </p:cNvCxnSpPr>
+                <p:nvPr/>
+              </p:nvCxnSpPr>
+              <p:spPr>
+                <a:xfrm rot="5400000" flipH="1" flipV="1">
+                  <a:off x="4528512" y="2196674"/>
+                  <a:ext cx="1458635" cy="1250207"/>
+                </a:xfrm>
+                <a:prstGeom prst="bentConnector2">
+                  <a:avLst/>
+                </a:prstGeom>
+                <a:ln>
+                  <a:tailEnd type="triangle"/>
+                </a:ln>
+              </p:spPr>
+              <p:style>
+                <a:lnRef idx="1">
+                  <a:schemeClr val="accent2"/>
+                </a:lnRef>
+                <a:fillRef idx="0">
+                  <a:schemeClr val="accent2"/>
+                </a:fillRef>
+                <a:effectRef idx="0">
+                  <a:schemeClr val="accent2"/>
+                </a:effectRef>
+                <a:fontRef idx="minor">
+                  <a:schemeClr val="tx1"/>
+                </a:fontRef>
+              </p:style>
+            </p:cxnSp>
+            <p:cxnSp>
+              <p:nvCxnSpPr>
+                <p:cNvPr id="386" name="Elbow Connector 385"/>
+                <p:cNvCxnSpPr>
+                  <a:stCxn id="20" idx="2"/>
+                  <a:endCxn id="21" idx="1"/>
+                </p:cNvCxnSpPr>
+                <p:nvPr/>
+              </p:nvCxnSpPr>
+              <p:spPr>
+                <a:xfrm rot="16200000" flipH="1">
+                  <a:off x="6536023" y="3185017"/>
+                  <a:ext cx="306864" cy="765067"/>
+                </a:xfrm>
+                <a:prstGeom prst="bentConnector2">
+                  <a:avLst/>
+                </a:prstGeom>
+                <a:ln>
+                  <a:tailEnd type="triangle"/>
+                </a:ln>
+              </p:spPr>
+              <p:style>
+                <a:lnRef idx="1">
+                  <a:schemeClr val="accent2"/>
+                </a:lnRef>
+                <a:fillRef idx="0">
+                  <a:schemeClr val="accent2"/>
+                </a:fillRef>
+                <a:effectRef idx="0">
+                  <a:schemeClr val="accent2"/>
+                </a:effectRef>
+                <a:fontRef idx="minor">
+                  <a:schemeClr val="tx1"/>
+                </a:fontRef>
+              </p:style>
+            </p:cxnSp>
+            <p:grpSp>
+              <p:nvGrpSpPr>
+                <p:cNvPr id="395" name="Group 394"/>
+                <p:cNvGrpSpPr/>
+                <p:nvPr/>
+              </p:nvGrpSpPr>
+              <p:grpSpPr>
+                <a:xfrm>
+                  <a:off x="5571921" y="4394727"/>
+                  <a:ext cx="865466" cy="615045"/>
+                  <a:chOff x="9187204" y="4291994"/>
+                  <a:chExt cx="959868" cy="770738"/>
+                </a:xfrm>
+              </p:grpSpPr>
+              <p:sp>
+                <p:nvSpPr>
+                  <p:cNvPr id="396" name="Flowchart: Decision 395"/>
+                  <p:cNvSpPr/>
+                  <p:nvPr/>
+                </p:nvSpPr>
+                <p:spPr>
+                  <a:xfrm>
+                    <a:off x="9187204" y="4291994"/>
+                    <a:ext cx="959868" cy="770738"/>
+                  </a:xfrm>
+                  <a:prstGeom prst="flowChartDecision">
+                    <a:avLst/>
+                  </a:prstGeom>
+                </p:spPr>
+                <p:style>
+                  <a:lnRef idx="2">
+                    <a:schemeClr val="accent6"/>
+                  </a:lnRef>
+                  <a:fillRef idx="1">
+                    <a:schemeClr val="lt1"/>
+                  </a:fillRef>
+                  <a:effectRef idx="0">
+                    <a:schemeClr val="accent6"/>
+                  </a:effectRef>
+                  <a:fontRef idx="minor">
+                    <a:schemeClr val="dk1"/>
+                  </a:fontRef>
+                </p:style>
+                <p:txBody>
+                  <a:bodyPr rtlCol="0" anchor="ctr"/>
+                  <a:lstStyle/>
+                  <a:p>
+                    <a:pPr algn="ctr"/>
+                    <a:endParaRPr lang="en-SG" sz="500" dirty="0"/>
+                  </a:p>
+                </p:txBody>
+              </p:sp>
+              <p:sp>
+                <p:nvSpPr>
+                  <p:cNvPr id="397" name="Rounded Rectangle 396"/>
+                  <p:cNvSpPr/>
+                  <p:nvPr/>
+                </p:nvSpPr>
+                <p:spPr>
+                  <a:xfrm>
+                    <a:off x="9314209" y="4444922"/>
+                    <a:ext cx="717765" cy="477224"/>
+                  </a:xfrm>
+                  <a:prstGeom prst="roundRect">
+                    <a:avLst/>
+                  </a:prstGeom>
+                  <a:noFill/>
+                  <a:ln>
+                    <a:noFill/>
+                  </a:ln>
+                </p:spPr>
+                <p:style>
+                  <a:lnRef idx="2">
+                    <a:schemeClr val="accent6"/>
+                  </a:lnRef>
+                  <a:fillRef idx="1">
+                    <a:schemeClr val="lt1"/>
+                  </a:fillRef>
+                  <a:effectRef idx="0">
+                    <a:schemeClr val="accent6"/>
+                  </a:effectRef>
+                  <a:fontRef idx="minor">
+                    <a:schemeClr val="dk1"/>
+                  </a:fontRef>
+                </p:style>
+                <p:txBody>
+                  <a:bodyPr rot="0" spcFirstLastPara="0" vertOverflow="overflow" horzOverflow="overflow" vert="horz" wrap="square" lIns="36578" tIns="18289" rIns="36578" bIns="18289" numCol="1" spcCol="0" rtlCol="0" fromWordArt="0" anchor="ctr" anchorCtr="0" forceAA="0" compatLnSpc="1">
+                    <a:prstTxWarp prst="textNoShape">
+                      <a:avLst/>
+                    </a:prstTxWarp>
+                    <a:noAutofit/>
+                  </a:bodyPr>
+                  <a:lstStyle/>
+                  <a:p>
+                    <a:pPr algn="ctr"/>
+                    <a:r>
+                      <a:rPr lang="en-SG" sz="600" dirty="0"/>
+                      <a:t>Proceed to Reports?</a:t>
+                    </a:r>
+                  </a:p>
+                </p:txBody>
+              </p:sp>
+            </p:grpSp>
+            <p:cxnSp>
+              <p:nvCxnSpPr>
+                <p:cNvPr id="400" name="Straight Arrow Connector 399"/>
+                <p:cNvCxnSpPr>
+                  <a:stCxn id="396" idx="2"/>
+                  <a:endCxn id="405" idx="0"/>
+                </p:cNvCxnSpPr>
+                <p:nvPr/>
+              </p:nvCxnSpPr>
+              <p:spPr>
+                <a:xfrm flipH="1">
+                  <a:off x="5995495" y="5009772"/>
+                  <a:ext cx="9159" cy="342620"/>
+                </a:xfrm>
+                <a:prstGeom prst="straightConnector1">
+                  <a:avLst/>
+                </a:prstGeom>
+                <a:ln>
+                  <a:tailEnd type="triangle"/>
+                </a:ln>
+              </p:spPr>
+              <p:style>
+                <a:lnRef idx="1">
+                  <a:schemeClr val="accent2"/>
+                </a:lnRef>
+                <a:fillRef idx="0">
+                  <a:schemeClr val="accent2"/>
+                </a:fillRef>
+                <a:effectRef idx="0">
+                  <a:schemeClr val="accent2"/>
+                </a:effectRef>
+                <a:fontRef idx="minor">
+                  <a:schemeClr val="tx1"/>
+                </a:fontRef>
+              </p:style>
+            </p:cxnSp>
+            <p:sp>
+              <p:nvSpPr>
+                <p:cNvPr id="403" name="Rounded Rectangle 402"/>
+                <p:cNvSpPr/>
+                <p:nvPr/>
+              </p:nvSpPr>
+              <p:spPr>
+                <a:xfrm>
+                  <a:off x="5990648" y="5082259"/>
+                  <a:ext cx="259716" cy="182254"/>
+                </a:xfrm>
+                <a:prstGeom prst="roundRect">
+                  <a:avLst/>
+                </a:prstGeom>
+                <a:noFill/>
+                <a:ln>
+                  <a:noFill/>
+                </a:ln>
+              </p:spPr>
+              <p:style>
+                <a:lnRef idx="2">
+                  <a:schemeClr val="accent6"/>
+                </a:lnRef>
+                <a:fillRef idx="1">
+                  <a:schemeClr val="lt1"/>
+                </a:fillRef>
+                <a:effectRef idx="0">
+                  <a:schemeClr val="accent6"/>
+                </a:effectRef>
+                <a:fontRef idx="minor">
+                  <a:schemeClr val="dk1"/>
+                </a:fontRef>
+              </p:style>
+              <p:txBody>
+                <a:bodyPr rot="0" spcFirstLastPara="0" vertOverflow="overflow" horzOverflow="overflow" vert="horz" wrap="square" lIns="36578" tIns="18289" rIns="36578" bIns="18289" numCol="1" spcCol="0" rtlCol="0" fromWordArt="0" anchor="ctr" anchorCtr="0" forceAA="0" compatLnSpc="1">
+                  <a:prstTxWarp prst="textNoShape">
+                    <a:avLst/>
+                  </a:prstTxWarp>
+                  <a:noAutofit/>
+                </a:bodyPr>
+                <a:lstStyle/>
+                <a:p>
+                  <a:pPr algn="ctr"/>
+                  <a:r>
+                    <a:rPr lang="en-SG" sz="720" dirty="0"/>
+                    <a:t>Yes</a:t>
+                  </a:r>
+                </a:p>
+              </p:txBody>
+            </p:sp>
+            <p:grpSp>
+              <p:nvGrpSpPr>
+                <p:cNvPr id="404" name="Group 403"/>
+                <p:cNvGrpSpPr/>
+                <p:nvPr/>
+              </p:nvGrpSpPr>
+              <p:grpSpPr>
+                <a:xfrm>
+                  <a:off x="5562762" y="5352392"/>
+                  <a:ext cx="865466" cy="615045"/>
+                  <a:chOff x="9187204" y="4291994"/>
+                  <a:chExt cx="959868" cy="770738"/>
+                </a:xfrm>
+              </p:grpSpPr>
+              <p:sp>
+                <p:nvSpPr>
+                  <p:cNvPr id="405" name="Flowchart: Decision 404"/>
+                  <p:cNvSpPr/>
+                  <p:nvPr/>
+                </p:nvSpPr>
+                <p:spPr>
+                  <a:xfrm>
+                    <a:off x="9187204" y="4291994"/>
+                    <a:ext cx="959868" cy="770738"/>
+                  </a:xfrm>
+                  <a:prstGeom prst="flowChartDecision">
+                    <a:avLst/>
+                  </a:prstGeom>
+                </p:spPr>
+                <p:style>
+                  <a:lnRef idx="2">
+                    <a:schemeClr val="accent6"/>
+                  </a:lnRef>
+                  <a:fillRef idx="1">
+                    <a:schemeClr val="lt1"/>
+                  </a:fillRef>
+                  <a:effectRef idx="0">
+                    <a:schemeClr val="accent6"/>
+                  </a:effectRef>
+                  <a:fontRef idx="minor">
+                    <a:schemeClr val="dk1"/>
+                  </a:fontRef>
+                </p:style>
+                <p:txBody>
+                  <a:bodyPr rtlCol="0" anchor="ctr"/>
+                  <a:lstStyle/>
+                  <a:p>
+                    <a:pPr algn="ctr"/>
+                    <a:endParaRPr lang="en-SG" sz="500" dirty="0"/>
+                  </a:p>
+                </p:txBody>
+              </p:sp>
+              <p:sp>
+                <p:nvSpPr>
+                  <p:cNvPr id="406" name="Rounded Rectangle 405"/>
+                  <p:cNvSpPr/>
+                  <p:nvPr/>
+                </p:nvSpPr>
+                <p:spPr>
+                  <a:xfrm>
+                    <a:off x="9314209" y="4444922"/>
+                    <a:ext cx="717765" cy="477224"/>
+                  </a:xfrm>
+                  <a:prstGeom prst="roundRect">
+                    <a:avLst/>
+                  </a:prstGeom>
+                  <a:noFill/>
+                  <a:ln>
+                    <a:noFill/>
+                  </a:ln>
+                </p:spPr>
+                <p:style>
+                  <a:lnRef idx="2">
+                    <a:schemeClr val="accent6"/>
+                  </a:lnRef>
+                  <a:fillRef idx="1">
+                    <a:schemeClr val="lt1"/>
+                  </a:fillRef>
+                  <a:effectRef idx="0">
+                    <a:schemeClr val="accent6"/>
+                  </a:effectRef>
+                  <a:fontRef idx="minor">
+                    <a:schemeClr val="dk1"/>
+                  </a:fontRef>
+                </p:style>
+                <p:txBody>
+                  <a:bodyPr rot="0" spcFirstLastPara="0" vertOverflow="overflow" horzOverflow="overflow" vert="horz" wrap="square" lIns="36578" tIns="18289" rIns="36578" bIns="18289" numCol="1" spcCol="0" rtlCol="0" fromWordArt="0" anchor="ctr" anchorCtr="0" forceAA="0" compatLnSpc="1">
+                    <a:prstTxWarp prst="textNoShape">
+                      <a:avLst/>
+                    </a:prstTxWarp>
+                    <a:noAutofit/>
+                  </a:bodyPr>
+                  <a:lstStyle/>
+                  <a:p>
+                    <a:pPr algn="ctr"/>
+                    <a:r>
+                      <a:rPr lang="en-SG" sz="600" dirty="0"/>
+                      <a:t>KPI Report?</a:t>
+                    </a:r>
+                  </a:p>
+                </p:txBody>
+              </p:sp>
+            </p:grpSp>
+            <p:grpSp>
+              <p:nvGrpSpPr>
+                <p:cNvPr id="407" name="Group 406"/>
+                <p:cNvGrpSpPr/>
+                <p:nvPr/>
+              </p:nvGrpSpPr>
+              <p:grpSpPr>
+                <a:xfrm>
+                  <a:off x="7138451" y="5316185"/>
+                  <a:ext cx="865466" cy="615045"/>
+                  <a:chOff x="9187204" y="4291994"/>
+                  <a:chExt cx="959868" cy="770738"/>
+                </a:xfrm>
+              </p:grpSpPr>
+              <p:sp>
+                <p:nvSpPr>
+                  <p:cNvPr id="408" name="Flowchart: Decision 407"/>
+                  <p:cNvSpPr/>
+                  <p:nvPr/>
+                </p:nvSpPr>
+                <p:spPr>
+                  <a:xfrm>
+                    <a:off x="9187204" y="4291994"/>
+                    <a:ext cx="959868" cy="770738"/>
+                  </a:xfrm>
+                  <a:prstGeom prst="flowChartDecision">
+                    <a:avLst/>
+                  </a:prstGeom>
+                </p:spPr>
+                <p:style>
+                  <a:lnRef idx="2">
+                    <a:schemeClr val="accent6"/>
+                  </a:lnRef>
+                  <a:fillRef idx="1">
+                    <a:schemeClr val="lt1"/>
+                  </a:fillRef>
+                  <a:effectRef idx="0">
+                    <a:schemeClr val="accent6"/>
+                  </a:effectRef>
+                  <a:fontRef idx="minor">
+                    <a:schemeClr val="dk1"/>
+                  </a:fontRef>
+                </p:style>
+                <p:txBody>
+                  <a:bodyPr rtlCol="0" anchor="ctr"/>
+                  <a:lstStyle/>
+                  <a:p>
+                    <a:pPr algn="ctr"/>
+                    <a:endParaRPr lang="en-SG" sz="500" dirty="0"/>
+                  </a:p>
+                </p:txBody>
+              </p:sp>
+              <p:sp>
+                <p:nvSpPr>
+                  <p:cNvPr id="409" name="Rounded Rectangle 408"/>
+                  <p:cNvSpPr/>
+                  <p:nvPr/>
+                </p:nvSpPr>
+                <p:spPr>
+                  <a:xfrm>
+                    <a:off x="9314209" y="4444922"/>
+                    <a:ext cx="717765" cy="477224"/>
+                  </a:xfrm>
+                  <a:prstGeom prst="roundRect">
+                    <a:avLst/>
+                  </a:prstGeom>
+                  <a:noFill/>
+                  <a:ln>
+                    <a:noFill/>
+                  </a:ln>
+                </p:spPr>
+                <p:style>
+                  <a:lnRef idx="2">
+                    <a:schemeClr val="accent6"/>
+                  </a:lnRef>
+                  <a:fillRef idx="1">
+                    <a:schemeClr val="lt1"/>
+                  </a:fillRef>
+                  <a:effectRef idx="0">
+                    <a:schemeClr val="accent6"/>
+                  </a:effectRef>
+                  <a:fontRef idx="minor">
+                    <a:schemeClr val="dk1"/>
+                  </a:fontRef>
+                </p:style>
+                <p:txBody>
+                  <a:bodyPr rot="0" spcFirstLastPara="0" vertOverflow="overflow" horzOverflow="overflow" vert="horz" wrap="square" lIns="36578" tIns="18289" rIns="36578" bIns="18289" numCol="1" spcCol="0" rtlCol="0" fromWordArt="0" anchor="ctr" anchorCtr="0" forceAA="0" compatLnSpc="1">
+                    <a:prstTxWarp prst="textNoShape">
+                      <a:avLst/>
+                    </a:prstTxWarp>
+                    <a:noAutofit/>
+                  </a:bodyPr>
+                  <a:lstStyle/>
+                  <a:p>
+                    <a:pPr algn="ctr"/>
+                    <a:r>
+                      <a:rPr lang="en-SG" sz="600" dirty="0"/>
+                      <a:t>Ranking Report?</a:t>
+                    </a:r>
+                  </a:p>
+                </p:txBody>
+              </p:sp>
+            </p:grpSp>
+            <p:grpSp>
+              <p:nvGrpSpPr>
+                <p:cNvPr id="410" name="Group 409"/>
+                <p:cNvGrpSpPr/>
+                <p:nvPr/>
+              </p:nvGrpSpPr>
+              <p:grpSpPr>
+                <a:xfrm>
+                  <a:off x="8762045" y="5316186"/>
+                  <a:ext cx="865466" cy="615045"/>
+                  <a:chOff x="9187204" y="4291994"/>
+                  <a:chExt cx="959868" cy="770738"/>
+                </a:xfrm>
+              </p:grpSpPr>
+              <p:sp>
+                <p:nvSpPr>
+                  <p:cNvPr id="411" name="Flowchart: Decision 410"/>
+                  <p:cNvSpPr/>
+                  <p:nvPr/>
+                </p:nvSpPr>
+                <p:spPr>
+                  <a:xfrm>
+                    <a:off x="9187204" y="4291994"/>
+                    <a:ext cx="959868" cy="770738"/>
+                  </a:xfrm>
+                  <a:prstGeom prst="flowChartDecision">
+                    <a:avLst/>
+                  </a:prstGeom>
+                </p:spPr>
+                <p:style>
+                  <a:lnRef idx="2">
+                    <a:schemeClr val="accent6"/>
+                  </a:lnRef>
+                  <a:fillRef idx="1">
+                    <a:schemeClr val="lt1"/>
+                  </a:fillRef>
+                  <a:effectRef idx="0">
+                    <a:schemeClr val="accent6"/>
+                  </a:effectRef>
+                  <a:fontRef idx="minor">
+                    <a:schemeClr val="dk1"/>
+                  </a:fontRef>
+                </p:style>
+                <p:txBody>
+                  <a:bodyPr rtlCol="0" anchor="ctr"/>
+                  <a:lstStyle/>
+                  <a:p>
+                    <a:pPr algn="ctr"/>
+                    <a:endParaRPr lang="en-SG" sz="500" dirty="0"/>
+                  </a:p>
+                </p:txBody>
+              </p:sp>
+              <p:sp>
+                <p:nvSpPr>
+                  <p:cNvPr id="412" name="Rounded Rectangle 411"/>
+                  <p:cNvSpPr/>
+                  <p:nvPr/>
+                </p:nvSpPr>
+                <p:spPr>
+                  <a:xfrm>
+                    <a:off x="9314209" y="4444922"/>
+                    <a:ext cx="717765" cy="477224"/>
+                  </a:xfrm>
+                  <a:prstGeom prst="roundRect">
+                    <a:avLst/>
+                  </a:prstGeom>
+                  <a:noFill/>
+                  <a:ln>
+                    <a:noFill/>
+                  </a:ln>
+                </p:spPr>
+                <p:style>
+                  <a:lnRef idx="2">
+                    <a:schemeClr val="accent6"/>
+                  </a:lnRef>
+                  <a:fillRef idx="1">
+                    <a:schemeClr val="lt1"/>
+                  </a:fillRef>
+                  <a:effectRef idx="0">
+                    <a:schemeClr val="accent6"/>
+                  </a:effectRef>
+                  <a:fontRef idx="minor">
+                    <a:schemeClr val="dk1"/>
+                  </a:fontRef>
+                </p:style>
+                <p:txBody>
+                  <a:bodyPr rot="0" spcFirstLastPara="0" vertOverflow="overflow" horzOverflow="overflow" vert="horz" wrap="square" lIns="36578" tIns="18289" rIns="36578" bIns="18289" numCol="1" spcCol="0" rtlCol="0" fromWordArt="0" anchor="ctr" anchorCtr="0" forceAA="0" compatLnSpc="1">
+                    <a:prstTxWarp prst="textNoShape">
+                      <a:avLst/>
+                    </a:prstTxWarp>
+                    <a:noAutofit/>
+                  </a:bodyPr>
+                  <a:lstStyle/>
+                  <a:p>
+                    <a:pPr algn="ctr"/>
+                    <a:r>
+                      <a:rPr lang="en-SG" sz="600" dirty="0"/>
+                      <a:t>Gender &amp; Age Report?</a:t>
+                    </a:r>
+                  </a:p>
+                </p:txBody>
+              </p:sp>
+            </p:grpSp>
+            <p:cxnSp>
+              <p:nvCxnSpPr>
+                <p:cNvPr id="419" name="Elbow Connector 418"/>
+                <p:cNvCxnSpPr>
+                  <a:stCxn id="150" idx="3"/>
+                  <a:endCxn id="426" idx="2"/>
+                </p:cNvCxnSpPr>
+                <p:nvPr/>
+              </p:nvCxnSpPr>
+              <p:spPr>
+                <a:xfrm flipV="1">
+                  <a:off x="7938750" y="2960023"/>
+                  <a:ext cx="548506" cy="4752"/>
+                </a:xfrm>
+                <a:prstGeom prst="bentConnector3">
+                  <a:avLst>
+                    <a:gd name="adj1" fmla="val 50000"/>
+                  </a:avLst>
+                </a:prstGeom>
+                <a:ln>
+                  <a:tailEnd type="triangle"/>
+                </a:ln>
+              </p:spPr>
+              <p:style>
+                <a:lnRef idx="1">
+                  <a:schemeClr val="accent2"/>
+                </a:lnRef>
+                <a:fillRef idx="0">
+                  <a:schemeClr val="accent2"/>
+                </a:fillRef>
+                <a:effectRef idx="0">
+                  <a:schemeClr val="accent2"/>
+                </a:effectRef>
+                <a:fontRef idx="minor">
+                  <a:schemeClr val="tx1"/>
+                </a:fontRef>
+              </p:style>
+            </p:cxnSp>
+            <p:grpSp>
+              <p:nvGrpSpPr>
+                <p:cNvPr id="425" name="Group 424"/>
+                <p:cNvGrpSpPr/>
+                <p:nvPr/>
+              </p:nvGrpSpPr>
+              <p:grpSpPr>
+                <a:xfrm>
+                  <a:off x="8487256" y="2872426"/>
+                  <a:ext cx="1358550" cy="176915"/>
+                  <a:chOff x="11973077" y="5081590"/>
+                  <a:chExt cx="1358550" cy="176915"/>
+                </a:xfrm>
+              </p:grpSpPr>
+              <p:sp>
+                <p:nvSpPr>
+                  <p:cNvPr id="426" name="Oval 425"/>
+                  <p:cNvSpPr/>
+                  <p:nvPr/>
+                </p:nvSpPr>
+                <p:spPr>
+                  <a:xfrm>
+                    <a:off x="11973077" y="5081590"/>
+                    <a:ext cx="139473" cy="175194"/>
+                  </a:xfrm>
+                  <a:prstGeom prst="ellipse">
+                    <a:avLst/>
+                  </a:prstGeom>
+                </p:spPr>
+                <p:style>
+                  <a:lnRef idx="2">
+                    <a:schemeClr val="accent6"/>
+                  </a:lnRef>
+                  <a:fillRef idx="1">
+                    <a:schemeClr val="lt1"/>
+                  </a:fillRef>
+                  <a:effectRef idx="0">
+                    <a:schemeClr val="accent6"/>
+                  </a:effectRef>
+                  <a:fontRef idx="minor">
+                    <a:schemeClr val="dk1"/>
+                  </a:fontRef>
+                </p:style>
+                <p:txBody>
+                  <a:bodyPr rot="0" spcFirstLastPara="0" vertOverflow="overflow" horzOverflow="overflow" vert="horz" wrap="square" lIns="36578" tIns="18289" rIns="36578" bIns="18289" numCol="1" spcCol="0" rtlCol="0" fromWordArt="0" anchor="ctr" anchorCtr="0" forceAA="0" compatLnSpc="1">
+                    <a:prstTxWarp prst="textNoShape">
+                      <a:avLst/>
+                    </a:prstTxWarp>
+                    <a:noAutofit/>
+                  </a:bodyPr>
+                  <a:lstStyle/>
+                  <a:p>
+                    <a:pPr algn="ctr"/>
+                    <a:endParaRPr lang="en-SG" sz="720"/>
+                  </a:p>
+                </p:txBody>
+              </p:sp>
+              <p:sp>
+                <p:nvSpPr>
+                  <p:cNvPr id="427" name="Rounded Rectangle 426"/>
+                  <p:cNvSpPr/>
+                  <p:nvPr/>
+                </p:nvSpPr>
+                <p:spPr>
+                  <a:xfrm>
+                    <a:off x="12085168" y="5089371"/>
+                    <a:ext cx="1246459" cy="169134"/>
+                  </a:xfrm>
+                  <a:prstGeom prst="roundRect">
+                    <a:avLst/>
+                  </a:prstGeom>
+                  <a:noFill/>
+                  <a:ln>
+                    <a:noFill/>
+                  </a:ln>
+                </p:spPr>
+                <p:style>
+                  <a:lnRef idx="2">
+                    <a:schemeClr val="accent6"/>
+                  </a:lnRef>
+                  <a:fillRef idx="1">
+                    <a:schemeClr val="lt1"/>
+                  </a:fillRef>
+                  <a:effectRef idx="0">
+                    <a:schemeClr val="accent6"/>
+                  </a:effectRef>
+                  <a:fontRef idx="minor">
+                    <a:schemeClr val="dk1"/>
+                  </a:fontRef>
+                </p:style>
+                <p:txBody>
+                  <a:bodyPr rot="0" spcFirstLastPara="0" vertOverflow="overflow" horzOverflow="overflow" vert="horz" wrap="square" lIns="36578" tIns="18289" rIns="36578" bIns="18289" numCol="1" spcCol="0" rtlCol="0" fromWordArt="0" anchor="ctr" anchorCtr="0" forceAA="0" compatLnSpc="1">
+                    <a:prstTxWarp prst="textNoShape">
+                      <a:avLst/>
+                    </a:prstTxWarp>
+                    <a:noAutofit/>
+                  </a:bodyPr>
+                  <a:lstStyle/>
+                  <a:p>
+                    <a:pPr algn="ctr"/>
+                    <a:r>
+                      <a:rPr lang="en-SG" sz="720" dirty="0"/>
+                      <a:t>End  viewing patient records</a:t>
+                    </a:r>
+                  </a:p>
+                </p:txBody>
+              </p:sp>
+            </p:grpSp>
+            <p:sp>
+              <p:nvSpPr>
+                <p:cNvPr id="434" name="Rounded Rectangle 433"/>
+                <p:cNvSpPr/>
+                <p:nvPr/>
+              </p:nvSpPr>
+              <p:spPr>
+                <a:xfrm>
+                  <a:off x="8227540" y="2760112"/>
+                  <a:ext cx="259716" cy="182254"/>
+                </a:xfrm>
+                <a:prstGeom prst="roundRect">
+                  <a:avLst/>
+                </a:prstGeom>
+                <a:noFill/>
+                <a:ln>
+                  <a:noFill/>
+                </a:ln>
+              </p:spPr>
+              <p:style>
+                <a:lnRef idx="2">
+                  <a:schemeClr val="accent6"/>
+                </a:lnRef>
+                <a:fillRef idx="1">
+                  <a:schemeClr val="lt1"/>
+                </a:fillRef>
+                <a:effectRef idx="0">
+                  <a:schemeClr val="accent6"/>
+                </a:effectRef>
+                <a:fontRef idx="minor">
+                  <a:schemeClr val="dk1"/>
+                </a:fontRef>
+              </p:style>
+              <p:txBody>
+                <a:bodyPr rot="0" spcFirstLastPara="0" vertOverflow="overflow" horzOverflow="overflow" vert="horz" wrap="square" lIns="36578" tIns="18289" rIns="36578" bIns="18289" numCol="1" spcCol="0" rtlCol="0" fromWordArt="0" anchor="ctr" anchorCtr="0" forceAA="0" compatLnSpc="1">
+                  <a:prstTxWarp prst="textNoShape">
+                    <a:avLst/>
+                  </a:prstTxWarp>
+                  <a:noAutofit/>
+                </a:bodyPr>
+                <a:lstStyle/>
+                <a:p>
+                  <a:pPr algn="ctr"/>
+                  <a:r>
+                    <a:rPr lang="en-SG" sz="720" dirty="0"/>
+                    <a:t>No</a:t>
+                  </a:r>
+                </a:p>
+              </p:txBody>
+            </p:sp>
+            <p:sp>
+              <p:nvSpPr>
+                <p:cNvPr id="414" name="Rounded Rectangle 413"/>
+                <p:cNvSpPr/>
+                <p:nvPr/>
+              </p:nvSpPr>
+              <p:spPr>
+                <a:xfrm>
+                  <a:off x="6334750" y="5502998"/>
+                  <a:ext cx="295977" cy="99379"/>
+                </a:xfrm>
+                <a:prstGeom prst="roundRect">
+                  <a:avLst/>
+                </a:prstGeom>
+                <a:noFill/>
+                <a:ln>
+                  <a:noFill/>
+                </a:ln>
+              </p:spPr>
+              <p:style>
+                <a:lnRef idx="2">
+                  <a:schemeClr val="accent6"/>
+                </a:lnRef>
+                <a:fillRef idx="1">
+                  <a:schemeClr val="lt1"/>
+                </a:fillRef>
+                <a:effectRef idx="0">
+                  <a:schemeClr val="accent6"/>
+                </a:effectRef>
+                <a:fontRef idx="minor">
+                  <a:schemeClr val="dk1"/>
+                </a:fontRef>
+              </p:style>
+              <p:txBody>
+                <a:bodyPr rot="0" spcFirstLastPara="0" vertOverflow="overflow" horzOverflow="overflow" vert="horz" wrap="square" lIns="36578" tIns="18289" rIns="36578" bIns="18289" numCol="1" spcCol="0" rtlCol="0" fromWordArt="0" anchor="ctr" anchorCtr="0" forceAA="0" compatLnSpc="1">
+                  <a:prstTxWarp prst="textNoShape">
+                    <a:avLst/>
+                  </a:prstTxWarp>
+                  <a:noAutofit/>
+                </a:bodyPr>
+                <a:lstStyle/>
+                <a:p>
+                  <a:pPr algn="ctr"/>
+                  <a:r>
+                    <a:rPr lang="en-SG" sz="720" dirty="0"/>
+                    <a:t>No</a:t>
+                  </a:r>
+                </a:p>
+              </p:txBody>
+            </p:sp>
+            <p:sp>
+              <p:nvSpPr>
+                <p:cNvPr id="440" name="Rounded Rectangle 439"/>
+                <p:cNvSpPr/>
+                <p:nvPr/>
+              </p:nvSpPr>
+              <p:spPr>
+                <a:xfrm>
+                  <a:off x="7929173" y="5500518"/>
+                  <a:ext cx="295977" cy="99379"/>
+                </a:xfrm>
+                <a:prstGeom prst="roundRect">
+                  <a:avLst/>
+                </a:prstGeom>
+                <a:noFill/>
+                <a:ln>
+                  <a:noFill/>
+                </a:ln>
+              </p:spPr>
+              <p:style>
+                <a:lnRef idx="2">
+                  <a:schemeClr val="accent6"/>
+                </a:lnRef>
+                <a:fillRef idx="1">
+                  <a:schemeClr val="lt1"/>
+                </a:fillRef>
+                <a:effectRef idx="0">
+                  <a:schemeClr val="accent6"/>
+                </a:effectRef>
+                <a:fontRef idx="minor">
+                  <a:schemeClr val="dk1"/>
+                </a:fontRef>
+              </p:style>
+              <p:txBody>
+                <a:bodyPr rot="0" spcFirstLastPara="0" vertOverflow="overflow" horzOverflow="overflow" vert="horz" wrap="square" lIns="36578" tIns="18289" rIns="36578" bIns="18289" numCol="1" spcCol="0" rtlCol="0" fromWordArt="0" anchor="ctr" anchorCtr="0" forceAA="0" compatLnSpc="1">
+                  <a:prstTxWarp prst="textNoShape">
+                    <a:avLst/>
+                  </a:prstTxWarp>
+                  <a:noAutofit/>
+                </a:bodyPr>
+                <a:lstStyle/>
+                <a:p>
+                  <a:pPr algn="ctr"/>
+                  <a:r>
+                    <a:rPr lang="en-SG" sz="720" dirty="0"/>
+                    <a:t>No</a:t>
+                  </a:r>
+                </a:p>
+              </p:txBody>
+            </p:sp>
+            <p:sp>
+              <p:nvSpPr>
+                <p:cNvPr id="451" name="Rounded Rectangle 450"/>
+                <p:cNvSpPr/>
+                <p:nvPr/>
+              </p:nvSpPr>
+              <p:spPr>
+                <a:xfrm>
+                  <a:off x="11425145" y="4835695"/>
+                  <a:ext cx="1246459" cy="169134"/>
+                </a:xfrm>
+                <a:prstGeom prst="roundRect">
+                  <a:avLst/>
+                </a:prstGeom>
+                <a:noFill/>
+                <a:ln>
+                  <a:noFill/>
+                </a:ln>
+              </p:spPr>
+              <p:style>
+                <a:lnRef idx="2">
+                  <a:schemeClr val="accent6"/>
+                </a:lnRef>
+                <a:fillRef idx="1">
+                  <a:schemeClr val="lt1"/>
+                </a:fillRef>
+                <a:effectRef idx="0">
+                  <a:schemeClr val="accent6"/>
+                </a:effectRef>
+                <a:fontRef idx="minor">
+                  <a:schemeClr val="dk1"/>
+                </a:fontRef>
+              </p:style>
+              <p:txBody>
+                <a:bodyPr rot="0" spcFirstLastPara="0" vertOverflow="overflow" horzOverflow="overflow" vert="horz" wrap="square" lIns="36578" tIns="18289" rIns="36578" bIns="18289" numCol="1" spcCol="0" rtlCol="0" fromWordArt="0" anchor="ctr" anchorCtr="0" forceAA="0" compatLnSpc="1">
+                  <a:prstTxWarp prst="textNoShape">
+                    <a:avLst/>
+                  </a:prstTxWarp>
+                  <a:noAutofit/>
+                </a:bodyPr>
+                <a:lstStyle/>
+                <a:p>
+                  <a:pPr algn="ctr"/>
+                  <a:r>
+                    <a:rPr lang="en-SG" sz="720" dirty="0"/>
+                    <a:t>End  of Reports</a:t>
+                  </a:r>
+                </a:p>
+              </p:txBody>
+            </p:sp>
+            <p:cxnSp>
+              <p:nvCxnSpPr>
+                <p:cNvPr id="453" name="Straight Arrow Connector 452"/>
+                <p:cNvCxnSpPr>
+                  <a:stCxn id="405" idx="2"/>
+                  <a:endCxn id="479" idx="0"/>
+                </p:cNvCxnSpPr>
+                <p:nvPr/>
+              </p:nvCxnSpPr>
+              <p:spPr>
+                <a:xfrm flipH="1">
+                  <a:off x="5985759" y="5967437"/>
+                  <a:ext cx="9736" cy="377847"/>
+                </a:xfrm>
+                <a:prstGeom prst="straightConnector1">
+                  <a:avLst/>
+                </a:prstGeom>
+                <a:ln>
+                  <a:tailEnd type="triangle"/>
+                </a:ln>
+              </p:spPr>
+              <p:style>
+                <a:lnRef idx="1">
+                  <a:schemeClr val="accent2"/>
+                </a:lnRef>
+                <a:fillRef idx="0">
+                  <a:schemeClr val="accent2"/>
+                </a:fillRef>
+                <a:effectRef idx="0">
+                  <a:schemeClr val="accent2"/>
+                </a:effectRef>
+                <a:fontRef idx="minor">
+                  <a:schemeClr val="tx1"/>
+                </a:fontRef>
+              </p:style>
+            </p:cxnSp>
+            <p:cxnSp>
+              <p:nvCxnSpPr>
+                <p:cNvPr id="455" name="Straight Arrow Connector 454"/>
+                <p:cNvCxnSpPr>
+                  <a:stCxn id="408" idx="2"/>
+                  <a:endCxn id="488" idx="0"/>
+                </p:cNvCxnSpPr>
+                <p:nvPr/>
+              </p:nvCxnSpPr>
+              <p:spPr>
+                <a:xfrm>
+                  <a:off x="7571184" y="5931230"/>
+                  <a:ext cx="4141" cy="363342"/>
+                </a:xfrm>
+                <a:prstGeom prst="straightConnector1">
+                  <a:avLst/>
+                </a:prstGeom>
+                <a:ln>
+                  <a:tailEnd type="triangle"/>
+                </a:ln>
+              </p:spPr>
+              <p:style>
+                <a:lnRef idx="1">
+                  <a:schemeClr val="accent2"/>
+                </a:lnRef>
+                <a:fillRef idx="0">
+                  <a:schemeClr val="accent2"/>
+                </a:fillRef>
+                <a:effectRef idx="0">
+                  <a:schemeClr val="accent2"/>
+                </a:effectRef>
+                <a:fontRef idx="minor">
+                  <a:schemeClr val="tx1"/>
+                </a:fontRef>
+              </p:style>
+            </p:cxnSp>
+            <p:cxnSp>
+              <p:nvCxnSpPr>
+                <p:cNvPr id="456" name="Straight Arrow Connector 455"/>
+                <p:cNvCxnSpPr>
+                  <a:stCxn id="411" idx="2"/>
+                  <a:endCxn id="512" idx="0"/>
+                </p:cNvCxnSpPr>
+                <p:nvPr/>
+              </p:nvCxnSpPr>
+              <p:spPr>
+                <a:xfrm>
+                  <a:off x="9194778" y="5931231"/>
+                  <a:ext cx="277" cy="1369796"/>
+                </a:xfrm>
+                <a:prstGeom prst="straightConnector1">
+                  <a:avLst/>
+                </a:prstGeom>
+                <a:ln>
+                  <a:tailEnd type="triangle"/>
+                </a:ln>
+              </p:spPr>
+              <p:style>
+                <a:lnRef idx="1">
+                  <a:schemeClr val="accent2"/>
+                </a:lnRef>
+                <a:fillRef idx="0">
+                  <a:schemeClr val="accent2"/>
+                </a:fillRef>
+                <a:effectRef idx="0">
+                  <a:schemeClr val="accent2"/>
+                </a:effectRef>
+                <a:fontRef idx="minor">
+                  <a:schemeClr val="tx1"/>
+                </a:fontRef>
+              </p:style>
+            </p:cxnSp>
+            <p:sp>
+              <p:nvSpPr>
+                <p:cNvPr id="459" name="Rounded Rectangle 458"/>
+                <p:cNvSpPr/>
+                <p:nvPr/>
+              </p:nvSpPr>
+              <p:spPr>
+                <a:xfrm>
+                  <a:off x="5963735" y="5933483"/>
+                  <a:ext cx="259716" cy="182254"/>
+                </a:xfrm>
+                <a:prstGeom prst="roundRect">
+                  <a:avLst/>
+                </a:prstGeom>
+                <a:noFill/>
+                <a:ln>
+                  <a:noFill/>
+                </a:ln>
+              </p:spPr>
+              <p:style>
+                <a:lnRef idx="2">
+                  <a:schemeClr val="accent6"/>
+                </a:lnRef>
+                <a:fillRef idx="1">
+                  <a:schemeClr val="lt1"/>
+                </a:fillRef>
+                <a:effectRef idx="0">
+                  <a:schemeClr val="accent6"/>
+                </a:effectRef>
+                <a:fontRef idx="minor">
+                  <a:schemeClr val="dk1"/>
+                </a:fontRef>
+              </p:style>
+              <p:txBody>
+                <a:bodyPr rot="0" spcFirstLastPara="0" vertOverflow="overflow" horzOverflow="overflow" vert="horz" wrap="square" lIns="36578" tIns="18289" rIns="36578" bIns="18289" numCol="1" spcCol="0" rtlCol="0" fromWordArt="0" anchor="ctr" anchorCtr="0" forceAA="0" compatLnSpc="1">
+                  <a:prstTxWarp prst="textNoShape">
+                    <a:avLst/>
+                  </a:prstTxWarp>
+                  <a:noAutofit/>
+                </a:bodyPr>
+                <a:lstStyle/>
+                <a:p>
+                  <a:pPr algn="ctr"/>
+                  <a:r>
+                    <a:rPr lang="en-SG" sz="720" dirty="0"/>
+                    <a:t>Yes</a:t>
+                  </a:r>
+                </a:p>
+              </p:txBody>
+            </p:sp>
+            <p:sp>
+              <p:nvSpPr>
+                <p:cNvPr id="460" name="Rounded Rectangle 459"/>
+                <p:cNvSpPr/>
+                <p:nvPr/>
+              </p:nvSpPr>
+              <p:spPr>
+                <a:xfrm>
+                  <a:off x="7617618" y="5891915"/>
+                  <a:ext cx="259716" cy="182254"/>
+                </a:xfrm>
+                <a:prstGeom prst="roundRect">
+                  <a:avLst/>
+                </a:prstGeom>
+                <a:noFill/>
+                <a:ln>
+                  <a:noFill/>
+                </a:ln>
+              </p:spPr>
+              <p:style>
+                <a:lnRef idx="2">
+                  <a:schemeClr val="accent6"/>
+                </a:lnRef>
+                <a:fillRef idx="1">
+                  <a:schemeClr val="lt1"/>
+                </a:fillRef>
+                <a:effectRef idx="0">
+                  <a:schemeClr val="accent6"/>
+                </a:effectRef>
+                <a:fontRef idx="minor">
+                  <a:schemeClr val="dk1"/>
+                </a:fontRef>
+              </p:style>
+              <p:txBody>
+                <a:bodyPr rot="0" spcFirstLastPara="0" vertOverflow="overflow" horzOverflow="overflow" vert="horz" wrap="square" lIns="36578" tIns="18289" rIns="36578" bIns="18289" numCol="1" spcCol="0" rtlCol="0" fromWordArt="0" anchor="ctr" anchorCtr="0" forceAA="0" compatLnSpc="1">
+                  <a:prstTxWarp prst="textNoShape">
+                    <a:avLst/>
+                  </a:prstTxWarp>
+                  <a:noAutofit/>
+                </a:bodyPr>
+                <a:lstStyle/>
+                <a:p>
+                  <a:pPr algn="ctr"/>
+                  <a:r>
+                    <a:rPr lang="en-SG" sz="720" dirty="0"/>
+                    <a:t>Yes</a:t>
+                  </a:r>
+                </a:p>
+              </p:txBody>
+            </p:sp>
+            <p:sp>
+              <p:nvSpPr>
+                <p:cNvPr id="461" name="Rounded Rectangle 460"/>
+                <p:cNvSpPr/>
+                <p:nvPr/>
+              </p:nvSpPr>
+              <p:spPr>
+                <a:xfrm>
+                  <a:off x="9230034" y="5928839"/>
+                  <a:ext cx="259716" cy="182254"/>
+                </a:xfrm>
+                <a:prstGeom prst="roundRect">
+                  <a:avLst/>
+                </a:prstGeom>
+                <a:noFill/>
+                <a:ln>
+                  <a:noFill/>
+                </a:ln>
+              </p:spPr>
+              <p:style>
+                <a:lnRef idx="2">
+                  <a:schemeClr val="accent6"/>
+                </a:lnRef>
+                <a:fillRef idx="1">
+                  <a:schemeClr val="lt1"/>
+                </a:fillRef>
+                <a:effectRef idx="0">
+                  <a:schemeClr val="accent6"/>
+                </a:effectRef>
+                <a:fontRef idx="minor">
+                  <a:schemeClr val="dk1"/>
+                </a:fontRef>
+              </p:style>
+              <p:txBody>
+                <a:bodyPr rot="0" spcFirstLastPara="0" vertOverflow="overflow" horzOverflow="overflow" vert="horz" wrap="square" lIns="36578" tIns="18289" rIns="36578" bIns="18289" numCol="1" spcCol="0" rtlCol="0" fromWordArt="0" anchor="ctr" anchorCtr="0" forceAA="0" compatLnSpc="1">
+                  <a:prstTxWarp prst="textNoShape">
+                    <a:avLst/>
+                  </a:prstTxWarp>
+                  <a:noAutofit/>
+                </a:bodyPr>
+                <a:lstStyle/>
+                <a:p>
+                  <a:pPr algn="ctr"/>
+                  <a:r>
+                    <a:rPr lang="en-SG" sz="720" dirty="0"/>
+                    <a:t>Yes</a:t>
+                  </a:r>
+                </a:p>
+              </p:txBody>
+            </p:sp>
+            <p:cxnSp>
+              <p:nvCxnSpPr>
+                <p:cNvPr id="462" name="Elbow Connector 461"/>
+                <p:cNvCxnSpPr>
+                  <a:stCxn id="405" idx="3"/>
+                  <a:endCxn id="408" idx="0"/>
+                </p:cNvCxnSpPr>
+                <p:nvPr/>
+              </p:nvCxnSpPr>
+              <p:spPr>
+                <a:xfrm flipV="1">
+                  <a:off x="6428228" y="5316185"/>
+                  <a:ext cx="1142956" cy="343730"/>
+                </a:xfrm>
+                <a:prstGeom prst="bentConnector4">
+                  <a:avLst>
+                    <a:gd name="adj1" fmla="val 14032"/>
+                    <a:gd name="adj2" fmla="val 132022"/>
+                  </a:avLst>
+                </a:prstGeom>
+                <a:ln>
+                  <a:tailEnd type="triangle"/>
+                </a:ln>
+              </p:spPr>
+              <p:style>
+                <a:lnRef idx="1">
+                  <a:schemeClr val="accent2"/>
+                </a:lnRef>
+                <a:fillRef idx="0">
+                  <a:schemeClr val="accent2"/>
+                </a:fillRef>
+                <a:effectRef idx="0">
+                  <a:schemeClr val="accent2"/>
+                </a:effectRef>
+                <a:fontRef idx="minor">
+                  <a:schemeClr val="tx1"/>
+                </a:fontRef>
+              </p:style>
+            </p:cxnSp>
+            <p:cxnSp>
+              <p:nvCxnSpPr>
+                <p:cNvPr id="466" name="Elbow Connector 465"/>
+                <p:cNvCxnSpPr>
+                  <a:stCxn id="408" idx="3"/>
+                  <a:endCxn id="411" idx="0"/>
+                </p:cNvCxnSpPr>
+                <p:nvPr/>
+              </p:nvCxnSpPr>
+              <p:spPr>
+                <a:xfrm flipV="1">
+                  <a:off x="8003917" y="5316186"/>
+                  <a:ext cx="1190861" cy="307522"/>
+                </a:xfrm>
+                <a:prstGeom prst="bentConnector4">
+                  <a:avLst>
+                    <a:gd name="adj1" fmla="val 14471"/>
+                    <a:gd name="adj2" fmla="val 174336"/>
+                  </a:avLst>
+                </a:prstGeom>
+                <a:ln>
+                  <a:tailEnd type="triangle"/>
+                </a:ln>
+              </p:spPr>
+              <p:style>
+                <a:lnRef idx="1">
+                  <a:schemeClr val="accent2"/>
+                </a:lnRef>
+                <a:fillRef idx="0">
+                  <a:schemeClr val="accent2"/>
+                </a:fillRef>
+                <a:effectRef idx="0">
+                  <a:schemeClr val="accent2"/>
+                </a:effectRef>
+                <a:fontRef idx="minor">
+                  <a:schemeClr val="tx1"/>
+                </a:fontRef>
+              </p:style>
+            </p:cxnSp>
+            <p:cxnSp>
+              <p:nvCxnSpPr>
+                <p:cNvPr id="474" name="Elbow Connector 473"/>
+                <p:cNvCxnSpPr>
+                  <a:stCxn id="411" idx="3"/>
+                  <a:endCxn id="167" idx="0"/>
+                </p:cNvCxnSpPr>
+                <p:nvPr/>
+              </p:nvCxnSpPr>
+              <p:spPr>
+                <a:xfrm flipV="1">
+                  <a:off x="9627511" y="5290852"/>
+                  <a:ext cx="1231116" cy="332857"/>
+                </a:xfrm>
+                <a:prstGeom prst="bentConnector4">
+                  <a:avLst>
+                    <a:gd name="adj1" fmla="val 22109"/>
+                    <a:gd name="adj2" fmla="val 168678"/>
+                  </a:avLst>
+                </a:prstGeom>
+                <a:ln>
+                  <a:tailEnd type="triangle"/>
+                </a:ln>
+              </p:spPr>
+              <p:style>
+                <a:lnRef idx="1">
+                  <a:schemeClr val="accent2"/>
+                </a:lnRef>
+                <a:fillRef idx="0">
+                  <a:schemeClr val="accent2"/>
+                </a:fillRef>
+                <a:effectRef idx="0">
+                  <a:schemeClr val="accent2"/>
+                </a:effectRef>
+                <a:fontRef idx="minor">
+                  <a:schemeClr val="tx1"/>
+                </a:fontRef>
+              </p:style>
+            </p:cxnSp>
+            <p:sp>
+              <p:nvSpPr>
+                <p:cNvPr id="479" name="Rounded Rectangle 478"/>
+                <p:cNvSpPr/>
+                <p:nvPr/>
+              </p:nvSpPr>
+              <p:spPr>
+                <a:xfrm>
+                  <a:off x="5557167" y="6345284"/>
+                  <a:ext cx="857184" cy="456565"/>
+                </a:xfrm>
+                <a:prstGeom prst="roundRect">
+                  <a:avLst/>
+                </a:prstGeom>
+              </p:spPr>
+              <p:style>
+                <a:lnRef idx="2">
+                  <a:schemeClr val="accent6"/>
+                </a:lnRef>
+                <a:fillRef idx="1">
+                  <a:schemeClr val="lt1"/>
+                </a:fillRef>
+                <a:effectRef idx="0">
+                  <a:schemeClr val="accent6"/>
+                </a:effectRef>
+                <a:fontRef idx="minor">
+                  <a:schemeClr val="dk1"/>
+                </a:fontRef>
+              </p:style>
+              <p:txBody>
+                <a:bodyPr rot="0" spcFirstLastPara="0" vertOverflow="overflow" horzOverflow="overflow" vert="horz" wrap="square" lIns="36578" tIns="18289" rIns="36578" bIns="18289" numCol="1" spcCol="0" rtlCol="0" fromWordArt="0" anchor="ctr" anchorCtr="0" forceAA="0" compatLnSpc="1">
+                  <a:prstTxWarp prst="textNoShape">
+                    <a:avLst/>
+                  </a:prstTxWarp>
+                  <a:noAutofit/>
+                </a:bodyPr>
+                <a:lstStyle/>
+                <a:p>
+                  <a:pPr algn="ctr"/>
+                  <a:r>
+                    <a:rPr lang="en-SG" sz="720" dirty="0"/>
+                    <a:t>Apply KPI Filters</a:t>
+                  </a:r>
+                </a:p>
+              </p:txBody>
+            </p:sp>
+            <p:cxnSp>
+              <p:nvCxnSpPr>
+                <p:cNvPr id="480" name="Straight Arrow Connector 479"/>
+                <p:cNvCxnSpPr>
+                  <a:stCxn id="479" idx="2"/>
+                  <a:endCxn id="483" idx="0"/>
+                </p:cNvCxnSpPr>
+                <p:nvPr/>
+              </p:nvCxnSpPr>
+              <p:spPr>
+                <a:xfrm>
+                  <a:off x="5985759" y="6801849"/>
+                  <a:ext cx="5271" cy="510498"/>
+                </a:xfrm>
+                <a:prstGeom prst="straightConnector1">
+                  <a:avLst/>
+                </a:prstGeom>
+                <a:ln>
+                  <a:tailEnd type="triangle"/>
+                </a:ln>
+              </p:spPr>
+              <p:style>
+                <a:lnRef idx="1">
+                  <a:schemeClr val="accent2"/>
+                </a:lnRef>
+                <a:fillRef idx="0">
+                  <a:schemeClr val="accent2"/>
+                </a:fillRef>
+                <a:effectRef idx="0">
+                  <a:schemeClr val="accent2"/>
+                </a:effectRef>
+                <a:fontRef idx="minor">
+                  <a:schemeClr val="tx1"/>
+                </a:fontRef>
+              </p:style>
+            </p:cxnSp>
+            <p:sp>
+              <p:nvSpPr>
+                <p:cNvPr id="483" name="Rounded Rectangle 482"/>
+                <p:cNvSpPr/>
+                <p:nvPr/>
+              </p:nvSpPr>
+              <p:spPr>
+                <a:xfrm>
+                  <a:off x="5562438" y="7312347"/>
+                  <a:ext cx="857184" cy="456565"/>
+                </a:xfrm>
+                <a:prstGeom prst="roundRect">
+                  <a:avLst/>
+                </a:prstGeom>
+              </p:spPr>
+              <p:style>
+                <a:lnRef idx="2">
+                  <a:schemeClr val="accent2">
+                    <a:shade val="50000"/>
+                  </a:schemeClr>
+                </a:lnRef>
+                <a:fillRef idx="1">
+                  <a:schemeClr val="accent2"/>
+                </a:fillRef>
+                <a:effectRef idx="0">
+                  <a:schemeClr val="accent2"/>
+                </a:effectRef>
+                <a:fontRef idx="minor">
+                  <a:schemeClr val="lt1"/>
+                </a:fontRef>
+              </p:style>
+              <p:txBody>
+                <a:bodyPr rot="0" spcFirstLastPara="0" vertOverflow="overflow" horzOverflow="overflow" vert="horz" wrap="square" lIns="36578" tIns="18289" rIns="36578" bIns="18289" numCol="1" spcCol="0" rtlCol="0" fromWordArt="0" anchor="ctr" anchorCtr="0" forceAA="0" compatLnSpc="1">
+                  <a:prstTxWarp prst="textNoShape">
+                    <a:avLst/>
+                  </a:prstTxWarp>
+                  <a:noAutofit/>
+                </a:bodyPr>
+                <a:lstStyle/>
+                <a:p>
+                  <a:pPr algn="ctr"/>
+                  <a:r>
+                    <a:rPr lang="en-SG" sz="720" dirty="0">
+                      <a:solidFill>
+                        <a:schemeClr val="lt1"/>
+                      </a:solidFill>
+                    </a:rPr>
+                    <a:t>Generate KPI Report</a:t>
+                  </a:r>
+                </a:p>
+              </p:txBody>
+            </p:sp>
+            <p:cxnSp>
+              <p:nvCxnSpPr>
+                <p:cNvPr id="484" name="Elbow Connector 483"/>
+                <p:cNvCxnSpPr>
+                  <a:stCxn id="483" idx="3"/>
+                  <a:endCxn id="408" idx="1"/>
+                </p:cNvCxnSpPr>
+                <p:nvPr/>
+              </p:nvCxnSpPr>
+              <p:spPr>
+                <a:xfrm flipV="1">
+                  <a:off x="6419622" y="5623708"/>
+                  <a:ext cx="718829" cy="1916922"/>
+                </a:xfrm>
+                <a:prstGeom prst="bentConnector3">
+                  <a:avLst>
+                    <a:gd name="adj1" fmla="val 50000"/>
+                  </a:avLst>
+                </a:prstGeom>
+                <a:ln>
+                  <a:tailEnd type="triangle"/>
+                </a:ln>
+              </p:spPr>
+              <p:style>
+                <a:lnRef idx="1">
+                  <a:schemeClr val="accent2"/>
+                </a:lnRef>
+                <a:fillRef idx="0">
+                  <a:schemeClr val="accent2"/>
+                </a:fillRef>
+                <a:effectRef idx="0">
+                  <a:schemeClr val="accent2"/>
+                </a:effectRef>
+                <a:fontRef idx="minor">
+                  <a:schemeClr val="tx1"/>
+                </a:fontRef>
+              </p:style>
+            </p:cxnSp>
+            <p:sp>
+              <p:nvSpPr>
+                <p:cNvPr id="487" name="Rounded Rectangle 486"/>
+                <p:cNvSpPr/>
+                <p:nvPr/>
+              </p:nvSpPr>
+              <p:spPr>
+                <a:xfrm>
+                  <a:off x="7138451" y="7312347"/>
+                  <a:ext cx="857184" cy="456565"/>
+                </a:xfrm>
+                <a:prstGeom prst="roundRect">
+                  <a:avLst/>
+                </a:prstGeom>
+              </p:spPr>
+              <p:style>
+                <a:lnRef idx="2">
+                  <a:schemeClr val="accent2">
+                    <a:shade val="50000"/>
+                  </a:schemeClr>
+                </a:lnRef>
+                <a:fillRef idx="1">
+                  <a:schemeClr val="accent2"/>
+                </a:fillRef>
+                <a:effectRef idx="0">
+                  <a:schemeClr val="accent2"/>
+                </a:effectRef>
+                <a:fontRef idx="minor">
+                  <a:schemeClr val="lt1"/>
+                </a:fontRef>
+              </p:style>
+              <p:txBody>
+                <a:bodyPr rot="0" spcFirstLastPara="0" vertOverflow="overflow" horzOverflow="overflow" vert="horz" wrap="square" lIns="36578" tIns="18289" rIns="36578" bIns="18289" numCol="1" spcCol="0" rtlCol="0" fromWordArt="0" anchor="ctr" anchorCtr="0" forceAA="0" compatLnSpc="1">
+                  <a:prstTxWarp prst="textNoShape">
+                    <a:avLst/>
+                  </a:prstTxWarp>
+                  <a:noAutofit/>
+                </a:bodyPr>
+                <a:lstStyle/>
+                <a:p>
+                  <a:pPr algn="ctr"/>
+                  <a:r>
+                    <a:rPr lang="en-SG" sz="720" dirty="0">
+                      <a:solidFill>
+                        <a:schemeClr val="lt1"/>
+                      </a:solidFill>
+                    </a:rPr>
+                    <a:t>Generate  Ranking Report</a:t>
+                  </a:r>
+                </a:p>
+              </p:txBody>
+            </p:sp>
+            <p:sp>
+              <p:nvSpPr>
+                <p:cNvPr id="488" name="Rounded Rectangle 487"/>
+                <p:cNvSpPr/>
+                <p:nvPr/>
+              </p:nvSpPr>
+              <p:spPr>
+                <a:xfrm>
+                  <a:off x="7146733" y="6294572"/>
+                  <a:ext cx="857184" cy="456565"/>
+                </a:xfrm>
+                <a:prstGeom prst="roundRect">
+                  <a:avLst/>
+                </a:prstGeom>
+              </p:spPr>
+              <p:style>
+                <a:lnRef idx="2">
+                  <a:schemeClr val="accent6"/>
+                </a:lnRef>
+                <a:fillRef idx="1">
+                  <a:schemeClr val="lt1"/>
+                </a:fillRef>
+                <a:effectRef idx="0">
+                  <a:schemeClr val="accent6"/>
+                </a:effectRef>
+                <a:fontRef idx="minor">
+                  <a:schemeClr val="dk1"/>
+                </a:fontRef>
+              </p:style>
+              <p:txBody>
+                <a:bodyPr rot="0" spcFirstLastPara="0" vertOverflow="overflow" horzOverflow="overflow" vert="horz" wrap="square" lIns="36578" tIns="18289" rIns="36578" bIns="18289" numCol="1" spcCol="0" rtlCol="0" fromWordArt="0" anchor="ctr" anchorCtr="0" forceAA="0" compatLnSpc="1">
+                  <a:prstTxWarp prst="textNoShape">
+                    <a:avLst/>
+                  </a:prstTxWarp>
+                  <a:noAutofit/>
+                </a:bodyPr>
+                <a:lstStyle/>
+                <a:p>
+                  <a:pPr algn="ctr"/>
+                  <a:r>
+                    <a:rPr lang="en-SG" sz="720" dirty="0"/>
+                    <a:t>Apply Ranking Filters</a:t>
+                  </a:r>
+                </a:p>
+              </p:txBody>
+            </p:sp>
+            <p:cxnSp>
+              <p:nvCxnSpPr>
+                <p:cNvPr id="491" name="Straight Arrow Connector 490"/>
+                <p:cNvCxnSpPr>
+                  <a:stCxn id="488" idx="2"/>
+                  <a:endCxn id="487" idx="0"/>
+                </p:cNvCxnSpPr>
+                <p:nvPr/>
+              </p:nvCxnSpPr>
+              <p:spPr>
+                <a:xfrm flipH="1">
+                  <a:off x="7567043" y="6751137"/>
+                  <a:ext cx="8282" cy="561210"/>
+                </a:xfrm>
+                <a:prstGeom prst="straightConnector1">
+                  <a:avLst/>
+                </a:prstGeom>
+                <a:ln>
+                  <a:tailEnd type="triangle"/>
+                </a:ln>
+              </p:spPr>
+              <p:style>
+                <a:lnRef idx="1">
+                  <a:schemeClr val="accent2"/>
+                </a:lnRef>
+                <a:fillRef idx="0">
+                  <a:schemeClr val="accent2"/>
+                </a:fillRef>
+                <a:effectRef idx="0">
+                  <a:schemeClr val="accent2"/>
+                </a:effectRef>
+                <a:fontRef idx="minor">
+                  <a:schemeClr val="tx1"/>
+                </a:fontRef>
+              </p:style>
+            </p:cxnSp>
+            <p:cxnSp>
+              <p:nvCxnSpPr>
+                <p:cNvPr id="503" name="Elbow Connector 502"/>
+                <p:cNvCxnSpPr>
+                  <a:stCxn id="487" idx="3"/>
+                  <a:endCxn id="411" idx="1"/>
+                </p:cNvCxnSpPr>
+                <p:nvPr/>
+              </p:nvCxnSpPr>
+              <p:spPr>
+                <a:xfrm flipV="1">
+                  <a:off x="7995635" y="5623709"/>
+                  <a:ext cx="766410" cy="1916921"/>
+                </a:xfrm>
+                <a:prstGeom prst="bentConnector3">
+                  <a:avLst>
+                    <a:gd name="adj1" fmla="val 50000"/>
+                  </a:avLst>
+                </a:prstGeom>
+                <a:ln>
+                  <a:tailEnd type="triangle"/>
+                </a:ln>
+              </p:spPr>
+              <p:style>
+                <a:lnRef idx="1">
+                  <a:schemeClr val="accent2"/>
+                </a:lnRef>
+                <a:fillRef idx="0">
+                  <a:schemeClr val="accent2"/>
+                </a:fillRef>
+                <a:effectRef idx="0">
+                  <a:schemeClr val="accent2"/>
+                </a:effectRef>
+                <a:fontRef idx="minor">
+                  <a:schemeClr val="tx1"/>
+                </a:fontRef>
+              </p:style>
+            </p:cxnSp>
+            <p:sp>
+              <p:nvSpPr>
+                <p:cNvPr id="512" name="Rounded Rectangle 511"/>
+                <p:cNvSpPr/>
+                <p:nvPr/>
+              </p:nvSpPr>
+              <p:spPr>
+                <a:xfrm>
+                  <a:off x="8766463" y="7301027"/>
+                  <a:ext cx="857184" cy="456565"/>
+                </a:xfrm>
+                <a:prstGeom prst="roundRect">
+                  <a:avLst/>
+                </a:prstGeom>
+              </p:spPr>
+              <p:style>
+                <a:lnRef idx="2">
+                  <a:schemeClr val="accent2">
+                    <a:shade val="50000"/>
+                  </a:schemeClr>
+                </a:lnRef>
+                <a:fillRef idx="1">
+                  <a:schemeClr val="accent2"/>
+                </a:fillRef>
+                <a:effectRef idx="0">
+                  <a:schemeClr val="accent2"/>
+                </a:effectRef>
+                <a:fontRef idx="minor">
+                  <a:schemeClr val="lt1"/>
+                </a:fontRef>
+              </p:style>
+              <p:txBody>
+                <a:bodyPr rot="0" spcFirstLastPara="0" vertOverflow="overflow" horzOverflow="overflow" vert="horz" wrap="square" lIns="36578" tIns="18289" rIns="36578" bIns="18289" numCol="1" spcCol="0" rtlCol="0" fromWordArt="0" anchor="ctr" anchorCtr="0" forceAA="0" compatLnSpc="1">
+                  <a:prstTxWarp prst="textNoShape">
+                    <a:avLst/>
+                  </a:prstTxWarp>
+                  <a:noAutofit/>
+                </a:bodyPr>
+                <a:lstStyle/>
+                <a:p>
+                  <a:pPr algn="ctr"/>
+                  <a:r>
+                    <a:rPr lang="en-SG" sz="720" dirty="0">
+                      <a:solidFill>
+                        <a:schemeClr val="lt1"/>
+                      </a:solidFill>
+                    </a:rPr>
+                    <a:t>Generate  Gender Age  Report</a:t>
+                  </a:r>
+                </a:p>
+              </p:txBody>
+            </p:sp>
+            <p:sp>
+              <p:nvSpPr>
+                <p:cNvPr id="523" name="Rounded Rectangle 522"/>
+                <p:cNvSpPr/>
+                <p:nvPr/>
+              </p:nvSpPr>
+              <p:spPr>
+                <a:xfrm>
+                  <a:off x="2232457" y="2292593"/>
+                  <a:ext cx="1246459" cy="169134"/>
+                </a:xfrm>
+                <a:prstGeom prst="roundRect">
+                  <a:avLst/>
+                </a:prstGeom>
+                <a:noFill/>
+                <a:ln>
+                  <a:noFill/>
+                </a:ln>
+              </p:spPr>
+              <p:style>
+                <a:lnRef idx="2">
+                  <a:schemeClr val="accent6"/>
+                </a:lnRef>
+                <a:fillRef idx="1">
+                  <a:schemeClr val="lt1"/>
+                </a:fillRef>
+                <a:effectRef idx="0">
+                  <a:schemeClr val="accent6"/>
+                </a:effectRef>
+                <a:fontRef idx="minor">
+                  <a:schemeClr val="dk1"/>
+                </a:fontRef>
+              </p:style>
+              <p:txBody>
+                <a:bodyPr rot="0" spcFirstLastPara="0" vertOverflow="overflow" horzOverflow="overflow" vert="horz" wrap="square" lIns="36578" tIns="18289" rIns="36578" bIns="18289" numCol="1" spcCol="0" rtlCol="0" fromWordArt="0" anchor="ctr" anchorCtr="0" forceAA="0" compatLnSpc="1">
+                  <a:prstTxWarp prst="textNoShape">
+                    <a:avLst/>
+                  </a:prstTxWarp>
+                  <a:noAutofit/>
+                </a:bodyPr>
+                <a:lstStyle/>
+                <a:p>
+                  <a:pPr algn="ctr"/>
+                  <a:r>
+                    <a:rPr lang="en-SG" sz="720" dirty="0"/>
+                    <a:t>Start</a:t>
+                  </a:r>
+                </a:p>
+              </p:txBody>
+            </p:sp>
+            <p:grpSp>
+              <p:nvGrpSpPr>
+                <p:cNvPr id="525" name="Group 524"/>
+                <p:cNvGrpSpPr/>
+                <p:nvPr/>
+              </p:nvGrpSpPr>
+              <p:grpSpPr>
+                <a:xfrm>
+                  <a:off x="2400517" y="3044136"/>
+                  <a:ext cx="865466" cy="615045"/>
+                  <a:chOff x="9187204" y="4291994"/>
+                  <a:chExt cx="959868" cy="770738"/>
+                </a:xfrm>
+              </p:grpSpPr>
+              <p:sp>
+                <p:nvSpPr>
+                  <p:cNvPr id="526" name="Flowchart: Decision 525"/>
+                  <p:cNvSpPr/>
+                  <p:nvPr/>
+                </p:nvSpPr>
+                <p:spPr>
+                  <a:xfrm>
+                    <a:off x="9187204" y="4291994"/>
+                    <a:ext cx="959868" cy="770738"/>
+                  </a:xfrm>
+                  <a:prstGeom prst="flowChartDecision">
+                    <a:avLst/>
+                  </a:prstGeom>
+                </p:spPr>
+                <p:style>
+                  <a:lnRef idx="2">
+                    <a:schemeClr val="accent6"/>
+                  </a:lnRef>
+                  <a:fillRef idx="1">
+                    <a:schemeClr val="lt1"/>
+                  </a:fillRef>
+                  <a:effectRef idx="0">
+                    <a:schemeClr val="accent6"/>
+                  </a:effectRef>
+                  <a:fontRef idx="minor">
+                    <a:schemeClr val="dk1"/>
+                  </a:fontRef>
+                </p:style>
+                <p:txBody>
+                  <a:bodyPr rtlCol="0" anchor="ctr"/>
+                  <a:lstStyle/>
+                  <a:p>
+                    <a:pPr algn="ctr"/>
+                    <a:endParaRPr lang="en-SG" sz="500" dirty="0"/>
+                  </a:p>
+                </p:txBody>
+              </p:sp>
+              <p:sp>
+                <p:nvSpPr>
+                  <p:cNvPr id="527" name="Rounded Rectangle 526"/>
+                  <p:cNvSpPr/>
+                  <p:nvPr/>
+                </p:nvSpPr>
+                <p:spPr>
+                  <a:xfrm>
+                    <a:off x="9429307" y="4425768"/>
+                    <a:ext cx="470197" cy="511518"/>
+                  </a:xfrm>
+                  <a:prstGeom prst="roundRect">
+                    <a:avLst/>
+                  </a:prstGeom>
+                  <a:noFill/>
+                  <a:ln>
+                    <a:noFill/>
+                  </a:ln>
+                </p:spPr>
+                <p:style>
+                  <a:lnRef idx="2">
+                    <a:schemeClr val="accent6"/>
+                  </a:lnRef>
+                  <a:fillRef idx="1">
+                    <a:schemeClr val="lt1"/>
+                  </a:fillRef>
+                  <a:effectRef idx="0">
+                    <a:schemeClr val="accent6"/>
+                  </a:effectRef>
+                  <a:fontRef idx="minor">
+                    <a:schemeClr val="dk1"/>
+                  </a:fontRef>
+                </p:style>
+                <p:txBody>
+                  <a:bodyPr rot="0" spcFirstLastPara="0" vertOverflow="overflow" horzOverflow="overflow" vert="horz" wrap="square" lIns="36578" tIns="18289" rIns="36578" bIns="18289" numCol="1" spcCol="0" rtlCol="0" fromWordArt="0" anchor="ctr" anchorCtr="0" forceAA="0" compatLnSpc="1">
+                    <a:prstTxWarp prst="textNoShape">
+                      <a:avLst/>
+                    </a:prstTxWarp>
+                    <a:noAutofit/>
+                  </a:bodyPr>
+                  <a:lstStyle/>
+                  <a:p>
+                    <a:pPr algn="ctr"/>
+                    <a:r>
+                      <a:rPr lang="en-SG" sz="600" dirty="0"/>
+                      <a:t>Update  Database?</a:t>
+                    </a:r>
+                  </a:p>
+                </p:txBody>
+              </p:sp>
+            </p:grpSp>
+            <p:cxnSp>
+              <p:nvCxnSpPr>
+                <p:cNvPr id="537" name="Straight Arrow Connector 536"/>
+                <p:cNvCxnSpPr>
+                  <a:stCxn id="526" idx="2"/>
+                  <a:endCxn id="13" idx="0"/>
+                </p:cNvCxnSpPr>
+                <p:nvPr/>
+              </p:nvCxnSpPr>
+              <p:spPr>
+                <a:xfrm flipH="1">
+                  <a:off x="2829367" y="3659181"/>
+                  <a:ext cx="3883" cy="252499"/>
+                </a:xfrm>
+                <a:prstGeom prst="straightConnector1">
+                  <a:avLst/>
+                </a:prstGeom>
+                <a:ln>
+                  <a:tailEnd type="triangle"/>
+                </a:ln>
+              </p:spPr>
+              <p:style>
+                <a:lnRef idx="1">
+                  <a:schemeClr val="accent2"/>
+                </a:lnRef>
+                <a:fillRef idx="0">
+                  <a:schemeClr val="accent2"/>
+                </a:fillRef>
+                <a:effectRef idx="0">
+                  <a:schemeClr val="accent2"/>
+                </a:effectRef>
+                <a:fontRef idx="minor">
+                  <a:schemeClr val="tx1"/>
+                </a:fontRef>
+              </p:style>
+            </p:cxnSp>
+            <p:sp>
+              <p:nvSpPr>
+                <p:cNvPr id="541" name="Rounded Rectangle 540"/>
+                <p:cNvSpPr/>
+                <p:nvPr/>
+              </p:nvSpPr>
+              <p:spPr>
+                <a:xfrm>
+                  <a:off x="2857542" y="3654660"/>
+                  <a:ext cx="259716" cy="144059"/>
+                </a:xfrm>
+                <a:prstGeom prst="roundRect">
+                  <a:avLst/>
+                </a:prstGeom>
+                <a:noFill/>
+                <a:ln>
+                  <a:noFill/>
+                </a:ln>
+              </p:spPr>
+              <p:style>
+                <a:lnRef idx="2">
+                  <a:schemeClr val="accent6"/>
+                </a:lnRef>
+                <a:fillRef idx="1">
+                  <a:schemeClr val="lt1"/>
+                </a:fillRef>
+                <a:effectRef idx="0">
+                  <a:schemeClr val="accent6"/>
+                </a:effectRef>
+                <a:fontRef idx="minor">
+                  <a:schemeClr val="dk1"/>
+                </a:fontRef>
+              </p:style>
+              <p:txBody>
+                <a:bodyPr rot="0" spcFirstLastPara="0" vertOverflow="overflow" horzOverflow="overflow" vert="horz" wrap="square" lIns="36578" tIns="18289" rIns="36578" bIns="18289" numCol="1" spcCol="0" rtlCol="0" fromWordArt="0" anchor="ctr" anchorCtr="0" forceAA="0" compatLnSpc="1">
+                  <a:prstTxWarp prst="textNoShape">
+                    <a:avLst/>
+                  </a:prstTxWarp>
+                  <a:noAutofit/>
+                </a:bodyPr>
+                <a:lstStyle/>
+                <a:p>
+                  <a:pPr algn="ctr"/>
+                  <a:r>
+                    <a:rPr lang="en-SG" sz="720" dirty="0"/>
+                    <a:t>Yes</a:t>
+                  </a:r>
+                </a:p>
+              </p:txBody>
+            </p:sp>
+            <p:cxnSp>
+              <p:nvCxnSpPr>
+                <p:cNvPr id="543" name="Elbow Connector 542"/>
+                <p:cNvCxnSpPr>
+                  <a:stCxn id="526" idx="3"/>
+                  <a:endCxn id="550" idx="3"/>
+                </p:cNvCxnSpPr>
+                <p:nvPr/>
+              </p:nvCxnSpPr>
+              <p:spPr>
+                <a:xfrm>
+                  <a:off x="3265983" y="3351659"/>
+                  <a:ext cx="1131095" cy="390959"/>
+                </a:xfrm>
+                <a:prstGeom prst="bentConnector2">
+                  <a:avLst/>
+                </a:prstGeom>
+                <a:ln>
+                  <a:tailEnd type="triangle"/>
+                </a:ln>
+              </p:spPr>
+              <p:style>
+                <a:lnRef idx="1">
+                  <a:schemeClr val="accent2"/>
+                </a:lnRef>
+                <a:fillRef idx="0">
+                  <a:schemeClr val="accent2"/>
+                </a:fillRef>
+                <a:effectRef idx="0">
+                  <a:schemeClr val="accent2"/>
+                </a:effectRef>
+                <a:fontRef idx="minor">
+                  <a:schemeClr val="tx1"/>
+                </a:fontRef>
+              </p:style>
+            </p:cxnSp>
+            <p:sp>
+              <p:nvSpPr>
+                <p:cNvPr id="547" name="Rounded Rectangle 546"/>
+                <p:cNvSpPr/>
+                <p:nvPr/>
+              </p:nvSpPr>
+              <p:spPr>
+                <a:xfrm>
+                  <a:off x="3204033" y="3184108"/>
+                  <a:ext cx="259716" cy="182254"/>
+                </a:xfrm>
+                <a:prstGeom prst="roundRect">
+                  <a:avLst/>
+                </a:prstGeom>
+                <a:noFill/>
+                <a:ln>
+                  <a:noFill/>
+                </a:ln>
+              </p:spPr>
+              <p:style>
+                <a:lnRef idx="2">
+                  <a:schemeClr val="accent6"/>
+                </a:lnRef>
+                <a:fillRef idx="1">
+                  <a:schemeClr val="lt1"/>
+                </a:fillRef>
+                <a:effectRef idx="0">
+                  <a:schemeClr val="accent6"/>
+                </a:effectRef>
+                <a:fontRef idx="minor">
+                  <a:schemeClr val="dk1"/>
+                </a:fontRef>
+              </p:style>
+              <p:txBody>
+                <a:bodyPr rot="0" spcFirstLastPara="0" vertOverflow="overflow" horzOverflow="overflow" vert="horz" wrap="square" lIns="36578" tIns="18289" rIns="36578" bIns="18289" numCol="1" spcCol="0" rtlCol="0" fromWordArt="0" anchor="ctr" anchorCtr="0" forceAA="0" compatLnSpc="1">
+                  <a:prstTxWarp prst="textNoShape">
+                    <a:avLst/>
+                  </a:prstTxWarp>
+                  <a:noAutofit/>
+                </a:bodyPr>
+                <a:lstStyle/>
+                <a:p>
+                  <a:pPr algn="ctr"/>
+                  <a:r>
+                    <a:rPr lang="en-SG" sz="720" dirty="0"/>
+                    <a:t>No</a:t>
+                  </a:r>
+                </a:p>
+              </p:txBody>
+            </p:sp>
+            <p:sp>
+              <p:nvSpPr>
+                <p:cNvPr id="550" name="Oval 549"/>
+                <p:cNvSpPr/>
+                <p:nvPr/>
+              </p:nvSpPr>
+              <p:spPr>
+                <a:xfrm flipV="1">
+                  <a:off x="4351112" y="3721577"/>
+                  <a:ext cx="313875" cy="143676"/>
+                </a:xfrm>
+                <a:prstGeom prst="ellipse">
+                  <a:avLst/>
+                </a:prstGeom>
+                <a:noFill/>
+                <a:ln>
+                  <a:noFill/>
+                </a:ln>
+              </p:spPr>
+              <p:style>
+                <a:lnRef idx="2">
+                  <a:schemeClr val="accent6"/>
+                </a:lnRef>
+                <a:fillRef idx="1">
+                  <a:schemeClr val="lt1"/>
+                </a:fillRef>
+                <a:effectRef idx="0">
+                  <a:schemeClr val="accent6"/>
+                </a:effectRef>
+                <a:fontRef idx="minor">
+                  <a:schemeClr val="dk1"/>
+                </a:fontRef>
+              </p:style>
+              <p:txBody>
+                <a:bodyPr rot="0" spcFirstLastPara="0" vertOverflow="overflow" horzOverflow="overflow" vert="horz" wrap="square" lIns="36578" tIns="18289" rIns="36578" bIns="18289" numCol="1" spcCol="0" rtlCol="0" fromWordArt="0" anchor="ctr" anchorCtr="0" forceAA="0" compatLnSpc="1">
+                  <a:prstTxWarp prst="textNoShape">
+                    <a:avLst/>
+                  </a:prstTxWarp>
+                  <a:noAutofit/>
+                </a:bodyPr>
+                <a:lstStyle/>
+                <a:p>
+                  <a:pPr algn="ctr"/>
+                  <a:endParaRPr lang="en-SG" sz="720"/>
+                </a:p>
+              </p:txBody>
+            </p:sp>
           </p:grpSp>
-          <p:cxnSp>
-            <p:nvCxnSpPr>
-              <p:cNvPr id="152" name="Straight Arrow Connector 151"/>
-              <p:cNvCxnSpPr>
-                <a:stCxn id="21" idx="0"/>
-                <a:endCxn id="150" idx="2"/>
-              </p:cNvCxnSpPr>
+          <p:sp>
+            <p:nvSpPr>
+              <p:cNvPr id="162" name="Rounded Rectangle 161"/>
+              <p:cNvSpPr/>
               <p:nvPr/>
-            </p:nvCxnSpPr>
+            </p:nvSpPr>
             <p:spPr>
-              <a:xfrm flipH="1" flipV="1">
-                <a:off x="7486574" y="3542711"/>
-                <a:ext cx="4141" cy="325066"/>
+              <a:xfrm>
+                <a:off x="10554403" y="7562317"/>
+                <a:ext cx="857184" cy="456565"/>
               </a:xfrm>
-              <a:prstGeom prst="straightConnector1">
+              <a:prstGeom prst="roundRect">
                 <a:avLst/>
               </a:prstGeom>
-              <a:ln>
-                <a:tailEnd type="triangle"/>
-              </a:ln>
             </p:spPr>
             <p:style>
-              <a:lnRef idx="1">
-                <a:schemeClr val="accent2"/>
+              <a:lnRef idx="2">
+                <a:schemeClr val="accent2">
+                  <a:shade val="50000"/>
+                </a:schemeClr>
               </a:lnRef>
-              <a:fillRef idx="0">
+              <a:fillRef idx="1">
                 <a:schemeClr val="accent2"/>
               </a:fillRef>
               <a:effectRef idx="0">
                 <a:schemeClr val="accent2"/>
               </a:effectRef>
               <a:fontRef idx="minor">
-                <a:schemeClr val="tx1"/>
+                <a:schemeClr val="lt1"/>
               </a:fontRef>
             </p:style>
-          </p:cxnSp>
+            <p:txBody>
+              <a:bodyPr rot="0" spcFirstLastPara="0" vertOverflow="overflow" horzOverflow="overflow" vert="horz" wrap="square" lIns="36578" tIns="18289" rIns="36578" bIns="18289" numCol="1" spcCol="0" rtlCol="0" fromWordArt="0" anchor="ctr" anchorCtr="0" forceAA="0" compatLnSpc="1">
+                <a:prstTxWarp prst="textNoShape">
+                  <a:avLst/>
+                </a:prstTxWarp>
+                <a:noAutofit/>
+              </a:bodyPr>
+              <a:lstStyle/>
+              <a:p>
+                <a:pPr algn="ctr"/>
+                <a:r>
+                  <a:rPr lang="en-SG" sz="720" dirty="0">
+                    <a:solidFill>
+                      <a:schemeClr val="lt1"/>
+                    </a:solidFill>
+                  </a:rPr>
+                  <a:t>Generate Index Report</a:t>
+                </a:r>
+              </a:p>
+            </p:txBody>
+          </p:sp>
           <p:sp>
             <p:nvSpPr>
-              <p:cNvPr id="157" name="Rounded Rectangle 156"/>
+              <p:cNvPr id="163" name="Rounded Rectangle 162"/>
               <p:cNvSpPr/>
               <p:nvPr/>
             </p:nvSpPr>
             <p:spPr>
               <a:xfrm>
-                <a:off x="7467054" y="2782522"/>
-                <a:ext cx="259716" cy="182254"/>
+                <a:off x="10562587" y="6562874"/>
+                <a:ext cx="857184" cy="456565"/>
               </a:xfrm>
               <a:prstGeom prst="roundRect">
                 <a:avLst/>
               </a:prstGeom>
-              <a:noFill/>
-              <a:ln>
-                <a:noFill/>
-              </a:ln>
             </p:spPr>
             <p:style>
               <a:lnRef idx="2">
@@ -7254,22 +9659,146 @@
               <a:p>
                 <a:pPr algn="ctr"/>
                 <a:r>
-                  <a:rPr lang="en-SG" sz="720" dirty="0"/>
-                  <a:t>Yes</a:t>
+                  <a:rPr lang="en-SG" sz="720" dirty="0">
+                    <a:solidFill>
+                      <a:schemeClr val="tx1"/>
+                    </a:solidFill>
+                  </a:rPr>
+                  <a:t>Apply Index Filters</a:t>
                 </a:r>
               </a:p>
             </p:txBody>
           </p:sp>
           <p:sp>
             <p:nvSpPr>
-              <p:cNvPr id="158" name="Rounded Rectangle 157"/>
+              <p:cNvPr id="167" name="Flowchart: Decision 166"/>
               <p:cNvSpPr/>
               <p:nvPr/>
             </p:nvSpPr>
             <p:spPr>
               <a:xfrm>
-                <a:off x="7774105" y="3054920"/>
-                <a:ext cx="259716" cy="182254"/>
+                <a:off x="10556905" y="5559154"/>
+                <a:ext cx="865466" cy="615045"/>
+              </a:xfrm>
+              <a:prstGeom prst="flowChartDecision">
+                <a:avLst/>
+              </a:prstGeom>
+            </p:spPr>
+            <p:style>
+              <a:lnRef idx="2">
+                <a:schemeClr val="accent6"/>
+              </a:lnRef>
+              <a:fillRef idx="1">
+                <a:schemeClr val="lt1"/>
+              </a:fillRef>
+              <a:effectRef idx="0">
+                <a:schemeClr val="accent6"/>
+              </a:effectRef>
+              <a:fontRef idx="minor">
+                <a:schemeClr val="dk1"/>
+              </a:fontRef>
+            </p:style>
+            <p:txBody>
+              <a:bodyPr rtlCol="0" anchor="ctr"/>
+              <a:lstStyle/>
+              <a:p>
+                <a:pPr algn="ctr"/>
+                <a:r>
+                  <a:rPr lang="en-SG" sz="600" dirty="0"/>
+                  <a:t>Index Report?</a:t>
+                </a:r>
+              </a:p>
+            </p:txBody>
+          </p:sp>
+          <p:cxnSp>
+            <p:nvCxnSpPr>
+              <p:cNvPr id="168" name="Elbow Connector 167"/>
+              <p:cNvCxnSpPr>
+                <a:stCxn id="162" idx="3"/>
+                <a:endCxn id="169" idx="4"/>
+              </p:cNvCxnSpPr>
+              <p:nvPr/>
+            </p:nvCxnSpPr>
+            <p:spPr>
+              <a:xfrm flipV="1">
+                <a:off x="11411587" y="5513952"/>
+                <a:ext cx="756084" cy="2276648"/>
+              </a:xfrm>
+              <a:prstGeom prst="bentConnector2">
+                <a:avLst/>
+              </a:prstGeom>
+              <a:ln>
+                <a:tailEnd type="triangle"/>
+              </a:ln>
+            </p:spPr>
+            <p:style>
+              <a:lnRef idx="1">
+                <a:schemeClr val="accent2"/>
+              </a:lnRef>
+              <a:fillRef idx="0">
+                <a:schemeClr val="accent2"/>
+              </a:fillRef>
+              <a:effectRef idx="0">
+                <a:schemeClr val="accent2"/>
+              </a:effectRef>
+              <a:fontRef idx="minor">
+                <a:schemeClr val="tx1"/>
+              </a:fontRef>
+            </p:style>
+          </p:cxnSp>
+          <p:sp>
+            <p:nvSpPr>
+              <p:cNvPr id="169" name="Oval 168"/>
+              <p:cNvSpPr/>
+              <p:nvPr/>
+            </p:nvSpPr>
+            <p:spPr>
+              <a:xfrm>
+                <a:off x="12042736" y="5303925"/>
+                <a:ext cx="249870" cy="210027"/>
+              </a:xfrm>
+              <a:prstGeom prst="ellipse">
+                <a:avLst/>
+              </a:prstGeom>
+            </p:spPr>
+            <p:style>
+              <a:lnRef idx="2">
+                <a:schemeClr val="accent6"/>
+              </a:lnRef>
+              <a:fillRef idx="1">
+                <a:schemeClr val="lt1"/>
+              </a:fillRef>
+              <a:effectRef idx="0">
+                <a:schemeClr val="accent6"/>
+              </a:effectRef>
+              <a:fontRef idx="minor">
+                <a:schemeClr val="dk1"/>
+              </a:fontRef>
+            </p:style>
+            <p:txBody>
+              <a:bodyPr rot="0" spcFirstLastPara="0" vertOverflow="overflow" horzOverflow="overflow" vert="horz" wrap="square" lIns="36578" tIns="18289" rIns="36578" bIns="18289" numCol="1" spcCol="0" rtlCol="0" fromWordArt="0" anchor="ctr" anchorCtr="0" forceAA="0" compatLnSpc="1">
+                <a:prstTxWarp prst="textNoShape">
+                  <a:avLst/>
+                </a:prstTxWarp>
+                <a:noAutofit/>
+              </a:bodyPr>
+              <a:lstStyle/>
+              <a:p>
+                <a:pPr algn="ctr"/>
+                <a:endParaRPr lang="en-SG" sz="720"/>
+              </a:p>
+            </p:txBody>
+          </p:sp>
+          <p:sp>
+            <p:nvSpPr>
+              <p:cNvPr id="171" name="Rounded Rectangle 170"/>
+              <p:cNvSpPr/>
+              <p:nvPr/>
+            </p:nvSpPr>
+            <p:spPr>
+              <a:xfrm>
+                <a:off x="9736606" y="5756352"/>
+                <a:ext cx="295977" cy="99379"/>
               </a:xfrm>
               <a:prstGeom prst="roundRect">
                 <a:avLst/>
@@ -7312,206 +9841,21 @@
           </p:sp>
           <p:cxnSp>
             <p:nvCxnSpPr>
-              <p:cNvPr id="159" name="Elbow Connector 158"/>
+              <p:cNvPr id="173" name="Elbow Connector 172"/>
               <p:cNvCxnSpPr>
-                <a:stCxn id="150" idx="0"/>
-                <a:endCxn id="172" idx="1"/>
+                <a:stCxn id="512" idx="3"/>
+                <a:endCxn id="167" idx="1"/>
               </p:cNvCxnSpPr>
               <p:nvPr/>
             </p:nvCxnSpPr>
             <p:spPr>
-              <a:xfrm rot="5400000" flipH="1" flipV="1">
-                <a:off x="7351614" y="2452300"/>
-                <a:ext cx="610326" cy="340407"/>
-              </a:xfrm>
-              <a:prstGeom prst="bentConnector2">
-                <a:avLst/>
-              </a:prstGeom>
-              <a:ln>
-                <a:tailEnd type="triangle"/>
-              </a:ln>
-            </p:spPr>
-            <p:style>
-              <a:lnRef idx="1">
-                <a:schemeClr val="accent2"/>
-              </a:lnRef>
-              <a:fillRef idx="0">
-                <a:schemeClr val="accent2"/>
-              </a:fillRef>
-              <a:effectRef idx="0">
-                <a:schemeClr val="accent2"/>
-              </a:effectRef>
-              <a:fontRef idx="minor">
-                <a:schemeClr val="tx1"/>
-              </a:fontRef>
-            </p:style>
-          </p:cxnSp>
-          <p:sp>
-            <p:nvSpPr>
-              <p:cNvPr id="172" name="Rounded Rectangle 171"/>
-              <p:cNvSpPr/>
-              <p:nvPr/>
-            </p:nvSpPr>
-            <p:spPr>
-              <a:xfrm>
-                <a:off x="7826981" y="2089057"/>
-                <a:ext cx="857184" cy="456565"/>
-              </a:xfrm>
-              <a:prstGeom prst="roundRect">
-                <a:avLst/>
-              </a:prstGeom>
-            </p:spPr>
-            <p:style>
-              <a:lnRef idx="2">
-                <a:schemeClr val="accent6"/>
-              </a:lnRef>
-              <a:fillRef idx="1">
-                <a:schemeClr val="lt1"/>
-              </a:fillRef>
-              <a:effectRef idx="0">
-                <a:schemeClr val="accent6"/>
-              </a:effectRef>
-              <a:fontRef idx="minor">
-                <a:schemeClr val="dk1"/>
-              </a:fontRef>
-            </p:style>
-            <p:txBody>
-              <a:bodyPr rot="0" spcFirstLastPara="0" vertOverflow="overflow" horzOverflow="overflow" vert="horz" wrap="square" lIns="36578" tIns="18289" rIns="36578" bIns="18289" numCol="1" spcCol="0" rtlCol="0" fromWordArt="0" anchor="ctr" anchorCtr="0" forceAA="0" compatLnSpc="1">
-                <a:prstTxWarp prst="textNoShape">
-                  <a:avLst/>
-                </a:prstTxWarp>
-                <a:noAutofit/>
-              </a:bodyPr>
-              <a:lstStyle/>
-              <a:p>
-                <a:pPr algn="ctr"/>
-                <a:r>
-                  <a:rPr lang="en-SG" sz="720" dirty="0"/>
-                  <a:t>Follow up with client via phone</a:t>
-                </a:r>
-              </a:p>
-            </p:txBody>
-          </p:sp>
-          <p:grpSp>
-            <p:nvGrpSpPr>
-              <p:cNvPr id="188" name="Group 187"/>
-              <p:cNvGrpSpPr/>
-              <p:nvPr/>
-            </p:nvGrpSpPr>
-            <p:grpSpPr>
-              <a:xfrm>
-                <a:off x="8155759" y="2924405"/>
-                <a:ext cx="865466" cy="615045"/>
-                <a:chOff x="9187204" y="4291994"/>
-                <a:chExt cx="959868" cy="770738"/>
-              </a:xfrm>
-            </p:grpSpPr>
-            <p:sp>
-              <p:nvSpPr>
-                <p:cNvPr id="189" name="Flowchart: Decision 188"/>
-                <p:cNvSpPr/>
-                <p:nvPr/>
-              </p:nvSpPr>
-              <p:spPr>
-                <a:xfrm>
-                  <a:off x="9187204" y="4291994"/>
-                  <a:ext cx="959868" cy="770738"/>
-                </a:xfrm>
-                <a:prstGeom prst="flowChartDecision">
-                  <a:avLst/>
-                </a:prstGeom>
-              </p:spPr>
-              <p:style>
-                <a:lnRef idx="2">
-                  <a:schemeClr val="accent6"/>
-                </a:lnRef>
-                <a:fillRef idx="1">
-                  <a:schemeClr val="lt1"/>
-                </a:fillRef>
-                <a:effectRef idx="0">
-                  <a:schemeClr val="accent6"/>
-                </a:effectRef>
-                <a:fontRef idx="minor">
-                  <a:schemeClr val="dk1"/>
-                </a:fontRef>
-              </p:style>
-              <p:txBody>
-                <a:bodyPr rtlCol="0" anchor="ctr"/>
-                <a:lstStyle/>
-                <a:p>
-                  <a:pPr algn="ctr"/>
-                  <a:endParaRPr lang="en-SG" sz="500" dirty="0"/>
-                </a:p>
-              </p:txBody>
-            </p:sp>
-            <p:sp>
-              <p:nvSpPr>
-                <p:cNvPr id="190" name="Rounded Rectangle 189"/>
-                <p:cNvSpPr/>
-                <p:nvPr/>
-              </p:nvSpPr>
-              <p:spPr>
-                <a:xfrm>
-                  <a:off x="9314209" y="4444922"/>
-                  <a:ext cx="717765" cy="477224"/>
-                </a:xfrm>
-                <a:prstGeom prst="roundRect">
-                  <a:avLst/>
-                </a:prstGeom>
-                <a:noFill/>
-                <a:ln>
-                  <a:noFill/>
-                </a:ln>
-              </p:spPr>
-              <p:style>
-                <a:lnRef idx="2">
-                  <a:schemeClr val="accent6"/>
-                </a:lnRef>
-                <a:fillRef idx="1">
-                  <a:schemeClr val="lt1"/>
-                </a:fillRef>
-                <a:effectRef idx="0">
-                  <a:schemeClr val="accent6"/>
-                </a:effectRef>
-                <a:fontRef idx="minor">
-                  <a:schemeClr val="dk1"/>
-                </a:fontRef>
-              </p:style>
-              <p:txBody>
-                <a:bodyPr rot="0" spcFirstLastPara="0" vertOverflow="overflow" horzOverflow="overflow" vert="horz" wrap="square" lIns="36578" tIns="18289" rIns="36578" bIns="18289" numCol="1" spcCol="0" rtlCol="0" fromWordArt="0" anchor="ctr" anchorCtr="0" forceAA="0" compatLnSpc="1">
-                  <a:prstTxWarp prst="textNoShape">
-                    <a:avLst/>
-                  </a:prstTxWarp>
-                  <a:noAutofit/>
-                </a:bodyPr>
-                <a:lstStyle/>
-                <a:p>
-                  <a:pPr algn="ctr"/>
-                  <a:r>
-                    <a:rPr lang="en-SG" sz="600" dirty="0"/>
-                    <a:t>View Recommended Screenings?</a:t>
-                  </a:r>
-                </a:p>
-              </p:txBody>
-            </p:sp>
-          </p:grpSp>
-          <p:cxnSp>
-            <p:nvCxnSpPr>
-              <p:cNvPr id="196" name="Elbow Connector 195"/>
-              <p:cNvCxnSpPr>
-                <a:stCxn id="172" idx="2"/>
-                <a:endCxn id="189" idx="0"/>
-              </p:cNvCxnSpPr>
-              <p:nvPr/>
-            </p:nvCxnSpPr>
-            <p:spPr>
-              <a:xfrm rot="16200000" flipH="1">
-                <a:off x="8232641" y="2568553"/>
-                <a:ext cx="378783" cy="332919"/>
+              <a:xfrm flipV="1">
+                <a:off x="9780784" y="5866677"/>
+                <a:ext cx="776121" cy="1930935"/>
               </a:xfrm>
               <a:prstGeom prst="bentConnector3">
                 <a:avLst>
-                  <a:gd name="adj1" fmla="val 50000"/>
+                  <a:gd name="adj1" fmla="val 61221"/>
                 </a:avLst>
               </a:prstGeom>
               <a:ln>
@@ -7535,1000 +9879,17 @@
           </p:cxnSp>
           <p:cxnSp>
             <p:nvCxnSpPr>
-              <p:cNvPr id="204" name="Straight Arrow Connector 203"/>
+              <p:cNvPr id="191" name="Straight Arrow Connector 190"/>
               <p:cNvCxnSpPr>
-                <a:stCxn id="189" idx="2"/>
-                <a:endCxn id="22" idx="0"/>
+                <a:stCxn id="167" idx="2"/>
+                <a:endCxn id="163" idx="0"/>
               </p:cNvCxnSpPr>
               <p:nvPr/>
             </p:nvCxnSpPr>
             <p:spPr>
               <a:xfrm>
-                <a:off x="8588492" y="3539450"/>
-                <a:ext cx="8937" cy="293005"/>
-              </a:xfrm>
-              <a:prstGeom prst="straightConnector1">
-                <a:avLst/>
-              </a:prstGeom>
-              <a:ln>
-                <a:tailEnd type="triangle"/>
-              </a:ln>
-            </p:spPr>
-            <p:style>
-              <a:lnRef idx="1">
-                <a:schemeClr val="accent2"/>
-              </a:lnRef>
-              <a:fillRef idx="0">
-                <a:schemeClr val="accent2"/>
-              </a:fillRef>
-              <a:effectRef idx="0">
-                <a:schemeClr val="accent2"/>
-              </a:effectRef>
-              <a:fontRef idx="minor">
-                <a:schemeClr val="tx1"/>
-              </a:fontRef>
-            </p:style>
-          </p:cxnSp>
-          <p:grpSp>
-            <p:nvGrpSpPr>
-              <p:cNvPr id="234" name="Group 233"/>
-              <p:cNvGrpSpPr/>
-              <p:nvPr/>
-            </p:nvGrpSpPr>
-            <p:grpSpPr>
-              <a:xfrm>
-                <a:off x="3445084" y="4485434"/>
-                <a:ext cx="865466" cy="615045"/>
-                <a:chOff x="9187204" y="4291994"/>
-                <a:chExt cx="959868" cy="770738"/>
-              </a:xfrm>
-            </p:grpSpPr>
-            <p:sp>
-              <p:nvSpPr>
-                <p:cNvPr id="235" name="Flowchart: Decision 234"/>
-                <p:cNvSpPr/>
-                <p:nvPr/>
-              </p:nvSpPr>
-              <p:spPr>
-                <a:xfrm>
-                  <a:off x="9187204" y="4291994"/>
-                  <a:ext cx="959868" cy="770738"/>
-                </a:xfrm>
-                <a:prstGeom prst="flowChartDecision">
-                  <a:avLst/>
-                </a:prstGeom>
-              </p:spPr>
-              <p:style>
-                <a:lnRef idx="2">
-                  <a:schemeClr val="accent6"/>
-                </a:lnRef>
-                <a:fillRef idx="1">
-                  <a:schemeClr val="lt1"/>
-                </a:fillRef>
-                <a:effectRef idx="0">
-                  <a:schemeClr val="accent6"/>
-                </a:effectRef>
-                <a:fontRef idx="minor">
-                  <a:schemeClr val="dk1"/>
-                </a:fontRef>
-              </p:style>
-              <p:txBody>
-                <a:bodyPr rtlCol="0" anchor="ctr"/>
-                <a:lstStyle/>
-                <a:p>
-                  <a:pPr algn="ctr"/>
-                  <a:endParaRPr lang="en-SG" sz="500" dirty="0"/>
-                </a:p>
-              </p:txBody>
-            </p:sp>
-            <p:sp>
-              <p:nvSpPr>
-                <p:cNvPr id="236" name="Rounded Rectangle 235"/>
-                <p:cNvSpPr/>
-                <p:nvPr/>
-              </p:nvSpPr>
-              <p:spPr>
-                <a:xfrm>
-                  <a:off x="9429307" y="4425768"/>
-                  <a:ext cx="470197" cy="511518"/>
-                </a:xfrm>
-                <a:prstGeom prst="roundRect">
-                  <a:avLst/>
-                </a:prstGeom>
-                <a:noFill/>
-                <a:ln>
-                  <a:noFill/>
-                </a:ln>
-              </p:spPr>
-              <p:style>
-                <a:lnRef idx="2">
-                  <a:schemeClr val="accent6"/>
-                </a:lnRef>
-                <a:fillRef idx="1">
-                  <a:schemeClr val="lt1"/>
-                </a:fillRef>
-                <a:effectRef idx="0">
-                  <a:schemeClr val="accent6"/>
-                </a:effectRef>
-                <a:fontRef idx="minor">
-                  <a:schemeClr val="dk1"/>
-                </a:fontRef>
-              </p:style>
-              <p:txBody>
-                <a:bodyPr rot="0" spcFirstLastPara="0" vertOverflow="overflow" horzOverflow="overflow" vert="horz" wrap="square" lIns="36578" tIns="18289" rIns="36578" bIns="18289" numCol="1" spcCol="0" rtlCol="0" fromWordArt="0" anchor="ctr" anchorCtr="0" forceAA="0" compatLnSpc="1">
-                  <a:prstTxWarp prst="textNoShape">
-                    <a:avLst/>
-                  </a:prstTxWarp>
-                  <a:noAutofit/>
-                </a:bodyPr>
-                <a:lstStyle/>
-                <a:p>
-                  <a:pPr algn="ctr"/>
-                  <a:r>
-                    <a:rPr lang="en-SG" sz="600" dirty="0"/>
-                    <a:t>Add new Screening info?</a:t>
-                  </a:r>
-                </a:p>
-              </p:txBody>
-            </p:sp>
-          </p:grpSp>
-          <p:cxnSp>
-            <p:nvCxnSpPr>
-              <p:cNvPr id="245" name="Elbow Connector 244"/>
-              <p:cNvCxnSpPr>
-                <a:stCxn id="235" idx="0"/>
-                <a:endCxn id="5" idx="1"/>
-              </p:cNvCxnSpPr>
-              <p:nvPr/>
-            </p:nvCxnSpPr>
-            <p:spPr>
-              <a:xfrm rot="5400000" flipH="1" flipV="1">
-                <a:off x="3740819" y="4073462"/>
-                <a:ext cx="548971" cy="274975"/>
-              </a:xfrm>
-              <a:prstGeom prst="bentConnector2">
-                <a:avLst/>
-              </a:prstGeom>
-              <a:ln>
-                <a:tailEnd type="triangle"/>
-              </a:ln>
-            </p:spPr>
-            <p:style>
-              <a:lnRef idx="1">
-                <a:schemeClr val="accent2"/>
-              </a:lnRef>
-              <a:fillRef idx="0">
-                <a:schemeClr val="accent2"/>
-              </a:fillRef>
-              <a:effectRef idx="0">
-                <a:schemeClr val="accent2"/>
-              </a:effectRef>
-              <a:fontRef idx="minor">
-                <a:schemeClr val="tx1"/>
-              </a:fontRef>
-            </p:style>
-          </p:cxnSp>
-          <p:sp>
-            <p:nvSpPr>
-              <p:cNvPr id="254" name="Rounded Rectangle 253"/>
-              <p:cNvSpPr/>
-              <p:nvPr/>
-            </p:nvSpPr>
-            <p:spPr>
-              <a:xfrm>
-                <a:off x="4282650" y="4640661"/>
-                <a:ext cx="259716" cy="182254"/>
-              </a:xfrm>
-              <a:prstGeom prst="roundRect">
-                <a:avLst/>
-              </a:prstGeom>
-              <a:noFill/>
-              <a:ln>
-                <a:noFill/>
-              </a:ln>
-            </p:spPr>
-            <p:style>
-              <a:lnRef idx="2">
-                <a:schemeClr val="accent6"/>
-              </a:lnRef>
-              <a:fillRef idx="1">
-                <a:schemeClr val="lt1"/>
-              </a:fillRef>
-              <a:effectRef idx="0">
-                <a:schemeClr val="accent6"/>
-              </a:effectRef>
-              <a:fontRef idx="minor">
-                <a:schemeClr val="dk1"/>
-              </a:fontRef>
-            </p:style>
-            <p:txBody>
-              <a:bodyPr rot="0" spcFirstLastPara="0" vertOverflow="overflow" horzOverflow="overflow" vert="horz" wrap="square" lIns="36578" tIns="18289" rIns="36578" bIns="18289" numCol="1" spcCol="0" rtlCol="0" fromWordArt="0" anchor="ctr" anchorCtr="0" forceAA="0" compatLnSpc="1">
-                <a:prstTxWarp prst="textNoShape">
-                  <a:avLst/>
-                </a:prstTxWarp>
-                <a:noAutofit/>
-              </a:bodyPr>
-              <a:lstStyle/>
-              <a:p>
-                <a:pPr algn="ctr"/>
-                <a:r>
-                  <a:rPr lang="en-SG" sz="720" dirty="0"/>
-                  <a:t>Yes</a:t>
-                </a:r>
-              </a:p>
-            </p:txBody>
-          </p:sp>
-          <p:sp>
-            <p:nvSpPr>
-              <p:cNvPr id="261" name="Rounded Rectangle 260"/>
-              <p:cNvSpPr/>
-              <p:nvPr/>
-            </p:nvSpPr>
-            <p:spPr>
-              <a:xfrm>
-                <a:off x="3855577" y="4348278"/>
-                <a:ext cx="259716" cy="182254"/>
-              </a:xfrm>
-              <a:prstGeom prst="roundRect">
-                <a:avLst/>
-              </a:prstGeom>
-              <a:noFill/>
-              <a:ln>
-                <a:noFill/>
-              </a:ln>
-            </p:spPr>
-            <p:style>
-              <a:lnRef idx="2">
-                <a:schemeClr val="accent6"/>
-              </a:lnRef>
-              <a:fillRef idx="1">
-                <a:schemeClr val="lt1"/>
-              </a:fillRef>
-              <a:effectRef idx="0">
-                <a:schemeClr val="accent6"/>
-              </a:effectRef>
-              <a:fontRef idx="minor">
-                <a:schemeClr val="dk1"/>
-              </a:fontRef>
-            </p:style>
-            <p:txBody>
-              <a:bodyPr rot="0" spcFirstLastPara="0" vertOverflow="overflow" horzOverflow="overflow" vert="horz" wrap="square" lIns="36578" tIns="18289" rIns="36578" bIns="18289" numCol="1" spcCol="0" rtlCol="0" fromWordArt="0" anchor="ctr" anchorCtr="0" forceAA="0" compatLnSpc="1">
-                <a:prstTxWarp prst="textNoShape">
-                  <a:avLst/>
-                </a:prstTxWarp>
-                <a:noAutofit/>
-              </a:bodyPr>
-              <a:lstStyle/>
-              <a:p>
-                <a:pPr algn="ctr"/>
-                <a:r>
-                  <a:rPr lang="en-SG" sz="720" dirty="0"/>
-                  <a:t>No</a:t>
-                </a:r>
-              </a:p>
-            </p:txBody>
-          </p:sp>
-          <p:cxnSp>
-            <p:nvCxnSpPr>
-              <p:cNvPr id="280" name="Elbow Connector 279"/>
-              <p:cNvCxnSpPr>
-                <a:stCxn id="235" idx="3"/>
-              </p:cNvCxnSpPr>
-              <p:nvPr/>
-            </p:nvCxnSpPr>
-            <p:spPr>
-              <a:xfrm>
-                <a:off x="4310550" y="4792957"/>
-                <a:ext cx="270833" cy="344659"/>
-              </a:xfrm>
-              <a:prstGeom prst="bentConnector2">
-                <a:avLst/>
-              </a:prstGeom>
-              <a:ln>
-                <a:tailEnd type="triangle"/>
-              </a:ln>
-            </p:spPr>
-            <p:style>
-              <a:lnRef idx="1">
-                <a:schemeClr val="accent2"/>
-              </a:lnRef>
-              <a:fillRef idx="0">
-                <a:schemeClr val="accent2"/>
-              </a:fillRef>
-              <a:effectRef idx="0">
-                <a:schemeClr val="accent2"/>
-              </a:effectRef>
-              <a:fontRef idx="minor">
-                <a:schemeClr val="tx1"/>
-              </a:fontRef>
-            </p:style>
-          </p:cxnSp>
-          <p:sp>
-            <p:nvSpPr>
-              <p:cNvPr id="287" name="Rounded Rectangle 286"/>
-              <p:cNvSpPr/>
-              <p:nvPr/>
-            </p:nvSpPr>
-            <p:spPr>
-              <a:xfrm>
-                <a:off x="4226411" y="5152176"/>
-                <a:ext cx="857184" cy="456565"/>
-              </a:xfrm>
-              <a:prstGeom prst="roundRect">
-                <a:avLst/>
-              </a:prstGeom>
-            </p:spPr>
-            <p:style>
-              <a:lnRef idx="2">
-                <a:schemeClr val="accent6"/>
-              </a:lnRef>
-              <a:fillRef idx="1">
-                <a:schemeClr val="lt1"/>
-              </a:fillRef>
-              <a:effectRef idx="0">
-                <a:schemeClr val="accent6"/>
-              </a:effectRef>
-              <a:fontRef idx="minor">
-                <a:schemeClr val="dk1"/>
-              </a:fontRef>
-            </p:style>
-            <p:txBody>
-              <a:bodyPr rot="0" spcFirstLastPara="0" vertOverflow="overflow" horzOverflow="overflow" vert="horz" wrap="square" lIns="36578" tIns="18289" rIns="36578" bIns="18289" numCol="1" spcCol="0" rtlCol="0" fromWordArt="0" anchor="ctr" anchorCtr="0" forceAA="0" compatLnSpc="1">
-                <a:prstTxWarp prst="textNoShape">
-                  <a:avLst/>
-                </a:prstTxWarp>
-                <a:noAutofit/>
-              </a:bodyPr>
-              <a:lstStyle/>
-              <a:p>
-                <a:pPr algn="ctr"/>
-                <a:r>
-                  <a:rPr lang="en-SG" sz="720" dirty="0"/>
-                  <a:t>Fill in Screening information</a:t>
-                </a:r>
-              </a:p>
-            </p:txBody>
-          </p:sp>
-          <p:sp>
-            <p:nvSpPr>
-              <p:cNvPr id="288" name="Rounded Rectangle 287"/>
-              <p:cNvSpPr/>
-              <p:nvPr/>
-            </p:nvSpPr>
-            <p:spPr>
-              <a:xfrm>
-                <a:off x="4208133" y="7312348"/>
-                <a:ext cx="857184" cy="456565"/>
-              </a:xfrm>
-              <a:prstGeom prst="roundRect">
-                <a:avLst/>
-              </a:prstGeom>
-            </p:spPr>
-            <p:style>
-              <a:lnRef idx="2">
-                <a:schemeClr val="accent6"/>
-              </a:lnRef>
-              <a:fillRef idx="1">
-                <a:schemeClr val="lt1"/>
-              </a:fillRef>
-              <a:effectRef idx="0">
-                <a:schemeClr val="accent6"/>
-              </a:effectRef>
-              <a:fontRef idx="minor">
-                <a:schemeClr val="dk1"/>
-              </a:fontRef>
-            </p:style>
-            <p:txBody>
-              <a:bodyPr rot="0" spcFirstLastPara="0" vertOverflow="overflow" horzOverflow="overflow" vert="horz" wrap="square" lIns="36578" tIns="18289" rIns="36578" bIns="18289" numCol="1" spcCol="0" rtlCol="0" fromWordArt="0" anchor="ctr" anchorCtr="0" forceAA="0" compatLnSpc="1">
-                <a:prstTxWarp prst="textNoShape">
-                  <a:avLst/>
-                </a:prstTxWarp>
-                <a:noAutofit/>
-              </a:bodyPr>
-              <a:lstStyle/>
-              <a:p>
-                <a:pPr algn="ctr"/>
-                <a:r>
-                  <a:rPr lang="en-SG" sz="720" dirty="0"/>
-                  <a:t>Update Screening list</a:t>
-                </a:r>
-              </a:p>
-            </p:txBody>
-          </p:sp>
-          <p:cxnSp>
-            <p:nvCxnSpPr>
-              <p:cNvPr id="289" name="Straight Arrow Connector 288"/>
-              <p:cNvCxnSpPr>
-                <a:stCxn id="287" idx="2"/>
-                <a:endCxn id="288" idx="0"/>
-              </p:cNvCxnSpPr>
-              <p:nvPr/>
-            </p:nvCxnSpPr>
-            <p:spPr>
-              <a:xfrm flipH="1">
-                <a:off x="4636725" y="5608741"/>
-                <a:ext cx="18278" cy="1703607"/>
-              </a:xfrm>
-              <a:prstGeom prst="straightConnector1">
-                <a:avLst/>
-              </a:prstGeom>
-              <a:ln>
-                <a:tailEnd type="triangle"/>
-              </a:ln>
-            </p:spPr>
-            <p:style>
-              <a:lnRef idx="1">
-                <a:schemeClr val="accent2"/>
-              </a:lnRef>
-              <a:fillRef idx="0">
-                <a:schemeClr val="accent2"/>
-              </a:fillRef>
-              <a:effectRef idx="0">
-                <a:schemeClr val="accent2"/>
-              </a:effectRef>
-              <a:fontRef idx="minor">
-                <a:schemeClr val="tx1"/>
-              </a:fontRef>
-            </p:style>
-          </p:cxnSp>
-          <p:cxnSp>
-            <p:nvCxnSpPr>
-              <p:cNvPr id="296" name="Elbow Connector 295"/>
-              <p:cNvCxnSpPr>
-                <a:stCxn id="288" idx="3"/>
-                <a:endCxn id="5" idx="2"/>
-              </p:cNvCxnSpPr>
-              <p:nvPr/>
-            </p:nvCxnSpPr>
-            <p:spPr>
-              <a:xfrm flipH="1" flipV="1">
-                <a:off x="4632726" y="4321832"/>
-                <a:ext cx="432591" cy="3218799"/>
-              </a:xfrm>
-              <a:prstGeom prst="bentConnector4">
-                <a:avLst>
-                  <a:gd name="adj1" fmla="val -52844"/>
-                  <a:gd name="adj2" fmla="val 85412"/>
-                </a:avLst>
-              </a:prstGeom>
-              <a:ln>
-                <a:tailEnd type="triangle"/>
-              </a:ln>
-            </p:spPr>
-            <p:style>
-              <a:lnRef idx="1">
-                <a:schemeClr val="accent2"/>
-              </a:lnRef>
-              <a:fillRef idx="0">
-                <a:schemeClr val="accent2"/>
-              </a:fillRef>
-              <a:effectRef idx="0">
-                <a:schemeClr val="accent2"/>
-              </a:effectRef>
-              <a:fontRef idx="minor">
-                <a:schemeClr val="tx1"/>
-              </a:fontRef>
-            </p:style>
-          </p:cxnSp>
-          <p:cxnSp>
-            <p:nvCxnSpPr>
-              <p:cNvPr id="315" name="Elbow Connector 314"/>
-              <p:cNvCxnSpPr>
-                <a:stCxn id="5" idx="3"/>
-                <a:endCxn id="396" idx="0"/>
-              </p:cNvCxnSpPr>
-              <p:nvPr/>
-            </p:nvCxnSpPr>
-            <p:spPr>
-              <a:xfrm>
-                <a:off x="5112660" y="3936463"/>
-                <a:ext cx="891994" cy="458264"/>
-              </a:xfrm>
-              <a:prstGeom prst="bentConnector2">
-                <a:avLst/>
-              </a:prstGeom>
-              <a:ln>
-                <a:tailEnd type="triangle"/>
-              </a:ln>
-            </p:spPr>
-            <p:style>
-              <a:lnRef idx="1">
-                <a:schemeClr val="accent2"/>
-              </a:lnRef>
-              <a:fillRef idx="0">
-                <a:schemeClr val="accent2"/>
-              </a:fillRef>
-              <a:effectRef idx="0">
-                <a:schemeClr val="accent2"/>
-              </a:effectRef>
-              <a:fontRef idx="minor">
-                <a:schemeClr val="tx1"/>
-              </a:fontRef>
-            </p:style>
-          </p:cxnSp>
-          <p:sp>
-            <p:nvSpPr>
-              <p:cNvPr id="316" name="Rounded Rectangle 315"/>
-              <p:cNvSpPr/>
-              <p:nvPr/>
-            </p:nvSpPr>
-            <p:spPr>
-              <a:xfrm>
-                <a:off x="5129620" y="3794065"/>
-                <a:ext cx="259716" cy="182254"/>
-              </a:xfrm>
-              <a:prstGeom prst="roundRect">
-                <a:avLst/>
-              </a:prstGeom>
-              <a:noFill/>
-              <a:ln>
-                <a:noFill/>
-              </a:ln>
-            </p:spPr>
-            <p:style>
-              <a:lnRef idx="2">
-                <a:schemeClr val="accent6"/>
-              </a:lnRef>
-              <a:fillRef idx="1">
-                <a:schemeClr val="lt1"/>
-              </a:fillRef>
-              <a:effectRef idx="0">
-                <a:schemeClr val="accent6"/>
-              </a:effectRef>
-              <a:fontRef idx="minor">
-                <a:schemeClr val="dk1"/>
-              </a:fontRef>
-            </p:style>
-            <p:txBody>
-              <a:bodyPr rot="0" spcFirstLastPara="0" vertOverflow="overflow" horzOverflow="overflow" vert="horz" wrap="square" lIns="36578" tIns="18289" rIns="36578" bIns="18289" numCol="1" spcCol="0" rtlCol="0" fromWordArt="0" anchor="ctr" anchorCtr="0" forceAA="0" compatLnSpc="1">
-                <a:prstTxWarp prst="textNoShape">
-                  <a:avLst/>
-                </a:prstTxWarp>
-                <a:noAutofit/>
-              </a:bodyPr>
-              <a:lstStyle/>
-              <a:p>
-                <a:pPr algn="ctr"/>
-                <a:r>
-                  <a:rPr lang="en-SG" sz="720" dirty="0"/>
-                  <a:t>No</a:t>
-                </a:r>
-              </a:p>
-            </p:txBody>
-          </p:sp>
-          <p:grpSp>
-            <p:nvGrpSpPr>
-              <p:cNvPr id="329" name="Group 328"/>
-              <p:cNvGrpSpPr/>
-              <p:nvPr/>
-            </p:nvGrpSpPr>
-            <p:grpSpPr>
-              <a:xfrm>
-                <a:off x="6326758" y="4702250"/>
-                <a:ext cx="349710" cy="136103"/>
-                <a:chOff x="5625111" y="5600350"/>
-                <a:chExt cx="349710" cy="136103"/>
-              </a:xfrm>
-            </p:grpSpPr>
-            <p:cxnSp>
-              <p:nvCxnSpPr>
-                <p:cNvPr id="330" name="Straight Arrow Connector 329"/>
-                <p:cNvCxnSpPr>
-                  <a:stCxn id="396" idx="3"/>
-                  <a:endCxn id="337" idx="2"/>
-                </p:cNvCxnSpPr>
-                <p:nvPr/>
-              </p:nvCxnSpPr>
-              <p:spPr>
-                <a:xfrm>
-                  <a:off x="5735740" y="5600350"/>
-                  <a:ext cx="239081" cy="6432"/>
-                </a:xfrm>
-                <a:prstGeom prst="straightConnector1">
-                  <a:avLst/>
-                </a:prstGeom>
-                <a:ln>
-                  <a:tailEnd type="triangle"/>
-                </a:ln>
-              </p:spPr>
-              <p:style>
-                <a:lnRef idx="1">
-                  <a:schemeClr val="accent2"/>
-                </a:lnRef>
-                <a:fillRef idx="0">
-                  <a:schemeClr val="accent2"/>
-                </a:fillRef>
-                <a:effectRef idx="0">
-                  <a:schemeClr val="accent2"/>
-                </a:effectRef>
-                <a:fontRef idx="minor">
-                  <a:schemeClr val="tx1"/>
-                </a:fontRef>
-              </p:style>
-            </p:cxnSp>
-            <p:sp>
-              <p:nvSpPr>
-                <p:cNvPr id="331" name="Rounded Rectangle 330"/>
-                <p:cNvSpPr/>
-                <p:nvPr/>
-              </p:nvSpPr>
-              <p:spPr>
-                <a:xfrm>
-                  <a:off x="5625111" y="5637074"/>
-                  <a:ext cx="295977" cy="99379"/>
-                </a:xfrm>
-                <a:prstGeom prst="roundRect">
-                  <a:avLst/>
-                </a:prstGeom>
-                <a:noFill/>
-                <a:ln>
-                  <a:noFill/>
-                </a:ln>
-              </p:spPr>
-              <p:style>
-                <a:lnRef idx="2">
-                  <a:schemeClr val="accent6"/>
-                </a:lnRef>
-                <a:fillRef idx="1">
-                  <a:schemeClr val="lt1"/>
-                </a:fillRef>
-                <a:effectRef idx="0">
-                  <a:schemeClr val="accent6"/>
-                </a:effectRef>
-                <a:fontRef idx="minor">
-                  <a:schemeClr val="dk1"/>
-                </a:fontRef>
-              </p:style>
-              <p:txBody>
-                <a:bodyPr rot="0" spcFirstLastPara="0" vertOverflow="overflow" horzOverflow="overflow" vert="horz" wrap="square" lIns="36578" tIns="18289" rIns="36578" bIns="18289" numCol="1" spcCol="0" rtlCol="0" fromWordArt="0" anchor="ctr" anchorCtr="0" forceAA="0" compatLnSpc="1">
-                  <a:prstTxWarp prst="textNoShape">
-                    <a:avLst/>
-                  </a:prstTxWarp>
-                  <a:noAutofit/>
-                </a:bodyPr>
-                <a:lstStyle/>
-                <a:p>
-                  <a:pPr algn="ctr"/>
-                  <a:r>
-                    <a:rPr lang="en-SG" sz="720" dirty="0"/>
-                    <a:t>No</a:t>
-                  </a:r>
-                </a:p>
-              </p:txBody>
-            </p:sp>
-          </p:grpSp>
-          <p:grpSp>
-            <p:nvGrpSpPr>
-              <p:cNvPr id="336" name="Group 335"/>
-              <p:cNvGrpSpPr/>
-              <p:nvPr/>
-            </p:nvGrpSpPr>
-            <p:grpSpPr>
-              <a:xfrm>
-                <a:off x="6272278" y="4621085"/>
-                <a:ext cx="1246459" cy="175194"/>
-                <a:chOff x="12404727" y="4769758"/>
-                <a:chExt cx="1246459" cy="175194"/>
-              </a:xfrm>
-            </p:grpSpPr>
-            <p:sp>
-              <p:nvSpPr>
-                <p:cNvPr id="337" name="Oval 336"/>
-                <p:cNvSpPr/>
-                <p:nvPr/>
-              </p:nvSpPr>
-              <p:spPr>
-                <a:xfrm>
-                  <a:off x="12808917" y="4769758"/>
-                  <a:ext cx="139473" cy="175194"/>
-                </a:xfrm>
-                <a:prstGeom prst="ellipse">
-                  <a:avLst/>
-                </a:prstGeom>
-              </p:spPr>
-              <p:style>
-                <a:lnRef idx="2">
-                  <a:schemeClr val="accent6"/>
-                </a:lnRef>
-                <a:fillRef idx="1">
-                  <a:schemeClr val="lt1"/>
-                </a:fillRef>
-                <a:effectRef idx="0">
-                  <a:schemeClr val="accent6"/>
-                </a:effectRef>
-                <a:fontRef idx="minor">
-                  <a:schemeClr val="dk1"/>
-                </a:fontRef>
-              </p:style>
-              <p:txBody>
-                <a:bodyPr rot="0" spcFirstLastPara="0" vertOverflow="overflow" horzOverflow="overflow" vert="horz" wrap="square" lIns="36578" tIns="18289" rIns="36578" bIns="18289" numCol="1" spcCol="0" rtlCol="0" fromWordArt="0" anchor="ctr" anchorCtr="0" forceAA="0" compatLnSpc="1">
-                  <a:prstTxWarp prst="textNoShape">
-                    <a:avLst/>
-                  </a:prstTxWarp>
-                  <a:noAutofit/>
-                </a:bodyPr>
-                <a:lstStyle/>
-                <a:p>
-                  <a:pPr algn="ctr"/>
-                  <a:endParaRPr lang="en-SG" sz="720"/>
-                </a:p>
-              </p:txBody>
-            </p:sp>
-            <p:sp>
-              <p:nvSpPr>
-                <p:cNvPr id="338" name="Rounded Rectangle 337"/>
-                <p:cNvSpPr/>
-                <p:nvPr/>
-              </p:nvSpPr>
-              <p:spPr>
-                <a:xfrm>
-                  <a:off x="12404727" y="4775818"/>
-                  <a:ext cx="1246459" cy="169134"/>
-                </a:xfrm>
-                <a:prstGeom prst="roundRect">
-                  <a:avLst/>
-                </a:prstGeom>
-                <a:noFill/>
-                <a:ln>
-                  <a:noFill/>
-                </a:ln>
-              </p:spPr>
-              <p:style>
-                <a:lnRef idx="2">
-                  <a:schemeClr val="accent6"/>
-                </a:lnRef>
-                <a:fillRef idx="1">
-                  <a:schemeClr val="lt1"/>
-                </a:fillRef>
-                <a:effectRef idx="0">
-                  <a:schemeClr val="accent6"/>
-                </a:effectRef>
-                <a:fontRef idx="minor">
-                  <a:schemeClr val="dk1"/>
-                </a:fontRef>
-              </p:style>
-              <p:txBody>
-                <a:bodyPr rot="0" spcFirstLastPara="0" vertOverflow="overflow" horzOverflow="overflow" vert="horz" wrap="square" lIns="36578" tIns="18289" rIns="36578" bIns="18289" numCol="1" spcCol="0" rtlCol="0" fromWordArt="0" anchor="ctr" anchorCtr="0" forceAA="0" compatLnSpc="1">
-                  <a:prstTxWarp prst="textNoShape">
-                    <a:avLst/>
-                  </a:prstTxWarp>
-                  <a:noAutofit/>
-                </a:bodyPr>
-                <a:lstStyle/>
-                <a:p>
-                  <a:pPr algn="ctr"/>
-                  <a:r>
-                    <a:rPr lang="en-SG" sz="720" dirty="0"/>
-                    <a:t>End </a:t>
-                  </a:r>
-                </a:p>
-              </p:txBody>
-            </p:sp>
-          </p:grpSp>
-          <p:cxnSp>
-            <p:nvCxnSpPr>
-              <p:cNvPr id="359" name="Straight Arrow Connector 358"/>
-              <p:cNvCxnSpPr>
-                <a:stCxn id="150" idx="3"/>
-                <a:endCxn id="189" idx="1"/>
-              </p:cNvCxnSpPr>
-              <p:nvPr/>
-            </p:nvCxnSpPr>
-            <p:spPr>
-              <a:xfrm flipV="1">
-                <a:off x="7919307" y="3231928"/>
-                <a:ext cx="236452" cy="3261"/>
-              </a:xfrm>
-              <a:prstGeom prst="straightConnector1">
-                <a:avLst/>
-              </a:prstGeom>
-              <a:ln>
-                <a:tailEnd type="triangle"/>
-              </a:ln>
-            </p:spPr>
-            <p:style>
-              <a:lnRef idx="1">
-                <a:schemeClr val="accent2"/>
-              </a:lnRef>
-              <a:fillRef idx="0">
-                <a:schemeClr val="accent2"/>
-              </a:fillRef>
-              <a:effectRef idx="0">
-                <a:schemeClr val="accent2"/>
-              </a:effectRef>
-              <a:fontRef idx="minor">
-                <a:schemeClr val="tx1"/>
-              </a:fontRef>
-            </p:style>
-          </p:cxnSp>
-          <p:cxnSp>
-            <p:nvCxnSpPr>
-              <p:cNvPr id="383" name="Elbow Connector 382"/>
-              <p:cNvCxnSpPr>
-                <a:stCxn id="5" idx="0"/>
-                <a:endCxn id="18" idx="1"/>
-              </p:cNvCxnSpPr>
-              <p:nvPr/>
-            </p:nvCxnSpPr>
-            <p:spPr>
-              <a:xfrm rot="5400000" flipH="1" flipV="1">
-                <a:off x="4629699" y="2294009"/>
-                <a:ext cx="1260112" cy="1254058"/>
-              </a:xfrm>
-              <a:prstGeom prst="bentConnector2">
-                <a:avLst/>
-              </a:prstGeom>
-              <a:ln>
-                <a:tailEnd type="triangle"/>
-              </a:ln>
-            </p:spPr>
-            <p:style>
-              <a:lnRef idx="1">
-                <a:schemeClr val="accent2"/>
-              </a:lnRef>
-              <a:fillRef idx="0">
-                <a:schemeClr val="accent2"/>
-              </a:fillRef>
-              <a:effectRef idx="0">
-                <a:schemeClr val="accent2"/>
-              </a:effectRef>
-              <a:fontRef idx="minor">
-                <a:schemeClr val="tx1"/>
-              </a:fontRef>
-            </p:style>
-          </p:cxnSp>
-          <p:cxnSp>
-            <p:nvCxnSpPr>
-              <p:cNvPr id="386" name="Elbow Connector 385"/>
-              <p:cNvCxnSpPr>
-                <a:stCxn id="20" idx="2"/>
-                <a:endCxn id="21" idx="1"/>
-              </p:cNvCxnSpPr>
-              <p:nvPr/>
-            </p:nvCxnSpPr>
-            <p:spPr>
-              <a:xfrm rot="16200000" flipH="1">
-                <a:off x="6343552" y="3377488"/>
-                <a:ext cx="681941" cy="755201"/>
-              </a:xfrm>
-              <a:prstGeom prst="bentConnector2">
-                <a:avLst/>
-              </a:prstGeom>
-              <a:ln>
-                <a:tailEnd type="triangle"/>
-              </a:ln>
-            </p:spPr>
-            <p:style>
-              <a:lnRef idx="1">
-                <a:schemeClr val="accent2"/>
-              </a:lnRef>
-              <a:fillRef idx="0">
-                <a:schemeClr val="accent2"/>
-              </a:fillRef>
-              <a:effectRef idx="0">
-                <a:schemeClr val="accent2"/>
-              </a:effectRef>
-              <a:fontRef idx="minor">
-                <a:schemeClr val="tx1"/>
-              </a:fontRef>
-            </p:style>
-          </p:cxnSp>
-          <p:grpSp>
-            <p:nvGrpSpPr>
-              <p:cNvPr id="395" name="Group 394"/>
-              <p:cNvGrpSpPr/>
-              <p:nvPr/>
-            </p:nvGrpSpPr>
-            <p:grpSpPr>
-              <a:xfrm>
-                <a:off x="5571921" y="4394727"/>
-                <a:ext cx="865466" cy="615045"/>
-                <a:chOff x="9187204" y="4291994"/>
-                <a:chExt cx="959868" cy="770738"/>
-              </a:xfrm>
-            </p:grpSpPr>
-            <p:sp>
-              <p:nvSpPr>
-                <p:cNvPr id="396" name="Flowchart: Decision 395"/>
-                <p:cNvSpPr/>
-                <p:nvPr/>
-              </p:nvSpPr>
-              <p:spPr>
-                <a:xfrm>
-                  <a:off x="9187204" y="4291994"/>
-                  <a:ext cx="959868" cy="770738"/>
-                </a:xfrm>
-                <a:prstGeom prst="flowChartDecision">
-                  <a:avLst/>
-                </a:prstGeom>
-              </p:spPr>
-              <p:style>
-                <a:lnRef idx="2">
-                  <a:schemeClr val="accent6"/>
-                </a:lnRef>
-                <a:fillRef idx="1">
-                  <a:schemeClr val="lt1"/>
-                </a:fillRef>
-                <a:effectRef idx="0">
-                  <a:schemeClr val="accent6"/>
-                </a:effectRef>
-                <a:fontRef idx="minor">
-                  <a:schemeClr val="dk1"/>
-                </a:fontRef>
-              </p:style>
-              <p:txBody>
-                <a:bodyPr rtlCol="0" anchor="ctr"/>
-                <a:lstStyle/>
-                <a:p>
-                  <a:pPr algn="ctr"/>
-                  <a:endParaRPr lang="en-SG" sz="500" dirty="0"/>
-                </a:p>
-              </p:txBody>
-            </p:sp>
-            <p:sp>
-              <p:nvSpPr>
-                <p:cNvPr id="397" name="Rounded Rectangle 396"/>
-                <p:cNvSpPr/>
-                <p:nvPr/>
-              </p:nvSpPr>
-              <p:spPr>
-                <a:xfrm>
-                  <a:off x="9314209" y="4444922"/>
-                  <a:ext cx="717765" cy="477224"/>
-                </a:xfrm>
-                <a:prstGeom prst="roundRect">
-                  <a:avLst/>
-                </a:prstGeom>
-                <a:noFill/>
-                <a:ln>
-                  <a:noFill/>
-                </a:ln>
-              </p:spPr>
-              <p:style>
-                <a:lnRef idx="2">
-                  <a:schemeClr val="accent6"/>
-                </a:lnRef>
-                <a:fillRef idx="1">
-                  <a:schemeClr val="lt1"/>
-                </a:fillRef>
-                <a:effectRef idx="0">
-                  <a:schemeClr val="accent6"/>
-                </a:effectRef>
-                <a:fontRef idx="minor">
-                  <a:schemeClr val="dk1"/>
-                </a:fontRef>
-              </p:style>
-              <p:txBody>
-                <a:bodyPr rot="0" spcFirstLastPara="0" vertOverflow="overflow" horzOverflow="overflow" vert="horz" wrap="square" lIns="36578" tIns="18289" rIns="36578" bIns="18289" numCol="1" spcCol="0" rtlCol="0" fromWordArt="0" anchor="ctr" anchorCtr="0" forceAA="0" compatLnSpc="1">
-                  <a:prstTxWarp prst="textNoShape">
-                    <a:avLst/>
-                  </a:prstTxWarp>
-                  <a:noAutofit/>
-                </a:bodyPr>
-                <a:lstStyle/>
-                <a:p>
-                  <a:pPr algn="ctr"/>
-                  <a:r>
-                    <a:rPr lang="en-SG" sz="600" dirty="0"/>
-                    <a:t>Proceed to Reports?</a:t>
-                  </a:r>
-                </a:p>
-              </p:txBody>
-            </p:sp>
-          </p:grpSp>
-          <p:cxnSp>
-            <p:nvCxnSpPr>
-              <p:cNvPr id="400" name="Straight Arrow Connector 399"/>
-              <p:cNvCxnSpPr>
-                <a:stCxn id="396" idx="2"/>
-                <a:endCxn id="405" idx="0"/>
-              </p:cNvCxnSpPr>
-              <p:nvPr/>
-            </p:nvCxnSpPr>
-            <p:spPr>
-              <a:xfrm flipH="1">
-                <a:off x="5995495" y="5009772"/>
-                <a:ext cx="9159" cy="342620"/>
+                <a:off x="10989638" y="6174199"/>
+                <a:ext cx="1541" cy="388675"/>
               </a:xfrm>
               <a:prstGeom prst="straightConnector1">
                 <a:avLst/>
@@ -8554,372 +9915,13 @@
           </p:cxnSp>
           <p:sp>
             <p:nvSpPr>
-              <p:cNvPr id="403" name="Rounded Rectangle 402"/>
+              <p:cNvPr id="194" name="Rounded Rectangle 193"/>
               <p:cNvSpPr/>
               <p:nvPr/>
             </p:nvSpPr>
             <p:spPr>
               <a:xfrm>
-                <a:off x="5938839" y="5021434"/>
-                <a:ext cx="259716" cy="182254"/>
-              </a:xfrm>
-              <a:prstGeom prst="roundRect">
-                <a:avLst/>
-              </a:prstGeom>
-              <a:noFill/>
-              <a:ln>
-                <a:noFill/>
-              </a:ln>
-            </p:spPr>
-            <p:style>
-              <a:lnRef idx="2">
-                <a:schemeClr val="accent6"/>
-              </a:lnRef>
-              <a:fillRef idx="1">
-                <a:schemeClr val="lt1"/>
-              </a:fillRef>
-              <a:effectRef idx="0">
-                <a:schemeClr val="accent6"/>
-              </a:effectRef>
-              <a:fontRef idx="minor">
-                <a:schemeClr val="dk1"/>
-              </a:fontRef>
-            </p:style>
-            <p:txBody>
-              <a:bodyPr rot="0" spcFirstLastPara="0" vertOverflow="overflow" horzOverflow="overflow" vert="horz" wrap="square" lIns="36578" tIns="18289" rIns="36578" bIns="18289" numCol="1" spcCol="0" rtlCol="0" fromWordArt="0" anchor="ctr" anchorCtr="0" forceAA="0" compatLnSpc="1">
-                <a:prstTxWarp prst="textNoShape">
-                  <a:avLst/>
-                </a:prstTxWarp>
-                <a:noAutofit/>
-              </a:bodyPr>
-              <a:lstStyle/>
-              <a:p>
-                <a:pPr algn="ctr"/>
-                <a:r>
-                  <a:rPr lang="en-SG" sz="720" dirty="0"/>
-                  <a:t>Yes</a:t>
-                </a:r>
-              </a:p>
-            </p:txBody>
-          </p:sp>
-          <p:grpSp>
-            <p:nvGrpSpPr>
-              <p:cNvPr id="404" name="Group 403"/>
-              <p:cNvGrpSpPr/>
-              <p:nvPr/>
-            </p:nvGrpSpPr>
-            <p:grpSpPr>
-              <a:xfrm>
-                <a:off x="5562762" y="5352392"/>
-                <a:ext cx="865466" cy="615045"/>
-                <a:chOff x="9187204" y="4291994"/>
-                <a:chExt cx="959868" cy="770738"/>
-              </a:xfrm>
-            </p:grpSpPr>
-            <p:sp>
-              <p:nvSpPr>
-                <p:cNvPr id="405" name="Flowchart: Decision 404"/>
-                <p:cNvSpPr/>
-                <p:nvPr/>
-              </p:nvSpPr>
-              <p:spPr>
-                <a:xfrm>
-                  <a:off x="9187204" y="4291994"/>
-                  <a:ext cx="959868" cy="770738"/>
-                </a:xfrm>
-                <a:prstGeom prst="flowChartDecision">
-                  <a:avLst/>
-                </a:prstGeom>
-              </p:spPr>
-              <p:style>
-                <a:lnRef idx="2">
-                  <a:schemeClr val="accent6"/>
-                </a:lnRef>
-                <a:fillRef idx="1">
-                  <a:schemeClr val="lt1"/>
-                </a:fillRef>
-                <a:effectRef idx="0">
-                  <a:schemeClr val="accent6"/>
-                </a:effectRef>
-                <a:fontRef idx="minor">
-                  <a:schemeClr val="dk1"/>
-                </a:fontRef>
-              </p:style>
-              <p:txBody>
-                <a:bodyPr rtlCol="0" anchor="ctr"/>
-                <a:lstStyle/>
-                <a:p>
-                  <a:pPr algn="ctr"/>
-                  <a:endParaRPr lang="en-SG" sz="500" dirty="0"/>
-                </a:p>
-              </p:txBody>
-            </p:sp>
-            <p:sp>
-              <p:nvSpPr>
-                <p:cNvPr id="406" name="Rounded Rectangle 405"/>
-                <p:cNvSpPr/>
-                <p:nvPr/>
-              </p:nvSpPr>
-              <p:spPr>
-                <a:xfrm>
-                  <a:off x="9314209" y="4444922"/>
-                  <a:ext cx="717765" cy="477224"/>
-                </a:xfrm>
-                <a:prstGeom prst="roundRect">
-                  <a:avLst/>
-                </a:prstGeom>
-                <a:noFill/>
-                <a:ln>
-                  <a:noFill/>
-                </a:ln>
-              </p:spPr>
-              <p:style>
-                <a:lnRef idx="2">
-                  <a:schemeClr val="accent6"/>
-                </a:lnRef>
-                <a:fillRef idx="1">
-                  <a:schemeClr val="lt1"/>
-                </a:fillRef>
-                <a:effectRef idx="0">
-                  <a:schemeClr val="accent6"/>
-                </a:effectRef>
-                <a:fontRef idx="minor">
-                  <a:schemeClr val="dk1"/>
-                </a:fontRef>
-              </p:style>
-              <p:txBody>
-                <a:bodyPr rot="0" spcFirstLastPara="0" vertOverflow="overflow" horzOverflow="overflow" vert="horz" wrap="square" lIns="36578" tIns="18289" rIns="36578" bIns="18289" numCol="1" spcCol="0" rtlCol="0" fromWordArt="0" anchor="ctr" anchorCtr="0" forceAA="0" compatLnSpc="1">
-                  <a:prstTxWarp prst="textNoShape">
-                    <a:avLst/>
-                  </a:prstTxWarp>
-                  <a:noAutofit/>
-                </a:bodyPr>
-                <a:lstStyle/>
-                <a:p>
-                  <a:pPr algn="ctr"/>
-                  <a:r>
-                    <a:rPr lang="en-SG" sz="600" dirty="0"/>
-                    <a:t>KPI Report?</a:t>
-                  </a:r>
-                </a:p>
-              </p:txBody>
-            </p:sp>
-          </p:grpSp>
-          <p:grpSp>
-            <p:nvGrpSpPr>
-              <p:cNvPr id="407" name="Group 406"/>
-              <p:cNvGrpSpPr/>
-              <p:nvPr/>
-            </p:nvGrpSpPr>
-            <p:grpSpPr>
-              <a:xfrm>
-                <a:off x="7138451" y="5316185"/>
-                <a:ext cx="865466" cy="615045"/>
-                <a:chOff x="9187204" y="4291994"/>
-                <a:chExt cx="959868" cy="770738"/>
-              </a:xfrm>
-            </p:grpSpPr>
-            <p:sp>
-              <p:nvSpPr>
-                <p:cNvPr id="408" name="Flowchart: Decision 407"/>
-                <p:cNvSpPr/>
-                <p:nvPr/>
-              </p:nvSpPr>
-              <p:spPr>
-                <a:xfrm>
-                  <a:off x="9187204" y="4291994"/>
-                  <a:ext cx="959868" cy="770738"/>
-                </a:xfrm>
-                <a:prstGeom prst="flowChartDecision">
-                  <a:avLst/>
-                </a:prstGeom>
-              </p:spPr>
-              <p:style>
-                <a:lnRef idx="2">
-                  <a:schemeClr val="accent6"/>
-                </a:lnRef>
-                <a:fillRef idx="1">
-                  <a:schemeClr val="lt1"/>
-                </a:fillRef>
-                <a:effectRef idx="0">
-                  <a:schemeClr val="accent6"/>
-                </a:effectRef>
-                <a:fontRef idx="minor">
-                  <a:schemeClr val="dk1"/>
-                </a:fontRef>
-              </p:style>
-              <p:txBody>
-                <a:bodyPr rtlCol="0" anchor="ctr"/>
-                <a:lstStyle/>
-                <a:p>
-                  <a:pPr algn="ctr"/>
-                  <a:endParaRPr lang="en-SG" sz="500" dirty="0"/>
-                </a:p>
-              </p:txBody>
-            </p:sp>
-            <p:sp>
-              <p:nvSpPr>
-                <p:cNvPr id="409" name="Rounded Rectangle 408"/>
-                <p:cNvSpPr/>
-                <p:nvPr/>
-              </p:nvSpPr>
-              <p:spPr>
-                <a:xfrm>
-                  <a:off x="9314209" y="4444922"/>
-                  <a:ext cx="717765" cy="477224"/>
-                </a:xfrm>
-                <a:prstGeom prst="roundRect">
-                  <a:avLst/>
-                </a:prstGeom>
-                <a:noFill/>
-                <a:ln>
-                  <a:noFill/>
-                </a:ln>
-              </p:spPr>
-              <p:style>
-                <a:lnRef idx="2">
-                  <a:schemeClr val="accent6"/>
-                </a:lnRef>
-                <a:fillRef idx="1">
-                  <a:schemeClr val="lt1"/>
-                </a:fillRef>
-                <a:effectRef idx="0">
-                  <a:schemeClr val="accent6"/>
-                </a:effectRef>
-                <a:fontRef idx="minor">
-                  <a:schemeClr val="dk1"/>
-                </a:fontRef>
-              </p:style>
-              <p:txBody>
-                <a:bodyPr rot="0" spcFirstLastPara="0" vertOverflow="overflow" horzOverflow="overflow" vert="horz" wrap="square" lIns="36578" tIns="18289" rIns="36578" bIns="18289" numCol="1" spcCol="0" rtlCol="0" fromWordArt="0" anchor="ctr" anchorCtr="0" forceAA="0" compatLnSpc="1">
-                  <a:prstTxWarp prst="textNoShape">
-                    <a:avLst/>
-                  </a:prstTxWarp>
-                  <a:noAutofit/>
-                </a:bodyPr>
-                <a:lstStyle/>
-                <a:p>
-                  <a:pPr algn="ctr"/>
-                  <a:r>
-                    <a:rPr lang="en-SG" sz="600" dirty="0"/>
-                    <a:t>Ranking Report?</a:t>
-                  </a:r>
-                </a:p>
-              </p:txBody>
-            </p:sp>
-          </p:grpSp>
-          <p:grpSp>
-            <p:nvGrpSpPr>
-              <p:cNvPr id="410" name="Group 409"/>
-              <p:cNvGrpSpPr/>
-              <p:nvPr/>
-            </p:nvGrpSpPr>
-            <p:grpSpPr>
-              <a:xfrm>
-                <a:off x="8762045" y="5316186"/>
-                <a:ext cx="865466" cy="615045"/>
-                <a:chOff x="9187204" y="4291994"/>
-                <a:chExt cx="959868" cy="770738"/>
-              </a:xfrm>
-            </p:grpSpPr>
-            <p:sp>
-              <p:nvSpPr>
-                <p:cNvPr id="411" name="Flowchart: Decision 410"/>
-                <p:cNvSpPr/>
-                <p:nvPr/>
-              </p:nvSpPr>
-              <p:spPr>
-                <a:xfrm>
-                  <a:off x="9187204" y="4291994"/>
-                  <a:ext cx="959868" cy="770738"/>
-                </a:xfrm>
-                <a:prstGeom prst="flowChartDecision">
-                  <a:avLst/>
-                </a:prstGeom>
-              </p:spPr>
-              <p:style>
-                <a:lnRef idx="2">
-                  <a:schemeClr val="accent6"/>
-                </a:lnRef>
-                <a:fillRef idx="1">
-                  <a:schemeClr val="lt1"/>
-                </a:fillRef>
-                <a:effectRef idx="0">
-                  <a:schemeClr val="accent6"/>
-                </a:effectRef>
-                <a:fontRef idx="minor">
-                  <a:schemeClr val="dk1"/>
-                </a:fontRef>
-              </p:style>
-              <p:txBody>
-                <a:bodyPr rtlCol="0" anchor="ctr"/>
-                <a:lstStyle/>
-                <a:p>
-                  <a:pPr algn="ctr"/>
-                  <a:endParaRPr lang="en-SG" sz="500" dirty="0"/>
-                </a:p>
-              </p:txBody>
-            </p:sp>
-            <p:sp>
-              <p:nvSpPr>
-                <p:cNvPr id="412" name="Rounded Rectangle 411"/>
-                <p:cNvSpPr/>
-                <p:nvPr/>
-              </p:nvSpPr>
-              <p:spPr>
-                <a:xfrm>
-                  <a:off x="9314209" y="4444922"/>
-                  <a:ext cx="717765" cy="477224"/>
-                </a:xfrm>
-                <a:prstGeom prst="roundRect">
-                  <a:avLst/>
-                </a:prstGeom>
-                <a:noFill/>
-                <a:ln>
-                  <a:noFill/>
-                </a:ln>
-              </p:spPr>
-              <p:style>
-                <a:lnRef idx="2">
-                  <a:schemeClr val="accent6"/>
-                </a:lnRef>
-                <a:fillRef idx="1">
-                  <a:schemeClr val="lt1"/>
-                </a:fillRef>
-                <a:effectRef idx="0">
-                  <a:schemeClr val="accent6"/>
-                </a:effectRef>
-                <a:fontRef idx="minor">
-                  <a:schemeClr val="dk1"/>
-                </a:fontRef>
-              </p:style>
-              <p:txBody>
-                <a:bodyPr rot="0" spcFirstLastPara="0" vertOverflow="overflow" horzOverflow="overflow" vert="horz" wrap="square" lIns="36578" tIns="18289" rIns="36578" bIns="18289" numCol="1" spcCol="0" rtlCol="0" fromWordArt="0" anchor="ctr" anchorCtr="0" forceAA="0" compatLnSpc="1">
-                  <a:prstTxWarp prst="textNoShape">
-                    <a:avLst/>
-                  </a:prstTxWarp>
-                  <a:noAutofit/>
-                </a:bodyPr>
-                <a:lstStyle/>
-                <a:p>
-                  <a:pPr algn="ctr"/>
-                  <a:r>
-                    <a:rPr lang="en-SG" sz="600" dirty="0"/>
-                    <a:t>Gender &amp; Age Report?</a:t>
-                  </a:r>
-                </a:p>
-              </p:txBody>
-            </p:sp>
-          </p:grpSp>
-          <p:sp>
-            <p:nvSpPr>
-              <p:cNvPr id="416" name="Rounded Rectangle 415"/>
-              <p:cNvSpPr/>
-              <p:nvPr/>
-            </p:nvSpPr>
-            <p:spPr>
-              <a:xfrm>
-                <a:off x="8597429" y="3548500"/>
+                <a:off x="11016105" y="6110658"/>
                 <a:ext cx="259716" cy="182254"/>
               </a:xfrm>
               <a:prstGeom prst="roundRect">
@@ -8963,17 +9965,53 @@
           </p:sp>
           <p:cxnSp>
             <p:nvCxnSpPr>
-              <p:cNvPr id="419" name="Elbow Connector 418"/>
+              <p:cNvPr id="195" name="Straight Arrow Connector 194"/>
               <p:cNvCxnSpPr>
-                <a:stCxn id="189" idx="3"/>
-                <a:endCxn id="426" idx="2"/>
+                <a:stCxn id="163" idx="2"/>
+                <a:endCxn id="162" idx="0"/>
+              </p:cNvCxnSpPr>
+              <p:nvPr/>
+            </p:nvCxnSpPr>
+            <p:spPr>
+              <a:xfrm flipH="1">
+                <a:off x="10982995" y="7019439"/>
+                <a:ext cx="8184" cy="542878"/>
+              </a:xfrm>
+              <a:prstGeom prst="straightConnector1">
+                <a:avLst/>
+              </a:prstGeom>
+              <a:ln>
+                <a:tailEnd type="triangle"/>
+              </a:ln>
+            </p:spPr>
+            <p:style>
+              <a:lnRef idx="1">
+                <a:schemeClr val="accent2"/>
+              </a:lnRef>
+              <a:fillRef idx="0">
+                <a:schemeClr val="accent2"/>
+              </a:fillRef>
+              <a:effectRef idx="0">
+                <a:schemeClr val="accent2"/>
+              </a:effectRef>
+              <a:fontRef idx="minor">
+                <a:schemeClr val="tx1"/>
+              </a:fontRef>
+            </p:style>
+          </p:cxnSp>
+          <p:cxnSp>
+            <p:nvCxnSpPr>
+              <p:cNvPr id="199" name="Elbow Connector 198"/>
+              <p:cNvCxnSpPr>
+                <a:stCxn id="167" idx="3"/>
+                <a:endCxn id="169" idx="2"/>
               </p:cNvCxnSpPr>
               <p:nvPr/>
             </p:nvCxnSpPr>
             <p:spPr>
               <a:xfrm flipV="1">
-                <a:off x="9021225" y="2648191"/>
-                <a:ext cx="301871" cy="583737"/>
+                <a:off x="11422371" y="5408939"/>
+                <a:ext cx="620365" cy="457738"/>
               </a:xfrm>
               <a:prstGeom prst="bentConnector3">
                 <a:avLst>
@@ -8999,173 +10037,15 @@
               </a:fontRef>
             </p:style>
           </p:cxnSp>
-          <p:grpSp>
-            <p:nvGrpSpPr>
-              <p:cNvPr id="425" name="Group 424"/>
-              <p:cNvGrpSpPr/>
-              <p:nvPr/>
-            </p:nvGrpSpPr>
-            <p:grpSpPr>
-              <a:xfrm>
-                <a:off x="9323096" y="2560594"/>
-                <a:ext cx="1316195" cy="175194"/>
-                <a:chOff x="12808917" y="4769758"/>
-                <a:chExt cx="1316195" cy="175194"/>
-              </a:xfrm>
-            </p:grpSpPr>
-            <p:sp>
-              <p:nvSpPr>
-                <p:cNvPr id="426" name="Oval 425"/>
-                <p:cNvSpPr/>
-                <p:nvPr/>
-              </p:nvSpPr>
-              <p:spPr>
-                <a:xfrm>
-                  <a:off x="12808917" y="4769758"/>
-                  <a:ext cx="139473" cy="175194"/>
-                </a:xfrm>
-                <a:prstGeom prst="ellipse">
-                  <a:avLst/>
-                </a:prstGeom>
-              </p:spPr>
-              <p:style>
-                <a:lnRef idx="2">
-                  <a:schemeClr val="accent6"/>
-                </a:lnRef>
-                <a:fillRef idx="1">
-                  <a:schemeClr val="lt1"/>
-                </a:fillRef>
-                <a:effectRef idx="0">
-                  <a:schemeClr val="accent6"/>
-                </a:effectRef>
-                <a:fontRef idx="minor">
-                  <a:schemeClr val="dk1"/>
-                </a:fontRef>
-              </p:style>
-              <p:txBody>
-                <a:bodyPr rot="0" spcFirstLastPara="0" vertOverflow="overflow" horzOverflow="overflow" vert="horz" wrap="square" lIns="36578" tIns="18289" rIns="36578" bIns="18289" numCol="1" spcCol="0" rtlCol="0" fromWordArt="0" anchor="ctr" anchorCtr="0" forceAA="0" compatLnSpc="1">
-                  <a:prstTxWarp prst="textNoShape">
-                    <a:avLst/>
-                  </a:prstTxWarp>
-                  <a:noAutofit/>
-                </a:bodyPr>
-                <a:lstStyle/>
-                <a:p>
-                  <a:pPr algn="ctr"/>
-                  <a:endParaRPr lang="en-SG" sz="720"/>
-                </a:p>
-              </p:txBody>
-            </p:sp>
-            <p:sp>
-              <p:nvSpPr>
-                <p:cNvPr id="427" name="Rounded Rectangle 426"/>
-                <p:cNvSpPr/>
-                <p:nvPr/>
-              </p:nvSpPr>
-              <p:spPr>
-                <a:xfrm>
-                  <a:off x="12878653" y="4775818"/>
-                  <a:ext cx="1246459" cy="169134"/>
-                </a:xfrm>
-                <a:prstGeom prst="roundRect">
-                  <a:avLst/>
-                </a:prstGeom>
-                <a:noFill/>
-                <a:ln>
-                  <a:noFill/>
-                </a:ln>
-              </p:spPr>
-              <p:style>
-                <a:lnRef idx="2">
-                  <a:schemeClr val="accent6"/>
-                </a:lnRef>
-                <a:fillRef idx="1">
-                  <a:schemeClr val="lt1"/>
-                </a:fillRef>
-                <a:effectRef idx="0">
-                  <a:schemeClr val="accent6"/>
-                </a:effectRef>
-                <a:fontRef idx="minor">
-                  <a:schemeClr val="dk1"/>
-                </a:fontRef>
-              </p:style>
-              <p:txBody>
-                <a:bodyPr rot="0" spcFirstLastPara="0" vertOverflow="overflow" horzOverflow="overflow" vert="horz" wrap="square" lIns="36578" tIns="18289" rIns="36578" bIns="18289" numCol="1" spcCol="0" rtlCol="0" fromWordArt="0" anchor="ctr" anchorCtr="0" forceAA="0" compatLnSpc="1">
-                  <a:prstTxWarp prst="textNoShape">
-                    <a:avLst/>
-                  </a:prstTxWarp>
-                  <a:noAutofit/>
-                </a:bodyPr>
-                <a:lstStyle/>
-                <a:p>
-                  <a:pPr algn="ctr"/>
-                  <a:r>
-                    <a:rPr lang="en-SG" sz="720" dirty="0"/>
-                    <a:t>End  viewing patient records</a:t>
-                  </a:r>
-                </a:p>
-              </p:txBody>
-            </p:sp>
-          </p:grpSp>
           <p:sp>
             <p:nvSpPr>
-              <p:cNvPr id="434" name="Rounded Rectangle 433"/>
+              <p:cNvPr id="203" name="Rounded Rectangle 202"/>
               <p:cNvSpPr/>
               <p:nvPr/>
             </p:nvSpPr>
             <p:spPr>
               <a:xfrm>
-                <a:off x="8947943" y="3075862"/>
-                <a:ext cx="259716" cy="182254"/>
-              </a:xfrm>
-              <a:prstGeom prst="roundRect">
-                <a:avLst/>
-              </a:prstGeom>
-              <a:noFill/>
-              <a:ln>
-                <a:noFill/>
-              </a:ln>
-            </p:spPr>
-            <p:style>
-              <a:lnRef idx="2">
-                <a:schemeClr val="accent6"/>
-              </a:lnRef>
-              <a:fillRef idx="1">
-                <a:schemeClr val="lt1"/>
-              </a:fillRef>
-              <a:effectRef idx="0">
-                <a:schemeClr val="accent6"/>
-              </a:effectRef>
-              <a:fontRef idx="minor">
-                <a:schemeClr val="dk1"/>
-              </a:fontRef>
-            </p:style>
-            <p:txBody>
-              <a:bodyPr rot="0" spcFirstLastPara="0" vertOverflow="overflow" horzOverflow="overflow" vert="horz" wrap="square" lIns="36578" tIns="18289" rIns="36578" bIns="18289" numCol="1" spcCol="0" rtlCol="0" fromWordArt="0" anchor="ctr" anchorCtr="0" forceAA="0" compatLnSpc="1">
-                <a:prstTxWarp prst="textNoShape">
-                  <a:avLst/>
-                </a:prstTxWarp>
-                <a:noAutofit/>
-              </a:bodyPr>
-              <a:lstStyle/>
-              <a:p>
-                <a:pPr algn="ctr"/>
-                <a:r>
-                  <a:rPr lang="en-SG" sz="720" dirty="0"/>
-                  <a:t>No</a:t>
-                </a:r>
-              </a:p>
-            </p:txBody>
-          </p:sp>
-          <p:sp>
-            <p:nvSpPr>
-              <p:cNvPr id="414" name="Rounded Rectangle 413"/>
-              <p:cNvSpPr/>
-              <p:nvPr/>
-            </p:nvSpPr>
-            <p:spPr>
-              <a:xfrm>
-                <a:off x="6334750" y="5502998"/>
+                <a:off x="11336298" y="5743652"/>
                 <a:ext cx="295977" cy="99379"/>
               </a:xfrm>
               <a:prstGeom prst="roundRect">
@@ -9207,1311 +10087,17 @@
               </a:p>
             </p:txBody>
           </p:sp>
-          <p:sp>
-            <p:nvSpPr>
-              <p:cNvPr id="440" name="Rounded Rectangle 439"/>
-              <p:cNvSpPr/>
-              <p:nvPr/>
-            </p:nvSpPr>
-            <p:spPr>
-              <a:xfrm>
-                <a:off x="7929173" y="5500518"/>
-                <a:ext cx="295977" cy="99379"/>
-              </a:xfrm>
-              <a:prstGeom prst="roundRect">
-                <a:avLst/>
-              </a:prstGeom>
-              <a:noFill/>
-              <a:ln>
-                <a:noFill/>
-              </a:ln>
-            </p:spPr>
-            <p:style>
-              <a:lnRef idx="2">
-                <a:schemeClr val="accent6"/>
-              </a:lnRef>
-              <a:fillRef idx="1">
-                <a:schemeClr val="lt1"/>
-              </a:fillRef>
-              <a:effectRef idx="0">
-                <a:schemeClr val="accent6"/>
-              </a:effectRef>
-              <a:fontRef idx="minor">
-                <a:schemeClr val="dk1"/>
-              </a:fontRef>
-            </p:style>
-            <p:txBody>
-              <a:bodyPr rot="0" spcFirstLastPara="0" vertOverflow="overflow" horzOverflow="overflow" vert="horz" wrap="square" lIns="36578" tIns="18289" rIns="36578" bIns="18289" numCol="1" spcCol="0" rtlCol="0" fromWordArt="0" anchor="ctr" anchorCtr="0" forceAA="0" compatLnSpc="1">
-                <a:prstTxWarp prst="textNoShape">
-                  <a:avLst/>
-                </a:prstTxWarp>
-                <a:noAutofit/>
-              </a:bodyPr>
-              <a:lstStyle/>
-              <a:p>
-                <a:pPr algn="ctr"/>
-                <a:r>
-                  <a:rPr lang="en-SG" sz="720" dirty="0"/>
-                  <a:t>No</a:t>
-                </a:r>
-              </a:p>
-            </p:txBody>
-          </p:sp>
-          <p:sp>
-            <p:nvSpPr>
-              <p:cNvPr id="451" name="Rounded Rectangle 450"/>
-              <p:cNvSpPr/>
-              <p:nvPr/>
-            </p:nvSpPr>
-            <p:spPr>
-              <a:xfrm>
-                <a:off x="11006162" y="4824855"/>
-                <a:ext cx="1246459" cy="169134"/>
-              </a:xfrm>
-              <a:prstGeom prst="roundRect">
-                <a:avLst/>
-              </a:prstGeom>
-              <a:noFill/>
-              <a:ln>
-                <a:noFill/>
-              </a:ln>
-            </p:spPr>
-            <p:style>
-              <a:lnRef idx="2">
-                <a:schemeClr val="accent6"/>
-              </a:lnRef>
-              <a:fillRef idx="1">
-                <a:schemeClr val="lt1"/>
-              </a:fillRef>
-              <a:effectRef idx="0">
-                <a:schemeClr val="accent6"/>
-              </a:effectRef>
-              <a:fontRef idx="minor">
-                <a:schemeClr val="dk1"/>
-              </a:fontRef>
-            </p:style>
-            <p:txBody>
-              <a:bodyPr rot="0" spcFirstLastPara="0" vertOverflow="overflow" horzOverflow="overflow" vert="horz" wrap="square" lIns="36578" tIns="18289" rIns="36578" bIns="18289" numCol="1" spcCol="0" rtlCol="0" fromWordArt="0" anchor="ctr" anchorCtr="0" forceAA="0" compatLnSpc="1">
-                <a:prstTxWarp prst="textNoShape">
-                  <a:avLst/>
-                </a:prstTxWarp>
-                <a:noAutofit/>
-              </a:bodyPr>
-              <a:lstStyle/>
-              <a:p>
-                <a:pPr algn="ctr"/>
-                <a:r>
-                  <a:rPr lang="en-SG" sz="720" dirty="0"/>
-                  <a:t>End  of Analysis</a:t>
-                </a:r>
-              </a:p>
-            </p:txBody>
-          </p:sp>
-          <p:cxnSp>
-            <p:nvCxnSpPr>
-              <p:cNvPr id="453" name="Straight Arrow Connector 452"/>
-              <p:cNvCxnSpPr>
-                <a:stCxn id="405" idx="2"/>
-                <a:endCxn id="479" idx="0"/>
-              </p:cNvCxnSpPr>
-              <p:nvPr/>
-            </p:nvCxnSpPr>
-            <p:spPr>
-              <a:xfrm flipH="1">
-                <a:off x="5985759" y="5967437"/>
-                <a:ext cx="9736" cy="377847"/>
-              </a:xfrm>
-              <a:prstGeom prst="straightConnector1">
-                <a:avLst/>
-              </a:prstGeom>
-              <a:ln>
-                <a:tailEnd type="triangle"/>
-              </a:ln>
-            </p:spPr>
-            <p:style>
-              <a:lnRef idx="1">
-                <a:schemeClr val="accent2"/>
-              </a:lnRef>
-              <a:fillRef idx="0">
-                <a:schemeClr val="accent2"/>
-              </a:fillRef>
-              <a:effectRef idx="0">
-                <a:schemeClr val="accent2"/>
-              </a:effectRef>
-              <a:fontRef idx="minor">
-                <a:schemeClr val="tx1"/>
-              </a:fontRef>
-            </p:style>
-          </p:cxnSp>
-          <p:cxnSp>
-            <p:nvCxnSpPr>
-              <p:cNvPr id="455" name="Straight Arrow Connector 454"/>
-              <p:cNvCxnSpPr>
-                <a:stCxn id="408" idx="2"/>
-                <a:endCxn id="488" idx="0"/>
-              </p:cNvCxnSpPr>
-              <p:nvPr/>
-            </p:nvCxnSpPr>
-            <p:spPr>
-              <a:xfrm>
-                <a:off x="7571184" y="5931230"/>
-                <a:ext cx="4141" cy="363342"/>
-              </a:xfrm>
-              <a:prstGeom prst="straightConnector1">
-                <a:avLst/>
-              </a:prstGeom>
-              <a:ln>
-                <a:tailEnd type="triangle"/>
-              </a:ln>
-            </p:spPr>
-            <p:style>
-              <a:lnRef idx="1">
-                <a:schemeClr val="accent2"/>
-              </a:lnRef>
-              <a:fillRef idx="0">
-                <a:schemeClr val="accent2"/>
-              </a:fillRef>
-              <a:effectRef idx="0">
-                <a:schemeClr val="accent2"/>
-              </a:effectRef>
-              <a:fontRef idx="minor">
-                <a:schemeClr val="tx1"/>
-              </a:fontRef>
-            </p:style>
-          </p:cxnSp>
-          <p:cxnSp>
-            <p:nvCxnSpPr>
-              <p:cNvPr id="456" name="Straight Arrow Connector 455"/>
-              <p:cNvCxnSpPr>
-                <a:stCxn id="411" idx="2"/>
-                <a:endCxn id="512" idx="0"/>
-              </p:cNvCxnSpPr>
-              <p:nvPr/>
-            </p:nvCxnSpPr>
-            <p:spPr>
-              <a:xfrm>
-                <a:off x="9194778" y="5931231"/>
-                <a:ext cx="277" cy="1369796"/>
-              </a:xfrm>
-              <a:prstGeom prst="straightConnector1">
-                <a:avLst/>
-              </a:prstGeom>
-              <a:ln>
-                <a:tailEnd type="triangle"/>
-              </a:ln>
-            </p:spPr>
-            <p:style>
-              <a:lnRef idx="1">
-                <a:schemeClr val="accent2"/>
-              </a:lnRef>
-              <a:fillRef idx="0">
-                <a:schemeClr val="accent2"/>
-              </a:fillRef>
-              <a:effectRef idx="0">
-                <a:schemeClr val="accent2"/>
-              </a:effectRef>
-              <a:fontRef idx="minor">
-                <a:schemeClr val="tx1"/>
-              </a:fontRef>
-            </p:style>
-          </p:cxnSp>
-          <p:sp>
-            <p:nvSpPr>
-              <p:cNvPr id="459" name="Rounded Rectangle 458"/>
-              <p:cNvSpPr/>
-              <p:nvPr/>
-            </p:nvSpPr>
-            <p:spPr>
-              <a:xfrm>
-                <a:off x="5928676" y="5934984"/>
-                <a:ext cx="259716" cy="182254"/>
-              </a:xfrm>
-              <a:prstGeom prst="roundRect">
-                <a:avLst/>
-              </a:prstGeom>
-              <a:noFill/>
-              <a:ln>
-                <a:noFill/>
-              </a:ln>
-            </p:spPr>
-            <p:style>
-              <a:lnRef idx="2">
-                <a:schemeClr val="accent6"/>
-              </a:lnRef>
-              <a:fillRef idx="1">
-                <a:schemeClr val="lt1"/>
-              </a:fillRef>
-              <a:effectRef idx="0">
-                <a:schemeClr val="accent6"/>
-              </a:effectRef>
-              <a:fontRef idx="minor">
-                <a:schemeClr val="dk1"/>
-              </a:fontRef>
-            </p:style>
-            <p:txBody>
-              <a:bodyPr rot="0" spcFirstLastPara="0" vertOverflow="overflow" horzOverflow="overflow" vert="horz" wrap="square" lIns="36578" tIns="18289" rIns="36578" bIns="18289" numCol="1" spcCol="0" rtlCol="0" fromWordArt="0" anchor="ctr" anchorCtr="0" forceAA="0" compatLnSpc="1">
-                <a:prstTxWarp prst="textNoShape">
-                  <a:avLst/>
-                </a:prstTxWarp>
-                <a:noAutofit/>
-              </a:bodyPr>
-              <a:lstStyle/>
-              <a:p>
-                <a:pPr algn="ctr"/>
-                <a:r>
-                  <a:rPr lang="en-SG" sz="720" dirty="0"/>
-                  <a:t>Yes</a:t>
-                </a:r>
-              </a:p>
-            </p:txBody>
-          </p:sp>
-          <p:sp>
-            <p:nvSpPr>
-              <p:cNvPr id="460" name="Rounded Rectangle 459"/>
-              <p:cNvSpPr/>
-              <p:nvPr/>
-            </p:nvSpPr>
-            <p:spPr>
-              <a:xfrm>
-                <a:off x="7617618" y="5891915"/>
-                <a:ext cx="259716" cy="182254"/>
-              </a:xfrm>
-              <a:prstGeom prst="roundRect">
-                <a:avLst/>
-              </a:prstGeom>
-              <a:noFill/>
-              <a:ln>
-                <a:noFill/>
-              </a:ln>
-            </p:spPr>
-            <p:style>
-              <a:lnRef idx="2">
-                <a:schemeClr val="accent6"/>
-              </a:lnRef>
-              <a:fillRef idx="1">
-                <a:schemeClr val="lt1"/>
-              </a:fillRef>
-              <a:effectRef idx="0">
-                <a:schemeClr val="accent6"/>
-              </a:effectRef>
-              <a:fontRef idx="minor">
-                <a:schemeClr val="dk1"/>
-              </a:fontRef>
-            </p:style>
-            <p:txBody>
-              <a:bodyPr rot="0" spcFirstLastPara="0" vertOverflow="overflow" horzOverflow="overflow" vert="horz" wrap="square" lIns="36578" tIns="18289" rIns="36578" bIns="18289" numCol="1" spcCol="0" rtlCol="0" fromWordArt="0" anchor="ctr" anchorCtr="0" forceAA="0" compatLnSpc="1">
-                <a:prstTxWarp prst="textNoShape">
-                  <a:avLst/>
-                </a:prstTxWarp>
-                <a:noAutofit/>
-              </a:bodyPr>
-              <a:lstStyle/>
-              <a:p>
-                <a:pPr algn="ctr"/>
-                <a:r>
-                  <a:rPr lang="en-SG" sz="720" dirty="0"/>
-                  <a:t>Yes</a:t>
-                </a:r>
-              </a:p>
-            </p:txBody>
-          </p:sp>
-          <p:sp>
-            <p:nvSpPr>
-              <p:cNvPr id="461" name="Rounded Rectangle 460"/>
-              <p:cNvSpPr/>
-              <p:nvPr/>
-            </p:nvSpPr>
-            <p:spPr>
-              <a:xfrm>
-                <a:off x="9230034" y="5928839"/>
-                <a:ext cx="259716" cy="182254"/>
-              </a:xfrm>
-              <a:prstGeom prst="roundRect">
-                <a:avLst/>
-              </a:prstGeom>
-              <a:noFill/>
-              <a:ln>
-                <a:noFill/>
-              </a:ln>
-            </p:spPr>
-            <p:style>
-              <a:lnRef idx="2">
-                <a:schemeClr val="accent6"/>
-              </a:lnRef>
-              <a:fillRef idx="1">
-                <a:schemeClr val="lt1"/>
-              </a:fillRef>
-              <a:effectRef idx="0">
-                <a:schemeClr val="accent6"/>
-              </a:effectRef>
-              <a:fontRef idx="minor">
-                <a:schemeClr val="dk1"/>
-              </a:fontRef>
-            </p:style>
-            <p:txBody>
-              <a:bodyPr rot="0" spcFirstLastPara="0" vertOverflow="overflow" horzOverflow="overflow" vert="horz" wrap="square" lIns="36578" tIns="18289" rIns="36578" bIns="18289" numCol="1" spcCol="0" rtlCol="0" fromWordArt="0" anchor="ctr" anchorCtr="0" forceAA="0" compatLnSpc="1">
-                <a:prstTxWarp prst="textNoShape">
-                  <a:avLst/>
-                </a:prstTxWarp>
-                <a:noAutofit/>
-              </a:bodyPr>
-              <a:lstStyle/>
-              <a:p>
-                <a:pPr algn="ctr"/>
-                <a:r>
-                  <a:rPr lang="en-SG" sz="720" dirty="0"/>
-                  <a:t>Yes</a:t>
-                </a:r>
-              </a:p>
-            </p:txBody>
-          </p:sp>
-          <p:cxnSp>
-            <p:nvCxnSpPr>
-              <p:cNvPr id="462" name="Elbow Connector 461"/>
-              <p:cNvCxnSpPr>
-                <a:stCxn id="405" idx="3"/>
-                <a:endCxn id="408" idx="0"/>
-              </p:cNvCxnSpPr>
-              <p:nvPr/>
-            </p:nvCxnSpPr>
-            <p:spPr>
-              <a:xfrm flipV="1">
-                <a:off x="6428228" y="5316185"/>
-                <a:ext cx="1142956" cy="343730"/>
-              </a:xfrm>
-              <a:prstGeom prst="bentConnector4">
-                <a:avLst>
-                  <a:gd name="adj1" fmla="val 14032"/>
-                  <a:gd name="adj2" fmla="val 132022"/>
-                </a:avLst>
-              </a:prstGeom>
-              <a:ln>
-                <a:tailEnd type="triangle"/>
-              </a:ln>
-            </p:spPr>
-            <p:style>
-              <a:lnRef idx="1">
-                <a:schemeClr val="accent2"/>
-              </a:lnRef>
-              <a:fillRef idx="0">
-                <a:schemeClr val="accent2"/>
-              </a:fillRef>
-              <a:effectRef idx="0">
-                <a:schemeClr val="accent2"/>
-              </a:effectRef>
-              <a:fontRef idx="minor">
-                <a:schemeClr val="tx1"/>
-              </a:fontRef>
-            </p:style>
-          </p:cxnSp>
-          <p:cxnSp>
-            <p:nvCxnSpPr>
-              <p:cNvPr id="466" name="Elbow Connector 465"/>
-              <p:cNvCxnSpPr>
-                <a:stCxn id="408" idx="3"/>
-                <a:endCxn id="411" idx="0"/>
-              </p:cNvCxnSpPr>
-              <p:nvPr/>
-            </p:nvCxnSpPr>
-            <p:spPr>
-              <a:xfrm flipV="1">
-                <a:off x="8003917" y="5316186"/>
-                <a:ext cx="1190861" cy="307522"/>
-              </a:xfrm>
-              <a:prstGeom prst="bentConnector4">
-                <a:avLst>
-                  <a:gd name="adj1" fmla="val 14471"/>
-                  <a:gd name="adj2" fmla="val 174336"/>
-                </a:avLst>
-              </a:prstGeom>
-              <a:ln>
-                <a:tailEnd type="triangle"/>
-              </a:ln>
-            </p:spPr>
-            <p:style>
-              <a:lnRef idx="1">
-                <a:schemeClr val="accent2"/>
-              </a:lnRef>
-              <a:fillRef idx="0">
-                <a:schemeClr val="accent2"/>
-              </a:fillRef>
-              <a:effectRef idx="0">
-                <a:schemeClr val="accent2"/>
-              </a:effectRef>
-              <a:fontRef idx="minor">
-                <a:schemeClr val="tx1"/>
-              </a:fontRef>
-            </p:style>
-          </p:cxnSp>
-          <p:cxnSp>
-            <p:nvCxnSpPr>
-              <p:cNvPr id="474" name="Elbow Connector 473"/>
-              <p:cNvCxnSpPr>
-                <a:stCxn id="411" idx="3"/>
-                <a:endCxn id="167" idx="0"/>
-              </p:cNvCxnSpPr>
-              <p:nvPr/>
-            </p:nvCxnSpPr>
-            <p:spPr>
-              <a:xfrm flipV="1">
-                <a:off x="9627511" y="5290852"/>
-                <a:ext cx="1231116" cy="332857"/>
-              </a:xfrm>
-              <a:prstGeom prst="bentConnector4">
-                <a:avLst>
-                  <a:gd name="adj1" fmla="val 22109"/>
-                  <a:gd name="adj2" fmla="val 168678"/>
-                </a:avLst>
-              </a:prstGeom>
-              <a:ln>
-                <a:tailEnd type="triangle"/>
-              </a:ln>
-            </p:spPr>
-            <p:style>
-              <a:lnRef idx="1">
-                <a:schemeClr val="accent2"/>
-              </a:lnRef>
-              <a:fillRef idx="0">
-                <a:schemeClr val="accent2"/>
-              </a:fillRef>
-              <a:effectRef idx="0">
-                <a:schemeClr val="accent2"/>
-              </a:effectRef>
-              <a:fontRef idx="minor">
-                <a:schemeClr val="tx1"/>
-              </a:fontRef>
-            </p:style>
-          </p:cxnSp>
-          <p:sp>
-            <p:nvSpPr>
-              <p:cNvPr id="479" name="Rounded Rectangle 478"/>
-              <p:cNvSpPr/>
-              <p:nvPr/>
-            </p:nvSpPr>
-            <p:spPr>
-              <a:xfrm>
-                <a:off x="5557167" y="6345284"/>
-                <a:ext cx="857184" cy="456565"/>
-              </a:xfrm>
-              <a:prstGeom prst="roundRect">
-                <a:avLst/>
-              </a:prstGeom>
-            </p:spPr>
-            <p:style>
-              <a:lnRef idx="2">
-                <a:schemeClr val="accent6"/>
-              </a:lnRef>
-              <a:fillRef idx="1">
-                <a:schemeClr val="lt1"/>
-              </a:fillRef>
-              <a:effectRef idx="0">
-                <a:schemeClr val="accent6"/>
-              </a:effectRef>
-              <a:fontRef idx="minor">
-                <a:schemeClr val="dk1"/>
-              </a:fontRef>
-            </p:style>
-            <p:txBody>
-              <a:bodyPr rot="0" spcFirstLastPara="0" vertOverflow="overflow" horzOverflow="overflow" vert="horz" wrap="square" lIns="36578" tIns="18289" rIns="36578" bIns="18289" numCol="1" spcCol="0" rtlCol="0" fromWordArt="0" anchor="ctr" anchorCtr="0" forceAA="0" compatLnSpc="1">
-                <a:prstTxWarp prst="textNoShape">
-                  <a:avLst/>
-                </a:prstTxWarp>
-                <a:noAutofit/>
-              </a:bodyPr>
-              <a:lstStyle/>
-              <a:p>
-                <a:pPr algn="ctr"/>
-                <a:r>
-                  <a:rPr lang="en-SG" sz="720" dirty="0"/>
-                  <a:t>Apply KPI Filters</a:t>
-                </a:r>
-              </a:p>
-            </p:txBody>
-          </p:sp>
-          <p:cxnSp>
-            <p:nvCxnSpPr>
-              <p:cNvPr id="480" name="Straight Arrow Connector 479"/>
-              <p:cNvCxnSpPr>
-                <a:stCxn id="479" idx="2"/>
-              </p:cNvCxnSpPr>
-              <p:nvPr/>
-            </p:nvCxnSpPr>
-            <p:spPr>
-              <a:xfrm>
-                <a:off x="5985759" y="6801849"/>
-                <a:ext cx="0" cy="558409"/>
-              </a:xfrm>
-              <a:prstGeom prst="straightConnector1">
-                <a:avLst/>
-              </a:prstGeom>
-              <a:ln>
-                <a:tailEnd type="triangle"/>
-              </a:ln>
-            </p:spPr>
-            <p:style>
-              <a:lnRef idx="1">
-                <a:schemeClr val="accent2"/>
-              </a:lnRef>
-              <a:fillRef idx="0">
-                <a:schemeClr val="accent2"/>
-              </a:fillRef>
-              <a:effectRef idx="0">
-                <a:schemeClr val="accent2"/>
-              </a:effectRef>
-              <a:fontRef idx="minor">
-                <a:schemeClr val="tx1"/>
-              </a:fontRef>
-            </p:style>
-          </p:cxnSp>
-          <p:sp>
-            <p:nvSpPr>
-              <p:cNvPr id="483" name="Rounded Rectangle 482"/>
-              <p:cNvSpPr/>
-              <p:nvPr/>
-            </p:nvSpPr>
-            <p:spPr>
-              <a:xfrm>
-                <a:off x="5527602" y="7312347"/>
-                <a:ext cx="857184" cy="456565"/>
-              </a:xfrm>
-              <a:prstGeom prst="roundRect">
-                <a:avLst/>
-              </a:prstGeom>
-            </p:spPr>
-            <p:style>
-              <a:lnRef idx="2">
-                <a:schemeClr val="accent2">
-                  <a:shade val="50000"/>
-                </a:schemeClr>
-              </a:lnRef>
-              <a:fillRef idx="1">
-                <a:schemeClr val="accent2"/>
-              </a:fillRef>
-              <a:effectRef idx="0">
-                <a:schemeClr val="accent2"/>
-              </a:effectRef>
-              <a:fontRef idx="minor">
-                <a:schemeClr val="lt1"/>
-              </a:fontRef>
-            </p:style>
-            <p:txBody>
-              <a:bodyPr rot="0" spcFirstLastPara="0" vertOverflow="overflow" horzOverflow="overflow" vert="horz" wrap="square" lIns="36578" tIns="18289" rIns="36578" bIns="18289" numCol="1" spcCol="0" rtlCol="0" fromWordArt="0" anchor="ctr" anchorCtr="0" forceAA="0" compatLnSpc="1">
-                <a:prstTxWarp prst="textNoShape">
-                  <a:avLst/>
-                </a:prstTxWarp>
-                <a:noAutofit/>
-              </a:bodyPr>
-              <a:lstStyle/>
-              <a:p>
-                <a:pPr algn="ctr"/>
-                <a:r>
-                  <a:rPr lang="en-SG" sz="720" dirty="0">
-                    <a:solidFill>
-                      <a:schemeClr val="lt1"/>
-                    </a:solidFill>
-                  </a:rPr>
-                  <a:t>Generate KPI Report</a:t>
-                </a:r>
-              </a:p>
-            </p:txBody>
-          </p:sp>
-          <p:cxnSp>
-            <p:nvCxnSpPr>
-              <p:cNvPr id="484" name="Elbow Connector 483"/>
-              <p:cNvCxnSpPr>
-                <a:stCxn id="483" idx="3"/>
-                <a:endCxn id="408" idx="1"/>
-              </p:cNvCxnSpPr>
-              <p:nvPr/>
-            </p:nvCxnSpPr>
-            <p:spPr>
-              <a:xfrm flipV="1">
-                <a:off x="6384786" y="5623708"/>
-                <a:ext cx="753665" cy="1916922"/>
-              </a:xfrm>
-              <a:prstGeom prst="bentConnector3">
-                <a:avLst>
-                  <a:gd name="adj1" fmla="val 69098"/>
-                </a:avLst>
-              </a:prstGeom>
-              <a:ln>
-                <a:tailEnd type="triangle"/>
-              </a:ln>
-            </p:spPr>
-            <p:style>
-              <a:lnRef idx="1">
-                <a:schemeClr val="accent2"/>
-              </a:lnRef>
-              <a:fillRef idx="0">
-                <a:schemeClr val="accent2"/>
-              </a:fillRef>
-              <a:effectRef idx="0">
-                <a:schemeClr val="accent2"/>
-              </a:effectRef>
-              <a:fontRef idx="minor">
-                <a:schemeClr val="tx1"/>
-              </a:fontRef>
-            </p:style>
-          </p:cxnSp>
-          <p:sp>
-            <p:nvSpPr>
-              <p:cNvPr id="487" name="Rounded Rectangle 486"/>
-              <p:cNvSpPr/>
-              <p:nvPr/>
-            </p:nvSpPr>
-            <p:spPr>
-              <a:xfrm>
-                <a:off x="7138451" y="7312347"/>
-                <a:ext cx="857184" cy="456565"/>
-              </a:xfrm>
-              <a:prstGeom prst="roundRect">
-                <a:avLst/>
-              </a:prstGeom>
-            </p:spPr>
-            <p:style>
-              <a:lnRef idx="2">
-                <a:schemeClr val="accent2">
-                  <a:shade val="50000"/>
-                </a:schemeClr>
-              </a:lnRef>
-              <a:fillRef idx="1">
-                <a:schemeClr val="accent2"/>
-              </a:fillRef>
-              <a:effectRef idx="0">
-                <a:schemeClr val="accent2"/>
-              </a:effectRef>
-              <a:fontRef idx="minor">
-                <a:schemeClr val="lt1"/>
-              </a:fontRef>
-            </p:style>
-            <p:txBody>
-              <a:bodyPr rot="0" spcFirstLastPara="0" vertOverflow="overflow" horzOverflow="overflow" vert="horz" wrap="square" lIns="36578" tIns="18289" rIns="36578" bIns="18289" numCol="1" spcCol="0" rtlCol="0" fromWordArt="0" anchor="ctr" anchorCtr="0" forceAA="0" compatLnSpc="1">
-                <a:prstTxWarp prst="textNoShape">
-                  <a:avLst/>
-                </a:prstTxWarp>
-                <a:noAutofit/>
-              </a:bodyPr>
-              <a:lstStyle/>
-              <a:p>
-                <a:pPr algn="ctr"/>
-                <a:r>
-                  <a:rPr lang="en-SG" sz="720" dirty="0">
-                    <a:solidFill>
-                      <a:schemeClr val="lt1"/>
-                    </a:solidFill>
-                  </a:rPr>
-                  <a:t>Generate  Ranking Report</a:t>
-                </a:r>
-              </a:p>
-            </p:txBody>
-          </p:sp>
-          <p:sp>
-            <p:nvSpPr>
-              <p:cNvPr id="488" name="Rounded Rectangle 487"/>
-              <p:cNvSpPr/>
-              <p:nvPr/>
-            </p:nvSpPr>
-            <p:spPr>
-              <a:xfrm>
-                <a:off x="7146733" y="6294572"/>
-                <a:ext cx="857184" cy="456565"/>
-              </a:xfrm>
-              <a:prstGeom prst="roundRect">
-                <a:avLst/>
-              </a:prstGeom>
-            </p:spPr>
-            <p:style>
-              <a:lnRef idx="2">
-                <a:schemeClr val="accent6"/>
-              </a:lnRef>
-              <a:fillRef idx="1">
-                <a:schemeClr val="lt1"/>
-              </a:fillRef>
-              <a:effectRef idx="0">
-                <a:schemeClr val="accent6"/>
-              </a:effectRef>
-              <a:fontRef idx="minor">
-                <a:schemeClr val="dk1"/>
-              </a:fontRef>
-            </p:style>
-            <p:txBody>
-              <a:bodyPr rot="0" spcFirstLastPara="0" vertOverflow="overflow" horzOverflow="overflow" vert="horz" wrap="square" lIns="36578" tIns="18289" rIns="36578" bIns="18289" numCol="1" spcCol="0" rtlCol="0" fromWordArt="0" anchor="ctr" anchorCtr="0" forceAA="0" compatLnSpc="1">
-                <a:prstTxWarp prst="textNoShape">
-                  <a:avLst/>
-                </a:prstTxWarp>
-                <a:noAutofit/>
-              </a:bodyPr>
-              <a:lstStyle/>
-              <a:p>
-                <a:pPr algn="ctr"/>
-                <a:r>
-                  <a:rPr lang="en-SG" sz="720" dirty="0"/>
-                  <a:t>Apply Ranking Filters</a:t>
-                </a:r>
-              </a:p>
-            </p:txBody>
-          </p:sp>
-          <p:cxnSp>
-            <p:nvCxnSpPr>
-              <p:cNvPr id="491" name="Straight Arrow Connector 490"/>
-              <p:cNvCxnSpPr>
-                <a:stCxn id="488" idx="2"/>
-                <a:endCxn id="487" idx="0"/>
-              </p:cNvCxnSpPr>
-              <p:nvPr/>
-            </p:nvCxnSpPr>
-            <p:spPr>
-              <a:xfrm flipH="1">
-                <a:off x="7567043" y="6751137"/>
-                <a:ext cx="8282" cy="561210"/>
-              </a:xfrm>
-              <a:prstGeom prst="straightConnector1">
-                <a:avLst/>
-              </a:prstGeom>
-              <a:ln>
-                <a:tailEnd type="triangle"/>
-              </a:ln>
-            </p:spPr>
-            <p:style>
-              <a:lnRef idx="1">
-                <a:schemeClr val="accent2"/>
-              </a:lnRef>
-              <a:fillRef idx="0">
-                <a:schemeClr val="accent2"/>
-              </a:fillRef>
-              <a:effectRef idx="0">
-                <a:schemeClr val="accent2"/>
-              </a:effectRef>
-              <a:fontRef idx="minor">
-                <a:schemeClr val="tx1"/>
-              </a:fontRef>
-            </p:style>
-          </p:cxnSp>
-          <p:cxnSp>
-            <p:nvCxnSpPr>
-              <p:cNvPr id="503" name="Elbow Connector 502"/>
-              <p:cNvCxnSpPr>
-                <a:stCxn id="487" idx="3"/>
-                <a:endCxn id="411" idx="1"/>
-              </p:cNvCxnSpPr>
-              <p:nvPr/>
-            </p:nvCxnSpPr>
-            <p:spPr>
-              <a:xfrm flipV="1">
-                <a:off x="7995635" y="5623709"/>
-                <a:ext cx="766410" cy="1916921"/>
-              </a:xfrm>
-              <a:prstGeom prst="bentConnector3">
-                <a:avLst>
-                  <a:gd name="adj1" fmla="val 50000"/>
-                </a:avLst>
-              </a:prstGeom>
-              <a:ln>
-                <a:tailEnd type="triangle"/>
-              </a:ln>
-            </p:spPr>
-            <p:style>
-              <a:lnRef idx="1">
-                <a:schemeClr val="accent2"/>
-              </a:lnRef>
-              <a:fillRef idx="0">
-                <a:schemeClr val="accent2"/>
-              </a:fillRef>
-              <a:effectRef idx="0">
-                <a:schemeClr val="accent2"/>
-              </a:effectRef>
-              <a:fontRef idx="minor">
-                <a:schemeClr val="tx1"/>
-              </a:fontRef>
-            </p:style>
-          </p:cxnSp>
-          <p:sp>
-            <p:nvSpPr>
-              <p:cNvPr id="512" name="Rounded Rectangle 511"/>
-              <p:cNvSpPr/>
-              <p:nvPr/>
-            </p:nvSpPr>
-            <p:spPr>
-              <a:xfrm>
-                <a:off x="8766463" y="7301027"/>
-                <a:ext cx="857184" cy="456565"/>
-              </a:xfrm>
-              <a:prstGeom prst="roundRect">
-                <a:avLst/>
-              </a:prstGeom>
-            </p:spPr>
-            <p:style>
-              <a:lnRef idx="2">
-                <a:schemeClr val="accent2">
-                  <a:shade val="50000"/>
-                </a:schemeClr>
-              </a:lnRef>
-              <a:fillRef idx="1">
-                <a:schemeClr val="accent2"/>
-              </a:fillRef>
-              <a:effectRef idx="0">
-                <a:schemeClr val="accent2"/>
-              </a:effectRef>
-              <a:fontRef idx="minor">
-                <a:schemeClr val="lt1"/>
-              </a:fontRef>
-            </p:style>
-            <p:txBody>
-              <a:bodyPr rot="0" spcFirstLastPara="0" vertOverflow="overflow" horzOverflow="overflow" vert="horz" wrap="square" lIns="36578" tIns="18289" rIns="36578" bIns="18289" numCol="1" spcCol="0" rtlCol="0" fromWordArt="0" anchor="ctr" anchorCtr="0" forceAA="0" compatLnSpc="1">
-                <a:prstTxWarp prst="textNoShape">
-                  <a:avLst/>
-                </a:prstTxWarp>
-                <a:noAutofit/>
-              </a:bodyPr>
-              <a:lstStyle/>
-              <a:p>
-                <a:pPr algn="ctr"/>
-                <a:r>
-                  <a:rPr lang="en-SG" sz="720" dirty="0">
-                    <a:solidFill>
-                      <a:schemeClr val="lt1"/>
-                    </a:solidFill>
-                  </a:rPr>
-                  <a:t>Generate  Gender Age  Report</a:t>
-                </a:r>
-              </a:p>
-            </p:txBody>
-          </p:sp>
-          <p:sp>
-            <p:nvSpPr>
-              <p:cNvPr id="523" name="Rounded Rectangle 522"/>
-              <p:cNvSpPr/>
-              <p:nvPr/>
-            </p:nvSpPr>
-            <p:spPr>
-              <a:xfrm>
-                <a:off x="2232457" y="2292593"/>
-                <a:ext cx="1246459" cy="169134"/>
-              </a:xfrm>
-              <a:prstGeom prst="roundRect">
-                <a:avLst/>
-              </a:prstGeom>
-              <a:noFill/>
-              <a:ln>
-                <a:noFill/>
-              </a:ln>
-            </p:spPr>
-            <p:style>
-              <a:lnRef idx="2">
-                <a:schemeClr val="accent6"/>
-              </a:lnRef>
-              <a:fillRef idx="1">
-                <a:schemeClr val="lt1"/>
-              </a:fillRef>
-              <a:effectRef idx="0">
-                <a:schemeClr val="accent6"/>
-              </a:effectRef>
-              <a:fontRef idx="minor">
-                <a:schemeClr val="dk1"/>
-              </a:fontRef>
-            </p:style>
-            <p:txBody>
-              <a:bodyPr rot="0" spcFirstLastPara="0" vertOverflow="overflow" horzOverflow="overflow" vert="horz" wrap="square" lIns="36578" tIns="18289" rIns="36578" bIns="18289" numCol="1" spcCol="0" rtlCol="0" fromWordArt="0" anchor="ctr" anchorCtr="0" forceAA="0" compatLnSpc="1">
-                <a:prstTxWarp prst="textNoShape">
-                  <a:avLst/>
-                </a:prstTxWarp>
-                <a:noAutofit/>
-              </a:bodyPr>
-              <a:lstStyle/>
-              <a:p>
-                <a:pPr algn="ctr"/>
-                <a:r>
-                  <a:rPr lang="en-SG" sz="720" dirty="0"/>
-                  <a:t>Start</a:t>
-                </a:r>
-              </a:p>
-            </p:txBody>
-          </p:sp>
-          <p:grpSp>
-            <p:nvGrpSpPr>
-              <p:cNvPr id="525" name="Group 524"/>
-              <p:cNvGrpSpPr/>
-              <p:nvPr/>
-            </p:nvGrpSpPr>
-            <p:grpSpPr>
-              <a:xfrm>
-                <a:off x="2400517" y="3044136"/>
-                <a:ext cx="865466" cy="615045"/>
-                <a:chOff x="9187204" y="4291994"/>
-                <a:chExt cx="959868" cy="770738"/>
-              </a:xfrm>
-            </p:grpSpPr>
-            <p:sp>
-              <p:nvSpPr>
-                <p:cNvPr id="526" name="Flowchart: Decision 525"/>
-                <p:cNvSpPr/>
-                <p:nvPr/>
-              </p:nvSpPr>
-              <p:spPr>
-                <a:xfrm>
-                  <a:off x="9187204" y="4291994"/>
-                  <a:ext cx="959868" cy="770738"/>
-                </a:xfrm>
-                <a:prstGeom prst="flowChartDecision">
-                  <a:avLst/>
-                </a:prstGeom>
-              </p:spPr>
-              <p:style>
-                <a:lnRef idx="2">
-                  <a:schemeClr val="accent6"/>
-                </a:lnRef>
-                <a:fillRef idx="1">
-                  <a:schemeClr val="lt1"/>
-                </a:fillRef>
-                <a:effectRef idx="0">
-                  <a:schemeClr val="accent6"/>
-                </a:effectRef>
-                <a:fontRef idx="minor">
-                  <a:schemeClr val="dk1"/>
-                </a:fontRef>
-              </p:style>
-              <p:txBody>
-                <a:bodyPr rtlCol="0" anchor="ctr"/>
-                <a:lstStyle/>
-                <a:p>
-                  <a:pPr algn="ctr"/>
-                  <a:endParaRPr lang="en-SG" sz="500" dirty="0"/>
-                </a:p>
-              </p:txBody>
-            </p:sp>
-            <p:sp>
-              <p:nvSpPr>
-                <p:cNvPr id="527" name="Rounded Rectangle 526"/>
-                <p:cNvSpPr/>
-                <p:nvPr/>
-              </p:nvSpPr>
-              <p:spPr>
-                <a:xfrm>
-                  <a:off x="9429307" y="4425768"/>
-                  <a:ext cx="470197" cy="511518"/>
-                </a:xfrm>
-                <a:prstGeom prst="roundRect">
-                  <a:avLst/>
-                </a:prstGeom>
-                <a:noFill/>
-                <a:ln>
-                  <a:noFill/>
-                </a:ln>
-              </p:spPr>
-              <p:style>
-                <a:lnRef idx="2">
-                  <a:schemeClr val="accent6"/>
-                </a:lnRef>
-                <a:fillRef idx="1">
-                  <a:schemeClr val="lt1"/>
-                </a:fillRef>
-                <a:effectRef idx="0">
-                  <a:schemeClr val="accent6"/>
-                </a:effectRef>
-                <a:fontRef idx="minor">
-                  <a:schemeClr val="dk1"/>
-                </a:fontRef>
-              </p:style>
-              <p:txBody>
-                <a:bodyPr rot="0" spcFirstLastPara="0" vertOverflow="overflow" horzOverflow="overflow" vert="horz" wrap="square" lIns="36578" tIns="18289" rIns="36578" bIns="18289" numCol="1" spcCol="0" rtlCol="0" fromWordArt="0" anchor="ctr" anchorCtr="0" forceAA="0" compatLnSpc="1">
-                  <a:prstTxWarp prst="textNoShape">
-                    <a:avLst/>
-                  </a:prstTxWarp>
-                  <a:noAutofit/>
-                </a:bodyPr>
-                <a:lstStyle/>
-                <a:p>
-                  <a:pPr algn="ctr"/>
-                  <a:r>
-                    <a:rPr lang="en-SG" sz="600" dirty="0"/>
-                    <a:t>Update  Database?</a:t>
-                  </a:r>
-                </a:p>
-              </p:txBody>
-            </p:sp>
-          </p:grpSp>
-          <p:cxnSp>
-            <p:nvCxnSpPr>
-              <p:cNvPr id="537" name="Straight Arrow Connector 536"/>
-              <p:cNvCxnSpPr>
-                <a:stCxn id="526" idx="2"/>
-                <a:endCxn id="13" idx="0"/>
-              </p:cNvCxnSpPr>
-              <p:nvPr/>
-            </p:nvCxnSpPr>
-            <p:spPr>
-              <a:xfrm flipH="1">
-                <a:off x="2829367" y="3659181"/>
-                <a:ext cx="3883" cy="252499"/>
-              </a:xfrm>
-              <a:prstGeom prst="straightConnector1">
-                <a:avLst/>
-              </a:prstGeom>
-              <a:ln>
-                <a:tailEnd type="triangle"/>
-              </a:ln>
-            </p:spPr>
-            <p:style>
-              <a:lnRef idx="1">
-                <a:schemeClr val="accent2"/>
-              </a:lnRef>
-              <a:fillRef idx="0">
-                <a:schemeClr val="accent2"/>
-              </a:fillRef>
-              <a:effectRef idx="0">
-                <a:schemeClr val="accent2"/>
-              </a:effectRef>
-              <a:fontRef idx="minor">
-                <a:schemeClr val="tx1"/>
-              </a:fontRef>
-            </p:style>
-          </p:cxnSp>
-          <p:sp>
-            <p:nvSpPr>
-              <p:cNvPr id="541" name="Rounded Rectangle 540"/>
-              <p:cNvSpPr/>
-              <p:nvPr/>
-            </p:nvSpPr>
-            <p:spPr>
-              <a:xfrm>
-                <a:off x="2857542" y="3654660"/>
-                <a:ext cx="259716" cy="144059"/>
-              </a:xfrm>
-              <a:prstGeom prst="roundRect">
-                <a:avLst/>
-              </a:prstGeom>
-              <a:noFill/>
-              <a:ln>
-                <a:noFill/>
-              </a:ln>
-            </p:spPr>
-            <p:style>
-              <a:lnRef idx="2">
-                <a:schemeClr val="accent6"/>
-              </a:lnRef>
-              <a:fillRef idx="1">
-                <a:schemeClr val="lt1"/>
-              </a:fillRef>
-              <a:effectRef idx="0">
-                <a:schemeClr val="accent6"/>
-              </a:effectRef>
-              <a:fontRef idx="minor">
-                <a:schemeClr val="dk1"/>
-              </a:fontRef>
-            </p:style>
-            <p:txBody>
-              <a:bodyPr rot="0" spcFirstLastPara="0" vertOverflow="overflow" horzOverflow="overflow" vert="horz" wrap="square" lIns="36578" tIns="18289" rIns="36578" bIns="18289" numCol="1" spcCol="0" rtlCol="0" fromWordArt="0" anchor="ctr" anchorCtr="0" forceAA="0" compatLnSpc="1">
-                <a:prstTxWarp prst="textNoShape">
-                  <a:avLst/>
-                </a:prstTxWarp>
-                <a:noAutofit/>
-              </a:bodyPr>
-              <a:lstStyle/>
-              <a:p>
-                <a:pPr algn="ctr"/>
-                <a:r>
-                  <a:rPr lang="en-SG" sz="720" dirty="0"/>
-                  <a:t>Yes</a:t>
-                </a:r>
-              </a:p>
-            </p:txBody>
-          </p:sp>
-          <p:cxnSp>
-            <p:nvCxnSpPr>
-              <p:cNvPr id="543" name="Elbow Connector 542"/>
-              <p:cNvCxnSpPr>
-                <a:stCxn id="526" idx="3"/>
-                <a:endCxn id="550" idx="3"/>
-              </p:cNvCxnSpPr>
-              <p:nvPr/>
-            </p:nvCxnSpPr>
-            <p:spPr>
-              <a:xfrm>
-                <a:off x="3265983" y="3351659"/>
-                <a:ext cx="1131095" cy="390959"/>
-              </a:xfrm>
-              <a:prstGeom prst="bentConnector2">
-                <a:avLst/>
-              </a:prstGeom>
-              <a:ln>
-                <a:tailEnd type="triangle"/>
-              </a:ln>
-            </p:spPr>
-            <p:style>
-              <a:lnRef idx="1">
-                <a:schemeClr val="accent2"/>
-              </a:lnRef>
-              <a:fillRef idx="0">
-                <a:schemeClr val="accent2"/>
-              </a:fillRef>
-              <a:effectRef idx="0">
-                <a:schemeClr val="accent2"/>
-              </a:effectRef>
-              <a:fontRef idx="minor">
-                <a:schemeClr val="tx1"/>
-              </a:fontRef>
-            </p:style>
-          </p:cxnSp>
-          <p:sp>
-            <p:nvSpPr>
-              <p:cNvPr id="547" name="Rounded Rectangle 546"/>
-              <p:cNvSpPr/>
-              <p:nvPr/>
-            </p:nvSpPr>
-            <p:spPr>
-              <a:xfrm>
-                <a:off x="3204033" y="3184108"/>
-                <a:ext cx="259716" cy="182254"/>
-              </a:xfrm>
-              <a:prstGeom prst="roundRect">
-                <a:avLst/>
-              </a:prstGeom>
-              <a:noFill/>
-              <a:ln>
-                <a:noFill/>
-              </a:ln>
-            </p:spPr>
-            <p:style>
-              <a:lnRef idx="2">
-                <a:schemeClr val="accent6"/>
-              </a:lnRef>
-              <a:fillRef idx="1">
-                <a:schemeClr val="lt1"/>
-              </a:fillRef>
-              <a:effectRef idx="0">
-                <a:schemeClr val="accent6"/>
-              </a:effectRef>
-              <a:fontRef idx="minor">
-                <a:schemeClr val="dk1"/>
-              </a:fontRef>
-            </p:style>
-            <p:txBody>
-              <a:bodyPr rot="0" spcFirstLastPara="0" vertOverflow="overflow" horzOverflow="overflow" vert="horz" wrap="square" lIns="36578" tIns="18289" rIns="36578" bIns="18289" numCol="1" spcCol="0" rtlCol="0" fromWordArt="0" anchor="ctr" anchorCtr="0" forceAA="0" compatLnSpc="1">
-                <a:prstTxWarp prst="textNoShape">
-                  <a:avLst/>
-                </a:prstTxWarp>
-                <a:noAutofit/>
-              </a:bodyPr>
-              <a:lstStyle/>
-              <a:p>
-                <a:pPr algn="ctr"/>
-                <a:r>
-                  <a:rPr lang="en-SG" sz="720" dirty="0"/>
-                  <a:t>No</a:t>
-                </a:r>
-              </a:p>
-            </p:txBody>
-          </p:sp>
-          <p:sp>
-            <p:nvSpPr>
-              <p:cNvPr id="550" name="Oval 549"/>
-              <p:cNvSpPr/>
-              <p:nvPr/>
-            </p:nvSpPr>
-            <p:spPr>
-              <a:xfrm flipV="1">
-                <a:off x="4351112" y="3721577"/>
-                <a:ext cx="313875" cy="143676"/>
-              </a:xfrm>
-              <a:prstGeom prst="ellipse">
-                <a:avLst/>
-              </a:prstGeom>
-              <a:noFill/>
-              <a:ln>
-                <a:noFill/>
-              </a:ln>
-            </p:spPr>
-            <p:style>
-              <a:lnRef idx="2">
-                <a:schemeClr val="accent6"/>
-              </a:lnRef>
-              <a:fillRef idx="1">
-                <a:schemeClr val="lt1"/>
-              </a:fillRef>
-              <a:effectRef idx="0">
-                <a:schemeClr val="accent6"/>
-              </a:effectRef>
-              <a:fontRef idx="minor">
-                <a:schemeClr val="dk1"/>
-              </a:fontRef>
-            </p:style>
-            <p:txBody>
-              <a:bodyPr rot="0" spcFirstLastPara="0" vertOverflow="overflow" horzOverflow="overflow" vert="horz" wrap="square" lIns="36578" tIns="18289" rIns="36578" bIns="18289" numCol="1" spcCol="0" rtlCol="0" fromWordArt="0" anchor="ctr" anchorCtr="0" forceAA="0" compatLnSpc="1">
-                <a:prstTxWarp prst="textNoShape">
-                  <a:avLst/>
-                </a:prstTxWarp>
-                <a:noAutofit/>
-              </a:bodyPr>
-              <a:lstStyle/>
-              <a:p>
-                <a:pPr algn="ctr"/>
-                <a:endParaRPr lang="en-SG" sz="720"/>
-              </a:p>
-            </p:txBody>
-          </p:sp>
         </p:grpSp>
         <p:sp>
           <p:nvSpPr>
-            <p:cNvPr id="162" name="Rounded Rectangle 161"/>
+            <p:cNvPr id="160" name="Rounded Rectangle 159"/>
             <p:cNvSpPr/>
             <p:nvPr/>
           </p:nvSpPr>
           <p:spPr>
             <a:xfrm>
-              <a:off x="10397992" y="7294015"/>
-              <a:ext cx="857184" cy="456565"/>
-            </a:xfrm>
-            <a:prstGeom prst="roundRect">
-              <a:avLst/>
-            </a:prstGeom>
-          </p:spPr>
-          <p:style>
-            <a:lnRef idx="2">
-              <a:schemeClr val="accent2">
-                <a:shade val="50000"/>
-              </a:schemeClr>
-            </a:lnRef>
-            <a:fillRef idx="1">
-              <a:schemeClr val="accent2"/>
-            </a:fillRef>
-            <a:effectRef idx="0">
-              <a:schemeClr val="accent2"/>
-            </a:effectRef>
-            <a:fontRef idx="minor">
-              <a:schemeClr val="lt1"/>
-            </a:fontRef>
-          </p:style>
-          <p:txBody>
-            <a:bodyPr rot="0" spcFirstLastPara="0" vertOverflow="overflow" horzOverflow="overflow" vert="horz" wrap="square" lIns="36578" tIns="18289" rIns="36578" bIns="18289" numCol="1" spcCol="0" rtlCol="0" fromWordArt="0" anchor="ctr" anchorCtr="0" forceAA="0" compatLnSpc="1">
-              <a:prstTxWarp prst="textNoShape">
-                <a:avLst/>
-              </a:prstTxWarp>
-              <a:noAutofit/>
-            </a:bodyPr>
-            <a:lstStyle/>
-            <a:p>
-              <a:pPr algn="ctr"/>
-              <a:r>
-                <a:rPr lang="en-SG" sz="720" dirty="0">
-                  <a:solidFill>
-                    <a:schemeClr val="lt1"/>
-                  </a:solidFill>
-                </a:rPr>
-                <a:t>Generate Index Report</a:t>
-              </a:r>
-            </a:p>
-          </p:txBody>
-        </p:sp>
-        <p:sp>
-          <p:nvSpPr>
-            <p:cNvPr id="163" name="Rounded Rectangle 162"/>
-            <p:cNvSpPr/>
-            <p:nvPr/>
-          </p:nvSpPr>
-          <p:spPr>
-            <a:xfrm>
-              <a:off x="10406176" y="6294572"/>
-              <a:ext cx="857184" cy="456565"/>
+              <a:off x="8108491" y="4032583"/>
+              <a:ext cx="851444" cy="456566"/>
             </a:xfrm>
             <a:prstGeom prst="roundRect">
               <a:avLst/>
@@ -10542,26 +10128,304 @@
             <a:p>
               <a:pPr algn="ctr"/>
               <a:r>
-                <a:rPr lang="en-SG" sz="720" dirty="0">
-                  <a:solidFill>
-                    <a:schemeClr val="tx1"/>
-                  </a:solidFill>
-                </a:rPr>
-                <a:t>Apply Index Filters</a:t>
+                <a:rPr lang="en-SG" sz="720" dirty="0"/>
+                <a:t>Go to list of screenings</a:t>
               </a:r>
             </a:p>
           </p:txBody>
         </p:sp>
         <p:sp>
           <p:nvSpPr>
-            <p:cNvPr id="167" name="Flowchart: Decision 166"/>
+            <p:cNvPr id="161" name="Rounded Rectangle 160"/>
             <p:cNvSpPr/>
             <p:nvPr/>
           </p:nvSpPr>
           <p:spPr>
             <a:xfrm>
-              <a:off x="10400494" y="5290852"/>
-              <a:ext cx="865466" cy="615045"/>
+              <a:off x="10047872" y="4047177"/>
+              <a:ext cx="851444" cy="456566"/>
+            </a:xfrm>
+            <a:prstGeom prst="roundRect">
+              <a:avLst/>
+            </a:prstGeom>
+          </p:spPr>
+          <p:style>
+            <a:lnRef idx="2">
+              <a:schemeClr val="accent6"/>
+            </a:lnRef>
+            <a:fillRef idx="1">
+              <a:schemeClr val="lt1"/>
+            </a:fillRef>
+            <a:effectRef idx="0">
+              <a:schemeClr val="accent6"/>
+            </a:effectRef>
+            <a:fontRef idx="minor">
+              <a:schemeClr val="dk1"/>
+            </a:fontRef>
+          </p:style>
+          <p:txBody>
+            <a:bodyPr rot="0" spcFirstLastPara="0" vertOverflow="overflow" horzOverflow="overflow" vert="horz" wrap="square" lIns="36578" tIns="18289" rIns="36578" bIns="18289" numCol="1" spcCol="0" rtlCol="0" fromWordArt="0" anchor="ctr" anchorCtr="0" forceAA="0" compatLnSpc="1">
+              <a:prstTxWarp prst="textNoShape">
+                <a:avLst/>
+              </a:prstTxWarp>
+              <a:noAutofit/>
+            </a:bodyPr>
+            <a:lstStyle/>
+            <a:p>
+              <a:pPr algn="ctr"/>
+              <a:r>
+                <a:rPr lang="en-SG" sz="720" dirty="0"/>
+                <a:t>Select screening to view clients’ list</a:t>
+              </a:r>
+            </a:p>
+          </p:txBody>
+        </p:sp>
+        <p:sp>
+          <p:nvSpPr>
+            <p:cNvPr id="174" name="Rounded Rectangle 173"/>
+            <p:cNvSpPr/>
+            <p:nvPr/>
+          </p:nvSpPr>
+          <p:spPr>
+            <a:xfrm>
+              <a:off x="12064601" y="4043456"/>
+              <a:ext cx="851444" cy="456566"/>
+            </a:xfrm>
+            <a:prstGeom prst="roundRect">
+              <a:avLst/>
+            </a:prstGeom>
+          </p:spPr>
+          <p:style>
+            <a:lnRef idx="2">
+              <a:schemeClr val="accent6"/>
+            </a:lnRef>
+            <a:fillRef idx="1">
+              <a:schemeClr val="lt1"/>
+            </a:fillRef>
+            <a:effectRef idx="0">
+              <a:schemeClr val="accent6"/>
+            </a:effectRef>
+            <a:fontRef idx="minor">
+              <a:schemeClr val="dk1"/>
+            </a:fontRef>
+          </p:style>
+          <p:txBody>
+            <a:bodyPr rot="0" spcFirstLastPara="0" vertOverflow="overflow" horzOverflow="overflow" vert="horz" wrap="square" lIns="36578" tIns="18289" rIns="36578" bIns="18289" numCol="1" spcCol="0" rtlCol="0" fromWordArt="0" anchor="ctr" anchorCtr="0" forceAA="0" compatLnSpc="1">
+              <a:prstTxWarp prst="textNoShape">
+                <a:avLst/>
+              </a:prstTxWarp>
+              <a:noAutofit/>
+            </a:bodyPr>
+            <a:lstStyle/>
+            <a:p>
+              <a:pPr algn="ctr"/>
+              <a:r>
+                <a:rPr lang="en-SG" sz="720" dirty="0"/>
+                <a:t>Choose clients to send email to</a:t>
+              </a:r>
+            </a:p>
+          </p:txBody>
+        </p:sp>
+        <p:sp>
+          <p:nvSpPr>
+            <p:cNvPr id="175" name="Rounded Rectangle 174"/>
+            <p:cNvSpPr/>
+            <p:nvPr/>
+          </p:nvSpPr>
+          <p:spPr>
+            <a:xfrm>
+              <a:off x="12073427" y="4762125"/>
+              <a:ext cx="851444" cy="456566"/>
+            </a:xfrm>
+            <a:prstGeom prst="roundRect">
+              <a:avLst/>
+            </a:prstGeom>
+          </p:spPr>
+          <p:style>
+            <a:lnRef idx="2">
+              <a:schemeClr val="accent6"/>
+            </a:lnRef>
+            <a:fillRef idx="1">
+              <a:schemeClr val="lt1"/>
+            </a:fillRef>
+            <a:effectRef idx="0">
+              <a:schemeClr val="accent6"/>
+            </a:effectRef>
+            <a:fontRef idx="minor">
+              <a:schemeClr val="dk1"/>
+            </a:fontRef>
+          </p:style>
+          <p:txBody>
+            <a:bodyPr rot="0" spcFirstLastPara="0" vertOverflow="overflow" horzOverflow="overflow" vert="horz" wrap="square" lIns="36578" tIns="18289" rIns="36578" bIns="18289" numCol="1" spcCol="0" rtlCol="0" fromWordArt="0" anchor="ctr" anchorCtr="0" forceAA="0" compatLnSpc="1">
+              <a:prstTxWarp prst="textNoShape">
+                <a:avLst/>
+              </a:prstTxWarp>
+              <a:noAutofit/>
+            </a:bodyPr>
+            <a:lstStyle/>
+            <a:p>
+              <a:pPr algn="ctr"/>
+              <a:r>
+                <a:rPr lang="en-SG" sz="720" dirty="0"/>
+                <a:t>Go to email template and draft email</a:t>
+              </a:r>
+            </a:p>
+          </p:txBody>
+        </p:sp>
+        <p:cxnSp>
+          <p:nvCxnSpPr>
+            <p:cNvPr id="176" name="Straight Arrow Connector 175"/>
+            <p:cNvCxnSpPr>
+              <a:stCxn id="160" idx="3"/>
+              <a:endCxn id="161" idx="1"/>
+            </p:cNvCxnSpPr>
+            <p:nvPr/>
+          </p:nvCxnSpPr>
+          <p:spPr>
+            <a:xfrm>
+              <a:off x="8959935" y="4260866"/>
+              <a:ext cx="1087937" cy="14594"/>
+            </a:xfrm>
+            <a:prstGeom prst="straightConnector1">
+              <a:avLst/>
+            </a:prstGeom>
+            <a:ln>
+              <a:tailEnd type="triangle"/>
+            </a:ln>
+          </p:spPr>
+          <p:style>
+            <a:lnRef idx="1">
+              <a:schemeClr val="accent2"/>
+            </a:lnRef>
+            <a:fillRef idx="0">
+              <a:schemeClr val="accent2"/>
+            </a:fillRef>
+            <a:effectRef idx="0">
+              <a:schemeClr val="accent2"/>
+            </a:effectRef>
+            <a:fontRef idx="minor">
+              <a:schemeClr val="tx1"/>
+            </a:fontRef>
+          </p:style>
+        </p:cxnSp>
+        <p:cxnSp>
+          <p:nvCxnSpPr>
+            <p:cNvPr id="177" name="Straight Arrow Connector 176"/>
+            <p:cNvCxnSpPr>
+              <a:stCxn id="161" idx="3"/>
+              <a:endCxn id="174" idx="1"/>
+            </p:cNvCxnSpPr>
+            <p:nvPr/>
+          </p:nvCxnSpPr>
+          <p:spPr>
+            <a:xfrm flipV="1">
+              <a:off x="10899316" y="4271739"/>
+              <a:ext cx="1165285" cy="3721"/>
+            </a:xfrm>
+            <a:prstGeom prst="straightConnector1">
+              <a:avLst/>
+            </a:prstGeom>
+            <a:ln>
+              <a:tailEnd type="triangle"/>
+            </a:ln>
+          </p:spPr>
+          <p:style>
+            <a:lnRef idx="1">
+              <a:schemeClr val="accent2"/>
+            </a:lnRef>
+            <a:fillRef idx="0">
+              <a:schemeClr val="accent2"/>
+            </a:fillRef>
+            <a:effectRef idx="0">
+              <a:schemeClr val="accent2"/>
+            </a:effectRef>
+            <a:fontRef idx="minor">
+              <a:schemeClr val="tx1"/>
+            </a:fontRef>
+          </p:style>
+        </p:cxnSp>
+        <p:cxnSp>
+          <p:nvCxnSpPr>
+            <p:cNvPr id="197" name="Straight Arrow Connector 196"/>
+            <p:cNvCxnSpPr>
+              <a:stCxn id="174" idx="2"/>
+              <a:endCxn id="175" idx="0"/>
+            </p:cNvCxnSpPr>
+            <p:nvPr/>
+          </p:nvCxnSpPr>
+          <p:spPr>
+            <a:xfrm>
+              <a:off x="12490323" y="4500022"/>
+              <a:ext cx="8826" cy="262103"/>
+            </a:xfrm>
+            <a:prstGeom prst="straightConnector1">
+              <a:avLst/>
+            </a:prstGeom>
+            <a:ln>
+              <a:tailEnd type="triangle"/>
+            </a:ln>
+          </p:spPr>
+          <p:style>
+            <a:lnRef idx="1">
+              <a:schemeClr val="accent2"/>
+            </a:lnRef>
+            <a:fillRef idx="0">
+              <a:schemeClr val="accent2"/>
+            </a:fillRef>
+            <a:effectRef idx="0">
+              <a:schemeClr val="accent2"/>
+            </a:effectRef>
+            <a:fontRef idx="minor">
+              <a:schemeClr val="tx1"/>
+            </a:fontRef>
+          </p:style>
+        </p:cxnSp>
+        <p:cxnSp>
+          <p:nvCxnSpPr>
+            <p:cNvPr id="201" name="Straight Arrow Connector 200"/>
+            <p:cNvCxnSpPr>
+              <a:stCxn id="175" idx="2"/>
+              <a:endCxn id="24" idx="0"/>
+            </p:cNvCxnSpPr>
+            <p:nvPr/>
+          </p:nvCxnSpPr>
+          <p:spPr>
+            <a:xfrm>
+              <a:off x="12499149" y="5218691"/>
+              <a:ext cx="0" cy="331919"/>
+            </a:xfrm>
+            <a:prstGeom prst="straightConnector1">
+              <a:avLst/>
+            </a:prstGeom>
+            <a:ln>
+              <a:tailEnd type="triangle"/>
+            </a:ln>
+          </p:spPr>
+          <p:style>
+            <a:lnRef idx="1">
+              <a:schemeClr val="accent2"/>
+            </a:lnRef>
+            <a:fillRef idx="0">
+              <a:schemeClr val="accent2"/>
+            </a:fillRef>
+            <a:effectRef idx="0">
+              <a:schemeClr val="accent2"/>
+            </a:effectRef>
+            <a:fontRef idx="minor">
+              <a:schemeClr val="tx1"/>
+            </a:fontRef>
+          </p:style>
+        </p:cxnSp>
+        <p:sp>
+          <p:nvSpPr>
+            <p:cNvPr id="214" name="Flowchart: Decision 213"/>
+            <p:cNvSpPr/>
+            <p:nvPr/>
+          </p:nvSpPr>
+          <p:spPr>
+            <a:xfrm>
+              <a:off x="6448141" y="4543042"/>
+              <a:ext cx="852604" cy="615045"/>
             </a:xfrm>
             <a:prstGeom prst="flowChartDecision">
               <a:avLst/>
@@ -10586,23 +10450,23 @@
             <a:lstStyle/>
             <a:p>
               <a:pPr algn="ctr"/>
-              <a:r>
-                <a:rPr lang="en-SG" sz="600" dirty="0"/>
-                <a:t>Index Report?</a:t>
-              </a:r>
+              <a:endParaRPr lang="en-SG" sz="600" dirty="0"/>
             </a:p>
           </p:txBody>
         </p:sp>
         <p:cxnSp>
           <p:nvCxnSpPr>
-            <p:cNvPr id="168" name="Elbow Connector 167"/>
-            <p:cNvCxnSpPr/>
+            <p:cNvPr id="216" name="Straight Arrow Connector 215"/>
+            <p:cNvCxnSpPr>
+              <a:stCxn id="214" idx="3"/>
+              <a:endCxn id="160" idx="2"/>
+            </p:cNvCxnSpPr>
             <p:nvPr/>
           </p:nvCxnSpPr>
           <p:spPr>
             <a:xfrm flipV="1">
-              <a:off x="11172865" y="5195769"/>
-              <a:ext cx="424508" cy="2253637"/>
+              <a:off x="7300745" y="4489149"/>
+              <a:ext cx="1233468" cy="361416"/>
             </a:xfrm>
             <a:prstGeom prst="bentConnector2">
               <a:avLst/>
@@ -10628,14 +10492,14 @@
         </p:cxnSp>
         <p:sp>
           <p:nvSpPr>
-            <p:cNvPr id="169" name="Oval 168"/>
+            <p:cNvPr id="217" name="Oval 216"/>
             <p:cNvSpPr/>
             <p:nvPr/>
           </p:nvSpPr>
           <p:spPr>
             <a:xfrm>
-              <a:off x="11544414" y="5050019"/>
-              <a:ext cx="139473" cy="175194"/>
+              <a:off x="6822182" y="4219626"/>
+              <a:ext cx="147054" cy="149135"/>
             </a:xfrm>
             <a:prstGeom prst="ellipse">
               <a:avLst/>
@@ -10671,13 +10535,13 @@
         </p:sp>
         <p:sp>
           <p:nvSpPr>
-            <p:cNvPr id="171" name="Rounded Rectangle 170"/>
+            <p:cNvPr id="237" name="Rounded Rectangle 236"/>
             <p:cNvSpPr/>
             <p:nvPr/>
           </p:nvSpPr>
           <p:spPr>
             <a:xfrm>
-              <a:off x="9580195" y="5488050"/>
+              <a:off x="6636502" y="4462759"/>
               <a:ext cx="295977" cy="99379"/>
             </a:xfrm>
             <a:prstGeom prst="roundRect">
@@ -10721,55 +10585,17 @@
         </p:sp>
         <p:cxnSp>
           <p:nvCxnSpPr>
-            <p:cNvPr id="173" name="Elbow Connector 172"/>
+            <p:cNvPr id="238" name="Straight Arrow Connector 237"/>
             <p:cNvCxnSpPr>
-              <a:stCxn id="512" idx="3"/>
-              <a:endCxn id="167" idx="1"/>
+              <a:stCxn id="214" idx="0"/>
+              <a:endCxn id="217" idx="4"/>
             </p:cNvCxnSpPr>
             <p:nvPr/>
           </p:nvCxnSpPr>
           <p:spPr>
             <a:xfrm flipV="1">
-              <a:off x="9598247" y="5598375"/>
-              <a:ext cx="802247" cy="1930935"/>
-            </a:xfrm>
-            <a:prstGeom prst="bentConnector3">
-              <a:avLst>
-                <a:gd name="adj1" fmla="val 59498"/>
-              </a:avLst>
-            </a:prstGeom>
-            <a:ln>
-              <a:tailEnd type="triangle"/>
-            </a:ln>
-          </p:spPr>
-          <p:style>
-            <a:lnRef idx="1">
-              <a:schemeClr val="accent2"/>
-            </a:lnRef>
-            <a:fillRef idx="0">
-              <a:schemeClr val="accent2"/>
-            </a:fillRef>
-            <a:effectRef idx="0">
-              <a:schemeClr val="accent2"/>
-            </a:effectRef>
-            <a:fontRef idx="minor">
-              <a:schemeClr val="tx1"/>
-            </a:fontRef>
-          </p:style>
-        </p:cxnSp>
-        <p:cxnSp>
-          <p:nvCxnSpPr>
-            <p:cNvPr id="191" name="Straight Arrow Connector 190"/>
-            <p:cNvCxnSpPr>
-              <a:stCxn id="167" idx="2"/>
-              <a:endCxn id="163" idx="0"/>
-            </p:cNvCxnSpPr>
-            <p:nvPr/>
-          </p:nvCxnSpPr>
-          <p:spPr>
-            <a:xfrm>
-              <a:off x="10833227" y="5905897"/>
-              <a:ext cx="1541" cy="388675"/>
+              <a:off x="6874443" y="4368761"/>
+              <a:ext cx="21266" cy="174281"/>
             </a:xfrm>
             <a:prstGeom prst="straightConnector1">
               <a:avLst/>
@@ -10795,13 +10621,13 @@
         </p:cxnSp>
         <p:sp>
           <p:nvSpPr>
-            <p:cNvPr id="194" name="Rounded Rectangle 193"/>
+            <p:cNvPr id="248" name="Rounded Rectangle 247"/>
             <p:cNvSpPr/>
             <p:nvPr/>
           </p:nvSpPr>
           <p:spPr>
             <a:xfrm>
-              <a:off x="10859694" y="5842356"/>
+              <a:off x="7289864" y="4675003"/>
               <a:ext cx="259716" cy="182254"/>
             </a:xfrm>
             <a:prstGeom prst="roundRect">
@@ -10843,90 +10669,16 @@
             </a:p>
           </p:txBody>
         </p:sp>
-        <p:cxnSp>
-          <p:nvCxnSpPr>
-            <p:cNvPr id="195" name="Straight Arrow Connector 194"/>
-            <p:cNvCxnSpPr>
-              <a:stCxn id="163" idx="2"/>
-              <a:endCxn id="162" idx="0"/>
-            </p:cNvCxnSpPr>
-            <p:nvPr/>
-          </p:nvCxnSpPr>
-          <p:spPr>
-            <a:xfrm flipH="1">
-              <a:off x="10826584" y="6751137"/>
-              <a:ext cx="8184" cy="542878"/>
-            </a:xfrm>
-            <a:prstGeom prst="straightConnector1">
-              <a:avLst/>
-            </a:prstGeom>
-            <a:ln>
-              <a:tailEnd type="triangle"/>
-            </a:ln>
-          </p:spPr>
-          <p:style>
-            <a:lnRef idx="1">
-              <a:schemeClr val="accent2"/>
-            </a:lnRef>
-            <a:fillRef idx="0">
-              <a:schemeClr val="accent2"/>
-            </a:fillRef>
-            <a:effectRef idx="0">
-              <a:schemeClr val="accent2"/>
-            </a:effectRef>
-            <a:fontRef idx="minor">
-              <a:schemeClr val="tx1"/>
-            </a:fontRef>
-          </p:style>
-        </p:cxnSp>
-        <p:cxnSp>
-          <p:nvCxnSpPr>
-            <p:cNvPr id="199" name="Elbow Connector 198"/>
-            <p:cNvCxnSpPr>
-              <a:stCxn id="167" idx="3"/>
-              <a:endCxn id="169" idx="2"/>
-            </p:cNvCxnSpPr>
-            <p:nvPr/>
-          </p:nvCxnSpPr>
-          <p:spPr>
-            <a:xfrm flipV="1">
-              <a:off x="11265960" y="5137616"/>
-              <a:ext cx="278454" cy="460759"/>
-            </a:xfrm>
-            <a:prstGeom prst="bentConnector3">
-              <a:avLst>
-                <a:gd name="adj1" fmla="val 50000"/>
-              </a:avLst>
-            </a:prstGeom>
-            <a:ln>
-              <a:tailEnd type="triangle"/>
-            </a:ln>
-          </p:spPr>
-          <p:style>
-            <a:lnRef idx="1">
-              <a:schemeClr val="accent2"/>
-            </a:lnRef>
-            <a:fillRef idx="0">
-              <a:schemeClr val="accent2"/>
-            </a:fillRef>
-            <a:effectRef idx="0">
-              <a:schemeClr val="accent2"/>
-            </a:effectRef>
-            <a:fontRef idx="minor">
-              <a:schemeClr val="tx1"/>
-            </a:fontRef>
-          </p:style>
-        </p:cxnSp>
         <p:sp>
           <p:nvSpPr>
-            <p:cNvPr id="203" name="Rounded Rectangle 202"/>
+            <p:cNvPr id="249" name="Rounded Rectangle 248"/>
             <p:cNvSpPr/>
             <p:nvPr/>
           </p:nvSpPr>
           <p:spPr>
             <a:xfrm>
-              <a:off x="11179887" y="5475350"/>
-              <a:ext cx="295977" cy="99379"/>
+              <a:off x="6607029" y="4658955"/>
+              <a:ext cx="576199" cy="408189"/>
             </a:xfrm>
             <a:prstGeom prst="roundRect">
               <a:avLst/>
@@ -10961,8 +10713,8 @@
             <a:p>
               <a:pPr algn="ctr"/>
               <a:r>
-                <a:rPr lang="en-SG" sz="720" dirty="0"/>
-                <a:t>No</a:t>
+                <a:rPr lang="en-SG" sz="600" dirty="0"/>
+                <a:t>Email recommended screening to client?</a:t>
               </a:r>
             </a:p>
           </p:txBody>

--- a/Business Analysis/flow.pptx
+++ b/Business Analysis/flow.pptx
@@ -5,16 +5,18 @@
     <p:sldMasterId id="2147483684" r:id="rId1"/>
   </p:sldMasterIdLst>
   <p:notesMasterIdLst>
-    <p:notesMasterId r:id="rId9"/>
+    <p:notesMasterId r:id="rId11"/>
   </p:notesMasterIdLst>
   <p:sldIdLst>
     <p:sldId id="258" r:id="rId2"/>
     <p:sldId id="256" r:id="rId3"/>
     <p:sldId id="261" r:id="rId4"/>
-    <p:sldId id="264" r:id="rId5"/>
-    <p:sldId id="263" r:id="rId6"/>
-    <p:sldId id="262" r:id="rId7"/>
-    <p:sldId id="260" r:id="rId8"/>
+    <p:sldId id="266" r:id="rId5"/>
+    <p:sldId id="265" r:id="rId6"/>
+    <p:sldId id="264" r:id="rId7"/>
+    <p:sldId id="263" r:id="rId8"/>
+    <p:sldId id="262" r:id="rId9"/>
+    <p:sldId id="260" r:id="rId10"/>
   </p:sldIdLst>
   <p:sldSz cx="28800425" cy="18000663"/>
   <p:notesSz cx="6858000" cy="9144000"/>
@@ -731,7 +733,7 @@
     </p:spTree>
     <p:extLst>
       <p:ext uri="{BB962C8B-B14F-4D97-AF65-F5344CB8AC3E}">
-        <p14:creationId xmlns:p14="http://schemas.microsoft.com/office/powerpoint/2010/main" val="4286903074"/>
+        <p14:creationId xmlns:p14="http://schemas.microsoft.com/office/powerpoint/2010/main" val="3830078161"/>
       </p:ext>
     </p:extLst>
   </p:cSld>
@@ -820,7 +822,7 @@
     </p:spTree>
     <p:extLst>
       <p:ext uri="{BB962C8B-B14F-4D97-AF65-F5344CB8AC3E}">
-        <p14:creationId xmlns:p14="http://schemas.microsoft.com/office/powerpoint/2010/main" val="2313922032"/>
+        <p14:creationId xmlns:p14="http://schemas.microsoft.com/office/powerpoint/2010/main" val="3271025486"/>
       </p:ext>
     </p:extLst>
   </p:cSld>
@@ -909,6 +911,184 @@
     </p:spTree>
     <p:extLst>
       <p:ext uri="{BB962C8B-B14F-4D97-AF65-F5344CB8AC3E}">
+        <p14:creationId xmlns:p14="http://schemas.microsoft.com/office/powerpoint/2010/main" val="4286903074"/>
+      </p:ext>
+    </p:extLst>
+  </p:cSld>
+  <p:clrMapOvr>
+    <a:masterClrMapping/>
+  </p:clrMapOvr>
+</p:notes>
+</file>
+
+<file path=ppt/notesSlides/notesSlide6.xml><?xml version="1.0" encoding="utf-8"?>
+<p:notes xmlns:a="http://schemas.openxmlformats.org/drawingml/2006/main" xmlns:r="http://schemas.openxmlformats.org/officeDocument/2006/relationships" xmlns:p="http://schemas.openxmlformats.org/presentationml/2006/main">
+  <p:cSld>
+    <p:spTree>
+      <p:nvGrpSpPr>
+        <p:cNvPr id="1" name=""/>
+        <p:cNvGrpSpPr/>
+        <p:nvPr/>
+      </p:nvGrpSpPr>
+      <p:grpSpPr>
+        <a:xfrm>
+          <a:off x="0" y="0"/>
+          <a:ext cx="0" cy="0"/>
+          <a:chOff x="0" y="0"/>
+          <a:chExt cx="0" cy="0"/>
+        </a:xfrm>
+      </p:grpSpPr>
+      <p:sp>
+        <p:nvSpPr>
+          <p:cNvPr id="2" name="Slide Image Placeholder 1"/>
+          <p:cNvSpPr>
+            <a:spLocks noGrp="1" noRot="1" noChangeAspect="1"/>
+          </p:cNvSpPr>
+          <p:nvPr>
+            <p:ph type="sldImg"/>
+          </p:nvPr>
+        </p:nvSpPr>
+        <p:spPr>
+          <a:xfrm>
+            <a:off x="960438" y="1143000"/>
+            <a:ext cx="4937125" cy="3086100"/>
+          </a:xfrm>
+        </p:spPr>
+      </p:sp>
+      <p:sp>
+        <p:nvSpPr>
+          <p:cNvPr id="3" name="Notes Placeholder 2"/>
+          <p:cNvSpPr>
+            <a:spLocks noGrp="1"/>
+          </p:cNvSpPr>
+          <p:nvPr>
+            <p:ph type="body" idx="1"/>
+          </p:nvPr>
+        </p:nvSpPr>
+        <p:spPr/>
+        <p:txBody>
+          <a:bodyPr/>
+          <a:lstStyle/>
+          <a:p>
+            <a:endParaRPr lang="en-SG" dirty="0"/>
+          </a:p>
+        </p:txBody>
+      </p:sp>
+      <p:sp>
+        <p:nvSpPr>
+          <p:cNvPr id="4" name="Slide Number Placeholder 3"/>
+          <p:cNvSpPr>
+            <a:spLocks noGrp="1"/>
+          </p:cNvSpPr>
+          <p:nvPr>
+            <p:ph type="sldNum" sz="quarter" idx="10"/>
+          </p:nvPr>
+        </p:nvSpPr>
+        <p:spPr/>
+        <p:txBody>
+          <a:bodyPr/>
+          <a:lstStyle/>
+          <a:p>
+            <a:fld id="{AF95E9BF-929D-4AA3-A07A-40F158BE121A}" type="slidenum">
+              <a:rPr lang="en-SG" smtClean="0"/>
+              <a:t>7</a:t>
+            </a:fld>
+            <a:endParaRPr lang="en-SG"/>
+          </a:p>
+        </p:txBody>
+      </p:sp>
+    </p:spTree>
+    <p:extLst>
+      <p:ext uri="{BB962C8B-B14F-4D97-AF65-F5344CB8AC3E}">
+        <p14:creationId xmlns:p14="http://schemas.microsoft.com/office/powerpoint/2010/main" val="2313922032"/>
+      </p:ext>
+    </p:extLst>
+  </p:cSld>
+  <p:clrMapOvr>
+    <a:masterClrMapping/>
+  </p:clrMapOvr>
+</p:notes>
+</file>
+
+<file path=ppt/notesSlides/notesSlide7.xml><?xml version="1.0" encoding="utf-8"?>
+<p:notes xmlns:a="http://schemas.openxmlformats.org/drawingml/2006/main" xmlns:r="http://schemas.openxmlformats.org/officeDocument/2006/relationships" xmlns:p="http://schemas.openxmlformats.org/presentationml/2006/main">
+  <p:cSld>
+    <p:spTree>
+      <p:nvGrpSpPr>
+        <p:cNvPr id="1" name=""/>
+        <p:cNvGrpSpPr/>
+        <p:nvPr/>
+      </p:nvGrpSpPr>
+      <p:grpSpPr>
+        <a:xfrm>
+          <a:off x="0" y="0"/>
+          <a:ext cx="0" cy="0"/>
+          <a:chOff x="0" y="0"/>
+          <a:chExt cx="0" cy="0"/>
+        </a:xfrm>
+      </p:grpSpPr>
+      <p:sp>
+        <p:nvSpPr>
+          <p:cNvPr id="2" name="Slide Image Placeholder 1"/>
+          <p:cNvSpPr>
+            <a:spLocks noGrp="1" noRot="1" noChangeAspect="1"/>
+          </p:cNvSpPr>
+          <p:nvPr>
+            <p:ph type="sldImg"/>
+          </p:nvPr>
+        </p:nvSpPr>
+        <p:spPr>
+          <a:xfrm>
+            <a:off x="960438" y="1143000"/>
+            <a:ext cx="4937125" cy="3086100"/>
+          </a:xfrm>
+        </p:spPr>
+      </p:sp>
+      <p:sp>
+        <p:nvSpPr>
+          <p:cNvPr id="3" name="Notes Placeholder 2"/>
+          <p:cNvSpPr>
+            <a:spLocks noGrp="1"/>
+          </p:cNvSpPr>
+          <p:nvPr>
+            <p:ph type="body" idx="1"/>
+          </p:nvPr>
+        </p:nvSpPr>
+        <p:spPr/>
+        <p:txBody>
+          <a:bodyPr/>
+          <a:lstStyle/>
+          <a:p>
+            <a:endParaRPr lang="en-SG" dirty="0"/>
+          </a:p>
+        </p:txBody>
+      </p:sp>
+      <p:sp>
+        <p:nvSpPr>
+          <p:cNvPr id="4" name="Slide Number Placeholder 3"/>
+          <p:cNvSpPr>
+            <a:spLocks noGrp="1"/>
+          </p:cNvSpPr>
+          <p:nvPr>
+            <p:ph type="sldNum" sz="quarter" idx="10"/>
+          </p:nvPr>
+        </p:nvSpPr>
+        <p:spPr/>
+        <p:txBody>
+          <a:bodyPr/>
+          <a:lstStyle/>
+          <a:p>
+            <a:fld id="{AF95E9BF-929D-4AA3-A07A-40F158BE121A}" type="slidenum">
+              <a:rPr lang="en-SG" smtClean="0"/>
+              <a:t>8</a:t>
+            </a:fld>
+            <a:endParaRPr lang="en-SG"/>
+          </a:p>
+        </p:txBody>
+      </p:sp>
+    </p:spTree>
+    <p:extLst>
+      <p:ext uri="{BB962C8B-B14F-4D97-AF65-F5344CB8AC3E}">
         <p14:creationId xmlns:p14="http://schemas.microsoft.com/office/powerpoint/2010/main" val="3321785042"/>
       </p:ext>
     </p:extLst>
@@ -919,7 +1099,7 @@
 </p:notes>
 </file>
 
-<file path=ppt/notesSlides/notesSlide6.xml><?xml version="1.0" encoding="utf-8"?>
+<file path=ppt/notesSlides/notesSlide8.xml><?xml version="1.0" encoding="utf-8"?>
 <p:notes xmlns:a="http://schemas.openxmlformats.org/drawingml/2006/main" xmlns:r="http://schemas.openxmlformats.org/officeDocument/2006/relationships" xmlns:p="http://schemas.openxmlformats.org/presentationml/2006/main">
   <p:cSld>
     <p:spTree>
@@ -992,7 +1172,7 @@
           <a:p>
             <a:fld id="{AF95E9BF-929D-4AA3-A07A-40F158BE121A}" type="slidenum">
               <a:rPr lang="en-SG" smtClean="0"/>
-              <a:t>7</a:t>
+              <a:t>9</a:t>
             </a:fld>
             <a:endParaRPr lang="en-SG"/>
           </a:p>
@@ -5279,6 +5459,6847 @@
 </file>
 
 <file path=ppt/slides/slide3.xml><?xml version="1.0" encoding="utf-8"?>
+<p:sld xmlns:a="http://schemas.openxmlformats.org/drawingml/2006/main" xmlns:r="http://schemas.openxmlformats.org/officeDocument/2006/relationships" xmlns:p="http://schemas.openxmlformats.org/presentationml/2006/main">
+  <p:cSld>
+    <p:spTree>
+      <p:nvGrpSpPr>
+        <p:cNvPr id="1" name=""/>
+        <p:cNvGrpSpPr/>
+        <p:nvPr/>
+      </p:nvGrpSpPr>
+      <p:grpSpPr>
+        <a:xfrm>
+          <a:off x="0" y="0"/>
+          <a:ext cx="0" cy="0"/>
+          <a:chOff x="0" y="0"/>
+          <a:chExt cx="0" cy="0"/>
+        </a:xfrm>
+      </p:grpSpPr>
+      <p:grpSp>
+        <p:nvGrpSpPr>
+          <p:cNvPr id="208" name="Group 207"/>
+          <p:cNvGrpSpPr/>
+          <p:nvPr/>
+        </p:nvGrpSpPr>
+        <p:grpSpPr>
+          <a:xfrm>
+            <a:off x="654324" y="2616200"/>
+            <a:ext cx="10528026" cy="5284748"/>
+            <a:chOff x="654324" y="2616200"/>
+            <a:chExt cx="10528026" cy="5284748"/>
+          </a:xfrm>
+        </p:grpSpPr>
+        <p:grpSp>
+          <p:nvGrpSpPr>
+            <p:cNvPr id="555" name="Group 554"/>
+            <p:cNvGrpSpPr/>
+            <p:nvPr/>
+          </p:nvGrpSpPr>
+          <p:grpSpPr>
+            <a:xfrm>
+              <a:off x="654324" y="2616200"/>
+              <a:ext cx="10528026" cy="5284748"/>
+              <a:chOff x="1074509" y="2074999"/>
+              <a:chExt cx="10528026" cy="5284748"/>
+            </a:xfrm>
+          </p:grpSpPr>
+          <p:sp>
+            <p:nvSpPr>
+              <p:cNvPr id="522" name="Rectangle 521"/>
+              <p:cNvSpPr/>
+              <p:nvPr/>
+            </p:nvSpPr>
+            <p:spPr>
+              <a:xfrm>
+                <a:off x="1074509" y="6092876"/>
+                <a:ext cx="10528026" cy="1266871"/>
+              </a:xfrm>
+              <a:prstGeom prst="rect">
+                <a:avLst/>
+              </a:prstGeom>
+              <a:solidFill>
+                <a:schemeClr val="accent1">
+                  <a:lumMod val="20000"/>
+                  <a:lumOff val="80000"/>
+                </a:schemeClr>
+              </a:solidFill>
+            </p:spPr>
+            <p:style>
+              <a:lnRef idx="2">
+                <a:schemeClr val="accent1">
+                  <a:shade val="50000"/>
+                </a:schemeClr>
+              </a:lnRef>
+              <a:fillRef idx="1">
+                <a:schemeClr val="accent1"/>
+              </a:fillRef>
+              <a:effectRef idx="0">
+                <a:schemeClr val="accent1"/>
+              </a:effectRef>
+              <a:fontRef idx="minor">
+                <a:schemeClr val="lt1"/>
+              </a:fontRef>
+            </p:style>
+            <p:txBody>
+              <a:bodyPr rtlCol="0" anchor="ctr"/>
+              <a:lstStyle/>
+              <a:p>
+                <a:pPr algn="ctr"/>
+                <a:endParaRPr lang="en-SG"/>
+              </a:p>
+            </p:txBody>
+          </p:sp>
+          <p:sp>
+            <p:nvSpPr>
+              <p:cNvPr id="521" name="Rectangle 520"/>
+              <p:cNvSpPr/>
+              <p:nvPr/>
+            </p:nvSpPr>
+            <p:spPr>
+              <a:xfrm>
+                <a:off x="1074509" y="2074999"/>
+                <a:ext cx="10528026" cy="4050071"/>
+              </a:xfrm>
+              <a:prstGeom prst="rect">
+                <a:avLst/>
+              </a:prstGeom>
+              <a:solidFill>
+                <a:schemeClr val="accent1">
+                  <a:lumMod val="20000"/>
+                  <a:lumOff val="80000"/>
+                </a:schemeClr>
+              </a:solidFill>
+            </p:spPr>
+            <p:style>
+              <a:lnRef idx="2">
+                <a:schemeClr val="accent1">
+                  <a:shade val="50000"/>
+                </a:schemeClr>
+              </a:lnRef>
+              <a:fillRef idx="1">
+                <a:schemeClr val="accent1"/>
+              </a:fillRef>
+              <a:effectRef idx="0">
+                <a:schemeClr val="accent1"/>
+              </a:effectRef>
+              <a:fontRef idx="minor">
+                <a:schemeClr val="lt1"/>
+              </a:fontRef>
+            </p:style>
+            <p:txBody>
+              <a:bodyPr rtlCol="0" anchor="ctr"/>
+              <a:lstStyle/>
+              <a:p>
+                <a:pPr algn="ctr"/>
+                <a:endParaRPr lang="en-SG" dirty="0"/>
+              </a:p>
+            </p:txBody>
+          </p:sp>
+          <p:cxnSp>
+            <p:nvCxnSpPr>
+              <p:cNvPr id="6" name="Straight Connector 5"/>
+              <p:cNvCxnSpPr/>
+              <p:nvPr/>
+            </p:nvCxnSpPr>
+            <p:spPr>
+              <a:xfrm flipH="1">
+                <a:off x="2058485" y="2074999"/>
+                <a:ext cx="12700" cy="5284748"/>
+              </a:xfrm>
+              <a:prstGeom prst="line">
+                <a:avLst/>
+              </a:prstGeom>
+            </p:spPr>
+            <p:style>
+              <a:lnRef idx="1">
+                <a:schemeClr val="accent1"/>
+              </a:lnRef>
+              <a:fillRef idx="0">
+                <a:schemeClr val="accent1"/>
+              </a:fillRef>
+              <a:effectRef idx="0">
+                <a:schemeClr val="accent1"/>
+              </a:effectRef>
+              <a:fontRef idx="minor">
+                <a:schemeClr val="tx1"/>
+              </a:fontRef>
+            </p:style>
+          </p:cxnSp>
+          <p:sp>
+            <p:nvSpPr>
+              <p:cNvPr id="11" name="TextBox 10"/>
+              <p:cNvSpPr txBox="1"/>
+              <p:nvPr/>
+            </p:nvSpPr>
+            <p:spPr>
+              <a:xfrm>
+                <a:off x="1265389" y="4157103"/>
+                <a:ext cx="697474" cy="246221"/>
+              </a:xfrm>
+              <a:prstGeom prst="rect">
+                <a:avLst/>
+              </a:prstGeom>
+              <a:noFill/>
+            </p:spPr>
+            <p:txBody>
+              <a:bodyPr wrap="square" rtlCol="0">
+                <a:spAutoFit/>
+              </a:bodyPr>
+              <a:lstStyle/>
+              <a:p>
+                <a:r>
+                  <a:rPr lang="en-SG" sz="1000" dirty="0"/>
+                  <a:t>User</a:t>
+                </a:r>
+              </a:p>
+            </p:txBody>
+          </p:sp>
+          <p:sp>
+            <p:nvSpPr>
+              <p:cNvPr id="12" name="TextBox 11"/>
+              <p:cNvSpPr txBox="1"/>
+              <p:nvPr/>
+            </p:nvSpPr>
+            <p:spPr>
+              <a:xfrm>
+                <a:off x="1361575" y="6580221"/>
+                <a:ext cx="425955" cy="246221"/>
+              </a:xfrm>
+              <a:prstGeom prst="rect">
+                <a:avLst/>
+              </a:prstGeom>
+              <a:noFill/>
+            </p:spPr>
+            <p:txBody>
+              <a:bodyPr wrap="square" rtlCol="0">
+                <a:spAutoFit/>
+              </a:bodyPr>
+              <a:lstStyle/>
+              <a:p>
+                <a:r>
+                  <a:rPr lang="en-SG" sz="1000" dirty="0"/>
+                  <a:t>URS</a:t>
+                </a:r>
+              </a:p>
+            </p:txBody>
+          </p:sp>
+          <p:sp>
+            <p:nvSpPr>
+              <p:cNvPr id="13" name="Rounded Rectangle 12"/>
+              <p:cNvSpPr/>
+              <p:nvPr/>
+            </p:nvSpPr>
+            <p:spPr>
+              <a:xfrm>
+                <a:off x="2400775" y="3911680"/>
+                <a:ext cx="857184" cy="456565"/>
+              </a:xfrm>
+              <a:prstGeom prst="roundRect">
+                <a:avLst/>
+              </a:prstGeom>
+            </p:spPr>
+            <p:style>
+              <a:lnRef idx="2">
+                <a:schemeClr val="accent6"/>
+              </a:lnRef>
+              <a:fillRef idx="1">
+                <a:schemeClr val="lt1"/>
+              </a:fillRef>
+              <a:effectRef idx="0">
+                <a:schemeClr val="accent6"/>
+              </a:effectRef>
+              <a:fontRef idx="minor">
+                <a:schemeClr val="dk1"/>
+              </a:fontRef>
+            </p:style>
+            <p:txBody>
+              <a:bodyPr rot="0" spcFirstLastPara="0" vertOverflow="overflow" horzOverflow="overflow" vert="horz" wrap="square" lIns="36578" tIns="18289" rIns="36578" bIns="18289" numCol="1" spcCol="0" rtlCol="0" fromWordArt="0" anchor="ctr" anchorCtr="0" forceAA="0" compatLnSpc="1">
+                <a:prstTxWarp prst="textNoShape">
+                  <a:avLst/>
+                </a:prstTxWarp>
+                <a:noAutofit/>
+              </a:bodyPr>
+              <a:lstStyle/>
+              <a:p>
+                <a:pPr algn="ctr"/>
+                <a:r>
+                  <a:rPr lang="en-SG" sz="720" dirty="0"/>
+                  <a:t>Download .</a:t>
+                </a:r>
+                <a:r>
+                  <a:rPr lang="en-SG" sz="720" dirty="0" err="1"/>
+                  <a:t>xls</a:t>
+                </a:r>
+                <a:r>
+                  <a:rPr lang="en-SG" sz="720" dirty="0"/>
+                  <a:t> file from current ZOHO system</a:t>
+                </a:r>
+              </a:p>
+            </p:txBody>
+          </p:sp>
+          <p:sp>
+            <p:nvSpPr>
+              <p:cNvPr id="14" name="Oval 13"/>
+              <p:cNvSpPr/>
+              <p:nvPr/>
+            </p:nvSpPr>
+            <p:spPr>
+              <a:xfrm>
+                <a:off x="2722117" y="2529919"/>
+                <a:ext cx="216308" cy="181249"/>
+              </a:xfrm>
+              <a:prstGeom prst="ellipse">
+                <a:avLst/>
+              </a:prstGeom>
+            </p:spPr>
+            <p:style>
+              <a:lnRef idx="2">
+                <a:schemeClr val="accent6"/>
+              </a:lnRef>
+              <a:fillRef idx="1">
+                <a:schemeClr val="lt1"/>
+              </a:fillRef>
+              <a:effectRef idx="0">
+                <a:schemeClr val="accent6"/>
+              </a:effectRef>
+              <a:fontRef idx="minor">
+                <a:schemeClr val="dk1"/>
+              </a:fontRef>
+            </p:style>
+            <p:txBody>
+              <a:bodyPr rot="0" spcFirstLastPara="0" vertOverflow="overflow" horzOverflow="overflow" vert="horz" wrap="square" lIns="36578" tIns="18289" rIns="36578" bIns="18289" numCol="1" spcCol="0" rtlCol="0" fromWordArt="0" anchor="ctr" anchorCtr="0" forceAA="0" compatLnSpc="1">
+                <a:prstTxWarp prst="textNoShape">
+                  <a:avLst/>
+                </a:prstTxWarp>
+                <a:noAutofit/>
+              </a:bodyPr>
+              <a:lstStyle/>
+              <a:p>
+                <a:pPr algn="ctr"/>
+                <a:endParaRPr lang="en-SG" sz="720"/>
+              </a:p>
+            </p:txBody>
+          </p:sp>
+          <p:sp>
+            <p:nvSpPr>
+              <p:cNvPr id="15" name="Rounded Rectangle 14"/>
+              <p:cNvSpPr/>
+              <p:nvPr/>
+            </p:nvSpPr>
+            <p:spPr>
+              <a:xfrm>
+                <a:off x="2400775" y="4602644"/>
+                <a:ext cx="857184" cy="456565"/>
+              </a:xfrm>
+              <a:prstGeom prst="roundRect">
+                <a:avLst/>
+              </a:prstGeom>
+            </p:spPr>
+            <p:style>
+              <a:lnRef idx="2">
+                <a:schemeClr val="accent6"/>
+              </a:lnRef>
+              <a:fillRef idx="1">
+                <a:schemeClr val="lt1"/>
+              </a:fillRef>
+              <a:effectRef idx="0">
+                <a:schemeClr val="accent6"/>
+              </a:effectRef>
+              <a:fontRef idx="minor">
+                <a:schemeClr val="dk1"/>
+              </a:fontRef>
+            </p:style>
+            <p:txBody>
+              <a:bodyPr rot="0" spcFirstLastPara="0" vertOverflow="overflow" horzOverflow="overflow" vert="horz" wrap="square" lIns="36578" tIns="18289" rIns="36578" bIns="18289" numCol="1" spcCol="0" rtlCol="0" fromWordArt="0" anchor="ctr" anchorCtr="0" forceAA="0" compatLnSpc="1">
+                <a:prstTxWarp prst="textNoShape">
+                  <a:avLst/>
+                </a:prstTxWarp>
+                <a:noAutofit/>
+              </a:bodyPr>
+              <a:lstStyle/>
+              <a:p>
+                <a:pPr algn="ctr"/>
+                <a:r>
+                  <a:rPr lang="en-SG" sz="720" dirty="0"/>
+                  <a:t>Upload .</a:t>
+                </a:r>
+                <a:r>
+                  <a:rPr lang="en-SG" sz="720" dirty="0" err="1"/>
+                  <a:t>xls</a:t>
+                </a:r>
+                <a:r>
+                  <a:rPr lang="en-SG" sz="720" dirty="0"/>
+                  <a:t> file into URS</a:t>
+                </a:r>
+              </a:p>
+            </p:txBody>
+          </p:sp>
+          <p:sp>
+            <p:nvSpPr>
+              <p:cNvPr id="16" name="TextBox 15"/>
+              <p:cNvSpPr txBox="1"/>
+              <p:nvPr/>
+            </p:nvSpPr>
+            <p:spPr>
+              <a:xfrm>
+                <a:off x="1105251" y="6779141"/>
+                <a:ext cx="1397647" cy="178510"/>
+              </a:xfrm>
+              <a:prstGeom prst="rect">
+                <a:avLst/>
+              </a:prstGeom>
+              <a:noFill/>
+            </p:spPr>
+            <p:txBody>
+              <a:bodyPr wrap="square" rtlCol="0">
+                <a:spAutoFit/>
+              </a:bodyPr>
+              <a:lstStyle/>
+              <a:p>
+                <a:r>
+                  <a:rPr lang="en-SG" sz="560" dirty="0"/>
+                  <a:t>&lt; Ulink Reporting System &gt;</a:t>
+                </a:r>
+              </a:p>
+            </p:txBody>
+          </p:sp>
+          <p:sp>
+            <p:nvSpPr>
+              <p:cNvPr id="17" name="Rounded Rectangle 16"/>
+              <p:cNvSpPr/>
+              <p:nvPr/>
+            </p:nvSpPr>
+            <p:spPr>
+              <a:xfrm>
+                <a:off x="2331326" y="6638038"/>
+                <a:ext cx="980787" cy="456565"/>
+              </a:xfrm>
+              <a:prstGeom prst="roundRect">
+                <a:avLst/>
+              </a:prstGeom>
+            </p:spPr>
+            <p:style>
+              <a:lnRef idx="2">
+                <a:schemeClr val="accent6"/>
+              </a:lnRef>
+              <a:fillRef idx="1">
+                <a:schemeClr val="lt1"/>
+              </a:fillRef>
+              <a:effectRef idx="0">
+                <a:schemeClr val="accent6"/>
+              </a:effectRef>
+              <a:fontRef idx="minor">
+                <a:schemeClr val="dk1"/>
+              </a:fontRef>
+            </p:style>
+            <p:txBody>
+              <a:bodyPr rot="0" spcFirstLastPara="0" vertOverflow="overflow" horzOverflow="overflow" vert="horz" wrap="square" lIns="36578" tIns="18289" rIns="36578" bIns="18289" numCol="1" spcCol="0" rtlCol="0" fromWordArt="0" anchor="ctr" anchorCtr="0" forceAA="0" compatLnSpc="1">
+                <a:prstTxWarp prst="textNoShape">
+                  <a:avLst/>
+                </a:prstTxWarp>
+                <a:noAutofit/>
+              </a:bodyPr>
+              <a:lstStyle/>
+              <a:p>
+                <a:pPr algn="ctr"/>
+                <a:r>
+                  <a:rPr lang="en-SG" sz="720" dirty="0"/>
+                  <a:t>Update database</a:t>
+                </a:r>
+              </a:p>
+            </p:txBody>
+          </p:sp>
+          <p:cxnSp>
+            <p:nvCxnSpPr>
+              <p:cNvPr id="28" name="Straight Arrow Connector 27"/>
+              <p:cNvCxnSpPr>
+                <a:stCxn id="13" idx="2"/>
+                <a:endCxn id="15" idx="0"/>
+              </p:cNvCxnSpPr>
+              <p:nvPr/>
+            </p:nvCxnSpPr>
+            <p:spPr>
+              <a:xfrm>
+                <a:off x="2829367" y="4368233"/>
+                <a:ext cx="0" cy="234403"/>
+              </a:xfrm>
+              <a:prstGeom prst="straightConnector1">
+                <a:avLst/>
+              </a:prstGeom>
+              <a:ln>
+                <a:tailEnd type="triangle"/>
+              </a:ln>
+            </p:spPr>
+            <p:style>
+              <a:lnRef idx="1">
+                <a:schemeClr val="accent2"/>
+              </a:lnRef>
+              <a:fillRef idx="0">
+                <a:schemeClr val="accent2"/>
+              </a:fillRef>
+              <a:effectRef idx="0">
+                <a:schemeClr val="accent2"/>
+              </a:effectRef>
+              <a:fontRef idx="minor">
+                <a:schemeClr val="tx1"/>
+              </a:fontRef>
+            </p:style>
+          </p:cxnSp>
+          <p:cxnSp>
+            <p:nvCxnSpPr>
+              <p:cNvPr id="29" name="Straight Arrow Connector 28"/>
+              <p:cNvCxnSpPr>
+                <a:stCxn id="15" idx="2"/>
+                <a:endCxn id="17" idx="0"/>
+              </p:cNvCxnSpPr>
+              <p:nvPr/>
+            </p:nvCxnSpPr>
+            <p:spPr>
+              <a:xfrm flipH="1">
+                <a:off x="2821720" y="5059209"/>
+                <a:ext cx="7647" cy="1578829"/>
+              </a:xfrm>
+              <a:prstGeom prst="straightConnector1">
+                <a:avLst/>
+              </a:prstGeom>
+              <a:ln>
+                <a:tailEnd type="triangle"/>
+              </a:ln>
+            </p:spPr>
+            <p:style>
+              <a:lnRef idx="1">
+                <a:schemeClr val="accent2"/>
+              </a:lnRef>
+              <a:fillRef idx="0">
+                <a:schemeClr val="accent2"/>
+              </a:fillRef>
+              <a:effectRef idx="0">
+                <a:schemeClr val="accent2"/>
+              </a:effectRef>
+              <a:fontRef idx="minor">
+                <a:schemeClr val="tx1"/>
+              </a:fontRef>
+            </p:style>
+          </p:cxnSp>
+          <p:cxnSp>
+            <p:nvCxnSpPr>
+              <p:cNvPr id="78" name="Straight Arrow Connector 77"/>
+              <p:cNvCxnSpPr>
+                <a:stCxn id="14" idx="4"/>
+                <a:endCxn id="526" idx="0"/>
+              </p:cNvCxnSpPr>
+              <p:nvPr/>
+            </p:nvCxnSpPr>
+            <p:spPr>
+              <a:xfrm>
+                <a:off x="2830271" y="2711168"/>
+                <a:ext cx="2979" cy="332968"/>
+              </a:xfrm>
+              <a:prstGeom prst="straightConnector1">
+                <a:avLst/>
+              </a:prstGeom>
+              <a:ln>
+                <a:tailEnd type="triangle"/>
+              </a:ln>
+            </p:spPr>
+            <p:style>
+              <a:lnRef idx="1">
+                <a:schemeClr val="accent2"/>
+              </a:lnRef>
+              <a:fillRef idx="0">
+                <a:schemeClr val="accent2"/>
+              </a:fillRef>
+              <a:effectRef idx="0">
+                <a:schemeClr val="accent2"/>
+              </a:effectRef>
+              <a:fontRef idx="minor">
+                <a:schemeClr val="tx1"/>
+              </a:fontRef>
+            </p:style>
+          </p:cxnSp>
+          <p:cxnSp>
+            <p:nvCxnSpPr>
+              <p:cNvPr id="31" name="Elbow Connector 30"/>
+              <p:cNvCxnSpPr>
+                <a:stCxn id="17" idx="3"/>
+                <a:endCxn id="235" idx="2"/>
+              </p:cNvCxnSpPr>
+              <p:nvPr/>
+            </p:nvCxnSpPr>
+            <p:spPr>
+              <a:xfrm flipV="1">
+                <a:off x="3312113" y="3655517"/>
+                <a:ext cx="818849" cy="3210804"/>
+              </a:xfrm>
+              <a:prstGeom prst="bentConnector2">
+                <a:avLst/>
+              </a:prstGeom>
+              <a:ln>
+                <a:tailEnd type="triangle"/>
+              </a:ln>
+            </p:spPr>
+            <p:style>
+              <a:lnRef idx="1">
+                <a:schemeClr val="accent2"/>
+              </a:lnRef>
+              <a:fillRef idx="0">
+                <a:schemeClr val="accent2"/>
+              </a:fillRef>
+              <a:effectRef idx="0">
+                <a:schemeClr val="accent2"/>
+              </a:effectRef>
+              <a:fontRef idx="minor">
+                <a:schemeClr val="tx1"/>
+              </a:fontRef>
+            </p:style>
+          </p:cxnSp>
+          <p:sp>
+            <p:nvSpPr>
+              <p:cNvPr id="53" name="Rounded Rectangle 52"/>
+              <p:cNvSpPr/>
+              <p:nvPr/>
+            </p:nvSpPr>
+            <p:spPr>
+              <a:xfrm>
+                <a:off x="4665519" y="3216937"/>
+                <a:ext cx="456861" cy="158086"/>
+              </a:xfrm>
+              <a:prstGeom prst="roundRect">
+                <a:avLst/>
+              </a:prstGeom>
+              <a:noFill/>
+              <a:ln>
+                <a:noFill/>
+              </a:ln>
+            </p:spPr>
+            <p:style>
+              <a:lnRef idx="2">
+                <a:schemeClr val="accent6"/>
+              </a:lnRef>
+              <a:fillRef idx="1">
+                <a:schemeClr val="lt1"/>
+              </a:fillRef>
+              <a:effectRef idx="0">
+                <a:schemeClr val="accent6"/>
+              </a:effectRef>
+              <a:fontRef idx="minor">
+                <a:schemeClr val="dk1"/>
+              </a:fontRef>
+            </p:style>
+            <p:txBody>
+              <a:bodyPr rot="0" spcFirstLastPara="0" vertOverflow="overflow" horzOverflow="overflow" vert="horz" wrap="square" lIns="36578" tIns="18289" rIns="36578" bIns="18289" numCol="1" spcCol="0" rtlCol="0" fromWordArt="0" anchor="ctr" anchorCtr="0" forceAA="0" compatLnSpc="1">
+                <a:prstTxWarp prst="textNoShape">
+                  <a:avLst/>
+                </a:prstTxWarp>
+                <a:noAutofit/>
+              </a:bodyPr>
+              <a:lstStyle/>
+              <a:p>
+                <a:pPr algn="ctr"/>
+                <a:r>
+                  <a:rPr lang="en-SG" sz="720" dirty="0"/>
+                  <a:t>Yes</a:t>
+                </a:r>
+              </a:p>
+            </p:txBody>
+          </p:sp>
+          <p:grpSp>
+            <p:nvGrpSpPr>
+              <p:cNvPr id="234" name="Group 233"/>
+              <p:cNvGrpSpPr/>
+              <p:nvPr/>
+            </p:nvGrpSpPr>
+            <p:grpSpPr>
+              <a:xfrm>
+                <a:off x="3698229" y="3040472"/>
+                <a:ext cx="865466" cy="615045"/>
+                <a:chOff x="9467962" y="2481252"/>
+                <a:chExt cx="959868" cy="770738"/>
+              </a:xfrm>
+            </p:grpSpPr>
+            <p:sp>
+              <p:nvSpPr>
+                <p:cNvPr id="235" name="Flowchart: Decision 234"/>
+                <p:cNvSpPr/>
+                <p:nvPr/>
+              </p:nvSpPr>
+              <p:spPr>
+                <a:xfrm>
+                  <a:off x="9467962" y="2481252"/>
+                  <a:ext cx="959868" cy="770738"/>
+                </a:xfrm>
+                <a:prstGeom prst="flowChartDecision">
+                  <a:avLst/>
+                </a:prstGeom>
+              </p:spPr>
+              <p:style>
+                <a:lnRef idx="2">
+                  <a:schemeClr val="accent6"/>
+                </a:lnRef>
+                <a:fillRef idx="1">
+                  <a:schemeClr val="lt1"/>
+                </a:fillRef>
+                <a:effectRef idx="0">
+                  <a:schemeClr val="accent6"/>
+                </a:effectRef>
+                <a:fontRef idx="minor">
+                  <a:schemeClr val="dk1"/>
+                </a:fontRef>
+              </p:style>
+              <p:txBody>
+                <a:bodyPr rtlCol="0" anchor="ctr"/>
+                <a:lstStyle/>
+                <a:p>
+                  <a:pPr algn="ctr"/>
+                  <a:endParaRPr lang="en-SG" sz="500" dirty="0"/>
+                </a:p>
+              </p:txBody>
+            </p:sp>
+            <p:sp>
+              <p:nvSpPr>
+                <p:cNvPr id="236" name="Rounded Rectangle 235"/>
+                <p:cNvSpPr/>
+                <p:nvPr/>
+              </p:nvSpPr>
+              <p:spPr>
+                <a:xfrm>
+                  <a:off x="9722406" y="2609140"/>
+                  <a:ext cx="470196" cy="511518"/>
+                </a:xfrm>
+                <a:prstGeom prst="roundRect">
+                  <a:avLst/>
+                </a:prstGeom>
+                <a:noFill/>
+                <a:ln>
+                  <a:noFill/>
+                </a:ln>
+              </p:spPr>
+              <p:style>
+                <a:lnRef idx="2">
+                  <a:schemeClr val="accent6"/>
+                </a:lnRef>
+                <a:fillRef idx="1">
+                  <a:schemeClr val="lt1"/>
+                </a:fillRef>
+                <a:effectRef idx="0">
+                  <a:schemeClr val="accent6"/>
+                </a:effectRef>
+                <a:fontRef idx="minor">
+                  <a:schemeClr val="dk1"/>
+                </a:fontRef>
+              </p:style>
+              <p:txBody>
+                <a:bodyPr rot="0" spcFirstLastPara="0" vertOverflow="overflow" horzOverflow="overflow" vert="horz" wrap="square" lIns="36578" tIns="18289" rIns="36578" bIns="18289" numCol="1" spcCol="0" rtlCol="0" fromWordArt="0" anchor="ctr" anchorCtr="0" forceAA="0" compatLnSpc="1">
+                  <a:prstTxWarp prst="textNoShape">
+                    <a:avLst/>
+                  </a:prstTxWarp>
+                  <a:noAutofit/>
+                </a:bodyPr>
+                <a:lstStyle/>
+                <a:p>
+                  <a:pPr algn="ctr"/>
+                  <a:r>
+                    <a:rPr lang="en-SG" sz="600" dirty="0"/>
+                    <a:t>Add new screening info?</a:t>
+                  </a:r>
+                </a:p>
+              </p:txBody>
+            </p:sp>
+          </p:grpSp>
+          <p:cxnSp>
+            <p:nvCxnSpPr>
+              <p:cNvPr id="280" name="Elbow Connector 279"/>
+              <p:cNvCxnSpPr>
+                <a:stCxn id="235" idx="3"/>
+                <a:endCxn id="207" idx="1"/>
+              </p:cNvCxnSpPr>
+              <p:nvPr/>
+            </p:nvCxnSpPr>
+            <p:spPr>
+              <a:xfrm>
+                <a:off x="4563695" y="3347995"/>
+                <a:ext cx="727276" cy="5209"/>
+              </a:xfrm>
+              <a:prstGeom prst="straightConnector1">
+                <a:avLst/>
+              </a:prstGeom>
+              <a:ln>
+                <a:tailEnd type="triangle"/>
+              </a:ln>
+            </p:spPr>
+            <p:style>
+              <a:lnRef idx="1">
+                <a:schemeClr val="accent2"/>
+              </a:lnRef>
+              <a:fillRef idx="0">
+                <a:schemeClr val="accent2"/>
+              </a:fillRef>
+              <a:effectRef idx="0">
+                <a:schemeClr val="accent2"/>
+              </a:effectRef>
+              <a:fontRef idx="minor">
+                <a:schemeClr val="tx1"/>
+              </a:fontRef>
+            </p:style>
+          </p:cxnSp>
+          <p:cxnSp>
+            <p:nvCxnSpPr>
+              <p:cNvPr id="480" name="Straight Arrow Connector 479"/>
+              <p:cNvCxnSpPr>
+                <a:stCxn id="207" idx="2"/>
+                <a:endCxn id="483" idx="0"/>
+              </p:cNvCxnSpPr>
+              <p:nvPr/>
+            </p:nvCxnSpPr>
+            <p:spPr>
+              <a:xfrm flipH="1">
+                <a:off x="5713084" y="3541867"/>
+                <a:ext cx="3609" cy="3110080"/>
+              </a:xfrm>
+              <a:prstGeom prst="straightConnector1">
+                <a:avLst/>
+              </a:prstGeom>
+              <a:ln>
+                <a:tailEnd type="triangle"/>
+              </a:ln>
+            </p:spPr>
+            <p:style>
+              <a:lnRef idx="1">
+                <a:schemeClr val="accent2"/>
+              </a:lnRef>
+              <a:fillRef idx="0">
+                <a:schemeClr val="accent2"/>
+              </a:fillRef>
+              <a:effectRef idx="0">
+                <a:schemeClr val="accent2"/>
+              </a:effectRef>
+              <a:fontRef idx="minor">
+                <a:schemeClr val="tx1"/>
+              </a:fontRef>
+            </p:style>
+          </p:cxnSp>
+          <p:sp>
+            <p:nvSpPr>
+              <p:cNvPr id="483" name="Rounded Rectangle 482"/>
+              <p:cNvSpPr/>
+              <p:nvPr/>
+            </p:nvSpPr>
+            <p:spPr>
+              <a:xfrm>
+                <a:off x="5284492" y="6651947"/>
+                <a:ext cx="857184" cy="456565"/>
+              </a:xfrm>
+              <a:prstGeom prst="roundRect">
+                <a:avLst/>
+              </a:prstGeom>
+              <a:solidFill>
+                <a:schemeClr val="bg1"/>
+              </a:solidFill>
+            </p:spPr>
+            <p:style>
+              <a:lnRef idx="2">
+                <a:schemeClr val="accent2">
+                  <a:shade val="50000"/>
+                </a:schemeClr>
+              </a:lnRef>
+              <a:fillRef idx="1">
+                <a:schemeClr val="accent2"/>
+              </a:fillRef>
+              <a:effectRef idx="0">
+                <a:schemeClr val="accent2"/>
+              </a:effectRef>
+              <a:fontRef idx="minor">
+                <a:schemeClr val="lt1"/>
+              </a:fontRef>
+            </p:style>
+            <p:txBody>
+              <a:bodyPr rot="0" spcFirstLastPara="0" vertOverflow="overflow" horzOverflow="overflow" vert="horz" wrap="square" lIns="36578" tIns="18289" rIns="36578" bIns="18289" numCol="1" spcCol="0" rtlCol="0" fromWordArt="0" anchor="ctr" anchorCtr="0" forceAA="0" compatLnSpc="1">
+                <a:prstTxWarp prst="textNoShape">
+                  <a:avLst/>
+                </a:prstTxWarp>
+                <a:noAutofit/>
+              </a:bodyPr>
+              <a:lstStyle/>
+              <a:p>
+                <a:pPr algn="ctr"/>
+                <a:r>
+                  <a:rPr lang="en-SG" sz="720" dirty="0">
+                    <a:solidFill>
+                      <a:schemeClr val="tx1"/>
+                    </a:solidFill>
+                  </a:rPr>
+                  <a:t>Update Screenings database</a:t>
+                </a:r>
+              </a:p>
+            </p:txBody>
+          </p:sp>
+          <p:sp>
+            <p:nvSpPr>
+              <p:cNvPr id="523" name="Rounded Rectangle 522"/>
+              <p:cNvSpPr/>
+              <p:nvPr/>
+            </p:nvSpPr>
+            <p:spPr>
+              <a:xfrm>
+                <a:off x="2232457" y="2292593"/>
+                <a:ext cx="1246459" cy="169134"/>
+              </a:xfrm>
+              <a:prstGeom prst="roundRect">
+                <a:avLst/>
+              </a:prstGeom>
+              <a:noFill/>
+              <a:ln>
+                <a:noFill/>
+              </a:ln>
+            </p:spPr>
+            <p:style>
+              <a:lnRef idx="2">
+                <a:schemeClr val="accent6"/>
+              </a:lnRef>
+              <a:fillRef idx="1">
+                <a:schemeClr val="lt1"/>
+              </a:fillRef>
+              <a:effectRef idx="0">
+                <a:schemeClr val="accent6"/>
+              </a:effectRef>
+              <a:fontRef idx="minor">
+                <a:schemeClr val="dk1"/>
+              </a:fontRef>
+            </p:style>
+            <p:txBody>
+              <a:bodyPr rot="0" spcFirstLastPara="0" vertOverflow="overflow" horzOverflow="overflow" vert="horz" wrap="square" lIns="36578" tIns="18289" rIns="36578" bIns="18289" numCol="1" spcCol="0" rtlCol="0" fromWordArt="0" anchor="ctr" anchorCtr="0" forceAA="0" compatLnSpc="1">
+                <a:prstTxWarp prst="textNoShape">
+                  <a:avLst/>
+                </a:prstTxWarp>
+                <a:noAutofit/>
+              </a:bodyPr>
+              <a:lstStyle/>
+              <a:p>
+                <a:pPr algn="ctr"/>
+                <a:r>
+                  <a:rPr lang="en-SG" sz="720" dirty="0"/>
+                  <a:t>Start</a:t>
+                </a:r>
+              </a:p>
+            </p:txBody>
+          </p:sp>
+          <p:grpSp>
+            <p:nvGrpSpPr>
+              <p:cNvPr id="525" name="Group 524"/>
+              <p:cNvGrpSpPr/>
+              <p:nvPr/>
+            </p:nvGrpSpPr>
+            <p:grpSpPr>
+              <a:xfrm>
+                <a:off x="2400517" y="3044136"/>
+                <a:ext cx="865466" cy="615045"/>
+                <a:chOff x="9187204" y="4291994"/>
+                <a:chExt cx="959868" cy="770738"/>
+              </a:xfrm>
+            </p:grpSpPr>
+            <p:sp>
+              <p:nvSpPr>
+                <p:cNvPr id="526" name="Flowchart: Decision 525"/>
+                <p:cNvSpPr/>
+                <p:nvPr/>
+              </p:nvSpPr>
+              <p:spPr>
+                <a:xfrm>
+                  <a:off x="9187204" y="4291994"/>
+                  <a:ext cx="959868" cy="770738"/>
+                </a:xfrm>
+                <a:prstGeom prst="flowChartDecision">
+                  <a:avLst/>
+                </a:prstGeom>
+              </p:spPr>
+              <p:style>
+                <a:lnRef idx="2">
+                  <a:schemeClr val="accent6"/>
+                </a:lnRef>
+                <a:fillRef idx="1">
+                  <a:schemeClr val="lt1"/>
+                </a:fillRef>
+                <a:effectRef idx="0">
+                  <a:schemeClr val="accent6"/>
+                </a:effectRef>
+                <a:fontRef idx="minor">
+                  <a:schemeClr val="dk1"/>
+                </a:fontRef>
+              </p:style>
+              <p:txBody>
+                <a:bodyPr rtlCol="0" anchor="ctr"/>
+                <a:lstStyle/>
+                <a:p>
+                  <a:pPr algn="ctr"/>
+                  <a:endParaRPr lang="en-SG" sz="500" dirty="0"/>
+                </a:p>
+              </p:txBody>
+            </p:sp>
+            <p:sp>
+              <p:nvSpPr>
+                <p:cNvPr id="527" name="Rounded Rectangle 526"/>
+                <p:cNvSpPr/>
+                <p:nvPr/>
+              </p:nvSpPr>
+              <p:spPr>
+                <a:xfrm>
+                  <a:off x="9429307" y="4425768"/>
+                  <a:ext cx="470197" cy="511518"/>
+                </a:xfrm>
+                <a:prstGeom prst="roundRect">
+                  <a:avLst/>
+                </a:prstGeom>
+                <a:noFill/>
+                <a:ln>
+                  <a:noFill/>
+                </a:ln>
+              </p:spPr>
+              <p:style>
+                <a:lnRef idx="2">
+                  <a:schemeClr val="accent6"/>
+                </a:lnRef>
+                <a:fillRef idx="1">
+                  <a:schemeClr val="lt1"/>
+                </a:fillRef>
+                <a:effectRef idx="0">
+                  <a:schemeClr val="accent6"/>
+                </a:effectRef>
+                <a:fontRef idx="minor">
+                  <a:schemeClr val="dk1"/>
+                </a:fontRef>
+              </p:style>
+              <p:txBody>
+                <a:bodyPr rot="0" spcFirstLastPara="0" vertOverflow="overflow" horzOverflow="overflow" vert="horz" wrap="square" lIns="36578" tIns="18289" rIns="36578" bIns="18289" numCol="1" spcCol="0" rtlCol="0" fromWordArt="0" anchor="ctr" anchorCtr="0" forceAA="0" compatLnSpc="1">
+                  <a:prstTxWarp prst="textNoShape">
+                    <a:avLst/>
+                  </a:prstTxWarp>
+                  <a:noAutofit/>
+                </a:bodyPr>
+                <a:lstStyle/>
+                <a:p>
+                  <a:pPr algn="ctr"/>
+                  <a:r>
+                    <a:rPr lang="en-SG" sz="600" dirty="0"/>
+                    <a:t>Update  Database?</a:t>
+                  </a:r>
+                </a:p>
+              </p:txBody>
+            </p:sp>
+          </p:grpSp>
+          <p:cxnSp>
+            <p:nvCxnSpPr>
+              <p:cNvPr id="537" name="Straight Arrow Connector 536"/>
+              <p:cNvCxnSpPr>
+                <a:stCxn id="526" idx="2"/>
+                <a:endCxn id="13" idx="0"/>
+              </p:cNvCxnSpPr>
+              <p:nvPr/>
+            </p:nvCxnSpPr>
+            <p:spPr>
+              <a:xfrm flipH="1">
+                <a:off x="2829367" y="3659181"/>
+                <a:ext cx="3883" cy="252499"/>
+              </a:xfrm>
+              <a:prstGeom prst="straightConnector1">
+                <a:avLst/>
+              </a:prstGeom>
+              <a:ln>
+                <a:tailEnd type="triangle"/>
+              </a:ln>
+            </p:spPr>
+            <p:style>
+              <a:lnRef idx="1">
+                <a:schemeClr val="accent2"/>
+              </a:lnRef>
+              <a:fillRef idx="0">
+                <a:schemeClr val="accent2"/>
+              </a:fillRef>
+              <a:effectRef idx="0">
+                <a:schemeClr val="accent2"/>
+              </a:effectRef>
+              <a:fontRef idx="minor">
+                <a:schemeClr val="tx1"/>
+              </a:fontRef>
+            </p:style>
+          </p:cxnSp>
+          <p:sp>
+            <p:nvSpPr>
+              <p:cNvPr id="541" name="Rounded Rectangle 540"/>
+              <p:cNvSpPr/>
+              <p:nvPr/>
+            </p:nvSpPr>
+            <p:spPr>
+              <a:xfrm>
+                <a:off x="2857542" y="3654660"/>
+                <a:ext cx="259716" cy="144059"/>
+              </a:xfrm>
+              <a:prstGeom prst="roundRect">
+                <a:avLst/>
+              </a:prstGeom>
+              <a:noFill/>
+              <a:ln>
+                <a:noFill/>
+              </a:ln>
+            </p:spPr>
+            <p:style>
+              <a:lnRef idx="2">
+                <a:schemeClr val="accent6"/>
+              </a:lnRef>
+              <a:fillRef idx="1">
+                <a:schemeClr val="lt1"/>
+              </a:fillRef>
+              <a:effectRef idx="0">
+                <a:schemeClr val="accent6"/>
+              </a:effectRef>
+              <a:fontRef idx="minor">
+                <a:schemeClr val="dk1"/>
+              </a:fontRef>
+            </p:style>
+            <p:txBody>
+              <a:bodyPr rot="0" spcFirstLastPara="0" vertOverflow="overflow" horzOverflow="overflow" vert="horz" wrap="square" lIns="36578" tIns="18289" rIns="36578" bIns="18289" numCol="1" spcCol="0" rtlCol="0" fromWordArt="0" anchor="ctr" anchorCtr="0" forceAA="0" compatLnSpc="1">
+                <a:prstTxWarp prst="textNoShape">
+                  <a:avLst/>
+                </a:prstTxWarp>
+                <a:noAutofit/>
+              </a:bodyPr>
+              <a:lstStyle/>
+              <a:p>
+                <a:pPr algn="ctr"/>
+                <a:r>
+                  <a:rPr lang="en-SG" sz="720" dirty="0"/>
+                  <a:t>Yes</a:t>
+                </a:r>
+              </a:p>
+            </p:txBody>
+          </p:sp>
+          <p:cxnSp>
+            <p:nvCxnSpPr>
+              <p:cNvPr id="543" name="Elbow Connector 542"/>
+              <p:cNvCxnSpPr>
+                <a:stCxn id="526" idx="3"/>
+                <a:endCxn id="235" idx="1"/>
+              </p:cNvCxnSpPr>
+              <p:nvPr/>
+            </p:nvCxnSpPr>
+            <p:spPr>
+              <a:xfrm flipV="1">
+                <a:off x="3265983" y="3347995"/>
+                <a:ext cx="432246" cy="3664"/>
+              </a:xfrm>
+              <a:prstGeom prst="straightConnector1">
+                <a:avLst/>
+              </a:prstGeom>
+              <a:ln>
+                <a:tailEnd type="triangle"/>
+              </a:ln>
+            </p:spPr>
+            <p:style>
+              <a:lnRef idx="1">
+                <a:schemeClr val="accent2"/>
+              </a:lnRef>
+              <a:fillRef idx="0">
+                <a:schemeClr val="accent2"/>
+              </a:fillRef>
+              <a:effectRef idx="0">
+                <a:schemeClr val="accent2"/>
+              </a:effectRef>
+              <a:fontRef idx="minor">
+                <a:schemeClr val="tx1"/>
+              </a:fontRef>
+            </p:style>
+          </p:cxnSp>
+          <p:sp>
+            <p:nvSpPr>
+              <p:cNvPr id="547" name="Rounded Rectangle 546"/>
+              <p:cNvSpPr/>
+              <p:nvPr/>
+            </p:nvSpPr>
+            <p:spPr>
+              <a:xfrm>
+                <a:off x="3204033" y="3184108"/>
+                <a:ext cx="259716" cy="182254"/>
+              </a:xfrm>
+              <a:prstGeom prst="roundRect">
+                <a:avLst/>
+              </a:prstGeom>
+              <a:noFill/>
+              <a:ln>
+                <a:noFill/>
+              </a:ln>
+            </p:spPr>
+            <p:style>
+              <a:lnRef idx="2">
+                <a:schemeClr val="accent6"/>
+              </a:lnRef>
+              <a:fillRef idx="1">
+                <a:schemeClr val="lt1"/>
+              </a:fillRef>
+              <a:effectRef idx="0">
+                <a:schemeClr val="accent6"/>
+              </a:effectRef>
+              <a:fontRef idx="minor">
+                <a:schemeClr val="dk1"/>
+              </a:fontRef>
+            </p:style>
+            <p:txBody>
+              <a:bodyPr rot="0" spcFirstLastPara="0" vertOverflow="overflow" horzOverflow="overflow" vert="horz" wrap="square" lIns="36578" tIns="18289" rIns="36578" bIns="18289" numCol="1" spcCol="0" rtlCol="0" fromWordArt="0" anchor="ctr" anchorCtr="0" forceAA="0" compatLnSpc="1">
+                <a:prstTxWarp prst="textNoShape">
+                  <a:avLst/>
+                </a:prstTxWarp>
+                <a:noAutofit/>
+              </a:bodyPr>
+              <a:lstStyle/>
+              <a:p>
+                <a:pPr algn="ctr"/>
+                <a:r>
+                  <a:rPr lang="en-SG" sz="720" dirty="0"/>
+                  <a:t>No</a:t>
+                </a:r>
+              </a:p>
+            </p:txBody>
+          </p:sp>
+          <p:sp>
+            <p:nvSpPr>
+              <p:cNvPr id="550" name="Oval 549"/>
+              <p:cNvSpPr/>
+              <p:nvPr/>
+            </p:nvSpPr>
+            <p:spPr>
+              <a:xfrm flipV="1">
+                <a:off x="4351112" y="3721577"/>
+                <a:ext cx="313875" cy="143676"/>
+              </a:xfrm>
+              <a:prstGeom prst="ellipse">
+                <a:avLst/>
+              </a:prstGeom>
+              <a:noFill/>
+              <a:ln>
+                <a:noFill/>
+              </a:ln>
+            </p:spPr>
+            <p:style>
+              <a:lnRef idx="2">
+                <a:schemeClr val="accent6"/>
+              </a:lnRef>
+              <a:fillRef idx="1">
+                <a:schemeClr val="lt1"/>
+              </a:fillRef>
+              <a:effectRef idx="0">
+                <a:schemeClr val="accent6"/>
+              </a:effectRef>
+              <a:fontRef idx="minor">
+                <a:schemeClr val="dk1"/>
+              </a:fontRef>
+            </p:style>
+            <p:txBody>
+              <a:bodyPr rot="0" spcFirstLastPara="0" vertOverflow="overflow" horzOverflow="overflow" vert="horz" wrap="square" lIns="36578" tIns="18289" rIns="36578" bIns="18289" numCol="1" spcCol="0" rtlCol="0" fromWordArt="0" anchor="ctr" anchorCtr="0" forceAA="0" compatLnSpc="1">
+                <a:prstTxWarp prst="textNoShape">
+                  <a:avLst/>
+                </a:prstTxWarp>
+                <a:noAutofit/>
+              </a:bodyPr>
+              <a:lstStyle/>
+              <a:p>
+                <a:pPr algn="ctr"/>
+                <a:endParaRPr lang="en-SG" sz="720"/>
+              </a:p>
+            </p:txBody>
+          </p:sp>
+        </p:grpSp>
+        <p:cxnSp>
+          <p:nvCxnSpPr>
+            <p:cNvPr id="173" name="Elbow Connector 172"/>
+            <p:cNvCxnSpPr>
+              <a:stCxn id="483" idx="3"/>
+              <a:endCxn id="358" idx="2"/>
+            </p:cNvCxnSpPr>
+            <p:nvPr/>
+          </p:nvCxnSpPr>
+          <p:spPr>
+            <a:xfrm flipV="1">
+              <a:off x="5721491" y="6162206"/>
+              <a:ext cx="1152008" cy="1259225"/>
+            </a:xfrm>
+            <a:prstGeom prst="bentConnector2">
+              <a:avLst/>
+            </a:prstGeom>
+            <a:ln>
+              <a:tailEnd type="triangle"/>
+            </a:ln>
+          </p:spPr>
+          <p:style>
+            <a:lnRef idx="1">
+              <a:schemeClr val="accent2"/>
+            </a:lnRef>
+            <a:fillRef idx="0">
+              <a:schemeClr val="accent2"/>
+            </a:fillRef>
+            <a:effectRef idx="0">
+              <a:schemeClr val="accent2"/>
+            </a:effectRef>
+            <a:fontRef idx="minor">
+              <a:schemeClr val="tx1"/>
+            </a:fontRef>
+          </p:style>
+        </p:cxnSp>
+        <p:sp>
+          <p:nvSpPr>
+            <p:cNvPr id="207" name="Rounded Rectangle 206"/>
+            <p:cNvSpPr/>
+            <p:nvPr/>
+          </p:nvSpPr>
+          <p:spPr>
+            <a:xfrm>
+              <a:off x="4870786" y="3705741"/>
+              <a:ext cx="851444" cy="377327"/>
+            </a:xfrm>
+            <a:prstGeom prst="roundRect">
+              <a:avLst/>
+            </a:prstGeom>
+          </p:spPr>
+          <p:style>
+            <a:lnRef idx="2">
+              <a:schemeClr val="accent6"/>
+            </a:lnRef>
+            <a:fillRef idx="1">
+              <a:schemeClr val="lt1"/>
+            </a:fillRef>
+            <a:effectRef idx="0">
+              <a:schemeClr val="accent6"/>
+            </a:effectRef>
+            <a:fontRef idx="minor">
+              <a:schemeClr val="dk1"/>
+            </a:fontRef>
+          </p:style>
+          <p:txBody>
+            <a:bodyPr rot="0" spcFirstLastPara="0" vertOverflow="overflow" horzOverflow="overflow" vert="horz" wrap="square" lIns="36578" tIns="18289" rIns="36578" bIns="18289" numCol="1" spcCol="0" rtlCol="0" fromWordArt="0" anchor="ctr" anchorCtr="0" forceAA="0" compatLnSpc="1">
+              <a:prstTxWarp prst="textNoShape">
+                <a:avLst/>
+              </a:prstTxWarp>
+              <a:noAutofit/>
+            </a:bodyPr>
+            <a:lstStyle/>
+            <a:p>
+              <a:pPr algn="ctr"/>
+              <a:r>
+                <a:rPr lang="en-SG" sz="720" dirty="0"/>
+                <a:t>Fill in Screening information</a:t>
+              </a:r>
+            </a:p>
+          </p:txBody>
+        </p:sp>
+        <p:sp>
+          <p:nvSpPr>
+            <p:cNvPr id="215" name="Flowchart: Decision 214"/>
+            <p:cNvSpPr/>
+            <p:nvPr/>
+          </p:nvSpPr>
+          <p:spPr>
+            <a:xfrm>
+              <a:off x="8157247" y="3644686"/>
+              <a:ext cx="852604" cy="615045"/>
+            </a:xfrm>
+            <a:prstGeom prst="flowChartDecision">
+              <a:avLst/>
+            </a:prstGeom>
+          </p:spPr>
+          <p:style>
+            <a:lnRef idx="2">
+              <a:schemeClr val="accent6"/>
+            </a:lnRef>
+            <a:fillRef idx="1">
+              <a:schemeClr val="lt1"/>
+            </a:fillRef>
+            <a:effectRef idx="0">
+              <a:schemeClr val="accent6"/>
+            </a:effectRef>
+            <a:fontRef idx="minor">
+              <a:schemeClr val="dk1"/>
+            </a:fontRef>
+          </p:style>
+          <p:txBody>
+            <a:bodyPr rtlCol="0" anchor="ctr"/>
+            <a:lstStyle/>
+            <a:p>
+              <a:pPr algn="ctr"/>
+              <a:endParaRPr lang="en-SG" sz="600" dirty="0"/>
+            </a:p>
+          </p:txBody>
+        </p:sp>
+        <p:sp>
+          <p:nvSpPr>
+            <p:cNvPr id="219" name="Rounded Rectangle 218"/>
+            <p:cNvSpPr/>
+            <p:nvPr/>
+          </p:nvSpPr>
+          <p:spPr>
+            <a:xfrm>
+              <a:off x="8363542" y="3782673"/>
+              <a:ext cx="423953" cy="408189"/>
+            </a:xfrm>
+            <a:prstGeom prst="roundRect">
+              <a:avLst/>
+            </a:prstGeom>
+            <a:noFill/>
+            <a:ln>
+              <a:noFill/>
+            </a:ln>
+          </p:spPr>
+          <p:style>
+            <a:lnRef idx="2">
+              <a:schemeClr val="accent6"/>
+            </a:lnRef>
+            <a:fillRef idx="1">
+              <a:schemeClr val="lt1"/>
+            </a:fillRef>
+            <a:effectRef idx="0">
+              <a:schemeClr val="accent6"/>
+            </a:effectRef>
+            <a:fontRef idx="minor">
+              <a:schemeClr val="dk1"/>
+            </a:fontRef>
+          </p:style>
+          <p:txBody>
+            <a:bodyPr rot="0" spcFirstLastPara="0" vertOverflow="overflow" horzOverflow="overflow" vert="horz" wrap="square" lIns="36578" tIns="18289" rIns="36578" bIns="18289" numCol="1" spcCol="0" rtlCol="0" fromWordArt="0" anchor="ctr" anchorCtr="0" forceAA="0" compatLnSpc="1">
+              <a:prstTxWarp prst="textNoShape">
+                <a:avLst/>
+              </a:prstTxWarp>
+              <a:noAutofit/>
+            </a:bodyPr>
+            <a:lstStyle/>
+            <a:p>
+              <a:pPr algn="ctr"/>
+              <a:r>
+                <a:rPr lang="en-SG" sz="600" dirty="0"/>
+                <a:t>Email template exists?</a:t>
+              </a:r>
+            </a:p>
+          </p:txBody>
+        </p:sp>
+        <p:sp>
+          <p:nvSpPr>
+            <p:cNvPr id="230" name="Rounded Rectangle 229"/>
+            <p:cNvSpPr/>
+            <p:nvPr/>
+          </p:nvSpPr>
+          <p:spPr>
+            <a:xfrm>
+              <a:off x="9402567" y="3724845"/>
+              <a:ext cx="581226" cy="456566"/>
+            </a:xfrm>
+            <a:prstGeom prst="roundRect">
+              <a:avLst/>
+            </a:prstGeom>
+          </p:spPr>
+          <p:style>
+            <a:lnRef idx="2">
+              <a:schemeClr val="accent6"/>
+            </a:lnRef>
+            <a:fillRef idx="1">
+              <a:schemeClr val="lt1"/>
+            </a:fillRef>
+            <a:effectRef idx="0">
+              <a:schemeClr val="accent6"/>
+            </a:effectRef>
+            <a:fontRef idx="minor">
+              <a:schemeClr val="dk1"/>
+            </a:fontRef>
+          </p:style>
+          <p:txBody>
+            <a:bodyPr rot="0" spcFirstLastPara="0" vertOverflow="overflow" horzOverflow="overflow" vert="horz" wrap="square" lIns="36578" tIns="18289" rIns="36578" bIns="18289" numCol="1" spcCol="0" rtlCol="0" fromWordArt="0" anchor="ctr" anchorCtr="0" forceAA="0" compatLnSpc="1">
+              <a:prstTxWarp prst="textNoShape">
+                <a:avLst/>
+              </a:prstTxWarp>
+              <a:noAutofit/>
+            </a:bodyPr>
+            <a:lstStyle/>
+            <a:p>
+              <a:pPr algn="ctr"/>
+              <a:r>
+                <a:rPr lang="en-SG" sz="720" dirty="0"/>
+                <a:t>Select Template</a:t>
+              </a:r>
+            </a:p>
+          </p:txBody>
+        </p:sp>
+        <p:cxnSp>
+          <p:nvCxnSpPr>
+            <p:cNvPr id="274" name="Straight Arrow Connector 215"/>
+            <p:cNvCxnSpPr>
+              <a:stCxn id="215" idx="3"/>
+              <a:endCxn id="230" idx="1"/>
+            </p:cNvCxnSpPr>
+            <p:nvPr/>
+          </p:nvCxnSpPr>
+          <p:spPr>
+            <a:xfrm>
+              <a:off x="9009851" y="3952209"/>
+              <a:ext cx="392716" cy="919"/>
+            </a:xfrm>
+            <a:prstGeom prst="straightConnector1">
+              <a:avLst/>
+            </a:prstGeom>
+            <a:ln>
+              <a:tailEnd type="triangle"/>
+            </a:ln>
+          </p:spPr>
+          <p:style>
+            <a:lnRef idx="1">
+              <a:schemeClr val="accent2"/>
+            </a:lnRef>
+            <a:fillRef idx="0">
+              <a:schemeClr val="accent2"/>
+            </a:fillRef>
+            <a:effectRef idx="0">
+              <a:schemeClr val="accent2"/>
+            </a:effectRef>
+            <a:fontRef idx="minor">
+              <a:schemeClr val="tx1"/>
+            </a:fontRef>
+          </p:style>
+        </p:cxnSp>
+        <p:cxnSp>
+          <p:nvCxnSpPr>
+            <p:cNvPr id="290" name="Elbow Connector 289"/>
+            <p:cNvCxnSpPr>
+              <a:stCxn id="215" idx="2"/>
+              <a:endCxn id="293" idx="0"/>
+            </p:cNvCxnSpPr>
+            <p:nvPr/>
+          </p:nvCxnSpPr>
+          <p:spPr>
+            <a:xfrm flipH="1">
+              <a:off x="8575519" y="4259731"/>
+              <a:ext cx="8030" cy="469478"/>
+            </a:xfrm>
+            <a:prstGeom prst="straightConnector1">
+              <a:avLst/>
+            </a:prstGeom>
+            <a:ln>
+              <a:tailEnd type="triangle"/>
+            </a:ln>
+          </p:spPr>
+          <p:style>
+            <a:lnRef idx="1">
+              <a:schemeClr val="accent2"/>
+            </a:lnRef>
+            <a:fillRef idx="0">
+              <a:schemeClr val="accent2"/>
+            </a:fillRef>
+            <a:effectRef idx="0">
+              <a:schemeClr val="accent2"/>
+            </a:effectRef>
+            <a:fontRef idx="minor">
+              <a:schemeClr val="tx1"/>
+            </a:fontRef>
+          </p:style>
+        </p:cxnSp>
+        <p:sp>
+          <p:nvSpPr>
+            <p:cNvPr id="293" name="Rounded Rectangle 292"/>
+            <p:cNvSpPr/>
+            <p:nvPr/>
+          </p:nvSpPr>
+          <p:spPr>
+            <a:xfrm>
+              <a:off x="8273285" y="4729209"/>
+              <a:ext cx="604468" cy="344403"/>
+            </a:xfrm>
+            <a:prstGeom prst="roundRect">
+              <a:avLst/>
+            </a:prstGeom>
+          </p:spPr>
+          <p:style>
+            <a:lnRef idx="2">
+              <a:schemeClr val="accent6"/>
+            </a:lnRef>
+            <a:fillRef idx="1">
+              <a:schemeClr val="lt1"/>
+            </a:fillRef>
+            <a:effectRef idx="0">
+              <a:schemeClr val="accent6"/>
+            </a:effectRef>
+            <a:fontRef idx="minor">
+              <a:schemeClr val="dk1"/>
+            </a:fontRef>
+          </p:style>
+          <p:txBody>
+            <a:bodyPr rot="0" spcFirstLastPara="0" vertOverflow="overflow" horzOverflow="overflow" vert="horz" wrap="square" lIns="36578" tIns="18289" rIns="36578" bIns="18289" numCol="1" spcCol="0" rtlCol="0" fromWordArt="0" anchor="ctr" anchorCtr="0" forceAA="0" compatLnSpc="1">
+              <a:prstTxWarp prst="textNoShape">
+                <a:avLst/>
+              </a:prstTxWarp>
+              <a:noAutofit/>
+            </a:bodyPr>
+            <a:lstStyle/>
+            <a:p>
+              <a:pPr algn="ctr"/>
+              <a:r>
+                <a:rPr lang="en-SG" sz="720" dirty="0"/>
+                <a:t>Draft email</a:t>
+              </a:r>
+            </a:p>
+          </p:txBody>
+        </p:sp>
+        <p:sp>
+          <p:nvSpPr>
+            <p:cNvPr id="322" name="Oval 321"/>
+            <p:cNvSpPr/>
+            <p:nvPr/>
+          </p:nvSpPr>
+          <p:spPr>
+            <a:xfrm>
+              <a:off x="10106037" y="5646782"/>
+              <a:ext cx="147054" cy="149135"/>
+            </a:xfrm>
+            <a:prstGeom prst="ellipse">
+              <a:avLst/>
+            </a:prstGeom>
+          </p:spPr>
+          <p:style>
+            <a:lnRef idx="2">
+              <a:schemeClr val="accent6"/>
+            </a:lnRef>
+            <a:fillRef idx="1">
+              <a:schemeClr val="lt1"/>
+            </a:fillRef>
+            <a:effectRef idx="0">
+              <a:schemeClr val="accent6"/>
+            </a:effectRef>
+            <a:fontRef idx="minor">
+              <a:schemeClr val="dk1"/>
+            </a:fontRef>
+          </p:style>
+          <p:txBody>
+            <a:bodyPr rot="0" spcFirstLastPara="0" vertOverflow="overflow" horzOverflow="overflow" vert="horz" wrap="square" lIns="36578" tIns="18289" rIns="36578" bIns="18289" numCol="1" spcCol="0" rtlCol="0" fromWordArt="0" anchor="ctr" anchorCtr="0" forceAA="0" compatLnSpc="1">
+              <a:prstTxWarp prst="textNoShape">
+                <a:avLst/>
+              </a:prstTxWarp>
+              <a:noAutofit/>
+            </a:bodyPr>
+            <a:lstStyle/>
+            <a:p>
+              <a:pPr algn="ctr"/>
+              <a:endParaRPr lang="en-SG" sz="720"/>
+            </a:p>
+          </p:txBody>
+        </p:sp>
+        <p:sp>
+          <p:nvSpPr>
+            <p:cNvPr id="325" name="Rounded Rectangle 324"/>
+            <p:cNvSpPr/>
+            <p:nvPr/>
+          </p:nvSpPr>
+          <p:spPr>
+            <a:xfrm>
+              <a:off x="9952551" y="5447862"/>
+              <a:ext cx="464277" cy="184501"/>
+            </a:xfrm>
+            <a:prstGeom prst="roundRect">
+              <a:avLst/>
+            </a:prstGeom>
+            <a:noFill/>
+            <a:ln>
+              <a:noFill/>
+            </a:ln>
+          </p:spPr>
+          <p:style>
+            <a:lnRef idx="2">
+              <a:schemeClr val="accent6"/>
+            </a:lnRef>
+            <a:fillRef idx="1">
+              <a:schemeClr val="lt1"/>
+            </a:fillRef>
+            <a:effectRef idx="0">
+              <a:schemeClr val="accent6"/>
+            </a:effectRef>
+            <a:fontRef idx="minor">
+              <a:schemeClr val="dk1"/>
+            </a:fontRef>
+          </p:style>
+          <p:txBody>
+            <a:bodyPr rot="0" spcFirstLastPara="0" vertOverflow="overflow" horzOverflow="overflow" vert="horz" wrap="square" lIns="36578" tIns="18289" rIns="36578" bIns="18289" numCol="1" spcCol="0" rtlCol="0" fromWordArt="0" anchor="ctr" anchorCtr="0" forceAA="0" compatLnSpc="1">
+              <a:prstTxWarp prst="textNoShape">
+                <a:avLst/>
+              </a:prstTxWarp>
+              <a:noAutofit/>
+            </a:bodyPr>
+            <a:lstStyle/>
+            <a:p>
+              <a:pPr algn="ctr"/>
+              <a:r>
+                <a:rPr lang="en-SG" sz="720" dirty="0"/>
+                <a:t>End</a:t>
+              </a:r>
+            </a:p>
+          </p:txBody>
+        </p:sp>
+        <p:sp>
+          <p:nvSpPr>
+            <p:cNvPr id="355" name="Rounded Rectangle 354"/>
+            <p:cNvSpPr/>
+            <p:nvPr/>
+          </p:nvSpPr>
+          <p:spPr>
+            <a:xfrm>
+              <a:off x="6582886" y="5062643"/>
+              <a:ext cx="581226" cy="456566"/>
+            </a:xfrm>
+            <a:prstGeom prst="roundRect">
+              <a:avLst/>
+            </a:prstGeom>
+          </p:spPr>
+          <p:style>
+            <a:lnRef idx="2">
+              <a:schemeClr val="accent6"/>
+            </a:lnRef>
+            <a:fillRef idx="1">
+              <a:schemeClr val="lt1"/>
+            </a:fillRef>
+            <a:effectRef idx="0">
+              <a:schemeClr val="accent6"/>
+            </a:effectRef>
+            <a:fontRef idx="minor">
+              <a:schemeClr val="dk1"/>
+            </a:fontRef>
+          </p:style>
+          <p:txBody>
+            <a:bodyPr rot="0" spcFirstLastPara="0" vertOverflow="overflow" horzOverflow="overflow" vert="horz" wrap="square" lIns="36578" tIns="18289" rIns="36578" bIns="18289" numCol="1" spcCol="0" rtlCol="0" fromWordArt="0" anchor="ctr" anchorCtr="0" forceAA="0" compatLnSpc="1">
+              <a:prstTxWarp prst="textNoShape">
+                <a:avLst/>
+              </a:prstTxWarp>
+              <a:noAutofit/>
+            </a:bodyPr>
+            <a:lstStyle/>
+            <a:p>
+              <a:pPr algn="ctr"/>
+              <a:r>
+                <a:rPr lang="en-SG" sz="720" dirty="0"/>
+                <a:t>Select Screening</a:t>
+              </a:r>
+            </a:p>
+          </p:txBody>
+        </p:sp>
+        <p:sp>
+          <p:nvSpPr>
+            <p:cNvPr id="358" name="Rounded Rectangle 357"/>
+            <p:cNvSpPr/>
+            <p:nvPr/>
+          </p:nvSpPr>
+          <p:spPr>
+            <a:xfrm>
+              <a:off x="6571265" y="5817803"/>
+              <a:ext cx="604468" cy="344403"/>
+            </a:xfrm>
+            <a:prstGeom prst="roundRect">
+              <a:avLst/>
+            </a:prstGeom>
+          </p:spPr>
+          <p:style>
+            <a:lnRef idx="2">
+              <a:schemeClr val="accent6"/>
+            </a:lnRef>
+            <a:fillRef idx="1">
+              <a:schemeClr val="lt1"/>
+            </a:fillRef>
+            <a:effectRef idx="0">
+              <a:schemeClr val="accent6"/>
+            </a:effectRef>
+            <a:fontRef idx="minor">
+              <a:schemeClr val="dk1"/>
+            </a:fontRef>
+          </p:style>
+          <p:txBody>
+            <a:bodyPr rot="0" spcFirstLastPara="0" vertOverflow="overflow" horzOverflow="overflow" vert="horz" wrap="square" lIns="36578" tIns="18289" rIns="36578" bIns="18289" numCol="1" spcCol="0" rtlCol="0" fromWordArt="0" anchor="ctr" anchorCtr="0" forceAA="0" compatLnSpc="1">
+              <a:prstTxWarp prst="textNoShape">
+                <a:avLst/>
+              </a:prstTxWarp>
+              <a:noAutofit/>
+            </a:bodyPr>
+            <a:lstStyle/>
+            <a:p>
+              <a:pPr algn="ctr"/>
+              <a:r>
+                <a:rPr lang="en-SG" sz="720" dirty="0"/>
+                <a:t>View Screening</a:t>
+              </a:r>
+            </a:p>
+          </p:txBody>
+        </p:sp>
+        <p:cxnSp>
+          <p:nvCxnSpPr>
+            <p:cNvPr id="365" name="Elbow Connector 364"/>
+            <p:cNvCxnSpPr>
+              <a:stCxn id="355" idx="0"/>
+              <a:endCxn id="413" idx="2"/>
+            </p:cNvCxnSpPr>
+            <p:nvPr/>
+          </p:nvCxnSpPr>
+          <p:spPr>
+            <a:xfrm flipV="1">
+              <a:off x="6873499" y="4741307"/>
+              <a:ext cx="712" cy="321336"/>
+            </a:xfrm>
+            <a:prstGeom prst="straightConnector1">
+              <a:avLst/>
+            </a:prstGeom>
+            <a:ln>
+              <a:tailEnd type="triangle"/>
+            </a:ln>
+          </p:spPr>
+          <p:style>
+            <a:lnRef idx="1">
+              <a:schemeClr val="accent2"/>
+            </a:lnRef>
+            <a:fillRef idx="0">
+              <a:schemeClr val="accent2"/>
+            </a:fillRef>
+            <a:effectRef idx="0">
+              <a:schemeClr val="accent2"/>
+            </a:effectRef>
+            <a:fontRef idx="minor">
+              <a:schemeClr val="tx1"/>
+            </a:fontRef>
+          </p:style>
+        </p:cxnSp>
+        <p:cxnSp>
+          <p:nvCxnSpPr>
+            <p:cNvPr id="370" name="Elbow Connector 369"/>
+            <p:cNvCxnSpPr>
+              <a:stCxn id="358" idx="0"/>
+              <a:endCxn id="355" idx="2"/>
+            </p:cNvCxnSpPr>
+            <p:nvPr/>
+          </p:nvCxnSpPr>
+          <p:spPr>
+            <a:xfrm flipV="1">
+              <a:off x="6873499" y="5519209"/>
+              <a:ext cx="0" cy="298594"/>
+            </a:xfrm>
+            <a:prstGeom prst="straightConnector1">
+              <a:avLst/>
+            </a:prstGeom>
+            <a:ln>
+              <a:tailEnd type="triangle"/>
+            </a:ln>
+          </p:spPr>
+          <p:style>
+            <a:lnRef idx="1">
+              <a:schemeClr val="accent2"/>
+            </a:lnRef>
+            <a:fillRef idx="0">
+              <a:schemeClr val="accent2"/>
+            </a:fillRef>
+            <a:effectRef idx="0">
+              <a:schemeClr val="accent2"/>
+            </a:effectRef>
+            <a:fontRef idx="minor">
+              <a:schemeClr val="tx1"/>
+            </a:fontRef>
+          </p:style>
+        </p:cxnSp>
+        <p:sp>
+          <p:nvSpPr>
+            <p:cNvPr id="391" name="Rounded Rectangle 390"/>
+            <p:cNvSpPr/>
+            <p:nvPr/>
+          </p:nvSpPr>
+          <p:spPr>
+            <a:xfrm>
+              <a:off x="7937013" y="5415279"/>
+              <a:ext cx="295977" cy="99379"/>
+            </a:xfrm>
+            <a:prstGeom prst="roundRect">
+              <a:avLst/>
+            </a:prstGeom>
+            <a:noFill/>
+            <a:ln>
+              <a:noFill/>
+            </a:ln>
+          </p:spPr>
+          <p:style>
+            <a:lnRef idx="2">
+              <a:schemeClr val="accent6"/>
+            </a:lnRef>
+            <a:fillRef idx="1">
+              <a:schemeClr val="lt1"/>
+            </a:fillRef>
+            <a:effectRef idx="0">
+              <a:schemeClr val="accent6"/>
+            </a:effectRef>
+            <a:fontRef idx="minor">
+              <a:schemeClr val="dk1"/>
+            </a:fontRef>
+          </p:style>
+          <p:txBody>
+            <a:bodyPr rot="0" spcFirstLastPara="0" vertOverflow="overflow" horzOverflow="overflow" vert="horz" wrap="square" lIns="36578" tIns="18289" rIns="36578" bIns="18289" numCol="1" spcCol="0" rtlCol="0" fromWordArt="0" anchor="ctr" anchorCtr="0" forceAA="0" compatLnSpc="1">
+              <a:prstTxWarp prst="textNoShape">
+                <a:avLst/>
+              </a:prstTxWarp>
+              <a:noAutofit/>
+            </a:bodyPr>
+            <a:lstStyle/>
+            <a:p>
+              <a:pPr algn="ctr"/>
+              <a:r>
+                <a:rPr lang="en-SG" sz="720" dirty="0"/>
+                <a:t>Yes</a:t>
+              </a:r>
+            </a:p>
+          </p:txBody>
+        </p:sp>
+        <p:sp>
+          <p:nvSpPr>
+            <p:cNvPr id="393" name="Rounded Rectangle 392"/>
+            <p:cNvSpPr/>
+            <p:nvPr/>
+          </p:nvSpPr>
+          <p:spPr>
+            <a:xfrm>
+              <a:off x="8324817" y="4218708"/>
+              <a:ext cx="295977" cy="99379"/>
+            </a:xfrm>
+            <a:prstGeom prst="roundRect">
+              <a:avLst/>
+            </a:prstGeom>
+            <a:noFill/>
+            <a:ln>
+              <a:noFill/>
+            </a:ln>
+          </p:spPr>
+          <p:style>
+            <a:lnRef idx="2">
+              <a:schemeClr val="accent6"/>
+            </a:lnRef>
+            <a:fillRef idx="1">
+              <a:schemeClr val="lt1"/>
+            </a:fillRef>
+            <a:effectRef idx="0">
+              <a:schemeClr val="accent6"/>
+            </a:effectRef>
+            <a:fontRef idx="minor">
+              <a:schemeClr val="dk1"/>
+            </a:fontRef>
+          </p:style>
+          <p:txBody>
+            <a:bodyPr rot="0" spcFirstLastPara="0" vertOverflow="overflow" horzOverflow="overflow" vert="horz" wrap="square" lIns="36578" tIns="18289" rIns="36578" bIns="18289" numCol="1" spcCol="0" rtlCol="0" fromWordArt="0" anchor="ctr" anchorCtr="0" forceAA="0" compatLnSpc="1">
+              <a:prstTxWarp prst="textNoShape">
+                <a:avLst/>
+              </a:prstTxWarp>
+              <a:noAutofit/>
+            </a:bodyPr>
+            <a:lstStyle/>
+            <a:p>
+              <a:pPr algn="ctr"/>
+              <a:r>
+                <a:rPr lang="en-SG" sz="720" dirty="0"/>
+                <a:t>No</a:t>
+              </a:r>
+            </a:p>
+          </p:txBody>
+        </p:sp>
+        <p:sp>
+          <p:nvSpPr>
+            <p:cNvPr id="394" name="Rounded Rectangle 393"/>
+            <p:cNvSpPr/>
+            <p:nvPr/>
+          </p:nvSpPr>
+          <p:spPr>
+            <a:xfrm>
+              <a:off x="8897376" y="3807253"/>
+              <a:ext cx="295977" cy="99379"/>
+            </a:xfrm>
+            <a:prstGeom prst="roundRect">
+              <a:avLst/>
+            </a:prstGeom>
+            <a:noFill/>
+            <a:ln>
+              <a:noFill/>
+            </a:ln>
+          </p:spPr>
+          <p:style>
+            <a:lnRef idx="2">
+              <a:schemeClr val="accent6"/>
+            </a:lnRef>
+            <a:fillRef idx="1">
+              <a:schemeClr val="lt1"/>
+            </a:fillRef>
+            <a:effectRef idx="0">
+              <a:schemeClr val="accent6"/>
+            </a:effectRef>
+            <a:fontRef idx="minor">
+              <a:schemeClr val="dk1"/>
+            </a:fontRef>
+          </p:style>
+          <p:txBody>
+            <a:bodyPr rot="0" spcFirstLastPara="0" vertOverflow="overflow" horzOverflow="overflow" vert="horz" wrap="square" lIns="36578" tIns="18289" rIns="36578" bIns="18289" numCol="1" spcCol="0" rtlCol="0" fromWordArt="0" anchor="ctr" anchorCtr="0" forceAA="0" compatLnSpc="1">
+              <a:prstTxWarp prst="textNoShape">
+                <a:avLst/>
+              </a:prstTxWarp>
+              <a:noAutofit/>
+            </a:bodyPr>
+            <a:lstStyle/>
+            <a:p>
+              <a:pPr algn="ctr"/>
+              <a:r>
+                <a:rPr lang="en-SG" sz="720" dirty="0"/>
+                <a:t>Yes</a:t>
+              </a:r>
+            </a:p>
+          </p:txBody>
+        </p:sp>
+        <p:sp>
+          <p:nvSpPr>
+            <p:cNvPr id="413" name="Rounded Rectangle 412"/>
+            <p:cNvSpPr/>
+            <p:nvPr/>
+          </p:nvSpPr>
+          <p:spPr>
+            <a:xfrm>
+              <a:off x="6571977" y="4396904"/>
+              <a:ext cx="604468" cy="344403"/>
+            </a:xfrm>
+            <a:prstGeom prst="roundRect">
+              <a:avLst/>
+            </a:prstGeom>
+          </p:spPr>
+          <p:style>
+            <a:lnRef idx="2">
+              <a:schemeClr val="accent6"/>
+            </a:lnRef>
+            <a:fillRef idx="1">
+              <a:schemeClr val="lt1"/>
+            </a:fillRef>
+            <a:effectRef idx="0">
+              <a:schemeClr val="accent6"/>
+            </a:effectRef>
+            <a:fontRef idx="minor">
+              <a:schemeClr val="dk1"/>
+            </a:fontRef>
+          </p:style>
+          <p:txBody>
+            <a:bodyPr rot="0" spcFirstLastPara="0" vertOverflow="overflow" horzOverflow="overflow" vert="horz" wrap="square" lIns="36578" tIns="18289" rIns="36578" bIns="18289" numCol="1" spcCol="0" rtlCol="0" fromWordArt="0" anchor="ctr" anchorCtr="0" forceAA="0" compatLnSpc="1">
+              <a:prstTxWarp prst="textNoShape">
+                <a:avLst/>
+              </a:prstTxWarp>
+              <a:noAutofit/>
+            </a:bodyPr>
+            <a:lstStyle/>
+            <a:p>
+              <a:pPr algn="ctr"/>
+              <a:r>
+                <a:rPr lang="en-SG" sz="720" dirty="0"/>
+                <a:t>Select clients to send email</a:t>
+              </a:r>
+            </a:p>
+          </p:txBody>
+        </p:sp>
+        <p:cxnSp>
+          <p:nvCxnSpPr>
+            <p:cNvPr id="415" name="Elbow Connector 414"/>
+            <p:cNvCxnSpPr>
+              <a:stCxn id="413" idx="0"/>
+              <a:endCxn id="215" idx="1"/>
+            </p:cNvCxnSpPr>
+            <p:nvPr/>
+          </p:nvCxnSpPr>
+          <p:spPr>
+            <a:xfrm rot="5400000" flipH="1" flipV="1">
+              <a:off x="7293382" y="3533039"/>
+              <a:ext cx="444695" cy="1283036"/>
+            </a:xfrm>
+            <a:prstGeom prst="bentConnector2">
+              <a:avLst/>
+            </a:prstGeom>
+            <a:ln>
+              <a:tailEnd type="triangle"/>
+            </a:ln>
+          </p:spPr>
+          <p:style>
+            <a:lnRef idx="1">
+              <a:schemeClr val="accent2"/>
+            </a:lnRef>
+            <a:fillRef idx="0">
+              <a:schemeClr val="accent2"/>
+            </a:fillRef>
+            <a:effectRef idx="0">
+              <a:schemeClr val="accent2"/>
+            </a:effectRef>
+            <a:fontRef idx="minor">
+              <a:schemeClr val="tx1"/>
+            </a:fontRef>
+          </p:style>
+        </p:cxnSp>
+        <p:sp>
+          <p:nvSpPr>
+            <p:cNvPr id="428" name="Flowchart: Decision 427"/>
+            <p:cNvSpPr/>
+            <p:nvPr/>
+          </p:nvSpPr>
+          <p:spPr>
+            <a:xfrm>
+              <a:off x="8146002" y="5242032"/>
+              <a:ext cx="865466" cy="615045"/>
+            </a:xfrm>
+            <a:prstGeom prst="flowChartDecision">
+              <a:avLst/>
+            </a:prstGeom>
+          </p:spPr>
+          <p:style>
+            <a:lnRef idx="2">
+              <a:schemeClr val="accent6"/>
+            </a:lnRef>
+            <a:fillRef idx="1">
+              <a:schemeClr val="lt1"/>
+            </a:fillRef>
+            <a:effectRef idx="0">
+              <a:schemeClr val="accent6"/>
+            </a:effectRef>
+            <a:fontRef idx="minor">
+              <a:schemeClr val="dk1"/>
+            </a:fontRef>
+          </p:style>
+          <p:txBody>
+            <a:bodyPr rtlCol="0" anchor="ctr"/>
+            <a:lstStyle/>
+            <a:p>
+              <a:pPr algn="ctr"/>
+              <a:r>
+                <a:rPr lang="en-SG" sz="700" dirty="0"/>
+                <a:t>Save?</a:t>
+              </a:r>
+            </a:p>
+          </p:txBody>
+        </p:sp>
+        <p:cxnSp>
+          <p:nvCxnSpPr>
+            <p:cNvPr id="429" name="Elbow Connector 289"/>
+            <p:cNvCxnSpPr>
+              <a:stCxn id="293" idx="2"/>
+              <a:endCxn id="428" idx="0"/>
+            </p:cNvCxnSpPr>
+            <p:nvPr/>
+          </p:nvCxnSpPr>
+          <p:spPr>
+            <a:xfrm>
+              <a:off x="8575519" y="5073612"/>
+              <a:ext cx="3216" cy="168420"/>
+            </a:xfrm>
+            <a:prstGeom prst="straightConnector1">
+              <a:avLst/>
+            </a:prstGeom>
+            <a:ln>
+              <a:tailEnd type="triangle"/>
+            </a:ln>
+          </p:spPr>
+          <p:style>
+            <a:lnRef idx="1">
+              <a:schemeClr val="accent2"/>
+            </a:lnRef>
+            <a:fillRef idx="0">
+              <a:schemeClr val="accent2"/>
+            </a:fillRef>
+            <a:effectRef idx="0">
+              <a:schemeClr val="accent2"/>
+            </a:effectRef>
+            <a:fontRef idx="minor">
+              <a:schemeClr val="tx1"/>
+            </a:fontRef>
+          </p:style>
+        </p:cxnSp>
+        <p:sp>
+          <p:nvSpPr>
+            <p:cNvPr id="432" name="Rounded Rectangle 431"/>
+            <p:cNvSpPr/>
+            <p:nvPr/>
+          </p:nvSpPr>
+          <p:spPr>
+            <a:xfrm>
+              <a:off x="8085002" y="7112154"/>
+              <a:ext cx="997014" cy="502907"/>
+            </a:xfrm>
+            <a:prstGeom prst="roundRect">
+              <a:avLst/>
+            </a:prstGeom>
+          </p:spPr>
+          <p:style>
+            <a:lnRef idx="2">
+              <a:schemeClr val="accent6"/>
+            </a:lnRef>
+            <a:fillRef idx="1">
+              <a:schemeClr val="lt1"/>
+            </a:fillRef>
+            <a:effectRef idx="0">
+              <a:schemeClr val="accent6"/>
+            </a:effectRef>
+            <a:fontRef idx="minor">
+              <a:schemeClr val="dk1"/>
+            </a:fontRef>
+          </p:style>
+          <p:txBody>
+            <a:bodyPr rot="0" spcFirstLastPara="0" vertOverflow="overflow" horzOverflow="overflow" vert="horz" wrap="square" lIns="36578" tIns="18289" rIns="36578" bIns="18289" numCol="1" spcCol="0" rtlCol="0" fromWordArt="0" anchor="ctr" anchorCtr="0" forceAA="0" compatLnSpc="1">
+              <a:prstTxWarp prst="textNoShape">
+                <a:avLst/>
+              </a:prstTxWarp>
+              <a:noAutofit/>
+            </a:bodyPr>
+            <a:lstStyle/>
+            <a:p>
+              <a:pPr algn="ctr"/>
+              <a:r>
+                <a:rPr lang="en-SG" sz="720" dirty="0"/>
+                <a:t>Pull client and screenings information from database</a:t>
+              </a:r>
+            </a:p>
+          </p:txBody>
+        </p:sp>
+        <p:sp>
+          <p:nvSpPr>
+            <p:cNvPr id="433" name="Rounded Rectangle 432"/>
+            <p:cNvSpPr/>
+            <p:nvPr/>
+          </p:nvSpPr>
+          <p:spPr>
+            <a:xfrm>
+              <a:off x="9871947" y="7112713"/>
+              <a:ext cx="653610" cy="502907"/>
+            </a:xfrm>
+            <a:prstGeom prst="roundRect">
+              <a:avLst/>
+            </a:prstGeom>
+          </p:spPr>
+          <p:style>
+            <a:lnRef idx="2">
+              <a:schemeClr val="accent6"/>
+            </a:lnRef>
+            <a:fillRef idx="1">
+              <a:schemeClr val="lt1"/>
+            </a:fillRef>
+            <a:effectRef idx="0">
+              <a:schemeClr val="accent6"/>
+            </a:effectRef>
+            <a:fontRef idx="minor">
+              <a:schemeClr val="dk1"/>
+            </a:fontRef>
+          </p:style>
+          <p:txBody>
+            <a:bodyPr rot="0" spcFirstLastPara="0" vertOverflow="overflow" horzOverflow="overflow" vert="horz" wrap="square" lIns="36578" tIns="18289" rIns="36578" bIns="18289" numCol="1" spcCol="0" rtlCol="0" fromWordArt="0" anchor="ctr" anchorCtr="0" forceAA="0" compatLnSpc="1">
+              <a:prstTxWarp prst="textNoShape">
+                <a:avLst/>
+              </a:prstTxWarp>
+              <a:noAutofit/>
+            </a:bodyPr>
+            <a:lstStyle/>
+            <a:p>
+              <a:pPr algn="ctr"/>
+              <a:r>
+                <a:rPr lang="en-SG" sz="720" dirty="0"/>
+                <a:t>Send as email to recipient</a:t>
+              </a:r>
+            </a:p>
+          </p:txBody>
+        </p:sp>
+        <p:cxnSp>
+          <p:nvCxnSpPr>
+            <p:cNvPr id="435" name="Elbow Connector 289"/>
+            <p:cNvCxnSpPr>
+              <a:stCxn id="441" idx="2"/>
+              <a:endCxn id="432" idx="0"/>
+            </p:cNvCxnSpPr>
+            <p:nvPr/>
+          </p:nvCxnSpPr>
+          <p:spPr>
+            <a:xfrm>
+              <a:off x="8579574" y="6564284"/>
+              <a:ext cx="3935" cy="547870"/>
+            </a:xfrm>
+            <a:prstGeom prst="straightConnector1">
+              <a:avLst/>
+            </a:prstGeom>
+            <a:ln>
+              <a:tailEnd type="triangle"/>
+            </a:ln>
+          </p:spPr>
+          <p:style>
+            <a:lnRef idx="1">
+              <a:schemeClr val="accent2"/>
+            </a:lnRef>
+            <a:fillRef idx="0">
+              <a:schemeClr val="accent2"/>
+            </a:fillRef>
+            <a:effectRef idx="0">
+              <a:schemeClr val="accent2"/>
+            </a:effectRef>
+            <a:fontRef idx="minor">
+              <a:schemeClr val="tx1"/>
+            </a:fontRef>
+          </p:style>
+        </p:cxnSp>
+        <p:cxnSp>
+          <p:nvCxnSpPr>
+            <p:cNvPr id="438" name="Elbow Connector 375"/>
+            <p:cNvCxnSpPr>
+              <a:stCxn id="432" idx="3"/>
+              <a:endCxn id="433" idx="1"/>
+            </p:cNvCxnSpPr>
+            <p:nvPr/>
+          </p:nvCxnSpPr>
+          <p:spPr>
+            <a:xfrm>
+              <a:off x="9082016" y="7363608"/>
+              <a:ext cx="789931" cy="559"/>
+            </a:xfrm>
+            <a:prstGeom prst="straightConnector1">
+              <a:avLst/>
+            </a:prstGeom>
+            <a:ln>
+              <a:tailEnd type="triangle"/>
+            </a:ln>
+          </p:spPr>
+          <p:style>
+            <a:lnRef idx="1">
+              <a:schemeClr val="accent2"/>
+            </a:lnRef>
+            <a:fillRef idx="0">
+              <a:schemeClr val="accent2"/>
+            </a:fillRef>
+            <a:effectRef idx="0">
+              <a:schemeClr val="accent2"/>
+            </a:effectRef>
+            <a:fontRef idx="minor">
+              <a:schemeClr val="tx1"/>
+            </a:fontRef>
+          </p:style>
+        </p:cxnSp>
+        <p:sp>
+          <p:nvSpPr>
+            <p:cNvPr id="441" name="Rounded Rectangle 440"/>
+            <p:cNvSpPr/>
+            <p:nvPr/>
+          </p:nvSpPr>
+          <p:spPr>
+            <a:xfrm>
+              <a:off x="8263248" y="6128343"/>
+              <a:ext cx="632652" cy="435941"/>
+            </a:xfrm>
+            <a:prstGeom prst="roundRect">
+              <a:avLst/>
+            </a:prstGeom>
+          </p:spPr>
+          <p:style>
+            <a:lnRef idx="2">
+              <a:schemeClr val="accent6"/>
+            </a:lnRef>
+            <a:fillRef idx="1">
+              <a:schemeClr val="lt1"/>
+            </a:fillRef>
+            <a:effectRef idx="0">
+              <a:schemeClr val="accent6"/>
+            </a:effectRef>
+            <a:fontRef idx="minor">
+              <a:schemeClr val="dk1"/>
+            </a:fontRef>
+          </p:style>
+          <p:txBody>
+            <a:bodyPr rot="0" spcFirstLastPara="0" vertOverflow="overflow" horzOverflow="overflow" vert="horz" wrap="square" lIns="36578" tIns="18289" rIns="36578" bIns="18289" numCol="1" spcCol="0" rtlCol="0" fromWordArt="0" anchor="ctr" anchorCtr="0" forceAA="0" compatLnSpc="1">
+              <a:prstTxWarp prst="textNoShape">
+                <a:avLst/>
+              </a:prstTxWarp>
+              <a:noAutofit/>
+            </a:bodyPr>
+            <a:lstStyle/>
+            <a:p>
+              <a:pPr algn="ctr"/>
+              <a:r>
+                <a:rPr lang="en-SG" sz="720" dirty="0"/>
+                <a:t>Send email</a:t>
+              </a:r>
+            </a:p>
+          </p:txBody>
+        </p:sp>
+        <p:cxnSp>
+          <p:nvCxnSpPr>
+            <p:cNvPr id="444" name="Elbow Connector 289"/>
+            <p:cNvCxnSpPr>
+              <a:stCxn id="428" idx="2"/>
+              <a:endCxn id="441" idx="0"/>
+            </p:cNvCxnSpPr>
+            <p:nvPr/>
+          </p:nvCxnSpPr>
+          <p:spPr>
+            <a:xfrm>
+              <a:off x="8578735" y="5857077"/>
+              <a:ext cx="839" cy="271266"/>
+            </a:xfrm>
+            <a:prstGeom prst="straightConnector1">
+              <a:avLst/>
+            </a:prstGeom>
+            <a:ln>
+              <a:tailEnd type="triangle"/>
+            </a:ln>
+          </p:spPr>
+          <p:style>
+            <a:lnRef idx="1">
+              <a:schemeClr val="accent2"/>
+            </a:lnRef>
+            <a:fillRef idx="0">
+              <a:schemeClr val="accent2"/>
+            </a:fillRef>
+            <a:effectRef idx="0">
+              <a:schemeClr val="accent2"/>
+            </a:effectRef>
+            <a:fontRef idx="minor">
+              <a:schemeClr val="tx1"/>
+            </a:fontRef>
+          </p:style>
+        </p:cxnSp>
+        <p:sp>
+          <p:nvSpPr>
+            <p:cNvPr id="576" name="Rounded Rectangle 575"/>
+            <p:cNvSpPr/>
+            <p:nvPr/>
+          </p:nvSpPr>
+          <p:spPr>
+            <a:xfrm>
+              <a:off x="7020411" y="7094169"/>
+              <a:ext cx="653610" cy="502907"/>
+            </a:xfrm>
+            <a:prstGeom prst="roundRect">
+              <a:avLst/>
+            </a:prstGeom>
+          </p:spPr>
+          <p:style>
+            <a:lnRef idx="2">
+              <a:schemeClr val="accent6"/>
+            </a:lnRef>
+            <a:fillRef idx="1">
+              <a:schemeClr val="lt1"/>
+            </a:fillRef>
+            <a:effectRef idx="0">
+              <a:schemeClr val="accent6"/>
+            </a:effectRef>
+            <a:fontRef idx="minor">
+              <a:schemeClr val="dk1"/>
+            </a:fontRef>
+          </p:style>
+          <p:txBody>
+            <a:bodyPr rot="0" spcFirstLastPara="0" vertOverflow="overflow" horzOverflow="overflow" vert="horz" wrap="square" lIns="36578" tIns="18289" rIns="36578" bIns="18289" numCol="1" spcCol="0" rtlCol="0" fromWordArt="0" anchor="ctr" anchorCtr="0" forceAA="0" compatLnSpc="1">
+              <a:prstTxWarp prst="textNoShape">
+                <a:avLst/>
+              </a:prstTxWarp>
+              <a:noAutofit/>
+            </a:bodyPr>
+            <a:lstStyle/>
+            <a:p>
+              <a:pPr algn="ctr"/>
+              <a:r>
+                <a:rPr lang="en-SG" sz="720" dirty="0"/>
+                <a:t>Save drafted email</a:t>
+              </a:r>
+            </a:p>
+          </p:txBody>
+        </p:sp>
+        <p:sp>
+          <p:nvSpPr>
+            <p:cNvPr id="578" name="Rounded Rectangle 577"/>
+            <p:cNvSpPr/>
+            <p:nvPr/>
+          </p:nvSpPr>
+          <p:spPr>
+            <a:xfrm>
+              <a:off x="8324817" y="5819417"/>
+              <a:ext cx="295977" cy="99379"/>
+            </a:xfrm>
+            <a:prstGeom prst="roundRect">
+              <a:avLst/>
+            </a:prstGeom>
+            <a:noFill/>
+            <a:ln>
+              <a:noFill/>
+            </a:ln>
+          </p:spPr>
+          <p:style>
+            <a:lnRef idx="2">
+              <a:schemeClr val="accent6"/>
+            </a:lnRef>
+            <a:fillRef idx="1">
+              <a:schemeClr val="lt1"/>
+            </a:fillRef>
+            <a:effectRef idx="0">
+              <a:schemeClr val="accent6"/>
+            </a:effectRef>
+            <a:fontRef idx="minor">
+              <a:schemeClr val="dk1"/>
+            </a:fontRef>
+          </p:style>
+          <p:txBody>
+            <a:bodyPr rot="0" spcFirstLastPara="0" vertOverflow="overflow" horzOverflow="overflow" vert="horz" wrap="square" lIns="36578" tIns="18289" rIns="36578" bIns="18289" numCol="1" spcCol="0" rtlCol="0" fromWordArt="0" anchor="ctr" anchorCtr="0" forceAA="0" compatLnSpc="1">
+              <a:prstTxWarp prst="textNoShape">
+                <a:avLst/>
+              </a:prstTxWarp>
+              <a:noAutofit/>
+            </a:bodyPr>
+            <a:lstStyle/>
+            <a:p>
+              <a:pPr algn="ctr"/>
+              <a:r>
+                <a:rPr lang="en-SG" sz="720" dirty="0"/>
+                <a:t>No</a:t>
+              </a:r>
+            </a:p>
+          </p:txBody>
+        </p:sp>
+        <p:cxnSp>
+          <p:nvCxnSpPr>
+            <p:cNvPr id="579" name="Elbow Connector 289"/>
+            <p:cNvCxnSpPr>
+              <a:stCxn id="428" idx="1"/>
+              <a:endCxn id="576" idx="0"/>
+            </p:cNvCxnSpPr>
+            <p:nvPr/>
+          </p:nvCxnSpPr>
+          <p:spPr>
+            <a:xfrm rot="10800000" flipV="1">
+              <a:off x="7347216" y="5549555"/>
+              <a:ext cx="798786" cy="1544614"/>
+            </a:xfrm>
+            <a:prstGeom prst="bentConnector2">
+              <a:avLst/>
+            </a:prstGeom>
+            <a:ln>
+              <a:tailEnd type="triangle"/>
+            </a:ln>
+          </p:spPr>
+          <p:style>
+            <a:lnRef idx="1">
+              <a:schemeClr val="accent2"/>
+            </a:lnRef>
+            <a:fillRef idx="0">
+              <a:schemeClr val="accent2"/>
+            </a:fillRef>
+            <a:effectRef idx="0">
+              <a:schemeClr val="accent2"/>
+            </a:effectRef>
+            <a:fontRef idx="minor">
+              <a:schemeClr val="tx1"/>
+            </a:fontRef>
+          </p:style>
+        </p:cxnSp>
+        <p:cxnSp>
+          <p:nvCxnSpPr>
+            <p:cNvPr id="616" name="Elbow Connector 289"/>
+            <p:cNvCxnSpPr>
+              <a:stCxn id="576" idx="3"/>
+              <a:endCxn id="441" idx="1"/>
+            </p:cNvCxnSpPr>
+            <p:nvPr/>
+          </p:nvCxnSpPr>
+          <p:spPr>
+            <a:xfrm flipV="1">
+              <a:off x="7674021" y="6346314"/>
+              <a:ext cx="589227" cy="999309"/>
+            </a:xfrm>
+            <a:prstGeom prst="bentConnector3">
+              <a:avLst>
+                <a:gd name="adj1" fmla="val 50000"/>
+              </a:avLst>
+            </a:prstGeom>
+            <a:ln>
+              <a:tailEnd type="triangle"/>
+            </a:ln>
+          </p:spPr>
+          <p:style>
+            <a:lnRef idx="1">
+              <a:schemeClr val="accent2"/>
+            </a:lnRef>
+            <a:fillRef idx="0">
+              <a:schemeClr val="accent2"/>
+            </a:fillRef>
+            <a:effectRef idx="0">
+              <a:schemeClr val="accent2"/>
+            </a:effectRef>
+            <a:fontRef idx="minor">
+              <a:schemeClr val="tx1"/>
+            </a:fontRef>
+          </p:style>
+        </p:cxnSp>
+        <p:sp>
+          <p:nvSpPr>
+            <p:cNvPr id="619" name="Rounded Rectangle 618"/>
+            <p:cNvSpPr/>
+            <p:nvPr/>
+          </p:nvSpPr>
+          <p:spPr>
+            <a:xfrm>
+              <a:off x="9863238" y="6101933"/>
+              <a:ext cx="632652" cy="435941"/>
+            </a:xfrm>
+            <a:prstGeom prst="roundRect">
+              <a:avLst/>
+            </a:prstGeom>
+          </p:spPr>
+          <p:style>
+            <a:lnRef idx="2">
+              <a:schemeClr val="accent6"/>
+            </a:lnRef>
+            <a:fillRef idx="1">
+              <a:schemeClr val="lt1"/>
+            </a:fillRef>
+            <a:effectRef idx="0">
+              <a:schemeClr val="accent6"/>
+            </a:effectRef>
+            <a:fontRef idx="minor">
+              <a:schemeClr val="dk1"/>
+            </a:fontRef>
+          </p:style>
+          <p:txBody>
+            <a:bodyPr rot="0" spcFirstLastPara="0" vertOverflow="overflow" horzOverflow="overflow" vert="horz" wrap="square" lIns="36578" tIns="18289" rIns="36578" bIns="18289" numCol="1" spcCol="0" rtlCol="0" fromWordArt="0" anchor="ctr" anchorCtr="0" forceAA="0" compatLnSpc="1">
+              <a:prstTxWarp prst="textNoShape">
+                <a:avLst/>
+              </a:prstTxWarp>
+              <a:noAutofit/>
+            </a:bodyPr>
+            <a:lstStyle/>
+            <a:p>
+              <a:pPr algn="ctr"/>
+              <a:r>
+                <a:rPr lang="en-SG" sz="720" dirty="0"/>
+                <a:t>Check email and forward to client</a:t>
+              </a:r>
+            </a:p>
+          </p:txBody>
+        </p:sp>
+        <p:cxnSp>
+          <p:nvCxnSpPr>
+            <p:cNvPr id="623" name="Elbow Connector 375"/>
+            <p:cNvCxnSpPr>
+              <a:stCxn id="433" idx="0"/>
+              <a:endCxn id="619" idx="2"/>
+            </p:cNvCxnSpPr>
+            <p:nvPr/>
+          </p:nvCxnSpPr>
+          <p:spPr>
+            <a:xfrm flipH="1" flipV="1">
+              <a:off x="10179564" y="6537874"/>
+              <a:ext cx="19188" cy="574839"/>
+            </a:xfrm>
+            <a:prstGeom prst="straightConnector1">
+              <a:avLst/>
+            </a:prstGeom>
+            <a:ln>
+              <a:tailEnd type="triangle"/>
+            </a:ln>
+          </p:spPr>
+          <p:style>
+            <a:lnRef idx="1">
+              <a:schemeClr val="accent2"/>
+            </a:lnRef>
+            <a:fillRef idx="0">
+              <a:schemeClr val="accent2"/>
+            </a:fillRef>
+            <a:effectRef idx="0">
+              <a:schemeClr val="accent2"/>
+            </a:effectRef>
+            <a:fontRef idx="minor">
+              <a:schemeClr val="tx1"/>
+            </a:fontRef>
+          </p:style>
+        </p:cxnSp>
+        <p:cxnSp>
+          <p:nvCxnSpPr>
+            <p:cNvPr id="626" name="Elbow Connector 375"/>
+            <p:cNvCxnSpPr>
+              <a:stCxn id="619" idx="0"/>
+            </p:cNvCxnSpPr>
+            <p:nvPr/>
+          </p:nvCxnSpPr>
+          <p:spPr>
+            <a:xfrm flipV="1">
+              <a:off x="10179564" y="5808312"/>
+              <a:ext cx="0" cy="293621"/>
+            </a:xfrm>
+            <a:prstGeom prst="straightConnector1">
+              <a:avLst/>
+            </a:prstGeom>
+            <a:ln>
+              <a:tailEnd type="triangle"/>
+            </a:ln>
+          </p:spPr>
+          <p:style>
+            <a:lnRef idx="1">
+              <a:schemeClr val="accent2"/>
+            </a:lnRef>
+            <a:fillRef idx="0">
+              <a:schemeClr val="accent2"/>
+            </a:fillRef>
+            <a:effectRef idx="0">
+              <a:schemeClr val="accent2"/>
+            </a:effectRef>
+            <a:fontRef idx="minor">
+              <a:schemeClr val="tx1"/>
+            </a:fontRef>
+          </p:style>
+        </p:cxnSp>
+        <p:cxnSp>
+          <p:nvCxnSpPr>
+            <p:cNvPr id="636" name="Elbow Connector 635"/>
+            <p:cNvCxnSpPr>
+              <a:stCxn id="230" idx="2"/>
+              <a:endCxn id="441" idx="3"/>
+            </p:cNvCxnSpPr>
+            <p:nvPr/>
+          </p:nvCxnSpPr>
+          <p:spPr>
+            <a:xfrm rot="5400000">
+              <a:off x="8212089" y="4865222"/>
+              <a:ext cx="2164903" cy="797280"/>
+            </a:xfrm>
+            <a:prstGeom prst="bentConnector2">
+              <a:avLst/>
+            </a:prstGeom>
+            <a:ln>
+              <a:tailEnd type="triangle"/>
+            </a:ln>
+          </p:spPr>
+          <p:style>
+            <a:lnRef idx="1">
+              <a:schemeClr val="accent2"/>
+            </a:lnRef>
+            <a:fillRef idx="0">
+              <a:schemeClr val="accent2"/>
+            </a:fillRef>
+            <a:effectRef idx="0">
+              <a:schemeClr val="accent2"/>
+            </a:effectRef>
+            <a:fontRef idx="minor">
+              <a:schemeClr val="tx1"/>
+            </a:fontRef>
+          </p:style>
+        </p:cxnSp>
+        <p:cxnSp>
+          <p:nvCxnSpPr>
+            <p:cNvPr id="640" name="Elbow Connector 639"/>
+            <p:cNvCxnSpPr>
+              <a:stCxn id="235" idx="0"/>
+              <a:endCxn id="358" idx="1"/>
+            </p:cNvCxnSpPr>
+            <p:nvPr/>
+          </p:nvCxnSpPr>
+          <p:spPr>
+            <a:xfrm rot="16200000" flipH="1">
+              <a:off x="3936855" y="3355595"/>
+              <a:ext cx="2408332" cy="2860488"/>
+            </a:xfrm>
+            <a:prstGeom prst="bentConnector4">
+              <a:avLst>
+                <a:gd name="adj1" fmla="val -9492"/>
+                <a:gd name="adj2" fmla="val 81539"/>
+              </a:avLst>
+            </a:prstGeom>
+            <a:ln>
+              <a:tailEnd type="triangle"/>
+            </a:ln>
+          </p:spPr>
+          <p:style>
+            <a:lnRef idx="1">
+              <a:schemeClr val="accent2"/>
+            </a:lnRef>
+            <a:fillRef idx="0">
+              <a:schemeClr val="accent2"/>
+            </a:fillRef>
+            <a:effectRef idx="0">
+              <a:schemeClr val="accent2"/>
+            </a:effectRef>
+            <a:fontRef idx="minor">
+              <a:schemeClr val="tx1"/>
+            </a:fontRef>
+          </p:style>
+        </p:cxnSp>
+        <p:sp>
+          <p:nvSpPr>
+            <p:cNvPr id="642" name="Rounded Rectangle 641"/>
+            <p:cNvSpPr/>
+            <p:nvPr/>
+          </p:nvSpPr>
+          <p:spPr>
+            <a:xfrm>
+              <a:off x="3479262" y="3420399"/>
+              <a:ext cx="259716" cy="182254"/>
+            </a:xfrm>
+            <a:prstGeom prst="roundRect">
+              <a:avLst/>
+            </a:prstGeom>
+            <a:noFill/>
+            <a:ln>
+              <a:noFill/>
+            </a:ln>
+          </p:spPr>
+          <p:style>
+            <a:lnRef idx="2">
+              <a:schemeClr val="accent6"/>
+            </a:lnRef>
+            <a:fillRef idx="1">
+              <a:schemeClr val="lt1"/>
+            </a:fillRef>
+            <a:effectRef idx="0">
+              <a:schemeClr val="accent6"/>
+            </a:effectRef>
+            <a:fontRef idx="minor">
+              <a:schemeClr val="dk1"/>
+            </a:fontRef>
+          </p:style>
+          <p:txBody>
+            <a:bodyPr rot="0" spcFirstLastPara="0" vertOverflow="overflow" horzOverflow="overflow" vert="horz" wrap="square" lIns="36578" tIns="18289" rIns="36578" bIns="18289" numCol="1" spcCol="0" rtlCol="0" fromWordArt="0" anchor="ctr" anchorCtr="0" forceAA="0" compatLnSpc="1">
+              <a:prstTxWarp prst="textNoShape">
+                <a:avLst/>
+              </a:prstTxWarp>
+              <a:noAutofit/>
+            </a:bodyPr>
+            <a:lstStyle/>
+            <a:p>
+              <a:pPr algn="ctr"/>
+              <a:r>
+                <a:rPr lang="en-SG" sz="720" dirty="0"/>
+                <a:t>No</a:t>
+              </a:r>
+            </a:p>
+          </p:txBody>
+        </p:sp>
+      </p:grpSp>
+    </p:spTree>
+    <p:extLst>
+      <p:ext uri="{BB962C8B-B14F-4D97-AF65-F5344CB8AC3E}">
+        <p14:creationId xmlns:p14="http://schemas.microsoft.com/office/powerpoint/2010/main" val="3525862063"/>
+      </p:ext>
+    </p:extLst>
+  </p:cSld>
+  <p:clrMapOvr>
+    <a:masterClrMapping/>
+  </p:clrMapOvr>
+</p:sld>
+</file>
+
+<file path=ppt/slides/slide4.xml><?xml version="1.0" encoding="utf-8"?>
+<p:sld xmlns:a="http://schemas.openxmlformats.org/drawingml/2006/main" xmlns:r="http://schemas.openxmlformats.org/officeDocument/2006/relationships" xmlns:p="http://schemas.openxmlformats.org/presentationml/2006/main">
+  <p:cSld>
+    <p:spTree>
+      <p:nvGrpSpPr>
+        <p:cNvPr id="1" name=""/>
+        <p:cNvGrpSpPr/>
+        <p:nvPr/>
+      </p:nvGrpSpPr>
+      <p:grpSpPr>
+        <a:xfrm>
+          <a:off x="0" y="0"/>
+          <a:ext cx="0" cy="0"/>
+          <a:chOff x="0" y="0"/>
+          <a:chExt cx="0" cy="0"/>
+        </a:xfrm>
+      </p:grpSpPr>
+      <p:grpSp>
+        <p:nvGrpSpPr>
+          <p:cNvPr id="8" name="Group 7"/>
+          <p:cNvGrpSpPr/>
+          <p:nvPr/>
+        </p:nvGrpSpPr>
+        <p:grpSpPr>
+          <a:xfrm>
+            <a:off x="654324" y="2232208"/>
+            <a:ext cx="11194944" cy="5668740"/>
+            <a:chOff x="654324" y="2232208"/>
+            <a:chExt cx="11194944" cy="5668740"/>
+          </a:xfrm>
+        </p:grpSpPr>
+        <p:grpSp>
+          <p:nvGrpSpPr>
+            <p:cNvPr id="555" name="Group 554"/>
+            <p:cNvGrpSpPr/>
+            <p:nvPr/>
+          </p:nvGrpSpPr>
+          <p:grpSpPr>
+            <a:xfrm>
+              <a:off x="654324" y="2232208"/>
+              <a:ext cx="11194944" cy="5668740"/>
+              <a:chOff x="1074509" y="1691007"/>
+              <a:chExt cx="11194944" cy="5668740"/>
+            </a:xfrm>
+          </p:grpSpPr>
+          <p:sp>
+            <p:nvSpPr>
+              <p:cNvPr id="522" name="Rectangle 521"/>
+              <p:cNvSpPr/>
+              <p:nvPr/>
+            </p:nvSpPr>
+            <p:spPr>
+              <a:xfrm>
+                <a:off x="1074509" y="6092876"/>
+                <a:ext cx="11194944" cy="1266871"/>
+              </a:xfrm>
+              <a:prstGeom prst="rect">
+                <a:avLst/>
+              </a:prstGeom>
+              <a:solidFill>
+                <a:schemeClr val="accent1">
+                  <a:lumMod val="20000"/>
+                  <a:lumOff val="80000"/>
+                </a:schemeClr>
+              </a:solidFill>
+            </p:spPr>
+            <p:style>
+              <a:lnRef idx="2">
+                <a:schemeClr val="accent1">
+                  <a:shade val="50000"/>
+                </a:schemeClr>
+              </a:lnRef>
+              <a:fillRef idx="1">
+                <a:schemeClr val="accent1"/>
+              </a:fillRef>
+              <a:effectRef idx="0">
+                <a:schemeClr val="accent1"/>
+              </a:effectRef>
+              <a:fontRef idx="minor">
+                <a:schemeClr val="lt1"/>
+              </a:fontRef>
+            </p:style>
+            <p:txBody>
+              <a:bodyPr rtlCol="0" anchor="ctr"/>
+              <a:lstStyle/>
+              <a:p>
+                <a:pPr algn="ctr"/>
+                <a:endParaRPr lang="en-SG"/>
+              </a:p>
+            </p:txBody>
+          </p:sp>
+          <p:sp>
+            <p:nvSpPr>
+              <p:cNvPr id="521" name="Rectangle 520"/>
+              <p:cNvSpPr/>
+              <p:nvPr/>
+            </p:nvSpPr>
+            <p:spPr>
+              <a:xfrm>
+                <a:off x="1074509" y="1691007"/>
+                <a:ext cx="11194944" cy="4434063"/>
+              </a:xfrm>
+              <a:prstGeom prst="rect">
+                <a:avLst/>
+              </a:prstGeom>
+              <a:solidFill>
+                <a:schemeClr val="accent1">
+                  <a:lumMod val="20000"/>
+                  <a:lumOff val="80000"/>
+                </a:schemeClr>
+              </a:solidFill>
+            </p:spPr>
+            <p:style>
+              <a:lnRef idx="2">
+                <a:schemeClr val="accent1">
+                  <a:shade val="50000"/>
+                </a:schemeClr>
+              </a:lnRef>
+              <a:fillRef idx="1">
+                <a:schemeClr val="accent1"/>
+              </a:fillRef>
+              <a:effectRef idx="0">
+                <a:schemeClr val="accent1"/>
+              </a:effectRef>
+              <a:fontRef idx="minor">
+                <a:schemeClr val="lt1"/>
+              </a:fontRef>
+            </p:style>
+            <p:txBody>
+              <a:bodyPr rtlCol="0" anchor="ctr"/>
+              <a:lstStyle/>
+              <a:p>
+                <a:pPr algn="ctr"/>
+                <a:endParaRPr lang="en-SG" dirty="0"/>
+              </a:p>
+            </p:txBody>
+          </p:sp>
+          <p:cxnSp>
+            <p:nvCxnSpPr>
+              <p:cNvPr id="6" name="Straight Connector 5"/>
+              <p:cNvCxnSpPr/>
+              <p:nvPr/>
+            </p:nvCxnSpPr>
+            <p:spPr>
+              <a:xfrm>
+                <a:off x="2038152" y="1691127"/>
+                <a:ext cx="20333" cy="5668620"/>
+              </a:xfrm>
+              <a:prstGeom prst="line">
+                <a:avLst/>
+              </a:prstGeom>
+            </p:spPr>
+            <p:style>
+              <a:lnRef idx="1">
+                <a:schemeClr val="accent1"/>
+              </a:lnRef>
+              <a:fillRef idx="0">
+                <a:schemeClr val="accent1"/>
+              </a:fillRef>
+              <a:effectRef idx="0">
+                <a:schemeClr val="accent1"/>
+              </a:effectRef>
+              <a:fontRef idx="minor">
+                <a:schemeClr val="tx1"/>
+              </a:fontRef>
+            </p:style>
+          </p:cxnSp>
+          <p:sp>
+            <p:nvSpPr>
+              <p:cNvPr id="11" name="TextBox 10"/>
+              <p:cNvSpPr txBox="1"/>
+              <p:nvPr/>
+            </p:nvSpPr>
+            <p:spPr>
+              <a:xfrm>
+                <a:off x="1265389" y="4157103"/>
+                <a:ext cx="697474" cy="246221"/>
+              </a:xfrm>
+              <a:prstGeom prst="rect">
+                <a:avLst/>
+              </a:prstGeom>
+              <a:noFill/>
+            </p:spPr>
+            <p:txBody>
+              <a:bodyPr wrap="square" rtlCol="0">
+                <a:spAutoFit/>
+              </a:bodyPr>
+              <a:lstStyle/>
+              <a:p>
+                <a:r>
+                  <a:rPr lang="en-SG" sz="1000" dirty="0"/>
+                  <a:t>User</a:t>
+                </a:r>
+              </a:p>
+            </p:txBody>
+          </p:sp>
+          <p:sp>
+            <p:nvSpPr>
+              <p:cNvPr id="12" name="TextBox 11"/>
+              <p:cNvSpPr txBox="1"/>
+              <p:nvPr/>
+            </p:nvSpPr>
+            <p:spPr>
+              <a:xfrm>
+                <a:off x="1361575" y="6580221"/>
+                <a:ext cx="425955" cy="246221"/>
+              </a:xfrm>
+              <a:prstGeom prst="rect">
+                <a:avLst/>
+              </a:prstGeom>
+              <a:noFill/>
+            </p:spPr>
+            <p:txBody>
+              <a:bodyPr wrap="square" rtlCol="0">
+                <a:spAutoFit/>
+              </a:bodyPr>
+              <a:lstStyle/>
+              <a:p>
+                <a:r>
+                  <a:rPr lang="en-SG" sz="1000" dirty="0"/>
+                  <a:t>URS</a:t>
+                </a:r>
+              </a:p>
+            </p:txBody>
+          </p:sp>
+          <p:sp>
+            <p:nvSpPr>
+              <p:cNvPr id="13" name="Rounded Rectangle 12"/>
+              <p:cNvSpPr/>
+              <p:nvPr/>
+            </p:nvSpPr>
+            <p:spPr>
+              <a:xfrm>
+                <a:off x="2400775" y="3911680"/>
+                <a:ext cx="857184" cy="456565"/>
+              </a:xfrm>
+              <a:prstGeom prst="roundRect">
+                <a:avLst/>
+              </a:prstGeom>
+            </p:spPr>
+            <p:style>
+              <a:lnRef idx="2">
+                <a:schemeClr val="accent6"/>
+              </a:lnRef>
+              <a:fillRef idx="1">
+                <a:schemeClr val="lt1"/>
+              </a:fillRef>
+              <a:effectRef idx="0">
+                <a:schemeClr val="accent6"/>
+              </a:effectRef>
+              <a:fontRef idx="minor">
+                <a:schemeClr val="dk1"/>
+              </a:fontRef>
+            </p:style>
+            <p:txBody>
+              <a:bodyPr rot="0" spcFirstLastPara="0" vertOverflow="overflow" horzOverflow="overflow" vert="horz" wrap="square" lIns="36578" tIns="18289" rIns="36578" bIns="18289" numCol="1" spcCol="0" rtlCol="0" fromWordArt="0" anchor="ctr" anchorCtr="0" forceAA="0" compatLnSpc="1">
+                <a:prstTxWarp prst="textNoShape">
+                  <a:avLst/>
+                </a:prstTxWarp>
+                <a:noAutofit/>
+              </a:bodyPr>
+              <a:lstStyle/>
+              <a:p>
+                <a:pPr algn="ctr"/>
+                <a:r>
+                  <a:rPr lang="en-SG" sz="720" dirty="0"/>
+                  <a:t>Download .</a:t>
+                </a:r>
+                <a:r>
+                  <a:rPr lang="en-SG" sz="720" dirty="0" err="1"/>
+                  <a:t>xls</a:t>
+                </a:r>
+                <a:r>
+                  <a:rPr lang="en-SG" sz="720" dirty="0"/>
+                  <a:t> file from current ZOHO system</a:t>
+                </a:r>
+              </a:p>
+            </p:txBody>
+          </p:sp>
+          <p:sp>
+            <p:nvSpPr>
+              <p:cNvPr id="14" name="Oval 13"/>
+              <p:cNvSpPr/>
+              <p:nvPr/>
+            </p:nvSpPr>
+            <p:spPr>
+              <a:xfrm>
+                <a:off x="2722117" y="2529919"/>
+                <a:ext cx="216308" cy="181249"/>
+              </a:xfrm>
+              <a:prstGeom prst="ellipse">
+                <a:avLst/>
+              </a:prstGeom>
+            </p:spPr>
+            <p:style>
+              <a:lnRef idx="2">
+                <a:schemeClr val="accent6"/>
+              </a:lnRef>
+              <a:fillRef idx="1">
+                <a:schemeClr val="lt1"/>
+              </a:fillRef>
+              <a:effectRef idx="0">
+                <a:schemeClr val="accent6"/>
+              </a:effectRef>
+              <a:fontRef idx="minor">
+                <a:schemeClr val="dk1"/>
+              </a:fontRef>
+            </p:style>
+            <p:txBody>
+              <a:bodyPr rot="0" spcFirstLastPara="0" vertOverflow="overflow" horzOverflow="overflow" vert="horz" wrap="square" lIns="36578" tIns="18289" rIns="36578" bIns="18289" numCol="1" spcCol="0" rtlCol="0" fromWordArt="0" anchor="ctr" anchorCtr="0" forceAA="0" compatLnSpc="1">
+                <a:prstTxWarp prst="textNoShape">
+                  <a:avLst/>
+                </a:prstTxWarp>
+                <a:noAutofit/>
+              </a:bodyPr>
+              <a:lstStyle/>
+              <a:p>
+                <a:pPr algn="ctr"/>
+                <a:endParaRPr lang="en-SG" sz="720"/>
+              </a:p>
+            </p:txBody>
+          </p:sp>
+          <p:sp>
+            <p:nvSpPr>
+              <p:cNvPr id="15" name="Rounded Rectangle 14"/>
+              <p:cNvSpPr/>
+              <p:nvPr/>
+            </p:nvSpPr>
+            <p:spPr>
+              <a:xfrm>
+                <a:off x="2400775" y="4602644"/>
+                <a:ext cx="857184" cy="456565"/>
+              </a:xfrm>
+              <a:prstGeom prst="roundRect">
+                <a:avLst/>
+              </a:prstGeom>
+            </p:spPr>
+            <p:style>
+              <a:lnRef idx="2">
+                <a:schemeClr val="accent6"/>
+              </a:lnRef>
+              <a:fillRef idx="1">
+                <a:schemeClr val="lt1"/>
+              </a:fillRef>
+              <a:effectRef idx="0">
+                <a:schemeClr val="accent6"/>
+              </a:effectRef>
+              <a:fontRef idx="minor">
+                <a:schemeClr val="dk1"/>
+              </a:fontRef>
+            </p:style>
+            <p:txBody>
+              <a:bodyPr rot="0" spcFirstLastPara="0" vertOverflow="overflow" horzOverflow="overflow" vert="horz" wrap="square" lIns="36578" tIns="18289" rIns="36578" bIns="18289" numCol="1" spcCol="0" rtlCol="0" fromWordArt="0" anchor="ctr" anchorCtr="0" forceAA="0" compatLnSpc="1">
+                <a:prstTxWarp prst="textNoShape">
+                  <a:avLst/>
+                </a:prstTxWarp>
+                <a:noAutofit/>
+              </a:bodyPr>
+              <a:lstStyle/>
+              <a:p>
+                <a:pPr algn="ctr"/>
+                <a:r>
+                  <a:rPr lang="en-SG" sz="720" dirty="0"/>
+                  <a:t>Upload .</a:t>
+                </a:r>
+                <a:r>
+                  <a:rPr lang="en-SG" sz="720" dirty="0" err="1"/>
+                  <a:t>xls</a:t>
+                </a:r>
+                <a:r>
+                  <a:rPr lang="en-SG" sz="720" dirty="0"/>
+                  <a:t> file into URS</a:t>
+                </a:r>
+              </a:p>
+            </p:txBody>
+          </p:sp>
+          <p:sp>
+            <p:nvSpPr>
+              <p:cNvPr id="16" name="TextBox 15"/>
+              <p:cNvSpPr txBox="1"/>
+              <p:nvPr/>
+            </p:nvSpPr>
+            <p:spPr>
+              <a:xfrm>
+                <a:off x="1105251" y="6779141"/>
+                <a:ext cx="1397647" cy="178510"/>
+              </a:xfrm>
+              <a:prstGeom prst="rect">
+                <a:avLst/>
+              </a:prstGeom>
+              <a:noFill/>
+            </p:spPr>
+            <p:txBody>
+              <a:bodyPr wrap="square" rtlCol="0">
+                <a:spAutoFit/>
+              </a:bodyPr>
+              <a:lstStyle/>
+              <a:p>
+                <a:r>
+                  <a:rPr lang="en-SG" sz="560" dirty="0"/>
+                  <a:t>&lt; Ulink Reporting System &gt;</a:t>
+                </a:r>
+              </a:p>
+            </p:txBody>
+          </p:sp>
+          <p:sp>
+            <p:nvSpPr>
+              <p:cNvPr id="17" name="Rounded Rectangle 16"/>
+              <p:cNvSpPr/>
+              <p:nvPr/>
+            </p:nvSpPr>
+            <p:spPr>
+              <a:xfrm>
+                <a:off x="2331326" y="6638038"/>
+                <a:ext cx="980787" cy="456565"/>
+              </a:xfrm>
+              <a:prstGeom prst="roundRect">
+                <a:avLst/>
+              </a:prstGeom>
+            </p:spPr>
+            <p:style>
+              <a:lnRef idx="2">
+                <a:schemeClr val="accent6"/>
+              </a:lnRef>
+              <a:fillRef idx="1">
+                <a:schemeClr val="lt1"/>
+              </a:fillRef>
+              <a:effectRef idx="0">
+                <a:schemeClr val="accent6"/>
+              </a:effectRef>
+              <a:fontRef idx="minor">
+                <a:schemeClr val="dk1"/>
+              </a:fontRef>
+            </p:style>
+            <p:txBody>
+              <a:bodyPr rot="0" spcFirstLastPara="0" vertOverflow="overflow" horzOverflow="overflow" vert="horz" wrap="square" lIns="36578" tIns="18289" rIns="36578" bIns="18289" numCol="1" spcCol="0" rtlCol="0" fromWordArt="0" anchor="ctr" anchorCtr="0" forceAA="0" compatLnSpc="1">
+                <a:prstTxWarp prst="textNoShape">
+                  <a:avLst/>
+                </a:prstTxWarp>
+                <a:noAutofit/>
+              </a:bodyPr>
+              <a:lstStyle/>
+              <a:p>
+                <a:pPr algn="ctr"/>
+                <a:r>
+                  <a:rPr lang="en-SG" sz="720" dirty="0"/>
+                  <a:t>Update database</a:t>
+                </a:r>
+              </a:p>
+            </p:txBody>
+          </p:sp>
+          <p:sp>
+            <p:nvSpPr>
+              <p:cNvPr id="18" name="Rounded Rectangle 17"/>
+              <p:cNvSpPr/>
+              <p:nvPr/>
+            </p:nvSpPr>
+            <p:spPr>
+              <a:xfrm>
+                <a:off x="4855713" y="1875658"/>
+                <a:ext cx="857184" cy="456565"/>
+              </a:xfrm>
+              <a:prstGeom prst="roundRect">
+                <a:avLst/>
+              </a:prstGeom>
+            </p:spPr>
+            <p:style>
+              <a:lnRef idx="2">
+                <a:schemeClr val="accent6"/>
+              </a:lnRef>
+              <a:fillRef idx="1">
+                <a:schemeClr val="lt1"/>
+              </a:fillRef>
+              <a:effectRef idx="0">
+                <a:schemeClr val="accent6"/>
+              </a:effectRef>
+              <a:fontRef idx="minor">
+                <a:schemeClr val="dk1"/>
+              </a:fontRef>
+            </p:style>
+            <p:txBody>
+              <a:bodyPr rot="0" spcFirstLastPara="0" vertOverflow="overflow" horzOverflow="overflow" vert="horz" wrap="square" lIns="36578" tIns="18289" rIns="36578" bIns="18289" numCol="1" spcCol="0" rtlCol="0" fromWordArt="0" anchor="ctr" anchorCtr="0" forceAA="0" compatLnSpc="1">
+                <a:prstTxWarp prst="textNoShape">
+                  <a:avLst/>
+                </a:prstTxWarp>
+                <a:noAutofit/>
+              </a:bodyPr>
+              <a:lstStyle/>
+              <a:p>
+                <a:pPr algn="ctr"/>
+                <a:r>
+                  <a:rPr lang="en-SG" sz="720" dirty="0"/>
+                  <a:t>View Client List</a:t>
+                </a:r>
+              </a:p>
+            </p:txBody>
+          </p:sp>
+          <p:sp>
+            <p:nvSpPr>
+              <p:cNvPr id="20" name="Rounded Rectangle 19"/>
+              <p:cNvSpPr/>
+              <p:nvPr/>
+            </p:nvSpPr>
+            <p:spPr>
+              <a:xfrm>
+                <a:off x="6109920" y="1883674"/>
+                <a:ext cx="857184" cy="456565"/>
+              </a:xfrm>
+              <a:prstGeom prst="roundRect">
+                <a:avLst/>
+              </a:prstGeom>
+            </p:spPr>
+            <p:style>
+              <a:lnRef idx="2">
+                <a:schemeClr val="accent6"/>
+              </a:lnRef>
+              <a:fillRef idx="1">
+                <a:schemeClr val="lt1"/>
+              </a:fillRef>
+              <a:effectRef idx="0">
+                <a:schemeClr val="accent6"/>
+              </a:effectRef>
+              <a:fontRef idx="minor">
+                <a:schemeClr val="dk1"/>
+              </a:fontRef>
+            </p:style>
+            <p:txBody>
+              <a:bodyPr rot="0" spcFirstLastPara="0" vertOverflow="overflow" horzOverflow="overflow" vert="horz" wrap="square" lIns="36578" tIns="18289" rIns="36578" bIns="18289" numCol="1" spcCol="0" rtlCol="0" fromWordArt="0" anchor="ctr" anchorCtr="0" forceAA="0" compatLnSpc="1">
+                <a:prstTxWarp prst="textNoShape">
+                  <a:avLst/>
+                </a:prstTxWarp>
+                <a:noAutofit/>
+              </a:bodyPr>
+              <a:lstStyle/>
+              <a:p>
+                <a:pPr algn="ctr"/>
+                <a:r>
+                  <a:rPr lang="en-SG" sz="720" dirty="0"/>
+                  <a:t>Select Client</a:t>
+                </a:r>
+              </a:p>
+            </p:txBody>
+          </p:sp>
+          <p:sp>
+            <p:nvSpPr>
+              <p:cNvPr id="21" name="Rounded Rectangle 20"/>
+              <p:cNvSpPr/>
+              <p:nvPr/>
+            </p:nvSpPr>
+            <p:spPr>
+              <a:xfrm>
+                <a:off x="7240784" y="1879915"/>
+                <a:ext cx="880760" cy="456566"/>
+              </a:xfrm>
+              <a:prstGeom prst="roundRect">
+                <a:avLst/>
+              </a:prstGeom>
+              <a:solidFill>
+                <a:schemeClr val="bg1"/>
+              </a:solidFill>
+              <a:ln>
+                <a:solidFill>
+                  <a:schemeClr val="accent6">
+                    <a:lumMod val="60000"/>
+                    <a:lumOff val="40000"/>
+                  </a:schemeClr>
+                </a:solidFill>
+              </a:ln>
+            </p:spPr>
+            <p:style>
+              <a:lnRef idx="2">
+                <a:schemeClr val="accent2">
+                  <a:shade val="50000"/>
+                </a:schemeClr>
+              </a:lnRef>
+              <a:fillRef idx="1">
+                <a:schemeClr val="accent2"/>
+              </a:fillRef>
+              <a:effectRef idx="0">
+                <a:schemeClr val="accent2"/>
+              </a:effectRef>
+              <a:fontRef idx="minor">
+                <a:schemeClr val="lt1"/>
+              </a:fontRef>
+            </p:style>
+            <p:txBody>
+              <a:bodyPr rot="0" spcFirstLastPara="0" vertOverflow="overflow" horzOverflow="overflow" vert="horz" wrap="square" lIns="36578" tIns="18289" rIns="36578" bIns="18289" numCol="1" spcCol="0" rtlCol="0" fromWordArt="0" anchor="ctr" anchorCtr="0" forceAA="0" compatLnSpc="1">
+                <a:prstTxWarp prst="textNoShape">
+                  <a:avLst/>
+                </a:prstTxWarp>
+                <a:noAutofit/>
+              </a:bodyPr>
+              <a:lstStyle/>
+              <a:p>
+                <a:pPr algn="ctr"/>
+                <a:r>
+                  <a:rPr lang="en-SG" sz="720" dirty="0">
+                    <a:solidFill>
+                      <a:schemeClr val="tx1"/>
+                    </a:solidFill>
+                  </a:rPr>
+                  <a:t>View Client’s Appointment &amp; Admission details</a:t>
+                </a:r>
+              </a:p>
+            </p:txBody>
+          </p:sp>
+          <p:cxnSp>
+            <p:nvCxnSpPr>
+              <p:cNvPr id="28" name="Straight Arrow Connector 27"/>
+              <p:cNvCxnSpPr>
+                <a:stCxn id="13" idx="2"/>
+                <a:endCxn id="15" idx="0"/>
+              </p:cNvCxnSpPr>
+              <p:nvPr/>
+            </p:nvCxnSpPr>
+            <p:spPr>
+              <a:xfrm>
+                <a:off x="2829367" y="4368233"/>
+                <a:ext cx="0" cy="234403"/>
+              </a:xfrm>
+              <a:prstGeom prst="straightConnector1">
+                <a:avLst/>
+              </a:prstGeom>
+              <a:ln>
+                <a:tailEnd type="triangle"/>
+              </a:ln>
+            </p:spPr>
+            <p:style>
+              <a:lnRef idx="1">
+                <a:schemeClr val="accent2"/>
+              </a:lnRef>
+              <a:fillRef idx="0">
+                <a:schemeClr val="accent2"/>
+              </a:fillRef>
+              <a:effectRef idx="0">
+                <a:schemeClr val="accent2"/>
+              </a:effectRef>
+              <a:fontRef idx="minor">
+                <a:schemeClr val="tx1"/>
+              </a:fontRef>
+            </p:style>
+          </p:cxnSp>
+          <p:cxnSp>
+            <p:nvCxnSpPr>
+              <p:cNvPr id="29" name="Straight Arrow Connector 28"/>
+              <p:cNvCxnSpPr>
+                <a:stCxn id="15" idx="2"/>
+                <a:endCxn id="17" idx="0"/>
+              </p:cNvCxnSpPr>
+              <p:nvPr/>
+            </p:nvCxnSpPr>
+            <p:spPr>
+              <a:xfrm flipH="1">
+                <a:off x="2821720" y="5059209"/>
+                <a:ext cx="7647" cy="1578829"/>
+              </a:xfrm>
+              <a:prstGeom prst="straightConnector1">
+                <a:avLst/>
+              </a:prstGeom>
+              <a:ln>
+                <a:tailEnd type="triangle"/>
+              </a:ln>
+            </p:spPr>
+            <p:style>
+              <a:lnRef idx="1">
+                <a:schemeClr val="accent2"/>
+              </a:lnRef>
+              <a:fillRef idx="0">
+                <a:schemeClr val="accent2"/>
+              </a:fillRef>
+              <a:effectRef idx="0">
+                <a:schemeClr val="accent2"/>
+              </a:effectRef>
+              <a:fontRef idx="minor">
+                <a:schemeClr val="tx1"/>
+              </a:fontRef>
+            </p:style>
+          </p:cxnSp>
+          <p:cxnSp>
+            <p:nvCxnSpPr>
+              <p:cNvPr id="45" name="Straight Arrow Connector 44"/>
+              <p:cNvCxnSpPr>
+                <a:stCxn id="18" idx="3"/>
+                <a:endCxn id="20" idx="1"/>
+              </p:cNvCxnSpPr>
+              <p:nvPr/>
+            </p:nvCxnSpPr>
+            <p:spPr>
+              <a:xfrm>
+                <a:off x="5712897" y="2103941"/>
+                <a:ext cx="397023" cy="8016"/>
+              </a:xfrm>
+              <a:prstGeom prst="straightConnector1">
+                <a:avLst/>
+              </a:prstGeom>
+              <a:ln>
+                <a:tailEnd type="triangle"/>
+              </a:ln>
+            </p:spPr>
+            <p:style>
+              <a:lnRef idx="1">
+                <a:schemeClr val="accent2"/>
+              </a:lnRef>
+              <a:fillRef idx="0">
+                <a:schemeClr val="accent2"/>
+              </a:fillRef>
+              <a:effectRef idx="0">
+                <a:schemeClr val="accent2"/>
+              </a:effectRef>
+              <a:fontRef idx="minor">
+                <a:schemeClr val="tx1"/>
+              </a:fontRef>
+            </p:style>
+          </p:cxnSp>
+          <p:cxnSp>
+            <p:nvCxnSpPr>
+              <p:cNvPr id="78" name="Straight Arrow Connector 77"/>
+              <p:cNvCxnSpPr>
+                <a:stCxn id="14" idx="4"/>
+                <a:endCxn id="526" idx="0"/>
+              </p:cNvCxnSpPr>
+              <p:nvPr/>
+            </p:nvCxnSpPr>
+            <p:spPr>
+              <a:xfrm>
+                <a:off x="2830271" y="2711168"/>
+                <a:ext cx="2979" cy="332968"/>
+              </a:xfrm>
+              <a:prstGeom prst="straightConnector1">
+                <a:avLst/>
+              </a:prstGeom>
+              <a:ln>
+                <a:tailEnd type="triangle"/>
+              </a:ln>
+            </p:spPr>
+            <p:style>
+              <a:lnRef idx="1">
+                <a:schemeClr val="accent2"/>
+              </a:lnRef>
+              <a:fillRef idx="0">
+                <a:schemeClr val="accent2"/>
+              </a:fillRef>
+              <a:effectRef idx="0">
+                <a:schemeClr val="accent2"/>
+              </a:effectRef>
+              <a:fontRef idx="minor">
+                <a:schemeClr val="tx1"/>
+              </a:fontRef>
+            </p:style>
+          </p:cxnSp>
+          <p:sp>
+            <p:nvSpPr>
+              <p:cNvPr id="5" name="Flowchart: Decision 4"/>
+              <p:cNvSpPr/>
+              <p:nvPr/>
+            </p:nvSpPr>
+            <p:spPr>
+              <a:xfrm>
+                <a:off x="5192648" y="2961398"/>
+                <a:ext cx="959868" cy="770738"/>
+              </a:xfrm>
+              <a:prstGeom prst="flowChartDecision">
+                <a:avLst/>
+              </a:prstGeom>
+            </p:spPr>
+            <p:style>
+              <a:lnRef idx="2">
+                <a:schemeClr val="accent6"/>
+              </a:lnRef>
+              <a:fillRef idx="1">
+                <a:schemeClr val="lt1"/>
+              </a:fillRef>
+              <a:effectRef idx="0">
+                <a:schemeClr val="accent6"/>
+              </a:effectRef>
+              <a:fontRef idx="minor">
+                <a:schemeClr val="dk1"/>
+              </a:fontRef>
+            </p:style>
+            <p:txBody>
+              <a:bodyPr rtlCol="0" anchor="ctr"/>
+              <a:lstStyle/>
+              <a:p>
+                <a:pPr algn="ctr"/>
+                <a:endParaRPr lang="en-SG" sz="900" dirty="0"/>
+              </a:p>
+            </p:txBody>
+          </p:sp>
+          <p:cxnSp>
+            <p:nvCxnSpPr>
+              <p:cNvPr id="31" name="Elbow Connector 30"/>
+              <p:cNvCxnSpPr>
+                <a:stCxn id="17" idx="3"/>
+                <a:endCxn id="235" idx="2"/>
+              </p:cNvCxnSpPr>
+              <p:nvPr/>
+            </p:nvCxnSpPr>
+            <p:spPr>
+              <a:xfrm flipV="1">
+                <a:off x="3312113" y="3655517"/>
+                <a:ext cx="818849" cy="3210804"/>
+              </a:xfrm>
+              <a:prstGeom prst="bentConnector2">
+                <a:avLst/>
+              </a:prstGeom>
+              <a:ln>
+                <a:tailEnd type="triangle"/>
+              </a:ln>
+            </p:spPr>
+            <p:style>
+              <a:lnRef idx="1">
+                <a:schemeClr val="accent2"/>
+              </a:lnRef>
+              <a:fillRef idx="0">
+                <a:schemeClr val="accent2"/>
+              </a:fillRef>
+              <a:effectRef idx="0">
+                <a:schemeClr val="accent2"/>
+              </a:effectRef>
+              <a:fontRef idx="minor">
+                <a:schemeClr val="tx1"/>
+              </a:fontRef>
+            </p:style>
+          </p:cxnSp>
+          <p:sp>
+            <p:nvSpPr>
+              <p:cNvPr id="53" name="Rounded Rectangle 52"/>
+              <p:cNvSpPr/>
+              <p:nvPr/>
+            </p:nvSpPr>
+            <p:spPr>
+              <a:xfrm>
+                <a:off x="4665519" y="3216937"/>
+                <a:ext cx="456861" cy="158086"/>
+              </a:xfrm>
+              <a:prstGeom prst="roundRect">
+                <a:avLst/>
+              </a:prstGeom>
+              <a:noFill/>
+              <a:ln>
+                <a:noFill/>
+              </a:ln>
+            </p:spPr>
+            <p:style>
+              <a:lnRef idx="2">
+                <a:schemeClr val="accent6"/>
+              </a:lnRef>
+              <a:fillRef idx="1">
+                <a:schemeClr val="lt1"/>
+              </a:fillRef>
+              <a:effectRef idx="0">
+                <a:schemeClr val="accent6"/>
+              </a:effectRef>
+              <a:fontRef idx="minor">
+                <a:schemeClr val="dk1"/>
+              </a:fontRef>
+            </p:style>
+            <p:txBody>
+              <a:bodyPr rot="0" spcFirstLastPara="0" vertOverflow="overflow" horzOverflow="overflow" vert="horz" wrap="square" lIns="36578" tIns="18289" rIns="36578" bIns="18289" numCol="1" spcCol="0" rtlCol="0" fromWordArt="0" anchor="ctr" anchorCtr="0" forceAA="0" compatLnSpc="1">
+                <a:prstTxWarp prst="textNoShape">
+                  <a:avLst/>
+                </a:prstTxWarp>
+                <a:noAutofit/>
+              </a:bodyPr>
+              <a:lstStyle/>
+              <a:p>
+                <a:pPr algn="ctr"/>
+                <a:r>
+                  <a:rPr lang="en-SG" sz="720" dirty="0"/>
+                  <a:t>Report</a:t>
+                </a:r>
+              </a:p>
+            </p:txBody>
+          </p:sp>
+          <p:sp>
+            <p:nvSpPr>
+              <p:cNvPr id="150" name="Flowchart: Decision 149"/>
+              <p:cNvSpPr/>
+              <p:nvPr/>
+            </p:nvSpPr>
+            <p:spPr>
+              <a:xfrm>
+                <a:off x="10381808" y="2612649"/>
+                <a:ext cx="865466" cy="615045"/>
+              </a:xfrm>
+              <a:prstGeom prst="flowChartDecision">
+                <a:avLst/>
+              </a:prstGeom>
+            </p:spPr>
+            <p:style>
+              <a:lnRef idx="2">
+                <a:schemeClr val="accent6"/>
+              </a:lnRef>
+              <a:fillRef idx="1">
+                <a:schemeClr val="lt1"/>
+              </a:fillRef>
+              <a:effectRef idx="0">
+                <a:schemeClr val="accent6"/>
+              </a:effectRef>
+              <a:fontRef idx="minor">
+                <a:schemeClr val="dk1"/>
+              </a:fontRef>
+            </p:style>
+            <p:txBody>
+              <a:bodyPr rtlCol="0" anchor="ctr"/>
+              <a:lstStyle/>
+              <a:p>
+                <a:pPr algn="ctr"/>
+                <a:endParaRPr lang="en-SG" sz="500" dirty="0"/>
+              </a:p>
+            </p:txBody>
+          </p:sp>
+          <p:sp>
+            <p:nvSpPr>
+              <p:cNvPr id="157" name="Rounded Rectangle 156"/>
+              <p:cNvSpPr/>
+              <p:nvPr/>
+            </p:nvSpPr>
+            <p:spPr>
+              <a:xfrm>
+                <a:off x="11194438" y="2731075"/>
+                <a:ext cx="259716" cy="182254"/>
+              </a:xfrm>
+              <a:prstGeom prst="roundRect">
+                <a:avLst/>
+              </a:prstGeom>
+              <a:noFill/>
+              <a:ln>
+                <a:noFill/>
+              </a:ln>
+            </p:spPr>
+            <p:style>
+              <a:lnRef idx="2">
+                <a:schemeClr val="accent6"/>
+              </a:lnRef>
+              <a:fillRef idx="1">
+                <a:schemeClr val="lt1"/>
+              </a:fillRef>
+              <a:effectRef idx="0">
+                <a:schemeClr val="accent6"/>
+              </a:effectRef>
+              <a:fontRef idx="minor">
+                <a:schemeClr val="dk1"/>
+              </a:fontRef>
+            </p:style>
+            <p:txBody>
+              <a:bodyPr rot="0" spcFirstLastPara="0" vertOverflow="overflow" horzOverflow="overflow" vert="horz" wrap="square" lIns="36578" tIns="18289" rIns="36578" bIns="18289" numCol="1" spcCol="0" rtlCol="0" fromWordArt="0" anchor="ctr" anchorCtr="0" forceAA="0" compatLnSpc="1">
+                <a:prstTxWarp prst="textNoShape">
+                  <a:avLst/>
+                </a:prstTxWarp>
+                <a:noAutofit/>
+              </a:bodyPr>
+              <a:lstStyle/>
+              <a:p>
+                <a:pPr algn="ctr"/>
+                <a:r>
+                  <a:rPr lang="en-SG" sz="720" dirty="0"/>
+                  <a:t>No</a:t>
+                </a:r>
+              </a:p>
+            </p:txBody>
+          </p:sp>
+          <p:sp>
+            <p:nvSpPr>
+              <p:cNvPr id="158" name="Rounded Rectangle 157"/>
+              <p:cNvSpPr/>
+              <p:nvPr/>
+            </p:nvSpPr>
+            <p:spPr>
+              <a:xfrm>
+                <a:off x="10588885" y="3184108"/>
+                <a:ext cx="259716" cy="182254"/>
+              </a:xfrm>
+              <a:prstGeom prst="roundRect">
+                <a:avLst/>
+              </a:prstGeom>
+              <a:noFill/>
+              <a:ln>
+                <a:noFill/>
+              </a:ln>
+            </p:spPr>
+            <p:style>
+              <a:lnRef idx="2">
+                <a:schemeClr val="accent6"/>
+              </a:lnRef>
+              <a:fillRef idx="1">
+                <a:schemeClr val="lt1"/>
+              </a:fillRef>
+              <a:effectRef idx="0">
+                <a:schemeClr val="accent6"/>
+              </a:effectRef>
+              <a:fontRef idx="minor">
+                <a:schemeClr val="dk1"/>
+              </a:fontRef>
+            </p:style>
+            <p:txBody>
+              <a:bodyPr rot="0" spcFirstLastPara="0" vertOverflow="overflow" horzOverflow="overflow" vert="horz" wrap="square" lIns="36578" tIns="18289" rIns="36578" bIns="18289" numCol="1" spcCol="0" rtlCol="0" fromWordArt="0" anchor="ctr" anchorCtr="0" forceAA="0" compatLnSpc="1">
+                <a:prstTxWarp prst="textNoShape">
+                  <a:avLst/>
+                </a:prstTxWarp>
+                <a:noAutofit/>
+              </a:bodyPr>
+              <a:lstStyle/>
+              <a:p>
+                <a:pPr algn="ctr"/>
+                <a:r>
+                  <a:rPr lang="en-SG" sz="720" dirty="0"/>
+                  <a:t>Yes</a:t>
+                </a:r>
+              </a:p>
+            </p:txBody>
+          </p:sp>
+          <p:sp>
+            <p:nvSpPr>
+              <p:cNvPr id="172" name="Rounded Rectangle 171"/>
+              <p:cNvSpPr/>
+              <p:nvPr/>
+            </p:nvSpPr>
+            <p:spPr>
+              <a:xfrm>
+                <a:off x="10499549" y="3554595"/>
+                <a:ext cx="632652" cy="435941"/>
+              </a:xfrm>
+              <a:prstGeom prst="roundRect">
+                <a:avLst/>
+              </a:prstGeom>
+            </p:spPr>
+            <p:style>
+              <a:lnRef idx="2">
+                <a:schemeClr val="accent6"/>
+              </a:lnRef>
+              <a:fillRef idx="1">
+                <a:schemeClr val="lt1"/>
+              </a:fillRef>
+              <a:effectRef idx="0">
+                <a:schemeClr val="accent6"/>
+              </a:effectRef>
+              <a:fontRef idx="minor">
+                <a:schemeClr val="dk1"/>
+              </a:fontRef>
+            </p:style>
+            <p:txBody>
+              <a:bodyPr rot="0" spcFirstLastPara="0" vertOverflow="overflow" horzOverflow="overflow" vert="horz" wrap="square" lIns="36578" tIns="18289" rIns="36578" bIns="18289" numCol="1" spcCol="0" rtlCol="0" fromWordArt="0" anchor="ctr" anchorCtr="0" forceAA="0" compatLnSpc="1">
+                <a:prstTxWarp prst="textNoShape">
+                  <a:avLst/>
+                </a:prstTxWarp>
+                <a:noAutofit/>
+              </a:bodyPr>
+              <a:lstStyle/>
+              <a:p>
+                <a:pPr algn="ctr"/>
+                <a:r>
+                  <a:rPr lang="en-SG" sz="720" dirty="0"/>
+                  <a:t>Follow up with client</a:t>
+                </a:r>
+              </a:p>
+            </p:txBody>
+          </p:sp>
+          <p:grpSp>
+            <p:nvGrpSpPr>
+              <p:cNvPr id="234" name="Group 233"/>
+              <p:cNvGrpSpPr/>
+              <p:nvPr/>
+            </p:nvGrpSpPr>
+            <p:grpSpPr>
+              <a:xfrm>
+                <a:off x="3698229" y="3040472"/>
+                <a:ext cx="865466" cy="615045"/>
+                <a:chOff x="9467962" y="2481252"/>
+                <a:chExt cx="959868" cy="770738"/>
+              </a:xfrm>
+            </p:grpSpPr>
+            <p:sp>
+              <p:nvSpPr>
+                <p:cNvPr id="235" name="Flowchart: Decision 234"/>
+                <p:cNvSpPr/>
+                <p:nvPr/>
+              </p:nvSpPr>
+              <p:spPr>
+                <a:xfrm>
+                  <a:off x="9467962" y="2481252"/>
+                  <a:ext cx="959868" cy="770738"/>
+                </a:xfrm>
+                <a:prstGeom prst="flowChartDecision">
+                  <a:avLst/>
+                </a:prstGeom>
+              </p:spPr>
+              <p:style>
+                <a:lnRef idx="2">
+                  <a:schemeClr val="accent6"/>
+                </a:lnRef>
+                <a:fillRef idx="1">
+                  <a:schemeClr val="lt1"/>
+                </a:fillRef>
+                <a:effectRef idx="0">
+                  <a:schemeClr val="accent6"/>
+                </a:effectRef>
+                <a:fontRef idx="minor">
+                  <a:schemeClr val="dk1"/>
+                </a:fontRef>
+              </p:style>
+              <p:txBody>
+                <a:bodyPr rtlCol="0" anchor="ctr"/>
+                <a:lstStyle/>
+                <a:p>
+                  <a:pPr algn="ctr"/>
+                  <a:endParaRPr lang="en-SG" sz="500" dirty="0"/>
+                </a:p>
+              </p:txBody>
+            </p:sp>
+            <p:sp>
+              <p:nvSpPr>
+                <p:cNvPr id="236" name="Rounded Rectangle 235"/>
+                <p:cNvSpPr/>
+                <p:nvPr/>
+              </p:nvSpPr>
+              <p:spPr>
+                <a:xfrm>
+                  <a:off x="9722406" y="2609140"/>
+                  <a:ext cx="470196" cy="511518"/>
+                </a:xfrm>
+                <a:prstGeom prst="roundRect">
+                  <a:avLst/>
+                </a:prstGeom>
+                <a:noFill/>
+                <a:ln>
+                  <a:noFill/>
+                </a:ln>
+              </p:spPr>
+              <p:style>
+                <a:lnRef idx="2">
+                  <a:schemeClr val="accent6"/>
+                </a:lnRef>
+                <a:fillRef idx="1">
+                  <a:schemeClr val="lt1"/>
+                </a:fillRef>
+                <a:effectRef idx="0">
+                  <a:schemeClr val="accent6"/>
+                </a:effectRef>
+                <a:fontRef idx="minor">
+                  <a:schemeClr val="dk1"/>
+                </a:fontRef>
+              </p:style>
+              <p:txBody>
+                <a:bodyPr rot="0" spcFirstLastPara="0" vertOverflow="overflow" horzOverflow="overflow" vert="horz" wrap="square" lIns="36578" tIns="18289" rIns="36578" bIns="18289" numCol="1" spcCol="0" rtlCol="0" fromWordArt="0" anchor="ctr" anchorCtr="0" forceAA="0" compatLnSpc="1">
+                  <a:prstTxWarp prst="textNoShape">
+                    <a:avLst/>
+                  </a:prstTxWarp>
+                  <a:noAutofit/>
+                </a:bodyPr>
+                <a:lstStyle/>
+                <a:p>
+                  <a:pPr algn="ctr"/>
+                  <a:r>
+                    <a:rPr lang="en-SG" sz="700" dirty="0"/>
+                    <a:t>View Report or Client?</a:t>
+                  </a:r>
+                </a:p>
+              </p:txBody>
+            </p:sp>
+          </p:grpSp>
+          <p:sp>
+            <p:nvSpPr>
+              <p:cNvPr id="254" name="Rounded Rectangle 253"/>
+              <p:cNvSpPr/>
+              <p:nvPr/>
+            </p:nvSpPr>
+            <p:spPr>
+              <a:xfrm>
+                <a:off x="3752268" y="2827245"/>
+                <a:ext cx="426088" cy="245393"/>
+              </a:xfrm>
+              <a:prstGeom prst="roundRect">
+                <a:avLst/>
+              </a:prstGeom>
+              <a:noFill/>
+              <a:ln>
+                <a:noFill/>
+              </a:ln>
+            </p:spPr>
+            <p:style>
+              <a:lnRef idx="2">
+                <a:schemeClr val="accent6"/>
+              </a:lnRef>
+              <a:fillRef idx="1">
+                <a:schemeClr val="lt1"/>
+              </a:fillRef>
+              <a:effectRef idx="0">
+                <a:schemeClr val="accent6"/>
+              </a:effectRef>
+              <a:fontRef idx="minor">
+                <a:schemeClr val="dk1"/>
+              </a:fontRef>
+            </p:style>
+            <p:txBody>
+              <a:bodyPr rot="0" spcFirstLastPara="0" vertOverflow="overflow" horzOverflow="overflow" vert="horz" wrap="square" lIns="36578" tIns="18289" rIns="36578" bIns="18289" numCol="1" spcCol="0" rtlCol="0" fromWordArt="0" anchor="ctr" anchorCtr="0" forceAA="0" compatLnSpc="1">
+                <a:prstTxWarp prst="textNoShape">
+                  <a:avLst/>
+                </a:prstTxWarp>
+                <a:noAutofit/>
+              </a:bodyPr>
+              <a:lstStyle/>
+              <a:p>
+                <a:pPr algn="ctr"/>
+                <a:r>
+                  <a:rPr lang="en-SG" sz="720" dirty="0"/>
+                  <a:t>Client</a:t>
+                </a:r>
+              </a:p>
+            </p:txBody>
+          </p:sp>
+          <p:cxnSp>
+            <p:nvCxnSpPr>
+              <p:cNvPr id="280" name="Elbow Connector 279"/>
+              <p:cNvCxnSpPr>
+                <a:stCxn id="235" idx="3"/>
+                <a:endCxn id="5" idx="1"/>
+              </p:cNvCxnSpPr>
+              <p:nvPr/>
+            </p:nvCxnSpPr>
+            <p:spPr>
+              <a:xfrm flipV="1">
+                <a:off x="4563695" y="3346767"/>
+                <a:ext cx="628953" cy="1228"/>
+              </a:xfrm>
+              <a:prstGeom prst="straightConnector1">
+                <a:avLst/>
+              </a:prstGeom>
+              <a:ln>
+                <a:tailEnd type="triangle"/>
+              </a:ln>
+            </p:spPr>
+            <p:style>
+              <a:lnRef idx="1">
+                <a:schemeClr val="accent2"/>
+              </a:lnRef>
+              <a:fillRef idx="0">
+                <a:schemeClr val="accent2"/>
+              </a:fillRef>
+              <a:effectRef idx="0">
+                <a:schemeClr val="accent2"/>
+              </a:effectRef>
+              <a:fontRef idx="minor">
+                <a:schemeClr val="tx1"/>
+              </a:fontRef>
+            </p:style>
+          </p:cxnSp>
+          <p:cxnSp>
+            <p:nvCxnSpPr>
+              <p:cNvPr id="386" name="Elbow Connector 385"/>
+              <p:cNvCxnSpPr>
+                <a:stCxn id="20" idx="3"/>
+                <a:endCxn id="21" idx="1"/>
+              </p:cNvCxnSpPr>
+              <p:nvPr/>
+            </p:nvCxnSpPr>
+            <p:spPr>
+              <a:xfrm flipV="1">
+                <a:off x="6967104" y="2108198"/>
+                <a:ext cx="273680" cy="3759"/>
+              </a:xfrm>
+              <a:prstGeom prst="straightConnector1">
+                <a:avLst/>
+              </a:prstGeom>
+              <a:ln>
+                <a:tailEnd type="triangle"/>
+              </a:ln>
+            </p:spPr>
+            <p:style>
+              <a:lnRef idx="1">
+                <a:schemeClr val="accent2"/>
+              </a:lnRef>
+              <a:fillRef idx="0">
+                <a:schemeClr val="accent2"/>
+              </a:fillRef>
+              <a:effectRef idx="0">
+                <a:schemeClr val="accent2"/>
+              </a:effectRef>
+              <a:fontRef idx="minor">
+                <a:schemeClr val="tx1"/>
+              </a:fontRef>
+            </p:style>
+          </p:cxnSp>
+          <p:cxnSp>
+            <p:nvCxnSpPr>
+              <p:cNvPr id="400" name="Straight Arrow Connector 399"/>
+              <p:cNvCxnSpPr>
+                <a:stCxn id="5" idx="2"/>
+                <a:endCxn id="328" idx="0"/>
+              </p:cNvCxnSpPr>
+              <p:nvPr/>
+            </p:nvCxnSpPr>
+            <p:spPr>
+              <a:xfrm>
+                <a:off x="5672582" y="3732136"/>
+                <a:ext cx="209" cy="591654"/>
+              </a:xfrm>
+              <a:prstGeom prst="straightConnector1">
+                <a:avLst/>
+              </a:prstGeom>
+              <a:ln>
+                <a:tailEnd type="triangle"/>
+              </a:ln>
+            </p:spPr>
+            <p:style>
+              <a:lnRef idx="1">
+                <a:schemeClr val="accent2"/>
+              </a:lnRef>
+              <a:fillRef idx="0">
+                <a:schemeClr val="accent2"/>
+              </a:fillRef>
+              <a:effectRef idx="0">
+                <a:schemeClr val="accent2"/>
+              </a:effectRef>
+              <a:fontRef idx="minor">
+                <a:schemeClr val="tx1"/>
+              </a:fontRef>
+            </p:style>
+          </p:cxnSp>
+          <p:grpSp>
+            <p:nvGrpSpPr>
+              <p:cNvPr id="425" name="Group 424"/>
+              <p:cNvGrpSpPr/>
+              <p:nvPr/>
+            </p:nvGrpSpPr>
+            <p:grpSpPr>
+              <a:xfrm>
+                <a:off x="11762634" y="2814265"/>
+                <a:ext cx="506819" cy="184501"/>
+                <a:chOff x="15248455" y="5023429"/>
+                <a:chExt cx="506819" cy="184501"/>
+              </a:xfrm>
+            </p:grpSpPr>
+            <p:sp>
+              <p:nvSpPr>
+                <p:cNvPr id="426" name="Oval 425"/>
+                <p:cNvSpPr/>
+                <p:nvPr/>
+              </p:nvSpPr>
+              <p:spPr>
+                <a:xfrm>
+                  <a:off x="15248455" y="5064733"/>
+                  <a:ext cx="128784" cy="133775"/>
+                </a:xfrm>
+                <a:prstGeom prst="ellipse">
+                  <a:avLst/>
+                </a:prstGeom>
+              </p:spPr>
+              <p:style>
+                <a:lnRef idx="2">
+                  <a:schemeClr val="accent6"/>
+                </a:lnRef>
+                <a:fillRef idx="1">
+                  <a:schemeClr val="lt1"/>
+                </a:fillRef>
+                <a:effectRef idx="0">
+                  <a:schemeClr val="accent6"/>
+                </a:effectRef>
+                <a:fontRef idx="minor">
+                  <a:schemeClr val="dk1"/>
+                </a:fontRef>
+              </p:style>
+              <p:txBody>
+                <a:bodyPr rot="0" spcFirstLastPara="0" vertOverflow="overflow" horzOverflow="overflow" vert="horz" wrap="square" lIns="36578" tIns="18289" rIns="36578" bIns="18289" numCol="1" spcCol="0" rtlCol="0" fromWordArt="0" anchor="ctr" anchorCtr="0" forceAA="0" compatLnSpc="1">
+                  <a:prstTxWarp prst="textNoShape">
+                    <a:avLst/>
+                  </a:prstTxWarp>
+                  <a:noAutofit/>
+                </a:bodyPr>
+                <a:lstStyle/>
+                <a:p>
+                  <a:pPr algn="ctr"/>
+                  <a:endParaRPr lang="en-SG" sz="720"/>
+                </a:p>
+              </p:txBody>
+            </p:sp>
+            <p:sp>
+              <p:nvSpPr>
+                <p:cNvPr id="427" name="Rounded Rectangle 426"/>
+                <p:cNvSpPr/>
+                <p:nvPr/>
+              </p:nvSpPr>
+              <p:spPr>
+                <a:xfrm>
+                  <a:off x="15290997" y="5023429"/>
+                  <a:ext cx="464277" cy="184501"/>
+                </a:xfrm>
+                <a:prstGeom prst="roundRect">
+                  <a:avLst/>
+                </a:prstGeom>
+                <a:noFill/>
+                <a:ln>
+                  <a:noFill/>
+                </a:ln>
+              </p:spPr>
+              <p:style>
+                <a:lnRef idx="2">
+                  <a:schemeClr val="accent6"/>
+                </a:lnRef>
+                <a:fillRef idx="1">
+                  <a:schemeClr val="lt1"/>
+                </a:fillRef>
+                <a:effectRef idx="0">
+                  <a:schemeClr val="accent6"/>
+                </a:effectRef>
+                <a:fontRef idx="minor">
+                  <a:schemeClr val="dk1"/>
+                </a:fontRef>
+              </p:style>
+              <p:txBody>
+                <a:bodyPr rot="0" spcFirstLastPara="0" vertOverflow="overflow" horzOverflow="overflow" vert="horz" wrap="square" lIns="36578" tIns="18289" rIns="36578" bIns="18289" numCol="1" spcCol="0" rtlCol="0" fromWordArt="0" anchor="ctr" anchorCtr="0" forceAA="0" compatLnSpc="1">
+                  <a:prstTxWarp prst="textNoShape">
+                    <a:avLst/>
+                  </a:prstTxWarp>
+                  <a:noAutofit/>
+                </a:bodyPr>
+                <a:lstStyle/>
+                <a:p>
+                  <a:pPr algn="ctr"/>
+                  <a:r>
+                    <a:rPr lang="en-SG" sz="720" dirty="0"/>
+                    <a:t>End</a:t>
+                  </a:r>
+                </a:p>
+              </p:txBody>
+            </p:sp>
+          </p:grpSp>
+          <p:sp>
+            <p:nvSpPr>
+              <p:cNvPr id="434" name="Rounded Rectangle 433"/>
+              <p:cNvSpPr/>
+              <p:nvPr/>
+            </p:nvSpPr>
+            <p:spPr>
+              <a:xfrm>
+                <a:off x="6183312" y="3181180"/>
+                <a:ext cx="523283" cy="223183"/>
+              </a:xfrm>
+              <a:prstGeom prst="roundRect">
+                <a:avLst/>
+              </a:prstGeom>
+              <a:noFill/>
+              <a:ln>
+                <a:noFill/>
+              </a:ln>
+            </p:spPr>
+            <p:style>
+              <a:lnRef idx="2">
+                <a:schemeClr val="accent6"/>
+              </a:lnRef>
+              <a:fillRef idx="1">
+                <a:schemeClr val="lt1"/>
+              </a:fillRef>
+              <a:effectRef idx="0">
+                <a:schemeClr val="accent6"/>
+              </a:effectRef>
+              <a:fontRef idx="minor">
+                <a:schemeClr val="dk1"/>
+              </a:fontRef>
+            </p:style>
+            <p:txBody>
+              <a:bodyPr rot="0" spcFirstLastPara="0" vertOverflow="overflow" horzOverflow="overflow" vert="horz" wrap="square" lIns="36578" tIns="18289" rIns="36578" bIns="18289" numCol="1" spcCol="0" rtlCol="0" fromWordArt="0" anchor="ctr" anchorCtr="0" forceAA="0" compatLnSpc="1">
+                <a:prstTxWarp prst="textNoShape">
+                  <a:avLst/>
+                </a:prstTxWarp>
+                <a:noAutofit/>
+              </a:bodyPr>
+              <a:lstStyle/>
+              <a:p>
+                <a:pPr algn="ctr"/>
+                <a:r>
+                  <a:rPr lang="en-SG" sz="720" dirty="0"/>
+                  <a:t>Overview</a:t>
+                </a:r>
+              </a:p>
+            </p:txBody>
+          </p:sp>
+          <p:sp>
+            <p:nvSpPr>
+              <p:cNvPr id="440" name="Rounded Rectangle 439"/>
+              <p:cNvSpPr/>
+              <p:nvPr/>
+            </p:nvSpPr>
+            <p:spPr>
+              <a:xfrm>
+                <a:off x="7240784" y="4650306"/>
+                <a:ext cx="295977" cy="99379"/>
+              </a:xfrm>
+              <a:prstGeom prst="roundRect">
+                <a:avLst/>
+              </a:prstGeom>
+              <a:noFill/>
+              <a:ln>
+                <a:noFill/>
+              </a:ln>
+            </p:spPr>
+            <p:style>
+              <a:lnRef idx="2">
+                <a:schemeClr val="accent6"/>
+              </a:lnRef>
+              <a:fillRef idx="1">
+                <a:schemeClr val="lt1"/>
+              </a:fillRef>
+              <a:effectRef idx="0">
+                <a:schemeClr val="accent6"/>
+              </a:effectRef>
+              <a:fontRef idx="minor">
+                <a:schemeClr val="dk1"/>
+              </a:fontRef>
+            </p:style>
+            <p:txBody>
+              <a:bodyPr rot="0" spcFirstLastPara="0" vertOverflow="overflow" horzOverflow="overflow" vert="horz" wrap="square" lIns="36578" tIns="18289" rIns="36578" bIns="18289" numCol="1" spcCol="0" rtlCol="0" fromWordArt="0" anchor="ctr" anchorCtr="0" forceAA="0" compatLnSpc="1">
+                <a:prstTxWarp prst="textNoShape">
+                  <a:avLst/>
+                </a:prstTxWarp>
+                <a:noAutofit/>
+              </a:bodyPr>
+              <a:lstStyle/>
+              <a:p>
+                <a:pPr algn="ctr"/>
+                <a:r>
+                  <a:rPr lang="en-SG" sz="720" dirty="0"/>
+                  <a:t>No</a:t>
+                </a:r>
+              </a:p>
+            </p:txBody>
+          </p:sp>
+          <p:cxnSp>
+            <p:nvCxnSpPr>
+              <p:cNvPr id="453" name="Straight Arrow Connector 452"/>
+              <p:cNvCxnSpPr>
+                <a:stCxn id="328" idx="2"/>
+                <a:endCxn id="332" idx="0"/>
+              </p:cNvCxnSpPr>
+              <p:nvPr/>
+            </p:nvCxnSpPr>
+            <p:spPr>
+              <a:xfrm flipH="1">
+                <a:off x="5665347" y="4780355"/>
+                <a:ext cx="7444" cy="361454"/>
+              </a:xfrm>
+              <a:prstGeom prst="straightConnector1">
+                <a:avLst/>
+              </a:prstGeom>
+              <a:ln>
+                <a:tailEnd type="triangle"/>
+              </a:ln>
+            </p:spPr>
+            <p:style>
+              <a:lnRef idx="1">
+                <a:schemeClr val="accent2"/>
+              </a:lnRef>
+              <a:fillRef idx="0">
+                <a:schemeClr val="accent2"/>
+              </a:fillRef>
+              <a:effectRef idx="0">
+                <a:schemeClr val="accent2"/>
+              </a:effectRef>
+              <a:fontRef idx="minor">
+                <a:schemeClr val="tx1"/>
+              </a:fontRef>
+            </p:style>
+          </p:cxnSp>
+          <p:cxnSp>
+            <p:nvCxnSpPr>
+              <p:cNvPr id="480" name="Straight Arrow Connector 479"/>
+              <p:cNvCxnSpPr>
+                <a:stCxn id="332" idx="2"/>
+                <a:endCxn id="483" idx="0"/>
+              </p:cNvCxnSpPr>
+              <p:nvPr/>
+            </p:nvCxnSpPr>
+            <p:spPr>
+              <a:xfrm flipH="1">
+                <a:off x="5660830" y="5598374"/>
+                <a:ext cx="4517" cy="1053573"/>
+              </a:xfrm>
+              <a:prstGeom prst="straightConnector1">
+                <a:avLst/>
+              </a:prstGeom>
+              <a:ln>
+                <a:tailEnd type="triangle"/>
+              </a:ln>
+            </p:spPr>
+            <p:style>
+              <a:lnRef idx="1">
+                <a:schemeClr val="accent2"/>
+              </a:lnRef>
+              <a:fillRef idx="0">
+                <a:schemeClr val="accent2"/>
+              </a:fillRef>
+              <a:effectRef idx="0">
+                <a:schemeClr val="accent2"/>
+              </a:effectRef>
+              <a:fontRef idx="minor">
+                <a:schemeClr val="tx1"/>
+              </a:fontRef>
+            </p:style>
+          </p:cxnSp>
+          <p:sp>
+            <p:nvSpPr>
+              <p:cNvPr id="483" name="Rounded Rectangle 482"/>
+              <p:cNvSpPr/>
+              <p:nvPr/>
+            </p:nvSpPr>
+            <p:spPr>
+              <a:xfrm>
+                <a:off x="5232238" y="6651947"/>
+                <a:ext cx="857184" cy="456565"/>
+              </a:xfrm>
+              <a:prstGeom prst="roundRect">
+                <a:avLst/>
+              </a:prstGeom>
+              <a:solidFill>
+                <a:schemeClr val="bg1"/>
+              </a:solidFill>
+              <a:ln>
+                <a:solidFill>
+                  <a:schemeClr val="accent6">
+                    <a:lumMod val="60000"/>
+                    <a:lumOff val="40000"/>
+                  </a:schemeClr>
+                </a:solidFill>
+              </a:ln>
+            </p:spPr>
+            <p:style>
+              <a:lnRef idx="2">
+                <a:schemeClr val="accent2">
+                  <a:shade val="50000"/>
+                </a:schemeClr>
+              </a:lnRef>
+              <a:fillRef idx="1">
+                <a:schemeClr val="accent2"/>
+              </a:fillRef>
+              <a:effectRef idx="0">
+                <a:schemeClr val="accent2"/>
+              </a:effectRef>
+              <a:fontRef idx="minor">
+                <a:schemeClr val="lt1"/>
+              </a:fontRef>
+            </p:style>
+            <p:txBody>
+              <a:bodyPr rot="0" spcFirstLastPara="0" vertOverflow="overflow" horzOverflow="overflow" vert="horz" wrap="square" lIns="36578" tIns="18289" rIns="36578" bIns="18289" numCol="1" spcCol="0" rtlCol="0" fromWordArt="0" anchor="ctr" anchorCtr="0" forceAA="0" compatLnSpc="1">
+                <a:prstTxWarp prst="textNoShape">
+                  <a:avLst/>
+                </a:prstTxWarp>
+                <a:noAutofit/>
+              </a:bodyPr>
+              <a:lstStyle/>
+              <a:p>
+                <a:pPr algn="ctr"/>
+                <a:r>
+                  <a:rPr lang="en-SG" sz="720" dirty="0">
+                    <a:solidFill>
+                      <a:schemeClr val="tx1"/>
+                    </a:solidFill>
+                  </a:rPr>
+                  <a:t>Generate Report</a:t>
+                </a:r>
+              </a:p>
+            </p:txBody>
+          </p:sp>
+          <p:sp>
+            <p:nvSpPr>
+              <p:cNvPr id="523" name="Rounded Rectangle 522"/>
+              <p:cNvSpPr/>
+              <p:nvPr/>
+            </p:nvSpPr>
+            <p:spPr>
+              <a:xfrm>
+                <a:off x="2232457" y="2292593"/>
+                <a:ext cx="1246459" cy="169134"/>
+              </a:xfrm>
+              <a:prstGeom prst="roundRect">
+                <a:avLst/>
+              </a:prstGeom>
+              <a:noFill/>
+              <a:ln>
+                <a:noFill/>
+              </a:ln>
+            </p:spPr>
+            <p:style>
+              <a:lnRef idx="2">
+                <a:schemeClr val="accent6"/>
+              </a:lnRef>
+              <a:fillRef idx="1">
+                <a:schemeClr val="lt1"/>
+              </a:fillRef>
+              <a:effectRef idx="0">
+                <a:schemeClr val="accent6"/>
+              </a:effectRef>
+              <a:fontRef idx="minor">
+                <a:schemeClr val="dk1"/>
+              </a:fontRef>
+            </p:style>
+            <p:txBody>
+              <a:bodyPr rot="0" spcFirstLastPara="0" vertOverflow="overflow" horzOverflow="overflow" vert="horz" wrap="square" lIns="36578" tIns="18289" rIns="36578" bIns="18289" numCol="1" spcCol="0" rtlCol="0" fromWordArt="0" anchor="ctr" anchorCtr="0" forceAA="0" compatLnSpc="1">
+                <a:prstTxWarp prst="textNoShape">
+                  <a:avLst/>
+                </a:prstTxWarp>
+                <a:noAutofit/>
+              </a:bodyPr>
+              <a:lstStyle/>
+              <a:p>
+                <a:pPr algn="ctr"/>
+                <a:r>
+                  <a:rPr lang="en-SG" sz="720" dirty="0"/>
+                  <a:t>Start</a:t>
+                </a:r>
+              </a:p>
+            </p:txBody>
+          </p:sp>
+          <p:grpSp>
+            <p:nvGrpSpPr>
+              <p:cNvPr id="525" name="Group 524"/>
+              <p:cNvGrpSpPr/>
+              <p:nvPr/>
+            </p:nvGrpSpPr>
+            <p:grpSpPr>
+              <a:xfrm>
+                <a:off x="2400517" y="3044136"/>
+                <a:ext cx="865466" cy="615045"/>
+                <a:chOff x="9187204" y="4291994"/>
+                <a:chExt cx="959868" cy="770738"/>
+              </a:xfrm>
+            </p:grpSpPr>
+            <p:sp>
+              <p:nvSpPr>
+                <p:cNvPr id="526" name="Flowchart: Decision 525"/>
+                <p:cNvSpPr/>
+                <p:nvPr/>
+              </p:nvSpPr>
+              <p:spPr>
+                <a:xfrm>
+                  <a:off x="9187204" y="4291994"/>
+                  <a:ext cx="959868" cy="770738"/>
+                </a:xfrm>
+                <a:prstGeom prst="flowChartDecision">
+                  <a:avLst/>
+                </a:prstGeom>
+              </p:spPr>
+              <p:style>
+                <a:lnRef idx="2">
+                  <a:schemeClr val="accent6"/>
+                </a:lnRef>
+                <a:fillRef idx="1">
+                  <a:schemeClr val="lt1"/>
+                </a:fillRef>
+                <a:effectRef idx="0">
+                  <a:schemeClr val="accent6"/>
+                </a:effectRef>
+                <a:fontRef idx="minor">
+                  <a:schemeClr val="dk1"/>
+                </a:fontRef>
+              </p:style>
+              <p:txBody>
+                <a:bodyPr rtlCol="0" anchor="ctr"/>
+                <a:lstStyle/>
+                <a:p>
+                  <a:pPr algn="ctr"/>
+                  <a:endParaRPr lang="en-SG" sz="500" dirty="0"/>
+                </a:p>
+              </p:txBody>
+            </p:sp>
+            <p:sp>
+              <p:nvSpPr>
+                <p:cNvPr id="527" name="Rounded Rectangle 526"/>
+                <p:cNvSpPr/>
+                <p:nvPr/>
+              </p:nvSpPr>
+              <p:spPr>
+                <a:xfrm>
+                  <a:off x="9385712" y="4400629"/>
+                  <a:ext cx="578403" cy="526090"/>
+                </a:xfrm>
+                <a:prstGeom prst="roundRect">
+                  <a:avLst/>
+                </a:prstGeom>
+                <a:noFill/>
+                <a:ln>
+                  <a:noFill/>
+                </a:ln>
+              </p:spPr>
+              <p:style>
+                <a:lnRef idx="2">
+                  <a:schemeClr val="accent6"/>
+                </a:lnRef>
+                <a:fillRef idx="1">
+                  <a:schemeClr val="lt1"/>
+                </a:fillRef>
+                <a:effectRef idx="0">
+                  <a:schemeClr val="accent6"/>
+                </a:effectRef>
+                <a:fontRef idx="minor">
+                  <a:schemeClr val="dk1"/>
+                </a:fontRef>
+              </p:style>
+              <p:txBody>
+                <a:bodyPr rot="0" spcFirstLastPara="0" vertOverflow="overflow" horzOverflow="overflow" vert="horz" wrap="square" lIns="36578" tIns="18289" rIns="36578" bIns="18289" numCol="1" spcCol="0" rtlCol="0" fromWordArt="0" anchor="ctr" anchorCtr="0" forceAA="0" compatLnSpc="1">
+                  <a:prstTxWarp prst="textNoShape">
+                    <a:avLst/>
+                  </a:prstTxWarp>
+                  <a:noAutofit/>
+                </a:bodyPr>
+                <a:lstStyle/>
+                <a:p>
+                  <a:pPr algn="ctr"/>
+                  <a:r>
+                    <a:rPr lang="en-SG" sz="700" dirty="0"/>
+                    <a:t>Update  Database?</a:t>
+                  </a:r>
+                </a:p>
+              </p:txBody>
+            </p:sp>
+          </p:grpSp>
+          <p:cxnSp>
+            <p:nvCxnSpPr>
+              <p:cNvPr id="537" name="Straight Arrow Connector 536"/>
+              <p:cNvCxnSpPr>
+                <a:stCxn id="526" idx="2"/>
+                <a:endCxn id="13" idx="0"/>
+              </p:cNvCxnSpPr>
+              <p:nvPr/>
+            </p:nvCxnSpPr>
+            <p:spPr>
+              <a:xfrm flipH="1">
+                <a:off x="2829367" y="3659181"/>
+                <a:ext cx="3883" cy="252499"/>
+              </a:xfrm>
+              <a:prstGeom prst="straightConnector1">
+                <a:avLst/>
+              </a:prstGeom>
+              <a:ln>
+                <a:tailEnd type="triangle"/>
+              </a:ln>
+            </p:spPr>
+            <p:style>
+              <a:lnRef idx="1">
+                <a:schemeClr val="accent2"/>
+              </a:lnRef>
+              <a:fillRef idx="0">
+                <a:schemeClr val="accent2"/>
+              </a:fillRef>
+              <a:effectRef idx="0">
+                <a:schemeClr val="accent2"/>
+              </a:effectRef>
+              <a:fontRef idx="minor">
+                <a:schemeClr val="tx1"/>
+              </a:fontRef>
+            </p:style>
+          </p:cxnSp>
+          <p:sp>
+            <p:nvSpPr>
+              <p:cNvPr id="541" name="Rounded Rectangle 540"/>
+              <p:cNvSpPr/>
+              <p:nvPr/>
+            </p:nvSpPr>
+            <p:spPr>
+              <a:xfrm>
+                <a:off x="2857542" y="3654660"/>
+                <a:ext cx="259716" cy="144059"/>
+              </a:xfrm>
+              <a:prstGeom prst="roundRect">
+                <a:avLst/>
+              </a:prstGeom>
+              <a:noFill/>
+              <a:ln>
+                <a:noFill/>
+              </a:ln>
+            </p:spPr>
+            <p:style>
+              <a:lnRef idx="2">
+                <a:schemeClr val="accent6"/>
+              </a:lnRef>
+              <a:fillRef idx="1">
+                <a:schemeClr val="lt1"/>
+              </a:fillRef>
+              <a:effectRef idx="0">
+                <a:schemeClr val="accent6"/>
+              </a:effectRef>
+              <a:fontRef idx="minor">
+                <a:schemeClr val="dk1"/>
+              </a:fontRef>
+            </p:style>
+            <p:txBody>
+              <a:bodyPr rot="0" spcFirstLastPara="0" vertOverflow="overflow" horzOverflow="overflow" vert="horz" wrap="square" lIns="36578" tIns="18289" rIns="36578" bIns="18289" numCol="1" spcCol="0" rtlCol="0" fromWordArt="0" anchor="ctr" anchorCtr="0" forceAA="0" compatLnSpc="1">
+                <a:prstTxWarp prst="textNoShape">
+                  <a:avLst/>
+                </a:prstTxWarp>
+                <a:noAutofit/>
+              </a:bodyPr>
+              <a:lstStyle/>
+              <a:p>
+                <a:pPr algn="ctr"/>
+                <a:r>
+                  <a:rPr lang="en-SG" sz="720" dirty="0"/>
+                  <a:t>Yes</a:t>
+                </a:r>
+              </a:p>
+            </p:txBody>
+          </p:sp>
+          <p:cxnSp>
+            <p:nvCxnSpPr>
+              <p:cNvPr id="543" name="Elbow Connector 542"/>
+              <p:cNvCxnSpPr>
+                <a:stCxn id="526" idx="3"/>
+                <a:endCxn id="235" idx="1"/>
+              </p:cNvCxnSpPr>
+              <p:nvPr/>
+            </p:nvCxnSpPr>
+            <p:spPr>
+              <a:xfrm flipV="1">
+                <a:off x="3265983" y="3347995"/>
+                <a:ext cx="432246" cy="3664"/>
+              </a:xfrm>
+              <a:prstGeom prst="straightConnector1">
+                <a:avLst/>
+              </a:prstGeom>
+              <a:ln>
+                <a:tailEnd type="triangle"/>
+              </a:ln>
+            </p:spPr>
+            <p:style>
+              <a:lnRef idx="1">
+                <a:schemeClr val="accent2"/>
+              </a:lnRef>
+              <a:fillRef idx="0">
+                <a:schemeClr val="accent2"/>
+              </a:fillRef>
+              <a:effectRef idx="0">
+                <a:schemeClr val="accent2"/>
+              </a:effectRef>
+              <a:fontRef idx="minor">
+                <a:schemeClr val="tx1"/>
+              </a:fontRef>
+            </p:style>
+          </p:cxnSp>
+          <p:sp>
+            <p:nvSpPr>
+              <p:cNvPr id="547" name="Rounded Rectangle 546"/>
+              <p:cNvSpPr/>
+              <p:nvPr/>
+            </p:nvSpPr>
+            <p:spPr>
+              <a:xfrm>
+                <a:off x="3204033" y="3184108"/>
+                <a:ext cx="259716" cy="182254"/>
+              </a:xfrm>
+              <a:prstGeom prst="roundRect">
+                <a:avLst/>
+              </a:prstGeom>
+              <a:noFill/>
+              <a:ln>
+                <a:noFill/>
+              </a:ln>
+            </p:spPr>
+            <p:style>
+              <a:lnRef idx="2">
+                <a:schemeClr val="accent6"/>
+              </a:lnRef>
+              <a:fillRef idx="1">
+                <a:schemeClr val="lt1"/>
+              </a:fillRef>
+              <a:effectRef idx="0">
+                <a:schemeClr val="accent6"/>
+              </a:effectRef>
+              <a:fontRef idx="minor">
+                <a:schemeClr val="dk1"/>
+              </a:fontRef>
+            </p:style>
+            <p:txBody>
+              <a:bodyPr rot="0" spcFirstLastPara="0" vertOverflow="overflow" horzOverflow="overflow" vert="horz" wrap="square" lIns="36578" tIns="18289" rIns="36578" bIns="18289" numCol="1" spcCol="0" rtlCol="0" fromWordArt="0" anchor="ctr" anchorCtr="0" forceAA="0" compatLnSpc="1">
+                <a:prstTxWarp prst="textNoShape">
+                  <a:avLst/>
+                </a:prstTxWarp>
+                <a:noAutofit/>
+              </a:bodyPr>
+              <a:lstStyle/>
+              <a:p>
+                <a:pPr algn="ctr"/>
+                <a:r>
+                  <a:rPr lang="en-SG" sz="720" dirty="0"/>
+                  <a:t>No</a:t>
+                </a:r>
+              </a:p>
+            </p:txBody>
+          </p:sp>
+          <p:sp>
+            <p:nvSpPr>
+              <p:cNvPr id="550" name="Oval 549"/>
+              <p:cNvSpPr/>
+              <p:nvPr/>
+            </p:nvSpPr>
+            <p:spPr>
+              <a:xfrm flipV="1">
+                <a:off x="4351112" y="3721577"/>
+                <a:ext cx="313875" cy="143676"/>
+              </a:xfrm>
+              <a:prstGeom prst="ellipse">
+                <a:avLst/>
+              </a:prstGeom>
+              <a:noFill/>
+              <a:ln>
+                <a:noFill/>
+              </a:ln>
+            </p:spPr>
+            <p:style>
+              <a:lnRef idx="2">
+                <a:schemeClr val="accent6"/>
+              </a:lnRef>
+              <a:fillRef idx="1">
+                <a:schemeClr val="lt1"/>
+              </a:fillRef>
+              <a:effectRef idx="0">
+                <a:schemeClr val="accent6"/>
+              </a:effectRef>
+              <a:fontRef idx="minor">
+                <a:schemeClr val="dk1"/>
+              </a:fontRef>
+            </p:style>
+            <p:txBody>
+              <a:bodyPr rot="0" spcFirstLastPara="0" vertOverflow="overflow" horzOverflow="overflow" vert="horz" wrap="square" lIns="36578" tIns="18289" rIns="36578" bIns="18289" numCol="1" spcCol="0" rtlCol="0" fromWordArt="0" anchor="ctr" anchorCtr="0" forceAA="0" compatLnSpc="1">
+                <a:prstTxWarp prst="textNoShape">
+                  <a:avLst/>
+                </a:prstTxWarp>
+                <a:noAutofit/>
+              </a:bodyPr>
+              <a:lstStyle/>
+              <a:p>
+                <a:pPr algn="ctr"/>
+                <a:endParaRPr lang="en-SG" sz="720"/>
+              </a:p>
+            </p:txBody>
+          </p:sp>
+        </p:grpSp>
+        <p:cxnSp>
+          <p:nvCxnSpPr>
+            <p:cNvPr id="173" name="Elbow Connector 172"/>
+            <p:cNvCxnSpPr>
+              <a:stCxn id="483" idx="3"/>
+              <a:endCxn id="354" idx="2"/>
+            </p:cNvCxnSpPr>
+            <p:nvPr/>
+          </p:nvCxnSpPr>
+          <p:spPr>
+            <a:xfrm flipV="1">
+              <a:off x="5669237" y="6214419"/>
+              <a:ext cx="1226075" cy="1207012"/>
+            </a:xfrm>
+            <a:prstGeom prst="bentConnector2">
+              <a:avLst/>
+            </a:prstGeom>
+            <a:ln>
+              <a:tailEnd type="triangle"/>
+            </a:ln>
+          </p:spPr>
+          <p:style>
+            <a:lnRef idx="1">
+              <a:schemeClr val="accent2"/>
+            </a:lnRef>
+            <a:fillRef idx="0">
+              <a:schemeClr val="accent2"/>
+            </a:fillRef>
+            <a:effectRef idx="0">
+              <a:schemeClr val="accent2"/>
+            </a:effectRef>
+            <a:fontRef idx="minor">
+              <a:schemeClr val="tx1"/>
+            </a:fontRef>
+          </p:style>
+        </p:cxnSp>
+        <p:cxnSp>
+          <p:nvCxnSpPr>
+            <p:cNvPr id="176" name="Straight Arrow Connector 175"/>
+            <p:cNvCxnSpPr>
+              <a:stCxn id="150" idx="3"/>
+              <a:endCxn id="426" idx="2"/>
+            </p:cNvCxnSpPr>
+            <p:nvPr/>
+          </p:nvCxnSpPr>
+          <p:spPr>
+            <a:xfrm>
+              <a:off x="10827089" y="3461373"/>
+              <a:ext cx="515360" cy="2285"/>
+            </a:xfrm>
+            <a:prstGeom prst="straightConnector1">
+              <a:avLst/>
+            </a:prstGeom>
+            <a:ln>
+              <a:tailEnd type="triangle"/>
+            </a:ln>
+          </p:spPr>
+          <p:style>
+            <a:lnRef idx="1">
+              <a:schemeClr val="accent2"/>
+            </a:lnRef>
+            <a:fillRef idx="0">
+              <a:schemeClr val="accent2"/>
+            </a:fillRef>
+            <a:effectRef idx="0">
+              <a:schemeClr val="accent2"/>
+            </a:effectRef>
+            <a:fontRef idx="minor">
+              <a:schemeClr val="tx1"/>
+            </a:fontRef>
+          </p:style>
+        </p:cxnSp>
+        <p:cxnSp>
+          <p:nvCxnSpPr>
+            <p:cNvPr id="147" name="Elbow Connector 146"/>
+            <p:cNvCxnSpPr>
+              <a:stCxn id="235" idx="0"/>
+              <a:endCxn id="18" idx="1"/>
+            </p:cNvCxnSpPr>
+            <p:nvPr/>
+          </p:nvCxnSpPr>
+          <p:spPr>
+            <a:xfrm rot="5400000" flipH="1" flipV="1">
+              <a:off x="3604887" y="2751033"/>
+              <a:ext cx="936531" cy="724751"/>
+            </a:xfrm>
+            <a:prstGeom prst="bentConnector2">
+              <a:avLst/>
+            </a:prstGeom>
+            <a:ln>
+              <a:tailEnd type="triangle"/>
+            </a:ln>
+          </p:spPr>
+          <p:style>
+            <a:lnRef idx="1">
+              <a:schemeClr val="accent2"/>
+            </a:lnRef>
+            <a:fillRef idx="0">
+              <a:schemeClr val="accent2"/>
+            </a:fillRef>
+            <a:effectRef idx="0">
+              <a:schemeClr val="accent2"/>
+            </a:effectRef>
+            <a:fontRef idx="minor">
+              <a:schemeClr val="tx1"/>
+            </a:fontRef>
+          </p:style>
+        </p:cxnSp>
+        <p:sp>
+          <p:nvSpPr>
+            <p:cNvPr id="178" name="Rounded Rectangle 177"/>
+            <p:cNvSpPr/>
+            <p:nvPr/>
+          </p:nvSpPr>
+          <p:spPr>
+            <a:xfrm>
+              <a:off x="8027679" y="2419052"/>
+              <a:ext cx="824215" cy="456565"/>
+            </a:xfrm>
+            <a:prstGeom prst="roundRect">
+              <a:avLst/>
+            </a:prstGeom>
+          </p:spPr>
+          <p:style>
+            <a:lnRef idx="2">
+              <a:schemeClr val="accent6"/>
+            </a:lnRef>
+            <a:fillRef idx="1">
+              <a:schemeClr val="lt1"/>
+            </a:fillRef>
+            <a:effectRef idx="0">
+              <a:schemeClr val="accent6"/>
+            </a:effectRef>
+            <a:fontRef idx="minor">
+              <a:schemeClr val="dk1"/>
+            </a:fontRef>
+          </p:style>
+          <p:txBody>
+            <a:bodyPr rot="0" spcFirstLastPara="0" vertOverflow="overflow" horzOverflow="overflow" vert="horz" wrap="square" lIns="36578" tIns="18289" rIns="36578" bIns="18289" numCol="1" spcCol="0" rtlCol="0" fromWordArt="0" anchor="ctr" anchorCtr="0" forceAA="0" compatLnSpc="1">
+              <a:prstTxWarp prst="textNoShape">
+                <a:avLst/>
+              </a:prstTxWarp>
+              <a:noAutofit/>
+            </a:bodyPr>
+            <a:lstStyle/>
+            <a:p>
+              <a:pPr algn="ctr"/>
+              <a:r>
+                <a:rPr lang="en-SG" sz="720" dirty="0"/>
+                <a:t>View Recommended Screenings</a:t>
+              </a:r>
+            </a:p>
+          </p:txBody>
+        </p:sp>
+        <p:cxnSp>
+          <p:nvCxnSpPr>
+            <p:cNvPr id="179" name="Elbow Connector 178"/>
+            <p:cNvCxnSpPr>
+              <a:stCxn id="21" idx="3"/>
+              <a:endCxn id="178" idx="1"/>
+            </p:cNvCxnSpPr>
+            <p:nvPr/>
+          </p:nvCxnSpPr>
+          <p:spPr>
+            <a:xfrm flipV="1">
+              <a:off x="7701359" y="2647335"/>
+              <a:ext cx="326320" cy="2064"/>
+            </a:xfrm>
+            <a:prstGeom prst="straightConnector1">
+              <a:avLst/>
+            </a:prstGeom>
+            <a:ln>
+              <a:tailEnd type="triangle"/>
+            </a:ln>
+          </p:spPr>
+          <p:style>
+            <a:lnRef idx="1">
+              <a:schemeClr val="accent2"/>
+            </a:lnRef>
+            <a:fillRef idx="0">
+              <a:schemeClr val="accent2"/>
+            </a:fillRef>
+            <a:effectRef idx="0">
+              <a:schemeClr val="accent2"/>
+            </a:effectRef>
+            <a:fontRef idx="minor">
+              <a:schemeClr val="tx1"/>
+            </a:fontRef>
+          </p:style>
+        </p:cxnSp>
+        <p:sp>
+          <p:nvSpPr>
+            <p:cNvPr id="180" name="Rounded Rectangle 179"/>
+            <p:cNvSpPr/>
+            <p:nvPr/>
+          </p:nvSpPr>
+          <p:spPr>
+            <a:xfrm>
+              <a:off x="9983793" y="2418407"/>
+              <a:ext cx="824215" cy="456565"/>
+            </a:xfrm>
+            <a:prstGeom prst="roundRect">
+              <a:avLst/>
+            </a:prstGeom>
+          </p:spPr>
+          <p:style>
+            <a:lnRef idx="2">
+              <a:schemeClr val="accent6"/>
+            </a:lnRef>
+            <a:fillRef idx="1">
+              <a:schemeClr val="lt1"/>
+            </a:fillRef>
+            <a:effectRef idx="0">
+              <a:schemeClr val="accent6"/>
+            </a:effectRef>
+            <a:fontRef idx="minor">
+              <a:schemeClr val="dk1"/>
+            </a:fontRef>
+          </p:style>
+          <p:txBody>
+            <a:bodyPr rot="0" spcFirstLastPara="0" vertOverflow="overflow" horzOverflow="overflow" vert="horz" wrap="square" lIns="36578" tIns="18289" rIns="36578" bIns="18289" numCol="1" spcCol="0" rtlCol="0" fromWordArt="0" anchor="ctr" anchorCtr="0" forceAA="0" compatLnSpc="1">
+              <a:prstTxWarp prst="textNoShape">
+                <a:avLst/>
+              </a:prstTxWarp>
+              <a:noAutofit/>
+            </a:bodyPr>
+            <a:lstStyle/>
+            <a:p>
+              <a:pPr algn="ctr"/>
+              <a:r>
+                <a:rPr lang="en-SG" sz="720" dirty="0"/>
+                <a:t>View Screenings Notifications record</a:t>
+              </a:r>
+            </a:p>
+          </p:txBody>
+        </p:sp>
+        <p:cxnSp>
+          <p:nvCxnSpPr>
+            <p:cNvPr id="181" name="Elbow Connector 180"/>
+            <p:cNvCxnSpPr>
+              <a:stCxn id="178" idx="3"/>
+              <a:endCxn id="180" idx="1"/>
+            </p:cNvCxnSpPr>
+            <p:nvPr/>
+          </p:nvCxnSpPr>
+          <p:spPr>
+            <a:xfrm flipV="1">
+              <a:off x="8851894" y="2646690"/>
+              <a:ext cx="1131899" cy="645"/>
+            </a:xfrm>
+            <a:prstGeom prst="bentConnector3">
+              <a:avLst>
+                <a:gd name="adj1" fmla="val 50000"/>
+              </a:avLst>
+            </a:prstGeom>
+            <a:ln>
+              <a:tailEnd type="triangle"/>
+            </a:ln>
+          </p:spPr>
+          <p:style>
+            <a:lnRef idx="1">
+              <a:schemeClr val="accent2"/>
+            </a:lnRef>
+            <a:fillRef idx="0">
+              <a:schemeClr val="accent2"/>
+            </a:fillRef>
+            <a:effectRef idx="0">
+              <a:schemeClr val="accent2"/>
+            </a:effectRef>
+            <a:fontRef idx="minor">
+              <a:schemeClr val="tx1"/>
+            </a:fontRef>
+          </p:style>
+        </p:cxnSp>
+        <p:cxnSp>
+          <p:nvCxnSpPr>
+            <p:cNvPr id="185" name="Elbow Connector 184"/>
+            <p:cNvCxnSpPr>
+              <a:stCxn id="180" idx="2"/>
+              <a:endCxn id="150" idx="0"/>
+            </p:cNvCxnSpPr>
+            <p:nvPr/>
+          </p:nvCxnSpPr>
+          <p:spPr>
+            <a:xfrm rot="5400000">
+              <a:off x="10255690" y="3013639"/>
+              <a:ext cx="278878" cy="1545"/>
+            </a:xfrm>
+            <a:prstGeom prst="bentConnector3">
+              <a:avLst>
+                <a:gd name="adj1" fmla="val 50000"/>
+              </a:avLst>
+            </a:prstGeom>
+            <a:ln>
+              <a:tailEnd type="triangle"/>
+            </a:ln>
+          </p:spPr>
+          <p:style>
+            <a:lnRef idx="1">
+              <a:schemeClr val="accent2"/>
+            </a:lnRef>
+            <a:fillRef idx="0">
+              <a:schemeClr val="accent2"/>
+            </a:fillRef>
+            <a:effectRef idx="0">
+              <a:schemeClr val="accent2"/>
+            </a:effectRef>
+            <a:fontRef idx="minor">
+              <a:schemeClr val="tx1"/>
+            </a:fontRef>
+          </p:style>
+        </p:cxnSp>
+        <p:sp>
+          <p:nvSpPr>
+            <p:cNvPr id="190" name="Rounded Rectangle 189"/>
+            <p:cNvSpPr/>
+            <p:nvPr/>
+          </p:nvSpPr>
+          <p:spPr>
+            <a:xfrm>
+              <a:off x="10200339" y="3243623"/>
+              <a:ext cx="423953" cy="408189"/>
+            </a:xfrm>
+            <a:prstGeom prst="roundRect">
+              <a:avLst/>
+            </a:prstGeom>
+            <a:noFill/>
+            <a:ln>
+              <a:noFill/>
+            </a:ln>
+          </p:spPr>
+          <p:style>
+            <a:lnRef idx="2">
+              <a:schemeClr val="accent6"/>
+            </a:lnRef>
+            <a:fillRef idx="1">
+              <a:schemeClr val="lt1"/>
+            </a:fillRef>
+            <a:effectRef idx="0">
+              <a:schemeClr val="accent6"/>
+            </a:effectRef>
+            <a:fontRef idx="minor">
+              <a:schemeClr val="dk1"/>
+            </a:fontRef>
+          </p:style>
+          <p:txBody>
+            <a:bodyPr rot="0" spcFirstLastPara="0" vertOverflow="overflow" horzOverflow="overflow" vert="horz" wrap="square" lIns="36578" tIns="18289" rIns="36578" bIns="18289" numCol="1" spcCol="0" rtlCol="0" fromWordArt="0" anchor="ctr" anchorCtr="0" forceAA="0" compatLnSpc="1">
+              <a:prstTxWarp prst="textNoShape">
+                <a:avLst/>
+              </a:prstTxWarp>
+              <a:noAutofit/>
+            </a:bodyPr>
+            <a:lstStyle/>
+            <a:p>
+              <a:pPr algn="ctr"/>
+              <a:r>
+                <a:rPr lang="en-SG" sz="600" dirty="0"/>
+                <a:t>Follow up with client?</a:t>
+              </a:r>
+            </a:p>
+          </p:txBody>
+        </p:sp>
+        <p:sp>
+          <p:nvSpPr>
+            <p:cNvPr id="204" name="Rounded Rectangle 203"/>
+            <p:cNvSpPr/>
+            <p:nvPr/>
+          </p:nvSpPr>
+          <p:spPr>
+            <a:xfrm>
+              <a:off x="4926352" y="3679609"/>
+              <a:ext cx="627288" cy="408189"/>
+            </a:xfrm>
+            <a:prstGeom prst="roundRect">
+              <a:avLst/>
+            </a:prstGeom>
+            <a:noFill/>
+            <a:ln>
+              <a:noFill/>
+            </a:ln>
+          </p:spPr>
+          <p:style>
+            <a:lnRef idx="2">
+              <a:schemeClr val="accent6"/>
+            </a:lnRef>
+            <a:fillRef idx="1">
+              <a:schemeClr val="lt1"/>
+            </a:fillRef>
+            <a:effectRef idx="0">
+              <a:schemeClr val="accent6"/>
+            </a:effectRef>
+            <a:fontRef idx="minor">
+              <a:schemeClr val="dk1"/>
+            </a:fontRef>
+          </p:style>
+          <p:txBody>
+            <a:bodyPr rot="0" spcFirstLastPara="0" vertOverflow="overflow" horzOverflow="overflow" vert="horz" wrap="square" lIns="36578" tIns="18289" rIns="36578" bIns="18289" numCol="1" spcCol="0" rtlCol="0" fromWordArt="0" anchor="ctr" anchorCtr="0" forceAA="0" compatLnSpc="1">
+              <a:prstTxWarp prst="textNoShape">
+                <a:avLst/>
+              </a:prstTxWarp>
+              <a:noAutofit/>
+            </a:bodyPr>
+            <a:lstStyle/>
+            <a:p>
+              <a:pPr algn="ctr"/>
+              <a:r>
+                <a:rPr lang="en-SG" sz="700" dirty="0"/>
+                <a:t>Overview or detailed?</a:t>
+              </a:r>
+            </a:p>
+          </p:txBody>
+        </p:sp>
+        <p:sp>
+          <p:nvSpPr>
+            <p:cNvPr id="207" name="Rounded Rectangle 206"/>
+            <p:cNvSpPr/>
+            <p:nvPr/>
+          </p:nvSpPr>
+          <p:spPr>
+            <a:xfrm>
+              <a:off x="6325871" y="3706328"/>
+              <a:ext cx="851444" cy="377327"/>
+            </a:xfrm>
+            <a:prstGeom prst="roundRect">
+              <a:avLst/>
+            </a:prstGeom>
+          </p:spPr>
+          <p:style>
+            <a:lnRef idx="2">
+              <a:schemeClr val="accent6"/>
+            </a:lnRef>
+            <a:fillRef idx="1">
+              <a:schemeClr val="lt1"/>
+            </a:fillRef>
+            <a:effectRef idx="0">
+              <a:schemeClr val="accent6"/>
+            </a:effectRef>
+            <a:fontRef idx="minor">
+              <a:schemeClr val="dk1"/>
+            </a:fontRef>
+          </p:style>
+          <p:txBody>
+            <a:bodyPr rot="0" spcFirstLastPara="0" vertOverflow="overflow" horzOverflow="overflow" vert="horz" wrap="square" lIns="36578" tIns="18289" rIns="36578" bIns="18289" numCol="1" spcCol="0" rtlCol="0" fromWordArt="0" anchor="ctr" anchorCtr="0" forceAA="0" compatLnSpc="1">
+              <a:prstTxWarp prst="textNoShape">
+                <a:avLst/>
+              </a:prstTxWarp>
+              <a:noAutofit/>
+            </a:bodyPr>
+            <a:lstStyle/>
+            <a:p>
+              <a:pPr algn="ctr"/>
+              <a:r>
+                <a:rPr lang="en-SG" sz="720" dirty="0"/>
+                <a:t>View Dashboard</a:t>
+              </a:r>
+            </a:p>
+          </p:txBody>
+        </p:sp>
+        <p:cxnSp>
+          <p:nvCxnSpPr>
+            <p:cNvPr id="209" name="Elbow Connector 208"/>
+            <p:cNvCxnSpPr>
+              <a:stCxn id="5" idx="3"/>
+              <a:endCxn id="207" idx="1"/>
+            </p:cNvCxnSpPr>
+            <p:nvPr/>
+          </p:nvCxnSpPr>
+          <p:spPr>
+            <a:xfrm>
+              <a:off x="5732331" y="3887968"/>
+              <a:ext cx="593540" cy="7024"/>
+            </a:xfrm>
+            <a:prstGeom prst="straightConnector1">
+              <a:avLst/>
+            </a:prstGeom>
+            <a:ln>
+              <a:tailEnd type="triangle"/>
+            </a:ln>
+          </p:spPr>
+          <p:style>
+            <a:lnRef idx="1">
+              <a:schemeClr val="accent2"/>
+            </a:lnRef>
+            <a:fillRef idx="0">
+              <a:schemeClr val="accent2"/>
+            </a:fillRef>
+            <a:effectRef idx="0">
+              <a:schemeClr val="accent2"/>
+            </a:effectRef>
+            <a:fontRef idx="minor">
+              <a:schemeClr val="tx1"/>
+            </a:fontRef>
+          </p:style>
+        </p:cxnSp>
+        <p:sp>
+          <p:nvSpPr>
+            <p:cNvPr id="215" name="Flowchart: Decision 214"/>
+            <p:cNvSpPr/>
+            <p:nvPr/>
+          </p:nvSpPr>
+          <p:spPr>
+            <a:xfrm>
+              <a:off x="7506522" y="3592728"/>
+              <a:ext cx="852604" cy="615045"/>
+            </a:xfrm>
+            <a:prstGeom prst="flowChartDecision">
+              <a:avLst/>
+            </a:prstGeom>
+          </p:spPr>
+          <p:style>
+            <a:lnRef idx="2">
+              <a:schemeClr val="accent6"/>
+            </a:lnRef>
+            <a:fillRef idx="1">
+              <a:schemeClr val="lt1"/>
+            </a:fillRef>
+            <a:effectRef idx="0">
+              <a:schemeClr val="accent6"/>
+            </a:effectRef>
+            <a:fontRef idx="minor">
+              <a:schemeClr val="dk1"/>
+            </a:fontRef>
+          </p:style>
+          <p:txBody>
+            <a:bodyPr rtlCol="0" anchor="ctr"/>
+            <a:lstStyle/>
+            <a:p>
+              <a:pPr algn="ctr"/>
+              <a:endParaRPr lang="en-SG" sz="600" dirty="0"/>
+            </a:p>
+          </p:txBody>
+        </p:sp>
+        <p:cxnSp>
+          <p:nvCxnSpPr>
+            <p:cNvPr id="218" name="Elbow Connector 217"/>
+            <p:cNvCxnSpPr>
+              <a:stCxn id="207" idx="3"/>
+              <a:endCxn id="215" idx="1"/>
+            </p:cNvCxnSpPr>
+            <p:nvPr/>
+          </p:nvCxnSpPr>
+          <p:spPr>
+            <a:xfrm>
+              <a:off x="7177315" y="3894992"/>
+              <a:ext cx="329207" cy="5259"/>
+            </a:xfrm>
+            <a:prstGeom prst="straightConnector1">
+              <a:avLst/>
+            </a:prstGeom>
+            <a:ln>
+              <a:tailEnd type="triangle"/>
+            </a:ln>
+          </p:spPr>
+          <p:style>
+            <a:lnRef idx="1">
+              <a:schemeClr val="accent2"/>
+            </a:lnRef>
+            <a:fillRef idx="0">
+              <a:schemeClr val="accent2"/>
+            </a:fillRef>
+            <a:effectRef idx="0">
+              <a:schemeClr val="accent2"/>
+            </a:effectRef>
+            <a:fontRef idx="minor">
+              <a:schemeClr val="tx1"/>
+            </a:fontRef>
+          </p:style>
+        </p:cxnSp>
+        <p:sp>
+          <p:nvSpPr>
+            <p:cNvPr id="219" name="Rounded Rectangle 218"/>
+            <p:cNvSpPr/>
+            <p:nvPr/>
+          </p:nvSpPr>
+          <p:spPr>
+            <a:xfrm>
+              <a:off x="7730678" y="3704085"/>
+              <a:ext cx="423953" cy="408189"/>
+            </a:xfrm>
+            <a:prstGeom prst="roundRect">
+              <a:avLst/>
+            </a:prstGeom>
+            <a:noFill/>
+            <a:ln>
+              <a:noFill/>
+            </a:ln>
+          </p:spPr>
+          <p:style>
+            <a:lnRef idx="2">
+              <a:schemeClr val="accent6"/>
+            </a:lnRef>
+            <a:fillRef idx="1">
+              <a:schemeClr val="lt1"/>
+            </a:fillRef>
+            <a:effectRef idx="0">
+              <a:schemeClr val="accent6"/>
+            </a:effectRef>
+            <a:fontRef idx="minor">
+              <a:schemeClr val="dk1"/>
+            </a:fontRef>
+          </p:style>
+          <p:txBody>
+            <a:bodyPr rot="0" spcFirstLastPara="0" vertOverflow="overflow" horzOverflow="overflow" vert="horz" wrap="square" lIns="36578" tIns="18289" rIns="36578" bIns="18289" numCol="1" spcCol="0" rtlCol="0" fromWordArt="0" anchor="ctr" anchorCtr="0" forceAA="0" compatLnSpc="1">
+              <a:prstTxWarp prst="textNoShape">
+                <a:avLst/>
+              </a:prstTxWarp>
+              <a:noAutofit/>
+            </a:bodyPr>
+            <a:lstStyle/>
+            <a:p>
+              <a:pPr algn="ctr"/>
+              <a:r>
+                <a:rPr lang="en-SG" sz="600" dirty="0"/>
+                <a:t>Export?</a:t>
+              </a:r>
+            </a:p>
+          </p:txBody>
+        </p:sp>
+        <p:sp>
+          <p:nvSpPr>
+            <p:cNvPr id="230" name="Rounded Rectangle 229"/>
+            <p:cNvSpPr/>
+            <p:nvPr/>
+          </p:nvSpPr>
+          <p:spPr>
+            <a:xfrm>
+              <a:off x="8258694" y="3054809"/>
+              <a:ext cx="581226" cy="456566"/>
+            </a:xfrm>
+            <a:prstGeom prst="roundRect">
+              <a:avLst/>
+            </a:prstGeom>
+          </p:spPr>
+          <p:style>
+            <a:lnRef idx="2">
+              <a:schemeClr val="accent6"/>
+            </a:lnRef>
+            <a:fillRef idx="1">
+              <a:schemeClr val="lt1"/>
+            </a:fillRef>
+            <a:effectRef idx="0">
+              <a:schemeClr val="accent6"/>
+            </a:effectRef>
+            <a:fontRef idx="minor">
+              <a:schemeClr val="dk1"/>
+            </a:fontRef>
+          </p:style>
+          <p:txBody>
+            <a:bodyPr rot="0" spcFirstLastPara="0" vertOverflow="overflow" horzOverflow="overflow" vert="horz" wrap="square" lIns="36578" tIns="18289" rIns="36578" bIns="18289" numCol="1" spcCol="0" rtlCol="0" fromWordArt="0" anchor="ctr" anchorCtr="0" forceAA="0" compatLnSpc="1">
+              <a:prstTxWarp prst="textNoShape">
+                <a:avLst/>
+              </a:prstTxWarp>
+              <a:noAutofit/>
+            </a:bodyPr>
+            <a:lstStyle/>
+            <a:p>
+              <a:pPr algn="ctr"/>
+              <a:r>
+                <a:rPr lang="en-SG" sz="720" dirty="0"/>
+                <a:t>End of view dashboard</a:t>
+              </a:r>
+            </a:p>
+          </p:txBody>
+        </p:sp>
+        <p:cxnSp>
+          <p:nvCxnSpPr>
+            <p:cNvPr id="256" name="Elbow Connector 255"/>
+            <p:cNvCxnSpPr>
+              <a:stCxn id="150" idx="2"/>
+              <a:endCxn id="172" idx="0"/>
+            </p:cNvCxnSpPr>
+            <p:nvPr/>
+          </p:nvCxnSpPr>
+          <p:spPr>
+            <a:xfrm rot="16200000" flipH="1">
+              <a:off x="10231573" y="3931678"/>
+              <a:ext cx="326901" cy="1334"/>
+            </a:xfrm>
+            <a:prstGeom prst="bentConnector3">
+              <a:avLst>
+                <a:gd name="adj1" fmla="val 50000"/>
+              </a:avLst>
+            </a:prstGeom>
+            <a:ln>
+              <a:tailEnd type="triangle"/>
+            </a:ln>
+          </p:spPr>
+          <p:style>
+            <a:lnRef idx="1">
+              <a:schemeClr val="accent2"/>
+            </a:lnRef>
+            <a:fillRef idx="0">
+              <a:schemeClr val="accent2"/>
+            </a:fillRef>
+            <a:effectRef idx="0">
+              <a:schemeClr val="accent2"/>
+            </a:effectRef>
+            <a:fontRef idx="minor">
+              <a:schemeClr val="tx1"/>
+            </a:fontRef>
+          </p:style>
+        </p:cxnSp>
+        <p:sp>
+          <p:nvSpPr>
+            <p:cNvPr id="265" name="Rounded Rectangle 264"/>
+            <p:cNvSpPr/>
+            <p:nvPr/>
+          </p:nvSpPr>
+          <p:spPr>
+            <a:xfrm>
+              <a:off x="9254119" y="3178902"/>
+              <a:ext cx="464277" cy="184501"/>
+            </a:xfrm>
+            <a:prstGeom prst="roundRect">
+              <a:avLst/>
+            </a:prstGeom>
+            <a:noFill/>
+            <a:ln>
+              <a:noFill/>
+            </a:ln>
+          </p:spPr>
+          <p:style>
+            <a:lnRef idx="2">
+              <a:schemeClr val="accent6"/>
+            </a:lnRef>
+            <a:fillRef idx="1">
+              <a:schemeClr val="lt1"/>
+            </a:fillRef>
+            <a:effectRef idx="0">
+              <a:schemeClr val="accent6"/>
+            </a:effectRef>
+            <a:fontRef idx="minor">
+              <a:schemeClr val="dk1"/>
+            </a:fontRef>
+          </p:style>
+          <p:txBody>
+            <a:bodyPr rot="0" spcFirstLastPara="0" vertOverflow="overflow" horzOverflow="overflow" vert="horz" wrap="square" lIns="36578" tIns="18289" rIns="36578" bIns="18289" numCol="1" spcCol="0" rtlCol="0" fromWordArt="0" anchor="ctr" anchorCtr="0" forceAA="0" compatLnSpc="1">
+              <a:prstTxWarp prst="textNoShape">
+                <a:avLst/>
+              </a:prstTxWarp>
+              <a:noAutofit/>
+            </a:bodyPr>
+            <a:lstStyle/>
+            <a:p>
+              <a:pPr algn="ctr"/>
+              <a:r>
+                <a:rPr lang="en-SG" sz="720" dirty="0"/>
+                <a:t>End</a:t>
+              </a:r>
+            </a:p>
+          </p:txBody>
+        </p:sp>
+        <p:cxnSp>
+          <p:nvCxnSpPr>
+            <p:cNvPr id="274" name="Straight Arrow Connector 215"/>
+            <p:cNvCxnSpPr>
+              <a:stCxn id="215" idx="0"/>
+              <a:endCxn id="230" idx="1"/>
+            </p:cNvCxnSpPr>
+            <p:nvPr/>
+          </p:nvCxnSpPr>
+          <p:spPr>
+            <a:xfrm rot="5400000" flipH="1" flipV="1">
+              <a:off x="7940941" y="3274975"/>
+              <a:ext cx="309636" cy="325870"/>
+            </a:xfrm>
+            <a:prstGeom prst="bentConnector2">
+              <a:avLst/>
+            </a:prstGeom>
+            <a:ln>
+              <a:tailEnd type="triangle"/>
+            </a:ln>
+          </p:spPr>
+          <p:style>
+            <a:lnRef idx="1">
+              <a:schemeClr val="accent2"/>
+            </a:lnRef>
+            <a:fillRef idx="0">
+              <a:schemeClr val="accent2"/>
+            </a:fillRef>
+            <a:effectRef idx="0">
+              <a:schemeClr val="accent2"/>
+            </a:effectRef>
+            <a:fontRef idx="minor">
+              <a:schemeClr val="tx1"/>
+            </a:fontRef>
+          </p:style>
+        </p:cxnSp>
+        <p:sp>
+          <p:nvSpPr>
+            <p:cNvPr id="264" name="Oval 263"/>
+            <p:cNvSpPr/>
+            <p:nvPr/>
+          </p:nvSpPr>
+          <p:spPr>
+            <a:xfrm>
+              <a:off x="9233830" y="3204585"/>
+              <a:ext cx="147054" cy="149135"/>
+            </a:xfrm>
+            <a:prstGeom prst="ellipse">
+              <a:avLst/>
+            </a:prstGeom>
+          </p:spPr>
+          <p:style>
+            <a:lnRef idx="2">
+              <a:schemeClr val="accent6"/>
+            </a:lnRef>
+            <a:fillRef idx="1">
+              <a:schemeClr val="lt1"/>
+            </a:fillRef>
+            <a:effectRef idx="0">
+              <a:schemeClr val="accent6"/>
+            </a:effectRef>
+            <a:fontRef idx="minor">
+              <a:schemeClr val="dk1"/>
+            </a:fontRef>
+          </p:style>
+          <p:txBody>
+            <a:bodyPr rot="0" spcFirstLastPara="0" vertOverflow="overflow" horzOverflow="overflow" vert="horz" wrap="square" lIns="36578" tIns="18289" rIns="36578" bIns="18289" numCol="1" spcCol="0" rtlCol="0" fromWordArt="0" anchor="ctr" anchorCtr="0" forceAA="0" compatLnSpc="1">
+              <a:prstTxWarp prst="textNoShape">
+                <a:avLst/>
+              </a:prstTxWarp>
+              <a:noAutofit/>
+            </a:bodyPr>
+            <a:lstStyle/>
+            <a:p>
+              <a:pPr algn="ctr"/>
+              <a:endParaRPr lang="en-SG" sz="720"/>
+            </a:p>
+          </p:txBody>
+        </p:sp>
+        <p:cxnSp>
+          <p:nvCxnSpPr>
+            <p:cNvPr id="286" name="Elbow Connector 285"/>
+            <p:cNvCxnSpPr>
+              <a:stCxn id="230" idx="3"/>
+              <a:endCxn id="264" idx="2"/>
+            </p:cNvCxnSpPr>
+            <p:nvPr/>
+          </p:nvCxnSpPr>
+          <p:spPr>
+            <a:xfrm flipV="1">
+              <a:off x="8839920" y="3279153"/>
+              <a:ext cx="393910" cy="3939"/>
+            </a:xfrm>
+            <a:prstGeom prst="straightConnector1">
+              <a:avLst/>
+            </a:prstGeom>
+            <a:ln>
+              <a:tailEnd type="triangle"/>
+            </a:ln>
+          </p:spPr>
+          <p:style>
+            <a:lnRef idx="1">
+              <a:schemeClr val="accent2"/>
+            </a:lnRef>
+            <a:fillRef idx="0">
+              <a:schemeClr val="accent2"/>
+            </a:fillRef>
+            <a:effectRef idx="0">
+              <a:schemeClr val="accent2"/>
+            </a:effectRef>
+            <a:fontRef idx="minor">
+              <a:schemeClr val="tx1"/>
+            </a:fontRef>
+          </p:style>
+        </p:cxnSp>
+        <p:cxnSp>
+          <p:nvCxnSpPr>
+            <p:cNvPr id="290" name="Elbow Connector 289"/>
+            <p:cNvCxnSpPr>
+              <a:stCxn id="215" idx="2"/>
+              <a:endCxn id="293" idx="1"/>
+            </p:cNvCxnSpPr>
+            <p:nvPr/>
+          </p:nvCxnSpPr>
+          <p:spPr>
+            <a:xfrm rot="16200000" flipH="1">
+              <a:off x="7882410" y="4258186"/>
+              <a:ext cx="445327" cy="344499"/>
+            </a:xfrm>
+            <a:prstGeom prst="bentConnector2">
+              <a:avLst/>
+            </a:prstGeom>
+            <a:ln>
+              <a:tailEnd type="triangle"/>
+            </a:ln>
+          </p:spPr>
+          <p:style>
+            <a:lnRef idx="1">
+              <a:schemeClr val="accent2"/>
+            </a:lnRef>
+            <a:fillRef idx="0">
+              <a:schemeClr val="accent2"/>
+            </a:fillRef>
+            <a:effectRef idx="0">
+              <a:schemeClr val="accent2"/>
+            </a:effectRef>
+            <a:fontRef idx="minor">
+              <a:schemeClr val="tx1"/>
+            </a:fontRef>
+          </p:style>
+        </p:cxnSp>
+        <p:sp>
+          <p:nvSpPr>
+            <p:cNvPr id="293" name="Rounded Rectangle 292"/>
+            <p:cNvSpPr/>
+            <p:nvPr/>
+          </p:nvSpPr>
+          <p:spPr>
+            <a:xfrm>
+              <a:off x="8277323" y="4480898"/>
+              <a:ext cx="604468" cy="344403"/>
+            </a:xfrm>
+            <a:prstGeom prst="roundRect">
+              <a:avLst/>
+            </a:prstGeom>
+          </p:spPr>
+          <p:style>
+            <a:lnRef idx="2">
+              <a:schemeClr val="accent6"/>
+            </a:lnRef>
+            <a:fillRef idx="1">
+              <a:schemeClr val="lt1"/>
+            </a:fillRef>
+            <a:effectRef idx="0">
+              <a:schemeClr val="accent6"/>
+            </a:effectRef>
+            <a:fontRef idx="minor">
+              <a:schemeClr val="dk1"/>
+            </a:fontRef>
+          </p:style>
+          <p:txBody>
+            <a:bodyPr rot="0" spcFirstLastPara="0" vertOverflow="overflow" horzOverflow="overflow" vert="horz" wrap="square" lIns="36578" tIns="18289" rIns="36578" bIns="18289" numCol="1" spcCol="0" rtlCol="0" fromWordArt="0" anchor="ctr" anchorCtr="0" forceAA="0" compatLnSpc="1">
+              <a:prstTxWarp prst="textNoShape">
+                <a:avLst/>
+              </a:prstTxWarp>
+              <a:noAutofit/>
+            </a:bodyPr>
+            <a:lstStyle/>
+            <a:p>
+              <a:pPr algn="ctr"/>
+              <a:r>
+                <a:rPr lang="en-SG" sz="720" dirty="0"/>
+                <a:t>Download charts</a:t>
+              </a:r>
+            </a:p>
+          </p:txBody>
+        </p:sp>
+        <p:sp>
+          <p:nvSpPr>
+            <p:cNvPr id="322" name="Oval 321"/>
+            <p:cNvSpPr/>
+            <p:nvPr/>
+          </p:nvSpPr>
+          <p:spPr>
+            <a:xfrm>
+              <a:off x="9238367" y="4576590"/>
+              <a:ext cx="147054" cy="149135"/>
+            </a:xfrm>
+            <a:prstGeom prst="ellipse">
+              <a:avLst/>
+            </a:prstGeom>
+          </p:spPr>
+          <p:style>
+            <a:lnRef idx="2">
+              <a:schemeClr val="accent6"/>
+            </a:lnRef>
+            <a:fillRef idx="1">
+              <a:schemeClr val="lt1"/>
+            </a:fillRef>
+            <a:effectRef idx="0">
+              <a:schemeClr val="accent6"/>
+            </a:effectRef>
+            <a:fontRef idx="minor">
+              <a:schemeClr val="dk1"/>
+            </a:fontRef>
+          </p:style>
+          <p:txBody>
+            <a:bodyPr rot="0" spcFirstLastPara="0" vertOverflow="overflow" horzOverflow="overflow" vert="horz" wrap="square" lIns="36578" tIns="18289" rIns="36578" bIns="18289" numCol="1" spcCol="0" rtlCol="0" fromWordArt="0" anchor="ctr" anchorCtr="0" forceAA="0" compatLnSpc="1">
+              <a:prstTxWarp prst="textNoShape">
+                <a:avLst/>
+              </a:prstTxWarp>
+              <a:noAutofit/>
+            </a:bodyPr>
+            <a:lstStyle/>
+            <a:p>
+              <a:pPr algn="ctr"/>
+              <a:endParaRPr lang="en-SG" sz="720"/>
+            </a:p>
+          </p:txBody>
+        </p:sp>
+        <p:cxnSp>
+          <p:nvCxnSpPr>
+            <p:cNvPr id="323" name="Elbow Connector 322"/>
+            <p:cNvCxnSpPr>
+              <a:stCxn id="293" idx="3"/>
+              <a:endCxn id="322" idx="2"/>
+            </p:cNvCxnSpPr>
+            <p:nvPr/>
+          </p:nvCxnSpPr>
+          <p:spPr>
+            <a:xfrm flipV="1">
+              <a:off x="8881791" y="4651158"/>
+              <a:ext cx="356576" cy="1942"/>
+            </a:xfrm>
+            <a:prstGeom prst="straightConnector1">
+              <a:avLst/>
+            </a:prstGeom>
+            <a:ln>
+              <a:tailEnd type="triangle"/>
+            </a:ln>
+          </p:spPr>
+          <p:style>
+            <a:lnRef idx="1">
+              <a:schemeClr val="accent2"/>
+            </a:lnRef>
+            <a:fillRef idx="0">
+              <a:schemeClr val="accent2"/>
+            </a:fillRef>
+            <a:effectRef idx="0">
+              <a:schemeClr val="accent2"/>
+            </a:effectRef>
+            <a:fontRef idx="minor">
+              <a:schemeClr val="tx1"/>
+            </a:fontRef>
+          </p:style>
+        </p:cxnSp>
+        <p:sp>
+          <p:nvSpPr>
+            <p:cNvPr id="325" name="Rounded Rectangle 324"/>
+            <p:cNvSpPr/>
+            <p:nvPr/>
+          </p:nvSpPr>
+          <p:spPr>
+            <a:xfrm>
+              <a:off x="9254120" y="4558906"/>
+              <a:ext cx="464277" cy="184501"/>
+            </a:xfrm>
+            <a:prstGeom prst="roundRect">
+              <a:avLst/>
+            </a:prstGeom>
+            <a:noFill/>
+            <a:ln>
+              <a:noFill/>
+            </a:ln>
+          </p:spPr>
+          <p:style>
+            <a:lnRef idx="2">
+              <a:schemeClr val="accent6"/>
+            </a:lnRef>
+            <a:fillRef idx="1">
+              <a:schemeClr val="lt1"/>
+            </a:fillRef>
+            <a:effectRef idx="0">
+              <a:schemeClr val="accent6"/>
+            </a:effectRef>
+            <a:fontRef idx="minor">
+              <a:schemeClr val="dk1"/>
+            </a:fontRef>
+          </p:style>
+          <p:txBody>
+            <a:bodyPr rot="0" spcFirstLastPara="0" vertOverflow="overflow" horzOverflow="overflow" vert="horz" wrap="square" lIns="36578" tIns="18289" rIns="36578" bIns="18289" numCol="1" spcCol="0" rtlCol="0" fromWordArt="0" anchor="ctr" anchorCtr="0" forceAA="0" compatLnSpc="1">
+              <a:prstTxWarp prst="textNoShape">
+                <a:avLst/>
+              </a:prstTxWarp>
+              <a:noAutofit/>
+            </a:bodyPr>
+            <a:lstStyle/>
+            <a:p>
+              <a:pPr algn="ctr"/>
+              <a:r>
+                <a:rPr lang="en-SG" sz="720" dirty="0"/>
+                <a:t>End</a:t>
+              </a:r>
+            </a:p>
+          </p:txBody>
+        </p:sp>
+        <p:sp>
+          <p:nvSpPr>
+            <p:cNvPr id="328" name="Rounded Rectangle 327"/>
+            <p:cNvSpPr/>
+            <p:nvPr/>
+          </p:nvSpPr>
+          <p:spPr>
+            <a:xfrm>
+              <a:off x="4824014" y="4864991"/>
+              <a:ext cx="857184" cy="456565"/>
+            </a:xfrm>
+            <a:prstGeom prst="roundRect">
+              <a:avLst/>
+            </a:prstGeom>
+          </p:spPr>
+          <p:style>
+            <a:lnRef idx="2">
+              <a:schemeClr val="accent6"/>
+            </a:lnRef>
+            <a:fillRef idx="1">
+              <a:schemeClr val="lt1"/>
+            </a:fillRef>
+            <a:effectRef idx="0">
+              <a:schemeClr val="accent6"/>
+            </a:effectRef>
+            <a:fontRef idx="minor">
+              <a:schemeClr val="dk1"/>
+            </a:fontRef>
+          </p:style>
+          <p:txBody>
+            <a:bodyPr rot="0" spcFirstLastPara="0" vertOverflow="overflow" horzOverflow="overflow" vert="horz" wrap="square" lIns="36578" tIns="18289" rIns="36578" bIns="18289" numCol="1" spcCol="0" rtlCol="0" fromWordArt="0" anchor="ctr" anchorCtr="0" forceAA="0" compatLnSpc="1">
+              <a:prstTxWarp prst="textNoShape">
+                <a:avLst/>
+              </a:prstTxWarp>
+              <a:noAutofit/>
+            </a:bodyPr>
+            <a:lstStyle/>
+            <a:p>
+              <a:pPr algn="ctr"/>
+              <a:r>
+                <a:rPr lang="en-SG" sz="720" dirty="0">
+                  <a:solidFill>
+                    <a:schemeClr val="tx1"/>
+                  </a:solidFill>
+                </a:rPr>
+                <a:t>Select report type</a:t>
+              </a:r>
+            </a:p>
+          </p:txBody>
+        </p:sp>
+        <p:sp>
+          <p:nvSpPr>
+            <p:cNvPr id="332" name="Rounded Rectangle 331"/>
+            <p:cNvSpPr/>
+            <p:nvPr/>
+          </p:nvSpPr>
+          <p:spPr>
+            <a:xfrm>
+              <a:off x="4816570" y="5683010"/>
+              <a:ext cx="857184" cy="456565"/>
+            </a:xfrm>
+            <a:prstGeom prst="roundRect">
+              <a:avLst/>
+            </a:prstGeom>
+          </p:spPr>
+          <p:style>
+            <a:lnRef idx="2">
+              <a:schemeClr val="accent6"/>
+            </a:lnRef>
+            <a:fillRef idx="1">
+              <a:schemeClr val="lt1"/>
+            </a:fillRef>
+            <a:effectRef idx="0">
+              <a:schemeClr val="accent6"/>
+            </a:effectRef>
+            <a:fontRef idx="minor">
+              <a:schemeClr val="dk1"/>
+            </a:fontRef>
+          </p:style>
+          <p:txBody>
+            <a:bodyPr rot="0" spcFirstLastPara="0" vertOverflow="overflow" horzOverflow="overflow" vert="horz" wrap="square" lIns="36578" tIns="18289" rIns="36578" bIns="18289" numCol="1" spcCol="0" rtlCol="0" fromWordArt="0" anchor="ctr" anchorCtr="0" forceAA="0" compatLnSpc="1">
+              <a:prstTxWarp prst="textNoShape">
+                <a:avLst/>
+              </a:prstTxWarp>
+              <a:noAutofit/>
+            </a:bodyPr>
+            <a:lstStyle/>
+            <a:p>
+              <a:pPr algn="ctr"/>
+              <a:r>
+                <a:rPr lang="en-SG" sz="720" dirty="0">
+                  <a:solidFill>
+                    <a:schemeClr val="tx1"/>
+                  </a:solidFill>
+                </a:rPr>
+                <a:t>Apply required filters</a:t>
+              </a:r>
+            </a:p>
+          </p:txBody>
+        </p:sp>
+        <p:sp>
+          <p:nvSpPr>
+            <p:cNvPr id="354" name="Flowchart: Decision 353"/>
+            <p:cNvSpPr/>
+            <p:nvPr/>
+          </p:nvSpPr>
+          <p:spPr>
+            <a:xfrm>
+              <a:off x="6469010" y="5599374"/>
+              <a:ext cx="852604" cy="615045"/>
+            </a:xfrm>
+            <a:prstGeom prst="flowChartDecision">
+              <a:avLst/>
+            </a:prstGeom>
+          </p:spPr>
+          <p:style>
+            <a:lnRef idx="2">
+              <a:schemeClr val="accent6"/>
+            </a:lnRef>
+            <a:fillRef idx="1">
+              <a:schemeClr val="lt1"/>
+            </a:fillRef>
+            <a:effectRef idx="0">
+              <a:schemeClr val="accent6"/>
+            </a:effectRef>
+            <a:fontRef idx="minor">
+              <a:schemeClr val="dk1"/>
+            </a:fontRef>
+          </p:style>
+          <p:txBody>
+            <a:bodyPr rtlCol="0" anchor="ctr"/>
+            <a:lstStyle/>
+            <a:p>
+              <a:pPr algn="ctr"/>
+              <a:r>
+                <a:rPr lang="en-SG" sz="600" dirty="0"/>
+                <a:t>Export?</a:t>
+              </a:r>
+            </a:p>
+          </p:txBody>
+        </p:sp>
+        <p:sp>
+          <p:nvSpPr>
+            <p:cNvPr id="355" name="Rounded Rectangle 354"/>
+            <p:cNvSpPr/>
+            <p:nvPr/>
+          </p:nvSpPr>
+          <p:spPr>
+            <a:xfrm>
+              <a:off x="7202132" y="5124955"/>
+              <a:ext cx="581226" cy="456566"/>
+            </a:xfrm>
+            <a:prstGeom prst="roundRect">
+              <a:avLst/>
+            </a:prstGeom>
+          </p:spPr>
+          <p:style>
+            <a:lnRef idx="2">
+              <a:schemeClr val="accent6"/>
+            </a:lnRef>
+            <a:fillRef idx="1">
+              <a:schemeClr val="lt1"/>
+            </a:fillRef>
+            <a:effectRef idx="0">
+              <a:schemeClr val="accent6"/>
+            </a:effectRef>
+            <a:fontRef idx="minor">
+              <a:schemeClr val="dk1"/>
+            </a:fontRef>
+          </p:style>
+          <p:txBody>
+            <a:bodyPr rot="0" spcFirstLastPara="0" vertOverflow="overflow" horzOverflow="overflow" vert="horz" wrap="square" lIns="36578" tIns="18289" rIns="36578" bIns="18289" numCol="1" spcCol="0" rtlCol="0" fromWordArt="0" anchor="ctr" anchorCtr="0" forceAA="0" compatLnSpc="1">
+              <a:prstTxWarp prst="textNoShape">
+                <a:avLst/>
+              </a:prstTxWarp>
+              <a:noAutofit/>
+            </a:bodyPr>
+            <a:lstStyle/>
+            <a:p>
+              <a:pPr algn="ctr"/>
+              <a:r>
+                <a:rPr lang="en-SG" sz="720" dirty="0"/>
+                <a:t>End of reports</a:t>
+              </a:r>
+            </a:p>
+          </p:txBody>
+        </p:sp>
+        <p:cxnSp>
+          <p:nvCxnSpPr>
+            <p:cNvPr id="356" name="Straight Arrow Connector 215"/>
+            <p:cNvCxnSpPr>
+              <a:stCxn id="354" idx="0"/>
+              <a:endCxn id="355" idx="1"/>
+            </p:cNvCxnSpPr>
+            <p:nvPr/>
+          </p:nvCxnSpPr>
+          <p:spPr>
+            <a:xfrm rot="5400000" flipH="1" flipV="1">
+              <a:off x="6925654" y="5322896"/>
+              <a:ext cx="246136" cy="306820"/>
+            </a:xfrm>
+            <a:prstGeom prst="bentConnector2">
+              <a:avLst/>
+            </a:prstGeom>
+            <a:ln>
+              <a:tailEnd type="triangle"/>
+            </a:ln>
+          </p:spPr>
+          <p:style>
+            <a:lnRef idx="1">
+              <a:schemeClr val="accent2"/>
+            </a:lnRef>
+            <a:fillRef idx="0">
+              <a:schemeClr val="accent2"/>
+            </a:fillRef>
+            <a:effectRef idx="0">
+              <a:schemeClr val="accent2"/>
+            </a:effectRef>
+            <a:fontRef idx="minor">
+              <a:schemeClr val="tx1"/>
+            </a:fontRef>
+          </p:style>
+        </p:cxnSp>
+        <p:cxnSp>
+          <p:nvCxnSpPr>
+            <p:cNvPr id="357" name="Elbow Connector 356"/>
+            <p:cNvCxnSpPr>
+              <a:stCxn id="354" idx="3"/>
+              <a:endCxn id="358" idx="1"/>
+            </p:cNvCxnSpPr>
+            <p:nvPr/>
+          </p:nvCxnSpPr>
+          <p:spPr>
+            <a:xfrm>
+              <a:off x="7321614" y="5906897"/>
+              <a:ext cx="336255" cy="2613"/>
+            </a:xfrm>
+            <a:prstGeom prst="bentConnector3">
+              <a:avLst>
+                <a:gd name="adj1" fmla="val 50000"/>
+              </a:avLst>
+            </a:prstGeom>
+            <a:ln>
+              <a:tailEnd type="triangle"/>
+            </a:ln>
+          </p:spPr>
+          <p:style>
+            <a:lnRef idx="1">
+              <a:schemeClr val="accent2"/>
+            </a:lnRef>
+            <a:fillRef idx="0">
+              <a:schemeClr val="accent2"/>
+            </a:fillRef>
+            <a:effectRef idx="0">
+              <a:schemeClr val="accent2"/>
+            </a:effectRef>
+            <a:fontRef idx="minor">
+              <a:schemeClr val="tx1"/>
+            </a:fontRef>
+          </p:style>
+        </p:cxnSp>
+        <p:sp>
+          <p:nvSpPr>
+            <p:cNvPr id="358" name="Rounded Rectangle 357"/>
+            <p:cNvSpPr/>
+            <p:nvPr/>
+          </p:nvSpPr>
+          <p:spPr>
+            <a:xfrm>
+              <a:off x="7657869" y="5737308"/>
+              <a:ext cx="604468" cy="344403"/>
+            </a:xfrm>
+            <a:prstGeom prst="roundRect">
+              <a:avLst/>
+            </a:prstGeom>
+          </p:spPr>
+          <p:style>
+            <a:lnRef idx="2">
+              <a:schemeClr val="accent6"/>
+            </a:lnRef>
+            <a:fillRef idx="1">
+              <a:schemeClr val="lt1"/>
+            </a:fillRef>
+            <a:effectRef idx="0">
+              <a:schemeClr val="accent6"/>
+            </a:effectRef>
+            <a:fontRef idx="minor">
+              <a:schemeClr val="dk1"/>
+            </a:fontRef>
+          </p:style>
+          <p:txBody>
+            <a:bodyPr rot="0" spcFirstLastPara="0" vertOverflow="overflow" horzOverflow="overflow" vert="horz" wrap="square" lIns="36578" tIns="18289" rIns="36578" bIns="18289" numCol="1" spcCol="0" rtlCol="0" fromWordArt="0" anchor="ctr" anchorCtr="0" forceAA="0" compatLnSpc="1">
+              <a:prstTxWarp prst="textNoShape">
+                <a:avLst/>
+              </a:prstTxWarp>
+              <a:noAutofit/>
+            </a:bodyPr>
+            <a:lstStyle/>
+            <a:p>
+              <a:pPr algn="ctr"/>
+              <a:r>
+                <a:rPr lang="en-SG" sz="720" dirty="0"/>
+                <a:t>Export preferred report</a:t>
+              </a:r>
+            </a:p>
+          </p:txBody>
+        </p:sp>
+        <p:sp>
+          <p:nvSpPr>
+            <p:cNvPr id="364" name="Oval 363"/>
+            <p:cNvSpPr/>
+            <p:nvPr/>
+          </p:nvSpPr>
+          <p:spPr>
+            <a:xfrm>
+              <a:off x="8182357" y="5285846"/>
+              <a:ext cx="147054" cy="149135"/>
+            </a:xfrm>
+            <a:prstGeom prst="ellipse">
+              <a:avLst/>
+            </a:prstGeom>
+          </p:spPr>
+          <p:style>
+            <a:lnRef idx="2">
+              <a:schemeClr val="accent6"/>
+            </a:lnRef>
+            <a:fillRef idx="1">
+              <a:schemeClr val="lt1"/>
+            </a:fillRef>
+            <a:effectRef idx="0">
+              <a:schemeClr val="accent6"/>
+            </a:effectRef>
+            <a:fontRef idx="minor">
+              <a:schemeClr val="dk1"/>
+            </a:fontRef>
+          </p:style>
+          <p:txBody>
+            <a:bodyPr rot="0" spcFirstLastPara="0" vertOverflow="overflow" horzOverflow="overflow" vert="horz" wrap="square" lIns="36578" tIns="18289" rIns="36578" bIns="18289" numCol="1" spcCol="0" rtlCol="0" fromWordArt="0" anchor="ctr" anchorCtr="0" forceAA="0" compatLnSpc="1">
+              <a:prstTxWarp prst="textNoShape">
+                <a:avLst/>
+              </a:prstTxWarp>
+              <a:noAutofit/>
+            </a:bodyPr>
+            <a:lstStyle/>
+            <a:p>
+              <a:pPr algn="ctr"/>
+              <a:endParaRPr lang="en-SG" sz="720"/>
+            </a:p>
+          </p:txBody>
+        </p:sp>
+        <p:cxnSp>
+          <p:nvCxnSpPr>
+            <p:cNvPr id="365" name="Elbow Connector 364"/>
+            <p:cNvCxnSpPr>
+              <a:stCxn id="355" idx="3"/>
+              <a:endCxn id="364" idx="2"/>
+            </p:cNvCxnSpPr>
+            <p:nvPr/>
+          </p:nvCxnSpPr>
+          <p:spPr>
+            <a:xfrm>
+              <a:off x="7783358" y="5353238"/>
+              <a:ext cx="398999" cy="7176"/>
+            </a:xfrm>
+            <a:prstGeom prst="straightConnector1">
+              <a:avLst/>
+            </a:prstGeom>
+            <a:ln>
+              <a:tailEnd type="triangle"/>
+            </a:ln>
+          </p:spPr>
+          <p:style>
+            <a:lnRef idx="1">
+              <a:schemeClr val="accent2"/>
+            </a:lnRef>
+            <a:fillRef idx="0">
+              <a:schemeClr val="accent2"/>
+            </a:fillRef>
+            <a:effectRef idx="0">
+              <a:schemeClr val="accent2"/>
+            </a:effectRef>
+            <a:fontRef idx="minor">
+              <a:schemeClr val="tx1"/>
+            </a:fontRef>
+          </p:style>
+        </p:cxnSp>
+        <p:sp>
+          <p:nvSpPr>
+            <p:cNvPr id="367" name="Rounded Rectangle 366"/>
+            <p:cNvSpPr/>
+            <p:nvPr/>
+          </p:nvSpPr>
+          <p:spPr>
+            <a:xfrm>
+              <a:off x="8207647" y="5273957"/>
+              <a:ext cx="464277" cy="184501"/>
+            </a:xfrm>
+            <a:prstGeom prst="roundRect">
+              <a:avLst/>
+            </a:prstGeom>
+            <a:noFill/>
+            <a:ln>
+              <a:noFill/>
+            </a:ln>
+          </p:spPr>
+          <p:style>
+            <a:lnRef idx="2">
+              <a:schemeClr val="accent6"/>
+            </a:lnRef>
+            <a:fillRef idx="1">
+              <a:schemeClr val="lt1"/>
+            </a:fillRef>
+            <a:effectRef idx="0">
+              <a:schemeClr val="accent6"/>
+            </a:effectRef>
+            <a:fontRef idx="minor">
+              <a:schemeClr val="dk1"/>
+            </a:fontRef>
+          </p:style>
+          <p:txBody>
+            <a:bodyPr rot="0" spcFirstLastPara="0" vertOverflow="overflow" horzOverflow="overflow" vert="horz" wrap="square" lIns="36578" tIns="18289" rIns="36578" bIns="18289" numCol="1" spcCol="0" rtlCol="0" fromWordArt="0" anchor="ctr" anchorCtr="0" forceAA="0" compatLnSpc="1">
+              <a:prstTxWarp prst="textNoShape">
+                <a:avLst/>
+              </a:prstTxWarp>
+              <a:noAutofit/>
+            </a:bodyPr>
+            <a:lstStyle/>
+            <a:p>
+              <a:pPr algn="ctr"/>
+              <a:r>
+                <a:rPr lang="en-SG" sz="720" dirty="0"/>
+                <a:t>End</a:t>
+              </a:r>
+            </a:p>
+          </p:txBody>
+        </p:sp>
+        <p:sp>
+          <p:nvSpPr>
+            <p:cNvPr id="369" name="Oval 368"/>
+            <p:cNvSpPr/>
+            <p:nvPr/>
+          </p:nvSpPr>
+          <p:spPr>
+            <a:xfrm>
+              <a:off x="8654883" y="5830871"/>
+              <a:ext cx="147054" cy="149135"/>
+            </a:xfrm>
+            <a:prstGeom prst="ellipse">
+              <a:avLst/>
+            </a:prstGeom>
+          </p:spPr>
+          <p:style>
+            <a:lnRef idx="2">
+              <a:schemeClr val="accent6"/>
+            </a:lnRef>
+            <a:fillRef idx="1">
+              <a:schemeClr val="lt1"/>
+            </a:fillRef>
+            <a:effectRef idx="0">
+              <a:schemeClr val="accent6"/>
+            </a:effectRef>
+            <a:fontRef idx="minor">
+              <a:schemeClr val="dk1"/>
+            </a:fontRef>
+          </p:style>
+          <p:txBody>
+            <a:bodyPr rot="0" spcFirstLastPara="0" vertOverflow="overflow" horzOverflow="overflow" vert="horz" wrap="square" lIns="36578" tIns="18289" rIns="36578" bIns="18289" numCol="1" spcCol="0" rtlCol="0" fromWordArt="0" anchor="ctr" anchorCtr="0" forceAA="0" compatLnSpc="1">
+              <a:prstTxWarp prst="textNoShape">
+                <a:avLst/>
+              </a:prstTxWarp>
+              <a:noAutofit/>
+            </a:bodyPr>
+            <a:lstStyle/>
+            <a:p>
+              <a:pPr algn="ctr"/>
+              <a:endParaRPr lang="en-SG" sz="720"/>
+            </a:p>
+          </p:txBody>
+        </p:sp>
+        <p:cxnSp>
+          <p:nvCxnSpPr>
+            <p:cNvPr id="370" name="Elbow Connector 369"/>
+            <p:cNvCxnSpPr>
+              <a:stCxn id="358" idx="3"/>
+              <a:endCxn id="369" idx="2"/>
+            </p:cNvCxnSpPr>
+            <p:nvPr/>
+          </p:nvCxnSpPr>
+          <p:spPr>
+            <a:xfrm flipV="1">
+              <a:off x="8262337" y="5905439"/>
+              <a:ext cx="392546" cy="4071"/>
+            </a:xfrm>
+            <a:prstGeom prst="straightConnector1">
+              <a:avLst/>
+            </a:prstGeom>
+            <a:ln>
+              <a:tailEnd type="triangle"/>
+            </a:ln>
+          </p:spPr>
+          <p:style>
+            <a:lnRef idx="1">
+              <a:schemeClr val="accent2"/>
+            </a:lnRef>
+            <a:fillRef idx="0">
+              <a:schemeClr val="accent2"/>
+            </a:fillRef>
+            <a:effectRef idx="0">
+              <a:schemeClr val="accent2"/>
+            </a:effectRef>
+            <a:fontRef idx="minor">
+              <a:schemeClr val="tx1"/>
+            </a:fontRef>
+          </p:style>
+        </p:cxnSp>
+        <p:cxnSp>
+          <p:nvCxnSpPr>
+            <p:cNvPr id="376" name="Elbow Connector 375"/>
+            <p:cNvCxnSpPr>
+              <a:stCxn id="172" idx="2"/>
+              <a:endCxn id="381" idx="0"/>
+            </p:cNvCxnSpPr>
+            <p:nvPr/>
+          </p:nvCxnSpPr>
+          <p:spPr>
+            <a:xfrm>
+              <a:off x="10395690" y="4531737"/>
+              <a:ext cx="6280" cy="359484"/>
+            </a:xfrm>
+            <a:prstGeom prst="straightConnector1">
+              <a:avLst/>
+            </a:prstGeom>
+            <a:ln>
+              <a:tailEnd type="triangle"/>
+            </a:ln>
+          </p:spPr>
+          <p:style>
+            <a:lnRef idx="1">
+              <a:schemeClr val="accent2"/>
+            </a:lnRef>
+            <a:fillRef idx="0">
+              <a:schemeClr val="accent2"/>
+            </a:fillRef>
+            <a:effectRef idx="0">
+              <a:schemeClr val="accent2"/>
+            </a:effectRef>
+            <a:fontRef idx="minor">
+              <a:schemeClr val="tx1"/>
+            </a:fontRef>
+          </p:style>
+        </p:cxnSp>
+        <p:sp>
+          <p:nvSpPr>
+            <p:cNvPr id="381" name="Oval 380"/>
+            <p:cNvSpPr/>
+            <p:nvPr/>
+          </p:nvSpPr>
+          <p:spPr>
+            <a:xfrm>
+              <a:off x="10328443" y="4891221"/>
+              <a:ext cx="147054" cy="149135"/>
+            </a:xfrm>
+            <a:prstGeom prst="ellipse">
+              <a:avLst/>
+            </a:prstGeom>
+          </p:spPr>
+          <p:style>
+            <a:lnRef idx="2">
+              <a:schemeClr val="accent6"/>
+            </a:lnRef>
+            <a:fillRef idx="1">
+              <a:schemeClr val="lt1"/>
+            </a:fillRef>
+            <a:effectRef idx="0">
+              <a:schemeClr val="accent6"/>
+            </a:effectRef>
+            <a:fontRef idx="minor">
+              <a:schemeClr val="dk1"/>
+            </a:fontRef>
+          </p:style>
+          <p:txBody>
+            <a:bodyPr rot="0" spcFirstLastPara="0" vertOverflow="overflow" horzOverflow="overflow" vert="horz" wrap="square" lIns="36578" tIns="18289" rIns="36578" bIns="18289" numCol="1" spcCol="0" rtlCol="0" fromWordArt="0" anchor="ctr" anchorCtr="0" forceAA="0" compatLnSpc="1">
+              <a:prstTxWarp prst="textNoShape">
+                <a:avLst/>
+              </a:prstTxWarp>
+              <a:noAutofit/>
+            </a:bodyPr>
+            <a:lstStyle/>
+            <a:p>
+              <a:pPr algn="ctr"/>
+              <a:endParaRPr lang="en-SG" sz="720"/>
+            </a:p>
+          </p:txBody>
+        </p:sp>
+        <p:sp>
+          <p:nvSpPr>
+            <p:cNvPr id="382" name="Rounded Rectangle 381"/>
+            <p:cNvSpPr/>
+            <p:nvPr/>
+          </p:nvSpPr>
+          <p:spPr>
+            <a:xfrm>
+              <a:off x="10180176" y="5045488"/>
+              <a:ext cx="464277" cy="184501"/>
+            </a:xfrm>
+            <a:prstGeom prst="roundRect">
+              <a:avLst/>
+            </a:prstGeom>
+            <a:noFill/>
+            <a:ln>
+              <a:noFill/>
+            </a:ln>
+          </p:spPr>
+          <p:style>
+            <a:lnRef idx="2">
+              <a:schemeClr val="accent6"/>
+            </a:lnRef>
+            <a:fillRef idx="1">
+              <a:schemeClr val="lt1"/>
+            </a:fillRef>
+            <a:effectRef idx="0">
+              <a:schemeClr val="accent6"/>
+            </a:effectRef>
+            <a:fontRef idx="minor">
+              <a:schemeClr val="dk1"/>
+            </a:fontRef>
+          </p:style>
+          <p:txBody>
+            <a:bodyPr rot="0" spcFirstLastPara="0" vertOverflow="overflow" horzOverflow="overflow" vert="horz" wrap="square" lIns="36578" tIns="18289" rIns="36578" bIns="18289" numCol="1" spcCol="0" rtlCol="0" fromWordArt="0" anchor="ctr" anchorCtr="0" forceAA="0" compatLnSpc="1">
+              <a:prstTxWarp prst="textNoShape">
+                <a:avLst/>
+              </a:prstTxWarp>
+              <a:noAutofit/>
+            </a:bodyPr>
+            <a:lstStyle/>
+            <a:p>
+              <a:pPr algn="ctr"/>
+              <a:r>
+                <a:rPr lang="en-SG" sz="720" dirty="0"/>
+                <a:t>End</a:t>
+              </a:r>
+            </a:p>
+          </p:txBody>
+        </p:sp>
+        <p:sp>
+          <p:nvSpPr>
+            <p:cNvPr id="385" name="Rounded Rectangle 384"/>
+            <p:cNvSpPr/>
+            <p:nvPr/>
+          </p:nvSpPr>
+          <p:spPr>
+            <a:xfrm>
+              <a:off x="8717257" y="5842631"/>
+              <a:ext cx="464277" cy="184501"/>
+            </a:xfrm>
+            <a:prstGeom prst="roundRect">
+              <a:avLst/>
+            </a:prstGeom>
+            <a:noFill/>
+            <a:ln>
+              <a:noFill/>
+            </a:ln>
+          </p:spPr>
+          <p:style>
+            <a:lnRef idx="2">
+              <a:schemeClr val="accent6"/>
+            </a:lnRef>
+            <a:fillRef idx="1">
+              <a:schemeClr val="lt1"/>
+            </a:fillRef>
+            <a:effectRef idx="0">
+              <a:schemeClr val="accent6"/>
+            </a:effectRef>
+            <a:fontRef idx="minor">
+              <a:schemeClr val="dk1"/>
+            </a:fontRef>
+          </p:style>
+          <p:txBody>
+            <a:bodyPr rot="0" spcFirstLastPara="0" vertOverflow="overflow" horzOverflow="overflow" vert="horz" wrap="square" lIns="36578" tIns="18289" rIns="36578" bIns="18289" numCol="1" spcCol="0" rtlCol="0" fromWordArt="0" anchor="ctr" anchorCtr="0" forceAA="0" compatLnSpc="1">
+              <a:prstTxWarp prst="textNoShape">
+                <a:avLst/>
+              </a:prstTxWarp>
+              <a:noAutofit/>
+            </a:bodyPr>
+            <a:lstStyle/>
+            <a:p>
+              <a:pPr algn="ctr"/>
+              <a:r>
+                <a:rPr lang="en-SG" sz="720" dirty="0"/>
+                <a:t>End</a:t>
+              </a:r>
+            </a:p>
+          </p:txBody>
+        </p:sp>
+        <p:sp>
+          <p:nvSpPr>
+            <p:cNvPr id="390" name="Rounded Rectangle 389"/>
+            <p:cNvSpPr/>
+            <p:nvPr/>
+          </p:nvSpPr>
+          <p:spPr>
+            <a:xfrm>
+              <a:off x="4772463" y="4276941"/>
+              <a:ext cx="413731" cy="129513"/>
+            </a:xfrm>
+            <a:prstGeom prst="roundRect">
+              <a:avLst/>
+            </a:prstGeom>
+            <a:noFill/>
+            <a:ln>
+              <a:noFill/>
+            </a:ln>
+          </p:spPr>
+          <p:style>
+            <a:lnRef idx="2">
+              <a:schemeClr val="accent6"/>
+            </a:lnRef>
+            <a:fillRef idx="1">
+              <a:schemeClr val="lt1"/>
+            </a:fillRef>
+            <a:effectRef idx="0">
+              <a:schemeClr val="accent6"/>
+            </a:effectRef>
+            <a:fontRef idx="minor">
+              <a:schemeClr val="dk1"/>
+            </a:fontRef>
+          </p:style>
+          <p:txBody>
+            <a:bodyPr rot="0" spcFirstLastPara="0" vertOverflow="overflow" horzOverflow="overflow" vert="horz" wrap="square" lIns="36578" tIns="18289" rIns="36578" bIns="18289" numCol="1" spcCol="0" rtlCol="0" fromWordArt="0" anchor="ctr" anchorCtr="0" forceAA="0" compatLnSpc="1">
+              <a:prstTxWarp prst="textNoShape">
+                <a:avLst/>
+              </a:prstTxWarp>
+              <a:noAutofit/>
+            </a:bodyPr>
+            <a:lstStyle/>
+            <a:p>
+              <a:pPr algn="ctr"/>
+              <a:r>
+                <a:rPr lang="en-SG" sz="720" dirty="0"/>
+                <a:t>Detailed</a:t>
+              </a:r>
+            </a:p>
+          </p:txBody>
+        </p:sp>
+        <p:sp>
+          <p:nvSpPr>
+            <p:cNvPr id="391" name="Rounded Rectangle 390"/>
+            <p:cNvSpPr/>
+            <p:nvPr/>
+          </p:nvSpPr>
+          <p:spPr>
+            <a:xfrm>
+              <a:off x="7253096" y="5777967"/>
+              <a:ext cx="295977" cy="99379"/>
+            </a:xfrm>
+            <a:prstGeom prst="roundRect">
+              <a:avLst/>
+            </a:prstGeom>
+            <a:noFill/>
+            <a:ln>
+              <a:noFill/>
+            </a:ln>
+          </p:spPr>
+          <p:style>
+            <a:lnRef idx="2">
+              <a:schemeClr val="accent6"/>
+            </a:lnRef>
+            <a:fillRef idx="1">
+              <a:schemeClr val="lt1"/>
+            </a:fillRef>
+            <a:effectRef idx="0">
+              <a:schemeClr val="accent6"/>
+            </a:effectRef>
+            <a:fontRef idx="minor">
+              <a:schemeClr val="dk1"/>
+            </a:fontRef>
+          </p:style>
+          <p:txBody>
+            <a:bodyPr rot="0" spcFirstLastPara="0" vertOverflow="overflow" horzOverflow="overflow" vert="horz" wrap="square" lIns="36578" tIns="18289" rIns="36578" bIns="18289" numCol="1" spcCol="0" rtlCol="0" fromWordArt="0" anchor="ctr" anchorCtr="0" forceAA="0" compatLnSpc="1">
+              <a:prstTxWarp prst="textNoShape">
+                <a:avLst/>
+              </a:prstTxWarp>
+              <a:noAutofit/>
+            </a:bodyPr>
+            <a:lstStyle/>
+            <a:p>
+              <a:pPr algn="ctr"/>
+              <a:r>
+                <a:rPr lang="en-SG" sz="720" dirty="0"/>
+                <a:t>Yes</a:t>
+              </a:r>
+            </a:p>
+          </p:txBody>
+        </p:sp>
+        <p:sp>
+          <p:nvSpPr>
+            <p:cNvPr id="393" name="Rounded Rectangle 392"/>
+            <p:cNvSpPr/>
+            <p:nvPr/>
+          </p:nvSpPr>
+          <p:spPr>
+            <a:xfrm>
+              <a:off x="7701359" y="3452672"/>
+              <a:ext cx="295977" cy="99379"/>
+            </a:xfrm>
+            <a:prstGeom prst="roundRect">
+              <a:avLst/>
+            </a:prstGeom>
+            <a:noFill/>
+            <a:ln>
+              <a:noFill/>
+            </a:ln>
+          </p:spPr>
+          <p:style>
+            <a:lnRef idx="2">
+              <a:schemeClr val="accent6"/>
+            </a:lnRef>
+            <a:fillRef idx="1">
+              <a:schemeClr val="lt1"/>
+            </a:fillRef>
+            <a:effectRef idx="0">
+              <a:schemeClr val="accent6"/>
+            </a:effectRef>
+            <a:fontRef idx="minor">
+              <a:schemeClr val="dk1"/>
+            </a:fontRef>
+          </p:style>
+          <p:txBody>
+            <a:bodyPr rot="0" spcFirstLastPara="0" vertOverflow="overflow" horzOverflow="overflow" vert="horz" wrap="square" lIns="36578" tIns="18289" rIns="36578" bIns="18289" numCol="1" spcCol="0" rtlCol="0" fromWordArt="0" anchor="ctr" anchorCtr="0" forceAA="0" compatLnSpc="1">
+              <a:prstTxWarp prst="textNoShape">
+                <a:avLst/>
+              </a:prstTxWarp>
+              <a:noAutofit/>
+            </a:bodyPr>
+            <a:lstStyle/>
+            <a:p>
+              <a:pPr algn="ctr"/>
+              <a:r>
+                <a:rPr lang="en-SG" sz="720" dirty="0"/>
+                <a:t>No</a:t>
+              </a:r>
+            </a:p>
+          </p:txBody>
+        </p:sp>
+        <p:sp>
+          <p:nvSpPr>
+            <p:cNvPr id="394" name="Rounded Rectangle 393"/>
+            <p:cNvSpPr/>
+            <p:nvPr/>
+          </p:nvSpPr>
+          <p:spPr>
+            <a:xfrm>
+              <a:off x="7657869" y="4187634"/>
+              <a:ext cx="295977" cy="99379"/>
+            </a:xfrm>
+            <a:prstGeom prst="roundRect">
+              <a:avLst/>
+            </a:prstGeom>
+            <a:noFill/>
+            <a:ln>
+              <a:noFill/>
+            </a:ln>
+          </p:spPr>
+          <p:style>
+            <a:lnRef idx="2">
+              <a:schemeClr val="accent6"/>
+            </a:lnRef>
+            <a:fillRef idx="1">
+              <a:schemeClr val="lt1"/>
+            </a:fillRef>
+            <a:effectRef idx="0">
+              <a:schemeClr val="accent6"/>
+            </a:effectRef>
+            <a:fontRef idx="minor">
+              <a:schemeClr val="dk1"/>
+            </a:fontRef>
+          </p:style>
+          <p:txBody>
+            <a:bodyPr rot="0" spcFirstLastPara="0" vertOverflow="overflow" horzOverflow="overflow" vert="horz" wrap="square" lIns="36578" tIns="18289" rIns="36578" bIns="18289" numCol="1" spcCol="0" rtlCol="0" fromWordArt="0" anchor="ctr" anchorCtr="0" forceAA="0" compatLnSpc="1">
+              <a:prstTxWarp prst="textNoShape">
+                <a:avLst/>
+              </a:prstTxWarp>
+              <a:noAutofit/>
+            </a:bodyPr>
+            <a:lstStyle/>
+            <a:p>
+              <a:pPr algn="ctr"/>
+              <a:r>
+                <a:rPr lang="en-SG" sz="720" dirty="0"/>
+                <a:t>Yes</a:t>
+              </a:r>
+            </a:p>
+          </p:txBody>
+        </p:sp>
+      </p:grpSp>
+    </p:spTree>
+    <p:extLst>
+      <p:ext uri="{BB962C8B-B14F-4D97-AF65-F5344CB8AC3E}">
+        <p14:creationId xmlns:p14="http://schemas.microsoft.com/office/powerpoint/2010/main" val="1610165534"/>
+      </p:ext>
+    </p:extLst>
+  </p:cSld>
+  <p:clrMapOvr>
+    <a:masterClrMapping/>
+  </p:clrMapOvr>
+</p:sld>
+</file>
+
+<file path=ppt/slides/slide5.xml><?xml version="1.0" encoding="utf-8"?>
 <p:sld xmlns:a="http://schemas.openxmlformats.org/drawingml/2006/main" xmlns:r="http://schemas.openxmlformats.org/officeDocument/2006/relationships" xmlns:p="http://schemas.openxmlformats.org/presentationml/2006/main">
   <p:cSld>
     <p:spTree>
@@ -10723,7 +17744,7 @@
     </p:spTree>
     <p:extLst>
       <p:ext uri="{BB962C8B-B14F-4D97-AF65-F5344CB8AC3E}">
-        <p14:creationId xmlns:p14="http://schemas.microsoft.com/office/powerpoint/2010/main" val="3525862063"/>
+        <p14:creationId xmlns:p14="http://schemas.microsoft.com/office/powerpoint/2010/main" val="64840913"/>
       </p:ext>
     </p:extLst>
   </p:cSld>
@@ -10733,7 +17754,7 @@
 </p:sld>
 </file>
 
-<file path=ppt/slides/slide4.xml><?xml version="1.0" encoding="utf-8"?>
+<file path=ppt/slides/slide6.xml><?xml version="1.0" encoding="utf-8"?>
 <p:sld xmlns:a="http://schemas.openxmlformats.org/drawingml/2006/main" xmlns:r="http://schemas.openxmlformats.org/officeDocument/2006/relationships" xmlns:p="http://schemas.openxmlformats.org/presentationml/2006/main">
   <p:cSld>
     <p:spTree>
@@ -16108,7 +23129,7 @@
 </p:sld>
 </file>
 
-<file path=ppt/slides/slide5.xml><?xml version="1.0" encoding="utf-8"?>
+<file path=ppt/slides/slide7.xml><?xml version="1.0" encoding="utf-8"?>
 <p:sld xmlns:a="http://schemas.openxmlformats.org/drawingml/2006/main" xmlns:r="http://schemas.openxmlformats.org/officeDocument/2006/relationships" xmlns:p="http://schemas.openxmlformats.org/presentationml/2006/main">
   <p:cSld>
     <p:spTree>
@@ -16180,7 +23201,7 @@
 </p:sld>
 </file>
 
-<file path=ppt/slides/slide6.xml><?xml version="1.0" encoding="utf-8"?>
+<file path=ppt/slides/slide8.xml><?xml version="1.0" encoding="utf-8"?>
 <p:sld xmlns:a="http://schemas.openxmlformats.org/drawingml/2006/main" xmlns:r="http://schemas.openxmlformats.org/officeDocument/2006/relationships" xmlns:p="http://schemas.openxmlformats.org/presentationml/2006/main">
   <p:cSld>
     <p:spTree>
@@ -19432,7 +26453,7 @@
 </p:sld>
 </file>
 
-<file path=ppt/slides/slide7.xml><?xml version="1.0" encoding="utf-8"?>
+<file path=ppt/slides/slide9.xml><?xml version="1.0" encoding="utf-8"?>
 <p:sld xmlns:a="http://schemas.openxmlformats.org/drawingml/2006/main" xmlns:r="http://schemas.openxmlformats.org/officeDocument/2006/relationships" xmlns:p="http://schemas.openxmlformats.org/presentationml/2006/main">
   <p:cSld>
     <p:spTree>

--- a/Business Analysis/flow.pptx
+++ b/Business Analysis/flow.pptx
@@ -205,7 +205,7 @@
           <a:p>
             <a:fld id="{C5230F40-415C-430C-954E-9C7E5CB09663}" type="datetimeFigureOut">
               <a:rPr lang="en-SG" smtClean="0"/>
-              <a:t>21/2/2017</a:t>
+              <a:t>23/2/2017</a:t>
             </a:fld>
             <a:endParaRPr lang="en-SG"/>
           </a:p>
@@ -1322,7 +1322,7 @@
           <a:p>
             <a:fld id="{52472096-1372-4433-9603-3D7A8CC319BF}" type="datetimeFigureOut">
               <a:rPr lang="en-SG" smtClean="0"/>
-              <a:t>21/2/2017</a:t>
+              <a:t>23/2/2017</a:t>
             </a:fld>
             <a:endParaRPr lang="en-SG"/>
           </a:p>
@@ -1492,7 +1492,7 @@
           <a:p>
             <a:fld id="{52472096-1372-4433-9603-3D7A8CC319BF}" type="datetimeFigureOut">
               <a:rPr lang="en-SG" smtClean="0"/>
-              <a:t>21/2/2017</a:t>
+              <a:t>23/2/2017</a:t>
             </a:fld>
             <a:endParaRPr lang="en-SG"/>
           </a:p>
@@ -1672,7 +1672,7 @@
           <a:p>
             <a:fld id="{52472096-1372-4433-9603-3D7A8CC319BF}" type="datetimeFigureOut">
               <a:rPr lang="en-SG" smtClean="0"/>
-              <a:t>21/2/2017</a:t>
+              <a:t>23/2/2017</a:t>
             </a:fld>
             <a:endParaRPr lang="en-SG"/>
           </a:p>
@@ -1842,7 +1842,7 @@
           <a:p>
             <a:fld id="{52472096-1372-4433-9603-3D7A8CC319BF}" type="datetimeFigureOut">
               <a:rPr lang="en-SG" smtClean="0"/>
-              <a:t>21/2/2017</a:t>
+              <a:t>23/2/2017</a:t>
             </a:fld>
             <a:endParaRPr lang="en-SG"/>
           </a:p>
@@ -2088,7 +2088,7 @@
           <a:p>
             <a:fld id="{52472096-1372-4433-9603-3D7A8CC319BF}" type="datetimeFigureOut">
               <a:rPr lang="en-SG" smtClean="0"/>
-              <a:t>21/2/2017</a:t>
+              <a:t>23/2/2017</a:t>
             </a:fld>
             <a:endParaRPr lang="en-SG"/>
           </a:p>
@@ -2320,7 +2320,7 @@
           <a:p>
             <a:fld id="{52472096-1372-4433-9603-3D7A8CC319BF}" type="datetimeFigureOut">
               <a:rPr lang="en-SG" smtClean="0"/>
-              <a:t>21/2/2017</a:t>
+              <a:t>23/2/2017</a:t>
             </a:fld>
             <a:endParaRPr lang="en-SG"/>
           </a:p>
@@ -2687,7 +2687,7 @@
           <a:p>
             <a:fld id="{52472096-1372-4433-9603-3D7A8CC319BF}" type="datetimeFigureOut">
               <a:rPr lang="en-SG" smtClean="0"/>
-              <a:t>21/2/2017</a:t>
+              <a:t>23/2/2017</a:t>
             </a:fld>
             <a:endParaRPr lang="en-SG"/>
           </a:p>
@@ -2805,7 +2805,7 @@
           <a:p>
             <a:fld id="{52472096-1372-4433-9603-3D7A8CC319BF}" type="datetimeFigureOut">
               <a:rPr lang="en-SG" smtClean="0"/>
-              <a:t>21/2/2017</a:t>
+              <a:t>23/2/2017</a:t>
             </a:fld>
             <a:endParaRPr lang="en-SG"/>
           </a:p>
@@ -2900,7 +2900,7 @@
           <a:p>
             <a:fld id="{52472096-1372-4433-9603-3D7A8CC319BF}" type="datetimeFigureOut">
               <a:rPr lang="en-SG" smtClean="0"/>
-              <a:t>21/2/2017</a:t>
+              <a:t>23/2/2017</a:t>
             </a:fld>
             <a:endParaRPr lang="en-SG"/>
           </a:p>
@@ -3177,7 +3177,7 @@
           <a:p>
             <a:fld id="{52472096-1372-4433-9603-3D7A8CC319BF}" type="datetimeFigureOut">
               <a:rPr lang="en-SG" smtClean="0"/>
-              <a:t>21/2/2017</a:t>
+              <a:t>23/2/2017</a:t>
             </a:fld>
             <a:endParaRPr lang="en-SG"/>
           </a:p>
@@ -3434,7 +3434,7 @@
           <a:p>
             <a:fld id="{52472096-1372-4433-9603-3D7A8CC319BF}" type="datetimeFigureOut">
               <a:rPr lang="en-SG" smtClean="0"/>
-              <a:t>21/2/2017</a:t>
+              <a:t>23/2/2017</a:t>
             </a:fld>
             <a:endParaRPr lang="en-SG"/>
           </a:p>
@@ -3647,7 +3647,7 @@
           <a:p>
             <a:fld id="{52472096-1372-4433-9603-3D7A8CC319BF}" type="datetimeFigureOut">
               <a:rPr lang="en-SG" smtClean="0"/>
-              <a:t>21/2/2017</a:t>
+              <a:t>23/2/2017</a:t>
             </a:fld>
             <a:endParaRPr lang="en-SG"/>
           </a:p>
@@ -6295,6 +6295,11 @@
               <a:solidFill>
                 <a:schemeClr val="bg1"/>
               </a:solidFill>
+              <a:ln>
+                <a:solidFill>
+                  <a:schemeClr val="accent6"/>
+                </a:solidFill>
+              </a:ln>
             </p:spPr>
             <p:style>
               <a:lnRef idx="2">
@@ -9896,10 +9901,7 @@
               </a:solidFill>
               <a:ln>
                 <a:solidFill>
-                  <a:schemeClr val="accent6">
-                    <a:lumMod val="60000"/>
-                    <a:lumOff val="40000"/>
-                  </a:schemeClr>
+                  <a:schemeClr val="accent6"/>
                 </a:solidFill>
               </a:ln>
             </p:spPr>

--- a/Business Analysis/flow.pptx
+++ b/Business Analysis/flow.pptx
@@ -205,7 +205,7 @@
           <a:p>
             <a:fld id="{C5230F40-415C-430C-954E-9C7E5CB09663}" type="datetimeFigureOut">
               <a:rPr lang="en-SG" smtClean="0"/>
-              <a:t>23/2/2017</a:t>
+              <a:t>25/2/2017</a:t>
             </a:fld>
             <a:endParaRPr lang="en-SG"/>
           </a:p>
@@ -1322,7 +1322,7 @@
           <a:p>
             <a:fld id="{52472096-1372-4433-9603-3D7A8CC319BF}" type="datetimeFigureOut">
               <a:rPr lang="en-SG" smtClean="0"/>
-              <a:t>23/2/2017</a:t>
+              <a:t>25/2/2017</a:t>
             </a:fld>
             <a:endParaRPr lang="en-SG"/>
           </a:p>
@@ -1492,7 +1492,7 @@
           <a:p>
             <a:fld id="{52472096-1372-4433-9603-3D7A8CC319BF}" type="datetimeFigureOut">
               <a:rPr lang="en-SG" smtClean="0"/>
-              <a:t>23/2/2017</a:t>
+              <a:t>25/2/2017</a:t>
             </a:fld>
             <a:endParaRPr lang="en-SG"/>
           </a:p>
@@ -1672,7 +1672,7 @@
           <a:p>
             <a:fld id="{52472096-1372-4433-9603-3D7A8CC319BF}" type="datetimeFigureOut">
               <a:rPr lang="en-SG" smtClean="0"/>
-              <a:t>23/2/2017</a:t>
+              <a:t>25/2/2017</a:t>
             </a:fld>
             <a:endParaRPr lang="en-SG"/>
           </a:p>
@@ -1842,7 +1842,7 @@
           <a:p>
             <a:fld id="{52472096-1372-4433-9603-3D7A8CC319BF}" type="datetimeFigureOut">
               <a:rPr lang="en-SG" smtClean="0"/>
-              <a:t>23/2/2017</a:t>
+              <a:t>25/2/2017</a:t>
             </a:fld>
             <a:endParaRPr lang="en-SG"/>
           </a:p>
@@ -2088,7 +2088,7 @@
           <a:p>
             <a:fld id="{52472096-1372-4433-9603-3D7A8CC319BF}" type="datetimeFigureOut">
               <a:rPr lang="en-SG" smtClean="0"/>
-              <a:t>23/2/2017</a:t>
+              <a:t>25/2/2017</a:t>
             </a:fld>
             <a:endParaRPr lang="en-SG"/>
           </a:p>
@@ -2320,7 +2320,7 @@
           <a:p>
             <a:fld id="{52472096-1372-4433-9603-3D7A8CC319BF}" type="datetimeFigureOut">
               <a:rPr lang="en-SG" smtClean="0"/>
-              <a:t>23/2/2017</a:t>
+              <a:t>25/2/2017</a:t>
             </a:fld>
             <a:endParaRPr lang="en-SG"/>
           </a:p>
@@ -2687,7 +2687,7 @@
           <a:p>
             <a:fld id="{52472096-1372-4433-9603-3D7A8CC319BF}" type="datetimeFigureOut">
               <a:rPr lang="en-SG" smtClean="0"/>
-              <a:t>23/2/2017</a:t>
+              <a:t>25/2/2017</a:t>
             </a:fld>
             <a:endParaRPr lang="en-SG"/>
           </a:p>
@@ -2805,7 +2805,7 @@
           <a:p>
             <a:fld id="{52472096-1372-4433-9603-3D7A8CC319BF}" type="datetimeFigureOut">
               <a:rPr lang="en-SG" smtClean="0"/>
-              <a:t>23/2/2017</a:t>
+              <a:t>25/2/2017</a:t>
             </a:fld>
             <a:endParaRPr lang="en-SG"/>
           </a:p>
@@ -2900,7 +2900,7 @@
           <a:p>
             <a:fld id="{52472096-1372-4433-9603-3D7A8CC319BF}" type="datetimeFigureOut">
               <a:rPr lang="en-SG" smtClean="0"/>
-              <a:t>23/2/2017</a:t>
+              <a:t>25/2/2017</a:t>
             </a:fld>
             <a:endParaRPr lang="en-SG"/>
           </a:p>
@@ -3177,7 +3177,7 @@
           <a:p>
             <a:fld id="{52472096-1372-4433-9603-3D7A8CC319BF}" type="datetimeFigureOut">
               <a:rPr lang="en-SG" smtClean="0"/>
-              <a:t>23/2/2017</a:t>
+              <a:t>25/2/2017</a:t>
             </a:fld>
             <a:endParaRPr lang="en-SG"/>
           </a:p>
@@ -3434,7 +3434,7 @@
           <a:p>
             <a:fld id="{52472096-1372-4433-9603-3D7A8CC319BF}" type="datetimeFigureOut">
               <a:rPr lang="en-SG" smtClean="0"/>
-              <a:t>23/2/2017</a:t>
+              <a:t>25/2/2017</a:t>
             </a:fld>
             <a:endParaRPr lang="en-SG"/>
           </a:p>
@@ -3647,7 +3647,7 @@
           <a:p>
             <a:fld id="{52472096-1372-4433-9603-3D7A8CC319BF}" type="datetimeFigureOut">
               <a:rPr lang="en-SG" smtClean="0"/>
-              <a:t>23/2/2017</a:t>
+              <a:t>25/2/2017</a:t>
             </a:fld>
             <a:endParaRPr lang="en-SG"/>
           </a:p>
@@ -5483,10 +5483,10 @@
         </p:nvGrpSpPr>
         <p:grpSpPr>
           <a:xfrm>
-            <a:off x="654324" y="2616200"/>
-            <a:ext cx="10528026" cy="5284748"/>
-            <a:chOff x="654324" y="2616200"/>
-            <a:chExt cx="10528026" cy="5284748"/>
+            <a:off x="685622" y="2539999"/>
+            <a:ext cx="10718526" cy="5362406"/>
+            <a:chOff x="685066" y="2785846"/>
+            <a:chExt cx="10528026" cy="5116493"/>
           </a:xfrm>
         </p:grpSpPr>
         <p:grpSp>
@@ -5497,10 +5497,10 @@
           </p:nvGrpSpPr>
           <p:grpSpPr>
             <a:xfrm>
-              <a:off x="654324" y="2616200"/>
-              <a:ext cx="10528026" cy="5284748"/>
-              <a:chOff x="1074509" y="2074999"/>
-              <a:chExt cx="10528026" cy="5284748"/>
+              <a:off x="685066" y="2785846"/>
+              <a:ext cx="10528026" cy="5116493"/>
+              <a:chOff x="1105251" y="2244645"/>
+              <a:chExt cx="10528026" cy="5116493"/>
             </a:xfrm>
           </p:grpSpPr>
           <p:sp>
@@ -5511,7 +5511,7 @@
             </p:nvSpPr>
             <p:spPr>
               <a:xfrm>
-                <a:off x="1074509" y="6092876"/>
+                <a:off x="1105251" y="6094267"/>
                 <a:ext cx="10528026" cy="1266871"/>
               </a:xfrm>
               <a:prstGeom prst="rect">
@@ -5545,7 +5545,7 @@
               <a:lstStyle/>
               <a:p>
                 <a:pPr algn="ctr"/>
-                <a:endParaRPr lang="en-SG"/>
+                <a:endParaRPr lang="en-SG" b="1"/>
               </a:p>
             </p:txBody>
           </p:sp>
@@ -5557,8 +5557,8 @@
             </p:nvSpPr>
             <p:spPr>
               <a:xfrm>
-                <a:off x="1074509" y="2074999"/>
-                <a:ext cx="10528026" cy="4050071"/>
+                <a:off x="1105251" y="2244645"/>
+                <a:ext cx="10528026" cy="3880425"/>
               </a:xfrm>
               <a:prstGeom prst="rect">
                 <a:avLst/>
@@ -5591,7 +5591,7 @@
               <a:lstStyle/>
               <a:p>
                 <a:pPr algn="ctr"/>
-                <a:endParaRPr lang="en-SG" dirty="0"/>
+                <a:endParaRPr lang="en-SG" b="1" dirty="0"/>
               </a:p>
             </p:txBody>
           </p:sp>
@@ -5602,9 +5602,9 @@
               <p:nvPr/>
             </p:nvCxnSpPr>
             <p:spPr>
-              <a:xfrm flipH="1">
-                <a:off x="2058485" y="2074999"/>
-                <a:ext cx="12700" cy="5284748"/>
+              <a:xfrm>
+                <a:off x="2265535" y="2244645"/>
+                <a:ext cx="5013" cy="5115102"/>
               </a:xfrm>
               <a:prstGeom prst="line">
                 <a:avLst/>
@@ -5634,7 +5634,7 @@
             <p:spPr>
               <a:xfrm>
                 <a:off x="1265389" y="4157103"/>
-                <a:ext cx="697474" cy="246221"/>
+                <a:ext cx="697474" cy="234930"/>
               </a:xfrm>
               <a:prstGeom prst="rect">
                 <a:avLst/>
@@ -5648,7 +5648,7 @@
               <a:lstStyle/>
               <a:p>
                 <a:r>
-                  <a:rPr lang="en-SG" sz="1000" dirty="0"/>
+                  <a:rPr lang="en-SG" sz="1000" b="1" dirty="0"/>
                   <a:t>User</a:t>
                 </a:r>
               </a:p>
@@ -5663,7 +5663,7 @@
             <p:spPr>
               <a:xfrm>
                 <a:off x="1361575" y="6580221"/>
-                <a:ext cx="425955" cy="246221"/>
+                <a:ext cx="425955" cy="234930"/>
               </a:xfrm>
               <a:prstGeom prst="rect">
                 <a:avLst/>
@@ -5677,7 +5677,7 @@
               <a:lstStyle/>
               <a:p>
                 <a:r>
-                  <a:rPr lang="en-SG" sz="1000" dirty="0"/>
+                  <a:rPr lang="en-SG" sz="1000" b="1" dirty="0"/>
                   <a:t>URS</a:t>
                 </a:r>
               </a:p>
@@ -5691,8 +5691,8 @@
             </p:nvSpPr>
             <p:spPr>
               <a:xfrm>
-                <a:off x="2400775" y="3911680"/>
-                <a:ext cx="857184" cy="456565"/>
+                <a:off x="2336860" y="3911680"/>
+                <a:ext cx="978662" cy="531112"/>
               </a:xfrm>
               <a:prstGeom prst="roundRect">
                 <a:avLst/>
@@ -5723,15 +5723,15 @@
               <a:p>
                 <a:pPr algn="ctr"/>
                 <a:r>
-                  <a:rPr lang="en-SG" sz="720" dirty="0"/>
+                  <a:rPr lang="en-SG" sz="900" b="1" dirty="0"/>
                   <a:t>Download .</a:t>
                 </a:r>
                 <a:r>
-                  <a:rPr lang="en-SG" sz="720" dirty="0" err="1"/>
+                  <a:rPr lang="en-SG" sz="900" b="1" dirty="0" err="1"/>
                   <a:t>xls</a:t>
                 </a:r>
                 <a:r>
-                  <a:rPr lang="en-SG" sz="720" dirty="0"/>
+                  <a:rPr lang="en-SG" sz="900" b="1" dirty="0"/>
                   <a:t> file from current ZOHO system</a:t>
                 </a:r>
               </a:p>
@@ -5776,7 +5776,7 @@
               <a:lstStyle/>
               <a:p>
                 <a:pPr algn="ctr"/>
-                <a:endParaRPr lang="en-SG" sz="720"/>
+                <a:endParaRPr lang="en-SG" sz="720" b="1"/>
               </a:p>
             </p:txBody>
           </p:sp>
@@ -5820,15 +5820,15 @@
               <a:p>
                 <a:pPr algn="ctr"/>
                 <a:r>
-                  <a:rPr lang="en-SG" sz="720" dirty="0"/>
+                  <a:rPr lang="en-SG" sz="900" b="1" dirty="0"/>
                   <a:t>Upload .</a:t>
                 </a:r>
                 <a:r>
-                  <a:rPr lang="en-SG" sz="720" dirty="0" err="1"/>
+                  <a:rPr lang="en-SG" sz="900" b="1" dirty="0" err="1"/>
                   <a:t>xls</a:t>
                 </a:r>
                 <a:r>
-                  <a:rPr lang="en-SG" sz="720" dirty="0"/>
+                  <a:rPr lang="en-SG" sz="900" b="1" dirty="0"/>
                   <a:t> file into URS</a:t>
                 </a:r>
               </a:p>
@@ -5843,7 +5843,7 @@
             <p:spPr>
               <a:xfrm>
                 <a:off x="1105251" y="6779141"/>
-                <a:ext cx="1397647" cy="178510"/>
+                <a:ext cx="1397647" cy="190881"/>
               </a:xfrm>
               <a:prstGeom prst="rect">
                 <a:avLst/>
@@ -5857,7 +5857,7 @@
               <a:lstStyle/>
               <a:p>
                 <a:r>
-                  <a:rPr lang="en-SG" sz="560" dirty="0"/>
+                  <a:rPr lang="en-SG" sz="700" b="1" dirty="0"/>
                   <a:t>&lt; Ulink Reporting System &gt;</a:t>
                 </a:r>
               </a:p>
@@ -5903,7 +5903,7 @@
               <a:p>
                 <a:pPr algn="ctr"/>
                 <a:r>
-                  <a:rPr lang="en-SG" sz="720" dirty="0"/>
+                  <a:rPr lang="en-SG" sz="900" b="1" dirty="0"/>
                   <a:t>Update database</a:t>
                 </a:r>
               </a:p>
@@ -5920,8 +5920,8 @@
             </p:nvCxnSpPr>
             <p:spPr>
               <a:xfrm>
-                <a:off x="2829367" y="4368233"/>
-                <a:ext cx="0" cy="234403"/>
+                <a:off x="2826191" y="4442792"/>
+                <a:ext cx="3176" cy="159852"/>
               </a:xfrm>
               <a:prstGeom prst="straightConnector1">
                 <a:avLst/>
@@ -6097,7 +6097,7 @@
               <a:p>
                 <a:pPr algn="ctr"/>
                 <a:r>
-                  <a:rPr lang="en-SG" sz="720" dirty="0"/>
+                  <a:rPr lang="en-SG" sz="900" b="1" dirty="0"/>
                   <a:t>Yes</a:t>
                 </a:r>
               </a:p>
@@ -6151,7 +6151,7 @@
                 <a:lstStyle/>
                 <a:p>
                   <a:pPr algn="ctr"/>
-                  <a:endParaRPr lang="en-SG" sz="500" dirty="0"/>
+                  <a:endParaRPr lang="en-SG" sz="500" b="1" dirty="0"/>
                 </a:p>
               </p:txBody>
             </p:sp>
@@ -6163,8 +6163,8 @@
               </p:nvSpPr>
               <p:spPr>
                 <a:xfrm>
-                  <a:off x="9722406" y="2609140"/>
-                  <a:ext cx="470196" cy="511518"/>
+                  <a:off x="9614186" y="2560822"/>
+                  <a:ext cx="664579" cy="647439"/>
                 </a:xfrm>
                 <a:prstGeom prst="roundRect">
                   <a:avLst/>
@@ -6199,7 +6199,7 @@
                 <a:p>
                   <a:pPr algn="ctr"/>
                   <a:r>
-                    <a:rPr lang="en-SG" sz="600" dirty="0"/>
+                    <a:rPr lang="en-SG" sz="900" b="1" dirty="0"/>
                     <a:t>Add new screening info?</a:t>
                   </a:r>
                 </a:p>
@@ -6328,7 +6328,7 @@
               <a:p>
                 <a:pPr algn="ctr"/>
                 <a:r>
-                  <a:rPr lang="en-SG" sz="720" dirty="0">
+                  <a:rPr lang="en-SG" sz="900" b="1" dirty="0">
                     <a:solidFill>
                       <a:schemeClr val="tx1"/>
                     </a:solidFill>
@@ -6346,7 +6346,7 @@
             </p:nvSpPr>
             <p:spPr>
               <a:xfrm>
-                <a:off x="2232457" y="2292593"/>
+                <a:off x="2232455" y="2355543"/>
                 <a:ext cx="1246459" cy="169134"/>
               </a:xfrm>
               <a:prstGeom prst="roundRect">
@@ -6382,9 +6382,10 @@
               <a:p>
                 <a:pPr algn="ctr"/>
                 <a:r>
-                  <a:rPr lang="en-SG" sz="720" dirty="0"/>
+                  <a:rPr lang="en-SG" sz="900" b="1" dirty="0"/>
                   <a:t>Start</a:t>
                 </a:r>
+                <a:endParaRPr lang="en-SG" sz="720" b="1" dirty="0"/>
               </a:p>
             </p:txBody>
           </p:sp>
@@ -6396,9 +6397,9 @@
             </p:nvGrpSpPr>
             <p:grpSpPr>
               <a:xfrm>
-                <a:off x="2400517" y="3044136"/>
+                <a:off x="2400518" y="3044134"/>
                 <a:ext cx="865466" cy="615045"/>
-                <a:chOff x="9187204" y="4291994"/>
+                <a:chOff x="9187205" y="4291991"/>
                 <a:chExt cx="959868" cy="770738"/>
               </a:xfrm>
             </p:grpSpPr>
@@ -6410,7 +6411,7 @@
               </p:nvSpPr>
               <p:spPr>
                 <a:xfrm>
-                  <a:off x="9187204" y="4291994"/>
+                  <a:off x="9187205" y="4291991"/>
                   <a:ext cx="959868" cy="770738"/>
                 </a:xfrm>
                 <a:prstGeom prst="flowChartDecision">
@@ -6436,7 +6437,7 @@
                 <a:lstStyle/>
                 <a:p>
                   <a:pPr algn="ctr"/>
-                  <a:endParaRPr lang="en-SG" sz="500" dirty="0"/>
+                  <a:endParaRPr lang="en-SG" sz="500" b="1" dirty="0"/>
                 </a:p>
               </p:txBody>
             </p:sp>
@@ -6448,8 +6449,8 @@
               </p:nvSpPr>
               <p:spPr>
                 <a:xfrm>
-                  <a:off x="9429307" y="4425768"/>
-                  <a:ext cx="470197" cy="511518"/>
+                  <a:off x="9324316" y="4438261"/>
+                  <a:ext cx="735410" cy="454388"/>
                 </a:xfrm>
                 <a:prstGeom prst="roundRect">
                   <a:avLst/>
@@ -6484,7 +6485,7 @@
                 <a:p>
                   <a:pPr algn="ctr"/>
                   <a:r>
-                    <a:rPr lang="en-SG" sz="600" dirty="0"/>
+                    <a:rPr lang="en-SG" sz="900" b="1" dirty="0"/>
                     <a:t>Update  Database?</a:t>
                   </a:r>
                 </a:p>
@@ -6502,8 +6503,8 @@
             </p:nvCxnSpPr>
             <p:spPr>
               <a:xfrm flipH="1">
-                <a:off x="2829367" y="3659181"/>
-                <a:ext cx="3883" cy="252499"/>
+                <a:off x="2826191" y="3659179"/>
+                <a:ext cx="7060" cy="252501"/>
               </a:xfrm>
               <a:prstGeom prst="straightConnector1">
                 <a:avLst/>
@@ -6571,7 +6572,7 @@
               <a:p>
                 <a:pPr algn="ctr"/>
                 <a:r>
-                  <a:rPr lang="en-SG" sz="720" dirty="0"/>
+                  <a:rPr lang="en-SG" sz="900" b="1" dirty="0"/>
                   <a:t>Yes</a:t>
                 </a:r>
               </a:p>
@@ -6657,7 +6658,7 @@
               <a:p>
                 <a:pPr algn="ctr"/>
                 <a:r>
-                  <a:rPr lang="en-SG" sz="720" dirty="0"/>
+                  <a:rPr lang="en-SG" sz="900" b="1" dirty="0"/>
                   <a:t>No</a:t>
                 </a:r>
               </a:p>
@@ -6706,7 +6707,7 @@
               <a:lstStyle/>
               <a:p>
                 <a:pPr algn="ctr"/>
-                <a:endParaRPr lang="en-SG" sz="720"/>
+                <a:endParaRPr lang="en-SG" sz="720" b="1"/>
               </a:p>
             </p:txBody>
           </p:sp>
@@ -6787,7 +6788,7 @@
             <a:p>
               <a:pPr algn="ctr"/>
               <a:r>
-                <a:rPr lang="en-SG" sz="720" dirty="0"/>
+                <a:rPr lang="en-SG" sz="900" b="1" dirty="0"/>
                 <a:t>Fill in Screening information</a:t>
               </a:r>
             </a:p>
@@ -6827,7 +6828,7 @@
             <a:lstStyle/>
             <a:p>
               <a:pPr algn="ctr"/>
-              <a:endParaRPr lang="en-SG" sz="600" dirty="0"/>
+              <a:endParaRPr lang="en-SG" sz="600" b="1" dirty="0"/>
             </a:p>
           </p:txBody>
         </p:sp>
@@ -6839,8 +6840,8 @@
           </p:nvSpPr>
           <p:spPr>
             <a:xfrm>
-              <a:off x="8363542" y="3782673"/>
-              <a:ext cx="423953" cy="408189"/>
+              <a:off x="8262970" y="3753512"/>
+              <a:ext cx="626168" cy="408189"/>
             </a:xfrm>
             <a:prstGeom prst="roundRect">
               <a:avLst/>
@@ -6875,7 +6876,7 @@
             <a:p>
               <a:pPr algn="ctr"/>
               <a:r>
-                <a:rPr lang="en-SG" sz="600" dirty="0"/>
+                <a:rPr lang="en-SG" sz="900" b="1" dirty="0"/>
                 <a:t>Email template exists?</a:t>
               </a:r>
             </a:p>
@@ -6921,7 +6922,7 @@
             <a:p>
               <a:pPr algn="ctr"/>
               <a:r>
-                <a:rPr lang="en-SG" sz="720" dirty="0"/>
+                <a:rPr lang="en-SG" sz="900" b="1" dirty="0"/>
                 <a:t>Select Template</a:t>
               </a:r>
             </a:p>
@@ -6974,8 +6975,8 @@
           </p:nvCxnSpPr>
           <p:spPr>
             <a:xfrm flipH="1">
-              <a:off x="8575519" y="4259731"/>
-              <a:ext cx="8030" cy="469478"/>
+              <a:off x="8573373" y="4259731"/>
+              <a:ext cx="10176" cy="461903"/>
             </a:xfrm>
             <a:prstGeom prst="straightConnector1">
               <a:avLst/>
@@ -7007,8 +7008,8 @@
           </p:nvSpPr>
           <p:spPr>
             <a:xfrm>
-              <a:off x="8273285" y="4729209"/>
-              <a:ext cx="604468" cy="344403"/>
+              <a:off x="8205090" y="4721634"/>
+              <a:ext cx="736565" cy="344403"/>
             </a:xfrm>
             <a:prstGeom prst="roundRect">
               <a:avLst/>
@@ -7039,7 +7040,7 @@
             <a:p>
               <a:pPr algn="ctr"/>
               <a:r>
-                <a:rPr lang="en-SG" sz="720" dirty="0"/>
+                <a:rPr lang="en-SG" sz="900" b="1" dirty="0"/>
                 <a:t>Draft email</a:t>
               </a:r>
             </a:p>
@@ -7053,7 +7054,7 @@
           </p:nvSpPr>
           <p:spPr>
             <a:xfrm>
-              <a:off x="10106037" y="5646782"/>
+              <a:off x="10130985" y="5646782"/>
               <a:ext cx="147054" cy="149135"/>
             </a:xfrm>
             <a:prstGeom prst="ellipse">
@@ -7084,7 +7085,7 @@
             <a:lstStyle/>
             <a:p>
               <a:pPr algn="ctr"/>
-              <a:endParaRPr lang="en-SG" sz="720"/>
+              <a:endParaRPr lang="en-SG" sz="720" b="1"/>
             </a:p>
           </p:txBody>
         </p:sp>
@@ -7096,7 +7097,7 @@
           </p:nvSpPr>
           <p:spPr>
             <a:xfrm>
-              <a:off x="9952551" y="5447862"/>
+              <a:off x="9965026" y="5447862"/>
               <a:ext cx="464277" cy="184501"/>
             </a:xfrm>
             <a:prstGeom prst="roundRect">
@@ -7132,9 +7133,10 @@
             <a:p>
               <a:pPr algn="ctr"/>
               <a:r>
-                <a:rPr lang="en-SG" sz="720" dirty="0"/>
+                <a:rPr lang="en-SG" sz="900" b="1" dirty="0"/>
                 <a:t>End</a:t>
               </a:r>
+              <a:endParaRPr lang="en-SG" sz="720" b="1" dirty="0"/>
             </a:p>
           </p:txBody>
         </p:sp>
@@ -7178,7 +7180,7 @@
             <a:p>
               <a:pPr algn="ctr"/>
               <a:r>
-                <a:rPr lang="en-SG" sz="720" dirty="0"/>
+                <a:rPr lang="en-SG" sz="900" b="1" dirty="0"/>
                 <a:t>Select Screening</a:t>
               </a:r>
             </a:p>
@@ -7224,7 +7226,7 @@
             <a:p>
               <a:pPr algn="ctr"/>
               <a:r>
-                <a:rPr lang="en-SG" sz="720" dirty="0"/>
+                <a:rPr lang="en-SG" sz="900" b="1" dirty="0"/>
                 <a:t>View Screening</a:t>
               </a:r>
             </a:p>
@@ -7240,9 +7242,9 @@
             <p:nvPr/>
           </p:nvCxnSpPr>
           <p:spPr>
-            <a:xfrm flipV="1">
-              <a:off x="6873499" y="4741307"/>
-              <a:ext cx="712" cy="321336"/>
+            <a:xfrm flipH="1" flipV="1">
+              <a:off x="6872153" y="4777959"/>
+              <a:ext cx="1347" cy="284684"/>
             </a:xfrm>
             <a:prstGeom prst="straightConnector1">
               <a:avLst/>
@@ -7346,7 +7348,7 @@
             <a:p>
               <a:pPr algn="ctr"/>
               <a:r>
-                <a:rPr lang="en-SG" sz="720" dirty="0"/>
+                <a:rPr lang="en-SG" sz="900" b="1" dirty="0"/>
                 <a:t>Yes</a:t>
               </a:r>
             </a:p>
@@ -7396,9 +7398,10 @@
             <a:p>
               <a:pPr algn="ctr"/>
               <a:r>
-                <a:rPr lang="en-SG" sz="720" dirty="0"/>
+                <a:rPr lang="en-SG" sz="900" b="1" dirty="0"/>
                 <a:t>No</a:t>
               </a:r>
+              <a:endParaRPr lang="en-SG" sz="720" b="1" dirty="0"/>
             </a:p>
           </p:txBody>
         </p:sp>
@@ -7446,7 +7449,7 @@
             <a:p>
               <a:pPr algn="ctr"/>
               <a:r>
-                <a:rPr lang="en-SG" sz="720" dirty="0"/>
+                <a:rPr lang="en-SG" sz="900" b="1" dirty="0"/>
                 <a:t>Yes</a:t>
               </a:r>
             </a:p>
@@ -7460,8 +7463,8 @@
           </p:nvSpPr>
           <p:spPr>
             <a:xfrm>
-              <a:off x="6571977" y="4396904"/>
-              <a:ext cx="604468" cy="344403"/>
+              <a:off x="6541054" y="4396904"/>
+              <a:ext cx="662198" cy="381054"/>
             </a:xfrm>
             <a:prstGeom prst="roundRect">
               <a:avLst/>
@@ -7492,7 +7495,7 @@
             <a:p>
               <a:pPr algn="ctr"/>
               <a:r>
-                <a:rPr lang="en-SG" sz="720" dirty="0"/>
+                <a:rPr lang="en-SG" sz="900" b="1" dirty="0"/>
                 <a:t>Select clients to send email</a:t>
               </a:r>
             </a:p>
@@ -7509,8 +7512,8 @@
           </p:nvCxnSpPr>
           <p:spPr>
             <a:xfrm rot="5400000" flipH="1" flipV="1">
-              <a:off x="7293382" y="3533039"/>
-              <a:ext cx="444695" cy="1283036"/>
+              <a:off x="7292352" y="3532011"/>
+              <a:ext cx="444696" cy="1285094"/>
             </a:xfrm>
             <a:prstGeom prst="bentConnector2">
               <a:avLst/>
@@ -7542,8 +7545,8 @@
           </p:nvSpPr>
           <p:spPr>
             <a:xfrm>
-              <a:off x="8146002" y="5242032"/>
-              <a:ext cx="865466" cy="615045"/>
+              <a:off x="8103233" y="5242032"/>
+              <a:ext cx="935545" cy="615045"/>
             </a:xfrm>
             <a:prstGeom prst="flowChartDecision">
               <a:avLst/>
@@ -7569,7 +7572,7 @@
             <a:p>
               <a:pPr algn="ctr"/>
               <a:r>
-                <a:rPr lang="en-SG" sz="700" dirty="0"/>
+                <a:rPr lang="en-SG" sz="900" b="1" dirty="0"/>
                 <a:t>Save?</a:t>
               </a:r>
             </a:p>
@@ -7585,9 +7588,9 @@
             <p:nvPr/>
           </p:nvCxnSpPr>
           <p:spPr>
-            <a:xfrm>
-              <a:off x="8575519" y="5073612"/>
-              <a:ext cx="3216" cy="168420"/>
+            <a:xfrm flipH="1">
+              <a:off x="8571005" y="5066037"/>
+              <a:ext cx="2368" cy="175995"/>
             </a:xfrm>
             <a:prstGeom prst="straightConnector1">
               <a:avLst/>
@@ -7619,8 +7622,8 @@
           </p:nvSpPr>
           <p:spPr>
             <a:xfrm>
-              <a:off x="8085002" y="7112154"/>
-              <a:ext cx="997014" cy="502907"/>
+              <a:off x="8084532" y="7043740"/>
+              <a:ext cx="997014" cy="605335"/>
             </a:xfrm>
             <a:prstGeom prst="roundRect">
               <a:avLst/>
@@ -7651,7 +7654,7 @@
             <a:p>
               <a:pPr algn="ctr"/>
               <a:r>
-                <a:rPr lang="en-SG" sz="720" dirty="0"/>
+                <a:rPr lang="en-SG" sz="900" b="1" dirty="0"/>
                 <a:t>Pull client and screenings information from database</a:t>
               </a:r>
             </a:p>
@@ -7665,7 +7668,7 @@
           </p:nvSpPr>
           <p:spPr>
             <a:xfrm>
-              <a:off x="9871947" y="7112713"/>
+              <a:off x="9871947" y="7100595"/>
               <a:ext cx="653610" cy="502907"/>
             </a:xfrm>
             <a:prstGeom prst="roundRect">
@@ -7697,7 +7700,7 @@
             <a:p>
               <a:pPr algn="ctr"/>
               <a:r>
-                <a:rPr lang="en-SG" sz="720" dirty="0"/>
+                <a:rPr lang="en-SG" sz="900" b="1" dirty="0"/>
                 <a:t>Send as email to recipient</a:t>
               </a:r>
             </a:p>
@@ -7714,8 +7717,8 @@
           </p:nvCxnSpPr>
           <p:spPr>
             <a:xfrm>
-              <a:off x="8579574" y="6564284"/>
-              <a:ext cx="3935" cy="547870"/>
+              <a:off x="8579574" y="6564285"/>
+              <a:ext cx="3465" cy="479455"/>
             </a:xfrm>
             <a:prstGeom prst="straightConnector1">
               <a:avLst/>
@@ -7750,8 +7753,8 @@
           </p:nvCxnSpPr>
           <p:spPr>
             <a:xfrm>
-              <a:off x="9082016" y="7363608"/>
-              <a:ext cx="789931" cy="559"/>
+              <a:off x="9081546" y="7346408"/>
+              <a:ext cx="790401" cy="5641"/>
             </a:xfrm>
             <a:prstGeom prst="straightConnector1">
               <a:avLst/>
@@ -7815,7 +7818,7 @@
             <a:p>
               <a:pPr algn="ctr"/>
               <a:r>
-                <a:rPr lang="en-SG" sz="720" dirty="0"/>
+                <a:rPr lang="en-SG" sz="900" b="1" dirty="0"/>
                 <a:t>Send email</a:t>
               </a:r>
             </a:p>
@@ -7832,8 +7835,8 @@
           </p:nvCxnSpPr>
           <p:spPr>
             <a:xfrm>
-              <a:off x="8578735" y="5857077"/>
-              <a:ext cx="839" cy="271266"/>
+              <a:off x="8571005" y="5857077"/>
+              <a:ext cx="8569" cy="271266"/>
             </a:xfrm>
             <a:prstGeom prst="straightConnector1">
               <a:avLst/>
@@ -7897,7 +7900,7 @@
             <a:p>
               <a:pPr algn="ctr"/>
               <a:r>
-                <a:rPr lang="en-SG" sz="720" dirty="0"/>
+                <a:rPr lang="en-SG" sz="900" b="1" dirty="0"/>
                 <a:t>Save drafted email</a:t>
               </a:r>
             </a:p>
@@ -7947,7 +7950,7 @@
             <a:p>
               <a:pPr algn="ctr"/>
               <a:r>
-                <a:rPr lang="en-SG" sz="720" dirty="0"/>
+                <a:rPr lang="en-SG" sz="900" b="1" dirty="0"/>
                 <a:t>No</a:t>
               </a:r>
             </a:p>
@@ -7964,8 +7967,8 @@
           </p:nvCxnSpPr>
           <p:spPr>
             <a:xfrm rot="10800000" flipV="1">
-              <a:off x="7347216" y="5549555"/>
-              <a:ext cx="798786" cy="1544614"/>
+              <a:off x="7347216" y="5549553"/>
+              <a:ext cx="756016" cy="1544614"/>
             </a:xfrm>
             <a:prstGeom prst="bentConnector2">
               <a:avLst/>
@@ -8035,8 +8038,8 @@
           </p:nvSpPr>
           <p:spPr>
             <a:xfrm>
-              <a:off x="9863238" y="6101933"/>
-              <a:ext cx="632652" cy="435941"/>
+              <a:off x="9815972" y="6128343"/>
+              <a:ext cx="776481" cy="435941"/>
             </a:xfrm>
             <a:prstGeom prst="roundRect">
               <a:avLst/>
@@ -8067,7 +8070,7 @@
             <a:p>
               <a:pPr algn="ctr"/>
               <a:r>
-                <a:rPr lang="en-SG" sz="720" dirty="0"/>
+                <a:rPr lang="en-SG" sz="900" b="1" dirty="0"/>
                 <a:t>Check email and forward to client</a:t>
               </a:r>
             </a:p>
@@ -8083,9 +8086,9 @@
             <p:nvPr/>
           </p:nvCxnSpPr>
           <p:spPr>
-            <a:xfrm flipH="1" flipV="1">
-              <a:off x="10179564" y="6537874"/>
-              <a:ext cx="19188" cy="574839"/>
+            <a:xfrm flipV="1">
+              <a:off x="10198753" y="6564285"/>
+              <a:ext cx="5460" cy="536310"/>
             </a:xfrm>
             <a:prstGeom prst="straightConnector1">
               <a:avLst/>
@@ -8114,13 +8117,14 @@
             <p:cNvPr id="626" name="Elbow Connector 375"/>
             <p:cNvCxnSpPr>
               <a:stCxn id="619" idx="0"/>
+              <a:endCxn id="322" idx="4"/>
             </p:cNvCxnSpPr>
             <p:nvPr/>
           </p:nvCxnSpPr>
           <p:spPr>
             <a:xfrm flipV="1">
-              <a:off x="10179564" y="5808312"/>
-              <a:ext cx="0" cy="293621"/>
+              <a:off x="10204213" y="5795917"/>
+              <a:ext cx="300" cy="332427"/>
             </a:xfrm>
             <a:prstGeom prst="straightConnector1">
               <a:avLst/>
@@ -8263,9 +8267,10 @@
             <a:p>
               <a:pPr algn="ctr"/>
               <a:r>
-                <a:rPr lang="en-SG" sz="720" dirty="0"/>
+                <a:rPr lang="en-SG" sz="900" b="1" dirty="0"/>
                 <a:t>No</a:t>
               </a:r>
+              <a:endParaRPr lang="en-SG" sz="720" b="1" dirty="0"/>
             </a:p>
           </p:txBody>
         </p:sp>
@@ -8302,7 +8307,7 @@
       </p:grpSpPr>
       <p:grpSp>
         <p:nvGrpSpPr>
-          <p:cNvPr id="8" name="Group 7"/>
+          <p:cNvPr id="33" name="Group 32"/>
           <p:cNvGrpSpPr/>
           <p:nvPr/>
         </p:nvGrpSpPr>
@@ -8316,7 +8321,7 @@
         </p:grpSpPr>
         <p:grpSp>
           <p:nvGrpSpPr>
-            <p:cNvPr id="555" name="Group 554"/>
+            <p:cNvPr id="8" name="Group 7"/>
             <p:cNvGrpSpPr/>
             <p:nvPr/>
           </p:nvGrpSpPr>
@@ -8324,126 +8329,2118 @@
             <a:xfrm>
               <a:off x="654324" y="2232208"/>
               <a:ext cx="11194944" cy="5668740"/>
-              <a:chOff x="1074509" y="1691007"/>
+              <a:chOff x="654324" y="2232208"/>
               <a:chExt cx="11194944" cy="5668740"/>
             </a:xfrm>
           </p:grpSpPr>
-          <p:sp>
-            <p:nvSpPr>
-              <p:cNvPr id="522" name="Rectangle 521"/>
-              <p:cNvSpPr/>
+          <p:grpSp>
+            <p:nvGrpSpPr>
+              <p:cNvPr id="555" name="Group 554"/>
+              <p:cNvGrpSpPr/>
               <p:nvPr/>
-            </p:nvSpPr>
+            </p:nvGrpSpPr>
+            <p:grpSpPr>
+              <a:xfrm>
+                <a:off x="654324" y="2232208"/>
+                <a:ext cx="11194944" cy="5668740"/>
+                <a:chOff x="1074509" y="1691007"/>
+                <a:chExt cx="11194944" cy="5668740"/>
+              </a:xfrm>
+            </p:grpSpPr>
+            <p:sp>
+              <p:nvSpPr>
+                <p:cNvPr id="522" name="Rectangle 521"/>
+                <p:cNvSpPr/>
+                <p:nvPr/>
+              </p:nvSpPr>
+              <p:spPr>
+                <a:xfrm>
+                  <a:off x="1074509" y="6092876"/>
+                  <a:ext cx="11194944" cy="1266871"/>
+                </a:xfrm>
+                <a:prstGeom prst="rect">
+                  <a:avLst/>
+                </a:prstGeom>
+                <a:solidFill>
+                  <a:schemeClr val="accent1">
+                    <a:lumMod val="20000"/>
+                    <a:lumOff val="80000"/>
+                  </a:schemeClr>
+                </a:solidFill>
+              </p:spPr>
+              <p:style>
+                <a:lnRef idx="2">
+                  <a:schemeClr val="accent1">
+                    <a:shade val="50000"/>
+                  </a:schemeClr>
+                </a:lnRef>
+                <a:fillRef idx="1">
+                  <a:schemeClr val="accent1"/>
+                </a:fillRef>
+                <a:effectRef idx="0">
+                  <a:schemeClr val="accent1"/>
+                </a:effectRef>
+                <a:fontRef idx="minor">
+                  <a:schemeClr val="lt1"/>
+                </a:fontRef>
+              </p:style>
+              <p:txBody>
+                <a:bodyPr rtlCol="0" anchor="ctr"/>
+                <a:lstStyle/>
+                <a:p>
+                  <a:pPr algn="ctr"/>
+                  <a:endParaRPr lang="en-SG" b="1"/>
+                </a:p>
+              </p:txBody>
+            </p:sp>
+            <p:sp>
+              <p:nvSpPr>
+                <p:cNvPr id="521" name="Rectangle 520"/>
+                <p:cNvSpPr/>
+                <p:nvPr/>
+              </p:nvSpPr>
+              <p:spPr>
+                <a:xfrm>
+                  <a:off x="1074509" y="1691007"/>
+                  <a:ext cx="11194944" cy="4434063"/>
+                </a:xfrm>
+                <a:prstGeom prst="rect">
+                  <a:avLst/>
+                </a:prstGeom>
+                <a:solidFill>
+                  <a:schemeClr val="accent1">
+                    <a:lumMod val="20000"/>
+                    <a:lumOff val="80000"/>
+                  </a:schemeClr>
+                </a:solidFill>
+              </p:spPr>
+              <p:style>
+                <a:lnRef idx="2">
+                  <a:schemeClr val="accent1">
+                    <a:shade val="50000"/>
+                  </a:schemeClr>
+                </a:lnRef>
+                <a:fillRef idx="1">
+                  <a:schemeClr val="accent1"/>
+                </a:fillRef>
+                <a:effectRef idx="0">
+                  <a:schemeClr val="accent1"/>
+                </a:effectRef>
+                <a:fontRef idx="minor">
+                  <a:schemeClr val="lt1"/>
+                </a:fontRef>
+              </p:style>
+              <p:txBody>
+                <a:bodyPr rtlCol="0" anchor="ctr"/>
+                <a:lstStyle/>
+                <a:p>
+                  <a:pPr algn="ctr"/>
+                  <a:endParaRPr lang="en-SG" b="1" dirty="0"/>
+                </a:p>
+              </p:txBody>
+            </p:sp>
+            <p:cxnSp>
+              <p:nvCxnSpPr>
+                <p:cNvPr id="6" name="Straight Connector 5"/>
+                <p:cNvCxnSpPr/>
+                <p:nvPr/>
+              </p:nvCxnSpPr>
+              <p:spPr>
+                <a:xfrm>
+                  <a:off x="2038152" y="1691127"/>
+                  <a:ext cx="20333" cy="5668620"/>
+                </a:xfrm>
+                <a:prstGeom prst="line">
+                  <a:avLst/>
+                </a:prstGeom>
+              </p:spPr>
+              <p:style>
+                <a:lnRef idx="1">
+                  <a:schemeClr val="accent1"/>
+                </a:lnRef>
+                <a:fillRef idx="0">
+                  <a:schemeClr val="accent1"/>
+                </a:fillRef>
+                <a:effectRef idx="0">
+                  <a:schemeClr val="accent1"/>
+                </a:effectRef>
+                <a:fontRef idx="minor">
+                  <a:schemeClr val="tx1"/>
+                </a:fontRef>
+              </p:style>
+            </p:cxnSp>
+            <p:sp>
+              <p:nvSpPr>
+                <p:cNvPr id="11" name="TextBox 10"/>
+                <p:cNvSpPr txBox="1"/>
+                <p:nvPr/>
+              </p:nvSpPr>
+              <p:spPr>
+                <a:xfrm>
+                  <a:off x="1265389" y="4157103"/>
+                  <a:ext cx="697474" cy="246221"/>
+                </a:xfrm>
+                <a:prstGeom prst="rect">
+                  <a:avLst/>
+                </a:prstGeom>
+                <a:noFill/>
+              </p:spPr>
+              <p:txBody>
+                <a:bodyPr wrap="square" rtlCol="0">
+                  <a:spAutoFit/>
+                </a:bodyPr>
+                <a:lstStyle/>
+                <a:p>
+                  <a:r>
+                    <a:rPr lang="en-SG" sz="1000" b="1" dirty="0"/>
+                    <a:t>User</a:t>
+                  </a:r>
+                </a:p>
+              </p:txBody>
+            </p:sp>
+            <p:sp>
+              <p:nvSpPr>
+                <p:cNvPr id="12" name="TextBox 11"/>
+                <p:cNvSpPr txBox="1"/>
+                <p:nvPr/>
+              </p:nvSpPr>
+              <p:spPr>
+                <a:xfrm>
+                  <a:off x="1361575" y="6580221"/>
+                  <a:ext cx="425955" cy="246221"/>
+                </a:xfrm>
+                <a:prstGeom prst="rect">
+                  <a:avLst/>
+                </a:prstGeom>
+                <a:noFill/>
+              </p:spPr>
+              <p:txBody>
+                <a:bodyPr wrap="square" rtlCol="0">
+                  <a:spAutoFit/>
+                </a:bodyPr>
+                <a:lstStyle/>
+                <a:p>
+                  <a:r>
+                    <a:rPr lang="en-SG" sz="1000" b="1" dirty="0"/>
+                    <a:t>URS</a:t>
+                  </a:r>
+                </a:p>
+              </p:txBody>
+            </p:sp>
+            <p:sp>
+              <p:nvSpPr>
+                <p:cNvPr id="13" name="Rounded Rectangle 12"/>
+                <p:cNvSpPr/>
+                <p:nvPr/>
+              </p:nvSpPr>
+              <p:spPr>
+                <a:xfrm>
+                  <a:off x="2311874" y="3911680"/>
+                  <a:ext cx="1041383" cy="456565"/>
+                </a:xfrm>
+                <a:prstGeom prst="roundRect">
+                  <a:avLst/>
+                </a:prstGeom>
+              </p:spPr>
+              <p:style>
+                <a:lnRef idx="2">
+                  <a:schemeClr val="accent6"/>
+                </a:lnRef>
+                <a:fillRef idx="1">
+                  <a:schemeClr val="lt1"/>
+                </a:fillRef>
+                <a:effectRef idx="0">
+                  <a:schemeClr val="accent6"/>
+                </a:effectRef>
+                <a:fontRef idx="minor">
+                  <a:schemeClr val="dk1"/>
+                </a:fontRef>
+              </p:style>
+              <p:txBody>
+                <a:bodyPr rot="0" spcFirstLastPara="0" vertOverflow="overflow" horzOverflow="overflow" vert="horz" wrap="square" lIns="36578" tIns="18289" rIns="36578" bIns="18289" numCol="1" spcCol="0" rtlCol="0" fromWordArt="0" anchor="ctr" anchorCtr="0" forceAA="0" compatLnSpc="1">
+                  <a:prstTxWarp prst="textNoShape">
+                    <a:avLst/>
+                  </a:prstTxWarp>
+                  <a:noAutofit/>
+                </a:bodyPr>
+                <a:lstStyle/>
+                <a:p>
+                  <a:pPr algn="ctr"/>
+                  <a:r>
+                    <a:rPr lang="en-SG" sz="900" b="1" dirty="0"/>
+                    <a:t>Download .</a:t>
+                  </a:r>
+                  <a:r>
+                    <a:rPr lang="en-SG" sz="900" b="1" dirty="0" err="1"/>
+                    <a:t>xls</a:t>
+                  </a:r>
+                  <a:r>
+                    <a:rPr lang="en-SG" sz="900" b="1" dirty="0"/>
+                    <a:t> file from current ZOHO system</a:t>
+                  </a:r>
+                </a:p>
+              </p:txBody>
+            </p:sp>
+            <p:sp>
+              <p:nvSpPr>
+                <p:cNvPr id="14" name="Oval 13"/>
+                <p:cNvSpPr/>
+                <p:nvPr/>
+              </p:nvSpPr>
+              <p:spPr>
+                <a:xfrm>
+                  <a:off x="2722117" y="2529919"/>
+                  <a:ext cx="216308" cy="181249"/>
+                </a:xfrm>
+                <a:prstGeom prst="ellipse">
+                  <a:avLst/>
+                </a:prstGeom>
+              </p:spPr>
+              <p:style>
+                <a:lnRef idx="2">
+                  <a:schemeClr val="accent6"/>
+                </a:lnRef>
+                <a:fillRef idx="1">
+                  <a:schemeClr val="lt1"/>
+                </a:fillRef>
+                <a:effectRef idx="0">
+                  <a:schemeClr val="accent6"/>
+                </a:effectRef>
+                <a:fontRef idx="minor">
+                  <a:schemeClr val="dk1"/>
+                </a:fontRef>
+              </p:style>
+              <p:txBody>
+                <a:bodyPr rot="0" spcFirstLastPara="0" vertOverflow="overflow" horzOverflow="overflow" vert="horz" wrap="square" lIns="36578" tIns="18289" rIns="36578" bIns="18289" numCol="1" spcCol="0" rtlCol="0" fromWordArt="0" anchor="ctr" anchorCtr="0" forceAA="0" compatLnSpc="1">
+                  <a:prstTxWarp prst="textNoShape">
+                    <a:avLst/>
+                  </a:prstTxWarp>
+                  <a:noAutofit/>
+                </a:bodyPr>
+                <a:lstStyle/>
+                <a:p>
+                  <a:pPr algn="ctr"/>
+                  <a:endParaRPr lang="en-SG" sz="720" b="1"/>
+                </a:p>
+              </p:txBody>
+            </p:sp>
+            <p:sp>
+              <p:nvSpPr>
+                <p:cNvPr id="15" name="Rounded Rectangle 14"/>
+                <p:cNvSpPr/>
+                <p:nvPr/>
+              </p:nvSpPr>
+              <p:spPr>
+                <a:xfrm>
+                  <a:off x="2400775" y="4602644"/>
+                  <a:ext cx="857184" cy="456565"/>
+                </a:xfrm>
+                <a:prstGeom prst="roundRect">
+                  <a:avLst/>
+                </a:prstGeom>
+              </p:spPr>
+              <p:style>
+                <a:lnRef idx="2">
+                  <a:schemeClr val="accent6"/>
+                </a:lnRef>
+                <a:fillRef idx="1">
+                  <a:schemeClr val="lt1"/>
+                </a:fillRef>
+                <a:effectRef idx="0">
+                  <a:schemeClr val="accent6"/>
+                </a:effectRef>
+                <a:fontRef idx="minor">
+                  <a:schemeClr val="dk1"/>
+                </a:fontRef>
+              </p:style>
+              <p:txBody>
+                <a:bodyPr rot="0" spcFirstLastPara="0" vertOverflow="overflow" horzOverflow="overflow" vert="horz" wrap="square" lIns="36578" tIns="18289" rIns="36578" bIns="18289" numCol="1" spcCol="0" rtlCol="0" fromWordArt="0" anchor="ctr" anchorCtr="0" forceAA="0" compatLnSpc="1">
+                  <a:prstTxWarp prst="textNoShape">
+                    <a:avLst/>
+                  </a:prstTxWarp>
+                  <a:noAutofit/>
+                </a:bodyPr>
+                <a:lstStyle/>
+                <a:p>
+                  <a:pPr algn="ctr"/>
+                  <a:r>
+                    <a:rPr lang="en-SG" sz="900" b="1" dirty="0"/>
+                    <a:t>Upload .</a:t>
+                  </a:r>
+                  <a:r>
+                    <a:rPr lang="en-SG" sz="900" b="1" dirty="0" err="1"/>
+                    <a:t>xls</a:t>
+                  </a:r>
+                  <a:r>
+                    <a:rPr lang="en-SG" sz="900" b="1" dirty="0"/>
+                    <a:t> file into URS</a:t>
+                  </a:r>
+                </a:p>
+              </p:txBody>
+            </p:sp>
+            <p:sp>
+              <p:nvSpPr>
+                <p:cNvPr id="16" name="TextBox 15"/>
+                <p:cNvSpPr txBox="1"/>
+                <p:nvPr/>
+              </p:nvSpPr>
+              <p:spPr>
+                <a:xfrm>
+                  <a:off x="1105251" y="6779141"/>
+                  <a:ext cx="1397647" cy="178510"/>
+                </a:xfrm>
+                <a:prstGeom prst="rect">
+                  <a:avLst/>
+                </a:prstGeom>
+                <a:noFill/>
+              </p:spPr>
+              <p:txBody>
+                <a:bodyPr wrap="square" rtlCol="0">
+                  <a:spAutoFit/>
+                </a:bodyPr>
+                <a:lstStyle/>
+                <a:p>
+                  <a:r>
+                    <a:rPr lang="en-SG" sz="560" b="1" dirty="0"/>
+                    <a:t>&lt; Ulink Reporting System &gt;</a:t>
+                  </a:r>
+                </a:p>
+              </p:txBody>
+            </p:sp>
+            <p:sp>
+              <p:nvSpPr>
+                <p:cNvPr id="17" name="Rounded Rectangle 16"/>
+                <p:cNvSpPr/>
+                <p:nvPr/>
+              </p:nvSpPr>
+              <p:spPr>
+                <a:xfrm>
+                  <a:off x="2331326" y="6638038"/>
+                  <a:ext cx="980787" cy="456565"/>
+                </a:xfrm>
+                <a:prstGeom prst="roundRect">
+                  <a:avLst/>
+                </a:prstGeom>
+              </p:spPr>
+              <p:style>
+                <a:lnRef idx="2">
+                  <a:schemeClr val="accent6"/>
+                </a:lnRef>
+                <a:fillRef idx="1">
+                  <a:schemeClr val="lt1"/>
+                </a:fillRef>
+                <a:effectRef idx="0">
+                  <a:schemeClr val="accent6"/>
+                </a:effectRef>
+                <a:fontRef idx="minor">
+                  <a:schemeClr val="dk1"/>
+                </a:fontRef>
+              </p:style>
+              <p:txBody>
+                <a:bodyPr rot="0" spcFirstLastPara="0" vertOverflow="overflow" horzOverflow="overflow" vert="horz" wrap="square" lIns="36578" tIns="18289" rIns="36578" bIns="18289" numCol="1" spcCol="0" rtlCol="0" fromWordArt="0" anchor="ctr" anchorCtr="0" forceAA="0" compatLnSpc="1">
+                  <a:prstTxWarp prst="textNoShape">
+                    <a:avLst/>
+                  </a:prstTxWarp>
+                  <a:noAutofit/>
+                </a:bodyPr>
+                <a:lstStyle/>
+                <a:p>
+                  <a:pPr algn="ctr"/>
+                  <a:r>
+                    <a:rPr lang="en-SG" sz="900" b="1" dirty="0"/>
+                    <a:t>Update database</a:t>
+                  </a:r>
+                </a:p>
+              </p:txBody>
+            </p:sp>
+            <p:sp>
+              <p:nvSpPr>
+                <p:cNvPr id="18" name="Rounded Rectangle 17"/>
+                <p:cNvSpPr/>
+                <p:nvPr/>
+              </p:nvSpPr>
+              <p:spPr>
+                <a:xfrm>
+                  <a:off x="4855713" y="1875658"/>
+                  <a:ext cx="857184" cy="456565"/>
+                </a:xfrm>
+                <a:prstGeom prst="roundRect">
+                  <a:avLst/>
+                </a:prstGeom>
+              </p:spPr>
+              <p:style>
+                <a:lnRef idx="2">
+                  <a:schemeClr val="accent6"/>
+                </a:lnRef>
+                <a:fillRef idx="1">
+                  <a:schemeClr val="lt1"/>
+                </a:fillRef>
+                <a:effectRef idx="0">
+                  <a:schemeClr val="accent6"/>
+                </a:effectRef>
+                <a:fontRef idx="minor">
+                  <a:schemeClr val="dk1"/>
+                </a:fontRef>
+              </p:style>
+              <p:txBody>
+                <a:bodyPr rot="0" spcFirstLastPara="0" vertOverflow="overflow" horzOverflow="overflow" vert="horz" wrap="square" lIns="36578" tIns="18289" rIns="36578" bIns="18289" numCol="1" spcCol="0" rtlCol="0" fromWordArt="0" anchor="ctr" anchorCtr="0" forceAA="0" compatLnSpc="1">
+                  <a:prstTxWarp prst="textNoShape">
+                    <a:avLst/>
+                  </a:prstTxWarp>
+                  <a:noAutofit/>
+                </a:bodyPr>
+                <a:lstStyle/>
+                <a:p>
+                  <a:pPr algn="ctr"/>
+                  <a:r>
+                    <a:rPr lang="en-SG" sz="900" b="1" dirty="0"/>
+                    <a:t>View Client List</a:t>
+                  </a:r>
+                </a:p>
+              </p:txBody>
+            </p:sp>
+            <p:sp>
+              <p:nvSpPr>
+                <p:cNvPr id="20" name="Rounded Rectangle 19"/>
+                <p:cNvSpPr/>
+                <p:nvPr/>
+              </p:nvSpPr>
+              <p:spPr>
+                <a:xfrm>
+                  <a:off x="6109920" y="1883674"/>
+                  <a:ext cx="857184" cy="456565"/>
+                </a:xfrm>
+                <a:prstGeom prst="roundRect">
+                  <a:avLst/>
+                </a:prstGeom>
+              </p:spPr>
+              <p:style>
+                <a:lnRef idx="2">
+                  <a:schemeClr val="accent6"/>
+                </a:lnRef>
+                <a:fillRef idx="1">
+                  <a:schemeClr val="lt1"/>
+                </a:fillRef>
+                <a:effectRef idx="0">
+                  <a:schemeClr val="accent6"/>
+                </a:effectRef>
+                <a:fontRef idx="minor">
+                  <a:schemeClr val="dk1"/>
+                </a:fontRef>
+              </p:style>
+              <p:txBody>
+                <a:bodyPr rot="0" spcFirstLastPara="0" vertOverflow="overflow" horzOverflow="overflow" vert="horz" wrap="square" lIns="36578" tIns="18289" rIns="36578" bIns="18289" numCol="1" spcCol="0" rtlCol="0" fromWordArt="0" anchor="ctr" anchorCtr="0" forceAA="0" compatLnSpc="1">
+                  <a:prstTxWarp prst="textNoShape">
+                    <a:avLst/>
+                  </a:prstTxWarp>
+                  <a:noAutofit/>
+                </a:bodyPr>
+                <a:lstStyle/>
+                <a:p>
+                  <a:pPr algn="ctr"/>
+                  <a:r>
+                    <a:rPr lang="en-SG" sz="900" b="1" dirty="0"/>
+                    <a:t>Select Client</a:t>
+                  </a:r>
+                </a:p>
+              </p:txBody>
+            </p:sp>
+            <p:sp>
+              <p:nvSpPr>
+                <p:cNvPr id="21" name="Rounded Rectangle 20"/>
+                <p:cNvSpPr/>
+                <p:nvPr/>
+              </p:nvSpPr>
+              <p:spPr>
+                <a:xfrm>
+                  <a:off x="7240783" y="1879915"/>
+                  <a:ext cx="990035" cy="456566"/>
+                </a:xfrm>
+                <a:prstGeom prst="roundRect">
+                  <a:avLst/>
+                </a:prstGeom>
+                <a:solidFill>
+                  <a:schemeClr val="bg1"/>
+                </a:solidFill>
+                <a:ln>
+                  <a:solidFill>
+                    <a:schemeClr val="accent6">
+                      <a:lumMod val="60000"/>
+                      <a:lumOff val="40000"/>
+                    </a:schemeClr>
+                  </a:solidFill>
+                </a:ln>
+              </p:spPr>
+              <p:style>
+                <a:lnRef idx="2">
+                  <a:schemeClr val="accent2">
+                    <a:shade val="50000"/>
+                  </a:schemeClr>
+                </a:lnRef>
+                <a:fillRef idx="1">
+                  <a:schemeClr val="accent2"/>
+                </a:fillRef>
+                <a:effectRef idx="0">
+                  <a:schemeClr val="accent2"/>
+                </a:effectRef>
+                <a:fontRef idx="minor">
+                  <a:schemeClr val="lt1"/>
+                </a:fontRef>
+              </p:style>
+              <p:txBody>
+                <a:bodyPr rot="0" spcFirstLastPara="0" vertOverflow="overflow" horzOverflow="overflow" vert="horz" wrap="square" lIns="36578" tIns="18289" rIns="36578" bIns="18289" numCol="1" spcCol="0" rtlCol="0" fromWordArt="0" anchor="ctr" anchorCtr="0" forceAA="0" compatLnSpc="1">
+                  <a:prstTxWarp prst="textNoShape">
+                    <a:avLst/>
+                  </a:prstTxWarp>
+                  <a:noAutofit/>
+                </a:bodyPr>
+                <a:lstStyle/>
+                <a:p>
+                  <a:pPr algn="ctr"/>
+                  <a:r>
+                    <a:rPr lang="en-SG" sz="900" b="1" dirty="0">
+                      <a:solidFill>
+                        <a:schemeClr val="tx1"/>
+                      </a:solidFill>
+                    </a:rPr>
+                    <a:t>View Client’s Appointment &amp; Admission details</a:t>
+                  </a:r>
+                </a:p>
+              </p:txBody>
+            </p:sp>
+            <p:cxnSp>
+              <p:nvCxnSpPr>
+                <p:cNvPr id="28" name="Straight Arrow Connector 27"/>
+                <p:cNvCxnSpPr>
+                  <a:stCxn id="13" idx="2"/>
+                  <a:endCxn id="15" idx="0"/>
+                </p:cNvCxnSpPr>
+                <p:nvPr/>
+              </p:nvCxnSpPr>
+              <p:spPr>
+                <a:xfrm flipH="1">
+                  <a:off x="2829367" y="4368245"/>
+                  <a:ext cx="3199" cy="234399"/>
+                </a:xfrm>
+                <a:prstGeom prst="straightConnector1">
+                  <a:avLst/>
+                </a:prstGeom>
+                <a:ln>
+                  <a:tailEnd type="triangle"/>
+                </a:ln>
+              </p:spPr>
+              <p:style>
+                <a:lnRef idx="1">
+                  <a:schemeClr val="accent2"/>
+                </a:lnRef>
+                <a:fillRef idx="0">
+                  <a:schemeClr val="accent2"/>
+                </a:fillRef>
+                <a:effectRef idx="0">
+                  <a:schemeClr val="accent2"/>
+                </a:effectRef>
+                <a:fontRef idx="minor">
+                  <a:schemeClr val="tx1"/>
+                </a:fontRef>
+              </p:style>
+            </p:cxnSp>
+            <p:cxnSp>
+              <p:nvCxnSpPr>
+                <p:cNvPr id="29" name="Straight Arrow Connector 28"/>
+                <p:cNvCxnSpPr>
+                  <a:stCxn id="15" idx="2"/>
+                  <a:endCxn id="17" idx="0"/>
+                </p:cNvCxnSpPr>
+                <p:nvPr/>
+              </p:nvCxnSpPr>
+              <p:spPr>
+                <a:xfrm flipH="1">
+                  <a:off x="2821720" y="5059209"/>
+                  <a:ext cx="7647" cy="1578829"/>
+                </a:xfrm>
+                <a:prstGeom prst="straightConnector1">
+                  <a:avLst/>
+                </a:prstGeom>
+                <a:ln>
+                  <a:tailEnd type="triangle"/>
+                </a:ln>
+              </p:spPr>
+              <p:style>
+                <a:lnRef idx="1">
+                  <a:schemeClr val="accent2"/>
+                </a:lnRef>
+                <a:fillRef idx="0">
+                  <a:schemeClr val="accent2"/>
+                </a:fillRef>
+                <a:effectRef idx="0">
+                  <a:schemeClr val="accent2"/>
+                </a:effectRef>
+                <a:fontRef idx="minor">
+                  <a:schemeClr val="tx1"/>
+                </a:fontRef>
+              </p:style>
+            </p:cxnSp>
+            <p:cxnSp>
+              <p:nvCxnSpPr>
+                <p:cNvPr id="45" name="Straight Arrow Connector 44"/>
+                <p:cNvCxnSpPr>
+                  <a:stCxn id="18" idx="3"/>
+                  <a:endCxn id="20" idx="1"/>
+                </p:cNvCxnSpPr>
+                <p:nvPr/>
+              </p:nvCxnSpPr>
+              <p:spPr>
+                <a:xfrm>
+                  <a:off x="5712897" y="2103941"/>
+                  <a:ext cx="397023" cy="8016"/>
+                </a:xfrm>
+                <a:prstGeom prst="straightConnector1">
+                  <a:avLst/>
+                </a:prstGeom>
+                <a:ln>
+                  <a:tailEnd type="triangle"/>
+                </a:ln>
+              </p:spPr>
+              <p:style>
+                <a:lnRef idx="1">
+                  <a:schemeClr val="accent2"/>
+                </a:lnRef>
+                <a:fillRef idx="0">
+                  <a:schemeClr val="accent2"/>
+                </a:fillRef>
+                <a:effectRef idx="0">
+                  <a:schemeClr val="accent2"/>
+                </a:effectRef>
+                <a:fontRef idx="minor">
+                  <a:schemeClr val="tx1"/>
+                </a:fontRef>
+              </p:style>
+            </p:cxnSp>
+            <p:cxnSp>
+              <p:nvCxnSpPr>
+                <p:cNvPr id="78" name="Straight Arrow Connector 77"/>
+                <p:cNvCxnSpPr>
+                  <a:stCxn id="14" idx="4"/>
+                  <a:endCxn id="526" idx="0"/>
+                </p:cNvCxnSpPr>
+                <p:nvPr/>
+              </p:nvCxnSpPr>
+              <p:spPr>
+                <a:xfrm>
+                  <a:off x="2830271" y="2711168"/>
+                  <a:ext cx="2979" cy="332968"/>
+                </a:xfrm>
+                <a:prstGeom prst="straightConnector1">
+                  <a:avLst/>
+                </a:prstGeom>
+                <a:ln>
+                  <a:tailEnd type="triangle"/>
+                </a:ln>
+              </p:spPr>
+              <p:style>
+                <a:lnRef idx="1">
+                  <a:schemeClr val="accent2"/>
+                </a:lnRef>
+                <a:fillRef idx="0">
+                  <a:schemeClr val="accent2"/>
+                </a:fillRef>
+                <a:effectRef idx="0">
+                  <a:schemeClr val="accent2"/>
+                </a:effectRef>
+                <a:fontRef idx="minor">
+                  <a:schemeClr val="tx1"/>
+                </a:fontRef>
+              </p:style>
+            </p:cxnSp>
+            <p:sp>
+              <p:nvSpPr>
+                <p:cNvPr id="5" name="Flowchart: Decision 4"/>
+                <p:cNvSpPr/>
+                <p:nvPr/>
+              </p:nvSpPr>
+              <p:spPr>
+                <a:xfrm>
+                  <a:off x="5192648" y="2961398"/>
+                  <a:ext cx="959868" cy="770738"/>
+                </a:xfrm>
+                <a:prstGeom prst="flowChartDecision">
+                  <a:avLst/>
+                </a:prstGeom>
+              </p:spPr>
+              <p:style>
+                <a:lnRef idx="2">
+                  <a:schemeClr val="accent6"/>
+                </a:lnRef>
+                <a:fillRef idx="1">
+                  <a:schemeClr val="lt1"/>
+                </a:fillRef>
+                <a:effectRef idx="0">
+                  <a:schemeClr val="accent6"/>
+                </a:effectRef>
+                <a:fontRef idx="minor">
+                  <a:schemeClr val="dk1"/>
+                </a:fontRef>
+              </p:style>
+              <p:txBody>
+                <a:bodyPr rtlCol="0" anchor="ctr"/>
+                <a:lstStyle/>
+                <a:p>
+                  <a:pPr algn="ctr"/>
+                  <a:endParaRPr lang="en-SG" sz="900" b="1" dirty="0"/>
+                </a:p>
+              </p:txBody>
+            </p:sp>
+            <p:cxnSp>
+              <p:nvCxnSpPr>
+                <p:cNvPr id="31" name="Elbow Connector 30"/>
+                <p:cNvCxnSpPr>
+                  <a:stCxn id="17" idx="3"/>
+                  <a:endCxn id="235" idx="2"/>
+                </p:cNvCxnSpPr>
+                <p:nvPr/>
+              </p:nvCxnSpPr>
+              <p:spPr>
+                <a:xfrm flipV="1">
+                  <a:off x="3312113" y="3655517"/>
+                  <a:ext cx="818849" cy="3210804"/>
+                </a:xfrm>
+                <a:prstGeom prst="bentConnector2">
+                  <a:avLst/>
+                </a:prstGeom>
+                <a:ln>
+                  <a:tailEnd type="triangle"/>
+                </a:ln>
+              </p:spPr>
+              <p:style>
+                <a:lnRef idx="1">
+                  <a:schemeClr val="accent2"/>
+                </a:lnRef>
+                <a:fillRef idx="0">
+                  <a:schemeClr val="accent2"/>
+                </a:fillRef>
+                <a:effectRef idx="0">
+                  <a:schemeClr val="accent2"/>
+                </a:effectRef>
+                <a:fontRef idx="minor">
+                  <a:schemeClr val="tx1"/>
+                </a:fontRef>
+              </p:style>
+            </p:cxnSp>
+            <p:sp>
+              <p:nvSpPr>
+                <p:cNvPr id="53" name="Rounded Rectangle 52"/>
+                <p:cNvSpPr/>
+                <p:nvPr/>
+              </p:nvSpPr>
+              <p:spPr>
+                <a:xfrm>
+                  <a:off x="4508049" y="3173969"/>
+                  <a:ext cx="456861" cy="158086"/>
+                </a:xfrm>
+                <a:prstGeom prst="roundRect">
+                  <a:avLst/>
+                </a:prstGeom>
+                <a:noFill/>
+                <a:ln>
+                  <a:noFill/>
+                </a:ln>
+              </p:spPr>
+              <p:style>
+                <a:lnRef idx="2">
+                  <a:schemeClr val="accent6"/>
+                </a:lnRef>
+                <a:fillRef idx="1">
+                  <a:schemeClr val="lt1"/>
+                </a:fillRef>
+                <a:effectRef idx="0">
+                  <a:schemeClr val="accent6"/>
+                </a:effectRef>
+                <a:fontRef idx="minor">
+                  <a:schemeClr val="dk1"/>
+                </a:fontRef>
+              </p:style>
+              <p:txBody>
+                <a:bodyPr rot="0" spcFirstLastPara="0" vertOverflow="overflow" horzOverflow="overflow" vert="horz" wrap="square" lIns="36578" tIns="18289" rIns="36578" bIns="18289" numCol="1" spcCol="0" rtlCol="0" fromWordArt="0" anchor="ctr" anchorCtr="0" forceAA="0" compatLnSpc="1">
+                  <a:prstTxWarp prst="textNoShape">
+                    <a:avLst/>
+                  </a:prstTxWarp>
+                  <a:noAutofit/>
+                </a:bodyPr>
+                <a:lstStyle/>
+                <a:p>
+                  <a:pPr algn="ctr"/>
+                  <a:r>
+                    <a:rPr lang="en-SG" sz="900" b="1" dirty="0"/>
+                    <a:t>Report</a:t>
+                  </a:r>
+                </a:p>
+              </p:txBody>
+            </p:sp>
+            <p:sp>
+              <p:nvSpPr>
+                <p:cNvPr id="150" name="Flowchart: Decision 149"/>
+                <p:cNvSpPr/>
+                <p:nvPr/>
+              </p:nvSpPr>
+              <p:spPr>
+                <a:xfrm>
+                  <a:off x="10381808" y="2612649"/>
+                  <a:ext cx="865466" cy="615045"/>
+                </a:xfrm>
+                <a:prstGeom prst="flowChartDecision">
+                  <a:avLst/>
+                </a:prstGeom>
+              </p:spPr>
+              <p:style>
+                <a:lnRef idx="2">
+                  <a:schemeClr val="accent6"/>
+                </a:lnRef>
+                <a:fillRef idx="1">
+                  <a:schemeClr val="lt1"/>
+                </a:fillRef>
+                <a:effectRef idx="0">
+                  <a:schemeClr val="accent6"/>
+                </a:effectRef>
+                <a:fontRef idx="minor">
+                  <a:schemeClr val="dk1"/>
+                </a:fontRef>
+              </p:style>
+              <p:txBody>
+                <a:bodyPr rtlCol="0" anchor="ctr"/>
+                <a:lstStyle/>
+                <a:p>
+                  <a:pPr algn="ctr"/>
+                  <a:endParaRPr lang="en-SG" sz="500" b="1" dirty="0"/>
+                </a:p>
+              </p:txBody>
+            </p:sp>
+            <p:sp>
+              <p:nvSpPr>
+                <p:cNvPr id="157" name="Rounded Rectangle 156"/>
+                <p:cNvSpPr/>
+                <p:nvPr/>
+              </p:nvSpPr>
+              <p:spPr>
+                <a:xfrm>
+                  <a:off x="11194438" y="2731075"/>
+                  <a:ext cx="259716" cy="182254"/>
+                </a:xfrm>
+                <a:prstGeom prst="roundRect">
+                  <a:avLst/>
+                </a:prstGeom>
+                <a:noFill/>
+                <a:ln>
+                  <a:noFill/>
+                </a:ln>
+              </p:spPr>
+              <p:style>
+                <a:lnRef idx="2">
+                  <a:schemeClr val="accent6"/>
+                </a:lnRef>
+                <a:fillRef idx="1">
+                  <a:schemeClr val="lt1"/>
+                </a:fillRef>
+                <a:effectRef idx="0">
+                  <a:schemeClr val="accent6"/>
+                </a:effectRef>
+                <a:fontRef idx="minor">
+                  <a:schemeClr val="dk1"/>
+                </a:fontRef>
+              </p:style>
+              <p:txBody>
+                <a:bodyPr rot="0" spcFirstLastPara="0" vertOverflow="overflow" horzOverflow="overflow" vert="horz" wrap="square" lIns="36578" tIns="18289" rIns="36578" bIns="18289" numCol="1" spcCol="0" rtlCol="0" fromWordArt="0" anchor="ctr" anchorCtr="0" forceAA="0" compatLnSpc="1">
+                  <a:prstTxWarp prst="textNoShape">
+                    <a:avLst/>
+                  </a:prstTxWarp>
+                  <a:noAutofit/>
+                </a:bodyPr>
+                <a:lstStyle/>
+                <a:p>
+                  <a:pPr algn="ctr"/>
+                  <a:r>
+                    <a:rPr lang="en-SG" sz="900" b="1" dirty="0"/>
+                    <a:t>No</a:t>
+                  </a:r>
+                  <a:endParaRPr lang="en-SG" sz="720" b="1" dirty="0"/>
+                </a:p>
+              </p:txBody>
+            </p:sp>
+            <p:sp>
+              <p:nvSpPr>
+                <p:cNvPr id="158" name="Rounded Rectangle 157"/>
+                <p:cNvSpPr/>
+                <p:nvPr/>
+              </p:nvSpPr>
+              <p:spPr>
+                <a:xfrm>
+                  <a:off x="10498216" y="3184108"/>
+                  <a:ext cx="259716" cy="182254"/>
+                </a:xfrm>
+                <a:prstGeom prst="roundRect">
+                  <a:avLst/>
+                </a:prstGeom>
+                <a:noFill/>
+                <a:ln>
+                  <a:noFill/>
+                </a:ln>
+              </p:spPr>
+              <p:style>
+                <a:lnRef idx="2">
+                  <a:schemeClr val="accent6"/>
+                </a:lnRef>
+                <a:fillRef idx="1">
+                  <a:schemeClr val="lt1"/>
+                </a:fillRef>
+                <a:effectRef idx="0">
+                  <a:schemeClr val="accent6"/>
+                </a:effectRef>
+                <a:fontRef idx="minor">
+                  <a:schemeClr val="dk1"/>
+                </a:fontRef>
+              </p:style>
+              <p:txBody>
+                <a:bodyPr rot="0" spcFirstLastPara="0" vertOverflow="overflow" horzOverflow="overflow" vert="horz" wrap="square" lIns="36578" tIns="18289" rIns="36578" bIns="18289" numCol="1" spcCol="0" rtlCol="0" fromWordArt="0" anchor="ctr" anchorCtr="0" forceAA="0" compatLnSpc="1">
+                  <a:prstTxWarp prst="textNoShape">
+                    <a:avLst/>
+                  </a:prstTxWarp>
+                  <a:noAutofit/>
+                </a:bodyPr>
+                <a:lstStyle/>
+                <a:p>
+                  <a:pPr algn="ctr"/>
+                  <a:r>
+                    <a:rPr lang="en-SG" sz="900" b="1" dirty="0"/>
+                    <a:t>Yes</a:t>
+                  </a:r>
+                  <a:endParaRPr lang="en-SG" sz="720" b="1" dirty="0"/>
+                </a:p>
+              </p:txBody>
+            </p:sp>
+            <p:sp>
+              <p:nvSpPr>
+                <p:cNvPr id="172" name="Rounded Rectangle 171"/>
+                <p:cNvSpPr/>
+                <p:nvPr/>
+              </p:nvSpPr>
+              <p:spPr>
+                <a:xfrm>
+                  <a:off x="10499549" y="3554595"/>
+                  <a:ext cx="632652" cy="435941"/>
+                </a:xfrm>
+                <a:prstGeom prst="roundRect">
+                  <a:avLst/>
+                </a:prstGeom>
+              </p:spPr>
+              <p:style>
+                <a:lnRef idx="2">
+                  <a:schemeClr val="accent6"/>
+                </a:lnRef>
+                <a:fillRef idx="1">
+                  <a:schemeClr val="lt1"/>
+                </a:fillRef>
+                <a:effectRef idx="0">
+                  <a:schemeClr val="accent6"/>
+                </a:effectRef>
+                <a:fontRef idx="minor">
+                  <a:schemeClr val="dk1"/>
+                </a:fontRef>
+              </p:style>
+              <p:txBody>
+                <a:bodyPr rot="0" spcFirstLastPara="0" vertOverflow="overflow" horzOverflow="overflow" vert="horz" wrap="square" lIns="36578" tIns="18289" rIns="36578" bIns="18289" numCol="1" spcCol="0" rtlCol="0" fromWordArt="0" anchor="ctr" anchorCtr="0" forceAA="0" compatLnSpc="1">
+                  <a:prstTxWarp prst="textNoShape">
+                    <a:avLst/>
+                  </a:prstTxWarp>
+                  <a:noAutofit/>
+                </a:bodyPr>
+                <a:lstStyle/>
+                <a:p>
+                  <a:pPr algn="ctr"/>
+                  <a:r>
+                    <a:rPr lang="en-SG" sz="900" b="1" dirty="0"/>
+                    <a:t>Follow up with client</a:t>
+                  </a:r>
+                </a:p>
+              </p:txBody>
+            </p:sp>
+            <p:grpSp>
+              <p:nvGrpSpPr>
+                <p:cNvPr id="234" name="Group 233"/>
+                <p:cNvGrpSpPr/>
+                <p:nvPr/>
+              </p:nvGrpSpPr>
+              <p:grpSpPr>
+                <a:xfrm>
+                  <a:off x="3698229" y="3040472"/>
+                  <a:ext cx="865466" cy="615045"/>
+                  <a:chOff x="9467962" y="2481252"/>
+                  <a:chExt cx="959868" cy="770738"/>
+                </a:xfrm>
+              </p:grpSpPr>
+              <p:sp>
+                <p:nvSpPr>
+                  <p:cNvPr id="235" name="Flowchart: Decision 234"/>
+                  <p:cNvSpPr/>
+                  <p:nvPr/>
+                </p:nvSpPr>
+                <p:spPr>
+                  <a:xfrm>
+                    <a:off x="9467962" y="2481252"/>
+                    <a:ext cx="959868" cy="770738"/>
+                  </a:xfrm>
+                  <a:prstGeom prst="flowChartDecision">
+                    <a:avLst/>
+                  </a:prstGeom>
+                </p:spPr>
+                <p:style>
+                  <a:lnRef idx="2">
+                    <a:schemeClr val="accent6"/>
+                  </a:lnRef>
+                  <a:fillRef idx="1">
+                    <a:schemeClr val="lt1"/>
+                  </a:fillRef>
+                  <a:effectRef idx="0">
+                    <a:schemeClr val="accent6"/>
+                  </a:effectRef>
+                  <a:fontRef idx="minor">
+                    <a:schemeClr val="dk1"/>
+                  </a:fontRef>
+                </p:style>
+                <p:txBody>
+                  <a:bodyPr rtlCol="0" anchor="ctr"/>
+                  <a:lstStyle/>
+                  <a:p>
+                    <a:pPr algn="ctr"/>
+                    <a:endParaRPr lang="en-SG" sz="500" b="1" dirty="0"/>
+                  </a:p>
+                </p:txBody>
+              </p:sp>
+              <p:sp>
+                <p:nvSpPr>
+                  <p:cNvPr id="236" name="Rounded Rectangle 235"/>
+                  <p:cNvSpPr/>
+                  <p:nvPr/>
+                </p:nvSpPr>
+                <p:spPr>
+                  <a:xfrm>
+                    <a:off x="9637895" y="2609140"/>
+                    <a:ext cx="661658" cy="511518"/>
+                  </a:xfrm>
+                  <a:prstGeom prst="roundRect">
+                    <a:avLst/>
+                  </a:prstGeom>
+                  <a:noFill/>
+                  <a:ln>
+                    <a:noFill/>
+                  </a:ln>
+                </p:spPr>
+                <p:style>
+                  <a:lnRef idx="2">
+                    <a:schemeClr val="accent6"/>
+                  </a:lnRef>
+                  <a:fillRef idx="1">
+                    <a:schemeClr val="lt1"/>
+                  </a:fillRef>
+                  <a:effectRef idx="0">
+                    <a:schemeClr val="accent6"/>
+                  </a:effectRef>
+                  <a:fontRef idx="minor">
+                    <a:schemeClr val="dk1"/>
+                  </a:fontRef>
+                </p:style>
+                <p:txBody>
+                  <a:bodyPr rot="0" spcFirstLastPara="0" vertOverflow="overflow" horzOverflow="overflow" vert="horz" wrap="square" lIns="36578" tIns="18289" rIns="36578" bIns="18289" numCol="1" spcCol="0" rtlCol="0" fromWordArt="0" anchor="ctr" anchorCtr="0" forceAA="0" compatLnSpc="1">
+                    <a:prstTxWarp prst="textNoShape">
+                      <a:avLst/>
+                    </a:prstTxWarp>
+                    <a:noAutofit/>
+                  </a:bodyPr>
+                  <a:lstStyle/>
+                  <a:p>
+                    <a:pPr algn="ctr"/>
+                    <a:r>
+                      <a:rPr lang="en-SG" sz="900" b="1" dirty="0"/>
+                      <a:t>View Report or Client?</a:t>
+                    </a:r>
+                  </a:p>
+                </p:txBody>
+              </p:sp>
+            </p:grpSp>
+            <p:sp>
+              <p:nvSpPr>
+                <p:cNvPr id="254" name="Rounded Rectangle 253"/>
+                <p:cNvSpPr/>
+                <p:nvPr/>
+              </p:nvSpPr>
+              <p:spPr>
+                <a:xfrm>
+                  <a:off x="3752268" y="2827245"/>
+                  <a:ext cx="426088" cy="245393"/>
+                </a:xfrm>
+                <a:prstGeom prst="roundRect">
+                  <a:avLst/>
+                </a:prstGeom>
+                <a:noFill/>
+                <a:ln>
+                  <a:noFill/>
+                </a:ln>
+              </p:spPr>
+              <p:style>
+                <a:lnRef idx="2">
+                  <a:schemeClr val="accent6"/>
+                </a:lnRef>
+                <a:fillRef idx="1">
+                  <a:schemeClr val="lt1"/>
+                </a:fillRef>
+                <a:effectRef idx="0">
+                  <a:schemeClr val="accent6"/>
+                </a:effectRef>
+                <a:fontRef idx="minor">
+                  <a:schemeClr val="dk1"/>
+                </a:fontRef>
+              </p:style>
+              <p:txBody>
+                <a:bodyPr rot="0" spcFirstLastPara="0" vertOverflow="overflow" horzOverflow="overflow" vert="horz" wrap="square" lIns="36578" tIns="18289" rIns="36578" bIns="18289" numCol="1" spcCol="0" rtlCol="0" fromWordArt="0" anchor="ctr" anchorCtr="0" forceAA="0" compatLnSpc="1">
+                  <a:prstTxWarp prst="textNoShape">
+                    <a:avLst/>
+                  </a:prstTxWarp>
+                  <a:noAutofit/>
+                </a:bodyPr>
+                <a:lstStyle/>
+                <a:p>
+                  <a:pPr algn="ctr"/>
+                  <a:r>
+                    <a:rPr lang="en-SG" sz="900" b="1" dirty="0"/>
+                    <a:t>Client</a:t>
+                  </a:r>
+                  <a:endParaRPr lang="en-SG" sz="720" b="1" dirty="0"/>
+                </a:p>
+              </p:txBody>
+            </p:sp>
+            <p:cxnSp>
+              <p:nvCxnSpPr>
+                <p:cNvPr id="280" name="Elbow Connector 279"/>
+                <p:cNvCxnSpPr>
+                  <a:stCxn id="235" idx="3"/>
+                  <a:endCxn id="5" idx="1"/>
+                </p:cNvCxnSpPr>
+                <p:nvPr/>
+              </p:nvCxnSpPr>
+              <p:spPr>
+                <a:xfrm flipV="1">
+                  <a:off x="4563695" y="3346767"/>
+                  <a:ext cx="628953" cy="1228"/>
+                </a:xfrm>
+                <a:prstGeom prst="straightConnector1">
+                  <a:avLst/>
+                </a:prstGeom>
+                <a:ln>
+                  <a:tailEnd type="triangle"/>
+                </a:ln>
+              </p:spPr>
+              <p:style>
+                <a:lnRef idx="1">
+                  <a:schemeClr val="accent2"/>
+                </a:lnRef>
+                <a:fillRef idx="0">
+                  <a:schemeClr val="accent2"/>
+                </a:fillRef>
+                <a:effectRef idx="0">
+                  <a:schemeClr val="accent2"/>
+                </a:effectRef>
+                <a:fontRef idx="minor">
+                  <a:schemeClr val="tx1"/>
+                </a:fontRef>
+              </p:style>
+            </p:cxnSp>
+            <p:cxnSp>
+              <p:nvCxnSpPr>
+                <p:cNvPr id="386" name="Elbow Connector 385"/>
+                <p:cNvCxnSpPr>
+                  <a:stCxn id="20" idx="3"/>
+                  <a:endCxn id="21" idx="1"/>
+                </p:cNvCxnSpPr>
+                <p:nvPr/>
+              </p:nvCxnSpPr>
+              <p:spPr>
+                <a:xfrm flipV="1">
+                  <a:off x="6967104" y="2108198"/>
+                  <a:ext cx="273679" cy="3759"/>
+                </a:xfrm>
+                <a:prstGeom prst="straightConnector1">
+                  <a:avLst/>
+                </a:prstGeom>
+                <a:ln>
+                  <a:tailEnd type="triangle"/>
+                </a:ln>
+              </p:spPr>
+              <p:style>
+                <a:lnRef idx="1">
+                  <a:schemeClr val="accent2"/>
+                </a:lnRef>
+                <a:fillRef idx="0">
+                  <a:schemeClr val="accent2"/>
+                </a:fillRef>
+                <a:effectRef idx="0">
+                  <a:schemeClr val="accent2"/>
+                </a:effectRef>
+                <a:fontRef idx="minor">
+                  <a:schemeClr val="tx1"/>
+                </a:fontRef>
+              </p:style>
+            </p:cxnSp>
+            <p:cxnSp>
+              <p:nvCxnSpPr>
+                <p:cNvPr id="400" name="Straight Arrow Connector 399"/>
+                <p:cNvCxnSpPr>
+                  <a:stCxn id="5" idx="2"/>
+                  <a:endCxn id="328" idx="0"/>
+                </p:cNvCxnSpPr>
+                <p:nvPr/>
+              </p:nvCxnSpPr>
+              <p:spPr>
+                <a:xfrm>
+                  <a:off x="5672582" y="3732136"/>
+                  <a:ext cx="209" cy="591654"/>
+                </a:xfrm>
+                <a:prstGeom prst="straightConnector1">
+                  <a:avLst/>
+                </a:prstGeom>
+                <a:ln>
+                  <a:tailEnd type="triangle"/>
+                </a:ln>
+              </p:spPr>
+              <p:style>
+                <a:lnRef idx="1">
+                  <a:schemeClr val="accent2"/>
+                </a:lnRef>
+                <a:fillRef idx="0">
+                  <a:schemeClr val="accent2"/>
+                </a:fillRef>
+                <a:effectRef idx="0">
+                  <a:schemeClr val="accent2"/>
+                </a:effectRef>
+                <a:fontRef idx="minor">
+                  <a:schemeClr val="tx1"/>
+                </a:fontRef>
+              </p:style>
+            </p:cxnSp>
+            <p:grpSp>
+              <p:nvGrpSpPr>
+                <p:cNvPr id="425" name="Group 424"/>
+                <p:cNvGrpSpPr/>
+                <p:nvPr/>
+              </p:nvGrpSpPr>
+              <p:grpSpPr>
+                <a:xfrm>
+                  <a:off x="11762634" y="2814265"/>
+                  <a:ext cx="506819" cy="184501"/>
+                  <a:chOff x="15248455" y="5023429"/>
+                  <a:chExt cx="506819" cy="184501"/>
+                </a:xfrm>
+              </p:grpSpPr>
+              <p:sp>
+                <p:nvSpPr>
+                  <p:cNvPr id="426" name="Oval 425"/>
+                  <p:cNvSpPr/>
+                  <p:nvPr/>
+                </p:nvSpPr>
+                <p:spPr>
+                  <a:xfrm>
+                    <a:off x="15248455" y="5064733"/>
+                    <a:ext cx="128784" cy="133775"/>
+                  </a:xfrm>
+                  <a:prstGeom prst="ellipse">
+                    <a:avLst/>
+                  </a:prstGeom>
+                </p:spPr>
+                <p:style>
+                  <a:lnRef idx="2">
+                    <a:schemeClr val="accent6"/>
+                  </a:lnRef>
+                  <a:fillRef idx="1">
+                    <a:schemeClr val="lt1"/>
+                  </a:fillRef>
+                  <a:effectRef idx="0">
+                    <a:schemeClr val="accent6"/>
+                  </a:effectRef>
+                  <a:fontRef idx="minor">
+                    <a:schemeClr val="dk1"/>
+                  </a:fontRef>
+                </p:style>
+                <p:txBody>
+                  <a:bodyPr rot="0" spcFirstLastPara="0" vertOverflow="overflow" horzOverflow="overflow" vert="horz" wrap="square" lIns="36578" tIns="18289" rIns="36578" bIns="18289" numCol="1" spcCol="0" rtlCol="0" fromWordArt="0" anchor="ctr" anchorCtr="0" forceAA="0" compatLnSpc="1">
+                    <a:prstTxWarp prst="textNoShape">
+                      <a:avLst/>
+                    </a:prstTxWarp>
+                    <a:noAutofit/>
+                  </a:bodyPr>
+                  <a:lstStyle/>
+                  <a:p>
+                    <a:pPr algn="ctr"/>
+                    <a:endParaRPr lang="en-SG" sz="720" b="1"/>
+                  </a:p>
+                </p:txBody>
+              </p:sp>
+              <p:sp>
+                <p:nvSpPr>
+                  <p:cNvPr id="427" name="Rounded Rectangle 426"/>
+                  <p:cNvSpPr/>
+                  <p:nvPr/>
+                </p:nvSpPr>
+                <p:spPr>
+                  <a:xfrm>
+                    <a:off x="15290997" y="5023429"/>
+                    <a:ext cx="464277" cy="184501"/>
+                  </a:xfrm>
+                  <a:prstGeom prst="roundRect">
+                    <a:avLst/>
+                  </a:prstGeom>
+                  <a:noFill/>
+                  <a:ln>
+                    <a:noFill/>
+                  </a:ln>
+                </p:spPr>
+                <p:style>
+                  <a:lnRef idx="2">
+                    <a:schemeClr val="accent6"/>
+                  </a:lnRef>
+                  <a:fillRef idx="1">
+                    <a:schemeClr val="lt1"/>
+                  </a:fillRef>
+                  <a:effectRef idx="0">
+                    <a:schemeClr val="accent6"/>
+                  </a:effectRef>
+                  <a:fontRef idx="minor">
+                    <a:schemeClr val="dk1"/>
+                  </a:fontRef>
+                </p:style>
+                <p:txBody>
+                  <a:bodyPr rot="0" spcFirstLastPara="0" vertOverflow="overflow" horzOverflow="overflow" vert="horz" wrap="square" lIns="36578" tIns="18289" rIns="36578" bIns="18289" numCol="1" spcCol="0" rtlCol="0" fromWordArt="0" anchor="ctr" anchorCtr="0" forceAA="0" compatLnSpc="1">
+                    <a:prstTxWarp prst="textNoShape">
+                      <a:avLst/>
+                    </a:prstTxWarp>
+                    <a:noAutofit/>
+                  </a:bodyPr>
+                  <a:lstStyle/>
+                  <a:p>
+                    <a:pPr algn="ctr"/>
+                    <a:r>
+                      <a:rPr lang="en-SG" sz="900" b="1" dirty="0"/>
+                      <a:t>End</a:t>
+                    </a:r>
+                  </a:p>
+                </p:txBody>
+              </p:sp>
+            </p:grpSp>
+            <p:sp>
+              <p:nvSpPr>
+                <p:cNvPr id="434" name="Rounded Rectangle 433"/>
+                <p:cNvSpPr/>
+                <p:nvPr/>
+              </p:nvSpPr>
+              <p:spPr>
+                <a:xfrm>
+                  <a:off x="6150964" y="3181180"/>
+                  <a:ext cx="555632" cy="223183"/>
+                </a:xfrm>
+                <a:prstGeom prst="roundRect">
+                  <a:avLst/>
+                </a:prstGeom>
+                <a:noFill/>
+                <a:ln>
+                  <a:noFill/>
+                </a:ln>
+              </p:spPr>
+              <p:style>
+                <a:lnRef idx="2">
+                  <a:schemeClr val="accent6"/>
+                </a:lnRef>
+                <a:fillRef idx="1">
+                  <a:schemeClr val="lt1"/>
+                </a:fillRef>
+                <a:effectRef idx="0">
+                  <a:schemeClr val="accent6"/>
+                </a:effectRef>
+                <a:fontRef idx="minor">
+                  <a:schemeClr val="dk1"/>
+                </a:fontRef>
+              </p:style>
+              <p:txBody>
+                <a:bodyPr rot="0" spcFirstLastPara="0" vertOverflow="overflow" horzOverflow="overflow" vert="horz" wrap="square" lIns="36578" tIns="18289" rIns="36578" bIns="18289" numCol="1" spcCol="0" rtlCol="0" fromWordArt="0" anchor="ctr" anchorCtr="0" forceAA="0" compatLnSpc="1">
+                  <a:prstTxWarp prst="textNoShape">
+                    <a:avLst/>
+                  </a:prstTxWarp>
+                  <a:noAutofit/>
+                </a:bodyPr>
+                <a:lstStyle/>
+                <a:p>
+                  <a:pPr algn="ctr"/>
+                  <a:r>
+                    <a:rPr lang="en-SG" sz="900" b="1" dirty="0"/>
+                    <a:t>Overview</a:t>
+                  </a:r>
+                </a:p>
+              </p:txBody>
+            </p:sp>
+            <p:sp>
+              <p:nvSpPr>
+                <p:cNvPr id="440" name="Rounded Rectangle 439"/>
+                <p:cNvSpPr/>
+                <p:nvPr/>
+              </p:nvSpPr>
+              <p:spPr>
+                <a:xfrm>
+                  <a:off x="7240784" y="4646750"/>
+                  <a:ext cx="295977" cy="102936"/>
+                </a:xfrm>
+                <a:prstGeom prst="roundRect">
+                  <a:avLst/>
+                </a:prstGeom>
+                <a:noFill/>
+                <a:ln>
+                  <a:noFill/>
+                </a:ln>
+              </p:spPr>
+              <p:style>
+                <a:lnRef idx="2">
+                  <a:schemeClr val="accent6"/>
+                </a:lnRef>
+                <a:fillRef idx="1">
+                  <a:schemeClr val="lt1"/>
+                </a:fillRef>
+                <a:effectRef idx="0">
+                  <a:schemeClr val="accent6"/>
+                </a:effectRef>
+                <a:fontRef idx="minor">
+                  <a:schemeClr val="dk1"/>
+                </a:fontRef>
+              </p:style>
+              <p:txBody>
+                <a:bodyPr rot="0" spcFirstLastPara="0" vertOverflow="overflow" horzOverflow="overflow" vert="horz" wrap="square" lIns="36578" tIns="18289" rIns="36578" bIns="18289" numCol="1" spcCol="0" rtlCol="0" fromWordArt="0" anchor="ctr" anchorCtr="0" forceAA="0" compatLnSpc="1">
+                  <a:prstTxWarp prst="textNoShape">
+                    <a:avLst/>
+                  </a:prstTxWarp>
+                  <a:noAutofit/>
+                </a:bodyPr>
+                <a:lstStyle/>
+                <a:p>
+                  <a:pPr algn="ctr"/>
+                  <a:r>
+                    <a:rPr lang="en-SG" sz="900" b="1" dirty="0"/>
+                    <a:t>No</a:t>
+                  </a:r>
+                </a:p>
+              </p:txBody>
+            </p:sp>
+            <p:cxnSp>
+              <p:nvCxnSpPr>
+                <p:cNvPr id="453" name="Straight Arrow Connector 452"/>
+                <p:cNvCxnSpPr>
+                  <a:stCxn id="328" idx="2"/>
+                  <a:endCxn id="332" idx="0"/>
+                </p:cNvCxnSpPr>
+                <p:nvPr/>
+              </p:nvCxnSpPr>
+              <p:spPr>
+                <a:xfrm flipH="1">
+                  <a:off x="5665347" y="4780355"/>
+                  <a:ext cx="7444" cy="361454"/>
+                </a:xfrm>
+                <a:prstGeom prst="straightConnector1">
+                  <a:avLst/>
+                </a:prstGeom>
+                <a:ln>
+                  <a:tailEnd type="triangle"/>
+                </a:ln>
+              </p:spPr>
+              <p:style>
+                <a:lnRef idx="1">
+                  <a:schemeClr val="accent2"/>
+                </a:lnRef>
+                <a:fillRef idx="0">
+                  <a:schemeClr val="accent2"/>
+                </a:fillRef>
+                <a:effectRef idx="0">
+                  <a:schemeClr val="accent2"/>
+                </a:effectRef>
+                <a:fontRef idx="minor">
+                  <a:schemeClr val="tx1"/>
+                </a:fontRef>
+              </p:style>
+            </p:cxnSp>
+            <p:cxnSp>
+              <p:nvCxnSpPr>
+                <p:cNvPr id="480" name="Straight Arrow Connector 479"/>
+                <p:cNvCxnSpPr>
+                  <a:stCxn id="332" idx="2"/>
+                  <a:endCxn id="483" idx="0"/>
+                </p:cNvCxnSpPr>
+                <p:nvPr/>
+              </p:nvCxnSpPr>
+              <p:spPr>
+                <a:xfrm flipH="1">
+                  <a:off x="5660830" y="5598374"/>
+                  <a:ext cx="4517" cy="1053573"/>
+                </a:xfrm>
+                <a:prstGeom prst="straightConnector1">
+                  <a:avLst/>
+                </a:prstGeom>
+                <a:ln>
+                  <a:tailEnd type="triangle"/>
+                </a:ln>
+              </p:spPr>
+              <p:style>
+                <a:lnRef idx="1">
+                  <a:schemeClr val="accent2"/>
+                </a:lnRef>
+                <a:fillRef idx="0">
+                  <a:schemeClr val="accent2"/>
+                </a:fillRef>
+                <a:effectRef idx="0">
+                  <a:schemeClr val="accent2"/>
+                </a:effectRef>
+                <a:fontRef idx="minor">
+                  <a:schemeClr val="tx1"/>
+                </a:fontRef>
+              </p:style>
+            </p:cxnSp>
+            <p:sp>
+              <p:nvSpPr>
+                <p:cNvPr id="483" name="Rounded Rectangle 482"/>
+                <p:cNvSpPr/>
+                <p:nvPr/>
+              </p:nvSpPr>
+              <p:spPr>
+                <a:xfrm>
+                  <a:off x="5232238" y="6651947"/>
+                  <a:ext cx="857184" cy="456565"/>
+                </a:xfrm>
+                <a:prstGeom prst="roundRect">
+                  <a:avLst/>
+                </a:prstGeom>
+                <a:solidFill>
+                  <a:schemeClr val="bg1"/>
+                </a:solidFill>
+                <a:ln>
+                  <a:solidFill>
+                    <a:schemeClr val="accent6"/>
+                  </a:solidFill>
+                </a:ln>
+              </p:spPr>
+              <p:style>
+                <a:lnRef idx="2">
+                  <a:schemeClr val="accent2">
+                    <a:shade val="50000"/>
+                  </a:schemeClr>
+                </a:lnRef>
+                <a:fillRef idx="1">
+                  <a:schemeClr val="accent2"/>
+                </a:fillRef>
+                <a:effectRef idx="0">
+                  <a:schemeClr val="accent2"/>
+                </a:effectRef>
+                <a:fontRef idx="minor">
+                  <a:schemeClr val="lt1"/>
+                </a:fontRef>
+              </p:style>
+              <p:txBody>
+                <a:bodyPr rot="0" spcFirstLastPara="0" vertOverflow="overflow" horzOverflow="overflow" vert="horz" wrap="square" lIns="36578" tIns="18289" rIns="36578" bIns="18289" numCol="1" spcCol="0" rtlCol="0" fromWordArt="0" anchor="ctr" anchorCtr="0" forceAA="0" compatLnSpc="1">
+                  <a:prstTxWarp prst="textNoShape">
+                    <a:avLst/>
+                  </a:prstTxWarp>
+                  <a:noAutofit/>
+                </a:bodyPr>
+                <a:lstStyle/>
+                <a:p>
+                  <a:pPr algn="ctr"/>
+                  <a:r>
+                    <a:rPr lang="en-SG" sz="900" b="1" dirty="0">
+                      <a:solidFill>
+                        <a:schemeClr val="tx1"/>
+                      </a:solidFill>
+                    </a:rPr>
+                    <a:t>Generate Report</a:t>
+                  </a:r>
+                </a:p>
+              </p:txBody>
+            </p:sp>
+            <p:sp>
+              <p:nvSpPr>
+                <p:cNvPr id="523" name="Rounded Rectangle 522"/>
+                <p:cNvSpPr/>
+                <p:nvPr/>
+              </p:nvSpPr>
+              <p:spPr>
+                <a:xfrm>
+                  <a:off x="2241395" y="2379350"/>
+                  <a:ext cx="1246459" cy="169134"/>
+                </a:xfrm>
+                <a:prstGeom prst="roundRect">
+                  <a:avLst/>
+                </a:prstGeom>
+                <a:noFill/>
+                <a:ln>
+                  <a:noFill/>
+                </a:ln>
+              </p:spPr>
+              <p:style>
+                <a:lnRef idx="2">
+                  <a:schemeClr val="accent6"/>
+                </a:lnRef>
+                <a:fillRef idx="1">
+                  <a:schemeClr val="lt1"/>
+                </a:fillRef>
+                <a:effectRef idx="0">
+                  <a:schemeClr val="accent6"/>
+                </a:effectRef>
+                <a:fontRef idx="minor">
+                  <a:schemeClr val="dk1"/>
+                </a:fontRef>
+              </p:style>
+              <p:txBody>
+                <a:bodyPr rot="0" spcFirstLastPara="0" vertOverflow="overflow" horzOverflow="overflow" vert="horz" wrap="square" lIns="36578" tIns="18289" rIns="36578" bIns="18289" numCol="1" spcCol="0" rtlCol="0" fromWordArt="0" anchor="ctr" anchorCtr="0" forceAA="0" compatLnSpc="1">
+                  <a:prstTxWarp prst="textNoShape">
+                    <a:avLst/>
+                  </a:prstTxWarp>
+                  <a:noAutofit/>
+                </a:bodyPr>
+                <a:lstStyle/>
+                <a:p>
+                  <a:pPr algn="ctr"/>
+                  <a:r>
+                    <a:rPr lang="en-SG" sz="900" b="1" dirty="0"/>
+                    <a:t>Start</a:t>
+                  </a:r>
+                </a:p>
+              </p:txBody>
+            </p:sp>
+            <p:grpSp>
+              <p:nvGrpSpPr>
+                <p:cNvPr id="525" name="Group 524"/>
+                <p:cNvGrpSpPr/>
+                <p:nvPr/>
+              </p:nvGrpSpPr>
+              <p:grpSpPr>
+                <a:xfrm>
+                  <a:off x="2400517" y="3044136"/>
+                  <a:ext cx="865466" cy="615045"/>
+                  <a:chOff x="9187204" y="4291994"/>
+                  <a:chExt cx="959868" cy="770738"/>
+                </a:xfrm>
+              </p:grpSpPr>
+              <p:sp>
+                <p:nvSpPr>
+                  <p:cNvPr id="526" name="Flowchart: Decision 525"/>
+                  <p:cNvSpPr/>
+                  <p:nvPr/>
+                </p:nvSpPr>
+                <p:spPr>
+                  <a:xfrm>
+                    <a:off x="9187204" y="4291994"/>
+                    <a:ext cx="959868" cy="770738"/>
+                  </a:xfrm>
+                  <a:prstGeom prst="flowChartDecision">
+                    <a:avLst/>
+                  </a:prstGeom>
+                </p:spPr>
+                <p:style>
+                  <a:lnRef idx="2">
+                    <a:schemeClr val="accent6"/>
+                  </a:lnRef>
+                  <a:fillRef idx="1">
+                    <a:schemeClr val="lt1"/>
+                  </a:fillRef>
+                  <a:effectRef idx="0">
+                    <a:schemeClr val="accent6"/>
+                  </a:effectRef>
+                  <a:fontRef idx="minor">
+                    <a:schemeClr val="dk1"/>
+                  </a:fontRef>
+                </p:style>
+                <p:txBody>
+                  <a:bodyPr rtlCol="0" anchor="ctr"/>
+                  <a:lstStyle/>
+                  <a:p>
+                    <a:pPr algn="ctr"/>
+                    <a:endParaRPr lang="en-SG" sz="500" b="1" dirty="0"/>
+                  </a:p>
+                </p:txBody>
+              </p:sp>
+              <p:sp>
+                <p:nvSpPr>
+                  <p:cNvPr id="527" name="Rounded Rectangle 526"/>
+                  <p:cNvSpPr/>
+                  <p:nvPr/>
+                </p:nvSpPr>
+                <p:spPr>
+                  <a:xfrm>
+                    <a:off x="9301447" y="4400629"/>
+                    <a:ext cx="761360" cy="526090"/>
+                  </a:xfrm>
+                  <a:prstGeom prst="roundRect">
+                    <a:avLst/>
+                  </a:prstGeom>
+                  <a:noFill/>
+                  <a:ln>
+                    <a:noFill/>
+                  </a:ln>
+                </p:spPr>
+                <p:style>
+                  <a:lnRef idx="2">
+                    <a:schemeClr val="accent6"/>
+                  </a:lnRef>
+                  <a:fillRef idx="1">
+                    <a:schemeClr val="lt1"/>
+                  </a:fillRef>
+                  <a:effectRef idx="0">
+                    <a:schemeClr val="accent6"/>
+                  </a:effectRef>
+                  <a:fontRef idx="minor">
+                    <a:schemeClr val="dk1"/>
+                  </a:fontRef>
+                </p:style>
+                <p:txBody>
+                  <a:bodyPr rot="0" spcFirstLastPara="0" vertOverflow="overflow" horzOverflow="overflow" vert="horz" wrap="square" lIns="36578" tIns="18289" rIns="36578" bIns="18289" numCol="1" spcCol="0" rtlCol="0" fromWordArt="0" anchor="ctr" anchorCtr="0" forceAA="0" compatLnSpc="1">
+                    <a:prstTxWarp prst="textNoShape">
+                      <a:avLst/>
+                    </a:prstTxWarp>
+                    <a:noAutofit/>
+                  </a:bodyPr>
+                  <a:lstStyle/>
+                  <a:p>
+                    <a:pPr algn="ctr"/>
+                    <a:r>
+                      <a:rPr lang="en-SG" sz="900" b="1" dirty="0"/>
+                      <a:t>Update  Database?</a:t>
+                    </a:r>
+                  </a:p>
+                </p:txBody>
+              </p:sp>
+            </p:grpSp>
+            <p:cxnSp>
+              <p:nvCxnSpPr>
+                <p:cNvPr id="537" name="Straight Arrow Connector 536"/>
+                <p:cNvCxnSpPr>
+                  <a:stCxn id="526" idx="2"/>
+                  <a:endCxn id="13" idx="0"/>
+                </p:cNvCxnSpPr>
+                <p:nvPr/>
+              </p:nvCxnSpPr>
+              <p:spPr>
+                <a:xfrm flipH="1">
+                  <a:off x="2832566" y="3659181"/>
+                  <a:ext cx="684" cy="252499"/>
+                </a:xfrm>
+                <a:prstGeom prst="straightConnector1">
+                  <a:avLst/>
+                </a:prstGeom>
+                <a:ln>
+                  <a:tailEnd type="triangle"/>
+                </a:ln>
+              </p:spPr>
+              <p:style>
+                <a:lnRef idx="1">
+                  <a:schemeClr val="accent2"/>
+                </a:lnRef>
+                <a:fillRef idx="0">
+                  <a:schemeClr val="accent2"/>
+                </a:fillRef>
+                <a:effectRef idx="0">
+                  <a:schemeClr val="accent2"/>
+                </a:effectRef>
+                <a:fontRef idx="minor">
+                  <a:schemeClr val="tx1"/>
+                </a:fontRef>
+              </p:style>
+            </p:cxnSp>
+            <p:sp>
+              <p:nvSpPr>
+                <p:cNvPr id="541" name="Rounded Rectangle 540"/>
+                <p:cNvSpPr/>
+                <p:nvPr/>
+              </p:nvSpPr>
+              <p:spPr>
+                <a:xfrm>
+                  <a:off x="2857542" y="3654660"/>
+                  <a:ext cx="259716" cy="144059"/>
+                </a:xfrm>
+                <a:prstGeom prst="roundRect">
+                  <a:avLst/>
+                </a:prstGeom>
+                <a:noFill/>
+                <a:ln>
+                  <a:noFill/>
+                </a:ln>
+              </p:spPr>
+              <p:style>
+                <a:lnRef idx="2">
+                  <a:schemeClr val="accent6"/>
+                </a:lnRef>
+                <a:fillRef idx="1">
+                  <a:schemeClr val="lt1"/>
+                </a:fillRef>
+                <a:effectRef idx="0">
+                  <a:schemeClr val="accent6"/>
+                </a:effectRef>
+                <a:fontRef idx="minor">
+                  <a:schemeClr val="dk1"/>
+                </a:fontRef>
+              </p:style>
+              <p:txBody>
+                <a:bodyPr rot="0" spcFirstLastPara="0" vertOverflow="overflow" horzOverflow="overflow" vert="horz" wrap="square" lIns="36578" tIns="18289" rIns="36578" bIns="18289" numCol="1" spcCol="0" rtlCol="0" fromWordArt="0" anchor="ctr" anchorCtr="0" forceAA="0" compatLnSpc="1">
+                  <a:prstTxWarp prst="textNoShape">
+                    <a:avLst/>
+                  </a:prstTxWarp>
+                  <a:noAutofit/>
+                </a:bodyPr>
+                <a:lstStyle/>
+                <a:p>
+                  <a:pPr algn="ctr"/>
+                  <a:r>
+                    <a:rPr lang="en-SG" sz="900" b="1" dirty="0"/>
+                    <a:t>Yes</a:t>
+                  </a:r>
+                  <a:endParaRPr lang="en-SG" sz="720" b="1" dirty="0"/>
+                </a:p>
+              </p:txBody>
+            </p:sp>
+            <p:cxnSp>
+              <p:nvCxnSpPr>
+                <p:cNvPr id="543" name="Elbow Connector 542"/>
+                <p:cNvCxnSpPr>
+                  <a:stCxn id="526" idx="3"/>
+                  <a:endCxn id="235" idx="1"/>
+                </p:cNvCxnSpPr>
+                <p:nvPr/>
+              </p:nvCxnSpPr>
+              <p:spPr>
+                <a:xfrm flipV="1">
+                  <a:off x="3265983" y="3347995"/>
+                  <a:ext cx="432246" cy="3664"/>
+                </a:xfrm>
+                <a:prstGeom prst="straightConnector1">
+                  <a:avLst/>
+                </a:prstGeom>
+                <a:ln>
+                  <a:tailEnd type="triangle"/>
+                </a:ln>
+              </p:spPr>
+              <p:style>
+                <a:lnRef idx="1">
+                  <a:schemeClr val="accent2"/>
+                </a:lnRef>
+                <a:fillRef idx="0">
+                  <a:schemeClr val="accent2"/>
+                </a:fillRef>
+                <a:effectRef idx="0">
+                  <a:schemeClr val="accent2"/>
+                </a:effectRef>
+                <a:fontRef idx="minor">
+                  <a:schemeClr val="tx1"/>
+                </a:fontRef>
+              </p:style>
+            </p:cxnSp>
+            <p:sp>
+              <p:nvSpPr>
+                <p:cNvPr id="547" name="Rounded Rectangle 546"/>
+                <p:cNvSpPr/>
+                <p:nvPr/>
+              </p:nvSpPr>
+              <p:spPr>
+                <a:xfrm>
+                  <a:off x="3204033" y="3184108"/>
+                  <a:ext cx="259716" cy="182254"/>
+                </a:xfrm>
+                <a:prstGeom prst="roundRect">
+                  <a:avLst/>
+                </a:prstGeom>
+                <a:noFill/>
+                <a:ln>
+                  <a:noFill/>
+                </a:ln>
+              </p:spPr>
+              <p:style>
+                <a:lnRef idx="2">
+                  <a:schemeClr val="accent6"/>
+                </a:lnRef>
+                <a:fillRef idx="1">
+                  <a:schemeClr val="lt1"/>
+                </a:fillRef>
+                <a:effectRef idx="0">
+                  <a:schemeClr val="accent6"/>
+                </a:effectRef>
+                <a:fontRef idx="minor">
+                  <a:schemeClr val="dk1"/>
+                </a:fontRef>
+              </p:style>
+              <p:txBody>
+                <a:bodyPr rot="0" spcFirstLastPara="0" vertOverflow="overflow" horzOverflow="overflow" vert="horz" wrap="square" lIns="36578" tIns="18289" rIns="36578" bIns="18289" numCol="1" spcCol="0" rtlCol="0" fromWordArt="0" anchor="ctr" anchorCtr="0" forceAA="0" compatLnSpc="1">
+                  <a:prstTxWarp prst="textNoShape">
+                    <a:avLst/>
+                  </a:prstTxWarp>
+                  <a:noAutofit/>
+                </a:bodyPr>
+                <a:lstStyle/>
+                <a:p>
+                  <a:pPr algn="ctr"/>
+                  <a:r>
+                    <a:rPr lang="en-SG" sz="900" b="1" dirty="0"/>
+                    <a:t>No</a:t>
+                  </a:r>
+                  <a:endParaRPr lang="en-SG" sz="720" b="1" dirty="0"/>
+                </a:p>
+              </p:txBody>
+            </p:sp>
+            <p:sp>
+              <p:nvSpPr>
+                <p:cNvPr id="550" name="Oval 549"/>
+                <p:cNvSpPr/>
+                <p:nvPr/>
+              </p:nvSpPr>
+              <p:spPr>
+                <a:xfrm flipV="1">
+                  <a:off x="4351112" y="3721577"/>
+                  <a:ext cx="313875" cy="143676"/>
+                </a:xfrm>
+                <a:prstGeom prst="ellipse">
+                  <a:avLst/>
+                </a:prstGeom>
+                <a:noFill/>
+                <a:ln>
+                  <a:noFill/>
+                </a:ln>
+              </p:spPr>
+              <p:style>
+                <a:lnRef idx="2">
+                  <a:schemeClr val="accent6"/>
+                </a:lnRef>
+                <a:fillRef idx="1">
+                  <a:schemeClr val="lt1"/>
+                </a:fillRef>
+                <a:effectRef idx="0">
+                  <a:schemeClr val="accent6"/>
+                </a:effectRef>
+                <a:fontRef idx="minor">
+                  <a:schemeClr val="dk1"/>
+                </a:fontRef>
+              </p:style>
+              <p:txBody>
+                <a:bodyPr rot="0" spcFirstLastPara="0" vertOverflow="overflow" horzOverflow="overflow" vert="horz" wrap="square" lIns="36578" tIns="18289" rIns="36578" bIns="18289" numCol="1" spcCol="0" rtlCol="0" fromWordArt="0" anchor="ctr" anchorCtr="0" forceAA="0" compatLnSpc="1">
+                  <a:prstTxWarp prst="textNoShape">
+                    <a:avLst/>
+                  </a:prstTxWarp>
+                  <a:noAutofit/>
+                </a:bodyPr>
+                <a:lstStyle/>
+                <a:p>
+                  <a:pPr algn="ctr"/>
+                  <a:endParaRPr lang="en-SG" sz="720" b="1"/>
+                </a:p>
+              </p:txBody>
+            </p:sp>
+          </p:grpSp>
+          <p:cxnSp>
+            <p:nvCxnSpPr>
+              <p:cNvPr id="173" name="Elbow Connector 172"/>
+              <p:cNvCxnSpPr>
+                <a:stCxn id="483" idx="3"/>
+                <a:endCxn id="354" idx="2"/>
+              </p:cNvCxnSpPr>
+              <p:nvPr/>
+            </p:nvCxnSpPr>
             <p:spPr>
-              <a:xfrm>
-                <a:off x="1074509" y="6092876"/>
-                <a:ext cx="11194944" cy="1266871"/>
+              <a:xfrm flipV="1">
+                <a:off x="5669237" y="6214419"/>
+                <a:ext cx="1214195" cy="1207012"/>
               </a:xfrm>
-              <a:prstGeom prst="rect">
+              <a:prstGeom prst="bentConnector2">
                 <a:avLst/>
               </a:prstGeom>
-              <a:solidFill>
-                <a:schemeClr val="accent1">
-                  <a:lumMod val="20000"/>
-                  <a:lumOff val="80000"/>
-                </a:schemeClr>
-              </a:solidFill>
+              <a:ln>
+                <a:tailEnd type="triangle"/>
+              </a:ln>
             </p:spPr>
             <p:style>
-              <a:lnRef idx="2">
-                <a:schemeClr val="accent1">
-                  <a:shade val="50000"/>
-                </a:schemeClr>
+              <a:lnRef idx="1">
+                <a:schemeClr val="accent2"/>
               </a:lnRef>
-              <a:fillRef idx="1">
-                <a:schemeClr val="accent1"/>
+              <a:fillRef idx="0">
+                <a:schemeClr val="accent2"/>
               </a:fillRef>
               <a:effectRef idx="0">
-                <a:schemeClr val="accent1"/>
+                <a:schemeClr val="accent2"/>
               </a:effectRef>
               <a:fontRef idx="minor">
-                <a:schemeClr val="lt1"/>
+                <a:schemeClr val="tx1"/>
               </a:fontRef>
             </p:style>
-            <p:txBody>
-              <a:bodyPr rtlCol="0" anchor="ctr"/>
-              <a:lstStyle/>
-              <a:p>
-                <a:pPr algn="ctr"/>
-                <a:endParaRPr lang="en-SG"/>
-              </a:p>
-            </p:txBody>
-          </p:sp>
-          <p:sp>
-            <p:nvSpPr>
-              <p:cNvPr id="521" name="Rectangle 520"/>
-              <p:cNvSpPr/>
-              <p:nvPr/>
-            </p:nvSpPr>
-            <p:spPr>
-              <a:xfrm>
-                <a:off x="1074509" y="1691007"/>
-                <a:ext cx="11194944" cy="4434063"/>
-              </a:xfrm>
-              <a:prstGeom prst="rect">
-                <a:avLst/>
-              </a:prstGeom>
-              <a:solidFill>
-                <a:schemeClr val="accent1">
-                  <a:lumMod val="20000"/>
-                  <a:lumOff val="80000"/>
-                </a:schemeClr>
-              </a:solidFill>
-            </p:spPr>
-            <p:style>
-              <a:lnRef idx="2">
-                <a:schemeClr val="accent1">
-                  <a:shade val="50000"/>
-                </a:schemeClr>
-              </a:lnRef>
-              <a:fillRef idx="1">
-                <a:schemeClr val="accent1"/>
-              </a:fillRef>
-              <a:effectRef idx="0">
-                <a:schemeClr val="accent1"/>
-              </a:effectRef>
-              <a:fontRef idx="minor">
-                <a:schemeClr val="lt1"/>
-              </a:fontRef>
-            </p:style>
-            <p:txBody>
-              <a:bodyPr rtlCol="0" anchor="ctr"/>
-              <a:lstStyle/>
-              <a:p>
-                <a:pPr algn="ctr"/>
-                <a:endParaRPr lang="en-SG" dirty="0"/>
-              </a:p>
-            </p:txBody>
-          </p:sp>
+          </p:cxnSp>
           <p:cxnSp>
             <p:nvCxnSpPr>
-              <p:cNvPr id="6" name="Straight Connector 5"/>
-              <p:cNvCxnSpPr/>
+              <p:cNvPr id="176" name="Straight Arrow Connector 175"/>
+              <p:cNvCxnSpPr>
+                <a:stCxn id="150" idx="3"/>
+                <a:endCxn id="426" idx="2"/>
+              </p:cNvCxnSpPr>
               <p:nvPr/>
             </p:nvCxnSpPr>
             <p:spPr>
               <a:xfrm>
-                <a:off x="2038152" y="1691127"/>
-                <a:ext cx="20333" cy="5668620"/>
+                <a:off x="10827089" y="3461373"/>
+                <a:ext cx="515360" cy="2285"/>
               </a:xfrm>
-              <a:prstGeom prst="line">
+              <a:prstGeom prst="straightConnector1">
                 <a:avLst/>
               </a:prstGeom>
+              <a:ln>
+                <a:tailEnd type="triangle"/>
+              </a:ln>
             </p:spPr>
             <p:style>
               <a:lnRef idx="1">
-                <a:schemeClr val="accent1"/>
+                <a:schemeClr val="accent2"/>
               </a:lnRef>
               <a:fillRef idx="0">
-                <a:schemeClr val="accent1"/>
+                <a:schemeClr val="accent2"/>
               </a:fillRef>
               <a:effectRef idx="0">
-                <a:schemeClr val="accent1"/>
+                <a:schemeClr val="accent2"/>
+              </a:effectRef>
+              <a:fontRef idx="minor">
+                <a:schemeClr val="tx1"/>
+              </a:fontRef>
+            </p:style>
+          </p:cxnSp>
+          <p:cxnSp>
+            <p:nvCxnSpPr>
+              <p:cNvPr id="147" name="Elbow Connector 146"/>
+              <p:cNvCxnSpPr>
+                <a:stCxn id="235" idx="0"/>
+                <a:endCxn id="18" idx="1"/>
+              </p:cNvCxnSpPr>
+              <p:nvPr/>
+            </p:nvCxnSpPr>
+            <p:spPr>
+              <a:xfrm rot="5400000" flipH="1" flipV="1">
+                <a:off x="3604887" y="2751033"/>
+                <a:ext cx="936531" cy="724751"/>
+              </a:xfrm>
+              <a:prstGeom prst="bentConnector2">
+                <a:avLst/>
+              </a:prstGeom>
+              <a:ln>
+                <a:tailEnd type="triangle"/>
+              </a:ln>
+            </p:spPr>
+            <p:style>
+              <a:lnRef idx="1">
+                <a:schemeClr val="accent2"/>
+              </a:lnRef>
+              <a:fillRef idx="0">
+                <a:schemeClr val="accent2"/>
+              </a:fillRef>
+              <a:effectRef idx="0">
+                <a:schemeClr val="accent2"/>
               </a:effectRef>
               <a:fontRef idx="minor">
                 <a:schemeClr val="tx1"/>
@@ -8452,72 +10449,14 @@
           </p:cxnSp>
           <p:sp>
             <p:nvSpPr>
-              <p:cNvPr id="11" name="TextBox 10"/>
-              <p:cNvSpPr txBox="1"/>
-              <p:nvPr/>
-            </p:nvSpPr>
-            <p:spPr>
-              <a:xfrm>
-                <a:off x="1265389" y="4157103"/>
-                <a:ext cx="697474" cy="246221"/>
-              </a:xfrm>
-              <a:prstGeom prst="rect">
-                <a:avLst/>
-              </a:prstGeom>
-              <a:noFill/>
-            </p:spPr>
-            <p:txBody>
-              <a:bodyPr wrap="square" rtlCol="0">
-                <a:spAutoFit/>
-              </a:bodyPr>
-              <a:lstStyle/>
-              <a:p>
-                <a:r>
-                  <a:rPr lang="en-SG" sz="1000" dirty="0"/>
-                  <a:t>User</a:t>
-                </a:r>
-              </a:p>
-            </p:txBody>
-          </p:sp>
-          <p:sp>
-            <p:nvSpPr>
-              <p:cNvPr id="12" name="TextBox 11"/>
-              <p:cNvSpPr txBox="1"/>
-              <p:nvPr/>
-            </p:nvSpPr>
-            <p:spPr>
-              <a:xfrm>
-                <a:off x="1361575" y="6580221"/>
-                <a:ext cx="425955" cy="246221"/>
-              </a:xfrm>
-              <a:prstGeom prst="rect">
-                <a:avLst/>
-              </a:prstGeom>
-              <a:noFill/>
-            </p:spPr>
-            <p:txBody>
-              <a:bodyPr wrap="square" rtlCol="0">
-                <a:spAutoFit/>
-              </a:bodyPr>
-              <a:lstStyle/>
-              <a:p>
-                <a:r>
-                  <a:rPr lang="en-SG" sz="1000" dirty="0"/>
-                  <a:t>URS</a:t>
-                </a:r>
-              </a:p>
-            </p:txBody>
-          </p:sp>
-          <p:sp>
-            <p:nvSpPr>
-              <p:cNvPr id="13" name="Rounded Rectangle 12"/>
+              <p:cNvPr id="178" name="Rounded Rectangle 177"/>
               <p:cNvSpPr/>
               <p:nvPr/>
             </p:nvSpPr>
             <p:spPr>
               <a:xfrm>
-                <a:off x="2400775" y="3911680"/>
-                <a:ext cx="857184" cy="456565"/>
+                <a:off x="8027679" y="2419052"/>
+                <a:ext cx="911765" cy="456565"/>
               </a:xfrm>
               <a:prstGeom prst="roundRect">
                 <a:avLst/>
@@ -8548,73 +10487,58 @@
               <a:p>
                 <a:pPr algn="ctr"/>
                 <a:r>
-                  <a:rPr lang="en-SG" sz="720" dirty="0"/>
-                  <a:t>Download .</a:t>
-                </a:r>
-                <a:r>
-                  <a:rPr lang="en-SG" sz="720" dirty="0" err="1"/>
-                  <a:t>xls</a:t>
-                </a:r>
-                <a:r>
-                  <a:rPr lang="en-SG" sz="720" dirty="0"/>
-                  <a:t> file from current ZOHO system</a:t>
+                  <a:rPr lang="en-SG" sz="900" b="1" dirty="0"/>
+                  <a:t>View Recommended Screenings</a:t>
                 </a:r>
               </a:p>
             </p:txBody>
           </p:sp>
+          <p:cxnSp>
+            <p:nvCxnSpPr>
+              <p:cNvPr id="179" name="Elbow Connector 178"/>
+              <p:cNvCxnSpPr>
+                <a:stCxn id="21" idx="3"/>
+                <a:endCxn id="178" idx="1"/>
+              </p:cNvCxnSpPr>
+              <p:nvPr/>
+            </p:nvCxnSpPr>
+            <p:spPr>
+              <a:xfrm flipV="1">
+                <a:off x="7810633" y="2647335"/>
+                <a:ext cx="217046" cy="2064"/>
+              </a:xfrm>
+              <a:prstGeom prst="straightConnector1">
+                <a:avLst/>
+              </a:prstGeom>
+              <a:ln>
+                <a:tailEnd type="triangle"/>
+              </a:ln>
+            </p:spPr>
+            <p:style>
+              <a:lnRef idx="1">
+                <a:schemeClr val="accent2"/>
+              </a:lnRef>
+              <a:fillRef idx="0">
+                <a:schemeClr val="accent2"/>
+              </a:fillRef>
+              <a:effectRef idx="0">
+                <a:schemeClr val="accent2"/>
+              </a:effectRef>
+              <a:fontRef idx="minor">
+                <a:schemeClr val="tx1"/>
+              </a:fontRef>
+            </p:style>
+          </p:cxnSp>
           <p:sp>
             <p:nvSpPr>
-              <p:cNvPr id="14" name="Oval 13"/>
+              <p:cNvPr id="180" name="Rounded Rectangle 179"/>
               <p:cNvSpPr/>
               <p:nvPr/>
             </p:nvSpPr>
             <p:spPr>
               <a:xfrm>
-                <a:off x="2722117" y="2529919"/>
-                <a:ext cx="216308" cy="181249"/>
-              </a:xfrm>
-              <a:prstGeom prst="ellipse">
-                <a:avLst/>
-              </a:prstGeom>
-            </p:spPr>
-            <p:style>
-              <a:lnRef idx="2">
-                <a:schemeClr val="accent6"/>
-              </a:lnRef>
-              <a:fillRef idx="1">
-                <a:schemeClr val="lt1"/>
-              </a:fillRef>
-              <a:effectRef idx="0">
-                <a:schemeClr val="accent6"/>
-              </a:effectRef>
-              <a:fontRef idx="minor">
-                <a:schemeClr val="dk1"/>
-              </a:fontRef>
-            </p:style>
-            <p:txBody>
-              <a:bodyPr rot="0" spcFirstLastPara="0" vertOverflow="overflow" horzOverflow="overflow" vert="horz" wrap="square" lIns="36578" tIns="18289" rIns="36578" bIns="18289" numCol="1" spcCol="0" rtlCol="0" fromWordArt="0" anchor="ctr" anchorCtr="0" forceAA="0" compatLnSpc="1">
-                <a:prstTxWarp prst="textNoShape">
-                  <a:avLst/>
-                </a:prstTxWarp>
-                <a:noAutofit/>
-              </a:bodyPr>
-              <a:lstStyle/>
-              <a:p>
-                <a:pPr algn="ctr"/>
-                <a:endParaRPr lang="en-SG" sz="720"/>
-              </a:p>
-            </p:txBody>
-          </p:sp>
-          <p:sp>
-            <p:nvSpPr>
-              <p:cNvPr id="15" name="Rounded Rectangle 14"/>
-              <p:cNvSpPr/>
-              <p:nvPr/>
-            </p:nvSpPr>
-            <p:spPr>
-              <a:xfrm>
-                <a:off x="2400775" y="4602644"/>
-                <a:ext cx="857184" cy="456565"/>
+                <a:off x="9869268" y="2359076"/>
+                <a:ext cx="1050176" cy="565651"/>
               </a:xfrm>
               <a:prstGeom prst="roundRect">
                 <a:avLst/>
@@ -8645,263 +10569,25 @@
               <a:p>
                 <a:pPr algn="ctr"/>
                 <a:r>
-                  <a:rPr lang="en-SG" sz="720" dirty="0"/>
-                  <a:t>Upload .</a:t>
-                </a:r>
-                <a:r>
-                  <a:rPr lang="en-SG" sz="720" dirty="0" err="1"/>
-                  <a:t>xls</a:t>
-                </a:r>
-                <a:r>
-                  <a:rPr lang="en-SG" sz="720" dirty="0"/>
-                  <a:t> file into URS</a:t>
-                </a:r>
-              </a:p>
-            </p:txBody>
-          </p:sp>
-          <p:sp>
-            <p:nvSpPr>
-              <p:cNvPr id="16" name="TextBox 15"/>
-              <p:cNvSpPr txBox="1"/>
-              <p:nvPr/>
-            </p:nvSpPr>
-            <p:spPr>
-              <a:xfrm>
-                <a:off x="1105251" y="6779141"/>
-                <a:ext cx="1397647" cy="178510"/>
-              </a:xfrm>
-              <a:prstGeom prst="rect">
-                <a:avLst/>
-              </a:prstGeom>
-              <a:noFill/>
-            </p:spPr>
-            <p:txBody>
-              <a:bodyPr wrap="square" rtlCol="0">
-                <a:spAutoFit/>
-              </a:bodyPr>
-              <a:lstStyle/>
-              <a:p>
-                <a:r>
-                  <a:rPr lang="en-SG" sz="560" dirty="0"/>
-                  <a:t>&lt; Ulink Reporting System &gt;</a:t>
-                </a:r>
-              </a:p>
-            </p:txBody>
-          </p:sp>
-          <p:sp>
-            <p:nvSpPr>
-              <p:cNvPr id="17" name="Rounded Rectangle 16"/>
-              <p:cNvSpPr/>
-              <p:nvPr/>
-            </p:nvSpPr>
-            <p:spPr>
-              <a:xfrm>
-                <a:off x="2331326" y="6638038"/>
-                <a:ext cx="980787" cy="456565"/>
-              </a:xfrm>
-              <a:prstGeom prst="roundRect">
-                <a:avLst/>
-              </a:prstGeom>
-            </p:spPr>
-            <p:style>
-              <a:lnRef idx="2">
-                <a:schemeClr val="accent6"/>
-              </a:lnRef>
-              <a:fillRef idx="1">
-                <a:schemeClr val="lt1"/>
-              </a:fillRef>
-              <a:effectRef idx="0">
-                <a:schemeClr val="accent6"/>
-              </a:effectRef>
-              <a:fontRef idx="minor">
-                <a:schemeClr val="dk1"/>
-              </a:fontRef>
-            </p:style>
-            <p:txBody>
-              <a:bodyPr rot="0" spcFirstLastPara="0" vertOverflow="overflow" horzOverflow="overflow" vert="horz" wrap="square" lIns="36578" tIns="18289" rIns="36578" bIns="18289" numCol="1" spcCol="0" rtlCol="0" fromWordArt="0" anchor="ctr" anchorCtr="0" forceAA="0" compatLnSpc="1">
-                <a:prstTxWarp prst="textNoShape">
-                  <a:avLst/>
-                </a:prstTxWarp>
-                <a:noAutofit/>
-              </a:bodyPr>
-              <a:lstStyle/>
-              <a:p>
-                <a:pPr algn="ctr"/>
-                <a:r>
-                  <a:rPr lang="en-SG" sz="720" dirty="0"/>
-                  <a:t>Update database</a:t>
-                </a:r>
-              </a:p>
-            </p:txBody>
-          </p:sp>
-          <p:sp>
-            <p:nvSpPr>
-              <p:cNvPr id="18" name="Rounded Rectangle 17"/>
-              <p:cNvSpPr/>
-              <p:nvPr/>
-            </p:nvSpPr>
-            <p:spPr>
-              <a:xfrm>
-                <a:off x="4855713" y="1875658"/>
-                <a:ext cx="857184" cy="456565"/>
-              </a:xfrm>
-              <a:prstGeom prst="roundRect">
-                <a:avLst/>
-              </a:prstGeom>
-            </p:spPr>
-            <p:style>
-              <a:lnRef idx="2">
-                <a:schemeClr val="accent6"/>
-              </a:lnRef>
-              <a:fillRef idx="1">
-                <a:schemeClr val="lt1"/>
-              </a:fillRef>
-              <a:effectRef idx="0">
-                <a:schemeClr val="accent6"/>
-              </a:effectRef>
-              <a:fontRef idx="minor">
-                <a:schemeClr val="dk1"/>
-              </a:fontRef>
-            </p:style>
-            <p:txBody>
-              <a:bodyPr rot="0" spcFirstLastPara="0" vertOverflow="overflow" horzOverflow="overflow" vert="horz" wrap="square" lIns="36578" tIns="18289" rIns="36578" bIns="18289" numCol="1" spcCol="0" rtlCol="0" fromWordArt="0" anchor="ctr" anchorCtr="0" forceAA="0" compatLnSpc="1">
-                <a:prstTxWarp prst="textNoShape">
-                  <a:avLst/>
-                </a:prstTxWarp>
-                <a:noAutofit/>
-              </a:bodyPr>
-              <a:lstStyle/>
-              <a:p>
-                <a:pPr algn="ctr"/>
-                <a:r>
-                  <a:rPr lang="en-SG" sz="720" dirty="0"/>
-                  <a:t>View Client List</a:t>
-                </a:r>
-              </a:p>
-            </p:txBody>
-          </p:sp>
-          <p:sp>
-            <p:nvSpPr>
-              <p:cNvPr id="20" name="Rounded Rectangle 19"/>
-              <p:cNvSpPr/>
-              <p:nvPr/>
-            </p:nvSpPr>
-            <p:spPr>
-              <a:xfrm>
-                <a:off x="6109920" y="1883674"/>
-                <a:ext cx="857184" cy="456565"/>
-              </a:xfrm>
-              <a:prstGeom prst="roundRect">
-                <a:avLst/>
-              </a:prstGeom>
-            </p:spPr>
-            <p:style>
-              <a:lnRef idx="2">
-                <a:schemeClr val="accent6"/>
-              </a:lnRef>
-              <a:fillRef idx="1">
-                <a:schemeClr val="lt1"/>
-              </a:fillRef>
-              <a:effectRef idx="0">
-                <a:schemeClr val="accent6"/>
-              </a:effectRef>
-              <a:fontRef idx="minor">
-                <a:schemeClr val="dk1"/>
-              </a:fontRef>
-            </p:style>
-            <p:txBody>
-              <a:bodyPr rot="0" spcFirstLastPara="0" vertOverflow="overflow" horzOverflow="overflow" vert="horz" wrap="square" lIns="36578" tIns="18289" rIns="36578" bIns="18289" numCol="1" spcCol="0" rtlCol="0" fromWordArt="0" anchor="ctr" anchorCtr="0" forceAA="0" compatLnSpc="1">
-                <a:prstTxWarp prst="textNoShape">
-                  <a:avLst/>
-                </a:prstTxWarp>
-                <a:noAutofit/>
-              </a:bodyPr>
-              <a:lstStyle/>
-              <a:p>
-                <a:pPr algn="ctr"/>
-                <a:r>
-                  <a:rPr lang="en-SG" sz="720" dirty="0"/>
-                  <a:t>Select Client</a:t>
-                </a:r>
-              </a:p>
-            </p:txBody>
-          </p:sp>
-          <p:sp>
-            <p:nvSpPr>
-              <p:cNvPr id="21" name="Rounded Rectangle 20"/>
-              <p:cNvSpPr/>
-              <p:nvPr/>
-            </p:nvSpPr>
-            <p:spPr>
-              <a:xfrm>
-                <a:off x="7240784" y="1879915"/>
-                <a:ext cx="880760" cy="456566"/>
-              </a:xfrm>
-              <a:prstGeom prst="roundRect">
-                <a:avLst/>
-              </a:prstGeom>
-              <a:solidFill>
-                <a:schemeClr val="bg1"/>
-              </a:solidFill>
-              <a:ln>
-                <a:solidFill>
-                  <a:schemeClr val="accent6">
-                    <a:lumMod val="60000"/>
-                    <a:lumOff val="40000"/>
-                  </a:schemeClr>
-                </a:solidFill>
-              </a:ln>
-            </p:spPr>
-            <p:style>
-              <a:lnRef idx="2">
-                <a:schemeClr val="accent2">
-                  <a:shade val="50000"/>
-                </a:schemeClr>
-              </a:lnRef>
-              <a:fillRef idx="1">
-                <a:schemeClr val="accent2"/>
-              </a:fillRef>
-              <a:effectRef idx="0">
-                <a:schemeClr val="accent2"/>
-              </a:effectRef>
-              <a:fontRef idx="minor">
-                <a:schemeClr val="lt1"/>
-              </a:fontRef>
-            </p:style>
-            <p:txBody>
-              <a:bodyPr rot="0" spcFirstLastPara="0" vertOverflow="overflow" horzOverflow="overflow" vert="horz" wrap="square" lIns="36578" tIns="18289" rIns="36578" bIns="18289" numCol="1" spcCol="0" rtlCol="0" fromWordArt="0" anchor="ctr" anchorCtr="0" forceAA="0" compatLnSpc="1">
-                <a:prstTxWarp prst="textNoShape">
-                  <a:avLst/>
-                </a:prstTxWarp>
-                <a:noAutofit/>
-              </a:bodyPr>
-              <a:lstStyle/>
-              <a:p>
-                <a:pPr algn="ctr"/>
-                <a:r>
-                  <a:rPr lang="en-SG" sz="720" dirty="0">
-                    <a:solidFill>
-                      <a:schemeClr val="tx1"/>
-                    </a:solidFill>
-                  </a:rPr>
-                  <a:t>View Client’s Appointment &amp; Admission details</a:t>
+                  <a:rPr lang="en-SG" sz="900" b="1" dirty="0"/>
+                  <a:t>View Screenings Notifications record</a:t>
                 </a:r>
               </a:p>
             </p:txBody>
           </p:sp>
           <p:cxnSp>
             <p:nvCxnSpPr>
-              <p:cNvPr id="28" name="Straight Arrow Connector 27"/>
+              <p:cNvPr id="181" name="Elbow Connector 180"/>
               <p:cNvCxnSpPr>
-                <a:stCxn id="13" idx="2"/>
-                <a:endCxn id="15" idx="0"/>
+                <a:stCxn id="178" idx="3"/>
+                <a:endCxn id="180" idx="1"/>
               </p:cNvCxnSpPr>
               <p:nvPr/>
             </p:nvCxnSpPr>
             <p:spPr>
-              <a:xfrm>
-                <a:off x="2829367" y="4368233"/>
-                <a:ext cx="0" cy="234403"/>
+              <a:xfrm flipV="1">
+                <a:off x="8939444" y="2641902"/>
+                <a:ext cx="929824" cy="5433"/>
               </a:xfrm>
               <a:prstGeom prst="straightConnector1">
                 <a:avLst/>
@@ -8927,89 +10613,17 @@
           </p:cxnSp>
           <p:cxnSp>
             <p:nvCxnSpPr>
-              <p:cNvPr id="29" name="Straight Arrow Connector 28"/>
+              <p:cNvPr id="185" name="Elbow Connector 184"/>
               <p:cNvCxnSpPr>
-                <a:stCxn id="15" idx="2"/>
-                <a:endCxn id="17" idx="0"/>
-              </p:cNvCxnSpPr>
-              <p:nvPr/>
-            </p:nvCxnSpPr>
-            <p:spPr>
-              <a:xfrm flipH="1">
-                <a:off x="2821720" y="5059209"/>
-                <a:ext cx="7647" cy="1578829"/>
-              </a:xfrm>
-              <a:prstGeom prst="straightConnector1">
-                <a:avLst/>
-              </a:prstGeom>
-              <a:ln>
-                <a:tailEnd type="triangle"/>
-              </a:ln>
-            </p:spPr>
-            <p:style>
-              <a:lnRef idx="1">
-                <a:schemeClr val="accent2"/>
-              </a:lnRef>
-              <a:fillRef idx="0">
-                <a:schemeClr val="accent2"/>
-              </a:fillRef>
-              <a:effectRef idx="0">
-                <a:schemeClr val="accent2"/>
-              </a:effectRef>
-              <a:fontRef idx="minor">
-                <a:schemeClr val="tx1"/>
-              </a:fontRef>
-            </p:style>
-          </p:cxnSp>
-          <p:cxnSp>
-            <p:nvCxnSpPr>
-              <p:cNvPr id="45" name="Straight Arrow Connector 44"/>
-              <p:cNvCxnSpPr>
-                <a:stCxn id="18" idx="3"/>
-                <a:endCxn id="20" idx="1"/>
+                <a:stCxn id="180" idx="2"/>
+                <a:endCxn id="150" idx="0"/>
               </p:cNvCxnSpPr>
               <p:nvPr/>
             </p:nvCxnSpPr>
             <p:spPr>
               <a:xfrm>
-                <a:off x="5712897" y="2103941"/>
-                <a:ext cx="397023" cy="8016"/>
-              </a:xfrm>
-              <a:prstGeom prst="straightConnector1">
-                <a:avLst/>
-              </a:prstGeom>
-              <a:ln>
-                <a:tailEnd type="triangle"/>
-              </a:ln>
-            </p:spPr>
-            <p:style>
-              <a:lnRef idx="1">
-                <a:schemeClr val="accent2"/>
-              </a:lnRef>
-              <a:fillRef idx="0">
-                <a:schemeClr val="accent2"/>
-              </a:fillRef>
-              <a:effectRef idx="0">
-                <a:schemeClr val="accent2"/>
-              </a:effectRef>
-              <a:fontRef idx="minor">
-                <a:schemeClr val="tx1"/>
-              </a:fontRef>
-            </p:style>
-          </p:cxnSp>
-          <p:cxnSp>
-            <p:nvCxnSpPr>
-              <p:cNvPr id="78" name="Straight Arrow Connector 77"/>
-              <p:cNvCxnSpPr>
-                <a:stCxn id="14" idx="4"/>
-                <a:endCxn id="526" idx="0"/>
-              </p:cNvCxnSpPr>
-              <p:nvPr/>
-            </p:nvCxnSpPr>
-            <p:spPr>
-              <a:xfrm>
-                <a:off x="2830271" y="2711168"/>
-                <a:ext cx="2979" cy="332968"/>
+                <a:off x="10394356" y="2924727"/>
+                <a:ext cx="0" cy="229123"/>
               </a:xfrm>
               <a:prstGeom prst="straightConnector1">
                 <a:avLst/>
@@ -9035,88 +10649,14 @@
           </p:cxnSp>
           <p:sp>
             <p:nvSpPr>
-              <p:cNvPr id="5" name="Flowchart: Decision 4"/>
+              <p:cNvPr id="190" name="Rounded Rectangle 189"/>
               <p:cNvSpPr/>
               <p:nvPr/>
             </p:nvSpPr>
             <p:spPr>
               <a:xfrm>
-                <a:off x="5192648" y="2961398"/>
-                <a:ext cx="959868" cy="770738"/>
-              </a:xfrm>
-              <a:prstGeom prst="flowChartDecision">
-                <a:avLst/>
-              </a:prstGeom>
-            </p:spPr>
-            <p:style>
-              <a:lnRef idx="2">
-                <a:schemeClr val="accent6"/>
-              </a:lnRef>
-              <a:fillRef idx="1">
-                <a:schemeClr val="lt1"/>
-              </a:fillRef>
-              <a:effectRef idx="0">
-                <a:schemeClr val="accent6"/>
-              </a:effectRef>
-              <a:fontRef idx="minor">
-                <a:schemeClr val="dk1"/>
-              </a:fontRef>
-            </p:style>
-            <p:txBody>
-              <a:bodyPr rtlCol="0" anchor="ctr"/>
-              <a:lstStyle/>
-              <a:p>
-                <a:pPr algn="ctr"/>
-                <a:endParaRPr lang="en-SG" sz="900" dirty="0"/>
-              </a:p>
-            </p:txBody>
-          </p:sp>
-          <p:cxnSp>
-            <p:nvCxnSpPr>
-              <p:cNvPr id="31" name="Elbow Connector 30"/>
-              <p:cNvCxnSpPr>
-                <a:stCxn id="17" idx="3"/>
-                <a:endCxn id="235" idx="2"/>
-              </p:cNvCxnSpPr>
-              <p:nvPr/>
-            </p:nvCxnSpPr>
-            <p:spPr>
-              <a:xfrm flipV="1">
-                <a:off x="3312113" y="3655517"/>
-                <a:ext cx="818849" cy="3210804"/>
-              </a:xfrm>
-              <a:prstGeom prst="bentConnector2">
-                <a:avLst/>
-              </a:prstGeom>
-              <a:ln>
-                <a:tailEnd type="triangle"/>
-              </a:ln>
-            </p:spPr>
-            <p:style>
-              <a:lnRef idx="1">
-                <a:schemeClr val="accent2"/>
-              </a:lnRef>
-              <a:fillRef idx="0">
-                <a:schemeClr val="accent2"/>
-              </a:fillRef>
-              <a:effectRef idx="0">
-                <a:schemeClr val="accent2"/>
-              </a:effectRef>
-              <a:fontRef idx="minor">
-                <a:schemeClr val="tx1"/>
-              </a:fontRef>
-            </p:style>
-          </p:cxnSp>
-          <p:sp>
-            <p:nvSpPr>
-              <p:cNvPr id="53" name="Rounded Rectangle 52"/>
-              <p:cNvSpPr/>
-              <p:nvPr/>
-            </p:nvSpPr>
-            <p:spPr>
-              <a:xfrm>
-                <a:off x="4665519" y="3216937"/>
-                <a:ext cx="456861" cy="158086"/>
+                <a:off x="10080831" y="3243623"/>
+                <a:ext cx="669292" cy="520139"/>
               </a:xfrm>
               <a:prstGeom prst="roundRect">
                 <a:avLst/>
@@ -9151,60 +10691,22 @@
               <a:p>
                 <a:pPr algn="ctr"/>
                 <a:r>
-                  <a:rPr lang="en-SG" sz="720" dirty="0"/>
-                  <a:t>Report</a:t>
+                  <a:rPr lang="en-SG" sz="900" b="1" dirty="0"/>
+                  <a:t>Follow up with client?</a:t>
                 </a:r>
               </a:p>
             </p:txBody>
           </p:sp>
           <p:sp>
             <p:nvSpPr>
-              <p:cNvPr id="150" name="Flowchart: Decision 149"/>
+              <p:cNvPr id="204" name="Rounded Rectangle 203"/>
               <p:cNvSpPr/>
               <p:nvPr/>
             </p:nvSpPr>
             <p:spPr>
               <a:xfrm>
-                <a:off x="10381808" y="2612649"/>
-                <a:ext cx="865466" cy="615045"/>
-              </a:xfrm>
-              <a:prstGeom prst="flowChartDecision">
-                <a:avLst/>
-              </a:prstGeom>
-            </p:spPr>
-            <p:style>
-              <a:lnRef idx="2">
-                <a:schemeClr val="accent6"/>
-              </a:lnRef>
-              <a:fillRef idx="1">
-                <a:schemeClr val="lt1"/>
-              </a:fillRef>
-              <a:effectRef idx="0">
-                <a:schemeClr val="accent6"/>
-              </a:effectRef>
-              <a:fontRef idx="minor">
-                <a:schemeClr val="dk1"/>
-              </a:fontRef>
-            </p:style>
-            <p:txBody>
-              <a:bodyPr rtlCol="0" anchor="ctr"/>
-              <a:lstStyle/>
-              <a:p>
-                <a:pPr algn="ctr"/>
-                <a:endParaRPr lang="en-SG" sz="500" dirty="0"/>
-              </a:p>
-            </p:txBody>
-          </p:sp>
-          <p:sp>
-            <p:nvSpPr>
-              <p:cNvPr id="157" name="Rounded Rectangle 156"/>
-              <p:cNvSpPr/>
-              <p:nvPr/>
-            </p:nvSpPr>
-            <p:spPr>
-              <a:xfrm>
-                <a:off x="11194438" y="2731075"/>
-                <a:ext cx="259716" cy="182254"/>
+                <a:off x="4926352" y="3679609"/>
+                <a:ext cx="627288" cy="408189"/>
               </a:xfrm>
               <a:prstGeom prst="roundRect">
                 <a:avLst/>
@@ -9239,22 +10741,178 @@
               <a:p>
                 <a:pPr algn="ctr"/>
                 <a:r>
-                  <a:rPr lang="en-SG" sz="720" dirty="0"/>
-                  <a:t>No</a:t>
+                  <a:rPr lang="en-SG" sz="900" b="1" dirty="0"/>
+                  <a:t>Overview or detailed?</a:t>
                 </a:r>
               </a:p>
             </p:txBody>
           </p:sp>
           <p:sp>
             <p:nvSpPr>
-              <p:cNvPr id="158" name="Rounded Rectangle 157"/>
+              <p:cNvPr id="207" name="Rounded Rectangle 206"/>
               <p:cNvSpPr/>
               <p:nvPr/>
             </p:nvSpPr>
             <p:spPr>
               <a:xfrm>
-                <a:off x="10588885" y="3184108"/>
-                <a:ext cx="259716" cy="182254"/>
+                <a:off x="6325871" y="3706328"/>
+                <a:ext cx="851444" cy="377327"/>
+              </a:xfrm>
+              <a:prstGeom prst="roundRect">
+                <a:avLst/>
+              </a:prstGeom>
+            </p:spPr>
+            <p:style>
+              <a:lnRef idx="2">
+                <a:schemeClr val="accent6"/>
+              </a:lnRef>
+              <a:fillRef idx="1">
+                <a:schemeClr val="lt1"/>
+              </a:fillRef>
+              <a:effectRef idx="0">
+                <a:schemeClr val="accent6"/>
+              </a:effectRef>
+              <a:fontRef idx="minor">
+                <a:schemeClr val="dk1"/>
+              </a:fontRef>
+            </p:style>
+            <p:txBody>
+              <a:bodyPr rot="0" spcFirstLastPara="0" vertOverflow="overflow" horzOverflow="overflow" vert="horz" wrap="square" lIns="36578" tIns="18289" rIns="36578" bIns="18289" numCol="1" spcCol="0" rtlCol="0" fromWordArt="0" anchor="ctr" anchorCtr="0" forceAA="0" compatLnSpc="1">
+                <a:prstTxWarp prst="textNoShape">
+                  <a:avLst/>
+                </a:prstTxWarp>
+                <a:noAutofit/>
+              </a:bodyPr>
+              <a:lstStyle/>
+              <a:p>
+                <a:pPr algn="ctr"/>
+                <a:r>
+                  <a:rPr lang="en-SG" sz="900" b="1" dirty="0"/>
+                  <a:t>View Dashboard</a:t>
+                </a:r>
+              </a:p>
+            </p:txBody>
+          </p:sp>
+          <p:cxnSp>
+            <p:nvCxnSpPr>
+              <p:cNvPr id="209" name="Elbow Connector 208"/>
+              <p:cNvCxnSpPr>
+                <a:stCxn id="5" idx="3"/>
+                <a:endCxn id="207" idx="1"/>
+              </p:cNvCxnSpPr>
+              <p:nvPr/>
+            </p:nvCxnSpPr>
+            <p:spPr>
+              <a:xfrm>
+                <a:off x="5732331" y="3887968"/>
+                <a:ext cx="593540" cy="7024"/>
+              </a:xfrm>
+              <a:prstGeom prst="straightConnector1">
+                <a:avLst/>
+              </a:prstGeom>
+              <a:ln>
+                <a:tailEnd type="triangle"/>
+              </a:ln>
+            </p:spPr>
+            <p:style>
+              <a:lnRef idx="1">
+                <a:schemeClr val="accent2"/>
+              </a:lnRef>
+              <a:fillRef idx="0">
+                <a:schemeClr val="accent2"/>
+              </a:fillRef>
+              <a:effectRef idx="0">
+                <a:schemeClr val="accent2"/>
+              </a:effectRef>
+              <a:fontRef idx="minor">
+                <a:schemeClr val="tx1"/>
+              </a:fontRef>
+            </p:style>
+          </p:cxnSp>
+          <p:sp>
+            <p:nvSpPr>
+              <p:cNvPr id="215" name="Flowchart: Decision 214"/>
+              <p:cNvSpPr/>
+              <p:nvPr/>
+            </p:nvSpPr>
+            <p:spPr>
+              <a:xfrm>
+                <a:off x="7506522" y="3592728"/>
+                <a:ext cx="852604" cy="615045"/>
+              </a:xfrm>
+              <a:prstGeom prst="flowChartDecision">
+                <a:avLst/>
+              </a:prstGeom>
+            </p:spPr>
+            <p:style>
+              <a:lnRef idx="2">
+                <a:schemeClr val="accent6"/>
+              </a:lnRef>
+              <a:fillRef idx="1">
+                <a:schemeClr val="lt1"/>
+              </a:fillRef>
+              <a:effectRef idx="0">
+                <a:schemeClr val="accent6"/>
+              </a:effectRef>
+              <a:fontRef idx="minor">
+                <a:schemeClr val="dk1"/>
+              </a:fontRef>
+            </p:style>
+            <p:txBody>
+              <a:bodyPr rtlCol="0" anchor="ctr"/>
+              <a:lstStyle/>
+              <a:p>
+                <a:pPr algn="ctr"/>
+                <a:endParaRPr lang="en-SG" sz="600" b="1" dirty="0"/>
+              </a:p>
+            </p:txBody>
+          </p:sp>
+          <p:cxnSp>
+            <p:nvCxnSpPr>
+              <p:cNvPr id="218" name="Elbow Connector 217"/>
+              <p:cNvCxnSpPr>
+                <a:stCxn id="207" idx="3"/>
+                <a:endCxn id="215" idx="1"/>
+              </p:cNvCxnSpPr>
+              <p:nvPr/>
+            </p:nvCxnSpPr>
+            <p:spPr>
+              <a:xfrm>
+                <a:off x="7177315" y="3894992"/>
+                <a:ext cx="329207" cy="5259"/>
+              </a:xfrm>
+              <a:prstGeom prst="straightConnector1">
+                <a:avLst/>
+              </a:prstGeom>
+              <a:ln>
+                <a:tailEnd type="triangle"/>
+              </a:ln>
+            </p:spPr>
+            <p:style>
+              <a:lnRef idx="1">
+                <a:schemeClr val="accent2"/>
+              </a:lnRef>
+              <a:fillRef idx="0">
+                <a:schemeClr val="accent2"/>
+              </a:fillRef>
+              <a:effectRef idx="0">
+                <a:schemeClr val="accent2"/>
+              </a:effectRef>
+              <a:fontRef idx="minor">
+                <a:schemeClr val="tx1"/>
+              </a:fontRef>
+            </p:style>
+          </p:cxnSp>
+          <p:sp>
+            <p:nvSpPr>
+              <p:cNvPr id="219" name="Rounded Rectangle 218"/>
+              <p:cNvSpPr/>
+              <p:nvPr/>
+            </p:nvSpPr>
+            <p:spPr>
+              <a:xfrm>
+                <a:off x="7667178" y="3704085"/>
+                <a:ext cx="528016" cy="408189"/>
               </a:xfrm>
               <a:prstGeom prst="roundRect">
                 <a:avLst/>
@@ -9289,22 +10947,22 @@
               <a:p>
                 <a:pPr algn="ctr"/>
                 <a:r>
-                  <a:rPr lang="en-SG" sz="720" dirty="0"/>
-                  <a:t>Yes</a:t>
+                  <a:rPr lang="en-SG" sz="900" b="1" dirty="0"/>
+                  <a:t>Export?</a:t>
                 </a:r>
               </a:p>
             </p:txBody>
           </p:sp>
           <p:sp>
             <p:nvSpPr>
-              <p:cNvPr id="172" name="Rounded Rectangle 171"/>
+              <p:cNvPr id="230" name="Rounded Rectangle 229"/>
               <p:cNvSpPr/>
               <p:nvPr/>
             </p:nvSpPr>
             <p:spPr>
               <a:xfrm>
-                <a:off x="10499549" y="3554595"/>
-                <a:ext cx="632652" cy="435941"/>
+                <a:off x="8258694" y="3054809"/>
+                <a:ext cx="680750" cy="456566"/>
               </a:xfrm>
               <a:prstGeom prst="roundRect">
                 <a:avLst/>
@@ -9335,125 +10993,60 @@
               <a:p>
                 <a:pPr algn="ctr"/>
                 <a:r>
-                  <a:rPr lang="en-SG" sz="720" dirty="0"/>
-                  <a:t>Follow up with client</a:t>
+                  <a:rPr lang="en-SG" sz="900" b="1" dirty="0"/>
+                  <a:t>End of view dashboard</a:t>
                 </a:r>
               </a:p>
             </p:txBody>
           </p:sp>
-          <p:grpSp>
-            <p:nvGrpSpPr>
-              <p:cNvPr id="234" name="Group 233"/>
-              <p:cNvGrpSpPr/>
+          <p:cxnSp>
+            <p:nvCxnSpPr>
+              <p:cNvPr id="256" name="Elbow Connector 255"/>
+              <p:cNvCxnSpPr>
+                <a:stCxn id="150" idx="2"/>
+                <a:endCxn id="172" idx="0"/>
+              </p:cNvCxnSpPr>
               <p:nvPr/>
-            </p:nvGrpSpPr>
-            <p:grpSpPr>
-              <a:xfrm>
-                <a:off x="3698229" y="3040472"/>
-                <a:ext cx="865466" cy="615045"/>
-                <a:chOff x="9467962" y="2481252"/>
-                <a:chExt cx="959868" cy="770738"/>
+            </p:nvCxnSpPr>
+            <p:spPr>
+              <a:xfrm rot="16200000" flipH="1">
+                <a:off x="10231573" y="3931678"/>
+                <a:ext cx="326901" cy="1334"/>
               </a:xfrm>
-            </p:grpSpPr>
-            <p:sp>
-              <p:nvSpPr>
-                <p:cNvPr id="235" name="Flowchart: Decision 234"/>
-                <p:cNvSpPr/>
-                <p:nvPr/>
-              </p:nvSpPr>
-              <p:spPr>
-                <a:xfrm>
-                  <a:off x="9467962" y="2481252"/>
-                  <a:ext cx="959868" cy="770738"/>
-                </a:xfrm>
-                <a:prstGeom prst="flowChartDecision">
-                  <a:avLst/>
-                </a:prstGeom>
-              </p:spPr>
-              <p:style>
-                <a:lnRef idx="2">
-                  <a:schemeClr val="accent6"/>
-                </a:lnRef>
-                <a:fillRef idx="1">
-                  <a:schemeClr val="lt1"/>
-                </a:fillRef>
-                <a:effectRef idx="0">
-                  <a:schemeClr val="accent6"/>
-                </a:effectRef>
-                <a:fontRef idx="minor">
-                  <a:schemeClr val="dk1"/>
-                </a:fontRef>
-              </p:style>
-              <p:txBody>
-                <a:bodyPr rtlCol="0" anchor="ctr"/>
-                <a:lstStyle/>
-                <a:p>
-                  <a:pPr algn="ctr"/>
-                  <a:endParaRPr lang="en-SG" sz="500" dirty="0"/>
-                </a:p>
-              </p:txBody>
-            </p:sp>
-            <p:sp>
-              <p:nvSpPr>
-                <p:cNvPr id="236" name="Rounded Rectangle 235"/>
-                <p:cNvSpPr/>
-                <p:nvPr/>
-              </p:nvSpPr>
-              <p:spPr>
-                <a:xfrm>
-                  <a:off x="9722406" y="2609140"/>
-                  <a:ext cx="470196" cy="511518"/>
-                </a:xfrm>
-                <a:prstGeom prst="roundRect">
-                  <a:avLst/>
-                </a:prstGeom>
-                <a:noFill/>
-                <a:ln>
-                  <a:noFill/>
-                </a:ln>
-              </p:spPr>
-              <p:style>
-                <a:lnRef idx="2">
-                  <a:schemeClr val="accent6"/>
-                </a:lnRef>
-                <a:fillRef idx="1">
-                  <a:schemeClr val="lt1"/>
-                </a:fillRef>
-                <a:effectRef idx="0">
-                  <a:schemeClr val="accent6"/>
-                </a:effectRef>
-                <a:fontRef idx="minor">
-                  <a:schemeClr val="dk1"/>
-                </a:fontRef>
-              </p:style>
-              <p:txBody>
-                <a:bodyPr rot="0" spcFirstLastPara="0" vertOverflow="overflow" horzOverflow="overflow" vert="horz" wrap="square" lIns="36578" tIns="18289" rIns="36578" bIns="18289" numCol="1" spcCol="0" rtlCol="0" fromWordArt="0" anchor="ctr" anchorCtr="0" forceAA="0" compatLnSpc="1">
-                  <a:prstTxWarp prst="textNoShape">
-                    <a:avLst/>
-                  </a:prstTxWarp>
-                  <a:noAutofit/>
-                </a:bodyPr>
-                <a:lstStyle/>
-                <a:p>
-                  <a:pPr algn="ctr"/>
-                  <a:r>
-                    <a:rPr lang="en-SG" sz="700" dirty="0"/>
-                    <a:t>View Report or Client?</a:t>
-                  </a:r>
-                </a:p>
-              </p:txBody>
-            </p:sp>
-          </p:grpSp>
+              <a:prstGeom prst="bentConnector3">
+                <a:avLst>
+                  <a:gd name="adj1" fmla="val 50000"/>
+                </a:avLst>
+              </a:prstGeom>
+              <a:ln>
+                <a:tailEnd type="triangle"/>
+              </a:ln>
+            </p:spPr>
+            <p:style>
+              <a:lnRef idx="1">
+                <a:schemeClr val="accent2"/>
+              </a:lnRef>
+              <a:fillRef idx="0">
+                <a:schemeClr val="accent2"/>
+              </a:fillRef>
+              <a:effectRef idx="0">
+                <a:schemeClr val="accent2"/>
+              </a:effectRef>
+              <a:fontRef idx="minor">
+                <a:schemeClr val="tx1"/>
+              </a:fontRef>
+            </p:style>
+          </p:cxnSp>
           <p:sp>
             <p:nvSpPr>
-              <p:cNvPr id="254" name="Rounded Rectangle 253"/>
+              <p:cNvPr id="265" name="Rounded Rectangle 264"/>
               <p:cNvSpPr/>
               <p:nvPr/>
             </p:nvSpPr>
             <p:spPr>
               <a:xfrm>
-                <a:off x="3752268" y="2827245"/>
-                <a:ext cx="426088" cy="245393"/>
+                <a:off x="9254119" y="3178902"/>
+                <a:ext cx="464277" cy="184501"/>
               </a:xfrm>
               <a:prstGeom prst="roundRect">
                 <a:avLst/>
@@ -9488,25 +11081,104 @@
               <a:p>
                 <a:pPr algn="ctr"/>
                 <a:r>
-                  <a:rPr lang="en-SG" sz="720" dirty="0"/>
-                  <a:t>Client</a:t>
+                  <a:rPr lang="en-SG" sz="900" b="1" dirty="0"/>
+                  <a:t>End</a:t>
                 </a:r>
               </a:p>
             </p:txBody>
           </p:sp>
           <p:cxnSp>
             <p:nvCxnSpPr>
-              <p:cNvPr id="280" name="Elbow Connector 279"/>
+              <p:cNvPr id="274" name="Straight Arrow Connector 215"/>
               <p:cNvCxnSpPr>
-                <a:stCxn id="235" idx="3"/>
-                <a:endCxn id="5" idx="1"/>
+                <a:stCxn id="215" idx="0"/>
+                <a:endCxn id="230" idx="1"/>
+              </p:cNvCxnSpPr>
+              <p:nvPr/>
+            </p:nvCxnSpPr>
+            <p:spPr>
+              <a:xfrm rot="5400000" flipH="1" flipV="1">
+                <a:off x="7940941" y="3274975"/>
+                <a:ext cx="309636" cy="325870"/>
+              </a:xfrm>
+              <a:prstGeom prst="bentConnector2">
+                <a:avLst/>
+              </a:prstGeom>
+              <a:ln>
+                <a:tailEnd type="triangle"/>
+              </a:ln>
+            </p:spPr>
+            <p:style>
+              <a:lnRef idx="1">
+                <a:schemeClr val="accent2"/>
+              </a:lnRef>
+              <a:fillRef idx="0">
+                <a:schemeClr val="accent2"/>
+              </a:fillRef>
+              <a:effectRef idx="0">
+                <a:schemeClr val="accent2"/>
+              </a:effectRef>
+              <a:fontRef idx="minor">
+                <a:schemeClr val="tx1"/>
+              </a:fontRef>
+            </p:style>
+          </p:cxnSp>
+          <p:sp>
+            <p:nvSpPr>
+              <p:cNvPr id="264" name="Oval 263"/>
+              <p:cNvSpPr/>
+              <p:nvPr/>
+            </p:nvSpPr>
+            <p:spPr>
+              <a:xfrm>
+                <a:off x="9233830" y="3204585"/>
+                <a:ext cx="147054" cy="149135"/>
+              </a:xfrm>
+              <a:prstGeom prst="ellipse">
+                <a:avLst/>
+              </a:prstGeom>
+            </p:spPr>
+            <p:style>
+              <a:lnRef idx="2">
+                <a:schemeClr val="accent6"/>
+              </a:lnRef>
+              <a:fillRef idx="1">
+                <a:schemeClr val="lt1"/>
+              </a:fillRef>
+              <a:effectRef idx="0">
+                <a:schemeClr val="accent6"/>
+              </a:effectRef>
+              <a:fontRef idx="minor">
+                <a:schemeClr val="dk1"/>
+              </a:fontRef>
+            </p:style>
+            <p:txBody>
+              <a:bodyPr rot="0" spcFirstLastPara="0" vertOverflow="overflow" horzOverflow="overflow" vert="horz" wrap="square" lIns="36578" tIns="18289" rIns="36578" bIns="18289" numCol="1" spcCol="0" rtlCol="0" fromWordArt="0" anchor="ctr" anchorCtr="0" forceAA="0" compatLnSpc="1">
+                <a:prstTxWarp prst="textNoShape">
+                  <a:avLst/>
+                </a:prstTxWarp>
+                <a:noAutofit/>
+              </a:bodyPr>
+              <a:lstStyle/>
+              <a:p>
+                <a:pPr algn="ctr"/>
+                <a:endParaRPr lang="en-SG" sz="720" b="1"/>
+              </a:p>
+            </p:txBody>
+          </p:sp>
+          <p:cxnSp>
+            <p:nvCxnSpPr>
+              <p:cNvPr id="286" name="Elbow Connector 285"/>
+              <p:cNvCxnSpPr>
+                <a:stCxn id="230" idx="3"/>
+                <a:endCxn id="264" idx="2"/>
               </p:cNvCxnSpPr>
               <p:nvPr/>
             </p:nvCxnSpPr>
             <p:spPr>
               <a:xfrm flipV="1">
-                <a:off x="4563695" y="3346767"/>
-                <a:ext cx="628953" cy="1228"/>
+                <a:off x="8939444" y="3279153"/>
+                <a:ext cx="294386" cy="3939"/>
               </a:xfrm>
               <a:prstGeom prst="straightConnector1">
                 <a:avLst/>
@@ -9532,17 +11204,142 @@
           </p:cxnSp>
           <p:cxnSp>
             <p:nvCxnSpPr>
-              <p:cNvPr id="386" name="Elbow Connector 385"/>
+              <p:cNvPr id="290" name="Elbow Connector 289"/>
               <p:cNvCxnSpPr>
-                <a:stCxn id="20" idx="3"/>
-                <a:endCxn id="21" idx="1"/>
+                <a:stCxn id="215" idx="2"/>
+                <a:endCxn id="293" idx="1"/>
+              </p:cNvCxnSpPr>
+              <p:nvPr/>
+            </p:nvCxnSpPr>
+            <p:spPr>
+              <a:xfrm rot="16200000" flipH="1">
+                <a:off x="7882410" y="4258186"/>
+                <a:ext cx="445327" cy="344499"/>
+              </a:xfrm>
+              <a:prstGeom prst="bentConnector2">
+                <a:avLst/>
+              </a:prstGeom>
+              <a:ln>
+                <a:tailEnd type="triangle"/>
+              </a:ln>
+            </p:spPr>
+            <p:style>
+              <a:lnRef idx="1">
+                <a:schemeClr val="accent2"/>
+              </a:lnRef>
+              <a:fillRef idx="0">
+                <a:schemeClr val="accent2"/>
+              </a:fillRef>
+              <a:effectRef idx="0">
+                <a:schemeClr val="accent2"/>
+              </a:effectRef>
+              <a:fontRef idx="minor">
+                <a:schemeClr val="tx1"/>
+              </a:fontRef>
+            </p:style>
+          </p:cxnSp>
+          <p:sp>
+            <p:nvSpPr>
+              <p:cNvPr id="293" name="Rounded Rectangle 292"/>
+              <p:cNvSpPr/>
+              <p:nvPr/>
+            </p:nvSpPr>
+            <p:spPr>
+              <a:xfrm>
+                <a:off x="8277323" y="4480898"/>
+                <a:ext cx="604468" cy="344403"/>
+              </a:xfrm>
+              <a:prstGeom prst="roundRect">
+                <a:avLst/>
+              </a:prstGeom>
+            </p:spPr>
+            <p:style>
+              <a:lnRef idx="2">
+                <a:schemeClr val="accent6"/>
+              </a:lnRef>
+              <a:fillRef idx="1">
+                <a:schemeClr val="lt1"/>
+              </a:fillRef>
+              <a:effectRef idx="0">
+                <a:schemeClr val="accent6"/>
+              </a:effectRef>
+              <a:fontRef idx="minor">
+                <a:schemeClr val="dk1"/>
+              </a:fontRef>
+            </p:style>
+            <p:txBody>
+              <a:bodyPr rot="0" spcFirstLastPara="0" vertOverflow="overflow" horzOverflow="overflow" vert="horz" wrap="square" lIns="36578" tIns="18289" rIns="36578" bIns="18289" numCol="1" spcCol="0" rtlCol="0" fromWordArt="0" anchor="ctr" anchorCtr="0" forceAA="0" compatLnSpc="1">
+                <a:prstTxWarp prst="textNoShape">
+                  <a:avLst/>
+                </a:prstTxWarp>
+                <a:noAutofit/>
+              </a:bodyPr>
+              <a:lstStyle/>
+              <a:p>
+                <a:pPr algn="ctr"/>
+                <a:r>
+                  <a:rPr lang="en-SG" sz="900" b="1" dirty="0"/>
+                  <a:t>Download charts</a:t>
+                </a:r>
+              </a:p>
+            </p:txBody>
+          </p:sp>
+          <p:sp>
+            <p:nvSpPr>
+              <p:cNvPr id="322" name="Oval 321"/>
+              <p:cNvSpPr/>
+              <p:nvPr/>
+            </p:nvSpPr>
+            <p:spPr>
+              <a:xfrm>
+                <a:off x="9238367" y="4576590"/>
+                <a:ext cx="147054" cy="149135"/>
+              </a:xfrm>
+              <a:prstGeom prst="ellipse">
+                <a:avLst/>
+              </a:prstGeom>
+            </p:spPr>
+            <p:style>
+              <a:lnRef idx="2">
+                <a:schemeClr val="accent6"/>
+              </a:lnRef>
+              <a:fillRef idx="1">
+                <a:schemeClr val="lt1"/>
+              </a:fillRef>
+              <a:effectRef idx="0">
+                <a:schemeClr val="accent6"/>
+              </a:effectRef>
+              <a:fontRef idx="minor">
+                <a:schemeClr val="dk1"/>
+              </a:fontRef>
+            </p:style>
+            <p:txBody>
+              <a:bodyPr rot="0" spcFirstLastPara="0" vertOverflow="overflow" horzOverflow="overflow" vert="horz" wrap="square" lIns="36578" tIns="18289" rIns="36578" bIns="18289" numCol="1" spcCol="0" rtlCol="0" fromWordArt="0" anchor="ctr" anchorCtr="0" forceAA="0" compatLnSpc="1">
+                <a:prstTxWarp prst="textNoShape">
+                  <a:avLst/>
+                </a:prstTxWarp>
+                <a:noAutofit/>
+              </a:bodyPr>
+              <a:lstStyle/>
+              <a:p>
+                <a:pPr algn="ctr"/>
+                <a:endParaRPr lang="en-SG" sz="720" b="1"/>
+              </a:p>
+            </p:txBody>
+          </p:sp>
+          <p:cxnSp>
+            <p:nvCxnSpPr>
+              <p:cNvPr id="323" name="Elbow Connector 322"/>
+              <p:cNvCxnSpPr>
+                <a:stCxn id="293" idx="3"/>
+                <a:endCxn id="322" idx="2"/>
               </p:cNvCxnSpPr>
               <p:nvPr/>
             </p:nvCxnSpPr>
             <p:spPr>
               <a:xfrm flipV="1">
-                <a:off x="6967104" y="2108198"/>
-                <a:ext cx="273680" cy="3759"/>
+                <a:off x="8881791" y="4651158"/>
+                <a:ext cx="356576" cy="1942"/>
               </a:xfrm>
               <a:prstGeom prst="straightConnector1">
                 <a:avLst/>
@@ -9566,160 +11363,16 @@
               </a:fontRef>
             </p:style>
           </p:cxnSp>
-          <p:cxnSp>
-            <p:nvCxnSpPr>
-              <p:cNvPr id="400" name="Straight Arrow Connector 399"/>
-              <p:cNvCxnSpPr>
-                <a:stCxn id="5" idx="2"/>
-                <a:endCxn id="328" idx="0"/>
-              </p:cNvCxnSpPr>
-              <p:nvPr/>
-            </p:nvCxnSpPr>
-            <p:spPr>
-              <a:xfrm>
-                <a:off x="5672582" y="3732136"/>
-                <a:ext cx="209" cy="591654"/>
-              </a:xfrm>
-              <a:prstGeom prst="straightConnector1">
-                <a:avLst/>
-              </a:prstGeom>
-              <a:ln>
-                <a:tailEnd type="triangle"/>
-              </a:ln>
-            </p:spPr>
-            <p:style>
-              <a:lnRef idx="1">
-                <a:schemeClr val="accent2"/>
-              </a:lnRef>
-              <a:fillRef idx="0">
-                <a:schemeClr val="accent2"/>
-              </a:fillRef>
-              <a:effectRef idx="0">
-                <a:schemeClr val="accent2"/>
-              </a:effectRef>
-              <a:fontRef idx="minor">
-                <a:schemeClr val="tx1"/>
-              </a:fontRef>
-            </p:style>
-          </p:cxnSp>
-          <p:grpSp>
-            <p:nvGrpSpPr>
-              <p:cNvPr id="425" name="Group 424"/>
-              <p:cNvGrpSpPr/>
-              <p:nvPr/>
-            </p:nvGrpSpPr>
-            <p:grpSpPr>
-              <a:xfrm>
-                <a:off x="11762634" y="2814265"/>
-                <a:ext cx="506819" cy="184501"/>
-                <a:chOff x="15248455" y="5023429"/>
-                <a:chExt cx="506819" cy="184501"/>
-              </a:xfrm>
-            </p:grpSpPr>
-            <p:sp>
-              <p:nvSpPr>
-                <p:cNvPr id="426" name="Oval 425"/>
-                <p:cNvSpPr/>
-                <p:nvPr/>
-              </p:nvSpPr>
-              <p:spPr>
-                <a:xfrm>
-                  <a:off x="15248455" y="5064733"/>
-                  <a:ext cx="128784" cy="133775"/>
-                </a:xfrm>
-                <a:prstGeom prst="ellipse">
-                  <a:avLst/>
-                </a:prstGeom>
-              </p:spPr>
-              <p:style>
-                <a:lnRef idx="2">
-                  <a:schemeClr val="accent6"/>
-                </a:lnRef>
-                <a:fillRef idx="1">
-                  <a:schemeClr val="lt1"/>
-                </a:fillRef>
-                <a:effectRef idx="0">
-                  <a:schemeClr val="accent6"/>
-                </a:effectRef>
-                <a:fontRef idx="minor">
-                  <a:schemeClr val="dk1"/>
-                </a:fontRef>
-              </p:style>
-              <p:txBody>
-                <a:bodyPr rot="0" spcFirstLastPara="0" vertOverflow="overflow" horzOverflow="overflow" vert="horz" wrap="square" lIns="36578" tIns="18289" rIns="36578" bIns="18289" numCol="1" spcCol="0" rtlCol="0" fromWordArt="0" anchor="ctr" anchorCtr="0" forceAA="0" compatLnSpc="1">
-                  <a:prstTxWarp prst="textNoShape">
-                    <a:avLst/>
-                  </a:prstTxWarp>
-                  <a:noAutofit/>
-                </a:bodyPr>
-                <a:lstStyle/>
-                <a:p>
-                  <a:pPr algn="ctr"/>
-                  <a:endParaRPr lang="en-SG" sz="720"/>
-                </a:p>
-              </p:txBody>
-            </p:sp>
-            <p:sp>
-              <p:nvSpPr>
-                <p:cNvPr id="427" name="Rounded Rectangle 426"/>
-                <p:cNvSpPr/>
-                <p:nvPr/>
-              </p:nvSpPr>
-              <p:spPr>
-                <a:xfrm>
-                  <a:off x="15290997" y="5023429"/>
-                  <a:ext cx="464277" cy="184501"/>
-                </a:xfrm>
-                <a:prstGeom prst="roundRect">
-                  <a:avLst/>
-                </a:prstGeom>
-                <a:noFill/>
-                <a:ln>
-                  <a:noFill/>
-                </a:ln>
-              </p:spPr>
-              <p:style>
-                <a:lnRef idx="2">
-                  <a:schemeClr val="accent6"/>
-                </a:lnRef>
-                <a:fillRef idx="1">
-                  <a:schemeClr val="lt1"/>
-                </a:fillRef>
-                <a:effectRef idx="0">
-                  <a:schemeClr val="accent6"/>
-                </a:effectRef>
-                <a:fontRef idx="minor">
-                  <a:schemeClr val="dk1"/>
-                </a:fontRef>
-              </p:style>
-              <p:txBody>
-                <a:bodyPr rot="0" spcFirstLastPara="0" vertOverflow="overflow" horzOverflow="overflow" vert="horz" wrap="square" lIns="36578" tIns="18289" rIns="36578" bIns="18289" numCol="1" spcCol="0" rtlCol="0" fromWordArt="0" anchor="ctr" anchorCtr="0" forceAA="0" compatLnSpc="1">
-                  <a:prstTxWarp prst="textNoShape">
-                    <a:avLst/>
-                  </a:prstTxWarp>
-                  <a:noAutofit/>
-                </a:bodyPr>
-                <a:lstStyle/>
-                <a:p>
-                  <a:pPr algn="ctr"/>
-                  <a:r>
-                    <a:rPr lang="en-SG" sz="720" dirty="0"/>
-                    <a:t>End</a:t>
-                  </a:r>
-                </a:p>
-              </p:txBody>
-            </p:sp>
-          </p:grpSp>
           <p:sp>
             <p:nvSpPr>
-              <p:cNvPr id="434" name="Rounded Rectangle 433"/>
+              <p:cNvPr id="325" name="Rounded Rectangle 324"/>
               <p:cNvSpPr/>
               <p:nvPr/>
             </p:nvSpPr>
             <p:spPr>
               <a:xfrm>
-                <a:off x="6183312" y="3181180"/>
-                <a:ext cx="523283" cy="223183"/>
+                <a:off x="9254120" y="4558906"/>
+                <a:ext cx="464277" cy="184501"/>
               </a:xfrm>
               <a:prstGeom prst="roundRect">
                 <a:avLst/>
@@ -9754,21 +11407,762 @@
               <a:p>
                 <a:pPr algn="ctr"/>
                 <a:r>
-                  <a:rPr lang="en-SG" sz="720" dirty="0"/>
-                  <a:t>Overview</a:t>
+                  <a:rPr lang="en-SG" sz="900" b="1" dirty="0"/>
+                  <a:t>End</a:t>
                 </a:r>
               </a:p>
             </p:txBody>
           </p:sp>
           <p:sp>
             <p:nvSpPr>
-              <p:cNvPr id="440" name="Rounded Rectangle 439"/>
+              <p:cNvPr id="328" name="Rounded Rectangle 327"/>
               <p:cNvSpPr/>
               <p:nvPr/>
             </p:nvSpPr>
             <p:spPr>
               <a:xfrm>
-                <a:off x="7240784" y="4650306"/>
+                <a:off x="4824014" y="4864991"/>
+                <a:ext cx="857184" cy="456565"/>
+              </a:xfrm>
+              <a:prstGeom prst="roundRect">
+                <a:avLst/>
+              </a:prstGeom>
+            </p:spPr>
+            <p:style>
+              <a:lnRef idx="2">
+                <a:schemeClr val="accent6"/>
+              </a:lnRef>
+              <a:fillRef idx="1">
+                <a:schemeClr val="lt1"/>
+              </a:fillRef>
+              <a:effectRef idx="0">
+                <a:schemeClr val="accent6"/>
+              </a:effectRef>
+              <a:fontRef idx="minor">
+                <a:schemeClr val="dk1"/>
+              </a:fontRef>
+            </p:style>
+            <p:txBody>
+              <a:bodyPr rot="0" spcFirstLastPara="0" vertOverflow="overflow" horzOverflow="overflow" vert="horz" wrap="square" lIns="36578" tIns="18289" rIns="36578" bIns="18289" numCol="1" spcCol="0" rtlCol="0" fromWordArt="0" anchor="ctr" anchorCtr="0" forceAA="0" compatLnSpc="1">
+                <a:prstTxWarp prst="textNoShape">
+                  <a:avLst/>
+                </a:prstTxWarp>
+                <a:noAutofit/>
+              </a:bodyPr>
+              <a:lstStyle/>
+              <a:p>
+                <a:pPr algn="ctr"/>
+                <a:r>
+                  <a:rPr lang="en-SG" sz="900" b="1" dirty="0">
+                    <a:solidFill>
+                      <a:schemeClr val="tx1"/>
+                    </a:solidFill>
+                  </a:rPr>
+                  <a:t>Select report type</a:t>
+                </a:r>
+              </a:p>
+            </p:txBody>
+          </p:sp>
+          <p:sp>
+            <p:nvSpPr>
+              <p:cNvPr id="332" name="Rounded Rectangle 331"/>
+              <p:cNvSpPr/>
+              <p:nvPr/>
+            </p:nvSpPr>
+            <p:spPr>
+              <a:xfrm>
+                <a:off x="4816570" y="5683010"/>
+                <a:ext cx="857184" cy="456565"/>
+              </a:xfrm>
+              <a:prstGeom prst="roundRect">
+                <a:avLst/>
+              </a:prstGeom>
+            </p:spPr>
+            <p:style>
+              <a:lnRef idx="2">
+                <a:schemeClr val="accent6"/>
+              </a:lnRef>
+              <a:fillRef idx="1">
+                <a:schemeClr val="lt1"/>
+              </a:fillRef>
+              <a:effectRef idx="0">
+                <a:schemeClr val="accent6"/>
+              </a:effectRef>
+              <a:fontRef idx="minor">
+                <a:schemeClr val="dk1"/>
+              </a:fontRef>
+            </p:style>
+            <p:txBody>
+              <a:bodyPr rot="0" spcFirstLastPara="0" vertOverflow="overflow" horzOverflow="overflow" vert="horz" wrap="square" lIns="36578" tIns="18289" rIns="36578" bIns="18289" numCol="1" spcCol="0" rtlCol="0" fromWordArt="0" anchor="ctr" anchorCtr="0" forceAA="0" compatLnSpc="1">
+                <a:prstTxWarp prst="textNoShape">
+                  <a:avLst/>
+                </a:prstTxWarp>
+                <a:noAutofit/>
+              </a:bodyPr>
+              <a:lstStyle/>
+              <a:p>
+                <a:pPr algn="ctr"/>
+                <a:r>
+                  <a:rPr lang="en-SG" sz="900" b="1" dirty="0">
+                    <a:solidFill>
+                      <a:schemeClr val="tx1"/>
+                    </a:solidFill>
+                  </a:rPr>
+                  <a:t>Apply required filters</a:t>
+                </a:r>
+              </a:p>
+            </p:txBody>
+          </p:sp>
+          <p:sp>
+            <p:nvSpPr>
+              <p:cNvPr id="354" name="Flowchart: Decision 353"/>
+              <p:cNvSpPr/>
+              <p:nvPr/>
+            </p:nvSpPr>
+            <p:spPr>
+              <a:xfrm>
+                <a:off x="6445250" y="5599374"/>
+                <a:ext cx="876364" cy="615045"/>
+              </a:xfrm>
+              <a:prstGeom prst="flowChartDecision">
+                <a:avLst/>
+              </a:prstGeom>
+            </p:spPr>
+            <p:style>
+              <a:lnRef idx="2">
+                <a:schemeClr val="accent6"/>
+              </a:lnRef>
+              <a:fillRef idx="1">
+                <a:schemeClr val="lt1"/>
+              </a:fillRef>
+              <a:effectRef idx="0">
+                <a:schemeClr val="accent6"/>
+              </a:effectRef>
+              <a:fontRef idx="minor">
+                <a:schemeClr val="dk1"/>
+              </a:fontRef>
+            </p:style>
+            <p:txBody>
+              <a:bodyPr rtlCol="0" anchor="ctr"/>
+              <a:lstStyle/>
+              <a:p>
+                <a:pPr algn="ctr"/>
+                <a:endParaRPr lang="en-SG" sz="800" b="1" dirty="0"/>
+              </a:p>
+            </p:txBody>
+          </p:sp>
+          <p:sp>
+            <p:nvSpPr>
+              <p:cNvPr id="355" name="Rounded Rectangle 354"/>
+              <p:cNvSpPr/>
+              <p:nvPr/>
+            </p:nvSpPr>
+            <p:spPr>
+              <a:xfrm>
+                <a:off x="7202132" y="5124955"/>
+                <a:ext cx="581226" cy="456566"/>
+              </a:xfrm>
+              <a:prstGeom prst="roundRect">
+                <a:avLst/>
+              </a:prstGeom>
+            </p:spPr>
+            <p:style>
+              <a:lnRef idx="2">
+                <a:schemeClr val="accent6"/>
+              </a:lnRef>
+              <a:fillRef idx="1">
+                <a:schemeClr val="lt1"/>
+              </a:fillRef>
+              <a:effectRef idx="0">
+                <a:schemeClr val="accent6"/>
+              </a:effectRef>
+              <a:fontRef idx="minor">
+                <a:schemeClr val="dk1"/>
+              </a:fontRef>
+            </p:style>
+            <p:txBody>
+              <a:bodyPr rot="0" spcFirstLastPara="0" vertOverflow="overflow" horzOverflow="overflow" vert="horz" wrap="square" lIns="36578" tIns="18289" rIns="36578" bIns="18289" numCol="1" spcCol="0" rtlCol="0" fromWordArt="0" anchor="ctr" anchorCtr="0" forceAA="0" compatLnSpc="1">
+                <a:prstTxWarp prst="textNoShape">
+                  <a:avLst/>
+                </a:prstTxWarp>
+                <a:noAutofit/>
+              </a:bodyPr>
+              <a:lstStyle/>
+              <a:p>
+                <a:pPr algn="ctr"/>
+                <a:r>
+                  <a:rPr lang="en-SG" sz="900" b="1" dirty="0"/>
+                  <a:t>End of reports</a:t>
+                </a:r>
+              </a:p>
+            </p:txBody>
+          </p:sp>
+          <p:cxnSp>
+            <p:nvCxnSpPr>
+              <p:cNvPr id="356" name="Straight Arrow Connector 215"/>
+              <p:cNvCxnSpPr>
+                <a:stCxn id="354" idx="0"/>
+                <a:endCxn id="355" idx="1"/>
+              </p:cNvCxnSpPr>
+              <p:nvPr/>
+            </p:nvCxnSpPr>
+            <p:spPr>
+              <a:xfrm rot="5400000" flipH="1" flipV="1">
+                <a:off x="6919714" y="5316956"/>
+                <a:ext cx="246136" cy="318700"/>
+              </a:xfrm>
+              <a:prstGeom prst="bentConnector2">
+                <a:avLst/>
+              </a:prstGeom>
+              <a:ln>
+                <a:tailEnd type="triangle"/>
+              </a:ln>
+            </p:spPr>
+            <p:style>
+              <a:lnRef idx="1">
+                <a:schemeClr val="accent2"/>
+              </a:lnRef>
+              <a:fillRef idx="0">
+                <a:schemeClr val="accent2"/>
+              </a:fillRef>
+              <a:effectRef idx="0">
+                <a:schemeClr val="accent2"/>
+              </a:effectRef>
+              <a:fontRef idx="minor">
+                <a:schemeClr val="tx1"/>
+              </a:fontRef>
+            </p:style>
+          </p:cxnSp>
+          <p:cxnSp>
+            <p:nvCxnSpPr>
+              <p:cNvPr id="357" name="Elbow Connector 356"/>
+              <p:cNvCxnSpPr>
+                <a:stCxn id="354" idx="3"/>
+                <a:endCxn id="358" idx="1"/>
+              </p:cNvCxnSpPr>
+              <p:nvPr/>
+            </p:nvCxnSpPr>
+            <p:spPr>
+              <a:xfrm flipV="1">
+                <a:off x="7321614" y="5904485"/>
+                <a:ext cx="345564" cy="2412"/>
+              </a:xfrm>
+              <a:prstGeom prst="straightConnector1">
+                <a:avLst/>
+              </a:prstGeom>
+              <a:ln>
+                <a:tailEnd type="triangle"/>
+              </a:ln>
+            </p:spPr>
+            <p:style>
+              <a:lnRef idx="1">
+                <a:schemeClr val="accent2"/>
+              </a:lnRef>
+              <a:fillRef idx="0">
+                <a:schemeClr val="accent2"/>
+              </a:fillRef>
+              <a:effectRef idx="0">
+                <a:schemeClr val="accent2"/>
+              </a:effectRef>
+              <a:fontRef idx="minor">
+                <a:schemeClr val="tx1"/>
+              </a:fontRef>
+            </p:style>
+          </p:cxnSp>
+          <p:sp>
+            <p:nvSpPr>
+              <p:cNvPr id="358" name="Rounded Rectangle 357"/>
+              <p:cNvSpPr/>
+              <p:nvPr/>
+            </p:nvSpPr>
+            <p:spPr>
+              <a:xfrm>
+                <a:off x="7667178" y="5705579"/>
+                <a:ext cx="604468" cy="397812"/>
+              </a:xfrm>
+              <a:prstGeom prst="roundRect">
+                <a:avLst/>
+              </a:prstGeom>
+            </p:spPr>
+            <p:style>
+              <a:lnRef idx="2">
+                <a:schemeClr val="accent6"/>
+              </a:lnRef>
+              <a:fillRef idx="1">
+                <a:schemeClr val="lt1"/>
+              </a:fillRef>
+              <a:effectRef idx="0">
+                <a:schemeClr val="accent6"/>
+              </a:effectRef>
+              <a:fontRef idx="minor">
+                <a:schemeClr val="dk1"/>
+              </a:fontRef>
+            </p:style>
+            <p:txBody>
+              <a:bodyPr rot="0" spcFirstLastPara="0" vertOverflow="overflow" horzOverflow="overflow" vert="horz" wrap="square" lIns="36578" tIns="18289" rIns="36578" bIns="18289" numCol="1" spcCol="0" rtlCol="0" fromWordArt="0" anchor="ctr" anchorCtr="0" forceAA="0" compatLnSpc="1">
+                <a:prstTxWarp prst="textNoShape">
+                  <a:avLst/>
+                </a:prstTxWarp>
+                <a:noAutofit/>
+              </a:bodyPr>
+              <a:lstStyle/>
+              <a:p>
+                <a:pPr algn="ctr"/>
+                <a:r>
+                  <a:rPr lang="en-SG" sz="900" b="1" dirty="0"/>
+                  <a:t>Export preferred report</a:t>
+                </a:r>
+              </a:p>
+            </p:txBody>
+          </p:sp>
+          <p:sp>
+            <p:nvSpPr>
+              <p:cNvPr id="364" name="Oval 363"/>
+              <p:cNvSpPr/>
+              <p:nvPr/>
+            </p:nvSpPr>
+            <p:spPr>
+              <a:xfrm>
+                <a:off x="8182357" y="5285846"/>
+                <a:ext cx="147054" cy="149135"/>
+              </a:xfrm>
+              <a:prstGeom prst="ellipse">
+                <a:avLst/>
+              </a:prstGeom>
+            </p:spPr>
+            <p:style>
+              <a:lnRef idx="2">
+                <a:schemeClr val="accent6"/>
+              </a:lnRef>
+              <a:fillRef idx="1">
+                <a:schemeClr val="lt1"/>
+              </a:fillRef>
+              <a:effectRef idx="0">
+                <a:schemeClr val="accent6"/>
+              </a:effectRef>
+              <a:fontRef idx="minor">
+                <a:schemeClr val="dk1"/>
+              </a:fontRef>
+            </p:style>
+            <p:txBody>
+              <a:bodyPr rot="0" spcFirstLastPara="0" vertOverflow="overflow" horzOverflow="overflow" vert="horz" wrap="square" lIns="36578" tIns="18289" rIns="36578" bIns="18289" numCol="1" spcCol="0" rtlCol="0" fromWordArt="0" anchor="ctr" anchorCtr="0" forceAA="0" compatLnSpc="1">
+                <a:prstTxWarp prst="textNoShape">
+                  <a:avLst/>
+                </a:prstTxWarp>
+                <a:noAutofit/>
+              </a:bodyPr>
+              <a:lstStyle/>
+              <a:p>
+                <a:pPr algn="ctr"/>
+                <a:endParaRPr lang="en-SG" sz="720" b="1"/>
+              </a:p>
+            </p:txBody>
+          </p:sp>
+          <p:cxnSp>
+            <p:nvCxnSpPr>
+              <p:cNvPr id="365" name="Elbow Connector 364"/>
+              <p:cNvCxnSpPr>
+                <a:stCxn id="355" idx="3"/>
+                <a:endCxn id="364" idx="2"/>
+              </p:cNvCxnSpPr>
+              <p:nvPr/>
+            </p:nvCxnSpPr>
+            <p:spPr>
+              <a:xfrm>
+                <a:off x="7783358" y="5353238"/>
+                <a:ext cx="398999" cy="7176"/>
+              </a:xfrm>
+              <a:prstGeom prst="straightConnector1">
+                <a:avLst/>
+              </a:prstGeom>
+              <a:ln>
+                <a:tailEnd type="triangle"/>
+              </a:ln>
+            </p:spPr>
+            <p:style>
+              <a:lnRef idx="1">
+                <a:schemeClr val="accent2"/>
+              </a:lnRef>
+              <a:fillRef idx="0">
+                <a:schemeClr val="accent2"/>
+              </a:fillRef>
+              <a:effectRef idx="0">
+                <a:schemeClr val="accent2"/>
+              </a:effectRef>
+              <a:fontRef idx="minor">
+                <a:schemeClr val="tx1"/>
+              </a:fontRef>
+            </p:style>
+          </p:cxnSp>
+          <p:sp>
+            <p:nvSpPr>
+              <p:cNvPr id="367" name="Rounded Rectangle 366"/>
+              <p:cNvSpPr/>
+              <p:nvPr/>
+            </p:nvSpPr>
+            <p:spPr>
+              <a:xfrm>
+                <a:off x="8207647" y="5273957"/>
+                <a:ext cx="464277" cy="184501"/>
+              </a:xfrm>
+              <a:prstGeom prst="roundRect">
+                <a:avLst/>
+              </a:prstGeom>
+              <a:noFill/>
+              <a:ln>
+                <a:noFill/>
+              </a:ln>
+            </p:spPr>
+            <p:style>
+              <a:lnRef idx="2">
+                <a:schemeClr val="accent6"/>
+              </a:lnRef>
+              <a:fillRef idx="1">
+                <a:schemeClr val="lt1"/>
+              </a:fillRef>
+              <a:effectRef idx="0">
+                <a:schemeClr val="accent6"/>
+              </a:effectRef>
+              <a:fontRef idx="minor">
+                <a:schemeClr val="dk1"/>
+              </a:fontRef>
+            </p:style>
+            <p:txBody>
+              <a:bodyPr rot="0" spcFirstLastPara="0" vertOverflow="overflow" horzOverflow="overflow" vert="horz" wrap="square" lIns="36578" tIns="18289" rIns="36578" bIns="18289" numCol="1" spcCol="0" rtlCol="0" fromWordArt="0" anchor="ctr" anchorCtr="0" forceAA="0" compatLnSpc="1">
+                <a:prstTxWarp prst="textNoShape">
+                  <a:avLst/>
+                </a:prstTxWarp>
+                <a:noAutofit/>
+              </a:bodyPr>
+              <a:lstStyle/>
+              <a:p>
+                <a:pPr algn="ctr"/>
+                <a:r>
+                  <a:rPr lang="en-SG" sz="900" b="1" dirty="0"/>
+                  <a:t>End</a:t>
+                </a:r>
+              </a:p>
+            </p:txBody>
+          </p:sp>
+          <p:sp>
+            <p:nvSpPr>
+              <p:cNvPr id="369" name="Oval 368"/>
+              <p:cNvSpPr/>
+              <p:nvPr/>
+            </p:nvSpPr>
+            <p:spPr>
+              <a:xfrm>
+                <a:off x="8654883" y="5830871"/>
+                <a:ext cx="147054" cy="149135"/>
+              </a:xfrm>
+              <a:prstGeom prst="ellipse">
+                <a:avLst/>
+              </a:prstGeom>
+            </p:spPr>
+            <p:style>
+              <a:lnRef idx="2">
+                <a:schemeClr val="accent6"/>
+              </a:lnRef>
+              <a:fillRef idx="1">
+                <a:schemeClr val="lt1"/>
+              </a:fillRef>
+              <a:effectRef idx="0">
+                <a:schemeClr val="accent6"/>
+              </a:effectRef>
+              <a:fontRef idx="minor">
+                <a:schemeClr val="dk1"/>
+              </a:fontRef>
+            </p:style>
+            <p:txBody>
+              <a:bodyPr rot="0" spcFirstLastPara="0" vertOverflow="overflow" horzOverflow="overflow" vert="horz" wrap="square" lIns="36578" tIns="18289" rIns="36578" bIns="18289" numCol="1" spcCol="0" rtlCol="0" fromWordArt="0" anchor="ctr" anchorCtr="0" forceAA="0" compatLnSpc="1">
+                <a:prstTxWarp prst="textNoShape">
+                  <a:avLst/>
+                </a:prstTxWarp>
+                <a:noAutofit/>
+              </a:bodyPr>
+              <a:lstStyle/>
+              <a:p>
+                <a:pPr algn="ctr"/>
+                <a:endParaRPr lang="en-SG" sz="720" b="1"/>
+              </a:p>
+            </p:txBody>
+          </p:sp>
+          <p:cxnSp>
+            <p:nvCxnSpPr>
+              <p:cNvPr id="370" name="Elbow Connector 369"/>
+              <p:cNvCxnSpPr>
+                <a:stCxn id="358" idx="3"/>
+                <a:endCxn id="369" idx="2"/>
+              </p:cNvCxnSpPr>
+              <p:nvPr/>
+            </p:nvCxnSpPr>
+            <p:spPr>
+              <a:xfrm>
+                <a:off x="8271646" y="5904485"/>
+                <a:ext cx="383237" cy="954"/>
+              </a:xfrm>
+              <a:prstGeom prst="straightConnector1">
+                <a:avLst/>
+              </a:prstGeom>
+              <a:ln>
+                <a:tailEnd type="triangle"/>
+              </a:ln>
+            </p:spPr>
+            <p:style>
+              <a:lnRef idx="1">
+                <a:schemeClr val="accent2"/>
+              </a:lnRef>
+              <a:fillRef idx="0">
+                <a:schemeClr val="accent2"/>
+              </a:fillRef>
+              <a:effectRef idx="0">
+                <a:schemeClr val="accent2"/>
+              </a:effectRef>
+              <a:fontRef idx="minor">
+                <a:schemeClr val="tx1"/>
+              </a:fontRef>
+            </p:style>
+          </p:cxnSp>
+          <p:cxnSp>
+            <p:nvCxnSpPr>
+              <p:cNvPr id="376" name="Elbow Connector 375"/>
+              <p:cNvCxnSpPr>
+                <a:stCxn id="172" idx="2"/>
+                <a:endCxn id="381" idx="0"/>
+              </p:cNvCxnSpPr>
+              <p:nvPr/>
+            </p:nvCxnSpPr>
+            <p:spPr>
+              <a:xfrm>
+                <a:off x="10395690" y="4531737"/>
+                <a:ext cx="6280" cy="359484"/>
+              </a:xfrm>
+              <a:prstGeom prst="straightConnector1">
+                <a:avLst/>
+              </a:prstGeom>
+              <a:ln>
+                <a:tailEnd type="triangle"/>
+              </a:ln>
+            </p:spPr>
+            <p:style>
+              <a:lnRef idx="1">
+                <a:schemeClr val="accent2"/>
+              </a:lnRef>
+              <a:fillRef idx="0">
+                <a:schemeClr val="accent2"/>
+              </a:fillRef>
+              <a:effectRef idx="0">
+                <a:schemeClr val="accent2"/>
+              </a:effectRef>
+              <a:fontRef idx="minor">
+                <a:schemeClr val="tx1"/>
+              </a:fontRef>
+            </p:style>
+          </p:cxnSp>
+          <p:sp>
+            <p:nvSpPr>
+              <p:cNvPr id="381" name="Oval 380"/>
+              <p:cNvSpPr/>
+              <p:nvPr/>
+            </p:nvSpPr>
+            <p:spPr>
+              <a:xfrm>
+                <a:off x="10328443" y="4891221"/>
+                <a:ext cx="147054" cy="149135"/>
+              </a:xfrm>
+              <a:prstGeom prst="ellipse">
+                <a:avLst/>
+              </a:prstGeom>
+            </p:spPr>
+            <p:style>
+              <a:lnRef idx="2">
+                <a:schemeClr val="accent6"/>
+              </a:lnRef>
+              <a:fillRef idx="1">
+                <a:schemeClr val="lt1"/>
+              </a:fillRef>
+              <a:effectRef idx="0">
+                <a:schemeClr val="accent6"/>
+              </a:effectRef>
+              <a:fontRef idx="minor">
+                <a:schemeClr val="dk1"/>
+              </a:fontRef>
+            </p:style>
+            <p:txBody>
+              <a:bodyPr rot="0" spcFirstLastPara="0" vertOverflow="overflow" horzOverflow="overflow" vert="horz" wrap="square" lIns="36578" tIns="18289" rIns="36578" bIns="18289" numCol="1" spcCol="0" rtlCol="0" fromWordArt="0" anchor="ctr" anchorCtr="0" forceAA="0" compatLnSpc="1">
+                <a:prstTxWarp prst="textNoShape">
+                  <a:avLst/>
+                </a:prstTxWarp>
+                <a:noAutofit/>
+              </a:bodyPr>
+              <a:lstStyle/>
+              <a:p>
+                <a:pPr algn="ctr"/>
+                <a:endParaRPr lang="en-SG" sz="720" b="1"/>
+              </a:p>
+            </p:txBody>
+          </p:sp>
+          <p:sp>
+            <p:nvSpPr>
+              <p:cNvPr id="382" name="Rounded Rectangle 381"/>
+              <p:cNvSpPr/>
+              <p:nvPr/>
+            </p:nvSpPr>
+            <p:spPr>
+              <a:xfrm>
+                <a:off x="10180176" y="5045488"/>
+                <a:ext cx="464277" cy="184501"/>
+              </a:xfrm>
+              <a:prstGeom prst="roundRect">
+                <a:avLst/>
+              </a:prstGeom>
+              <a:noFill/>
+              <a:ln>
+                <a:noFill/>
+              </a:ln>
+            </p:spPr>
+            <p:style>
+              <a:lnRef idx="2">
+                <a:schemeClr val="accent6"/>
+              </a:lnRef>
+              <a:fillRef idx="1">
+                <a:schemeClr val="lt1"/>
+              </a:fillRef>
+              <a:effectRef idx="0">
+                <a:schemeClr val="accent6"/>
+              </a:effectRef>
+              <a:fontRef idx="minor">
+                <a:schemeClr val="dk1"/>
+              </a:fontRef>
+            </p:style>
+            <p:txBody>
+              <a:bodyPr rot="0" spcFirstLastPara="0" vertOverflow="overflow" horzOverflow="overflow" vert="horz" wrap="square" lIns="36578" tIns="18289" rIns="36578" bIns="18289" numCol="1" spcCol="0" rtlCol="0" fromWordArt="0" anchor="ctr" anchorCtr="0" forceAA="0" compatLnSpc="1">
+                <a:prstTxWarp prst="textNoShape">
+                  <a:avLst/>
+                </a:prstTxWarp>
+                <a:noAutofit/>
+              </a:bodyPr>
+              <a:lstStyle/>
+              <a:p>
+                <a:pPr algn="ctr"/>
+                <a:r>
+                  <a:rPr lang="en-SG" sz="900" b="1" dirty="0"/>
+                  <a:t>End</a:t>
+                </a:r>
+                <a:endParaRPr lang="en-SG" sz="720" b="1" dirty="0"/>
+              </a:p>
+            </p:txBody>
+          </p:sp>
+          <p:sp>
+            <p:nvSpPr>
+              <p:cNvPr id="385" name="Rounded Rectangle 384"/>
+              <p:cNvSpPr/>
+              <p:nvPr/>
+            </p:nvSpPr>
+            <p:spPr>
+              <a:xfrm>
+                <a:off x="8680344" y="5800069"/>
+                <a:ext cx="464277" cy="184501"/>
+              </a:xfrm>
+              <a:prstGeom prst="roundRect">
+                <a:avLst/>
+              </a:prstGeom>
+              <a:noFill/>
+              <a:ln>
+                <a:noFill/>
+              </a:ln>
+            </p:spPr>
+            <p:style>
+              <a:lnRef idx="2">
+                <a:schemeClr val="accent6"/>
+              </a:lnRef>
+              <a:fillRef idx="1">
+                <a:schemeClr val="lt1"/>
+              </a:fillRef>
+              <a:effectRef idx="0">
+                <a:schemeClr val="accent6"/>
+              </a:effectRef>
+              <a:fontRef idx="minor">
+                <a:schemeClr val="dk1"/>
+              </a:fontRef>
+            </p:style>
+            <p:txBody>
+              <a:bodyPr rot="0" spcFirstLastPara="0" vertOverflow="overflow" horzOverflow="overflow" vert="horz" wrap="square" lIns="36578" tIns="18289" rIns="36578" bIns="18289" numCol="1" spcCol="0" rtlCol="0" fromWordArt="0" anchor="ctr" anchorCtr="0" forceAA="0" compatLnSpc="1">
+                <a:prstTxWarp prst="textNoShape">
+                  <a:avLst/>
+                </a:prstTxWarp>
+                <a:noAutofit/>
+              </a:bodyPr>
+              <a:lstStyle/>
+              <a:p>
+                <a:pPr algn="ctr"/>
+                <a:r>
+                  <a:rPr lang="en-SG" sz="900" b="1" dirty="0"/>
+                  <a:t>End</a:t>
+                </a:r>
+                <a:endParaRPr lang="en-SG" sz="720" b="1" dirty="0"/>
+              </a:p>
+            </p:txBody>
+          </p:sp>
+          <p:sp>
+            <p:nvSpPr>
+              <p:cNvPr id="390" name="Rounded Rectangle 389"/>
+              <p:cNvSpPr/>
+              <p:nvPr/>
+            </p:nvSpPr>
+            <p:spPr>
+              <a:xfrm>
+                <a:off x="4724736" y="4294619"/>
+                <a:ext cx="527337" cy="164621"/>
+              </a:xfrm>
+              <a:prstGeom prst="roundRect">
+                <a:avLst/>
+              </a:prstGeom>
+              <a:noFill/>
+              <a:ln>
+                <a:noFill/>
+              </a:ln>
+            </p:spPr>
+            <p:style>
+              <a:lnRef idx="2">
+                <a:schemeClr val="accent6"/>
+              </a:lnRef>
+              <a:fillRef idx="1">
+                <a:schemeClr val="lt1"/>
+              </a:fillRef>
+              <a:effectRef idx="0">
+                <a:schemeClr val="accent6"/>
+              </a:effectRef>
+              <a:fontRef idx="minor">
+                <a:schemeClr val="dk1"/>
+              </a:fontRef>
+            </p:style>
+            <p:txBody>
+              <a:bodyPr rot="0" spcFirstLastPara="0" vertOverflow="overflow" horzOverflow="overflow" vert="horz" wrap="square" lIns="36578" tIns="18289" rIns="36578" bIns="18289" numCol="1" spcCol="0" rtlCol="0" fromWordArt="0" anchor="ctr" anchorCtr="0" forceAA="0" compatLnSpc="1">
+                <a:prstTxWarp prst="textNoShape">
+                  <a:avLst/>
+                </a:prstTxWarp>
+                <a:noAutofit/>
+              </a:bodyPr>
+              <a:lstStyle/>
+              <a:p>
+                <a:pPr algn="ctr"/>
+                <a:r>
+                  <a:rPr lang="en-SG" sz="900" b="1" dirty="0"/>
+                  <a:t>Detailed</a:t>
+                </a:r>
+              </a:p>
+            </p:txBody>
+          </p:sp>
+          <p:sp>
+            <p:nvSpPr>
+              <p:cNvPr id="391" name="Rounded Rectangle 390"/>
+              <p:cNvSpPr/>
+              <p:nvPr/>
+            </p:nvSpPr>
+            <p:spPr>
+              <a:xfrm>
+                <a:off x="7253096" y="5777967"/>
                 <a:ext cx="295977" cy="99379"/>
               </a:xfrm>
               <a:prstGeom prst="roundRect">
@@ -9804,154 +12198,22 @@
               <a:p>
                 <a:pPr algn="ctr"/>
                 <a:r>
-                  <a:rPr lang="en-SG" sz="720" dirty="0"/>
-                  <a:t>No</a:t>
-                </a:r>
-              </a:p>
-            </p:txBody>
-          </p:sp>
-          <p:cxnSp>
-            <p:nvCxnSpPr>
-              <p:cNvPr id="453" name="Straight Arrow Connector 452"/>
-              <p:cNvCxnSpPr>
-                <a:stCxn id="328" idx="2"/>
-                <a:endCxn id="332" idx="0"/>
-              </p:cNvCxnSpPr>
-              <p:nvPr/>
-            </p:nvCxnSpPr>
-            <p:spPr>
-              <a:xfrm flipH="1">
-                <a:off x="5665347" y="4780355"/>
-                <a:ext cx="7444" cy="361454"/>
-              </a:xfrm>
-              <a:prstGeom prst="straightConnector1">
-                <a:avLst/>
-              </a:prstGeom>
-              <a:ln>
-                <a:tailEnd type="triangle"/>
-              </a:ln>
-            </p:spPr>
-            <p:style>
-              <a:lnRef idx="1">
-                <a:schemeClr val="accent2"/>
-              </a:lnRef>
-              <a:fillRef idx="0">
-                <a:schemeClr val="accent2"/>
-              </a:fillRef>
-              <a:effectRef idx="0">
-                <a:schemeClr val="accent2"/>
-              </a:effectRef>
-              <a:fontRef idx="minor">
-                <a:schemeClr val="tx1"/>
-              </a:fontRef>
-            </p:style>
-          </p:cxnSp>
-          <p:cxnSp>
-            <p:nvCxnSpPr>
-              <p:cNvPr id="480" name="Straight Arrow Connector 479"/>
-              <p:cNvCxnSpPr>
-                <a:stCxn id="332" idx="2"/>
-                <a:endCxn id="483" idx="0"/>
-              </p:cNvCxnSpPr>
-              <p:nvPr/>
-            </p:nvCxnSpPr>
-            <p:spPr>
-              <a:xfrm flipH="1">
-                <a:off x="5660830" y="5598374"/>
-                <a:ext cx="4517" cy="1053573"/>
-              </a:xfrm>
-              <a:prstGeom prst="straightConnector1">
-                <a:avLst/>
-              </a:prstGeom>
-              <a:ln>
-                <a:tailEnd type="triangle"/>
-              </a:ln>
-            </p:spPr>
-            <p:style>
-              <a:lnRef idx="1">
-                <a:schemeClr val="accent2"/>
-              </a:lnRef>
-              <a:fillRef idx="0">
-                <a:schemeClr val="accent2"/>
-              </a:fillRef>
-              <a:effectRef idx="0">
-                <a:schemeClr val="accent2"/>
-              </a:effectRef>
-              <a:fontRef idx="minor">
-                <a:schemeClr val="tx1"/>
-              </a:fontRef>
-            </p:style>
-          </p:cxnSp>
-          <p:sp>
-            <p:nvSpPr>
-              <p:cNvPr id="483" name="Rounded Rectangle 482"/>
-              <p:cNvSpPr/>
-              <p:nvPr/>
-            </p:nvSpPr>
-            <p:spPr>
-              <a:xfrm>
-                <a:off x="5232238" y="6651947"/>
-                <a:ext cx="857184" cy="456565"/>
-              </a:xfrm>
-              <a:prstGeom prst="roundRect">
-                <a:avLst/>
-              </a:prstGeom>
-              <a:solidFill>
-                <a:schemeClr val="bg1"/>
-              </a:solidFill>
-              <a:ln>
-                <a:solidFill>
-                  <a:schemeClr val="accent6"/>
-                </a:solidFill>
-              </a:ln>
-            </p:spPr>
-            <p:style>
-              <a:lnRef idx="2">
-                <a:schemeClr val="accent2">
-                  <a:shade val="50000"/>
-                </a:schemeClr>
-              </a:lnRef>
-              <a:fillRef idx="1">
-                <a:schemeClr val="accent2"/>
-              </a:fillRef>
-              <a:effectRef idx="0">
-                <a:schemeClr val="accent2"/>
-              </a:effectRef>
-              <a:fontRef idx="minor">
-                <a:schemeClr val="lt1"/>
-              </a:fontRef>
-            </p:style>
-            <p:txBody>
-              <a:bodyPr rot="0" spcFirstLastPara="0" vertOverflow="overflow" horzOverflow="overflow" vert="horz" wrap="square" lIns="36578" tIns="18289" rIns="36578" bIns="18289" numCol="1" spcCol="0" rtlCol="0" fromWordArt="0" anchor="ctr" anchorCtr="0" forceAA="0" compatLnSpc="1">
-                <a:prstTxWarp prst="textNoShape">
-                  <a:avLst/>
-                </a:prstTxWarp>
-                <a:noAutofit/>
-              </a:bodyPr>
-              <a:lstStyle/>
-              <a:p>
-                <a:pPr algn="ctr"/>
-                <a:r>
-                  <a:rPr lang="en-SG" sz="720" dirty="0">
-                    <a:solidFill>
-                      <a:schemeClr val="tx1"/>
-                    </a:solidFill>
-                  </a:rPr>
-                  <a:t>Generate Report</a:t>
+                  <a:rPr lang="en-SG" sz="900" b="1" dirty="0"/>
+                  <a:t>Yes</a:t>
                 </a:r>
               </a:p>
             </p:txBody>
           </p:sp>
           <p:sp>
             <p:nvSpPr>
-              <p:cNvPr id="523" name="Rounded Rectangle 522"/>
+              <p:cNvPr id="393" name="Rounded Rectangle 392"/>
               <p:cNvSpPr/>
               <p:nvPr/>
             </p:nvSpPr>
             <p:spPr>
               <a:xfrm>
-                <a:off x="2232457" y="2292593"/>
-                <a:ext cx="1246459" cy="169134"/>
+                <a:off x="7701359" y="3452672"/>
+                <a:ext cx="295977" cy="99379"/>
               </a:xfrm>
               <a:prstGeom prst="roundRect">
                 <a:avLst/>
@@ -9986,161 +12248,23 @@
               <a:p>
                 <a:pPr algn="ctr"/>
                 <a:r>
-                  <a:rPr lang="en-SG" sz="720" dirty="0"/>
-                  <a:t>Start</a:t>
+                  <a:rPr lang="en-SG" sz="900" b="1" dirty="0"/>
+                  <a:t>No</a:t>
                 </a:r>
+                <a:endParaRPr lang="en-SG" sz="720" b="1" dirty="0"/>
               </a:p>
             </p:txBody>
           </p:sp>
-          <p:grpSp>
-            <p:nvGrpSpPr>
-              <p:cNvPr id="525" name="Group 524"/>
-              <p:cNvGrpSpPr/>
-              <p:nvPr/>
-            </p:nvGrpSpPr>
-            <p:grpSpPr>
-              <a:xfrm>
-                <a:off x="2400517" y="3044136"/>
-                <a:ext cx="865466" cy="615045"/>
-                <a:chOff x="9187204" y="4291994"/>
-                <a:chExt cx="959868" cy="770738"/>
-              </a:xfrm>
-            </p:grpSpPr>
-            <p:sp>
-              <p:nvSpPr>
-                <p:cNvPr id="526" name="Flowchart: Decision 525"/>
-                <p:cNvSpPr/>
-                <p:nvPr/>
-              </p:nvSpPr>
-              <p:spPr>
-                <a:xfrm>
-                  <a:off x="9187204" y="4291994"/>
-                  <a:ext cx="959868" cy="770738"/>
-                </a:xfrm>
-                <a:prstGeom prst="flowChartDecision">
-                  <a:avLst/>
-                </a:prstGeom>
-              </p:spPr>
-              <p:style>
-                <a:lnRef idx="2">
-                  <a:schemeClr val="accent6"/>
-                </a:lnRef>
-                <a:fillRef idx="1">
-                  <a:schemeClr val="lt1"/>
-                </a:fillRef>
-                <a:effectRef idx="0">
-                  <a:schemeClr val="accent6"/>
-                </a:effectRef>
-                <a:fontRef idx="minor">
-                  <a:schemeClr val="dk1"/>
-                </a:fontRef>
-              </p:style>
-              <p:txBody>
-                <a:bodyPr rtlCol="0" anchor="ctr"/>
-                <a:lstStyle/>
-                <a:p>
-                  <a:pPr algn="ctr"/>
-                  <a:endParaRPr lang="en-SG" sz="500" dirty="0"/>
-                </a:p>
-              </p:txBody>
-            </p:sp>
-            <p:sp>
-              <p:nvSpPr>
-                <p:cNvPr id="527" name="Rounded Rectangle 526"/>
-                <p:cNvSpPr/>
-                <p:nvPr/>
-              </p:nvSpPr>
-              <p:spPr>
-                <a:xfrm>
-                  <a:off x="9385712" y="4400629"/>
-                  <a:ext cx="578403" cy="526090"/>
-                </a:xfrm>
-                <a:prstGeom prst="roundRect">
-                  <a:avLst/>
-                </a:prstGeom>
-                <a:noFill/>
-                <a:ln>
-                  <a:noFill/>
-                </a:ln>
-              </p:spPr>
-              <p:style>
-                <a:lnRef idx="2">
-                  <a:schemeClr val="accent6"/>
-                </a:lnRef>
-                <a:fillRef idx="1">
-                  <a:schemeClr val="lt1"/>
-                </a:fillRef>
-                <a:effectRef idx="0">
-                  <a:schemeClr val="accent6"/>
-                </a:effectRef>
-                <a:fontRef idx="minor">
-                  <a:schemeClr val="dk1"/>
-                </a:fontRef>
-              </p:style>
-              <p:txBody>
-                <a:bodyPr rot="0" spcFirstLastPara="0" vertOverflow="overflow" horzOverflow="overflow" vert="horz" wrap="square" lIns="36578" tIns="18289" rIns="36578" bIns="18289" numCol="1" spcCol="0" rtlCol="0" fromWordArt="0" anchor="ctr" anchorCtr="0" forceAA="0" compatLnSpc="1">
-                  <a:prstTxWarp prst="textNoShape">
-                    <a:avLst/>
-                  </a:prstTxWarp>
-                  <a:noAutofit/>
-                </a:bodyPr>
-                <a:lstStyle/>
-                <a:p>
-                  <a:pPr algn="ctr"/>
-                  <a:r>
-                    <a:rPr lang="en-SG" sz="700" dirty="0"/>
-                    <a:t>Update  Database?</a:t>
-                  </a:r>
-                </a:p>
-              </p:txBody>
-            </p:sp>
-          </p:grpSp>
-          <p:cxnSp>
-            <p:nvCxnSpPr>
-              <p:cNvPr id="537" name="Straight Arrow Connector 536"/>
-              <p:cNvCxnSpPr>
-                <a:stCxn id="526" idx="2"/>
-                <a:endCxn id="13" idx="0"/>
-              </p:cNvCxnSpPr>
-              <p:nvPr/>
-            </p:nvCxnSpPr>
-            <p:spPr>
-              <a:xfrm flipH="1">
-                <a:off x="2829367" y="3659181"/>
-                <a:ext cx="3883" cy="252499"/>
-              </a:xfrm>
-              <a:prstGeom prst="straightConnector1">
-                <a:avLst/>
-              </a:prstGeom>
-              <a:ln>
-                <a:tailEnd type="triangle"/>
-              </a:ln>
-            </p:spPr>
-            <p:style>
-              <a:lnRef idx="1">
-                <a:schemeClr val="accent2"/>
-              </a:lnRef>
-              <a:fillRef idx="0">
-                <a:schemeClr val="accent2"/>
-              </a:fillRef>
-              <a:effectRef idx="0">
-                <a:schemeClr val="accent2"/>
-              </a:effectRef>
-              <a:fontRef idx="minor">
-                <a:schemeClr val="tx1"/>
-              </a:fontRef>
-            </p:style>
-          </p:cxnSp>
           <p:sp>
             <p:nvSpPr>
-              <p:cNvPr id="541" name="Rounded Rectangle 540"/>
+              <p:cNvPr id="394" name="Rounded Rectangle 393"/>
               <p:cNvSpPr/>
               <p:nvPr/>
             </p:nvSpPr>
             <p:spPr>
               <a:xfrm>
-                <a:off x="2857542" y="3654660"/>
-                <a:ext cx="259716" cy="144059"/>
+                <a:off x="7657869" y="4187634"/>
+                <a:ext cx="295977" cy="99379"/>
               </a:xfrm>
               <a:prstGeom prst="roundRect">
                 <a:avLst/>
@@ -10175,517 +12299,22 @@
               <a:p>
                 <a:pPr algn="ctr"/>
                 <a:r>
-                  <a:rPr lang="en-SG" sz="720" dirty="0"/>
+                  <a:rPr lang="en-SG" sz="900" b="1" dirty="0"/>
                   <a:t>Yes</a:t>
                 </a:r>
               </a:p>
             </p:txBody>
           </p:sp>
-          <p:cxnSp>
-            <p:nvCxnSpPr>
-              <p:cNvPr id="543" name="Elbow Connector 542"/>
-              <p:cNvCxnSpPr>
-                <a:stCxn id="526" idx="3"/>
-                <a:endCxn id="235" idx="1"/>
-              </p:cNvCxnSpPr>
-              <p:nvPr/>
-            </p:nvCxnSpPr>
-            <p:spPr>
-              <a:xfrm flipV="1">
-                <a:off x="3265983" y="3347995"/>
-                <a:ext cx="432246" cy="3664"/>
-              </a:xfrm>
-              <a:prstGeom prst="straightConnector1">
-                <a:avLst/>
-              </a:prstGeom>
-              <a:ln>
-                <a:tailEnd type="triangle"/>
-              </a:ln>
-            </p:spPr>
-            <p:style>
-              <a:lnRef idx="1">
-                <a:schemeClr val="accent2"/>
-              </a:lnRef>
-              <a:fillRef idx="0">
-                <a:schemeClr val="accent2"/>
-              </a:fillRef>
-              <a:effectRef idx="0">
-                <a:schemeClr val="accent2"/>
-              </a:effectRef>
-              <a:fontRef idx="minor">
-                <a:schemeClr val="tx1"/>
-              </a:fontRef>
-            </p:style>
-          </p:cxnSp>
-          <p:sp>
-            <p:nvSpPr>
-              <p:cNvPr id="547" name="Rounded Rectangle 546"/>
-              <p:cNvSpPr/>
-              <p:nvPr/>
-            </p:nvSpPr>
-            <p:spPr>
-              <a:xfrm>
-                <a:off x="3204033" y="3184108"/>
-                <a:ext cx="259716" cy="182254"/>
-              </a:xfrm>
-              <a:prstGeom prst="roundRect">
-                <a:avLst/>
-              </a:prstGeom>
-              <a:noFill/>
-              <a:ln>
-                <a:noFill/>
-              </a:ln>
-            </p:spPr>
-            <p:style>
-              <a:lnRef idx="2">
-                <a:schemeClr val="accent6"/>
-              </a:lnRef>
-              <a:fillRef idx="1">
-                <a:schemeClr val="lt1"/>
-              </a:fillRef>
-              <a:effectRef idx="0">
-                <a:schemeClr val="accent6"/>
-              </a:effectRef>
-              <a:fontRef idx="minor">
-                <a:schemeClr val="dk1"/>
-              </a:fontRef>
-            </p:style>
-            <p:txBody>
-              <a:bodyPr rot="0" spcFirstLastPara="0" vertOverflow="overflow" horzOverflow="overflow" vert="horz" wrap="square" lIns="36578" tIns="18289" rIns="36578" bIns="18289" numCol="1" spcCol="0" rtlCol="0" fromWordArt="0" anchor="ctr" anchorCtr="0" forceAA="0" compatLnSpc="1">
-                <a:prstTxWarp prst="textNoShape">
-                  <a:avLst/>
-                </a:prstTxWarp>
-                <a:noAutofit/>
-              </a:bodyPr>
-              <a:lstStyle/>
-              <a:p>
-                <a:pPr algn="ctr"/>
-                <a:r>
-                  <a:rPr lang="en-SG" sz="720" dirty="0"/>
-                  <a:t>No</a:t>
-                </a:r>
-              </a:p>
-            </p:txBody>
-          </p:sp>
-          <p:sp>
-            <p:nvSpPr>
-              <p:cNvPr id="550" name="Oval 549"/>
-              <p:cNvSpPr/>
-              <p:nvPr/>
-            </p:nvSpPr>
-            <p:spPr>
-              <a:xfrm flipV="1">
-                <a:off x="4351112" y="3721577"/>
-                <a:ext cx="313875" cy="143676"/>
-              </a:xfrm>
-              <a:prstGeom prst="ellipse">
-                <a:avLst/>
-              </a:prstGeom>
-              <a:noFill/>
-              <a:ln>
-                <a:noFill/>
-              </a:ln>
-            </p:spPr>
-            <p:style>
-              <a:lnRef idx="2">
-                <a:schemeClr val="accent6"/>
-              </a:lnRef>
-              <a:fillRef idx="1">
-                <a:schemeClr val="lt1"/>
-              </a:fillRef>
-              <a:effectRef idx="0">
-                <a:schemeClr val="accent6"/>
-              </a:effectRef>
-              <a:fontRef idx="minor">
-                <a:schemeClr val="dk1"/>
-              </a:fontRef>
-            </p:style>
-            <p:txBody>
-              <a:bodyPr rot="0" spcFirstLastPara="0" vertOverflow="overflow" horzOverflow="overflow" vert="horz" wrap="square" lIns="36578" tIns="18289" rIns="36578" bIns="18289" numCol="1" spcCol="0" rtlCol="0" fromWordArt="0" anchor="ctr" anchorCtr="0" forceAA="0" compatLnSpc="1">
-                <a:prstTxWarp prst="textNoShape">
-                  <a:avLst/>
-                </a:prstTxWarp>
-                <a:noAutofit/>
-              </a:bodyPr>
-              <a:lstStyle/>
-              <a:p>
-                <a:pPr algn="ctr"/>
-                <a:endParaRPr lang="en-SG" sz="720"/>
-              </a:p>
-            </p:txBody>
-          </p:sp>
         </p:grpSp>
-        <p:cxnSp>
-          <p:nvCxnSpPr>
-            <p:cNvPr id="173" name="Elbow Connector 172"/>
-            <p:cNvCxnSpPr>
-              <a:stCxn id="483" idx="3"/>
-              <a:endCxn id="354" idx="2"/>
-            </p:cNvCxnSpPr>
-            <p:nvPr/>
-          </p:nvCxnSpPr>
-          <p:spPr>
-            <a:xfrm flipV="1">
-              <a:off x="5669237" y="6214419"/>
-              <a:ext cx="1226075" cy="1207012"/>
-            </a:xfrm>
-            <a:prstGeom prst="bentConnector2">
-              <a:avLst/>
-            </a:prstGeom>
-            <a:ln>
-              <a:tailEnd type="triangle"/>
-            </a:ln>
-          </p:spPr>
-          <p:style>
-            <a:lnRef idx="1">
-              <a:schemeClr val="accent2"/>
-            </a:lnRef>
-            <a:fillRef idx="0">
-              <a:schemeClr val="accent2"/>
-            </a:fillRef>
-            <a:effectRef idx="0">
-              <a:schemeClr val="accent2"/>
-            </a:effectRef>
-            <a:fontRef idx="minor">
-              <a:schemeClr val="tx1"/>
-            </a:fontRef>
-          </p:style>
-        </p:cxnSp>
-        <p:cxnSp>
-          <p:nvCxnSpPr>
-            <p:cNvPr id="176" name="Straight Arrow Connector 175"/>
-            <p:cNvCxnSpPr>
-              <a:stCxn id="150" idx="3"/>
-              <a:endCxn id="426" idx="2"/>
-            </p:cNvCxnSpPr>
-            <p:nvPr/>
-          </p:nvCxnSpPr>
-          <p:spPr>
-            <a:xfrm>
-              <a:off x="10827089" y="3461373"/>
-              <a:ext cx="515360" cy="2285"/>
-            </a:xfrm>
-            <a:prstGeom prst="straightConnector1">
-              <a:avLst/>
-            </a:prstGeom>
-            <a:ln>
-              <a:tailEnd type="triangle"/>
-            </a:ln>
-          </p:spPr>
-          <p:style>
-            <a:lnRef idx="1">
-              <a:schemeClr val="accent2"/>
-            </a:lnRef>
-            <a:fillRef idx="0">
-              <a:schemeClr val="accent2"/>
-            </a:fillRef>
-            <a:effectRef idx="0">
-              <a:schemeClr val="accent2"/>
-            </a:effectRef>
-            <a:fontRef idx="minor">
-              <a:schemeClr val="tx1"/>
-            </a:fontRef>
-          </p:style>
-        </p:cxnSp>
-        <p:cxnSp>
-          <p:nvCxnSpPr>
-            <p:cNvPr id="147" name="Elbow Connector 146"/>
-            <p:cNvCxnSpPr>
-              <a:stCxn id="235" idx="0"/>
-              <a:endCxn id="18" idx="1"/>
-            </p:cNvCxnSpPr>
-            <p:nvPr/>
-          </p:nvCxnSpPr>
-          <p:spPr>
-            <a:xfrm rot="5400000" flipH="1" flipV="1">
-              <a:off x="3604887" y="2751033"/>
-              <a:ext cx="936531" cy="724751"/>
-            </a:xfrm>
-            <a:prstGeom prst="bentConnector2">
-              <a:avLst/>
-            </a:prstGeom>
-            <a:ln>
-              <a:tailEnd type="triangle"/>
-            </a:ln>
-          </p:spPr>
-          <p:style>
-            <a:lnRef idx="1">
-              <a:schemeClr val="accent2"/>
-            </a:lnRef>
-            <a:fillRef idx="0">
-              <a:schemeClr val="accent2"/>
-            </a:fillRef>
-            <a:effectRef idx="0">
-              <a:schemeClr val="accent2"/>
-            </a:effectRef>
-            <a:fontRef idx="minor">
-              <a:schemeClr val="tx1"/>
-            </a:fontRef>
-          </p:style>
-        </p:cxnSp>
         <p:sp>
           <p:nvSpPr>
-            <p:cNvPr id="178" name="Rounded Rectangle 177"/>
+            <p:cNvPr id="107" name="Rounded Rectangle 106"/>
             <p:cNvSpPr/>
             <p:nvPr/>
           </p:nvSpPr>
           <p:spPr>
             <a:xfrm>
-              <a:off x="8027679" y="2419052"/>
-              <a:ext cx="824215" cy="456565"/>
-            </a:xfrm>
-            <a:prstGeom prst="roundRect">
-              <a:avLst/>
-            </a:prstGeom>
-          </p:spPr>
-          <p:style>
-            <a:lnRef idx="2">
-              <a:schemeClr val="accent6"/>
-            </a:lnRef>
-            <a:fillRef idx="1">
-              <a:schemeClr val="lt1"/>
-            </a:fillRef>
-            <a:effectRef idx="0">
-              <a:schemeClr val="accent6"/>
-            </a:effectRef>
-            <a:fontRef idx="minor">
-              <a:schemeClr val="dk1"/>
-            </a:fontRef>
-          </p:style>
-          <p:txBody>
-            <a:bodyPr rot="0" spcFirstLastPara="0" vertOverflow="overflow" horzOverflow="overflow" vert="horz" wrap="square" lIns="36578" tIns="18289" rIns="36578" bIns="18289" numCol="1" spcCol="0" rtlCol="0" fromWordArt="0" anchor="ctr" anchorCtr="0" forceAA="0" compatLnSpc="1">
-              <a:prstTxWarp prst="textNoShape">
-                <a:avLst/>
-              </a:prstTxWarp>
-              <a:noAutofit/>
-            </a:bodyPr>
-            <a:lstStyle/>
-            <a:p>
-              <a:pPr algn="ctr"/>
-              <a:r>
-                <a:rPr lang="en-SG" sz="720" dirty="0"/>
-                <a:t>View Recommended Screenings</a:t>
-              </a:r>
-            </a:p>
-          </p:txBody>
-        </p:sp>
-        <p:cxnSp>
-          <p:nvCxnSpPr>
-            <p:cNvPr id="179" name="Elbow Connector 178"/>
-            <p:cNvCxnSpPr>
-              <a:stCxn id="21" idx="3"/>
-              <a:endCxn id="178" idx="1"/>
-            </p:cNvCxnSpPr>
-            <p:nvPr/>
-          </p:nvCxnSpPr>
-          <p:spPr>
-            <a:xfrm flipV="1">
-              <a:off x="7701359" y="2647335"/>
-              <a:ext cx="326320" cy="2064"/>
-            </a:xfrm>
-            <a:prstGeom prst="straightConnector1">
-              <a:avLst/>
-            </a:prstGeom>
-            <a:ln>
-              <a:tailEnd type="triangle"/>
-            </a:ln>
-          </p:spPr>
-          <p:style>
-            <a:lnRef idx="1">
-              <a:schemeClr val="accent2"/>
-            </a:lnRef>
-            <a:fillRef idx="0">
-              <a:schemeClr val="accent2"/>
-            </a:fillRef>
-            <a:effectRef idx="0">
-              <a:schemeClr val="accent2"/>
-            </a:effectRef>
-            <a:fontRef idx="minor">
-              <a:schemeClr val="tx1"/>
-            </a:fontRef>
-          </p:style>
-        </p:cxnSp>
-        <p:sp>
-          <p:nvSpPr>
-            <p:cNvPr id="180" name="Rounded Rectangle 179"/>
-            <p:cNvSpPr/>
-            <p:nvPr/>
-          </p:nvSpPr>
-          <p:spPr>
-            <a:xfrm>
-              <a:off x="9983793" y="2418407"/>
-              <a:ext cx="824215" cy="456565"/>
-            </a:xfrm>
-            <a:prstGeom prst="roundRect">
-              <a:avLst/>
-            </a:prstGeom>
-          </p:spPr>
-          <p:style>
-            <a:lnRef idx="2">
-              <a:schemeClr val="accent6"/>
-            </a:lnRef>
-            <a:fillRef idx="1">
-              <a:schemeClr val="lt1"/>
-            </a:fillRef>
-            <a:effectRef idx="0">
-              <a:schemeClr val="accent6"/>
-            </a:effectRef>
-            <a:fontRef idx="minor">
-              <a:schemeClr val="dk1"/>
-            </a:fontRef>
-          </p:style>
-          <p:txBody>
-            <a:bodyPr rot="0" spcFirstLastPara="0" vertOverflow="overflow" horzOverflow="overflow" vert="horz" wrap="square" lIns="36578" tIns="18289" rIns="36578" bIns="18289" numCol="1" spcCol="0" rtlCol="0" fromWordArt="0" anchor="ctr" anchorCtr="0" forceAA="0" compatLnSpc="1">
-              <a:prstTxWarp prst="textNoShape">
-                <a:avLst/>
-              </a:prstTxWarp>
-              <a:noAutofit/>
-            </a:bodyPr>
-            <a:lstStyle/>
-            <a:p>
-              <a:pPr algn="ctr"/>
-              <a:r>
-                <a:rPr lang="en-SG" sz="720" dirty="0"/>
-                <a:t>View Screenings Notifications record</a:t>
-              </a:r>
-            </a:p>
-          </p:txBody>
-        </p:sp>
-        <p:cxnSp>
-          <p:nvCxnSpPr>
-            <p:cNvPr id="181" name="Elbow Connector 180"/>
-            <p:cNvCxnSpPr>
-              <a:stCxn id="178" idx="3"/>
-              <a:endCxn id="180" idx="1"/>
-            </p:cNvCxnSpPr>
-            <p:nvPr/>
-          </p:nvCxnSpPr>
-          <p:spPr>
-            <a:xfrm flipV="1">
-              <a:off x="8851894" y="2646690"/>
-              <a:ext cx="1131899" cy="645"/>
-            </a:xfrm>
-            <a:prstGeom prst="bentConnector3">
-              <a:avLst>
-                <a:gd name="adj1" fmla="val 50000"/>
-              </a:avLst>
-            </a:prstGeom>
-            <a:ln>
-              <a:tailEnd type="triangle"/>
-            </a:ln>
-          </p:spPr>
-          <p:style>
-            <a:lnRef idx="1">
-              <a:schemeClr val="accent2"/>
-            </a:lnRef>
-            <a:fillRef idx="0">
-              <a:schemeClr val="accent2"/>
-            </a:fillRef>
-            <a:effectRef idx="0">
-              <a:schemeClr val="accent2"/>
-            </a:effectRef>
-            <a:fontRef idx="minor">
-              <a:schemeClr val="tx1"/>
-            </a:fontRef>
-          </p:style>
-        </p:cxnSp>
-        <p:cxnSp>
-          <p:nvCxnSpPr>
-            <p:cNvPr id="185" name="Elbow Connector 184"/>
-            <p:cNvCxnSpPr>
-              <a:stCxn id="180" idx="2"/>
-              <a:endCxn id="150" idx="0"/>
-            </p:cNvCxnSpPr>
-            <p:nvPr/>
-          </p:nvCxnSpPr>
-          <p:spPr>
-            <a:xfrm rot="5400000">
-              <a:off x="10255690" y="3013639"/>
-              <a:ext cx="278878" cy="1545"/>
-            </a:xfrm>
-            <a:prstGeom prst="bentConnector3">
-              <a:avLst>
-                <a:gd name="adj1" fmla="val 50000"/>
-              </a:avLst>
-            </a:prstGeom>
-            <a:ln>
-              <a:tailEnd type="triangle"/>
-            </a:ln>
-          </p:spPr>
-          <p:style>
-            <a:lnRef idx="1">
-              <a:schemeClr val="accent2"/>
-            </a:lnRef>
-            <a:fillRef idx="0">
-              <a:schemeClr val="accent2"/>
-            </a:fillRef>
-            <a:effectRef idx="0">
-              <a:schemeClr val="accent2"/>
-            </a:effectRef>
-            <a:fontRef idx="minor">
-              <a:schemeClr val="tx1"/>
-            </a:fontRef>
-          </p:style>
-        </p:cxnSp>
-        <p:sp>
-          <p:nvSpPr>
-            <p:cNvPr id="190" name="Rounded Rectangle 189"/>
-            <p:cNvSpPr/>
-            <p:nvPr/>
-          </p:nvSpPr>
-          <p:spPr>
-            <a:xfrm>
-              <a:off x="10200339" y="3243623"/>
-              <a:ext cx="423953" cy="408189"/>
-            </a:xfrm>
-            <a:prstGeom prst="roundRect">
-              <a:avLst/>
-            </a:prstGeom>
-            <a:noFill/>
-            <a:ln>
-              <a:noFill/>
-            </a:ln>
-          </p:spPr>
-          <p:style>
-            <a:lnRef idx="2">
-              <a:schemeClr val="accent6"/>
-            </a:lnRef>
-            <a:fillRef idx="1">
-              <a:schemeClr val="lt1"/>
-            </a:fillRef>
-            <a:effectRef idx="0">
-              <a:schemeClr val="accent6"/>
-            </a:effectRef>
-            <a:fontRef idx="minor">
-              <a:schemeClr val="dk1"/>
-            </a:fontRef>
-          </p:style>
-          <p:txBody>
-            <a:bodyPr rot="0" spcFirstLastPara="0" vertOverflow="overflow" horzOverflow="overflow" vert="horz" wrap="square" lIns="36578" tIns="18289" rIns="36578" bIns="18289" numCol="1" spcCol="0" rtlCol="0" fromWordArt="0" anchor="ctr" anchorCtr="0" forceAA="0" compatLnSpc="1">
-              <a:prstTxWarp prst="textNoShape">
-                <a:avLst/>
-              </a:prstTxWarp>
-              <a:noAutofit/>
-            </a:bodyPr>
-            <a:lstStyle/>
-            <a:p>
-              <a:pPr algn="ctr"/>
-              <a:r>
-                <a:rPr lang="en-SG" sz="600" dirty="0"/>
-                <a:t>Follow up with client?</a:t>
-              </a:r>
-            </a:p>
-          </p:txBody>
-        </p:sp>
-        <p:sp>
-          <p:nvSpPr>
-            <p:cNvPr id="204" name="Rounded Rectangle 203"/>
-            <p:cNvSpPr/>
-            <p:nvPr/>
-          </p:nvSpPr>
-          <p:spPr>
-            <a:xfrm>
-              <a:off x="4926352" y="3679609"/>
+              <a:off x="6569661" y="5673251"/>
               <a:ext cx="627288" cy="408189"/>
             </a:xfrm>
             <a:prstGeom prst="roundRect">
@@ -10721,1568 +12350,8 @@
             <a:p>
               <a:pPr algn="ctr"/>
               <a:r>
-                <a:rPr lang="en-SG" sz="700" dirty="0"/>
-                <a:t>Overview or detailed?</a:t>
-              </a:r>
-            </a:p>
-          </p:txBody>
-        </p:sp>
-        <p:sp>
-          <p:nvSpPr>
-            <p:cNvPr id="207" name="Rounded Rectangle 206"/>
-            <p:cNvSpPr/>
-            <p:nvPr/>
-          </p:nvSpPr>
-          <p:spPr>
-            <a:xfrm>
-              <a:off x="6325871" y="3706328"/>
-              <a:ext cx="851444" cy="377327"/>
-            </a:xfrm>
-            <a:prstGeom prst="roundRect">
-              <a:avLst/>
-            </a:prstGeom>
-          </p:spPr>
-          <p:style>
-            <a:lnRef idx="2">
-              <a:schemeClr val="accent6"/>
-            </a:lnRef>
-            <a:fillRef idx="1">
-              <a:schemeClr val="lt1"/>
-            </a:fillRef>
-            <a:effectRef idx="0">
-              <a:schemeClr val="accent6"/>
-            </a:effectRef>
-            <a:fontRef idx="minor">
-              <a:schemeClr val="dk1"/>
-            </a:fontRef>
-          </p:style>
-          <p:txBody>
-            <a:bodyPr rot="0" spcFirstLastPara="0" vertOverflow="overflow" horzOverflow="overflow" vert="horz" wrap="square" lIns="36578" tIns="18289" rIns="36578" bIns="18289" numCol="1" spcCol="0" rtlCol="0" fromWordArt="0" anchor="ctr" anchorCtr="0" forceAA="0" compatLnSpc="1">
-              <a:prstTxWarp prst="textNoShape">
-                <a:avLst/>
-              </a:prstTxWarp>
-              <a:noAutofit/>
-            </a:bodyPr>
-            <a:lstStyle/>
-            <a:p>
-              <a:pPr algn="ctr"/>
-              <a:r>
-                <a:rPr lang="en-SG" sz="720" dirty="0"/>
-                <a:t>View Dashboard</a:t>
-              </a:r>
-            </a:p>
-          </p:txBody>
-        </p:sp>
-        <p:cxnSp>
-          <p:nvCxnSpPr>
-            <p:cNvPr id="209" name="Elbow Connector 208"/>
-            <p:cNvCxnSpPr>
-              <a:stCxn id="5" idx="3"/>
-              <a:endCxn id="207" idx="1"/>
-            </p:cNvCxnSpPr>
-            <p:nvPr/>
-          </p:nvCxnSpPr>
-          <p:spPr>
-            <a:xfrm>
-              <a:off x="5732331" y="3887968"/>
-              <a:ext cx="593540" cy="7024"/>
-            </a:xfrm>
-            <a:prstGeom prst="straightConnector1">
-              <a:avLst/>
-            </a:prstGeom>
-            <a:ln>
-              <a:tailEnd type="triangle"/>
-            </a:ln>
-          </p:spPr>
-          <p:style>
-            <a:lnRef idx="1">
-              <a:schemeClr val="accent2"/>
-            </a:lnRef>
-            <a:fillRef idx="0">
-              <a:schemeClr val="accent2"/>
-            </a:fillRef>
-            <a:effectRef idx="0">
-              <a:schemeClr val="accent2"/>
-            </a:effectRef>
-            <a:fontRef idx="minor">
-              <a:schemeClr val="tx1"/>
-            </a:fontRef>
-          </p:style>
-        </p:cxnSp>
-        <p:sp>
-          <p:nvSpPr>
-            <p:cNvPr id="215" name="Flowchart: Decision 214"/>
-            <p:cNvSpPr/>
-            <p:nvPr/>
-          </p:nvSpPr>
-          <p:spPr>
-            <a:xfrm>
-              <a:off x="7506522" y="3592728"/>
-              <a:ext cx="852604" cy="615045"/>
-            </a:xfrm>
-            <a:prstGeom prst="flowChartDecision">
-              <a:avLst/>
-            </a:prstGeom>
-          </p:spPr>
-          <p:style>
-            <a:lnRef idx="2">
-              <a:schemeClr val="accent6"/>
-            </a:lnRef>
-            <a:fillRef idx="1">
-              <a:schemeClr val="lt1"/>
-            </a:fillRef>
-            <a:effectRef idx="0">
-              <a:schemeClr val="accent6"/>
-            </a:effectRef>
-            <a:fontRef idx="minor">
-              <a:schemeClr val="dk1"/>
-            </a:fontRef>
-          </p:style>
-          <p:txBody>
-            <a:bodyPr rtlCol="0" anchor="ctr"/>
-            <a:lstStyle/>
-            <a:p>
-              <a:pPr algn="ctr"/>
-              <a:endParaRPr lang="en-SG" sz="600" dirty="0"/>
-            </a:p>
-          </p:txBody>
-        </p:sp>
-        <p:cxnSp>
-          <p:nvCxnSpPr>
-            <p:cNvPr id="218" name="Elbow Connector 217"/>
-            <p:cNvCxnSpPr>
-              <a:stCxn id="207" idx="3"/>
-              <a:endCxn id="215" idx="1"/>
-            </p:cNvCxnSpPr>
-            <p:nvPr/>
-          </p:nvCxnSpPr>
-          <p:spPr>
-            <a:xfrm>
-              <a:off x="7177315" y="3894992"/>
-              <a:ext cx="329207" cy="5259"/>
-            </a:xfrm>
-            <a:prstGeom prst="straightConnector1">
-              <a:avLst/>
-            </a:prstGeom>
-            <a:ln>
-              <a:tailEnd type="triangle"/>
-            </a:ln>
-          </p:spPr>
-          <p:style>
-            <a:lnRef idx="1">
-              <a:schemeClr val="accent2"/>
-            </a:lnRef>
-            <a:fillRef idx="0">
-              <a:schemeClr val="accent2"/>
-            </a:fillRef>
-            <a:effectRef idx="0">
-              <a:schemeClr val="accent2"/>
-            </a:effectRef>
-            <a:fontRef idx="minor">
-              <a:schemeClr val="tx1"/>
-            </a:fontRef>
-          </p:style>
-        </p:cxnSp>
-        <p:sp>
-          <p:nvSpPr>
-            <p:cNvPr id="219" name="Rounded Rectangle 218"/>
-            <p:cNvSpPr/>
-            <p:nvPr/>
-          </p:nvSpPr>
-          <p:spPr>
-            <a:xfrm>
-              <a:off x="7730678" y="3704085"/>
-              <a:ext cx="423953" cy="408189"/>
-            </a:xfrm>
-            <a:prstGeom prst="roundRect">
-              <a:avLst/>
-            </a:prstGeom>
-            <a:noFill/>
-            <a:ln>
-              <a:noFill/>
-            </a:ln>
-          </p:spPr>
-          <p:style>
-            <a:lnRef idx="2">
-              <a:schemeClr val="accent6"/>
-            </a:lnRef>
-            <a:fillRef idx="1">
-              <a:schemeClr val="lt1"/>
-            </a:fillRef>
-            <a:effectRef idx="0">
-              <a:schemeClr val="accent6"/>
-            </a:effectRef>
-            <a:fontRef idx="minor">
-              <a:schemeClr val="dk1"/>
-            </a:fontRef>
-          </p:style>
-          <p:txBody>
-            <a:bodyPr rot="0" spcFirstLastPara="0" vertOverflow="overflow" horzOverflow="overflow" vert="horz" wrap="square" lIns="36578" tIns="18289" rIns="36578" bIns="18289" numCol="1" spcCol="0" rtlCol="0" fromWordArt="0" anchor="ctr" anchorCtr="0" forceAA="0" compatLnSpc="1">
-              <a:prstTxWarp prst="textNoShape">
-                <a:avLst/>
-              </a:prstTxWarp>
-              <a:noAutofit/>
-            </a:bodyPr>
-            <a:lstStyle/>
-            <a:p>
-              <a:pPr algn="ctr"/>
-              <a:r>
-                <a:rPr lang="en-SG" sz="600" dirty="0"/>
+                <a:rPr lang="en-SG" sz="900" b="1" dirty="0"/>
                 <a:t>Export?</a:t>
-              </a:r>
-            </a:p>
-          </p:txBody>
-        </p:sp>
-        <p:sp>
-          <p:nvSpPr>
-            <p:cNvPr id="230" name="Rounded Rectangle 229"/>
-            <p:cNvSpPr/>
-            <p:nvPr/>
-          </p:nvSpPr>
-          <p:spPr>
-            <a:xfrm>
-              <a:off x="8258694" y="3054809"/>
-              <a:ext cx="581226" cy="456566"/>
-            </a:xfrm>
-            <a:prstGeom prst="roundRect">
-              <a:avLst/>
-            </a:prstGeom>
-          </p:spPr>
-          <p:style>
-            <a:lnRef idx="2">
-              <a:schemeClr val="accent6"/>
-            </a:lnRef>
-            <a:fillRef idx="1">
-              <a:schemeClr val="lt1"/>
-            </a:fillRef>
-            <a:effectRef idx="0">
-              <a:schemeClr val="accent6"/>
-            </a:effectRef>
-            <a:fontRef idx="minor">
-              <a:schemeClr val="dk1"/>
-            </a:fontRef>
-          </p:style>
-          <p:txBody>
-            <a:bodyPr rot="0" spcFirstLastPara="0" vertOverflow="overflow" horzOverflow="overflow" vert="horz" wrap="square" lIns="36578" tIns="18289" rIns="36578" bIns="18289" numCol="1" spcCol="0" rtlCol="0" fromWordArt="0" anchor="ctr" anchorCtr="0" forceAA="0" compatLnSpc="1">
-              <a:prstTxWarp prst="textNoShape">
-                <a:avLst/>
-              </a:prstTxWarp>
-              <a:noAutofit/>
-            </a:bodyPr>
-            <a:lstStyle/>
-            <a:p>
-              <a:pPr algn="ctr"/>
-              <a:r>
-                <a:rPr lang="en-SG" sz="720" dirty="0"/>
-                <a:t>End of view dashboard</a:t>
-              </a:r>
-            </a:p>
-          </p:txBody>
-        </p:sp>
-        <p:cxnSp>
-          <p:nvCxnSpPr>
-            <p:cNvPr id="256" name="Elbow Connector 255"/>
-            <p:cNvCxnSpPr>
-              <a:stCxn id="150" idx="2"/>
-              <a:endCxn id="172" idx="0"/>
-            </p:cNvCxnSpPr>
-            <p:nvPr/>
-          </p:nvCxnSpPr>
-          <p:spPr>
-            <a:xfrm rot="16200000" flipH="1">
-              <a:off x="10231573" y="3931678"/>
-              <a:ext cx="326901" cy="1334"/>
-            </a:xfrm>
-            <a:prstGeom prst="bentConnector3">
-              <a:avLst>
-                <a:gd name="adj1" fmla="val 50000"/>
-              </a:avLst>
-            </a:prstGeom>
-            <a:ln>
-              <a:tailEnd type="triangle"/>
-            </a:ln>
-          </p:spPr>
-          <p:style>
-            <a:lnRef idx="1">
-              <a:schemeClr val="accent2"/>
-            </a:lnRef>
-            <a:fillRef idx="0">
-              <a:schemeClr val="accent2"/>
-            </a:fillRef>
-            <a:effectRef idx="0">
-              <a:schemeClr val="accent2"/>
-            </a:effectRef>
-            <a:fontRef idx="minor">
-              <a:schemeClr val="tx1"/>
-            </a:fontRef>
-          </p:style>
-        </p:cxnSp>
-        <p:sp>
-          <p:nvSpPr>
-            <p:cNvPr id="265" name="Rounded Rectangle 264"/>
-            <p:cNvSpPr/>
-            <p:nvPr/>
-          </p:nvSpPr>
-          <p:spPr>
-            <a:xfrm>
-              <a:off x="9254119" y="3178902"/>
-              <a:ext cx="464277" cy="184501"/>
-            </a:xfrm>
-            <a:prstGeom prst="roundRect">
-              <a:avLst/>
-            </a:prstGeom>
-            <a:noFill/>
-            <a:ln>
-              <a:noFill/>
-            </a:ln>
-          </p:spPr>
-          <p:style>
-            <a:lnRef idx="2">
-              <a:schemeClr val="accent6"/>
-            </a:lnRef>
-            <a:fillRef idx="1">
-              <a:schemeClr val="lt1"/>
-            </a:fillRef>
-            <a:effectRef idx="0">
-              <a:schemeClr val="accent6"/>
-            </a:effectRef>
-            <a:fontRef idx="minor">
-              <a:schemeClr val="dk1"/>
-            </a:fontRef>
-          </p:style>
-          <p:txBody>
-            <a:bodyPr rot="0" spcFirstLastPara="0" vertOverflow="overflow" horzOverflow="overflow" vert="horz" wrap="square" lIns="36578" tIns="18289" rIns="36578" bIns="18289" numCol="1" spcCol="0" rtlCol="0" fromWordArt="0" anchor="ctr" anchorCtr="0" forceAA="0" compatLnSpc="1">
-              <a:prstTxWarp prst="textNoShape">
-                <a:avLst/>
-              </a:prstTxWarp>
-              <a:noAutofit/>
-            </a:bodyPr>
-            <a:lstStyle/>
-            <a:p>
-              <a:pPr algn="ctr"/>
-              <a:r>
-                <a:rPr lang="en-SG" sz="720" dirty="0"/>
-                <a:t>End</a:t>
-              </a:r>
-            </a:p>
-          </p:txBody>
-        </p:sp>
-        <p:cxnSp>
-          <p:nvCxnSpPr>
-            <p:cNvPr id="274" name="Straight Arrow Connector 215"/>
-            <p:cNvCxnSpPr>
-              <a:stCxn id="215" idx="0"/>
-              <a:endCxn id="230" idx="1"/>
-            </p:cNvCxnSpPr>
-            <p:nvPr/>
-          </p:nvCxnSpPr>
-          <p:spPr>
-            <a:xfrm rot="5400000" flipH="1" flipV="1">
-              <a:off x="7940941" y="3274975"/>
-              <a:ext cx="309636" cy="325870"/>
-            </a:xfrm>
-            <a:prstGeom prst="bentConnector2">
-              <a:avLst/>
-            </a:prstGeom>
-            <a:ln>
-              <a:tailEnd type="triangle"/>
-            </a:ln>
-          </p:spPr>
-          <p:style>
-            <a:lnRef idx="1">
-              <a:schemeClr val="accent2"/>
-            </a:lnRef>
-            <a:fillRef idx="0">
-              <a:schemeClr val="accent2"/>
-            </a:fillRef>
-            <a:effectRef idx="0">
-              <a:schemeClr val="accent2"/>
-            </a:effectRef>
-            <a:fontRef idx="minor">
-              <a:schemeClr val="tx1"/>
-            </a:fontRef>
-          </p:style>
-        </p:cxnSp>
-        <p:sp>
-          <p:nvSpPr>
-            <p:cNvPr id="264" name="Oval 263"/>
-            <p:cNvSpPr/>
-            <p:nvPr/>
-          </p:nvSpPr>
-          <p:spPr>
-            <a:xfrm>
-              <a:off x="9233830" y="3204585"/>
-              <a:ext cx="147054" cy="149135"/>
-            </a:xfrm>
-            <a:prstGeom prst="ellipse">
-              <a:avLst/>
-            </a:prstGeom>
-          </p:spPr>
-          <p:style>
-            <a:lnRef idx="2">
-              <a:schemeClr val="accent6"/>
-            </a:lnRef>
-            <a:fillRef idx="1">
-              <a:schemeClr val="lt1"/>
-            </a:fillRef>
-            <a:effectRef idx="0">
-              <a:schemeClr val="accent6"/>
-            </a:effectRef>
-            <a:fontRef idx="minor">
-              <a:schemeClr val="dk1"/>
-            </a:fontRef>
-          </p:style>
-          <p:txBody>
-            <a:bodyPr rot="0" spcFirstLastPara="0" vertOverflow="overflow" horzOverflow="overflow" vert="horz" wrap="square" lIns="36578" tIns="18289" rIns="36578" bIns="18289" numCol="1" spcCol="0" rtlCol="0" fromWordArt="0" anchor="ctr" anchorCtr="0" forceAA="0" compatLnSpc="1">
-              <a:prstTxWarp prst="textNoShape">
-                <a:avLst/>
-              </a:prstTxWarp>
-              <a:noAutofit/>
-            </a:bodyPr>
-            <a:lstStyle/>
-            <a:p>
-              <a:pPr algn="ctr"/>
-              <a:endParaRPr lang="en-SG" sz="720"/>
-            </a:p>
-          </p:txBody>
-        </p:sp>
-        <p:cxnSp>
-          <p:nvCxnSpPr>
-            <p:cNvPr id="286" name="Elbow Connector 285"/>
-            <p:cNvCxnSpPr>
-              <a:stCxn id="230" idx="3"/>
-              <a:endCxn id="264" idx="2"/>
-            </p:cNvCxnSpPr>
-            <p:nvPr/>
-          </p:nvCxnSpPr>
-          <p:spPr>
-            <a:xfrm flipV="1">
-              <a:off x="8839920" y="3279153"/>
-              <a:ext cx="393910" cy="3939"/>
-            </a:xfrm>
-            <a:prstGeom prst="straightConnector1">
-              <a:avLst/>
-            </a:prstGeom>
-            <a:ln>
-              <a:tailEnd type="triangle"/>
-            </a:ln>
-          </p:spPr>
-          <p:style>
-            <a:lnRef idx="1">
-              <a:schemeClr val="accent2"/>
-            </a:lnRef>
-            <a:fillRef idx="0">
-              <a:schemeClr val="accent2"/>
-            </a:fillRef>
-            <a:effectRef idx="0">
-              <a:schemeClr val="accent2"/>
-            </a:effectRef>
-            <a:fontRef idx="minor">
-              <a:schemeClr val="tx1"/>
-            </a:fontRef>
-          </p:style>
-        </p:cxnSp>
-        <p:cxnSp>
-          <p:nvCxnSpPr>
-            <p:cNvPr id="290" name="Elbow Connector 289"/>
-            <p:cNvCxnSpPr>
-              <a:stCxn id="215" idx="2"/>
-              <a:endCxn id="293" idx="1"/>
-            </p:cNvCxnSpPr>
-            <p:nvPr/>
-          </p:nvCxnSpPr>
-          <p:spPr>
-            <a:xfrm rot="16200000" flipH="1">
-              <a:off x="7882410" y="4258186"/>
-              <a:ext cx="445327" cy="344499"/>
-            </a:xfrm>
-            <a:prstGeom prst="bentConnector2">
-              <a:avLst/>
-            </a:prstGeom>
-            <a:ln>
-              <a:tailEnd type="triangle"/>
-            </a:ln>
-          </p:spPr>
-          <p:style>
-            <a:lnRef idx="1">
-              <a:schemeClr val="accent2"/>
-            </a:lnRef>
-            <a:fillRef idx="0">
-              <a:schemeClr val="accent2"/>
-            </a:fillRef>
-            <a:effectRef idx="0">
-              <a:schemeClr val="accent2"/>
-            </a:effectRef>
-            <a:fontRef idx="minor">
-              <a:schemeClr val="tx1"/>
-            </a:fontRef>
-          </p:style>
-        </p:cxnSp>
-        <p:sp>
-          <p:nvSpPr>
-            <p:cNvPr id="293" name="Rounded Rectangle 292"/>
-            <p:cNvSpPr/>
-            <p:nvPr/>
-          </p:nvSpPr>
-          <p:spPr>
-            <a:xfrm>
-              <a:off x="8277323" y="4480898"/>
-              <a:ext cx="604468" cy="344403"/>
-            </a:xfrm>
-            <a:prstGeom prst="roundRect">
-              <a:avLst/>
-            </a:prstGeom>
-          </p:spPr>
-          <p:style>
-            <a:lnRef idx="2">
-              <a:schemeClr val="accent6"/>
-            </a:lnRef>
-            <a:fillRef idx="1">
-              <a:schemeClr val="lt1"/>
-            </a:fillRef>
-            <a:effectRef idx="0">
-              <a:schemeClr val="accent6"/>
-            </a:effectRef>
-            <a:fontRef idx="minor">
-              <a:schemeClr val="dk1"/>
-            </a:fontRef>
-          </p:style>
-          <p:txBody>
-            <a:bodyPr rot="0" spcFirstLastPara="0" vertOverflow="overflow" horzOverflow="overflow" vert="horz" wrap="square" lIns="36578" tIns="18289" rIns="36578" bIns="18289" numCol="1" spcCol="0" rtlCol="0" fromWordArt="0" anchor="ctr" anchorCtr="0" forceAA="0" compatLnSpc="1">
-              <a:prstTxWarp prst="textNoShape">
-                <a:avLst/>
-              </a:prstTxWarp>
-              <a:noAutofit/>
-            </a:bodyPr>
-            <a:lstStyle/>
-            <a:p>
-              <a:pPr algn="ctr"/>
-              <a:r>
-                <a:rPr lang="en-SG" sz="720" dirty="0"/>
-                <a:t>Download charts</a:t>
-              </a:r>
-            </a:p>
-          </p:txBody>
-        </p:sp>
-        <p:sp>
-          <p:nvSpPr>
-            <p:cNvPr id="322" name="Oval 321"/>
-            <p:cNvSpPr/>
-            <p:nvPr/>
-          </p:nvSpPr>
-          <p:spPr>
-            <a:xfrm>
-              <a:off x="9238367" y="4576590"/>
-              <a:ext cx="147054" cy="149135"/>
-            </a:xfrm>
-            <a:prstGeom prst="ellipse">
-              <a:avLst/>
-            </a:prstGeom>
-          </p:spPr>
-          <p:style>
-            <a:lnRef idx="2">
-              <a:schemeClr val="accent6"/>
-            </a:lnRef>
-            <a:fillRef idx="1">
-              <a:schemeClr val="lt1"/>
-            </a:fillRef>
-            <a:effectRef idx="0">
-              <a:schemeClr val="accent6"/>
-            </a:effectRef>
-            <a:fontRef idx="minor">
-              <a:schemeClr val="dk1"/>
-            </a:fontRef>
-          </p:style>
-          <p:txBody>
-            <a:bodyPr rot="0" spcFirstLastPara="0" vertOverflow="overflow" horzOverflow="overflow" vert="horz" wrap="square" lIns="36578" tIns="18289" rIns="36578" bIns="18289" numCol="1" spcCol="0" rtlCol="0" fromWordArt="0" anchor="ctr" anchorCtr="0" forceAA="0" compatLnSpc="1">
-              <a:prstTxWarp prst="textNoShape">
-                <a:avLst/>
-              </a:prstTxWarp>
-              <a:noAutofit/>
-            </a:bodyPr>
-            <a:lstStyle/>
-            <a:p>
-              <a:pPr algn="ctr"/>
-              <a:endParaRPr lang="en-SG" sz="720"/>
-            </a:p>
-          </p:txBody>
-        </p:sp>
-        <p:cxnSp>
-          <p:nvCxnSpPr>
-            <p:cNvPr id="323" name="Elbow Connector 322"/>
-            <p:cNvCxnSpPr>
-              <a:stCxn id="293" idx="3"/>
-              <a:endCxn id="322" idx="2"/>
-            </p:cNvCxnSpPr>
-            <p:nvPr/>
-          </p:nvCxnSpPr>
-          <p:spPr>
-            <a:xfrm flipV="1">
-              <a:off x="8881791" y="4651158"/>
-              <a:ext cx="356576" cy="1942"/>
-            </a:xfrm>
-            <a:prstGeom prst="straightConnector1">
-              <a:avLst/>
-            </a:prstGeom>
-            <a:ln>
-              <a:tailEnd type="triangle"/>
-            </a:ln>
-          </p:spPr>
-          <p:style>
-            <a:lnRef idx="1">
-              <a:schemeClr val="accent2"/>
-            </a:lnRef>
-            <a:fillRef idx="0">
-              <a:schemeClr val="accent2"/>
-            </a:fillRef>
-            <a:effectRef idx="0">
-              <a:schemeClr val="accent2"/>
-            </a:effectRef>
-            <a:fontRef idx="minor">
-              <a:schemeClr val="tx1"/>
-            </a:fontRef>
-          </p:style>
-        </p:cxnSp>
-        <p:sp>
-          <p:nvSpPr>
-            <p:cNvPr id="325" name="Rounded Rectangle 324"/>
-            <p:cNvSpPr/>
-            <p:nvPr/>
-          </p:nvSpPr>
-          <p:spPr>
-            <a:xfrm>
-              <a:off x="9254120" y="4558906"/>
-              <a:ext cx="464277" cy="184501"/>
-            </a:xfrm>
-            <a:prstGeom prst="roundRect">
-              <a:avLst/>
-            </a:prstGeom>
-            <a:noFill/>
-            <a:ln>
-              <a:noFill/>
-            </a:ln>
-          </p:spPr>
-          <p:style>
-            <a:lnRef idx="2">
-              <a:schemeClr val="accent6"/>
-            </a:lnRef>
-            <a:fillRef idx="1">
-              <a:schemeClr val="lt1"/>
-            </a:fillRef>
-            <a:effectRef idx="0">
-              <a:schemeClr val="accent6"/>
-            </a:effectRef>
-            <a:fontRef idx="minor">
-              <a:schemeClr val="dk1"/>
-            </a:fontRef>
-          </p:style>
-          <p:txBody>
-            <a:bodyPr rot="0" spcFirstLastPara="0" vertOverflow="overflow" horzOverflow="overflow" vert="horz" wrap="square" lIns="36578" tIns="18289" rIns="36578" bIns="18289" numCol="1" spcCol="0" rtlCol="0" fromWordArt="0" anchor="ctr" anchorCtr="0" forceAA="0" compatLnSpc="1">
-              <a:prstTxWarp prst="textNoShape">
-                <a:avLst/>
-              </a:prstTxWarp>
-              <a:noAutofit/>
-            </a:bodyPr>
-            <a:lstStyle/>
-            <a:p>
-              <a:pPr algn="ctr"/>
-              <a:r>
-                <a:rPr lang="en-SG" sz="720" dirty="0"/>
-                <a:t>End</a:t>
-              </a:r>
-            </a:p>
-          </p:txBody>
-        </p:sp>
-        <p:sp>
-          <p:nvSpPr>
-            <p:cNvPr id="328" name="Rounded Rectangle 327"/>
-            <p:cNvSpPr/>
-            <p:nvPr/>
-          </p:nvSpPr>
-          <p:spPr>
-            <a:xfrm>
-              <a:off x="4824014" y="4864991"/>
-              <a:ext cx="857184" cy="456565"/>
-            </a:xfrm>
-            <a:prstGeom prst="roundRect">
-              <a:avLst/>
-            </a:prstGeom>
-          </p:spPr>
-          <p:style>
-            <a:lnRef idx="2">
-              <a:schemeClr val="accent6"/>
-            </a:lnRef>
-            <a:fillRef idx="1">
-              <a:schemeClr val="lt1"/>
-            </a:fillRef>
-            <a:effectRef idx="0">
-              <a:schemeClr val="accent6"/>
-            </a:effectRef>
-            <a:fontRef idx="minor">
-              <a:schemeClr val="dk1"/>
-            </a:fontRef>
-          </p:style>
-          <p:txBody>
-            <a:bodyPr rot="0" spcFirstLastPara="0" vertOverflow="overflow" horzOverflow="overflow" vert="horz" wrap="square" lIns="36578" tIns="18289" rIns="36578" bIns="18289" numCol="1" spcCol="0" rtlCol="0" fromWordArt="0" anchor="ctr" anchorCtr="0" forceAA="0" compatLnSpc="1">
-              <a:prstTxWarp prst="textNoShape">
-                <a:avLst/>
-              </a:prstTxWarp>
-              <a:noAutofit/>
-            </a:bodyPr>
-            <a:lstStyle/>
-            <a:p>
-              <a:pPr algn="ctr"/>
-              <a:r>
-                <a:rPr lang="en-SG" sz="720" dirty="0">
-                  <a:solidFill>
-                    <a:schemeClr val="tx1"/>
-                  </a:solidFill>
-                </a:rPr>
-                <a:t>Select report type</a:t>
-              </a:r>
-            </a:p>
-          </p:txBody>
-        </p:sp>
-        <p:sp>
-          <p:nvSpPr>
-            <p:cNvPr id="332" name="Rounded Rectangle 331"/>
-            <p:cNvSpPr/>
-            <p:nvPr/>
-          </p:nvSpPr>
-          <p:spPr>
-            <a:xfrm>
-              <a:off x="4816570" y="5683010"/>
-              <a:ext cx="857184" cy="456565"/>
-            </a:xfrm>
-            <a:prstGeom prst="roundRect">
-              <a:avLst/>
-            </a:prstGeom>
-          </p:spPr>
-          <p:style>
-            <a:lnRef idx="2">
-              <a:schemeClr val="accent6"/>
-            </a:lnRef>
-            <a:fillRef idx="1">
-              <a:schemeClr val="lt1"/>
-            </a:fillRef>
-            <a:effectRef idx="0">
-              <a:schemeClr val="accent6"/>
-            </a:effectRef>
-            <a:fontRef idx="minor">
-              <a:schemeClr val="dk1"/>
-            </a:fontRef>
-          </p:style>
-          <p:txBody>
-            <a:bodyPr rot="0" spcFirstLastPara="0" vertOverflow="overflow" horzOverflow="overflow" vert="horz" wrap="square" lIns="36578" tIns="18289" rIns="36578" bIns="18289" numCol="1" spcCol="0" rtlCol="0" fromWordArt="0" anchor="ctr" anchorCtr="0" forceAA="0" compatLnSpc="1">
-              <a:prstTxWarp prst="textNoShape">
-                <a:avLst/>
-              </a:prstTxWarp>
-              <a:noAutofit/>
-            </a:bodyPr>
-            <a:lstStyle/>
-            <a:p>
-              <a:pPr algn="ctr"/>
-              <a:r>
-                <a:rPr lang="en-SG" sz="720" dirty="0">
-                  <a:solidFill>
-                    <a:schemeClr val="tx1"/>
-                  </a:solidFill>
-                </a:rPr>
-                <a:t>Apply required filters</a:t>
-              </a:r>
-            </a:p>
-          </p:txBody>
-        </p:sp>
-        <p:sp>
-          <p:nvSpPr>
-            <p:cNvPr id="354" name="Flowchart: Decision 353"/>
-            <p:cNvSpPr/>
-            <p:nvPr/>
-          </p:nvSpPr>
-          <p:spPr>
-            <a:xfrm>
-              <a:off x="6469010" y="5599374"/>
-              <a:ext cx="852604" cy="615045"/>
-            </a:xfrm>
-            <a:prstGeom prst="flowChartDecision">
-              <a:avLst/>
-            </a:prstGeom>
-          </p:spPr>
-          <p:style>
-            <a:lnRef idx="2">
-              <a:schemeClr val="accent6"/>
-            </a:lnRef>
-            <a:fillRef idx="1">
-              <a:schemeClr val="lt1"/>
-            </a:fillRef>
-            <a:effectRef idx="0">
-              <a:schemeClr val="accent6"/>
-            </a:effectRef>
-            <a:fontRef idx="minor">
-              <a:schemeClr val="dk1"/>
-            </a:fontRef>
-          </p:style>
-          <p:txBody>
-            <a:bodyPr rtlCol="0" anchor="ctr"/>
-            <a:lstStyle/>
-            <a:p>
-              <a:pPr algn="ctr"/>
-              <a:r>
-                <a:rPr lang="en-SG" sz="600" dirty="0"/>
-                <a:t>Export?</a:t>
-              </a:r>
-            </a:p>
-          </p:txBody>
-        </p:sp>
-        <p:sp>
-          <p:nvSpPr>
-            <p:cNvPr id="355" name="Rounded Rectangle 354"/>
-            <p:cNvSpPr/>
-            <p:nvPr/>
-          </p:nvSpPr>
-          <p:spPr>
-            <a:xfrm>
-              <a:off x="7202132" y="5124955"/>
-              <a:ext cx="581226" cy="456566"/>
-            </a:xfrm>
-            <a:prstGeom prst="roundRect">
-              <a:avLst/>
-            </a:prstGeom>
-          </p:spPr>
-          <p:style>
-            <a:lnRef idx="2">
-              <a:schemeClr val="accent6"/>
-            </a:lnRef>
-            <a:fillRef idx="1">
-              <a:schemeClr val="lt1"/>
-            </a:fillRef>
-            <a:effectRef idx="0">
-              <a:schemeClr val="accent6"/>
-            </a:effectRef>
-            <a:fontRef idx="minor">
-              <a:schemeClr val="dk1"/>
-            </a:fontRef>
-          </p:style>
-          <p:txBody>
-            <a:bodyPr rot="0" spcFirstLastPara="0" vertOverflow="overflow" horzOverflow="overflow" vert="horz" wrap="square" lIns="36578" tIns="18289" rIns="36578" bIns="18289" numCol="1" spcCol="0" rtlCol="0" fromWordArt="0" anchor="ctr" anchorCtr="0" forceAA="0" compatLnSpc="1">
-              <a:prstTxWarp prst="textNoShape">
-                <a:avLst/>
-              </a:prstTxWarp>
-              <a:noAutofit/>
-            </a:bodyPr>
-            <a:lstStyle/>
-            <a:p>
-              <a:pPr algn="ctr"/>
-              <a:r>
-                <a:rPr lang="en-SG" sz="720" dirty="0"/>
-                <a:t>End of reports</a:t>
-              </a:r>
-            </a:p>
-          </p:txBody>
-        </p:sp>
-        <p:cxnSp>
-          <p:nvCxnSpPr>
-            <p:cNvPr id="356" name="Straight Arrow Connector 215"/>
-            <p:cNvCxnSpPr>
-              <a:stCxn id="354" idx="0"/>
-              <a:endCxn id="355" idx="1"/>
-            </p:cNvCxnSpPr>
-            <p:nvPr/>
-          </p:nvCxnSpPr>
-          <p:spPr>
-            <a:xfrm rot="5400000" flipH="1" flipV="1">
-              <a:off x="6925654" y="5322896"/>
-              <a:ext cx="246136" cy="306820"/>
-            </a:xfrm>
-            <a:prstGeom prst="bentConnector2">
-              <a:avLst/>
-            </a:prstGeom>
-            <a:ln>
-              <a:tailEnd type="triangle"/>
-            </a:ln>
-          </p:spPr>
-          <p:style>
-            <a:lnRef idx="1">
-              <a:schemeClr val="accent2"/>
-            </a:lnRef>
-            <a:fillRef idx="0">
-              <a:schemeClr val="accent2"/>
-            </a:fillRef>
-            <a:effectRef idx="0">
-              <a:schemeClr val="accent2"/>
-            </a:effectRef>
-            <a:fontRef idx="minor">
-              <a:schemeClr val="tx1"/>
-            </a:fontRef>
-          </p:style>
-        </p:cxnSp>
-        <p:cxnSp>
-          <p:nvCxnSpPr>
-            <p:cNvPr id="357" name="Elbow Connector 356"/>
-            <p:cNvCxnSpPr>
-              <a:stCxn id="354" idx="3"/>
-              <a:endCxn id="358" idx="1"/>
-            </p:cNvCxnSpPr>
-            <p:nvPr/>
-          </p:nvCxnSpPr>
-          <p:spPr>
-            <a:xfrm>
-              <a:off x="7321614" y="5906897"/>
-              <a:ext cx="336255" cy="2613"/>
-            </a:xfrm>
-            <a:prstGeom prst="bentConnector3">
-              <a:avLst>
-                <a:gd name="adj1" fmla="val 50000"/>
-              </a:avLst>
-            </a:prstGeom>
-            <a:ln>
-              <a:tailEnd type="triangle"/>
-            </a:ln>
-          </p:spPr>
-          <p:style>
-            <a:lnRef idx="1">
-              <a:schemeClr val="accent2"/>
-            </a:lnRef>
-            <a:fillRef idx="0">
-              <a:schemeClr val="accent2"/>
-            </a:fillRef>
-            <a:effectRef idx="0">
-              <a:schemeClr val="accent2"/>
-            </a:effectRef>
-            <a:fontRef idx="minor">
-              <a:schemeClr val="tx1"/>
-            </a:fontRef>
-          </p:style>
-        </p:cxnSp>
-        <p:sp>
-          <p:nvSpPr>
-            <p:cNvPr id="358" name="Rounded Rectangle 357"/>
-            <p:cNvSpPr/>
-            <p:nvPr/>
-          </p:nvSpPr>
-          <p:spPr>
-            <a:xfrm>
-              <a:off x="7657869" y="5737308"/>
-              <a:ext cx="604468" cy="344403"/>
-            </a:xfrm>
-            <a:prstGeom prst="roundRect">
-              <a:avLst/>
-            </a:prstGeom>
-          </p:spPr>
-          <p:style>
-            <a:lnRef idx="2">
-              <a:schemeClr val="accent6"/>
-            </a:lnRef>
-            <a:fillRef idx="1">
-              <a:schemeClr val="lt1"/>
-            </a:fillRef>
-            <a:effectRef idx="0">
-              <a:schemeClr val="accent6"/>
-            </a:effectRef>
-            <a:fontRef idx="minor">
-              <a:schemeClr val="dk1"/>
-            </a:fontRef>
-          </p:style>
-          <p:txBody>
-            <a:bodyPr rot="0" spcFirstLastPara="0" vertOverflow="overflow" horzOverflow="overflow" vert="horz" wrap="square" lIns="36578" tIns="18289" rIns="36578" bIns="18289" numCol="1" spcCol="0" rtlCol="0" fromWordArt="0" anchor="ctr" anchorCtr="0" forceAA="0" compatLnSpc="1">
-              <a:prstTxWarp prst="textNoShape">
-                <a:avLst/>
-              </a:prstTxWarp>
-              <a:noAutofit/>
-            </a:bodyPr>
-            <a:lstStyle/>
-            <a:p>
-              <a:pPr algn="ctr"/>
-              <a:r>
-                <a:rPr lang="en-SG" sz="720" dirty="0"/>
-                <a:t>Export preferred report</a:t>
-              </a:r>
-            </a:p>
-          </p:txBody>
-        </p:sp>
-        <p:sp>
-          <p:nvSpPr>
-            <p:cNvPr id="364" name="Oval 363"/>
-            <p:cNvSpPr/>
-            <p:nvPr/>
-          </p:nvSpPr>
-          <p:spPr>
-            <a:xfrm>
-              <a:off x="8182357" y="5285846"/>
-              <a:ext cx="147054" cy="149135"/>
-            </a:xfrm>
-            <a:prstGeom prst="ellipse">
-              <a:avLst/>
-            </a:prstGeom>
-          </p:spPr>
-          <p:style>
-            <a:lnRef idx="2">
-              <a:schemeClr val="accent6"/>
-            </a:lnRef>
-            <a:fillRef idx="1">
-              <a:schemeClr val="lt1"/>
-            </a:fillRef>
-            <a:effectRef idx="0">
-              <a:schemeClr val="accent6"/>
-            </a:effectRef>
-            <a:fontRef idx="minor">
-              <a:schemeClr val="dk1"/>
-            </a:fontRef>
-          </p:style>
-          <p:txBody>
-            <a:bodyPr rot="0" spcFirstLastPara="0" vertOverflow="overflow" horzOverflow="overflow" vert="horz" wrap="square" lIns="36578" tIns="18289" rIns="36578" bIns="18289" numCol="1" spcCol="0" rtlCol="0" fromWordArt="0" anchor="ctr" anchorCtr="0" forceAA="0" compatLnSpc="1">
-              <a:prstTxWarp prst="textNoShape">
-                <a:avLst/>
-              </a:prstTxWarp>
-              <a:noAutofit/>
-            </a:bodyPr>
-            <a:lstStyle/>
-            <a:p>
-              <a:pPr algn="ctr"/>
-              <a:endParaRPr lang="en-SG" sz="720"/>
-            </a:p>
-          </p:txBody>
-        </p:sp>
-        <p:cxnSp>
-          <p:nvCxnSpPr>
-            <p:cNvPr id="365" name="Elbow Connector 364"/>
-            <p:cNvCxnSpPr>
-              <a:stCxn id="355" idx="3"/>
-              <a:endCxn id="364" idx="2"/>
-            </p:cNvCxnSpPr>
-            <p:nvPr/>
-          </p:nvCxnSpPr>
-          <p:spPr>
-            <a:xfrm>
-              <a:off x="7783358" y="5353238"/>
-              <a:ext cx="398999" cy="7176"/>
-            </a:xfrm>
-            <a:prstGeom prst="straightConnector1">
-              <a:avLst/>
-            </a:prstGeom>
-            <a:ln>
-              <a:tailEnd type="triangle"/>
-            </a:ln>
-          </p:spPr>
-          <p:style>
-            <a:lnRef idx="1">
-              <a:schemeClr val="accent2"/>
-            </a:lnRef>
-            <a:fillRef idx="0">
-              <a:schemeClr val="accent2"/>
-            </a:fillRef>
-            <a:effectRef idx="0">
-              <a:schemeClr val="accent2"/>
-            </a:effectRef>
-            <a:fontRef idx="minor">
-              <a:schemeClr val="tx1"/>
-            </a:fontRef>
-          </p:style>
-        </p:cxnSp>
-        <p:sp>
-          <p:nvSpPr>
-            <p:cNvPr id="367" name="Rounded Rectangle 366"/>
-            <p:cNvSpPr/>
-            <p:nvPr/>
-          </p:nvSpPr>
-          <p:spPr>
-            <a:xfrm>
-              <a:off x="8207647" y="5273957"/>
-              <a:ext cx="464277" cy="184501"/>
-            </a:xfrm>
-            <a:prstGeom prst="roundRect">
-              <a:avLst/>
-            </a:prstGeom>
-            <a:noFill/>
-            <a:ln>
-              <a:noFill/>
-            </a:ln>
-          </p:spPr>
-          <p:style>
-            <a:lnRef idx="2">
-              <a:schemeClr val="accent6"/>
-            </a:lnRef>
-            <a:fillRef idx="1">
-              <a:schemeClr val="lt1"/>
-            </a:fillRef>
-            <a:effectRef idx="0">
-              <a:schemeClr val="accent6"/>
-            </a:effectRef>
-            <a:fontRef idx="minor">
-              <a:schemeClr val="dk1"/>
-            </a:fontRef>
-          </p:style>
-          <p:txBody>
-            <a:bodyPr rot="0" spcFirstLastPara="0" vertOverflow="overflow" horzOverflow="overflow" vert="horz" wrap="square" lIns="36578" tIns="18289" rIns="36578" bIns="18289" numCol="1" spcCol="0" rtlCol="0" fromWordArt="0" anchor="ctr" anchorCtr="0" forceAA="0" compatLnSpc="1">
-              <a:prstTxWarp prst="textNoShape">
-                <a:avLst/>
-              </a:prstTxWarp>
-              <a:noAutofit/>
-            </a:bodyPr>
-            <a:lstStyle/>
-            <a:p>
-              <a:pPr algn="ctr"/>
-              <a:r>
-                <a:rPr lang="en-SG" sz="720" dirty="0"/>
-                <a:t>End</a:t>
-              </a:r>
-            </a:p>
-          </p:txBody>
-        </p:sp>
-        <p:sp>
-          <p:nvSpPr>
-            <p:cNvPr id="369" name="Oval 368"/>
-            <p:cNvSpPr/>
-            <p:nvPr/>
-          </p:nvSpPr>
-          <p:spPr>
-            <a:xfrm>
-              <a:off x="8654883" y="5830871"/>
-              <a:ext cx="147054" cy="149135"/>
-            </a:xfrm>
-            <a:prstGeom prst="ellipse">
-              <a:avLst/>
-            </a:prstGeom>
-          </p:spPr>
-          <p:style>
-            <a:lnRef idx="2">
-              <a:schemeClr val="accent6"/>
-            </a:lnRef>
-            <a:fillRef idx="1">
-              <a:schemeClr val="lt1"/>
-            </a:fillRef>
-            <a:effectRef idx="0">
-              <a:schemeClr val="accent6"/>
-            </a:effectRef>
-            <a:fontRef idx="minor">
-              <a:schemeClr val="dk1"/>
-            </a:fontRef>
-          </p:style>
-          <p:txBody>
-            <a:bodyPr rot="0" spcFirstLastPara="0" vertOverflow="overflow" horzOverflow="overflow" vert="horz" wrap="square" lIns="36578" tIns="18289" rIns="36578" bIns="18289" numCol="1" spcCol="0" rtlCol="0" fromWordArt="0" anchor="ctr" anchorCtr="0" forceAA="0" compatLnSpc="1">
-              <a:prstTxWarp prst="textNoShape">
-                <a:avLst/>
-              </a:prstTxWarp>
-              <a:noAutofit/>
-            </a:bodyPr>
-            <a:lstStyle/>
-            <a:p>
-              <a:pPr algn="ctr"/>
-              <a:endParaRPr lang="en-SG" sz="720"/>
-            </a:p>
-          </p:txBody>
-        </p:sp>
-        <p:cxnSp>
-          <p:nvCxnSpPr>
-            <p:cNvPr id="370" name="Elbow Connector 369"/>
-            <p:cNvCxnSpPr>
-              <a:stCxn id="358" idx="3"/>
-              <a:endCxn id="369" idx="2"/>
-            </p:cNvCxnSpPr>
-            <p:nvPr/>
-          </p:nvCxnSpPr>
-          <p:spPr>
-            <a:xfrm flipV="1">
-              <a:off x="8262337" y="5905439"/>
-              <a:ext cx="392546" cy="4071"/>
-            </a:xfrm>
-            <a:prstGeom prst="straightConnector1">
-              <a:avLst/>
-            </a:prstGeom>
-            <a:ln>
-              <a:tailEnd type="triangle"/>
-            </a:ln>
-          </p:spPr>
-          <p:style>
-            <a:lnRef idx="1">
-              <a:schemeClr val="accent2"/>
-            </a:lnRef>
-            <a:fillRef idx="0">
-              <a:schemeClr val="accent2"/>
-            </a:fillRef>
-            <a:effectRef idx="0">
-              <a:schemeClr val="accent2"/>
-            </a:effectRef>
-            <a:fontRef idx="minor">
-              <a:schemeClr val="tx1"/>
-            </a:fontRef>
-          </p:style>
-        </p:cxnSp>
-        <p:cxnSp>
-          <p:nvCxnSpPr>
-            <p:cNvPr id="376" name="Elbow Connector 375"/>
-            <p:cNvCxnSpPr>
-              <a:stCxn id="172" idx="2"/>
-              <a:endCxn id="381" idx="0"/>
-            </p:cNvCxnSpPr>
-            <p:nvPr/>
-          </p:nvCxnSpPr>
-          <p:spPr>
-            <a:xfrm>
-              <a:off x="10395690" y="4531737"/>
-              <a:ext cx="6280" cy="359484"/>
-            </a:xfrm>
-            <a:prstGeom prst="straightConnector1">
-              <a:avLst/>
-            </a:prstGeom>
-            <a:ln>
-              <a:tailEnd type="triangle"/>
-            </a:ln>
-          </p:spPr>
-          <p:style>
-            <a:lnRef idx="1">
-              <a:schemeClr val="accent2"/>
-            </a:lnRef>
-            <a:fillRef idx="0">
-              <a:schemeClr val="accent2"/>
-            </a:fillRef>
-            <a:effectRef idx="0">
-              <a:schemeClr val="accent2"/>
-            </a:effectRef>
-            <a:fontRef idx="minor">
-              <a:schemeClr val="tx1"/>
-            </a:fontRef>
-          </p:style>
-        </p:cxnSp>
-        <p:sp>
-          <p:nvSpPr>
-            <p:cNvPr id="381" name="Oval 380"/>
-            <p:cNvSpPr/>
-            <p:nvPr/>
-          </p:nvSpPr>
-          <p:spPr>
-            <a:xfrm>
-              <a:off x="10328443" y="4891221"/>
-              <a:ext cx="147054" cy="149135"/>
-            </a:xfrm>
-            <a:prstGeom prst="ellipse">
-              <a:avLst/>
-            </a:prstGeom>
-          </p:spPr>
-          <p:style>
-            <a:lnRef idx="2">
-              <a:schemeClr val="accent6"/>
-            </a:lnRef>
-            <a:fillRef idx="1">
-              <a:schemeClr val="lt1"/>
-            </a:fillRef>
-            <a:effectRef idx="0">
-              <a:schemeClr val="accent6"/>
-            </a:effectRef>
-            <a:fontRef idx="minor">
-              <a:schemeClr val="dk1"/>
-            </a:fontRef>
-          </p:style>
-          <p:txBody>
-            <a:bodyPr rot="0" spcFirstLastPara="0" vertOverflow="overflow" horzOverflow="overflow" vert="horz" wrap="square" lIns="36578" tIns="18289" rIns="36578" bIns="18289" numCol="1" spcCol="0" rtlCol="0" fromWordArt="0" anchor="ctr" anchorCtr="0" forceAA="0" compatLnSpc="1">
-              <a:prstTxWarp prst="textNoShape">
-                <a:avLst/>
-              </a:prstTxWarp>
-              <a:noAutofit/>
-            </a:bodyPr>
-            <a:lstStyle/>
-            <a:p>
-              <a:pPr algn="ctr"/>
-              <a:endParaRPr lang="en-SG" sz="720"/>
-            </a:p>
-          </p:txBody>
-        </p:sp>
-        <p:sp>
-          <p:nvSpPr>
-            <p:cNvPr id="382" name="Rounded Rectangle 381"/>
-            <p:cNvSpPr/>
-            <p:nvPr/>
-          </p:nvSpPr>
-          <p:spPr>
-            <a:xfrm>
-              <a:off x="10180176" y="5045488"/>
-              <a:ext cx="464277" cy="184501"/>
-            </a:xfrm>
-            <a:prstGeom prst="roundRect">
-              <a:avLst/>
-            </a:prstGeom>
-            <a:noFill/>
-            <a:ln>
-              <a:noFill/>
-            </a:ln>
-          </p:spPr>
-          <p:style>
-            <a:lnRef idx="2">
-              <a:schemeClr val="accent6"/>
-            </a:lnRef>
-            <a:fillRef idx="1">
-              <a:schemeClr val="lt1"/>
-            </a:fillRef>
-            <a:effectRef idx="0">
-              <a:schemeClr val="accent6"/>
-            </a:effectRef>
-            <a:fontRef idx="minor">
-              <a:schemeClr val="dk1"/>
-            </a:fontRef>
-          </p:style>
-          <p:txBody>
-            <a:bodyPr rot="0" spcFirstLastPara="0" vertOverflow="overflow" horzOverflow="overflow" vert="horz" wrap="square" lIns="36578" tIns="18289" rIns="36578" bIns="18289" numCol="1" spcCol="0" rtlCol="0" fromWordArt="0" anchor="ctr" anchorCtr="0" forceAA="0" compatLnSpc="1">
-              <a:prstTxWarp prst="textNoShape">
-                <a:avLst/>
-              </a:prstTxWarp>
-              <a:noAutofit/>
-            </a:bodyPr>
-            <a:lstStyle/>
-            <a:p>
-              <a:pPr algn="ctr"/>
-              <a:r>
-                <a:rPr lang="en-SG" sz="720" dirty="0"/>
-                <a:t>End</a:t>
-              </a:r>
-            </a:p>
-          </p:txBody>
-        </p:sp>
-        <p:sp>
-          <p:nvSpPr>
-            <p:cNvPr id="385" name="Rounded Rectangle 384"/>
-            <p:cNvSpPr/>
-            <p:nvPr/>
-          </p:nvSpPr>
-          <p:spPr>
-            <a:xfrm>
-              <a:off x="8717257" y="5842631"/>
-              <a:ext cx="464277" cy="184501"/>
-            </a:xfrm>
-            <a:prstGeom prst="roundRect">
-              <a:avLst/>
-            </a:prstGeom>
-            <a:noFill/>
-            <a:ln>
-              <a:noFill/>
-            </a:ln>
-          </p:spPr>
-          <p:style>
-            <a:lnRef idx="2">
-              <a:schemeClr val="accent6"/>
-            </a:lnRef>
-            <a:fillRef idx="1">
-              <a:schemeClr val="lt1"/>
-            </a:fillRef>
-            <a:effectRef idx="0">
-              <a:schemeClr val="accent6"/>
-            </a:effectRef>
-            <a:fontRef idx="minor">
-              <a:schemeClr val="dk1"/>
-            </a:fontRef>
-          </p:style>
-          <p:txBody>
-            <a:bodyPr rot="0" spcFirstLastPara="0" vertOverflow="overflow" horzOverflow="overflow" vert="horz" wrap="square" lIns="36578" tIns="18289" rIns="36578" bIns="18289" numCol="1" spcCol="0" rtlCol="0" fromWordArt="0" anchor="ctr" anchorCtr="0" forceAA="0" compatLnSpc="1">
-              <a:prstTxWarp prst="textNoShape">
-                <a:avLst/>
-              </a:prstTxWarp>
-              <a:noAutofit/>
-            </a:bodyPr>
-            <a:lstStyle/>
-            <a:p>
-              <a:pPr algn="ctr"/>
-              <a:r>
-                <a:rPr lang="en-SG" sz="720" dirty="0"/>
-                <a:t>End</a:t>
-              </a:r>
-            </a:p>
-          </p:txBody>
-        </p:sp>
-        <p:sp>
-          <p:nvSpPr>
-            <p:cNvPr id="390" name="Rounded Rectangle 389"/>
-            <p:cNvSpPr/>
-            <p:nvPr/>
-          </p:nvSpPr>
-          <p:spPr>
-            <a:xfrm>
-              <a:off x="4772463" y="4276941"/>
-              <a:ext cx="413731" cy="129513"/>
-            </a:xfrm>
-            <a:prstGeom prst="roundRect">
-              <a:avLst/>
-            </a:prstGeom>
-            <a:noFill/>
-            <a:ln>
-              <a:noFill/>
-            </a:ln>
-          </p:spPr>
-          <p:style>
-            <a:lnRef idx="2">
-              <a:schemeClr val="accent6"/>
-            </a:lnRef>
-            <a:fillRef idx="1">
-              <a:schemeClr val="lt1"/>
-            </a:fillRef>
-            <a:effectRef idx="0">
-              <a:schemeClr val="accent6"/>
-            </a:effectRef>
-            <a:fontRef idx="minor">
-              <a:schemeClr val="dk1"/>
-            </a:fontRef>
-          </p:style>
-          <p:txBody>
-            <a:bodyPr rot="0" spcFirstLastPara="0" vertOverflow="overflow" horzOverflow="overflow" vert="horz" wrap="square" lIns="36578" tIns="18289" rIns="36578" bIns="18289" numCol="1" spcCol="0" rtlCol="0" fromWordArt="0" anchor="ctr" anchorCtr="0" forceAA="0" compatLnSpc="1">
-              <a:prstTxWarp prst="textNoShape">
-                <a:avLst/>
-              </a:prstTxWarp>
-              <a:noAutofit/>
-            </a:bodyPr>
-            <a:lstStyle/>
-            <a:p>
-              <a:pPr algn="ctr"/>
-              <a:r>
-                <a:rPr lang="en-SG" sz="720" dirty="0"/>
-                <a:t>Detailed</a:t>
-              </a:r>
-            </a:p>
-          </p:txBody>
-        </p:sp>
-        <p:sp>
-          <p:nvSpPr>
-            <p:cNvPr id="391" name="Rounded Rectangle 390"/>
-            <p:cNvSpPr/>
-            <p:nvPr/>
-          </p:nvSpPr>
-          <p:spPr>
-            <a:xfrm>
-              <a:off x="7253096" y="5777967"/>
-              <a:ext cx="295977" cy="99379"/>
-            </a:xfrm>
-            <a:prstGeom prst="roundRect">
-              <a:avLst/>
-            </a:prstGeom>
-            <a:noFill/>
-            <a:ln>
-              <a:noFill/>
-            </a:ln>
-          </p:spPr>
-          <p:style>
-            <a:lnRef idx="2">
-              <a:schemeClr val="accent6"/>
-            </a:lnRef>
-            <a:fillRef idx="1">
-              <a:schemeClr val="lt1"/>
-            </a:fillRef>
-            <a:effectRef idx="0">
-              <a:schemeClr val="accent6"/>
-            </a:effectRef>
-            <a:fontRef idx="minor">
-              <a:schemeClr val="dk1"/>
-            </a:fontRef>
-          </p:style>
-          <p:txBody>
-            <a:bodyPr rot="0" spcFirstLastPara="0" vertOverflow="overflow" horzOverflow="overflow" vert="horz" wrap="square" lIns="36578" tIns="18289" rIns="36578" bIns="18289" numCol="1" spcCol="0" rtlCol="0" fromWordArt="0" anchor="ctr" anchorCtr="0" forceAA="0" compatLnSpc="1">
-              <a:prstTxWarp prst="textNoShape">
-                <a:avLst/>
-              </a:prstTxWarp>
-              <a:noAutofit/>
-            </a:bodyPr>
-            <a:lstStyle/>
-            <a:p>
-              <a:pPr algn="ctr"/>
-              <a:r>
-                <a:rPr lang="en-SG" sz="720" dirty="0"/>
-                <a:t>Yes</a:t>
-              </a:r>
-            </a:p>
-          </p:txBody>
-        </p:sp>
-        <p:sp>
-          <p:nvSpPr>
-            <p:cNvPr id="393" name="Rounded Rectangle 392"/>
-            <p:cNvSpPr/>
-            <p:nvPr/>
-          </p:nvSpPr>
-          <p:spPr>
-            <a:xfrm>
-              <a:off x="7701359" y="3452672"/>
-              <a:ext cx="295977" cy="99379"/>
-            </a:xfrm>
-            <a:prstGeom prst="roundRect">
-              <a:avLst/>
-            </a:prstGeom>
-            <a:noFill/>
-            <a:ln>
-              <a:noFill/>
-            </a:ln>
-          </p:spPr>
-          <p:style>
-            <a:lnRef idx="2">
-              <a:schemeClr val="accent6"/>
-            </a:lnRef>
-            <a:fillRef idx="1">
-              <a:schemeClr val="lt1"/>
-            </a:fillRef>
-            <a:effectRef idx="0">
-              <a:schemeClr val="accent6"/>
-            </a:effectRef>
-            <a:fontRef idx="minor">
-              <a:schemeClr val="dk1"/>
-            </a:fontRef>
-          </p:style>
-          <p:txBody>
-            <a:bodyPr rot="0" spcFirstLastPara="0" vertOverflow="overflow" horzOverflow="overflow" vert="horz" wrap="square" lIns="36578" tIns="18289" rIns="36578" bIns="18289" numCol="1" spcCol="0" rtlCol="0" fromWordArt="0" anchor="ctr" anchorCtr="0" forceAA="0" compatLnSpc="1">
-              <a:prstTxWarp prst="textNoShape">
-                <a:avLst/>
-              </a:prstTxWarp>
-              <a:noAutofit/>
-            </a:bodyPr>
-            <a:lstStyle/>
-            <a:p>
-              <a:pPr algn="ctr"/>
-              <a:r>
-                <a:rPr lang="en-SG" sz="720" dirty="0"/>
-                <a:t>No</a:t>
-              </a:r>
-            </a:p>
-          </p:txBody>
-        </p:sp>
-        <p:sp>
-          <p:nvSpPr>
-            <p:cNvPr id="394" name="Rounded Rectangle 393"/>
-            <p:cNvSpPr/>
-            <p:nvPr/>
-          </p:nvSpPr>
-          <p:spPr>
-            <a:xfrm>
-              <a:off x="7657869" y="4187634"/>
-              <a:ext cx="295977" cy="99379"/>
-            </a:xfrm>
-            <a:prstGeom prst="roundRect">
-              <a:avLst/>
-            </a:prstGeom>
-            <a:noFill/>
-            <a:ln>
-              <a:noFill/>
-            </a:ln>
-          </p:spPr>
-          <p:style>
-            <a:lnRef idx="2">
-              <a:schemeClr val="accent6"/>
-            </a:lnRef>
-            <a:fillRef idx="1">
-              <a:schemeClr val="lt1"/>
-            </a:fillRef>
-            <a:effectRef idx="0">
-              <a:schemeClr val="accent6"/>
-            </a:effectRef>
-            <a:fontRef idx="minor">
-              <a:schemeClr val="dk1"/>
-            </a:fontRef>
-          </p:style>
-          <p:txBody>
-            <a:bodyPr rot="0" spcFirstLastPara="0" vertOverflow="overflow" horzOverflow="overflow" vert="horz" wrap="square" lIns="36578" tIns="18289" rIns="36578" bIns="18289" numCol="1" spcCol="0" rtlCol="0" fromWordArt="0" anchor="ctr" anchorCtr="0" forceAA="0" compatLnSpc="1">
-              <a:prstTxWarp prst="textNoShape">
-                <a:avLst/>
-              </a:prstTxWarp>
-              <a:noAutofit/>
-            </a:bodyPr>
-            <a:lstStyle/>
-            <a:p>
-              <a:pPr algn="ctr"/>
-              <a:r>
-                <a:rPr lang="en-SG" sz="720" dirty="0"/>
-                <a:t>Yes</a:t>
               </a:r>
             </a:p>
           </p:txBody>

--- a/Business Analysis/flow.pptx
+++ b/Business Analysis/flow.pptx
@@ -207,7 +207,7 @@
           <a:p>
             <a:fld id="{C5230F40-415C-430C-954E-9C7E5CB09663}" type="datetimeFigureOut">
               <a:rPr lang="en-SG" smtClean="0"/>
-              <a:t>13/4/2017</a:t>
+              <a:t>15/4/2017</a:t>
             </a:fld>
             <a:endParaRPr lang="en-SG"/>
           </a:p>
@@ -1502,7 +1502,7 @@
           <a:p>
             <a:fld id="{52472096-1372-4433-9603-3D7A8CC319BF}" type="datetimeFigureOut">
               <a:rPr lang="en-SG" smtClean="0"/>
-              <a:t>13/4/2017</a:t>
+              <a:t>15/4/2017</a:t>
             </a:fld>
             <a:endParaRPr lang="en-SG"/>
           </a:p>
@@ -1672,7 +1672,7 @@
           <a:p>
             <a:fld id="{52472096-1372-4433-9603-3D7A8CC319BF}" type="datetimeFigureOut">
               <a:rPr lang="en-SG" smtClean="0"/>
-              <a:t>13/4/2017</a:t>
+              <a:t>15/4/2017</a:t>
             </a:fld>
             <a:endParaRPr lang="en-SG"/>
           </a:p>
@@ -1852,7 +1852,7 @@
           <a:p>
             <a:fld id="{52472096-1372-4433-9603-3D7A8CC319BF}" type="datetimeFigureOut">
               <a:rPr lang="en-SG" smtClean="0"/>
-              <a:t>13/4/2017</a:t>
+              <a:t>15/4/2017</a:t>
             </a:fld>
             <a:endParaRPr lang="en-SG"/>
           </a:p>
@@ -2022,7 +2022,7 @@
           <a:p>
             <a:fld id="{52472096-1372-4433-9603-3D7A8CC319BF}" type="datetimeFigureOut">
               <a:rPr lang="en-SG" smtClean="0"/>
-              <a:t>13/4/2017</a:t>
+              <a:t>15/4/2017</a:t>
             </a:fld>
             <a:endParaRPr lang="en-SG"/>
           </a:p>
@@ -2268,7 +2268,7 @@
           <a:p>
             <a:fld id="{52472096-1372-4433-9603-3D7A8CC319BF}" type="datetimeFigureOut">
               <a:rPr lang="en-SG" smtClean="0"/>
-              <a:t>13/4/2017</a:t>
+              <a:t>15/4/2017</a:t>
             </a:fld>
             <a:endParaRPr lang="en-SG"/>
           </a:p>
@@ -2500,7 +2500,7 @@
           <a:p>
             <a:fld id="{52472096-1372-4433-9603-3D7A8CC319BF}" type="datetimeFigureOut">
               <a:rPr lang="en-SG" smtClean="0"/>
-              <a:t>13/4/2017</a:t>
+              <a:t>15/4/2017</a:t>
             </a:fld>
             <a:endParaRPr lang="en-SG"/>
           </a:p>
@@ -2867,7 +2867,7 @@
           <a:p>
             <a:fld id="{52472096-1372-4433-9603-3D7A8CC319BF}" type="datetimeFigureOut">
               <a:rPr lang="en-SG" smtClean="0"/>
-              <a:t>13/4/2017</a:t>
+              <a:t>15/4/2017</a:t>
             </a:fld>
             <a:endParaRPr lang="en-SG"/>
           </a:p>
@@ -2985,7 +2985,7 @@
           <a:p>
             <a:fld id="{52472096-1372-4433-9603-3D7A8CC319BF}" type="datetimeFigureOut">
               <a:rPr lang="en-SG" smtClean="0"/>
-              <a:t>13/4/2017</a:t>
+              <a:t>15/4/2017</a:t>
             </a:fld>
             <a:endParaRPr lang="en-SG"/>
           </a:p>
@@ -3080,7 +3080,7 @@
           <a:p>
             <a:fld id="{52472096-1372-4433-9603-3D7A8CC319BF}" type="datetimeFigureOut">
               <a:rPr lang="en-SG" smtClean="0"/>
-              <a:t>13/4/2017</a:t>
+              <a:t>15/4/2017</a:t>
             </a:fld>
             <a:endParaRPr lang="en-SG"/>
           </a:p>
@@ -3357,7 +3357,7 @@
           <a:p>
             <a:fld id="{52472096-1372-4433-9603-3D7A8CC319BF}" type="datetimeFigureOut">
               <a:rPr lang="en-SG" smtClean="0"/>
-              <a:t>13/4/2017</a:t>
+              <a:t>15/4/2017</a:t>
             </a:fld>
             <a:endParaRPr lang="en-SG"/>
           </a:p>
@@ -3614,7 +3614,7 @@
           <a:p>
             <a:fld id="{52472096-1372-4433-9603-3D7A8CC319BF}" type="datetimeFigureOut">
               <a:rPr lang="en-SG" smtClean="0"/>
-              <a:t>13/4/2017</a:t>
+              <a:t>15/4/2017</a:t>
             </a:fld>
             <a:endParaRPr lang="en-SG"/>
           </a:p>
@@ -3827,7 +3827,7 @@
           <a:p>
             <a:fld id="{52472096-1372-4433-9603-3D7A8CC319BF}" type="datetimeFigureOut">
               <a:rPr lang="en-SG" smtClean="0"/>
-              <a:t>13/4/2017</a:t>
+              <a:t>15/4/2017</a:t>
             </a:fld>
             <a:endParaRPr lang="en-SG"/>
           </a:p>
@@ -9406,9 +9406,9 @@
         <p:grpSpPr>
           <a:xfrm>
             <a:off x="2325736" y="2467427"/>
-            <a:ext cx="11334219" cy="5362407"/>
+            <a:ext cx="11298624" cy="5362407"/>
             <a:chOff x="685066" y="2785845"/>
-            <a:chExt cx="11132776" cy="5116494"/>
+            <a:chExt cx="11097814" cy="5116494"/>
           </a:xfrm>
         </p:grpSpPr>
         <p:grpSp>
@@ -9613,7 +9613,7 @@
             </p:nvSpPr>
             <p:spPr>
               <a:xfrm>
-                <a:off x="2722117" y="2529919"/>
+                <a:off x="2710298" y="2529919"/>
                 <a:ext cx="216308" cy="181249"/>
               </a:xfrm>
               <a:prstGeom prst="ellipse">
@@ -9682,13 +9682,14 @@
               <p:cNvPr id="78" name="Straight Arrow Connector 77"/>
               <p:cNvCxnSpPr>
                 <a:stCxn id="14" idx="4"/>
+                <a:endCxn id="235" idx="0"/>
               </p:cNvCxnSpPr>
               <p:nvPr/>
             </p:nvCxnSpPr>
             <p:spPr>
-              <a:xfrm>
-                <a:off x="2830271" y="2711168"/>
-                <a:ext cx="2979" cy="332968"/>
+              <a:xfrm flipH="1">
+                <a:off x="2817881" y="2711168"/>
+                <a:ext cx="572" cy="356528"/>
               </a:xfrm>
               <a:prstGeom prst="straightConnector1">
                 <a:avLst/>
@@ -9827,7 +9828,7 @@
             <p:spPr>
               <a:xfrm>
                 <a:off x="2817881" y="3682741"/>
-                <a:ext cx="24904" cy="1103582"/>
+                <a:ext cx="1268" cy="1103582"/>
               </a:xfrm>
               <a:prstGeom prst="straightConnector1">
                 <a:avLst/>
@@ -9862,8 +9863,8 @@
             </p:nvCxnSpPr>
             <p:spPr>
               <a:xfrm>
-                <a:off x="2842785" y="5163649"/>
-                <a:ext cx="16517" cy="1378602"/>
+                <a:off x="2819149" y="5163649"/>
+                <a:ext cx="4699" cy="1378602"/>
               </a:xfrm>
               <a:prstGeom prst="straightConnector1">
                 <a:avLst/>
@@ -9895,7 +9896,7 @@
             </p:nvSpPr>
             <p:spPr>
               <a:xfrm>
-                <a:off x="2430710" y="6542251"/>
+                <a:off x="2395256" y="6542251"/>
                 <a:ext cx="857184" cy="456565"/>
               </a:xfrm>
               <a:prstGeom prst="roundRect">
@@ -9955,7 +9956,7 @@
             </p:nvSpPr>
             <p:spPr>
               <a:xfrm>
-                <a:off x="2232455" y="2355543"/>
+                <a:off x="2194418" y="2355070"/>
                 <a:ext cx="1246459" cy="169134"/>
               </a:xfrm>
               <a:prstGeom prst="roundRect">
@@ -10204,8 +10205,8 @@
           </p:nvCxnSpPr>
           <p:spPr>
             <a:xfrm flipV="1">
-              <a:off x="2867709" y="5456700"/>
-              <a:ext cx="1438913" cy="1855035"/>
+              <a:off x="2832255" y="5456700"/>
+              <a:ext cx="1474367" cy="1855035"/>
             </a:xfrm>
             <a:prstGeom prst="bentConnector2">
               <a:avLst/>
@@ -10237,7 +10238,7 @@
           </p:nvSpPr>
           <p:spPr>
             <a:xfrm>
-              <a:off x="1996877" y="5327524"/>
+              <a:off x="1973241" y="5327524"/>
               <a:ext cx="851444" cy="377327"/>
             </a:xfrm>
             <a:prstGeom prst="roundRect">
@@ -10371,7 +10372,7 @@
           </p:nvSpPr>
           <p:spPr>
             <a:xfrm>
-              <a:off x="10203297" y="3119971"/>
+              <a:off x="10203297" y="3085531"/>
               <a:ext cx="1004502" cy="465364"/>
             </a:xfrm>
             <a:prstGeom prst="roundRect">
@@ -10420,8 +10421,8 @@
           </p:nvCxnSpPr>
           <p:spPr>
             <a:xfrm>
-              <a:off x="7985867" y="3313821"/>
-              <a:ext cx="2217430" cy="38833"/>
+              <a:off x="7985868" y="3313821"/>
+              <a:ext cx="2217429" cy="4393"/>
             </a:xfrm>
             <a:prstGeom prst="straightConnector1">
               <a:avLst/>
@@ -10535,7 +10536,7 @@
           </p:nvSpPr>
           <p:spPr>
             <a:xfrm>
-              <a:off x="11569623" y="5994773"/>
+              <a:off x="11463260" y="6006253"/>
               <a:ext cx="174962" cy="185543"/>
             </a:xfrm>
             <a:prstGeom prst="ellipse">
@@ -10578,7 +10579,7 @@
           </p:nvSpPr>
           <p:spPr>
             <a:xfrm>
-              <a:off x="11353565" y="5837343"/>
+              <a:off x="11318603" y="5840237"/>
               <a:ext cx="464277" cy="184501"/>
             </a:xfrm>
             <a:prstGeom prst="roundRect">
@@ -11103,7 +11104,7 @@
           </p:nvSpPr>
           <p:spPr>
             <a:xfrm>
-              <a:off x="8979278" y="7039852"/>
+              <a:off x="9002914" y="7039852"/>
               <a:ext cx="997014" cy="605335"/>
             </a:xfrm>
             <a:prstGeom prst="roundRect">
@@ -11149,7 +11150,7 @@
           </p:nvSpPr>
           <p:spPr>
             <a:xfrm>
-              <a:off x="10203297" y="7060281"/>
+              <a:off x="10226933" y="7048800"/>
               <a:ext cx="991907" cy="584906"/>
             </a:xfrm>
             <a:prstGeom prst="roundRect">
@@ -11197,9 +11198,9 @@
             <p:nvPr/>
           </p:nvCxnSpPr>
           <p:spPr>
-            <a:xfrm flipH="1">
-              <a:off x="9477786" y="6319050"/>
-              <a:ext cx="20947" cy="720801"/>
+            <a:xfrm>
+              <a:off x="9498732" y="6319050"/>
+              <a:ext cx="2689" cy="720801"/>
             </a:xfrm>
             <a:prstGeom prst="straightConnector1">
               <a:avLst/>
@@ -11233,9 +11234,9 @@
             <p:nvPr/>
           </p:nvCxnSpPr>
           <p:spPr>
-            <a:xfrm>
-              <a:off x="9976292" y="7342519"/>
-              <a:ext cx="227004" cy="10214"/>
+            <a:xfrm flipV="1">
+              <a:off x="9999928" y="7341253"/>
+              <a:ext cx="227004" cy="1266"/>
             </a:xfrm>
             <a:prstGeom prst="straightConnector1">
               <a:avLst/>
@@ -11316,8 +11317,8 @@
           </p:nvCxnSpPr>
           <p:spPr>
             <a:xfrm>
-              <a:off x="10705548" y="3585335"/>
-              <a:ext cx="11310" cy="2297774"/>
+              <a:off x="10705548" y="3550896"/>
+              <a:ext cx="11310" cy="2332213"/>
             </a:xfrm>
             <a:prstGeom prst="straightConnector1">
               <a:avLst/>
@@ -11568,9 +11569,9 @@
             <p:nvPr/>
           </p:nvCxnSpPr>
           <p:spPr>
-            <a:xfrm flipV="1">
-              <a:off x="10699251" y="6319050"/>
-              <a:ext cx="17607" cy="741230"/>
+            <a:xfrm flipH="1" flipV="1">
+              <a:off x="10716858" y="6319050"/>
+              <a:ext cx="6029" cy="729750"/>
             </a:xfrm>
             <a:prstGeom prst="straightConnector1">
               <a:avLst/>
@@ -11599,13 +11600,14 @@
             <p:cNvPr id="626" name="Elbow Connector 375"/>
             <p:cNvCxnSpPr>
               <a:stCxn id="619" idx="3"/>
+              <a:endCxn id="322" idx="2"/>
             </p:cNvCxnSpPr>
             <p:nvPr/>
           </p:nvCxnSpPr>
           <p:spPr>
-            <a:xfrm>
-              <a:off x="11105098" y="6101080"/>
-              <a:ext cx="470672" cy="0"/>
+            <a:xfrm flipV="1">
+              <a:off x="11105098" y="6099025"/>
+              <a:ext cx="358162" cy="2054"/>
             </a:xfrm>
             <a:prstGeom prst="straightConnector1">
               <a:avLst/>

--- a/Business Analysis/flow.pptx
+++ b/Business Analysis/flow.pptx
@@ -207,7 +207,7 @@
           <a:p>
             <a:fld id="{C5230F40-415C-430C-954E-9C7E5CB09663}" type="datetimeFigureOut">
               <a:rPr lang="en-SG" smtClean="0"/>
-              <a:t>15/4/2017</a:t>
+              <a:t>16/4/2017</a:t>
             </a:fld>
             <a:endParaRPr lang="en-SG"/>
           </a:p>
@@ -1502,7 +1502,7 @@
           <a:p>
             <a:fld id="{52472096-1372-4433-9603-3D7A8CC319BF}" type="datetimeFigureOut">
               <a:rPr lang="en-SG" smtClean="0"/>
-              <a:t>15/4/2017</a:t>
+              <a:t>16/4/2017</a:t>
             </a:fld>
             <a:endParaRPr lang="en-SG"/>
           </a:p>
@@ -1672,7 +1672,7 @@
           <a:p>
             <a:fld id="{52472096-1372-4433-9603-3D7A8CC319BF}" type="datetimeFigureOut">
               <a:rPr lang="en-SG" smtClean="0"/>
-              <a:t>15/4/2017</a:t>
+              <a:t>16/4/2017</a:t>
             </a:fld>
             <a:endParaRPr lang="en-SG"/>
           </a:p>
@@ -1852,7 +1852,7 @@
           <a:p>
             <a:fld id="{52472096-1372-4433-9603-3D7A8CC319BF}" type="datetimeFigureOut">
               <a:rPr lang="en-SG" smtClean="0"/>
-              <a:t>15/4/2017</a:t>
+              <a:t>16/4/2017</a:t>
             </a:fld>
             <a:endParaRPr lang="en-SG"/>
           </a:p>
@@ -2022,7 +2022,7 @@
           <a:p>
             <a:fld id="{52472096-1372-4433-9603-3D7A8CC319BF}" type="datetimeFigureOut">
               <a:rPr lang="en-SG" smtClean="0"/>
-              <a:t>15/4/2017</a:t>
+              <a:t>16/4/2017</a:t>
             </a:fld>
             <a:endParaRPr lang="en-SG"/>
           </a:p>
@@ -2268,7 +2268,7 @@
           <a:p>
             <a:fld id="{52472096-1372-4433-9603-3D7A8CC319BF}" type="datetimeFigureOut">
               <a:rPr lang="en-SG" smtClean="0"/>
-              <a:t>15/4/2017</a:t>
+              <a:t>16/4/2017</a:t>
             </a:fld>
             <a:endParaRPr lang="en-SG"/>
           </a:p>
@@ -2500,7 +2500,7 @@
           <a:p>
             <a:fld id="{52472096-1372-4433-9603-3D7A8CC319BF}" type="datetimeFigureOut">
               <a:rPr lang="en-SG" smtClean="0"/>
-              <a:t>15/4/2017</a:t>
+              <a:t>16/4/2017</a:t>
             </a:fld>
             <a:endParaRPr lang="en-SG"/>
           </a:p>
@@ -2867,7 +2867,7 @@
           <a:p>
             <a:fld id="{52472096-1372-4433-9603-3D7A8CC319BF}" type="datetimeFigureOut">
               <a:rPr lang="en-SG" smtClean="0"/>
-              <a:t>15/4/2017</a:t>
+              <a:t>16/4/2017</a:t>
             </a:fld>
             <a:endParaRPr lang="en-SG"/>
           </a:p>
@@ -2985,7 +2985,7 @@
           <a:p>
             <a:fld id="{52472096-1372-4433-9603-3D7A8CC319BF}" type="datetimeFigureOut">
               <a:rPr lang="en-SG" smtClean="0"/>
-              <a:t>15/4/2017</a:t>
+              <a:t>16/4/2017</a:t>
             </a:fld>
             <a:endParaRPr lang="en-SG"/>
           </a:p>
@@ -3080,7 +3080,7 @@
           <a:p>
             <a:fld id="{52472096-1372-4433-9603-3D7A8CC319BF}" type="datetimeFigureOut">
               <a:rPr lang="en-SG" smtClean="0"/>
-              <a:t>15/4/2017</a:t>
+              <a:t>16/4/2017</a:t>
             </a:fld>
             <a:endParaRPr lang="en-SG"/>
           </a:p>
@@ -3357,7 +3357,7 @@
           <a:p>
             <a:fld id="{52472096-1372-4433-9603-3D7A8CC319BF}" type="datetimeFigureOut">
               <a:rPr lang="en-SG" smtClean="0"/>
-              <a:t>15/4/2017</a:t>
+              <a:t>16/4/2017</a:t>
             </a:fld>
             <a:endParaRPr lang="en-SG"/>
           </a:p>
@@ -3614,7 +3614,7 @@
           <a:p>
             <a:fld id="{52472096-1372-4433-9603-3D7A8CC319BF}" type="datetimeFigureOut">
               <a:rPr lang="en-SG" smtClean="0"/>
-              <a:t>15/4/2017</a:t>
+              <a:t>16/4/2017</a:t>
             </a:fld>
             <a:endParaRPr lang="en-SG"/>
           </a:p>
@@ -3827,7 +3827,7 @@
           <a:p>
             <a:fld id="{52472096-1372-4433-9603-3D7A8CC319BF}" type="datetimeFigureOut">
               <a:rPr lang="en-SG" smtClean="0"/>
-              <a:t>15/4/2017</a:t>
+              <a:t>16/4/2017</a:t>
             </a:fld>
             <a:endParaRPr lang="en-SG"/>
           </a:p>
@@ -9405,8 +9405,8 @@
         </p:nvGrpSpPr>
         <p:grpSpPr>
           <a:xfrm>
-            <a:off x="2325736" y="2467427"/>
-            <a:ext cx="11298624" cy="5362407"/>
+            <a:off x="1270000" y="4318000"/>
+            <a:ext cx="25958800" cy="12039600"/>
             <a:chOff x="685066" y="2785845"/>
             <a:chExt cx="11097814" cy="5116494"/>
           </a:xfrm>
@@ -9467,7 +9467,7 @@
               <a:lstStyle/>
               <a:p>
                 <a:pPr algn="ctr"/>
-                <a:endParaRPr lang="en-SG" b="1"/>
+                <a:endParaRPr lang="en-SG" sz="2400" b="1"/>
               </a:p>
             </p:txBody>
           </p:sp>
@@ -9513,7 +9513,7 @@
               <a:lstStyle/>
               <a:p>
                 <a:pPr algn="ctr"/>
-                <a:endParaRPr lang="en-SG" b="1" dirty="0"/>
+                <a:endParaRPr lang="en-SG" sz="2400" b="1" dirty="0"/>
               </a:p>
             </p:txBody>
           </p:sp>
@@ -9556,7 +9556,7 @@
             <p:spPr>
               <a:xfrm>
                 <a:off x="1265389" y="4157103"/>
-                <a:ext cx="697474" cy="234930"/>
+                <a:ext cx="697474" cy="196195"/>
               </a:xfrm>
               <a:prstGeom prst="rect">
                 <a:avLst/>
@@ -9570,7 +9570,7 @@
               <a:lstStyle/>
               <a:p>
                 <a:r>
-                  <a:rPr lang="en-SG" sz="1000" b="1" dirty="0"/>
+                  <a:rPr lang="en-SG" sz="2400" b="1" dirty="0"/>
                   <a:t>User</a:t>
                 </a:r>
               </a:p>
@@ -9585,7 +9585,7 @@
             <p:spPr>
               <a:xfrm>
                 <a:off x="1361575" y="6580221"/>
-                <a:ext cx="425955" cy="234930"/>
+                <a:ext cx="425955" cy="196195"/>
               </a:xfrm>
               <a:prstGeom prst="rect">
                 <a:avLst/>
@@ -9599,7 +9599,7 @@
               <a:lstStyle/>
               <a:p>
                 <a:r>
-                  <a:rPr lang="en-SG" sz="1000" b="1" dirty="0"/>
+                  <a:rPr lang="en-SG" sz="2400" b="1" dirty="0"/>
                   <a:t>URS</a:t>
                 </a:r>
               </a:p>
@@ -9644,7 +9644,7 @@
               <a:lstStyle/>
               <a:p>
                 <a:pPr algn="ctr"/>
-                <a:endParaRPr lang="en-SG" sz="720" b="1"/>
+                <a:endParaRPr lang="en-SG" sz="2400" b="1"/>
               </a:p>
             </p:txBody>
           </p:sp>
@@ -9657,7 +9657,7 @@
             <p:spPr>
               <a:xfrm>
                 <a:off x="1105251" y="6779141"/>
-                <a:ext cx="1397647" cy="190881"/>
+                <a:ext cx="1397647" cy="353151"/>
               </a:xfrm>
               <a:prstGeom prst="rect">
                 <a:avLst/>
@@ -9671,7 +9671,7 @@
               <a:lstStyle/>
               <a:p>
                 <a:r>
-                  <a:rPr lang="en-SG" sz="700" b="1" dirty="0"/>
+                  <a:rPr lang="en-SG" sz="2400" b="1" dirty="0"/>
                   <a:t>&lt; Ulink Reporting System &gt;</a:t>
                 </a:r>
               </a:p>
@@ -9694,7 +9694,7 @@
               <a:prstGeom prst="straightConnector1">
                 <a:avLst/>
               </a:prstGeom>
-              <a:ln>
+              <a:ln w="57150">
                 <a:tailEnd type="triangle"/>
               </a:ln>
             </p:spPr>
@@ -9761,7 +9761,7 @@
                 <a:lstStyle/>
                 <a:p>
                   <a:pPr algn="ctr"/>
-                  <a:endParaRPr lang="en-SG" sz="500" b="1" dirty="0"/>
+                  <a:endParaRPr lang="en-SG" sz="2400" b="1" dirty="0"/>
                 </a:p>
               </p:txBody>
             </p:sp>
@@ -9809,7 +9809,7 @@
                 <a:p>
                   <a:pPr algn="ctr"/>
                   <a:r>
-                    <a:rPr lang="en-SG" sz="900" b="1" dirty="0"/>
+                    <a:rPr lang="en-SG" sz="2400" b="1" dirty="0"/>
                     <a:t>Add new screening info?</a:t>
                   </a:r>
                 </a:p>
@@ -9833,7 +9833,7 @@
               <a:prstGeom prst="straightConnector1">
                 <a:avLst/>
               </a:prstGeom>
-              <a:ln>
+              <a:ln w="57150">
                 <a:tailEnd type="triangle"/>
               </a:ln>
             </p:spPr>
@@ -9869,7 +9869,7 @@
               <a:prstGeom prst="straightConnector1">
                 <a:avLst/>
               </a:prstGeom>
-              <a:ln>
+              <a:ln w="57150">
                 <a:tailEnd type="triangle"/>
               </a:ln>
             </p:spPr>
@@ -9938,7 +9938,7 @@
               <a:p>
                 <a:pPr algn="ctr"/>
                 <a:r>
-                  <a:rPr lang="en-SG" sz="900" b="1" dirty="0">
+                  <a:rPr lang="en-SG" sz="2400" b="1" dirty="0">
                     <a:solidFill>
                       <a:schemeClr val="tx1"/>
                     </a:solidFill>
@@ -9992,10 +9992,9 @@
               <a:p>
                 <a:pPr algn="ctr"/>
                 <a:r>
-                  <a:rPr lang="en-SG" sz="900" b="1" dirty="0"/>
+                  <a:rPr lang="en-SG" sz="2400" b="1" dirty="0"/>
                   <a:t>Start</a:t>
                 </a:r>
-                <a:endParaRPr lang="en-SG" sz="720" b="1" dirty="0"/>
               </a:p>
             </p:txBody>
           </p:sp>
@@ -10042,7 +10041,7 @@
               <a:lstStyle/>
               <a:p>
                 <a:pPr algn="ctr"/>
-                <a:endParaRPr lang="en-SG" sz="900" b="1" dirty="0"/>
+                <a:endParaRPr lang="en-SG" sz="2400" b="1" dirty="0"/>
               </a:p>
             </p:txBody>
           </p:sp>
@@ -10090,7 +10089,7 @@
               <a:p>
                 <a:pPr algn="ctr"/>
                 <a:r>
-                  <a:rPr lang="en-SG" sz="900" b="1" dirty="0"/>
+                  <a:rPr lang="en-SG" sz="2400" b="1" dirty="0"/>
                   <a:t>Yes</a:t>
                 </a:r>
               </a:p>
@@ -10140,7 +10139,7 @@
               <a:p>
                 <a:pPr algn="ctr"/>
                 <a:r>
-                  <a:rPr lang="en-SG" sz="900" b="1" dirty="0"/>
+                  <a:rPr lang="en-SG" sz="2400" b="1" dirty="0"/>
                   <a:t>No</a:t>
                 </a:r>
               </a:p>
@@ -10189,7 +10188,7 @@
               <a:lstStyle/>
               <a:p>
                 <a:pPr algn="ctr"/>
-                <a:endParaRPr lang="en-SG" sz="720" b="1"/>
+                <a:endParaRPr lang="en-SG" sz="2400" b="1"/>
               </a:p>
             </p:txBody>
           </p:sp>
@@ -10211,7 +10210,7 @@
             <a:prstGeom prst="bentConnector2">
               <a:avLst/>
             </a:prstGeom>
-            <a:ln>
+            <a:ln w="57150">
               <a:tailEnd type="triangle"/>
             </a:ln>
           </p:spPr>
@@ -10270,7 +10269,7 @@
             <a:p>
               <a:pPr algn="ctr"/>
               <a:r>
-                <a:rPr lang="en-SG" sz="900" b="1" dirty="0"/>
+                <a:rPr lang="en-SG" sz="2400" b="1" dirty="0"/>
                 <a:t>Fill in Screening information</a:t>
               </a:r>
             </a:p>
@@ -10310,7 +10309,7 @@
             <a:lstStyle/>
             <a:p>
               <a:pPr algn="ctr"/>
-              <a:endParaRPr lang="en-SG" sz="600" b="1" dirty="0"/>
+              <a:endParaRPr lang="en-SG" sz="2400" b="1" dirty="0"/>
             </a:p>
           </p:txBody>
         </p:sp>
@@ -10358,7 +10357,7 @@
             <a:p>
               <a:pPr algn="ctr"/>
               <a:r>
-                <a:rPr lang="en-SG" sz="900" b="1" dirty="0"/>
+                <a:rPr lang="en-SG" sz="2400" b="1" dirty="0"/>
                 <a:t>Email template exists?</a:t>
               </a:r>
             </a:p>
@@ -10372,7 +10371,7 @@
           </p:nvSpPr>
           <p:spPr>
             <a:xfrm>
-              <a:off x="10203297" y="3085531"/>
+              <a:off x="9041711" y="3092046"/>
               <a:ext cx="1004502" cy="465364"/>
             </a:xfrm>
             <a:prstGeom prst="roundRect">
@@ -10404,7 +10403,7 @@
             <a:p>
               <a:pPr algn="ctr"/>
               <a:r>
-                <a:rPr lang="en-SG" sz="900" b="1" dirty="0"/>
+                <a:rPr lang="en-SG" sz="2400" b="1" dirty="0"/>
                 <a:t>Select Template</a:t>
               </a:r>
             </a:p>
@@ -10421,13 +10420,13 @@
           </p:nvCxnSpPr>
           <p:spPr>
             <a:xfrm>
-              <a:off x="7985868" y="3313821"/>
-              <a:ext cx="2217429" cy="4393"/>
+              <a:off x="7985869" y="3313821"/>
+              <a:ext cx="1055843" cy="10907"/>
             </a:xfrm>
             <a:prstGeom prst="straightConnector1">
               <a:avLst/>
             </a:prstGeom>
-            <a:ln>
+            <a:ln w="57150">
               <a:tailEnd type="triangle"/>
             </a:ln>
           </p:spPr>
@@ -10463,7 +10462,7 @@
             <a:prstGeom prst="straightConnector1">
               <a:avLst/>
             </a:prstGeom>
-            <a:ln>
+            <a:ln w="57150">
               <a:tailEnd type="triangle"/>
             </a:ln>
           </p:spPr>
@@ -10522,7 +10521,7 @@
             <a:p>
               <a:pPr algn="ctr"/>
               <a:r>
-                <a:rPr lang="en-SG" sz="900" b="1" dirty="0"/>
+                <a:rPr lang="en-SG" sz="2400" b="1" dirty="0"/>
                 <a:t>Draft email</a:t>
               </a:r>
             </a:p>
@@ -10567,7 +10566,7 @@
             <a:lstStyle/>
             <a:p>
               <a:pPr algn="ctr"/>
-              <a:endParaRPr lang="en-SG" sz="720" b="1"/>
+              <a:endParaRPr lang="en-SG" sz="2400" b="1"/>
             </a:p>
           </p:txBody>
         </p:sp>
@@ -10615,10 +10614,9 @@
             <a:p>
               <a:pPr algn="ctr"/>
               <a:r>
-                <a:rPr lang="en-SG" sz="900" b="1" dirty="0"/>
+                <a:rPr lang="en-SG" sz="2400" b="1" dirty="0"/>
                 <a:t>End</a:t>
               </a:r>
-              <a:endParaRPr lang="en-SG" sz="720" b="1" dirty="0"/>
             </a:p>
           </p:txBody>
         </p:sp>
@@ -10662,7 +10660,7 @@
             <a:p>
               <a:pPr algn="ctr"/>
               <a:r>
-                <a:rPr lang="en-SG" sz="900" b="1" dirty="0"/>
+                <a:rPr lang="en-SG" sz="2400" b="1" dirty="0"/>
                 <a:t>Select Screening</a:t>
               </a:r>
             </a:p>
@@ -10708,7 +10706,7 @@
             <a:p>
               <a:pPr algn="ctr"/>
               <a:r>
-                <a:rPr lang="en-SG" sz="900" b="1" dirty="0"/>
+                <a:rPr lang="en-SG" sz="2400" b="1" dirty="0"/>
                 <a:t>View Screening</a:t>
               </a:r>
             </a:p>
@@ -10731,7 +10729,7 @@
             <a:prstGeom prst="straightConnector1">
               <a:avLst/>
             </a:prstGeom>
-            <a:ln>
+            <a:ln w="57150">
               <a:tailEnd type="triangle"/>
             </a:ln>
           </p:spPr>
@@ -10767,7 +10765,7 @@
             <a:prstGeom prst="straightConnector1">
               <a:avLst/>
             </a:prstGeom>
-            <a:ln>
+            <a:ln w="57150">
               <a:tailEnd type="triangle"/>
             </a:ln>
           </p:spPr>
@@ -10830,7 +10828,7 @@
             <a:p>
               <a:pPr algn="ctr"/>
               <a:r>
-                <a:rPr lang="en-SG" sz="900" b="1" dirty="0"/>
+                <a:rPr lang="en-SG" sz="2400" b="1" dirty="0"/>
                 <a:t>Yes</a:t>
               </a:r>
             </a:p>
@@ -10880,10 +10878,9 @@
             <a:p>
               <a:pPr algn="ctr"/>
               <a:r>
-                <a:rPr lang="en-SG" sz="900" b="1" dirty="0"/>
+                <a:rPr lang="en-SG" sz="2400" b="1" dirty="0"/>
                 <a:t>No</a:t>
               </a:r>
-              <a:endParaRPr lang="en-SG" sz="720" b="1" dirty="0"/>
             </a:p>
           </p:txBody>
         </p:sp>
@@ -10931,7 +10928,7 @@
             <a:p>
               <a:pPr algn="ctr"/>
               <a:r>
-                <a:rPr lang="en-SG" sz="900" b="1" dirty="0"/>
+                <a:rPr lang="en-SG" sz="2400" b="1" dirty="0"/>
                 <a:t>Yes</a:t>
               </a:r>
             </a:p>
@@ -10977,7 +10974,7 @@
             <a:p>
               <a:pPr algn="ctr"/>
               <a:r>
-                <a:rPr lang="en-SG" sz="900" b="1" dirty="0"/>
+                <a:rPr lang="en-SG" sz="2400" b="1" dirty="0"/>
                 <a:t>Select clients to send email</a:t>
               </a:r>
             </a:p>
@@ -11000,7 +10997,7 @@
             <a:prstGeom prst="bentConnector2">
               <a:avLst/>
             </a:prstGeom>
-            <a:ln>
+            <a:ln w="57150">
               <a:tailEnd type="triangle"/>
             </a:ln>
           </p:spPr>
@@ -11054,7 +11051,7 @@
             <a:p>
               <a:pPr algn="ctr"/>
               <a:r>
-                <a:rPr lang="en-SG" sz="900" b="1" dirty="0"/>
+                <a:rPr lang="en-SG" sz="2400" b="1" dirty="0"/>
                 <a:t>Save?</a:t>
               </a:r>
             </a:p>
@@ -11136,7 +11133,7 @@
             <a:p>
               <a:pPr algn="ctr"/>
               <a:r>
-                <a:rPr lang="en-SG" sz="900" b="1" dirty="0"/>
+                <a:rPr lang="en-SG" sz="2400" b="1" dirty="0"/>
                 <a:t>Pull client and screenings information from database</a:t>
               </a:r>
             </a:p>
@@ -11182,7 +11179,7 @@
             <a:p>
               <a:pPr algn="ctr"/>
               <a:r>
-                <a:rPr lang="en-SG" sz="900" b="1" dirty="0"/>
+                <a:rPr lang="en-SG" sz="2400" b="1" dirty="0"/>
                 <a:t>Send as email to recipient</a:t>
               </a:r>
             </a:p>
@@ -11205,7 +11202,7 @@
             <a:prstGeom prst="straightConnector1">
               <a:avLst/>
             </a:prstGeom>
-            <a:ln>
+            <a:ln w="57150">
               <a:tailEnd type="triangle"/>
             </a:ln>
           </p:spPr>
@@ -11241,7 +11238,7 @@
             <a:prstGeom prst="straightConnector1">
               <a:avLst/>
             </a:prstGeom>
-            <a:ln>
+            <a:ln w="57150">
               <a:tailEnd type="triangle"/>
             </a:ln>
           </p:spPr>
@@ -11300,7 +11297,7 @@
             <a:p>
               <a:pPr algn="ctr"/>
               <a:r>
-                <a:rPr lang="en-SG" sz="900" b="1" dirty="0"/>
+                <a:rPr lang="en-SG" sz="2400" b="1" dirty="0"/>
                 <a:t>Send email</a:t>
               </a:r>
             </a:p>
@@ -11311,19 +11308,18 @@
             <p:cNvPr id="444" name="Elbow Connector 289"/>
             <p:cNvCxnSpPr>
               <a:stCxn id="230" idx="2"/>
-              <a:endCxn id="619" idx="0"/>
             </p:cNvCxnSpPr>
             <p:nvPr/>
           </p:nvCxnSpPr>
           <p:spPr>
             <a:xfrm>
-              <a:off x="10705548" y="3550896"/>
-              <a:ext cx="11310" cy="2332213"/>
+              <a:off x="9543962" y="3557410"/>
+              <a:ext cx="0" cy="2325699"/>
             </a:xfrm>
             <a:prstGeom prst="straightConnector1">
               <a:avLst/>
             </a:prstGeom>
-            <a:ln>
+            <a:ln w="57150">
               <a:tailEnd type="triangle"/>
             </a:ln>
           </p:spPr>
@@ -11382,7 +11378,7 @@
             <a:p>
               <a:pPr algn="ctr"/>
               <a:r>
-                <a:rPr lang="en-SG" sz="900" b="1" dirty="0"/>
+                <a:rPr lang="en-SG" sz="2400" b="1" dirty="0"/>
                 <a:t>Save drafted email</a:t>
               </a:r>
             </a:p>
@@ -11432,7 +11428,7 @@
             <a:p>
               <a:pPr algn="ctr"/>
               <a:r>
-                <a:rPr lang="en-SG" sz="900" b="1" dirty="0"/>
+                <a:rPr lang="en-SG" sz="2400" b="1" dirty="0"/>
                 <a:t>No</a:t>
               </a:r>
             </a:p>
@@ -11457,7 +11453,7 @@
                 <a:gd name="adj1" fmla="val 50000"/>
               </a:avLst>
             </a:prstGeom>
-            <a:ln>
+            <a:ln w="57150">
               <a:tailEnd type="triangle"/>
             </a:ln>
           </p:spPr>
@@ -11494,7 +11490,7 @@
                 <a:gd name="adj1" fmla="val 53202"/>
               </a:avLst>
             </a:prstGeom>
-            <a:ln>
+            <a:ln w="57150">
               <a:tailEnd type="triangle"/>
             </a:ln>
           </p:spPr>
@@ -11553,7 +11549,7 @@
             <a:p>
               <a:pPr algn="ctr"/>
               <a:r>
-                <a:rPr lang="en-SG" sz="900" b="1" dirty="0"/>
+                <a:rPr lang="en-SG" sz="2400" b="1" dirty="0"/>
                 <a:t>Check email and forward to client</a:t>
               </a:r>
             </a:p>
@@ -11576,7 +11572,7 @@
             <a:prstGeom prst="straightConnector1">
               <a:avLst/>
             </a:prstGeom>
-            <a:ln>
+            <a:ln w="57150">
               <a:tailEnd type="triangle"/>
             </a:ln>
           </p:spPr>
@@ -11612,7 +11608,7 @@
             <a:prstGeom prst="straightConnector1">
               <a:avLst/>
             </a:prstGeom>
-            <a:ln>
+            <a:ln w="57150">
               <a:tailEnd type="triangle"/>
             </a:ln>
           </p:spPr>
@@ -11650,7 +11646,7 @@
                 <a:gd name="adj1" fmla="val 50000"/>
               </a:avLst>
             </a:prstGeom>
-            <a:ln>
+            <a:ln w="57150">
               <a:tailEnd type="triangle"/>
             </a:ln>
           </p:spPr>
@@ -11688,7 +11684,7 @@
                 <a:gd name="adj1" fmla="val 50000"/>
               </a:avLst>
             </a:prstGeom>
-            <a:ln>
+            <a:ln w="57150">
               <a:tailEnd type="triangle"/>
             </a:ln>
           </p:spPr>
@@ -11750,7 +11746,7 @@
             <a:lstStyle/>
             <a:p>
               <a:pPr algn="ctr"/>
-              <a:endParaRPr lang="en-SG" sz="720" b="1" dirty="0"/>
+              <a:endParaRPr lang="en-SG" sz="2400" b="1" dirty="0"/>
             </a:p>
           </p:txBody>
         </p:sp>
